--- a/BerkeleyClass/CS290Spring2013/Lectures/Cryptoclass8.pptx
+++ b/BerkeleyClass/CS290Spring2013/Lectures/Cryptoclass8.pptx
@@ -7794,31 +7794,6 @@
           </a:p>
         </p:txBody>
       </p:sp>
-      <p:sp>
-        <p:nvSpPr>
-          <p:cNvPr id="6" name="Date Placeholder 5"/>
-          <p:cNvSpPr>
-            <a:spLocks noGrp="1"/>
-          </p:cNvSpPr>
-          <p:nvPr>
-            <p:ph type="dt" sz="half" idx="10"/>
-          </p:nvPr>
-        </p:nvSpPr>
-        <p:spPr/>
-        <p:txBody>
-          <a:bodyPr/>
-          <a:lstStyle/>
-          <a:p>
-            <a:pPr>
-              <a:defRPr/>
-            </a:pPr>
-            <a:r>
-              <a:rPr lang="en-US" dirty="0"/>
-              <a:t>JLM 202003050</a:t>
-            </a:r>
-          </a:p>
-        </p:txBody>
-      </p:sp>
     </p:spTree>
   </p:cSld>
   <p:clrMapOvr>
@@ -9209,42 +9184,19 @@
           </a:p>
         </p:txBody>
       </p:sp>
-      <p:sp>
-        <p:nvSpPr>
-          <p:cNvPr id="6" name="Date Placeholder 3"/>
-          <p:cNvSpPr>
-            <a:spLocks noGrp="1"/>
-          </p:cNvSpPr>
-          <p:nvPr>
-            <p:ph type="dt" sz="quarter" idx="10"/>
-          </p:nvPr>
-        </p:nvSpPr>
-        <p:spPr>
-          <a:xfrm>
-            <a:off x="685800" y="6248400"/>
-            <a:ext cx="1905000" cy="457200"/>
-          </a:xfrm>
-          <a:noFill/>
-        </p:spPr>
-        <p:txBody>
-          <a:bodyPr/>
-          <a:lstStyle/>
-          <a:p>
-            <a:r>
-              <a:rPr lang="en-US"/>
-              <a:t>JLM 20101208</a:t>
-            </a:r>
-            <a:endParaRPr lang="en-US" dirty="0"/>
-          </a:p>
-        </p:txBody>
-      </p:sp>
       <p:graphicFrame>
         <p:nvGraphicFramePr>
           <p:cNvPr id="7" name="Table 6"/>
           <p:cNvGraphicFramePr>
             <a:graphicFrameLocks noGrp="1"/>
           </p:cNvGraphicFramePr>
-          <p:nvPr/>
+          <p:nvPr>
+            <p:extLst>
+              <p:ext uri="{D42A27DB-BD31-4B8C-83A1-F6EECF244321}">
+                <p14:modId xmlns:p14="http://schemas.microsoft.com/office/powerpoint/2010/main" val="2932028608"/>
+              </p:ext>
+            </p:extLst>
+          </p:nvPr>
         </p:nvGraphicFramePr>
         <p:xfrm>
           <a:off x="304800" y="2971800"/>
@@ -9374,6 +9326,8 @@
                           <a:solidFill>
                             <a:schemeClr val="tx1"/>
                           </a:solidFill>
+                          <a:latin typeface="Calibri" panose="020F0502020204030204" pitchFamily="34" charset="0"/>
+                          <a:cs typeface="Calibri" panose="020F0502020204030204" pitchFamily="34" charset="0"/>
                         </a:rPr>
                         <a:t>j</a:t>
                       </a:r>
@@ -9392,6 +9346,8 @@
                           <a:solidFill>
                             <a:schemeClr val="tx1"/>
                           </a:solidFill>
+                          <a:latin typeface="Calibri" panose="020F0502020204030204" pitchFamily="34" charset="0"/>
+                          <a:cs typeface="Calibri" panose="020F0502020204030204" pitchFamily="34" charset="0"/>
                         </a:rPr>
                         <a:t>1</a:t>
                       </a:r>
@@ -9410,6 +9366,8 @@
                           <a:solidFill>
                             <a:schemeClr val="tx1"/>
                           </a:solidFill>
+                          <a:latin typeface="Calibri" panose="020F0502020204030204" pitchFamily="34" charset="0"/>
+                          <a:cs typeface="Calibri" panose="020F0502020204030204" pitchFamily="34" charset="0"/>
                         </a:rPr>
                         <a:t>2</a:t>
                       </a:r>
@@ -9428,6 +9386,8 @@
                           <a:solidFill>
                             <a:schemeClr val="tx1"/>
                           </a:solidFill>
+                          <a:latin typeface="Calibri" panose="020F0502020204030204" pitchFamily="34" charset="0"/>
+                          <a:cs typeface="Calibri" panose="020F0502020204030204" pitchFamily="34" charset="0"/>
                         </a:rPr>
                         <a:t>3</a:t>
                       </a:r>
@@ -9446,6 +9406,8 @@
                           <a:solidFill>
                             <a:schemeClr val="tx1"/>
                           </a:solidFill>
+                          <a:latin typeface="Calibri" panose="020F0502020204030204" pitchFamily="34" charset="0"/>
+                          <a:cs typeface="Calibri" panose="020F0502020204030204" pitchFamily="34" charset="0"/>
                         </a:rPr>
                         <a:t>4</a:t>
                       </a:r>
@@ -9464,6 +9426,8 @@
                           <a:solidFill>
                             <a:schemeClr val="tx1"/>
                           </a:solidFill>
+                          <a:latin typeface="Calibri" panose="020F0502020204030204" pitchFamily="34" charset="0"/>
+                          <a:cs typeface="Calibri" panose="020F0502020204030204" pitchFamily="34" charset="0"/>
                         </a:rPr>
                         <a:t>5</a:t>
                       </a:r>
@@ -9482,6 +9446,8 @@
                           <a:solidFill>
                             <a:schemeClr val="tx1"/>
                           </a:solidFill>
+                          <a:latin typeface="Calibri" panose="020F0502020204030204" pitchFamily="34" charset="0"/>
+                          <a:cs typeface="Calibri" panose="020F0502020204030204" pitchFamily="34" charset="0"/>
                         </a:rPr>
                         <a:t>6</a:t>
                       </a:r>
@@ -9500,6 +9466,8 @@
                           <a:solidFill>
                             <a:schemeClr val="tx1"/>
                           </a:solidFill>
+                          <a:latin typeface="Calibri" panose="020F0502020204030204" pitchFamily="34" charset="0"/>
+                          <a:cs typeface="Calibri" panose="020F0502020204030204" pitchFamily="34" charset="0"/>
                         </a:rPr>
                         <a:t>7</a:t>
                       </a:r>
@@ -9518,6 +9486,8 @@
                           <a:solidFill>
                             <a:schemeClr val="tx1"/>
                           </a:solidFill>
+                          <a:latin typeface="Calibri" panose="020F0502020204030204" pitchFamily="34" charset="0"/>
+                          <a:cs typeface="Calibri" panose="020F0502020204030204" pitchFamily="34" charset="0"/>
                         </a:rPr>
                         <a:t>8</a:t>
                       </a:r>
@@ -9536,6 +9506,8 @@
                           <a:solidFill>
                             <a:schemeClr val="tx1"/>
                           </a:solidFill>
+                          <a:latin typeface="Calibri" panose="020F0502020204030204" pitchFamily="34" charset="0"/>
+                          <a:cs typeface="Calibri" panose="020F0502020204030204" pitchFamily="34" charset="0"/>
                         </a:rPr>
                         <a:t>9</a:t>
                       </a:r>
@@ -9554,6 +9526,8 @@
                           <a:solidFill>
                             <a:schemeClr val="tx1"/>
                           </a:solidFill>
+                          <a:latin typeface="Calibri" panose="020F0502020204030204" pitchFamily="34" charset="0"/>
+                          <a:cs typeface="Calibri" panose="020F0502020204030204" pitchFamily="34" charset="0"/>
                         </a:rPr>
                         <a:t>10</a:t>
                       </a:r>
@@ -9572,6 +9546,8 @@
                           <a:solidFill>
                             <a:schemeClr val="tx1"/>
                           </a:solidFill>
+                          <a:latin typeface="Calibri" panose="020F0502020204030204" pitchFamily="34" charset="0"/>
+                          <a:cs typeface="Calibri" panose="020F0502020204030204" pitchFamily="34" charset="0"/>
                         </a:rPr>
                         <a:t>11</a:t>
                       </a:r>
@@ -9590,6 +9566,8 @@
                           <a:solidFill>
                             <a:schemeClr val="tx1"/>
                           </a:solidFill>
+                          <a:latin typeface="Calibri" panose="020F0502020204030204" pitchFamily="34" charset="0"/>
+                          <a:cs typeface="Calibri" panose="020F0502020204030204" pitchFamily="34" charset="0"/>
                         </a:rPr>
                         <a:t>12</a:t>
                       </a:r>
@@ -9608,6 +9586,8 @@
                           <a:solidFill>
                             <a:schemeClr val="tx1"/>
                           </a:solidFill>
+                          <a:latin typeface="Calibri" panose="020F0502020204030204" pitchFamily="34" charset="0"/>
+                          <a:cs typeface="Calibri" panose="020F0502020204030204" pitchFamily="34" charset="0"/>
                         </a:rPr>
                         <a:t>13</a:t>
                       </a:r>
@@ -9626,6 +9606,8 @@
                           <a:solidFill>
                             <a:schemeClr val="tx1"/>
                           </a:solidFill>
+                          <a:latin typeface="Calibri" panose="020F0502020204030204" pitchFamily="34" charset="0"/>
+                          <a:cs typeface="Calibri" panose="020F0502020204030204" pitchFamily="34" charset="0"/>
                         </a:rPr>
                         <a:t>14</a:t>
                       </a:r>
@@ -9650,7 +9632,8 @@
                           <a:solidFill>
                             <a:schemeClr val="tx1"/>
                           </a:solidFill>
-                          <a:latin typeface="Math1" pitchFamily="2" charset="2"/>
+                          <a:latin typeface="Calibri" panose="020F0502020204030204" pitchFamily="34" charset="0"/>
+                          <a:cs typeface="Calibri" panose="020F0502020204030204" pitchFamily="34" charset="0"/>
                         </a:rPr>
                         <a:t>a</a:t>
                       </a:r>
@@ -9659,6 +9642,8 @@
                           <a:solidFill>
                             <a:schemeClr val="tx1"/>
                           </a:solidFill>
+                          <a:latin typeface="Calibri" panose="020F0502020204030204" pitchFamily="34" charset="0"/>
+                          <a:cs typeface="Calibri" panose="020F0502020204030204" pitchFamily="34" charset="0"/>
                         </a:rPr>
                         <a:t>j</a:t>
                       </a:r>
@@ -9666,6 +9651,8 @@
                         <a:solidFill>
                           <a:schemeClr val="tx1"/>
                         </a:solidFill>
+                        <a:latin typeface="Calibri" panose="020F0502020204030204" pitchFamily="34" charset="0"/>
+                        <a:cs typeface="Calibri" panose="020F0502020204030204" pitchFamily="34" charset="0"/>
                       </a:endParaRPr>
                     </a:p>
                   </a:txBody>
@@ -9682,6 +9669,8 @@
                           <a:solidFill>
                             <a:schemeClr val="tx1"/>
                           </a:solidFill>
+                          <a:latin typeface="Calibri" panose="020F0502020204030204" pitchFamily="34" charset="0"/>
+                          <a:cs typeface="Calibri" panose="020F0502020204030204" pitchFamily="34" charset="0"/>
                         </a:rPr>
                         <a:t>5</a:t>
                       </a:r>
@@ -9700,6 +9689,8 @@
                           <a:solidFill>
                             <a:schemeClr val="tx1"/>
                           </a:solidFill>
+                          <a:latin typeface="Calibri" panose="020F0502020204030204" pitchFamily="34" charset="0"/>
+                          <a:cs typeface="Calibri" panose="020F0502020204030204" pitchFamily="34" charset="0"/>
                         </a:rPr>
                         <a:t>25</a:t>
                       </a:r>
@@ -9718,6 +9709,8 @@
                           <a:solidFill>
                             <a:schemeClr val="tx1"/>
                           </a:solidFill>
+                          <a:latin typeface="Calibri" panose="020F0502020204030204" pitchFamily="34" charset="0"/>
+                          <a:cs typeface="Calibri" panose="020F0502020204030204" pitchFamily="34" charset="0"/>
                         </a:rPr>
                         <a:t>125</a:t>
                       </a:r>
@@ -9736,6 +9729,8 @@
                           <a:solidFill>
                             <a:schemeClr val="tx1"/>
                           </a:solidFill>
+                          <a:latin typeface="Calibri" panose="020F0502020204030204" pitchFamily="34" charset="0"/>
+                          <a:cs typeface="Calibri" panose="020F0502020204030204" pitchFamily="34" charset="0"/>
                         </a:rPr>
                         <a:t>46</a:t>
                       </a:r>
@@ -9754,6 +9749,8 @@
                           <a:solidFill>
                             <a:schemeClr val="tx1"/>
                           </a:solidFill>
+                          <a:latin typeface="Calibri" panose="020F0502020204030204" pitchFamily="34" charset="0"/>
+                          <a:cs typeface="Calibri" panose="020F0502020204030204" pitchFamily="34" charset="0"/>
                         </a:rPr>
                         <a:t>37</a:t>
                       </a:r>
@@ -9772,6 +9769,8 @@
                           <a:solidFill>
                             <a:schemeClr val="tx1"/>
                           </a:solidFill>
+                          <a:latin typeface="Calibri" panose="020F0502020204030204" pitchFamily="34" charset="0"/>
+                          <a:cs typeface="Calibri" panose="020F0502020204030204" pitchFamily="34" charset="0"/>
                         </a:rPr>
                         <a:t>185</a:t>
                       </a:r>
@@ -9790,6 +9789,8 @@
                           <a:solidFill>
                             <a:schemeClr val="tx1"/>
                           </a:solidFill>
+                          <a:latin typeface="Calibri" panose="020F0502020204030204" pitchFamily="34" charset="0"/>
+                          <a:cs typeface="Calibri" panose="020F0502020204030204" pitchFamily="34" charset="0"/>
                         </a:rPr>
                         <a:t>153</a:t>
                       </a:r>
@@ -9808,6 +9809,8 @@
                           <a:solidFill>
                             <a:schemeClr val="tx1"/>
                           </a:solidFill>
+                          <a:latin typeface="Calibri" panose="020F0502020204030204" pitchFamily="34" charset="0"/>
+                          <a:cs typeface="Calibri" panose="020F0502020204030204" pitchFamily="34" charset="0"/>
                         </a:rPr>
                         <a:t>186</a:t>
                       </a:r>
@@ -9826,6 +9829,8 @@
                           <a:solidFill>
                             <a:schemeClr val="tx1"/>
                           </a:solidFill>
+                          <a:latin typeface="Calibri" panose="020F0502020204030204" pitchFamily="34" charset="0"/>
+                          <a:cs typeface="Calibri" panose="020F0502020204030204" pitchFamily="34" charset="0"/>
                         </a:rPr>
                         <a:t>158</a:t>
                       </a:r>
@@ -9844,6 +9849,8 @@
                           <a:solidFill>
                             <a:schemeClr val="tx1"/>
                           </a:solidFill>
+                          <a:latin typeface="Calibri" panose="020F0502020204030204" pitchFamily="34" charset="0"/>
+                          <a:cs typeface="Calibri" panose="020F0502020204030204" pitchFamily="34" charset="0"/>
                         </a:rPr>
                         <a:t>18</a:t>
                       </a:r>
@@ -9862,6 +9869,8 @@
                           <a:solidFill>
                             <a:schemeClr val="accent2"/>
                           </a:solidFill>
+                          <a:latin typeface="Calibri" panose="020F0502020204030204" pitchFamily="34" charset="0"/>
+                          <a:cs typeface="Calibri" panose="020F0502020204030204" pitchFamily="34" charset="0"/>
                         </a:rPr>
                         <a:t>90</a:t>
                       </a:r>
@@ -9880,6 +9889,8 @@
                           <a:solidFill>
                             <a:schemeClr val="tx1"/>
                           </a:solidFill>
+                          <a:latin typeface="Calibri" panose="020F0502020204030204" pitchFamily="34" charset="0"/>
+                          <a:cs typeface="Calibri" panose="020F0502020204030204" pitchFamily="34" charset="0"/>
                         </a:rPr>
                         <a:t>64</a:t>
                       </a:r>
@@ -9898,6 +9909,8 @@
                           <a:solidFill>
                             <a:schemeClr val="tx1"/>
                           </a:solidFill>
+                          <a:latin typeface="Calibri" panose="020F0502020204030204" pitchFamily="34" charset="0"/>
+                          <a:cs typeface="Calibri" panose="020F0502020204030204" pitchFamily="34" charset="0"/>
                         </a:rPr>
                         <a:t>127</a:t>
                       </a:r>
@@ -9916,6 +9929,8 @@
                           <a:solidFill>
                             <a:schemeClr val="tx1"/>
                           </a:solidFill>
+                          <a:latin typeface="Calibri" panose="020F0502020204030204" pitchFamily="34" charset="0"/>
+                          <a:cs typeface="Calibri" panose="020F0502020204030204" pitchFamily="34" charset="0"/>
                         </a:rPr>
                         <a:t>56</a:t>
                       </a:r>
@@ -9940,7 +9955,8 @@
                           <a:solidFill>
                             <a:schemeClr val="tx1"/>
                           </a:solidFill>
-                          <a:latin typeface="Math1" pitchFamily="2" charset="2"/>
+                          <a:latin typeface="Calibri" panose="020F0502020204030204" pitchFamily="34" charset="0"/>
+                          <a:cs typeface="Calibri" panose="020F0502020204030204" pitchFamily="34" charset="0"/>
                         </a:rPr>
                         <a:t>ba</a:t>
                       </a:r>
@@ -9949,6 +9965,8 @@
                           <a:solidFill>
                             <a:schemeClr val="tx1"/>
                           </a:solidFill>
+                          <a:latin typeface="Calibri" panose="020F0502020204030204" pitchFamily="34" charset="0"/>
+                          <a:cs typeface="Calibri" panose="020F0502020204030204" pitchFamily="34" charset="0"/>
                         </a:rPr>
                         <a:t>-mj</a:t>
                       </a:r>
@@ -9956,6 +9974,8 @@
                         <a:solidFill>
                           <a:schemeClr val="tx1"/>
                         </a:solidFill>
+                        <a:latin typeface="Calibri" panose="020F0502020204030204" pitchFamily="34" charset="0"/>
+                        <a:cs typeface="Calibri" panose="020F0502020204030204" pitchFamily="34" charset="0"/>
                       </a:endParaRPr>
                     </a:p>
                   </a:txBody>
@@ -9972,6 +9992,8 @@
                           <a:solidFill>
                             <a:schemeClr val="tx1"/>
                           </a:solidFill>
+                          <a:latin typeface="Calibri" panose="020F0502020204030204" pitchFamily="34" charset="0"/>
+                          <a:cs typeface="Calibri" panose="020F0502020204030204" pitchFamily="34" charset="0"/>
                         </a:rPr>
                         <a:t>26</a:t>
                       </a:r>
@@ -9990,6 +10012,8 @@
                           <a:solidFill>
                             <a:schemeClr val="tx1"/>
                           </a:solidFill>
+                          <a:latin typeface="Calibri" panose="020F0502020204030204" pitchFamily="34" charset="0"/>
+                          <a:cs typeface="Calibri" panose="020F0502020204030204" pitchFamily="34" charset="0"/>
                         </a:rPr>
                         <a:t>77</a:t>
                       </a:r>
@@ -10008,6 +10032,8 @@
                           <a:solidFill>
                             <a:schemeClr val="tx1"/>
                           </a:solidFill>
+                          <a:latin typeface="Calibri" panose="020F0502020204030204" pitchFamily="34" charset="0"/>
+                          <a:cs typeface="Calibri" panose="020F0502020204030204" pitchFamily="34" charset="0"/>
                         </a:rPr>
                         <a:t>78</a:t>
                       </a:r>
@@ -10026,6 +10052,8 @@
                           <a:solidFill>
                             <a:schemeClr val="tx1"/>
                           </a:solidFill>
+                          <a:latin typeface="Calibri" panose="020F0502020204030204" pitchFamily="34" charset="0"/>
+                          <a:cs typeface="Calibri" panose="020F0502020204030204" pitchFamily="34" charset="0"/>
                         </a:rPr>
                         <a:t>74</a:t>
                       </a:r>
@@ -10044,6 +10072,8 @@
                           <a:solidFill>
                             <a:schemeClr val="accent2"/>
                           </a:solidFill>
+                          <a:latin typeface="Calibri" panose="020F0502020204030204" pitchFamily="34" charset="0"/>
+                          <a:cs typeface="Calibri" panose="020F0502020204030204" pitchFamily="34" charset="0"/>
                         </a:rPr>
                         <a:t>90</a:t>
                       </a:r>
@@ -10062,6 +10092,8 @@
                           <a:solidFill>
                             <a:schemeClr val="tx1"/>
                           </a:solidFill>
+                          <a:latin typeface="Calibri" panose="020F0502020204030204" pitchFamily="34" charset="0"/>
+                          <a:cs typeface="Calibri" panose="020F0502020204030204" pitchFamily="34" charset="0"/>
                         </a:rPr>
                         <a:t>26</a:t>
                       </a:r>
@@ -10080,6 +10112,8 @@
                           <a:solidFill>
                             <a:schemeClr val="tx1"/>
                           </a:solidFill>
+                          <a:latin typeface="Calibri" panose="020F0502020204030204" pitchFamily="34" charset="0"/>
+                          <a:cs typeface="Calibri" panose="020F0502020204030204" pitchFamily="34" charset="0"/>
                         </a:rPr>
                         <a:t>89</a:t>
                       </a:r>
@@ -10098,6 +10132,8 @@
                           <a:solidFill>
                             <a:schemeClr val="tx1"/>
                           </a:solidFill>
+                          <a:latin typeface="Calibri" panose="020F0502020204030204" pitchFamily="34" charset="0"/>
+                          <a:cs typeface="Calibri" panose="020F0502020204030204" pitchFamily="34" charset="0"/>
                         </a:rPr>
                         <a:t>30</a:t>
                       </a:r>
@@ -10116,6 +10152,8 @@
                           <a:solidFill>
                             <a:schemeClr val="tx1"/>
                           </a:solidFill>
+                          <a:latin typeface="Calibri" panose="020F0502020204030204" pitchFamily="34" charset="0"/>
+                          <a:cs typeface="Calibri" panose="020F0502020204030204" pitchFamily="34" charset="0"/>
                         </a:rPr>
                         <a:t>73</a:t>
                       </a:r>
@@ -10134,6 +10172,8 @@
                           <a:solidFill>
                             <a:schemeClr val="tx1"/>
                           </a:solidFill>
+                          <a:latin typeface="Calibri" panose="020F0502020204030204" pitchFamily="34" charset="0"/>
+                          <a:cs typeface="Calibri" panose="020F0502020204030204" pitchFamily="34" charset="0"/>
                         </a:rPr>
                         <a:t>94</a:t>
                       </a:r>
@@ -10152,6 +10192,8 @@
                           <a:solidFill>
                             <a:schemeClr val="tx1"/>
                           </a:solidFill>
+                          <a:latin typeface="Calibri" panose="020F0502020204030204" pitchFamily="34" charset="0"/>
+                          <a:cs typeface="Calibri" panose="020F0502020204030204" pitchFamily="34" charset="0"/>
                         </a:rPr>
                         <a:t>10</a:t>
                       </a:r>
@@ -10170,6 +10212,8 @@
                           <a:solidFill>
                             <a:schemeClr val="tx1"/>
                           </a:solidFill>
+                          <a:latin typeface="Calibri" panose="020F0502020204030204" pitchFamily="34" charset="0"/>
+                          <a:cs typeface="Calibri" panose="020F0502020204030204" pitchFamily="34" charset="0"/>
                         </a:rPr>
                         <a:t>153</a:t>
                       </a:r>
@@ -10188,6 +10232,8 @@
                           <a:solidFill>
                             <a:schemeClr val="tx1"/>
                           </a:solidFill>
+                          <a:latin typeface="Calibri" panose="020F0502020204030204" pitchFamily="34" charset="0"/>
+                          <a:cs typeface="Calibri" panose="020F0502020204030204" pitchFamily="34" charset="0"/>
                         </a:rPr>
                         <a:t>160</a:t>
                       </a:r>
@@ -10206,6 +10252,8 @@
                           <a:solidFill>
                             <a:schemeClr val="tx1"/>
                           </a:solidFill>
+                          <a:latin typeface="Calibri" panose="020F0502020204030204" pitchFamily="34" charset="0"/>
+                          <a:cs typeface="Calibri" panose="020F0502020204030204" pitchFamily="34" charset="0"/>
                         </a:rPr>
                         <a:t>132</a:t>
                       </a:r>
@@ -11665,66 +11713,26 @@
               </a:lnSpc>
             </a:pPr>
             <a:r>
-              <a:rPr lang="en-US" sz="2000" dirty="0"/>
-              <a:t>p=229, n=191, </a:t>
-            </a:r>
-            <a:r>
               <a:rPr lang="en-US" sz="2000" dirty="0">
-                <a:latin typeface="Math1" pitchFamily="2" charset="2"/>
-              </a:rPr>
-              <a:t>b</a:t>
-            </a:r>
-            <a:r>
-              <a:rPr lang="en-US" sz="2000" dirty="0"/>
-              <a:t>=228, </a:t>
+                <a:latin typeface="Calibri" panose="020F0502020204030204" pitchFamily="34" charset="0"/>
+                <a:cs typeface="Calibri" panose="020F0502020204030204" pitchFamily="34" charset="0"/>
+              </a:rPr>
+              <a:t>p=229, n=191, b=228, a=2.  L</a:t>
+            </a:r>
+            <a:r>
+              <a:rPr lang="en-US" sz="2000" baseline="-25000" dirty="0">
+                <a:latin typeface="Calibri" panose="020F0502020204030204" pitchFamily="34" charset="0"/>
+                <a:cs typeface="Calibri" panose="020F0502020204030204" pitchFamily="34" charset="0"/>
+              </a:rPr>
+              <a:t>2</a:t>
             </a:r>
             <a:r>
               <a:rPr lang="en-US" sz="2000" dirty="0">
-                <a:latin typeface="Math1" pitchFamily="2" charset="2"/>
-              </a:rPr>
-              <a:t>a</a:t>
-            </a:r>
-            <a:r>
-              <a:rPr lang="en-US" sz="2000" dirty="0"/>
-              <a:t>=2.  L</a:t>
-            </a:r>
-            <a:r>
-              <a:rPr lang="en-US" sz="2000" baseline="-25000" dirty="0"/>
-              <a:t>2</a:t>
-            </a:r>
-            <a:r>
-              <a:rPr lang="en-US" sz="2000" dirty="0"/>
+                <a:latin typeface="Calibri" panose="020F0502020204030204" pitchFamily="34" charset="0"/>
+                <a:cs typeface="Calibri" panose="020F0502020204030204" pitchFamily="34" charset="0"/>
+              </a:rPr>
               <a:t>(228)=110</a:t>
             </a:r>
-          </a:p>
-        </p:txBody>
-      </p:sp>
-      <p:sp>
-        <p:nvSpPr>
-          <p:cNvPr id="6" name="Date Placeholder 3"/>
-          <p:cNvSpPr>
-            <a:spLocks noGrp="1"/>
-          </p:cNvSpPr>
-          <p:nvPr>
-            <p:ph type="dt" sz="quarter" idx="10"/>
-          </p:nvPr>
-        </p:nvSpPr>
-        <p:spPr>
-          <a:xfrm>
-            <a:off x="685800" y="6248400"/>
-            <a:ext cx="1905000" cy="457200"/>
-          </a:xfrm>
-          <a:noFill/>
-        </p:spPr>
-        <p:txBody>
-          <a:bodyPr/>
-          <a:lstStyle/>
-          <a:p>
-            <a:r>
-              <a:rPr lang="en-US"/>
-              <a:t>JLM 20101208</a:t>
-            </a:r>
-            <a:endParaRPr lang="en-US" dirty="0"/>
           </a:p>
         </p:txBody>
       </p:sp>
@@ -11737,7 +11745,7 @@
           <p:nvPr>
             <p:extLst>
               <p:ext uri="{D42A27DB-BD31-4B8C-83A1-F6EECF244321}">
-                <p14:modId xmlns:p14="http://schemas.microsoft.com/office/powerpoint/2010/main" val="482273841"/>
+                <p14:modId xmlns:p14="http://schemas.microsoft.com/office/powerpoint/2010/main" val="1368948967"/>
               </p:ext>
             </p:extLst>
           </p:nvPr>
@@ -11794,6 +11802,8 @@
                           <a:solidFill>
                             <a:schemeClr val="tx1"/>
                           </a:solidFill>
+                          <a:latin typeface="Calibri" panose="020F0502020204030204" pitchFamily="34" charset="0"/>
+                          <a:cs typeface="Calibri" panose="020F0502020204030204" pitchFamily="34" charset="0"/>
                         </a:rPr>
                         <a:t>i</a:t>
                       </a:r>
@@ -11801,6 +11811,8 @@
                         <a:solidFill>
                           <a:schemeClr val="tx1"/>
                         </a:solidFill>
+                        <a:latin typeface="Calibri" panose="020F0502020204030204" pitchFamily="34" charset="0"/>
+                        <a:cs typeface="Calibri" panose="020F0502020204030204" pitchFamily="34" charset="0"/>
                       </a:endParaRPr>
                     </a:p>
                   </a:txBody>
@@ -11817,6 +11829,8 @@
                           <a:solidFill>
                             <a:schemeClr val="tx1"/>
                           </a:solidFill>
+                          <a:latin typeface="Calibri" panose="020F0502020204030204" pitchFamily="34" charset="0"/>
+                          <a:cs typeface="Calibri" panose="020F0502020204030204" pitchFamily="34" charset="0"/>
                         </a:rPr>
                         <a:t>x</a:t>
                       </a:r>
@@ -11825,6 +11839,8 @@
                           <a:solidFill>
                             <a:schemeClr val="tx1"/>
                           </a:solidFill>
+                          <a:latin typeface="Calibri" panose="020F0502020204030204" pitchFamily="34" charset="0"/>
+                          <a:cs typeface="Calibri" panose="020F0502020204030204" pitchFamily="34" charset="0"/>
                         </a:rPr>
                         <a:t>i</a:t>
                       </a:r>
@@ -11843,6 +11859,8 @@
                           <a:solidFill>
                             <a:schemeClr val="tx1"/>
                           </a:solidFill>
+                          <a:latin typeface="Calibri" panose="020F0502020204030204" pitchFamily="34" charset="0"/>
+                          <a:cs typeface="Calibri" panose="020F0502020204030204" pitchFamily="34" charset="0"/>
                         </a:rPr>
                         <a:t>a</a:t>
                       </a:r>
@@ -11851,6 +11869,8 @@
                           <a:solidFill>
                             <a:schemeClr val="tx1"/>
                           </a:solidFill>
+                          <a:latin typeface="Calibri" panose="020F0502020204030204" pitchFamily="34" charset="0"/>
+                          <a:cs typeface="Calibri" panose="020F0502020204030204" pitchFamily="34" charset="0"/>
                         </a:rPr>
                         <a:t>i</a:t>
                       </a:r>
@@ -11858,6 +11878,8 @@
                         <a:solidFill>
                           <a:schemeClr val="tx1"/>
                         </a:solidFill>
+                        <a:latin typeface="Calibri" panose="020F0502020204030204" pitchFamily="34" charset="0"/>
+                        <a:cs typeface="Calibri" panose="020F0502020204030204" pitchFamily="34" charset="0"/>
                       </a:endParaRPr>
                     </a:p>
                   </a:txBody>
@@ -11874,6 +11896,8 @@
                           <a:solidFill>
                             <a:schemeClr val="tx1"/>
                           </a:solidFill>
+                          <a:latin typeface="Calibri" panose="020F0502020204030204" pitchFamily="34" charset="0"/>
+                          <a:cs typeface="Calibri" panose="020F0502020204030204" pitchFamily="34" charset="0"/>
                         </a:rPr>
                         <a:t>b</a:t>
                       </a:r>
@@ -11882,6 +11906,8 @@
                           <a:solidFill>
                             <a:schemeClr val="tx1"/>
                           </a:solidFill>
+                          <a:latin typeface="Calibri" panose="020F0502020204030204" pitchFamily="34" charset="0"/>
+                          <a:cs typeface="Calibri" panose="020F0502020204030204" pitchFamily="34" charset="0"/>
                         </a:rPr>
                         <a:t>i</a:t>
                       </a:r>
@@ -11907,6 +11933,8 @@
                           <a:solidFill>
                             <a:schemeClr val="tx1"/>
                           </a:solidFill>
+                          <a:latin typeface="Calibri" panose="020F0502020204030204" pitchFamily="34" charset="0"/>
+                          <a:cs typeface="Calibri" panose="020F0502020204030204" pitchFamily="34" charset="0"/>
                         </a:rPr>
                         <a:t>1</a:t>
                       </a:r>
@@ -11925,6 +11953,8 @@
                           <a:solidFill>
                             <a:schemeClr val="tx1"/>
                           </a:solidFill>
+                          <a:latin typeface="Calibri" panose="020F0502020204030204" pitchFamily="34" charset="0"/>
+                          <a:cs typeface="Calibri" panose="020F0502020204030204" pitchFamily="34" charset="0"/>
                         </a:rPr>
                         <a:t>228</a:t>
                       </a:r>
@@ -11943,6 +11973,8 @@
                           <a:solidFill>
                             <a:schemeClr val="tx1"/>
                           </a:solidFill>
+                          <a:latin typeface="Calibri" panose="020F0502020204030204" pitchFamily="34" charset="0"/>
+                          <a:cs typeface="Calibri" panose="020F0502020204030204" pitchFamily="34" charset="0"/>
                         </a:rPr>
                         <a:t>0</a:t>
                       </a:r>
@@ -11961,6 +11993,8 @@
                           <a:solidFill>
                             <a:schemeClr val="tx1"/>
                           </a:solidFill>
+                          <a:latin typeface="Calibri" panose="020F0502020204030204" pitchFamily="34" charset="0"/>
+                          <a:cs typeface="Calibri" panose="020F0502020204030204" pitchFamily="34" charset="0"/>
                         </a:rPr>
                         <a:t>1</a:t>
                       </a:r>
@@ -11986,6 +12020,8 @@
                           <a:solidFill>
                             <a:schemeClr val="tx1"/>
                           </a:solidFill>
+                          <a:latin typeface="Calibri" panose="020F0502020204030204" pitchFamily="34" charset="0"/>
+                          <a:cs typeface="Calibri" panose="020F0502020204030204" pitchFamily="34" charset="0"/>
                         </a:rPr>
                         <a:t>2</a:t>
                       </a:r>
@@ -12004,6 +12040,8 @@
                           <a:solidFill>
                             <a:schemeClr val="tx1"/>
                           </a:solidFill>
+                          <a:latin typeface="Calibri" panose="020F0502020204030204" pitchFamily="34" charset="0"/>
+                          <a:cs typeface="Calibri" panose="020F0502020204030204" pitchFamily="34" charset="0"/>
                         </a:rPr>
                         <a:t>279</a:t>
                       </a:r>
@@ -12022,6 +12060,8 @@
                           <a:solidFill>
                             <a:schemeClr val="tx1"/>
                           </a:solidFill>
+                          <a:latin typeface="Calibri" panose="020F0502020204030204" pitchFamily="34" charset="0"/>
+                          <a:cs typeface="Calibri" panose="020F0502020204030204" pitchFamily="34" charset="0"/>
                         </a:rPr>
                         <a:t>0</a:t>
                       </a:r>
@@ -12040,6 +12080,8 @@
                           <a:solidFill>
                             <a:schemeClr val="tx1"/>
                           </a:solidFill>
+                          <a:latin typeface="Calibri" panose="020F0502020204030204" pitchFamily="34" charset="0"/>
+                          <a:cs typeface="Calibri" panose="020F0502020204030204" pitchFamily="34" charset="0"/>
                         </a:rPr>
                         <a:t>2</a:t>
                       </a:r>
@@ -12065,6 +12107,8 @@
                           <a:solidFill>
                             <a:schemeClr val="tx1"/>
                           </a:solidFill>
+                          <a:latin typeface="Calibri" panose="020F0502020204030204" pitchFamily="34" charset="0"/>
+                          <a:cs typeface="Calibri" panose="020F0502020204030204" pitchFamily="34" charset="0"/>
                         </a:rPr>
                         <a:t>3</a:t>
                       </a:r>
@@ -12083,6 +12127,8 @@
                           <a:solidFill>
                             <a:schemeClr val="tx1"/>
                           </a:solidFill>
+                          <a:latin typeface="Calibri" panose="020F0502020204030204" pitchFamily="34" charset="0"/>
+                          <a:cs typeface="Calibri" panose="020F0502020204030204" pitchFamily="34" charset="0"/>
                         </a:rPr>
                         <a:t>92</a:t>
                       </a:r>
@@ -12101,6 +12147,8 @@
                           <a:solidFill>
                             <a:schemeClr val="tx1"/>
                           </a:solidFill>
+                          <a:latin typeface="Calibri" panose="020F0502020204030204" pitchFamily="34" charset="0"/>
+                          <a:cs typeface="Calibri" panose="020F0502020204030204" pitchFamily="34" charset="0"/>
                         </a:rPr>
                         <a:t>0</a:t>
                       </a:r>
@@ -12119,6 +12167,8 @@
                           <a:solidFill>
                             <a:schemeClr val="tx1"/>
                           </a:solidFill>
+                          <a:latin typeface="Calibri" panose="020F0502020204030204" pitchFamily="34" charset="0"/>
+                          <a:cs typeface="Calibri" panose="020F0502020204030204" pitchFamily="34" charset="0"/>
                         </a:rPr>
                         <a:t>4</a:t>
                       </a:r>
@@ -12144,6 +12194,8 @@
                           <a:solidFill>
                             <a:schemeClr val="tx1"/>
                           </a:solidFill>
+                          <a:latin typeface="Calibri" panose="020F0502020204030204" pitchFamily="34" charset="0"/>
+                          <a:cs typeface="Calibri" panose="020F0502020204030204" pitchFamily="34" charset="0"/>
                         </a:rPr>
                         <a:t>4</a:t>
                       </a:r>
@@ -12162,6 +12214,8 @@
                           <a:solidFill>
                             <a:schemeClr val="tx1"/>
                           </a:solidFill>
+                          <a:latin typeface="Calibri" panose="020F0502020204030204" pitchFamily="34" charset="0"/>
+                          <a:cs typeface="Calibri" panose="020F0502020204030204" pitchFamily="34" charset="0"/>
                         </a:rPr>
                         <a:t>184</a:t>
                       </a:r>
@@ -12180,6 +12234,8 @@
                           <a:solidFill>
                             <a:schemeClr val="tx1"/>
                           </a:solidFill>
+                          <a:latin typeface="Calibri" panose="020F0502020204030204" pitchFamily="34" charset="0"/>
+                          <a:cs typeface="Calibri" panose="020F0502020204030204" pitchFamily="34" charset="0"/>
                         </a:rPr>
                         <a:t>1</a:t>
                       </a:r>
@@ -12198,6 +12254,8 @@
                           <a:solidFill>
                             <a:schemeClr val="tx1"/>
                           </a:solidFill>
+                          <a:latin typeface="Calibri" panose="020F0502020204030204" pitchFamily="34" charset="0"/>
+                          <a:cs typeface="Calibri" panose="020F0502020204030204" pitchFamily="34" charset="0"/>
                         </a:rPr>
                         <a:t>4</a:t>
                       </a:r>
@@ -12223,6 +12281,8 @@
                           <a:solidFill>
                             <a:schemeClr val="tx1"/>
                           </a:solidFill>
+                          <a:latin typeface="Calibri" panose="020F0502020204030204" pitchFamily="34" charset="0"/>
+                          <a:cs typeface="Calibri" panose="020F0502020204030204" pitchFamily="34" charset="0"/>
                         </a:rPr>
                         <a:t>5</a:t>
                       </a:r>
@@ -12241,6 +12301,8 @@
                           <a:solidFill>
                             <a:schemeClr val="tx1"/>
                           </a:solidFill>
+                          <a:latin typeface="Calibri" panose="020F0502020204030204" pitchFamily="34" charset="0"/>
+                          <a:cs typeface="Calibri" panose="020F0502020204030204" pitchFamily="34" charset="0"/>
                         </a:rPr>
                         <a:t>205</a:t>
                       </a:r>
@@ -12259,6 +12321,8 @@
                           <a:solidFill>
                             <a:schemeClr val="tx1"/>
                           </a:solidFill>
+                          <a:latin typeface="Calibri" panose="020F0502020204030204" pitchFamily="34" charset="0"/>
+                          <a:cs typeface="Calibri" panose="020F0502020204030204" pitchFamily="34" charset="0"/>
                         </a:rPr>
                         <a:t>1</a:t>
                       </a:r>
@@ -12277,6 +12341,8 @@
                           <a:solidFill>
                             <a:schemeClr val="tx1"/>
                           </a:solidFill>
+                          <a:latin typeface="Calibri" panose="020F0502020204030204" pitchFamily="34" charset="0"/>
+                          <a:cs typeface="Calibri" panose="020F0502020204030204" pitchFamily="34" charset="0"/>
                         </a:rPr>
                         <a:t>5</a:t>
                       </a:r>
@@ -12302,6 +12368,8 @@
                           <a:solidFill>
                             <a:schemeClr val="tx1"/>
                           </a:solidFill>
+                          <a:latin typeface="Calibri" panose="020F0502020204030204" pitchFamily="34" charset="0"/>
+                          <a:cs typeface="Calibri" panose="020F0502020204030204" pitchFamily="34" charset="0"/>
                         </a:rPr>
                         <a:t>6</a:t>
                       </a:r>
@@ -12320,6 +12388,8 @@
                           <a:solidFill>
                             <a:schemeClr val="tx1"/>
                           </a:solidFill>
+                          <a:latin typeface="Calibri" panose="020F0502020204030204" pitchFamily="34" charset="0"/>
+                          <a:cs typeface="Calibri" panose="020F0502020204030204" pitchFamily="34" charset="0"/>
                         </a:rPr>
                         <a:t>14</a:t>
                       </a:r>
@@ -12338,6 +12408,8 @@
                           <a:solidFill>
                             <a:schemeClr val="tx1"/>
                           </a:solidFill>
+                          <a:latin typeface="Calibri" panose="020F0502020204030204" pitchFamily="34" charset="0"/>
+                          <a:cs typeface="Calibri" panose="020F0502020204030204" pitchFamily="34" charset="0"/>
                         </a:rPr>
                         <a:t>1</a:t>
                       </a:r>
@@ -12356,6 +12428,8 @@
                           <a:solidFill>
                             <a:schemeClr val="tx1"/>
                           </a:solidFill>
+                          <a:latin typeface="Calibri" panose="020F0502020204030204" pitchFamily="34" charset="0"/>
+                          <a:cs typeface="Calibri" panose="020F0502020204030204" pitchFamily="34" charset="0"/>
                         </a:rPr>
                         <a:t>6</a:t>
                       </a:r>
@@ -12381,6 +12455,8 @@
                           <a:solidFill>
                             <a:schemeClr val="tx1"/>
                           </a:solidFill>
+                          <a:latin typeface="Calibri" panose="020F0502020204030204" pitchFamily="34" charset="0"/>
+                          <a:cs typeface="Calibri" panose="020F0502020204030204" pitchFamily="34" charset="0"/>
                         </a:rPr>
                         <a:t>7</a:t>
                       </a:r>
@@ -12399,6 +12475,8 @@
                           <a:solidFill>
                             <a:schemeClr val="tx1"/>
                           </a:solidFill>
+                          <a:latin typeface="Calibri" panose="020F0502020204030204" pitchFamily="34" charset="0"/>
+                          <a:cs typeface="Calibri" panose="020F0502020204030204" pitchFamily="34" charset="0"/>
                         </a:rPr>
                         <a:t>28</a:t>
                       </a:r>
@@ -12417,6 +12495,8 @@
                           <a:solidFill>
                             <a:schemeClr val="tx1"/>
                           </a:solidFill>
+                          <a:latin typeface="Calibri" panose="020F0502020204030204" pitchFamily="34" charset="0"/>
+                          <a:cs typeface="Calibri" panose="020F0502020204030204" pitchFamily="34" charset="0"/>
                         </a:rPr>
                         <a:t>2</a:t>
                       </a:r>
@@ -12435,6 +12515,8 @@
                           <a:solidFill>
                             <a:schemeClr val="tx1"/>
                           </a:solidFill>
+                          <a:latin typeface="Calibri" panose="020F0502020204030204" pitchFamily="34" charset="0"/>
+                          <a:cs typeface="Calibri" panose="020F0502020204030204" pitchFamily="34" charset="0"/>
                         </a:rPr>
                         <a:t>6</a:t>
                       </a:r>
@@ -12460,6 +12542,8 @@
                           <a:solidFill>
                             <a:schemeClr val="tx1"/>
                           </a:solidFill>
+                          <a:latin typeface="Calibri" panose="020F0502020204030204" pitchFamily="34" charset="0"/>
+                          <a:cs typeface="Calibri" panose="020F0502020204030204" pitchFamily="34" charset="0"/>
                         </a:rPr>
                         <a:t>8</a:t>
                       </a:r>
@@ -12478,6 +12562,8 @@
                           <a:solidFill>
                             <a:schemeClr val="tx1"/>
                           </a:solidFill>
+                          <a:latin typeface="Calibri" panose="020F0502020204030204" pitchFamily="34" charset="0"/>
+                          <a:cs typeface="Calibri" panose="020F0502020204030204" pitchFamily="34" charset="0"/>
                         </a:rPr>
                         <a:t>256</a:t>
                       </a:r>
@@ -12496,6 +12582,8 @@
                           <a:solidFill>
                             <a:schemeClr val="tx1"/>
                           </a:solidFill>
+                          <a:latin typeface="Calibri" panose="020F0502020204030204" pitchFamily="34" charset="0"/>
+                          <a:cs typeface="Calibri" panose="020F0502020204030204" pitchFamily="34" charset="0"/>
                         </a:rPr>
                         <a:t>2</a:t>
                       </a:r>
@@ -12514,6 +12602,8 @@
                           <a:solidFill>
                             <a:schemeClr val="tx1"/>
                           </a:solidFill>
+                          <a:latin typeface="Calibri" panose="020F0502020204030204" pitchFamily="34" charset="0"/>
+                          <a:cs typeface="Calibri" panose="020F0502020204030204" pitchFamily="34" charset="0"/>
                         </a:rPr>
                         <a:t>7</a:t>
                       </a:r>
@@ -12539,6 +12629,8 @@
                           <a:solidFill>
                             <a:schemeClr val="tx1"/>
                           </a:solidFill>
+                          <a:latin typeface="Calibri" panose="020F0502020204030204" pitchFamily="34" charset="0"/>
+                          <a:cs typeface="Calibri" panose="020F0502020204030204" pitchFamily="34" charset="0"/>
                         </a:rPr>
                         <a:t>9</a:t>
                       </a:r>
@@ -12557,6 +12649,8 @@
                           <a:solidFill>
                             <a:schemeClr val="tx1"/>
                           </a:solidFill>
+                          <a:latin typeface="Calibri" panose="020F0502020204030204" pitchFamily="34" charset="0"/>
+                          <a:cs typeface="Calibri" panose="020F0502020204030204" pitchFamily="34" charset="0"/>
                         </a:rPr>
                         <a:t>152</a:t>
                       </a:r>
@@ -12575,6 +12669,8 @@
                           <a:solidFill>
                             <a:schemeClr val="tx1"/>
                           </a:solidFill>
+                          <a:latin typeface="Calibri" panose="020F0502020204030204" pitchFamily="34" charset="0"/>
+                          <a:cs typeface="Calibri" panose="020F0502020204030204" pitchFamily="34" charset="0"/>
                         </a:rPr>
                         <a:t>2</a:t>
                       </a:r>
@@ -12593,6 +12689,8 @@
                           <a:solidFill>
                             <a:schemeClr val="tx1"/>
                           </a:solidFill>
+                          <a:latin typeface="Calibri" panose="020F0502020204030204" pitchFamily="34" charset="0"/>
+                          <a:cs typeface="Calibri" panose="020F0502020204030204" pitchFamily="34" charset="0"/>
                         </a:rPr>
                         <a:t>8</a:t>
                       </a:r>
@@ -12618,6 +12716,8 @@
                           <a:solidFill>
                             <a:schemeClr val="tx1"/>
                           </a:solidFill>
+                          <a:latin typeface="Calibri" panose="020F0502020204030204" pitchFamily="34" charset="0"/>
+                          <a:cs typeface="Calibri" panose="020F0502020204030204" pitchFamily="34" charset="0"/>
                         </a:rPr>
                         <a:t>10</a:t>
                       </a:r>
@@ -12636,6 +12736,8 @@
                           <a:solidFill>
                             <a:schemeClr val="tx1"/>
                           </a:solidFill>
+                          <a:latin typeface="Calibri" panose="020F0502020204030204" pitchFamily="34" charset="0"/>
+                          <a:cs typeface="Calibri" panose="020F0502020204030204" pitchFamily="34" charset="0"/>
                         </a:rPr>
                         <a:t>304</a:t>
                       </a:r>
@@ -12654,6 +12756,8 @@
                           <a:solidFill>
                             <a:schemeClr val="tx1"/>
                           </a:solidFill>
+                          <a:latin typeface="Calibri" panose="020F0502020204030204" pitchFamily="34" charset="0"/>
+                          <a:cs typeface="Calibri" panose="020F0502020204030204" pitchFamily="34" charset="0"/>
                         </a:rPr>
                         <a:t>3</a:t>
                       </a:r>
@@ -12672,6 +12776,8 @@
                           <a:solidFill>
                             <a:schemeClr val="tx1"/>
                           </a:solidFill>
+                          <a:latin typeface="Calibri" panose="020F0502020204030204" pitchFamily="34" charset="0"/>
+                          <a:cs typeface="Calibri" panose="020F0502020204030204" pitchFamily="34" charset="0"/>
                         </a:rPr>
                         <a:t>8</a:t>
                       </a:r>
@@ -12697,6 +12803,8 @@
                           <a:solidFill>
                             <a:schemeClr val="tx1"/>
                           </a:solidFill>
+                          <a:latin typeface="Calibri" panose="020F0502020204030204" pitchFamily="34" charset="0"/>
+                          <a:cs typeface="Calibri" panose="020F0502020204030204" pitchFamily="34" charset="0"/>
                         </a:rPr>
                         <a:t>11</a:t>
                       </a:r>
@@ -12715,6 +12823,8 @@
                           <a:solidFill>
                             <a:schemeClr val="tx1"/>
                           </a:solidFill>
+                          <a:latin typeface="Calibri" panose="020F0502020204030204" pitchFamily="34" charset="0"/>
+                          <a:cs typeface="Calibri" panose="020F0502020204030204" pitchFamily="34" charset="0"/>
                         </a:rPr>
                         <a:t>372</a:t>
                       </a:r>
@@ -12733,6 +12843,8 @@
                           <a:solidFill>
                             <a:schemeClr val="tx1"/>
                           </a:solidFill>
+                          <a:latin typeface="Calibri" panose="020F0502020204030204" pitchFamily="34" charset="0"/>
+                          <a:cs typeface="Calibri" panose="020F0502020204030204" pitchFamily="34" charset="0"/>
                         </a:rPr>
                         <a:t>3</a:t>
                       </a:r>
@@ -12751,6 +12863,8 @@
                           <a:solidFill>
                             <a:schemeClr val="tx1"/>
                           </a:solidFill>
+                          <a:latin typeface="Calibri" panose="020F0502020204030204" pitchFamily="34" charset="0"/>
+                          <a:cs typeface="Calibri" panose="020F0502020204030204" pitchFamily="34" charset="0"/>
                         </a:rPr>
                         <a:t>9</a:t>
                       </a:r>
@@ -12776,6 +12890,8 @@
                           <a:solidFill>
                             <a:schemeClr val="tx1"/>
                           </a:solidFill>
+                          <a:latin typeface="Calibri" panose="020F0502020204030204" pitchFamily="34" charset="0"/>
+                          <a:cs typeface="Calibri" panose="020F0502020204030204" pitchFamily="34" charset="0"/>
                         </a:rPr>
                         <a:t>12</a:t>
                       </a:r>
@@ -12794,6 +12910,8 @@
                           <a:solidFill>
                             <a:schemeClr val="tx1"/>
                           </a:solidFill>
+                          <a:latin typeface="Calibri" panose="020F0502020204030204" pitchFamily="34" charset="0"/>
+                          <a:cs typeface="Calibri" panose="020F0502020204030204" pitchFamily="34" charset="0"/>
                         </a:rPr>
                         <a:t>121</a:t>
                       </a:r>
@@ -12812,6 +12930,8 @@
                           <a:solidFill>
                             <a:schemeClr val="tx1"/>
                           </a:solidFill>
+                          <a:latin typeface="Calibri" panose="020F0502020204030204" pitchFamily="34" charset="0"/>
+                          <a:cs typeface="Calibri" panose="020F0502020204030204" pitchFamily="34" charset="0"/>
                         </a:rPr>
                         <a:t>6</a:t>
                       </a:r>
@@ -12830,6 +12950,8 @@
                           <a:solidFill>
                             <a:schemeClr val="tx1"/>
                           </a:solidFill>
+                          <a:latin typeface="Calibri" panose="020F0502020204030204" pitchFamily="34" charset="0"/>
+                          <a:cs typeface="Calibri" panose="020F0502020204030204" pitchFamily="34" charset="0"/>
                         </a:rPr>
                         <a:t>18</a:t>
                       </a:r>
@@ -12855,6 +12977,8 @@
                           <a:solidFill>
                             <a:schemeClr val="tx1"/>
                           </a:solidFill>
+                          <a:latin typeface="Calibri" panose="020F0502020204030204" pitchFamily="34" charset="0"/>
+                          <a:cs typeface="Calibri" panose="020F0502020204030204" pitchFamily="34" charset="0"/>
                         </a:rPr>
                         <a:t>13</a:t>
                       </a:r>
@@ -12873,6 +12997,8 @@
                           <a:solidFill>
                             <a:schemeClr val="tx1"/>
                           </a:solidFill>
+                          <a:latin typeface="Calibri" panose="020F0502020204030204" pitchFamily="34" charset="0"/>
+                          <a:cs typeface="Calibri" panose="020F0502020204030204" pitchFamily="34" charset="0"/>
                         </a:rPr>
                         <a:t>12</a:t>
                       </a:r>
@@ -12891,6 +13017,8 @@
                           <a:solidFill>
                             <a:schemeClr val="tx1"/>
                           </a:solidFill>
+                          <a:latin typeface="Calibri" panose="020F0502020204030204" pitchFamily="34" charset="0"/>
+                          <a:cs typeface="Calibri" panose="020F0502020204030204" pitchFamily="34" charset="0"/>
                         </a:rPr>
                         <a:t>6</a:t>
                       </a:r>
@@ -12909,6 +13037,8 @@
                           <a:solidFill>
                             <a:schemeClr val="tx1"/>
                           </a:solidFill>
+                          <a:latin typeface="Calibri" panose="020F0502020204030204" pitchFamily="34" charset="0"/>
+                          <a:cs typeface="Calibri" panose="020F0502020204030204" pitchFamily="34" charset="0"/>
                         </a:rPr>
                         <a:t>19</a:t>
                       </a:r>
@@ -12934,6 +13064,8 @@
                           <a:solidFill>
                             <a:schemeClr val="tx1"/>
                           </a:solidFill>
+                          <a:latin typeface="Calibri" panose="020F0502020204030204" pitchFamily="34" charset="0"/>
+                          <a:cs typeface="Calibri" panose="020F0502020204030204" pitchFamily="34" charset="0"/>
                         </a:rPr>
                         <a:t>14</a:t>
                       </a:r>
@@ -12952,6 +13084,8 @@
                           <a:solidFill>
                             <a:schemeClr val="tx1"/>
                           </a:solidFill>
+                          <a:latin typeface="Calibri" panose="020F0502020204030204" pitchFamily="34" charset="0"/>
+                          <a:cs typeface="Calibri" panose="020F0502020204030204" pitchFamily="34" charset="0"/>
                         </a:rPr>
                         <a:t>144</a:t>
                       </a:r>
@@ -12970,6 +13104,8 @@
                           <a:solidFill>
                             <a:schemeClr val="tx1"/>
                           </a:solidFill>
+                          <a:latin typeface="Calibri" panose="020F0502020204030204" pitchFamily="34" charset="0"/>
+                          <a:cs typeface="Calibri" panose="020F0502020204030204" pitchFamily="34" charset="0"/>
                         </a:rPr>
                         <a:t>12</a:t>
                       </a:r>
@@ -12988,6 +13124,8 @@
                           <a:solidFill>
                             <a:schemeClr val="tx1"/>
                           </a:solidFill>
+                          <a:latin typeface="Calibri" panose="020F0502020204030204" pitchFamily="34" charset="0"/>
+                          <a:cs typeface="Calibri" panose="020F0502020204030204" pitchFamily="34" charset="0"/>
                         </a:rPr>
                         <a:t>38</a:t>
                       </a:r>
@@ -13014,7 +13152,7 @@
           <p:nvPr>
             <p:extLst>
               <p:ext uri="{D42A27DB-BD31-4B8C-83A1-F6EECF244321}">
-                <p14:modId xmlns:p14="http://schemas.microsoft.com/office/powerpoint/2010/main" val="2010095031"/>
+                <p14:modId xmlns:p14="http://schemas.microsoft.com/office/powerpoint/2010/main" val="1103780399"/>
               </p:ext>
             </p:extLst>
           </p:nvPr>
@@ -13071,6 +13209,8 @@
                           <a:solidFill>
                             <a:schemeClr val="tx1"/>
                           </a:solidFill>
+                          <a:latin typeface="Calibri" panose="020F0502020204030204" pitchFamily="34" charset="0"/>
+                          <a:cs typeface="Calibri" panose="020F0502020204030204" pitchFamily="34" charset="0"/>
                         </a:rPr>
                         <a:t>i</a:t>
                       </a:r>
@@ -13078,6 +13218,8 @@
                         <a:solidFill>
                           <a:schemeClr val="tx1"/>
                         </a:solidFill>
+                        <a:latin typeface="Calibri" panose="020F0502020204030204" pitchFamily="34" charset="0"/>
+                        <a:cs typeface="Calibri" panose="020F0502020204030204" pitchFamily="34" charset="0"/>
                       </a:endParaRPr>
                     </a:p>
                   </a:txBody>
@@ -13094,6 +13236,8 @@
                           <a:solidFill>
                             <a:schemeClr val="tx1"/>
                           </a:solidFill>
+                          <a:latin typeface="Calibri" panose="020F0502020204030204" pitchFamily="34" charset="0"/>
+                          <a:cs typeface="Calibri" panose="020F0502020204030204" pitchFamily="34" charset="0"/>
                         </a:rPr>
                         <a:t>x</a:t>
                       </a:r>
@@ -13102,6 +13246,8 @@
                           <a:solidFill>
                             <a:schemeClr val="tx1"/>
                           </a:solidFill>
+                          <a:latin typeface="Calibri" panose="020F0502020204030204" pitchFamily="34" charset="0"/>
+                          <a:cs typeface="Calibri" panose="020F0502020204030204" pitchFamily="34" charset="0"/>
                         </a:rPr>
                         <a:t>2i</a:t>
                       </a:r>
@@ -13120,6 +13266,8 @@
                           <a:solidFill>
                             <a:schemeClr val="tx1"/>
                           </a:solidFill>
+                          <a:latin typeface="Calibri" panose="020F0502020204030204" pitchFamily="34" charset="0"/>
+                          <a:cs typeface="Calibri" panose="020F0502020204030204" pitchFamily="34" charset="0"/>
                         </a:rPr>
                         <a:t>a</a:t>
                       </a:r>
@@ -13128,6 +13276,8 @@
                           <a:solidFill>
                             <a:schemeClr val="tx1"/>
                           </a:solidFill>
+                          <a:latin typeface="Calibri" panose="020F0502020204030204" pitchFamily="34" charset="0"/>
+                          <a:cs typeface="Calibri" panose="020F0502020204030204" pitchFamily="34" charset="0"/>
                         </a:rPr>
                         <a:t>2i</a:t>
                       </a:r>
@@ -13146,6 +13296,8 @@
                           <a:solidFill>
                             <a:schemeClr val="tx1"/>
                           </a:solidFill>
+                          <a:latin typeface="Calibri" panose="020F0502020204030204" pitchFamily="34" charset="0"/>
+                          <a:cs typeface="Calibri" panose="020F0502020204030204" pitchFamily="34" charset="0"/>
                         </a:rPr>
                         <a:t>b</a:t>
                       </a:r>
@@ -13154,6 +13306,8 @@
                           <a:solidFill>
                             <a:schemeClr val="tx1"/>
                           </a:solidFill>
+                          <a:latin typeface="Calibri" panose="020F0502020204030204" pitchFamily="34" charset="0"/>
+                          <a:cs typeface="Calibri" panose="020F0502020204030204" pitchFamily="34" charset="0"/>
                         </a:rPr>
                         <a:t>2i</a:t>
                       </a:r>
@@ -13179,6 +13333,8 @@
                           <a:solidFill>
                             <a:schemeClr val="tx1"/>
                           </a:solidFill>
+                          <a:latin typeface="Calibri" panose="020F0502020204030204" pitchFamily="34" charset="0"/>
+                          <a:cs typeface="Calibri" panose="020F0502020204030204" pitchFamily="34" charset="0"/>
                         </a:rPr>
                         <a:t>1</a:t>
                       </a:r>
@@ -13197,6 +13353,8 @@
                           <a:solidFill>
                             <a:schemeClr val="tx1"/>
                           </a:solidFill>
+                          <a:latin typeface="Calibri" panose="020F0502020204030204" pitchFamily="34" charset="0"/>
+                          <a:cs typeface="Calibri" panose="020F0502020204030204" pitchFamily="34" charset="0"/>
                         </a:rPr>
                         <a:t>279</a:t>
                       </a:r>
@@ -13215,6 +13373,8 @@
                           <a:solidFill>
                             <a:schemeClr val="tx1"/>
                           </a:solidFill>
+                          <a:latin typeface="Calibri" panose="020F0502020204030204" pitchFamily="34" charset="0"/>
+                          <a:cs typeface="Calibri" panose="020F0502020204030204" pitchFamily="34" charset="0"/>
                         </a:rPr>
                         <a:t>0</a:t>
                       </a:r>
@@ -13233,6 +13393,8 @@
                           <a:solidFill>
                             <a:schemeClr val="tx1"/>
                           </a:solidFill>
+                          <a:latin typeface="Calibri" panose="020F0502020204030204" pitchFamily="34" charset="0"/>
+                          <a:cs typeface="Calibri" panose="020F0502020204030204" pitchFamily="34" charset="0"/>
                         </a:rPr>
                         <a:t>2</a:t>
                       </a:r>
@@ -13258,6 +13420,8 @@
                           <a:solidFill>
                             <a:schemeClr val="tx1"/>
                           </a:solidFill>
+                          <a:latin typeface="Calibri" panose="020F0502020204030204" pitchFamily="34" charset="0"/>
+                          <a:cs typeface="Calibri" panose="020F0502020204030204" pitchFamily="34" charset="0"/>
                         </a:rPr>
                         <a:t>2</a:t>
                       </a:r>
@@ -13276,6 +13440,8 @@
                           <a:solidFill>
                             <a:schemeClr val="tx1"/>
                           </a:solidFill>
+                          <a:latin typeface="Calibri" panose="020F0502020204030204" pitchFamily="34" charset="0"/>
+                          <a:cs typeface="Calibri" panose="020F0502020204030204" pitchFamily="34" charset="0"/>
                         </a:rPr>
                         <a:t>184</a:t>
                       </a:r>
@@ -13294,6 +13460,8 @@
                           <a:solidFill>
                             <a:schemeClr val="tx1"/>
                           </a:solidFill>
+                          <a:latin typeface="Calibri" panose="020F0502020204030204" pitchFamily="34" charset="0"/>
+                          <a:cs typeface="Calibri" panose="020F0502020204030204" pitchFamily="34" charset="0"/>
                         </a:rPr>
                         <a:t>1</a:t>
                       </a:r>
@@ -13312,6 +13480,8 @@
                           <a:solidFill>
                             <a:schemeClr val="tx1"/>
                           </a:solidFill>
+                          <a:latin typeface="Calibri" panose="020F0502020204030204" pitchFamily="34" charset="0"/>
+                          <a:cs typeface="Calibri" panose="020F0502020204030204" pitchFamily="34" charset="0"/>
                         </a:rPr>
                         <a:t>4</a:t>
                       </a:r>
@@ -13337,6 +13507,8 @@
                           <a:solidFill>
                             <a:schemeClr val="tx1"/>
                           </a:solidFill>
+                          <a:latin typeface="Calibri" panose="020F0502020204030204" pitchFamily="34" charset="0"/>
+                          <a:cs typeface="Calibri" panose="020F0502020204030204" pitchFamily="34" charset="0"/>
                         </a:rPr>
                         <a:t>3</a:t>
                       </a:r>
@@ -13355,6 +13527,8 @@
                           <a:solidFill>
                             <a:schemeClr val="tx1"/>
                           </a:solidFill>
+                          <a:latin typeface="Calibri" panose="020F0502020204030204" pitchFamily="34" charset="0"/>
+                          <a:cs typeface="Calibri" panose="020F0502020204030204" pitchFamily="34" charset="0"/>
                         </a:rPr>
                         <a:t>14</a:t>
                       </a:r>
@@ -13373,6 +13547,8 @@
                           <a:solidFill>
                             <a:schemeClr val="tx1"/>
                           </a:solidFill>
+                          <a:latin typeface="Calibri" panose="020F0502020204030204" pitchFamily="34" charset="0"/>
+                          <a:cs typeface="Calibri" panose="020F0502020204030204" pitchFamily="34" charset="0"/>
                         </a:rPr>
                         <a:t>1</a:t>
                       </a:r>
@@ -13391,6 +13567,8 @@
                           <a:solidFill>
                             <a:schemeClr val="tx1"/>
                           </a:solidFill>
+                          <a:latin typeface="Calibri" panose="020F0502020204030204" pitchFamily="34" charset="0"/>
+                          <a:cs typeface="Calibri" panose="020F0502020204030204" pitchFamily="34" charset="0"/>
                         </a:rPr>
                         <a:t>6</a:t>
                       </a:r>
@@ -13416,6 +13594,8 @@
                           <a:solidFill>
                             <a:schemeClr val="tx1"/>
                           </a:solidFill>
+                          <a:latin typeface="Calibri" panose="020F0502020204030204" pitchFamily="34" charset="0"/>
+                          <a:cs typeface="Calibri" panose="020F0502020204030204" pitchFamily="34" charset="0"/>
                         </a:rPr>
                         <a:t>4</a:t>
                       </a:r>
@@ -13434,6 +13614,8 @@
                           <a:solidFill>
                             <a:schemeClr val="tx1"/>
                           </a:solidFill>
+                          <a:latin typeface="Calibri" panose="020F0502020204030204" pitchFamily="34" charset="0"/>
+                          <a:cs typeface="Calibri" panose="020F0502020204030204" pitchFamily="34" charset="0"/>
                         </a:rPr>
                         <a:t>256</a:t>
                       </a:r>
@@ -13452,6 +13634,8 @@
                           <a:solidFill>
                             <a:schemeClr val="tx1"/>
                           </a:solidFill>
+                          <a:latin typeface="Calibri" panose="020F0502020204030204" pitchFamily="34" charset="0"/>
+                          <a:cs typeface="Calibri" panose="020F0502020204030204" pitchFamily="34" charset="0"/>
                         </a:rPr>
                         <a:t>2</a:t>
                       </a:r>
@@ -13470,6 +13654,8 @@
                           <a:solidFill>
                             <a:schemeClr val="tx1"/>
                           </a:solidFill>
+                          <a:latin typeface="Calibri" panose="020F0502020204030204" pitchFamily="34" charset="0"/>
+                          <a:cs typeface="Calibri" panose="020F0502020204030204" pitchFamily="34" charset="0"/>
                         </a:rPr>
                         <a:t>7</a:t>
                       </a:r>
@@ -13495,6 +13681,8 @@
                           <a:solidFill>
                             <a:schemeClr val="tx1"/>
                           </a:solidFill>
+                          <a:latin typeface="Calibri" panose="020F0502020204030204" pitchFamily="34" charset="0"/>
+                          <a:cs typeface="Calibri" panose="020F0502020204030204" pitchFamily="34" charset="0"/>
                         </a:rPr>
                         <a:t>5</a:t>
                       </a:r>
@@ -13513,6 +13701,8 @@
                           <a:solidFill>
                             <a:schemeClr val="tx1"/>
                           </a:solidFill>
+                          <a:latin typeface="Calibri" panose="020F0502020204030204" pitchFamily="34" charset="0"/>
+                          <a:cs typeface="Calibri" panose="020F0502020204030204" pitchFamily="34" charset="0"/>
                         </a:rPr>
                         <a:t>304</a:t>
                       </a:r>
@@ -13531,6 +13721,8 @@
                           <a:solidFill>
                             <a:schemeClr val="tx1"/>
                           </a:solidFill>
+                          <a:latin typeface="Calibri" panose="020F0502020204030204" pitchFamily="34" charset="0"/>
+                          <a:cs typeface="Calibri" panose="020F0502020204030204" pitchFamily="34" charset="0"/>
                         </a:rPr>
                         <a:t>3</a:t>
                       </a:r>
@@ -13549,6 +13741,8 @@
                           <a:solidFill>
                             <a:schemeClr val="tx1"/>
                           </a:solidFill>
+                          <a:latin typeface="Calibri" panose="020F0502020204030204" pitchFamily="34" charset="0"/>
+                          <a:cs typeface="Calibri" panose="020F0502020204030204" pitchFamily="34" charset="0"/>
                         </a:rPr>
                         <a:t>8</a:t>
                       </a:r>
@@ -13574,6 +13768,8 @@
                           <a:solidFill>
                             <a:schemeClr val="tx1"/>
                           </a:solidFill>
+                          <a:latin typeface="Calibri" panose="020F0502020204030204" pitchFamily="34" charset="0"/>
+                          <a:cs typeface="Calibri" panose="020F0502020204030204" pitchFamily="34" charset="0"/>
                         </a:rPr>
                         <a:t>6</a:t>
                       </a:r>
@@ -13592,6 +13788,8 @@
                           <a:solidFill>
                             <a:schemeClr val="tx1"/>
                           </a:solidFill>
+                          <a:latin typeface="Calibri" panose="020F0502020204030204" pitchFamily="34" charset="0"/>
+                          <a:cs typeface="Calibri" panose="020F0502020204030204" pitchFamily="34" charset="0"/>
                         </a:rPr>
                         <a:t>121</a:t>
                       </a:r>
@@ -13610,6 +13808,8 @@
                           <a:solidFill>
                             <a:schemeClr val="tx1"/>
                           </a:solidFill>
+                          <a:latin typeface="Calibri" panose="020F0502020204030204" pitchFamily="34" charset="0"/>
+                          <a:cs typeface="Calibri" panose="020F0502020204030204" pitchFamily="34" charset="0"/>
                         </a:rPr>
                         <a:t>6</a:t>
                       </a:r>
@@ -13628,6 +13828,8 @@
                           <a:solidFill>
                             <a:schemeClr val="tx1"/>
                           </a:solidFill>
+                          <a:latin typeface="Calibri" panose="020F0502020204030204" pitchFamily="34" charset="0"/>
+                          <a:cs typeface="Calibri" panose="020F0502020204030204" pitchFamily="34" charset="0"/>
                         </a:rPr>
                         <a:t>38</a:t>
                       </a:r>
@@ -13653,6 +13855,8 @@
                           <a:solidFill>
                             <a:schemeClr val="tx1"/>
                           </a:solidFill>
+                          <a:latin typeface="Calibri" panose="020F0502020204030204" pitchFamily="34" charset="0"/>
+                          <a:cs typeface="Calibri" panose="020F0502020204030204" pitchFamily="34" charset="0"/>
                         </a:rPr>
                         <a:t>7</a:t>
                       </a:r>
@@ -13671,6 +13875,8 @@
                           <a:solidFill>
                             <a:schemeClr val="tx1"/>
                           </a:solidFill>
+                          <a:latin typeface="Calibri" panose="020F0502020204030204" pitchFamily="34" charset="0"/>
+                          <a:cs typeface="Calibri" panose="020F0502020204030204" pitchFamily="34" charset="0"/>
                         </a:rPr>
                         <a:t>144</a:t>
                       </a:r>
@@ -13689,6 +13895,8 @@
                           <a:solidFill>
                             <a:schemeClr val="tx1"/>
                           </a:solidFill>
+                          <a:latin typeface="Calibri" panose="020F0502020204030204" pitchFamily="34" charset="0"/>
+                          <a:cs typeface="Calibri" panose="020F0502020204030204" pitchFamily="34" charset="0"/>
                         </a:rPr>
                         <a:t>12</a:t>
                       </a:r>
@@ -13707,6 +13915,8 @@
                           <a:solidFill>
                             <a:schemeClr val="tx1"/>
                           </a:solidFill>
+                          <a:latin typeface="Calibri" panose="020F0502020204030204" pitchFamily="34" charset="0"/>
+                          <a:cs typeface="Calibri" panose="020F0502020204030204" pitchFamily="34" charset="0"/>
                         </a:rPr>
                         <a:t>152</a:t>
                       </a:r>
@@ -13732,6 +13942,8 @@
                           <a:solidFill>
                             <a:schemeClr val="tx1"/>
                           </a:solidFill>
+                          <a:latin typeface="Calibri" panose="020F0502020204030204" pitchFamily="34" charset="0"/>
+                          <a:cs typeface="Calibri" panose="020F0502020204030204" pitchFamily="34" charset="0"/>
                         </a:rPr>
                         <a:t>8</a:t>
                       </a:r>
@@ -13750,6 +13962,8 @@
                           <a:solidFill>
                             <a:schemeClr val="tx1"/>
                           </a:solidFill>
+                          <a:latin typeface="Calibri" panose="020F0502020204030204" pitchFamily="34" charset="0"/>
+                          <a:cs typeface="Calibri" panose="020F0502020204030204" pitchFamily="34" charset="0"/>
                         </a:rPr>
                         <a:t>235</a:t>
                       </a:r>
@@ -13768,6 +13982,8 @@
                           <a:solidFill>
                             <a:schemeClr val="tx1"/>
                           </a:solidFill>
+                          <a:latin typeface="Calibri" panose="020F0502020204030204" pitchFamily="34" charset="0"/>
+                          <a:cs typeface="Calibri" panose="020F0502020204030204" pitchFamily="34" charset="0"/>
                         </a:rPr>
                         <a:t>48</a:t>
                       </a:r>
@@ -13786,6 +14002,8 @@
                           <a:solidFill>
                             <a:schemeClr val="tx1"/>
                           </a:solidFill>
+                          <a:latin typeface="Calibri" panose="020F0502020204030204" pitchFamily="34" charset="0"/>
+                          <a:cs typeface="Calibri" panose="020F0502020204030204" pitchFamily="34" charset="0"/>
                         </a:rPr>
                         <a:t>154</a:t>
                       </a:r>
@@ -13811,6 +14029,8 @@
                           <a:solidFill>
                             <a:schemeClr val="tx1"/>
                           </a:solidFill>
+                          <a:latin typeface="Calibri" panose="020F0502020204030204" pitchFamily="34" charset="0"/>
+                          <a:cs typeface="Calibri" panose="020F0502020204030204" pitchFamily="34" charset="0"/>
                         </a:rPr>
                         <a:t>9</a:t>
                       </a:r>
@@ -13829,6 +14049,8 @@
                           <a:solidFill>
                             <a:schemeClr val="tx1"/>
                           </a:solidFill>
+                          <a:latin typeface="Calibri" panose="020F0502020204030204" pitchFamily="34" charset="0"/>
+                          <a:cs typeface="Calibri" panose="020F0502020204030204" pitchFamily="34" charset="0"/>
                         </a:rPr>
                         <a:t>72</a:t>
                       </a:r>
@@ -13847,6 +14069,8 @@
                           <a:solidFill>
                             <a:schemeClr val="tx1"/>
                           </a:solidFill>
+                          <a:latin typeface="Calibri" panose="020F0502020204030204" pitchFamily="34" charset="0"/>
+                          <a:cs typeface="Calibri" panose="020F0502020204030204" pitchFamily="34" charset="0"/>
                         </a:rPr>
                         <a:t>48</a:t>
                       </a:r>
@@ -13865,6 +14089,8 @@
                           <a:solidFill>
                             <a:schemeClr val="tx1"/>
                           </a:solidFill>
+                          <a:latin typeface="Calibri" panose="020F0502020204030204" pitchFamily="34" charset="0"/>
+                          <a:cs typeface="Calibri" panose="020F0502020204030204" pitchFamily="34" charset="0"/>
                         </a:rPr>
                         <a:t>118</a:t>
                       </a:r>
@@ -13890,6 +14116,8 @@
                           <a:solidFill>
                             <a:schemeClr val="tx1"/>
                           </a:solidFill>
+                          <a:latin typeface="Calibri" panose="020F0502020204030204" pitchFamily="34" charset="0"/>
+                          <a:cs typeface="Calibri" panose="020F0502020204030204" pitchFamily="34" charset="0"/>
                         </a:rPr>
                         <a:t>10</a:t>
                       </a:r>
@@ -13908,6 +14136,8 @@
                           <a:solidFill>
                             <a:schemeClr val="tx1"/>
                           </a:solidFill>
+                          <a:latin typeface="Calibri" panose="020F0502020204030204" pitchFamily="34" charset="0"/>
+                          <a:cs typeface="Calibri" panose="020F0502020204030204" pitchFamily="34" charset="0"/>
                         </a:rPr>
                         <a:t>14</a:t>
                       </a:r>
@@ -13926,6 +14156,8 @@
                           <a:solidFill>
                             <a:schemeClr val="tx1"/>
                           </a:solidFill>
+                          <a:latin typeface="Calibri" panose="020F0502020204030204" pitchFamily="34" charset="0"/>
+                          <a:cs typeface="Calibri" panose="020F0502020204030204" pitchFamily="34" charset="0"/>
                         </a:rPr>
                         <a:t>96</a:t>
                       </a:r>
@@ -13944,6 +14176,8 @@
                           <a:solidFill>
                             <a:schemeClr val="tx1"/>
                           </a:solidFill>
+                          <a:latin typeface="Calibri" panose="020F0502020204030204" pitchFamily="34" charset="0"/>
+                          <a:cs typeface="Calibri" panose="020F0502020204030204" pitchFamily="34" charset="0"/>
                         </a:rPr>
                         <a:t>119</a:t>
                       </a:r>
@@ -13969,6 +14203,8 @@
                           <a:solidFill>
                             <a:schemeClr val="tx1"/>
                           </a:solidFill>
+                          <a:latin typeface="Calibri" panose="020F0502020204030204" pitchFamily="34" charset="0"/>
+                          <a:cs typeface="Calibri" panose="020F0502020204030204" pitchFamily="34" charset="0"/>
                         </a:rPr>
                         <a:t>11</a:t>
                       </a:r>
@@ -13987,6 +14223,8 @@
                           <a:solidFill>
                             <a:schemeClr val="tx1"/>
                           </a:solidFill>
+                          <a:latin typeface="Calibri" panose="020F0502020204030204" pitchFamily="34" charset="0"/>
+                          <a:cs typeface="Calibri" panose="020F0502020204030204" pitchFamily="34" charset="0"/>
                         </a:rPr>
                         <a:t>256</a:t>
                       </a:r>
@@ -14005,6 +14243,8 @@
                           <a:solidFill>
                             <a:schemeClr val="tx1"/>
                           </a:solidFill>
+                          <a:latin typeface="Calibri" panose="020F0502020204030204" pitchFamily="34" charset="0"/>
+                          <a:cs typeface="Calibri" panose="020F0502020204030204" pitchFamily="34" charset="0"/>
                         </a:rPr>
                         <a:t>97</a:t>
                       </a:r>
@@ -14023,6 +14263,8 @@
                           <a:solidFill>
                             <a:schemeClr val="tx1"/>
                           </a:solidFill>
+                          <a:latin typeface="Calibri" panose="020F0502020204030204" pitchFamily="34" charset="0"/>
+                          <a:cs typeface="Calibri" panose="020F0502020204030204" pitchFamily="34" charset="0"/>
                         </a:rPr>
                         <a:t>120</a:t>
                       </a:r>
@@ -14048,6 +14290,8 @@
                           <a:solidFill>
                             <a:schemeClr val="tx1"/>
                           </a:solidFill>
+                          <a:latin typeface="Calibri" panose="020F0502020204030204" pitchFamily="34" charset="0"/>
+                          <a:cs typeface="Calibri" panose="020F0502020204030204" pitchFamily="34" charset="0"/>
                         </a:rPr>
                         <a:t>12</a:t>
                       </a:r>
@@ -14066,6 +14310,8 @@
                           <a:solidFill>
                             <a:schemeClr val="tx1"/>
                           </a:solidFill>
+                          <a:latin typeface="Calibri" panose="020F0502020204030204" pitchFamily="34" charset="0"/>
+                          <a:cs typeface="Calibri" panose="020F0502020204030204" pitchFamily="34" charset="0"/>
                         </a:rPr>
                         <a:t>304</a:t>
                       </a:r>
@@ -14084,6 +14330,8 @@
                           <a:solidFill>
                             <a:schemeClr val="tx1"/>
                           </a:solidFill>
+                          <a:latin typeface="Calibri" panose="020F0502020204030204" pitchFamily="34" charset="0"/>
+                          <a:cs typeface="Calibri" panose="020F0502020204030204" pitchFamily="34" charset="0"/>
                         </a:rPr>
                         <a:t>98</a:t>
                       </a:r>
@@ -14102,6 +14350,8 @@
                           <a:solidFill>
                             <a:schemeClr val="tx1"/>
                           </a:solidFill>
+                          <a:latin typeface="Calibri" panose="020F0502020204030204" pitchFamily="34" charset="0"/>
+                          <a:cs typeface="Calibri" panose="020F0502020204030204" pitchFamily="34" charset="0"/>
                         </a:rPr>
                         <a:t>51</a:t>
                       </a:r>
@@ -14127,6 +14377,8 @@
                           <a:solidFill>
                             <a:schemeClr val="tx1"/>
                           </a:solidFill>
+                          <a:latin typeface="Calibri" panose="020F0502020204030204" pitchFamily="34" charset="0"/>
+                          <a:cs typeface="Calibri" panose="020F0502020204030204" pitchFamily="34" charset="0"/>
                         </a:rPr>
                         <a:t>13</a:t>
                       </a:r>
@@ -14145,6 +14397,8 @@
                           <a:solidFill>
                             <a:schemeClr val="tx1"/>
                           </a:solidFill>
+                          <a:latin typeface="Calibri" panose="020F0502020204030204" pitchFamily="34" charset="0"/>
+                          <a:cs typeface="Calibri" panose="020F0502020204030204" pitchFamily="34" charset="0"/>
                         </a:rPr>
                         <a:t>121</a:t>
                       </a:r>
@@ -14163,6 +14417,8 @@
                           <a:solidFill>
                             <a:schemeClr val="tx1"/>
                           </a:solidFill>
+                          <a:latin typeface="Calibri" panose="020F0502020204030204" pitchFamily="34" charset="0"/>
+                          <a:cs typeface="Calibri" panose="020F0502020204030204" pitchFamily="34" charset="0"/>
                         </a:rPr>
                         <a:t>5</a:t>
                       </a:r>
@@ -14181,6 +14437,8 @@
                           <a:solidFill>
                             <a:schemeClr val="tx1"/>
                           </a:solidFill>
+                          <a:latin typeface="Calibri" panose="020F0502020204030204" pitchFamily="34" charset="0"/>
+                          <a:cs typeface="Calibri" panose="020F0502020204030204" pitchFamily="34" charset="0"/>
                         </a:rPr>
                         <a:t>104</a:t>
                       </a:r>
@@ -14206,6 +14464,8 @@
                           <a:solidFill>
                             <a:schemeClr val="tx1"/>
                           </a:solidFill>
+                          <a:latin typeface="Calibri" panose="020F0502020204030204" pitchFamily="34" charset="0"/>
+                          <a:cs typeface="Calibri" panose="020F0502020204030204" pitchFamily="34" charset="0"/>
                         </a:rPr>
                         <a:t>14</a:t>
                       </a:r>
@@ -14224,6 +14484,8 @@
                           <a:solidFill>
                             <a:schemeClr val="tx1"/>
                           </a:solidFill>
+                          <a:latin typeface="Calibri" panose="020F0502020204030204" pitchFamily="34" charset="0"/>
+                          <a:cs typeface="Calibri" panose="020F0502020204030204" pitchFamily="34" charset="0"/>
                         </a:rPr>
                         <a:t>144</a:t>
                       </a:r>
@@ -14242,6 +14504,8 @@
                           <a:solidFill>
                             <a:schemeClr val="tx1"/>
                           </a:solidFill>
+                          <a:latin typeface="Calibri" panose="020F0502020204030204" pitchFamily="34" charset="0"/>
+                          <a:cs typeface="Calibri" panose="020F0502020204030204" pitchFamily="34" charset="0"/>
                         </a:rPr>
                         <a:t>10</a:t>
                       </a:r>
@@ -14260,6 +14524,8 @@
                           <a:solidFill>
                             <a:schemeClr val="tx1"/>
                           </a:solidFill>
+                          <a:latin typeface="Calibri" panose="020F0502020204030204" pitchFamily="34" charset="0"/>
+                          <a:cs typeface="Calibri" panose="020F0502020204030204" pitchFamily="34" charset="0"/>
                         </a:rPr>
                         <a:t>163</a:t>
                       </a:r>
@@ -14331,9 +14597,8 @@
                 <a:effectLst/>
                 <a:uLnTx/>
                 <a:uFillTx/>
-                <a:latin typeface="+mn-lt"/>
-                <a:ea typeface="+mn-ea"/>
-                <a:cs typeface="+mn-cs"/>
+                <a:latin typeface="Calibri" panose="020F0502020204030204" pitchFamily="34" charset="0"/>
+                <a:cs typeface="Calibri" panose="020F0502020204030204" pitchFamily="34" charset="0"/>
               </a:rPr>
               <a:t>x</a:t>
             </a:r>
@@ -14348,9 +14613,8 @@
                 <a:effectLst/>
                 <a:uLnTx/>
                 <a:uFillTx/>
-                <a:latin typeface="+mn-lt"/>
-                <a:ea typeface="+mn-ea"/>
-                <a:cs typeface="+mn-cs"/>
+                <a:latin typeface="Calibri" panose="020F0502020204030204" pitchFamily="34" charset="0"/>
+                <a:cs typeface="Calibri" panose="020F0502020204030204" pitchFamily="34" charset="0"/>
               </a:rPr>
               <a:t>14</a:t>
             </a:r>
@@ -14365,9 +14629,8 @@
                 <a:effectLst/>
                 <a:uLnTx/>
                 <a:uFillTx/>
-                <a:latin typeface="+mn-lt"/>
-                <a:ea typeface="+mn-ea"/>
-                <a:cs typeface="+mn-cs"/>
+                <a:latin typeface="Calibri" panose="020F0502020204030204" pitchFamily="34" charset="0"/>
+                <a:cs typeface="Calibri" panose="020F0502020204030204" pitchFamily="34" charset="0"/>
               </a:rPr>
               <a:t>= x</a:t>
             </a:r>
@@ -14382,9 +14645,8 @@
                 <a:effectLst/>
                 <a:uLnTx/>
                 <a:uFillTx/>
-                <a:latin typeface="+mn-lt"/>
-                <a:ea typeface="+mn-ea"/>
-                <a:cs typeface="+mn-cs"/>
+                <a:latin typeface="Calibri" panose="020F0502020204030204" pitchFamily="34" charset="0"/>
+                <a:cs typeface="Calibri" panose="020F0502020204030204" pitchFamily="34" charset="0"/>
               </a:rPr>
               <a:t>28</a:t>
             </a:r>
@@ -14399,9 +14661,8 @@
                 <a:effectLst/>
                 <a:uLnTx/>
                 <a:uFillTx/>
-                <a:latin typeface="+mn-lt"/>
-                <a:ea typeface="+mn-ea"/>
-                <a:cs typeface="+mn-cs"/>
+                <a:latin typeface="Calibri" panose="020F0502020204030204" pitchFamily="34" charset="0"/>
+                <a:cs typeface="Calibri" panose="020F0502020204030204" pitchFamily="34" charset="0"/>
               </a:rPr>
               <a:t>, (b</a:t>
             </a:r>
@@ -14416,9 +14677,8 @@
                 <a:effectLst/>
                 <a:uLnTx/>
                 <a:uFillTx/>
-                <a:latin typeface="+mn-lt"/>
-                <a:ea typeface="+mn-ea"/>
-                <a:cs typeface="+mn-cs"/>
+                <a:latin typeface="Calibri" panose="020F0502020204030204" pitchFamily="34" charset="0"/>
+                <a:cs typeface="Calibri" panose="020F0502020204030204" pitchFamily="34" charset="0"/>
               </a:rPr>
               <a:t>14</a:t>
             </a:r>
@@ -14433,9 +14693,8 @@
                 <a:effectLst/>
                 <a:uLnTx/>
                 <a:uFillTx/>
-                <a:latin typeface="+mn-lt"/>
-                <a:ea typeface="+mn-ea"/>
-                <a:cs typeface="+mn-cs"/>
+                <a:latin typeface="Calibri" panose="020F0502020204030204" pitchFamily="34" charset="0"/>
+                <a:cs typeface="Calibri" panose="020F0502020204030204" pitchFamily="34" charset="0"/>
               </a:rPr>
               <a:t>-b</a:t>
             </a:r>
@@ -14450,9 +14709,8 @@
                 <a:effectLst/>
                 <a:uLnTx/>
                 <a:uFillTx/>
-                <a:latin typeface="+mn-lt"/>
-                <a:ea typeface="+mn-ea"/>
-                <a:cs typeface="+mn-cs"/>
+                <a:latin typeface="Calibri" panose="020F0502020204030204" pitchFamily="34" charset="0"/>
+                <a:cs typeface="Calibri" panose="020F0502020204030204" pitchFamily="34" charset="0"/>
               </a:rPr>
               <a:t>28</a:t>
             </a:r>
@@ -14467,9 +14725,8 @@
                 <a:effectLst/>
                 <a:uLnTx/>
                 <a:uFillTx/>
-                <a:latin typeface="+mn-lt"/>
-                <a:ea typeface="+mn-ea"/>
-                <a:cs typeface="+mn-cs"/>
+                <a:latin typeface="Calibri" panose="020F0502020204030204" pitchFamily="34" charset="0"/>
+                <a:cs typeface="Calibri" panose="020F0502020204030204" pitchFamily="34" charset="0"/>
               </a:rPr>
               <a:t>)=</a:t>
             </a:r>
@@ -14484,11 +14741,31 @@
                 <a:effectLst/>
                 <a:uLnTx/>
                 <a:uFillTx/>
-                <a:latin typeface="+mn-lt"/>
-                <a:ea typeface="+mn-ea"/>
-                <a:cs typeface="+mn-cs"/>
-              </a:rPr>
-              <a:t> 125 (mod 191</a:t>
+                <a:latin typeface="Calibri" panose="020F0502020204030204" pitchFamily="34" charset="0"/>
+                <a:cs typeface="Calibri" panose="020F0502020204030204" pitchFamily="34" charset="0"/>
+              </a:rPr>
+              <a:t> 125 (mod 191), </a:t>
+            </a:r>
+            <a:r>
+              <a:rPr lang="en-US" sz="2000" dirty="0">
+                <a:latin typeface="Calibri" panose="020F0502020204030204" pitchFamily="34" charset="0"/>
+                <a:cs typeface="Calibri" panose="020F0502020204030204" pitchFamily="34" charset="0"/>
+              </a:rPr>
+              <a:t>L</a:t>
+            </a:r>
+            <a:r>
+              <a:rPr lang="en-US" sz="2000" baseline="-25000" dirty="0">
+                <a:latin typeface="Calibri" panose="020F0502020204030204" pitchFamily="34" charset="0"/>
+                <a:cs typeface="Calibri" panose="020F0502020204030204" pitchFamily="34" charset="0"/>
+              </a:rPr>
+              <a:t>2</a:t>
+            </a:r>
+            <a:r>
+              <a:rPr lang="en-US" sz="2000" dirty="0">
+                <a:latin typeface="Calibri" panose="020F0502020204030204" pitchFamily="34" charset="0"/>
+                <a:cs typeface="Calibri" panose="020F0502020204030204" pitchFamily="34" charset="0"/>
+              </a:rPr>
+              <a:t>(228)=</a:t>
             </a:r>
             <a:r>
               <a:rPr kumimoji="1" lang="en-US" sz="2000" b="0" i="0" u="none" strike="noStrike" kern="0" cap="none" spc="0" normalizeH="0" noProof="0" dirty="0">
@@ -14501,31 +14778,26 @@
                 <a:effectLst/>
                 <a:uLnTx/>
                 <a:uFillTx/>
-                <a:latin typeface="Arial" pitchFamily="34" charset="0"/>
-                <a:cs typeface="Arial" pitchFamily="34" charset="0"/>
-              </a:rPr>
-              <a:t>), </a:t>
-            </a:r>
-            <a:r>
-              <a:rPr lang="en-US" sz="2000" dirty="0">
-                <a:latin typeface="Arial" pitchFamily="34" charset="0"/>
-                <a:cs typeface="Arial" pitchFamily="34" charset="0"/>
-              </a:rPr>
-              <a:t>L</a:t>
-            </a:r>
-            <a:r>
-              <a:rPr lang="en-US" sz="2000" baseline="-25000" dirty="0">
-                <a:latin typeface="Arial" pitchFamily="34" charset="0"/>
-                <a:cs typeface="Arial" pitchFamily="34" charset="0"/>
-              </a:rPr>
-              <a:t>2</a:t>
-            </a:r>
-            <a:r>
-              <a:rPr lang="en-US" sz="2000" dirty="0">
-                <a:latin typeface="Arial" pitchFamily="34" charset="0"/>
-                <a:cs typeface="Arial" pitchFamily="34" charset="0"/>
-              </a:rPr>
-              <a:t>(228)=</a:t>
+                <a:latin typeface="Calibri" panose="020F0502020204030204" pitchFamily="34" charset="0"/>
+                <a:cs typeface="Calibri" panose="020F0502020204030204" pitchFamily="34" charset="0"/>
+              </a:rPr>
+              <a:t>125</a:t>
+            </a:r>
+            <a:r>
+              <a:rPr kumimoji="1" lang="en-US" sz="2000" b="0" i="0" u="none" strike="noStrike" kern="0" cap="none" spc="0" normalizeH="0" baseline="30000" noProof="0" dirty="0">
+                <a:ln>
+                  <a:noFill/>
+                </a:ln>
+                <a:solidFill>
+                  <a:schemeClr val="tx1"/>
+                </a:solidFill>
+                <a:effectLst/>
+                <a:uLnTx/>
+                <a:uFillTx/>
+                <a:latin typeface="Calibri" panose="020F0502020204030204" pitchFamily="34" charset="0"/>
+                <a:cs typeface="Calibri" panose="020F0502020204030204" pitchFamily="34" charset="0"/>
+              </a:rPr>
+              <a:t>-1</a:t>
             </a:r>
             <a:r>
               <a:rPr kumimoji="1" lang="en-US" sz="2000" b="0" i="0" u="none" strike="noStrike" kern="0" cap="none" spc="0" normalizeH="0" noProof="0" dirty="0">
@@ -14538,14 +14810,13 @@
                 <a:effectLst/>
                 <a:uLnTx/>
                 <a:uFillTx/>
-                <a:latin typeface="+mn-lt"/>
-                <a:ea typeface="+mn-ea"/>
-                <a:cs typeface="+mn-cs"/>
-              </a:rPr>
-              <a:t>125</a:t>
-            </a:r>
-            <a:r>
-              <a:rPr kumimoji="1" lang="en-US" sz="2000" b="0" i="0" u="none" strike="noStrike" kern="0" cap="none" spc="0" normalizeH="0" baseline="30000" noProof="0" dirty="0">
+                <a:latin typeface="Calibri" panose="020F0502020204030204" pitchFamily="34" charset="0"/>
+                <a:cs typeface="Calibri" panose="020F0502020204030204" pitchFamily="34" charset="0"/>
+              </a:rPr>
+              <a:t> (a</a:t>
+            </a:r>
+            <a:r>
+              <a:rPr kumimoji="1" lang="en-US" sz="2000" b="0" i="0" u="none" strike="noStrike" kern="0" cap="none" spc="0" normalizeH="0" baseline="-25000" noProof="0" dirty="0">
                 <a:ln>
                   <a:noFill/>
                 </a:ln>
@@ -14555,11 +14826,10 @@
                 <a:effectLst/>
                 <a:uLnTx/>
                 <a:uFillTx/>
-                <a:latin typeface="+mn-lt"/>
-                <a:ea typeface="+mn-ea"/>
-                <a:cs typeface="+mn-cs"/>
-              </a:rPr>
-              <a:t>-1</a:t>
+                <a:latin typeface="Calibri" panose="020F0502020204030204" pitchFamily="34" charset="0"/>
+                <a:cs typeface="Calibri" panose="020F0502020204030204" pitchFamily="34" charset="0"/>
+              </a:rPr>
+              <a:t>28</a:t>
             </a:r>
             <a:r>
               <a:rPr kumimoji="1" lang="en-US" sz="2000" b="0" i="0" u="none" strike="noStrike" kern="0" cap="none" spc="0" normalizeH="0" noProof="0" dirty="0">
@@ -14572,11 +14842,10 @@
                 <a:effectLst/>
                 <a:uLnTx/>
                 <a:uFillTx/>
-                <a:latin typeface="+mn-lt"/>
-                <a:ea typeface="+mn-ea"/>
-                <a:cs typeface="+mn-cs"/>
-              </a:rPr>
-              <a:t> (a</a:t>
+                <a:latin typeface="Calibri" panose="020F0502020204030204" pitchFamily="34" charset="0"/>
+                <a:cs typeface="Calibri" panose="020F0502020204030204" pitchFamily="34" charset="0"/>
+              </a:rPr>
+              <a:t>-a</a:t>
             </a:r>
             <a:r>
               <a:rPr kumimoji="1" lang="en-US" sz="2000" b="0" i="0" u="none" strike="noStrike" kern="0" cap="none" spc="0" normalizeH="0" baseline="-25000" noProof="0" dirty="0">
@@ -14589,11 +14858,10 @@
                 <a:effectLst/>
                 <a:uLnTx/>
                 <a:uFillTx/>
-                <a:latin typeface="+mn-lt"/>
-                <a:ea typeface="+mn-ea"/>
-                <a:cs typeface="+mn-cs"/>
-              </a:rPr>
-              <a:t>28</a:t>
+                <a:latin typeface="Calibri" panose="020F0502020204030204" pitchFamily="34" charset="0"/>
+                <a:cs typeface="Calibri" panose="020F0502020204030204" pitchFamily="34" charset="0"/>
+              </a:rPr>
+              <a:t>14</a:t>
             </a:r>
             <a:r>
               <a:rPr kumimoji="1" lang="en-US" sz="2000" b="0" i="0" u="none" strike="noStrike" kern="0" cap="none" spc="0" normalizeH="0" noProof="0" dirty="0">
@@ -14606,43 +14874,8 @@
                 <a:effectLst/>
                 <a:uLnTx/>
                 <a:uFillTx/>
-                <a:latin typeface="+mn-lt"/>
-                <a:ea typeface="+mn-ea"/>
-                <a:cs typeface="+mn-cs"/>
-              </a:rPr>
-              <a:t>-a</a:t>
-            </a:r>
-            <a:r>
-              <a:rPr kumimoji="1" lang="en-US" sz="2000" b="0" i="0" u="none" strike="noStrike" kern="0" cap="none" spc="0" normalizeH="0" baseline="-25000" noProof="0" dirty="0">
-                <a:ln>
-                  <a:noFill/>
-                </a:ln>
-                <a:solidFill>
-                  <a:schemeClr val="tx1"/>
-                </a:solidFill>
-                <a:effectLst/>
-                <a:uLnTx/>
-                <a:uFillTx/>
-                <a:latin typeface="+mn-lt"/>
-                <a:ea typeface="+mn-ea"/>
-                <a:cs typeface="+mn-cs"/>
-              </a:rPr>
-              <a:t>14</a:t>
-            </a:r>
-            <a:r>
-              <a:rPr kumimoji="1" lang="en-US" sz="2000" b="0" i="0" u="none" strike="noStrike" kern="0" cap="none" spc="0" normalizeH="0" noProof="0" dirty="0">
-                <a:ln>
-                  <a:noFill/>
-                </a:ln>
-                <a:solidFill>
-                  <a:schemeClr val="tx1"/>
-                </a:solidFill>
-                <a:effectLst/>
-                <a:uLnTx/>
-                <a:uFillTx/>
-                <a:latin typeface="+mn-lt"/>
-                <a:ea typeface="+mn-ea"/>
-                <a:cs typeface="+mn-cs"/>
+                <a:latin typeface="Calibri" panose="020F0502020204030204" pitchFamily="34" charset="0"/>
+                <a:cs typeface="Calibri" panose="020F0502020204030204" pitchFamily="34" charset="0"/>
               </a:rPr>
               <a:t>)= 110.</a:t>
             </a:r>
@@ -14656,9 +14889,8 @@
               <a:effectLst/>
               <a:uLnTx/>
               <a:uFillTx/>
-              <a:latin typeface="+mn-lt"/>
-              <a:ea typeface="+mn-ea"/>
-              <a:cs typeface="+mn-cs"/>
+              <a:latin typeface="Calibri" panose="020F0502020204030204" pitchFamily="34" charset="0"/>
+              <a:cs typeface="Calibri" panose="020F0502020204030204" pitchFamily="34" charset="0"/>
             </a:endParaRPr>
           </a:p>
         </p:txBody>
@@ -14745,8 +14977,8 @@
           </a:p>
         </p:txBody>
       </p:sp>
-      <mc:AlternateContent xmlns:mc="http://schemas.openxmlformats.org/markup-compatibility/2006">
-        <mc:Choice xmlns:a14="http://schemas.microsoft.com/office/drawing/2010/main" Requires="a14">
+      <mc:AlternateContent xmlns:mc="http://schemas.openxmlformats.org/markup-compatibility/2006" xmlns:a14="http://schemas.microsoft.com/office/drawing/2010/main">
+        <mc:Choice Requires="a14">
           <p:sp>
             <p:nvSpPr>
               <p:cNvPr id="93189" name="Rectangle 3"/>
@@ -15299,7 +15531,7 @@
             </p:txBody>
           </p:sp>
         </mc:Choice>
-        <mc:Fallback>
+        <mc:Fallback xmlns="">
           <p:sp>
             <p:nvSpPr>
               <p:cNvPr id="93189" name="Rectangle 3"/>
@@ -18013,7 +18245,7 @@
         </p:nvSpPr>
         <p:spPr>
           <a:xfrm>
-            <a:off x="457200" y="1905000"/>
+            <a:off x="457200" y="2286000"/>
             <a:ext cx="8382000" cy="2971800"/>
           </a:xfrm>
         </p:spPr>
@@ -18023,18 +18255,24 @@
           <a:p>
             <a:r>
               <a:rPr lang="en-US" sz="2000" dirty="0">
+                <a:latin typeface="Calibri" panose="020F0502020204030204" pitchFamily="34" charset="0"/>
+                <a:cs typeface="Calibri" panose="020F0502020204030204" pitchFamily="34" charset="0"/>
                 <a:sym typeface="Symbol" pitchFamily="18" charset="2"/>
               </a:rPr>
               <a:t>HMAC(K, text)= </a:t>
             </a:r>
             <a:r>
               <a:rPr lang="en-US" sz="2000" dirty="0" err="1">
+                <a:latin typeface="Calibri" panose="020F0502020204030204" pitchFamily="34" charset="0"/>
+                <a:cs typeface="Calibri" panose="020F0502020204030204" pitchFamily="34" charset="0"/>
                 <a:sym typeface="Symbol" pitchFamily="18" charset="2"/>
               </a:rPr>
               <a:t>H((K⊕opad)||H((K⊕ipad)||text</a:t>
             </a:r>
             <a:r>
               <a:rPr lang="en-US" sz="2000" dirty="0">
+                <a:latin typeface="Calibri" panose="020F0502020204030204" pitchFamily="34" charset="0"/>
+                <a:cs typeface="Calibri" panose="020F0502020204030204" pitchFamily="34" charset="0"/>
                 <a:sym typeface="Symbol" pitchFamily="18" charset="2"/>
               </a:rPr>
               <a:t>)))</a:t>
@@ -18043,6 +18281,8 @@
           <a:p>
             <a:r>
               <a:rPr lang="en-US" sz="2000" dirty="0">
+                <a:latin typeface="Calibri" panose="020F0502020204030204" pitchFamily="34" charset="0"/>
+                <a:cs typeface="Calibri" panose="020F0502020204030204" pitchFamily="34" charset="0"/>
                 <a:sym typeface="Symbol" pitchFamily="18" charset="2"/>
               </a:rPr>
               <a:t>H is a cryptographic hash like SHA-256</a:t>
@@ -18051,12 +18291,16 @@
           <a:p>
             <a:r>
               <a:rPr lang="en-US" sz="2000" dirty="0" err="1">
+                <a:latin typeface="Calibri" panose="020F0502020204030204" pitchFamily="34" charset="0"/>
+                <a:cs typeface="Calibri" panose="020F0502020204030204" pitchFamily="34" charset="0"/>
                 <a:sym typeface="Symbol" pitchFamily="18" charset="2"/>
               </a:rPr>
               <a:t>ipad</a:t>
             </a:r>
             <a:r>
               <a:rPr lang="en-US" sz="2000" dirty="0">
+                <a:latin typeface="Calibri" panose="020F0502020204030204" pitchFamily="34" charset="0"/>
+                <a:cs typeface="Calibri" panose="020F0502020204030204" pitchFamily="34" charset="0"/>
                 <a:sym typeface="Symbol" pitchFamily="18" charset="2"/>
               </a:rPr>
               <a:t>, the inner pad: the byte 0x36 repeated B times where B is key size</a:t>
@@ -18065,12 +18309,16 @@
           <a:p>
             <a:r>
               <a:rPr lang="en-US" sz="2000" dirty="0" err="1">
+                <a:latin typeface="Calibri" panose="020F0502020204030204" pitchFamily="34" charset="0"/>
+                <a:cs typeface="Calibri" panose="020F0502020204030204" pitchFamily="34" charset="0"/>
                 <a:sym typeface="Symbol" pitchFamily="18" charset="2"/>
               </a:rPr>
               <a:t>opad</a:t>
             </a:r>
             <a:r>
               <a:rPr lang="en-US" sz="2000" dirty="0">
+                <a:latin typeface="Calibri" panose="020F0502020204030204" pitchFamily="34" charset="0"/>
+                <a:cs typeface="Calibri" panose="020F0502020204030204" pitchFamily="34" charset="0"/>
                 <a:sym typeface="Symbol" pitchFamily="18" charset="2"/>
               </a:rPr>
               <a:t>, the outer pad: the byte 0x5c repeated B times</a:t>
@@ -18079,39 +18327,12 @@
           <a:p>
             <a:r>
               <a:rPr lang="en-US" sz="2000" dirty="0">
+                <a:latin typeface="Calibri" panose="020F0502020204030204" pitchFamily="34" charset="0"/>
+                <a:cs typeface="Calibri" panose="020F0502020204030204" pitchFamily="34" charset="0"/>
                 <a:sym typeface="Symbol" pitchFamily="18" charset="2"/>
               </a:rPr>
               <a:t>Verification requires knowledge of K.</a:t>
             </a:r>
-          </a:p>
-        </p:txBody>
-      </p:sp>
-      <p:sp>
-        <p:nvSpPr>
-          <p:cNvPr id="7" name="Date Placeholder 3"/>
-          <p:cNvSpPr>
-            <a:spLocks noGrp="1"/>
-          </p:cNvSpPr>
-          <p:nvPr>
-            <p:ph type="dt" sz="quarter" idx="10"/>
-          </p:nvPr>
-        </p:nvSpPr>
-        <p:spPr>
-          <a:xfrm>
-            <a:off x="685800" y="6248400"/>
-            <a:ext cx="1905000" cy="457200"/>
-          </a:xfrm>
-          <a:noFill/>
-        </p:spPr>
-        <p:txBody>
-          <a:bodyPr/>
-          <a:lstStyle/>
-          <a:p>
-            <a:r>
-              <a:rPr lang="en-US"/>
-              <a:t>JLM 20101208</a:t>
-            </a:r>
-            <a:endParaRPr lang="en-US" dirty="0"/>
           </a:p>
         </p:txBody>
       </p:sp>
@@ -18740,822 +18961,814 @@
           </a:p>
         </p:txBody>
       </p:sp>
-      <p:sp>
-        <p:nvSpPr>
-          <p:cNvPr id="88071" name="Text Box 5"/>
-          <p:cNvSpPr txBox="1">
-            <a:spLocks noChangeArrowheads="1"/>
-          </p:cNvSpPr>
+      <p:grpSp>
+        <p:nvGrpSpPr>
+          <p:cNvPr id="2" name="Group 1">
+            <a:extLst>
+              <a:ext uri="{FF2B5EF4-FFF2-40B4-BE49-F238E27FC236}">
+                <a16:creationId xmlns:a16="http://schemas.microsoft.com/office/drawing/2014/main" id="{9F5DA7A3-5556-EC4B-0BBA-86B5742EB0FD}"/>
+              </a:ext>
+            </a:extLst>
+          </p:cNvPr>
+          <p:cNvGrpSpPr/>
           <p:nvPr/>
-        </p:nvSpPr>
-        <p:spPr bwMode="auto">
+        </p:nvGrpSpPr>
+        <p:grpSpPr>
           <a:xfrm>
-            <a:off x="582612" y="2133600"/>
-            <a:ext cx="2160588" cy="646331"/>
+            <a:off x="457200" y="2133600"/>
+            <a:ext cx="8077200" cy="3733800"/>
+            <a:chOff x="457200" y="2133600"/>
+            <a:chExt cx="8077200" cy="3733800"/>
           </a:xfrm>
-          <a:prstGeom prst="rect">
-            <a:avLst/>
-          </a:prstGeom>
-          <a:noFill/>
-          <a:ln w="12700" cap="sq" algn="ctr">
+        </p:grpSpPr>
+        <p:sp>
+          <p:nvSpPr>
+            <p:cNvPr id="88071" name="Text Box 5"/>
+            <p:cNvSpPr txBox="1">
+              <a:spLocks noChangeArrowheads="1"/>
+            </p:cNvSpPr>
+            <p:nvPr/>
+          </p:nvSpPr>
+          <p:spPr bwMode="auto">
+            <a:xfrm>
+              <a:off x="582612" y="2133600"/>
+              <a:ext cx="2160588" cy="646331"/>
+            </a:xfrm>
+            <a:prstGeom prst="rect">
+              <a:avLst/>
+            </a:prstGeom>
             <a:noFill/>
-            <a:miter lim="800000"/>
-            <a:headEnd/>
-            <a:tailEnd/>
-          </a:ln>
-        </p:spPr>
-        <p:txBody>
-          <a:bodyPr wrap="square">
-            <a:spAutoFit/>
-          </a:bodyPr>
-          <a:lstStyle/>
-          <a:p>
-            <a:pPr>
-              <a:spcBef>
-                <a:spcPct val="0"/>
-              </a:spcBef>
-            </a:pPr>
-            <a:r>
-              <a:rPr kumimoji="0" lang="en-US" sz="1800" dirty="0">
+            <a:ln w="12700" cap="sq" algn="ctr">
+              <a:noFill/>
+              <a:miter lim="800000"/>
+              <a:headEnd/>
+              <a:tailEnd/>
+            </a:ln>
+          </p:spPr>
+          <p:txBody>
+            <a:bodyPr wrap="square">
+              <a:spAutoFit/>
+            </a:bodyPr>
+            <a:lstStyle/>
+            <a:p>
+              <a:pPr>
+                <a:spcBef>
+                  <a:spcPct val="0"/>
+                </a:spcBef>
+              </a:pPr>
+              <a:r>
+                <a:rPr kumimoji="0" lang="en-US" sz="1800" dirty="0">
+                  <a:latin typeface="Arial" pitchFamily="34" charset="0"/>
+                  <a:cs typeface="Arial" pitchFamily="34" charset="0"/>
+                </a:rPr>
+                <a:t>A1: s= min(p size),</a:t>
+              </a:r>
+            </a:p>
+            <a:p>
+              <a:pPr>
+                <a:spcBef>
+                  <a:spcPct val="0"/>
+                </a:spcBef>
+              </a:pPr>
+              <a:r>
+                <a:rPr kumimoji="0" lang="en-US" sz="1800" dirty="0">
+                  <a:latin typeface="Arial" pitchFamily="34" charset="0"/>
+                  <a:cs typeface="Arial" pitchFamily="34" charset="0"/>
+                </a:rPr>
+                <a:t>N</a:t>
+              </a:r>
+              <a:r>
+                <a:rPr kumimoji="0" lang="en-US" sz="1800" baseline="-25000" dirty="0">
+                  <a:latin typeface="Arial" pitchFamily="34" charset="0"/>
+                  <a:cs typeface="Arial" pitchFamily="34" charset="0"/>
+                </a:rPr>
+                <a:t>a</a:t>
+              </a:r>
+              <a:r>
+                <a:rPr kumimoji="0" lang="en-US" sz="1800" dirty="0">
+                  <a:latin typeface="Arial" pitchFamily="34" charset="0"/>
+                  <a:cs typeface="Arial" pitchFamily="34" charset="0"/>
+                </a:rPr>
+                <a:t> in {0, … 2</a:t>
+              </a:r>
+              <a:r>
+                <a:rPr kumimoji="0" lang="en-US" sz="1800" baseline="30000" dirty="0">
+                  <a:latin typeface="Arial" pitchFamily="34" charset="0"/>
+                  <a:cs typeface="Arial" pitchFamily="34" charset="0"/>
+                </a:rPr>
+                <a:t>256</a:t>
+              </a:r>
+              <a:r>
+                <a:rPr kumimoji="0" lang="en-US" sz="1800" dirty="0">
+                  <a:latin typeface="Arial" pitchFamily="34" charset="0"/>
+                  <a:cs typeface="Arial" pitchFamily="34" charset="0"/>
+                </a:rPr>
+                <a:t>-1}</a:t>
+              </a:r>
+            </a:p>
+          </p:txBody>
+        </p:sp>
+        <p:sp>
+          <p:nvSpPr>
+            <p:cNvPr id="88072" name="Line 6"/>
+            <p:cNvSpPr>
+              <a:spLocks noChangeShapeType="1"/>
+            </p:cNvSpPr>
+            <p:nvPr/>
+          </p:nvSpPr>
+          <p:spPr bwMode="auto">
+            <a:xfrm>
+              <a:off x="3048000" y="2590800"/>
+              <a:ext cx="2362200" cy="0"/>
+            </a:xfrm>
+            <a:prstGeom prst="line">
+              <a:avLst/>
+            </a:prstGeom>
+            <a:noFill/>
+            <a:ln w="12700" cap="sq">
+              <a:solidFill>
+                <a:schemeClr val="tx1"/>
+              </a:solidFill>
+              <a:round/>
+              <a:headEnd/>
+              <a:tailEnd type="triangle" w="med" len="med"/>
+            </a:ln>
+          </p:spPr>
+          <p:txBody>
+            <a:bodyPr wrap="none" anchor="ctr">
+              <a:spAutoFit/>
+            </a:bodyPr>
+            <a:lstStyle/>
+            <a:p>
+              <a:endParaRPr lang="en-US" sz="1800">
                 <a:latin typeface="Arial" pitchFamily="34" charset="0"/>
                 <a:cs typeface="Arial" pitchFamily="34" charset="0"/>
-              </a:rPr>
-              <a:t>A1: s= min(p size),</a:t>
-            </a:r>
-          </a:p>
-          <a:p>
-            <a:pPr>
-              <a:spcBef>
-                <a:spcPct val="0"/>
-              </a:spcBef>
-            </a:pPr>
-            <a:r>
-              <a:rPr kumimoji="0" lang="en-US" sz="1800" dirty="0">
+              </a:endParaRPr>
+            </a:p>
+          </p:txBody>
+        </p:sp>
+        <p:sp>
+          <p:nvSpPr>
+            <p:cNvPr id="88073" name="Text Box 7"/>
+            <p:cNvSpPr txBox="1">
+              <a:spLocks noChangeArrowheads="1"/>
+            </p:cNvSpPr>
+            <p:nvPr/>
+          </p:nvSpPr>
+          <p:spPr bwMode="auto">
+            <a:xfrm>
+              <a:off x="3276600" y="2133600"/>
+              <a:ext cx="1600200" cy="369332"/>
+            </a:xfrm>
+            <a:prstGeom prst="rect">
+              <a:avLst/>
+            </a:prstGeom>
+            <a:noFill/>
+            <a:ln w="12700" cap="sq" algn="ctr">
+              <a:noFill/>
+              <a:miter lim="800000"/>
+              <a:headEnd/>
+              <a:tailEnd/>
+            </a:ln>
+          </p:spPr>
+          <p:txBody>
+            <a:bodyPr>
+              <a:spAutoFit/>
+            </a:bodyPr>
+            <a:lstStyle/>
+            <a:p>
+              <a:pPr algn="ctr">
+                <a:spcBef>
+                  <a:spcPct val="0"/>
+                </a:spcBef>
+              </a:pPr>
+              <a:r>
+                <a:rPr kumimoji="0" lang="en-US" sz="1800">
+                  <a:latin typeface="Arial" pitchFamily="34" charset="0"/>
+                  <a:cs typeface="Arial" pitchFamily="34" charset="0"/>
+                </a:rPr>
+                <a:t>s,N</a:t>
+              </a:r>
+              <a:r>
+                <a:rPr kumimoji="0" lang="en-US" sz="1800" baseline="-25000">
+                  <a:latin typeface="Arial" pitchFamily="34" charset="0"/>
+                  <a:cs typeface="Arial" pitchFamily="34" charset="0"/>
+                </a:rPr>
+                <a:t>a</a:t>
+              </a:r>
+              <a:endParaRPr kumimoji="0" lang="en-US" sz="1800">
                 <a:latin typeface="Arial" pitchFamily="34" charset="0"/>
                 <a:cs typeface="Arial" pitchFamily="34" charset="0"/>
-              </a:rPr>
-              <a:t>N</a:t>
-            </a:r>
-            <a:r>
-              <a:rPr kumimoji="0" lang="en-US" sz="1800" baseline="-25000" dirty="0">
+              </a:endParaRPr>
+            </a:p>
+          </p:txBody>
+        </p:sp>
+        <p:sp>
+          <p:nvSpPr>
+            <p:cNvPr id="88074" name="Text Box 8"/>
+            <p:cNvSpPr txBox="1">
+              <a:spLocks noChangeArrowheads="1"/>
+            </p:cNvSpPr>
+            <p:nvPr/>
+          </p:nvSpPr>
+          <p:spPr bwMode="auto">
+            <a:xfrm>
+              <a:off x="6019800" y="3429000"/>
+              <a:ext cx="2514600" cy="646331"/>
+            </a:xfrm>
+            <a:prstGeom prst="rect">
+              <a:avLst/>
+            </a:prstGeom>
+            <a:noFill/>
+            <a:ln w="12700" cap="sq" algn="ctr">
+              <a:noFill/>
+              <a:miter lim="800000"/>
+              <a:headEnd/>
+              <a:tailEnd/>
+            </a:ln>
+          </p:spPr>
+          <p:txBody>
+            <a:bodyPr>
+              <a:spAutoFit/>
+            </a:bodyPr>
+            <a:lstStyle/>
+            <a:p>
+              <a:pPr>
+                <a:spcBef>
+                  <a:spcPct val="0"/>
+                </a:spcBef>
+              </a:pPr>
+              <a:r>
+                <a:rPr kumimoji="0" lang="en-US" sz="1800" dirty="0">
+                  <a:latin typeface="Arial" pitchFamily="34" charset="0"/>
+                  <a:cs typeface="Arial" pitchFamily="34" charset="0"/>
+                </a:rPr>
+                <a:t>B1: Choose (</a:t>
+              </a:r>
+              <a:r>
+                <a:rPr kumimoji="0" lang="en-US" sz="1800" dirty="0" err="1">
+                  <a:latin typeface="Arial" pitchFamily="34" charset="0"/>
+                  <a:cs typeface="Arial" pitchFamily="34" charset="0"/>
+                </a:rPr>
+                <a:t>p,q,g</a:t>
+              </a:r>
+              <a:r>
+                <a:rPr kumimoji="0" lang="en-US" sz="1800" dirty="0">
+                  <a:latin typeface="Arial" pitchFamily="34" charset="0"/>
+                  <a:cs typeface="Arial" pitchFamily="34" charset="0"/>
+                </a:rPr>
+                <a:t>),</a:t>
+              </a:r>
+            </a:p>
+            <a:p>
+              <a:pPr>
+                <a:spcBef>
+                  <a:spcPct val="0"/>
+                </a:spcBef>
+              </a:pPr>
+              <a:r>
+                <a:rPr kumimoji="0" lang="en-US" sz="1800" dirty="0">
+                  <a:latin typeface="Arial" pitchFamily="34" charset="0"/>
+                  <a:cs typeface="Arial" pitchFamily="34" charset="0"/>
+                </a:rPr>
+                <a:t>x in {0, … 2</a:t>
+              </a:r>
+              <a:r>
+                <a:rPr kumimoji="0" lang="en-US" sz="1800" baseline="30000" dirty="0">
+                  <a:latin typeface="Arial" pitchFamily="34" charset="0"/>
+                  <a:cs typeface="Arial" pitchFamily="34" charset="0"/>
+                </a:rPr>
+                <a:t>256</a:t>
+              </a:r>
+              <a:r>
+                <a:rPr kumimoji="0" lang="en-US" sz="1800" dirty="0">
+                  <a:latin typeface="Arial" pitchFamily="34" charset="0"/>
+                  <a:cs typeface="Arial" pitchFamily="34" charset="0"/>
+                </a:rPr>
+                <a:t>-1}</a:t>
+              </a:r>
+            </a:p>
+          </p:txBody>
+        </p:sp>
+        <p:sp>
+          <p:nvSpPr>
+            <p:cNvPr id="88075" name="Line 9"/>
+            <p:cNvSpPr>
+              <a:spLocks noChangeShapeType="1"/>
+            </p:cNvSpPr>
+            <p:nvPr/>
+          </p:nvSpPr>
+          <p:spPr bwMode="auto">
+            <a:xfrm flipH="1">
+              <a:off x="3124200" y="3886200"/>
+              <a:ext cx="2209800" cy="0"/>
+            </a:xfrm>
+            <a:prstGeom prst="line">
+              <a:avLst/>
+            </a:prstGeom>
+            <a:noFill/>
+            <a:ln w="12700" cap="sq">
+              <a:solidFill>
+                <a:schemeClr val="tx1"/>
+              </a:solidFill>
+              <a:round/>
+              <a:headEnd/>
+              <a:tailEnd type="triangle" w="med" len="med"/>
+            </a:ln>
+          </p:spPr>
+          <p:txBody>
+            <a:bodyPr anchor="ctr">
+              <a:spAutoFit/>
+            </a:bodyPr>
+            <a:lstStyle/>
+            <a:p>
+              <a:endParaRPr lang="en-US" sz="1800">
                 <a:latin typeface="Arial" pitchFamily="34" charset="0"/>
                 <a:cs typeface="Arial" pitchFamily="34" charset="0"/>
-              </a:rPr>
-              <a:t>a</a:t>
-            </a:r>
-            <a:r>
-              <a:rPr kumimoji="0" lang="en-US" sz="1800" dirty="0">
+              </a:endParaRPr>
+            </a:p>
+          </p:txBody>
+        </p:sp>
+        <p:sp>
+          <p:nvSpPr>
+            <p:cNvPr id="88076" name="Text Box 10"/>
+            <p:cNvSpPr txBox="1">
+              <a:spLocks noChangeArrowheads="1"/>
+            </p:cNvSpPr>
+            <p:nvPr/>
+          </p:nvSpPr>
+          <p:spPr bwMode="auto">
+            <a:xfrm>
+              <a:off x="3352800" y="3200400"/>
+              <a:ext cx="1828800" cy="646331"/>
+            </a:xfrm>
+            <a:prstGeom prst="rect">
+              <a:avLst/>
+            </a:prstGeom>
+            <a:noFill/>
+            <a:ln w="12700" cap="sq" algn="ctr">
+              <a:noFill/>
+              <a:miter lim="800000"/>
+              <a:headEnd/>
+              <a:tailEnd/>
+            </a:ln>
+          </p:spPr>
+          <p:txBody>
+            <a:bodyPr>
+              <a:spAutoFit/>
+            </a:bodyPr>
+            <a:lstStyle/>
+            <a:p>
+              <a:pPr algn="ctr">
+                <a:spcBef>
+                  <a:spcPct val="0"/>
+                </a:spcBef>
+              </a:pPr>
+              <a:r>
+                <a:rPr kumimoji="0" lang="en-US" sz="1800" dirty="0">
+                  <a:latin typeface="Arial" pitchFamily="34" charset="0"/>
+                  <a:cs typeface="Arial" pitchFamily="34" charset="0"/>
+                </a:rPr>
+                <a:t>(</a:t>
+              </a:r>
+              <a:r>
+                <a:rPr kumimoji="0" lang="en-US" sz="1800" dirty="0" err="1">
+                  <a:latin typeface="Arial" pitchFamily="34" charset="0"/>
+                  <a:cs typeface="Arial" pitchFamily="34" charset="0"/>
+                </a:rPr>
+                <a:t>p,q,g</a:t>
+              </a:r>
+              <a:r>
+                <a:rPr kumimoji="0" lang="en-US" sz="1800" dirty="0">
+                  <a:latin typeface="Arial" pitchFamily="34" charset="0"/>
+                  <a:cs typeface="Arial" pitchFamily="34" charset="0"/>
+                </a:rPr>
+                <a:t>), X=</a:t>
+              </a:r>
+              <a:r>
+                <a:rPr kumimoji="0" lang="en-US" sz="1800" dirty="0" err="1">
+                  <a:latin typeface="Arial" pitchFamily="34" charset="0"/>
+                  <a:cs typeface="Arial" pitchFamily="34" charset="0"/>
+                </a:rPr>
+                <a:t>g</a:t>
+              </a:r>
+              <a:r>
+                <a:rPr kumimoji="0" lang="en-US" sz="1800" baseline="30000" dirty="0" err="1">
+                  <a:latin typeface="Arial" pitchFamily="34" charset="0"/>
+                  <a:cs typeface="Arial" pitchFamily="34" charset="0"/>
+                </a:rPr>
+                <a:t>x</a:t>
+              </a:r>
+              <a:r>
+                <a:rPr kumimoji="0" lang="en-US" sz="1800" dirty="0">
+                  <a:latin typeface="Arial" pitchFamily="34" charset="0"/>
+                  <a:cs typeface="Arial" pitchFamily="34" charset="0"/>
+                </a:rPr>
+                <a:t>, </a:t>
+              </a:r>
+              <a:r>
+                <a:rPr kumimoji="0" lang="en-US" sz="1800" dirty="0" err="1">
+                  <a:latin typeface="Arial" pitchFamily="34" charset="0"/>
+                  <a:cs typeface="Arial" pitchFamily="34" charset="0"/>
+                </a:rPr>
+                <a:t>Auth</a:t>
+              </a:r>
+              <a:r>
+                <a:rPr kumimoji="0" lang="en-US" sz="1800" baseline="-25000" dirty="0" err="1">
+                  <a:latin typeface="Arial" pitchFamily="34" charset="0"/>
+                  <a:cs typeface="Arial" pitchFamily="34" charset="0"/>
+                </a:rPr>
+                <a:t>B</a:t>
+              </a:r>
+              <a:endParaRPr kumimoji="0" lang="en-US" sz="1800" baseline="-25000" dirty="0">
                 <a:latin typeface="Arial" pitchFamily="34" charset="0"/>
                 <a:cs typeface="Arial" pitchFamily="34" charset="0"/>
-              </a:rPr>
-              <a:t> in {0, … 2</a:t>
-            </a:r>
-            <a:r>
-              <a:rPr kumimoji="0" lang="en-US" sz="1800" baseline="30000" dirty="0">
+              </a:endParaRPr>
+            </a:p>
+          </p:txBody>
+        </p:sp>
+        <p:sp>
+          <p:nvSpPr>
+            <p:cNvPr id="88077" name="Text Box 11"/>
+            <p:cNvSpPr txBox="1">
+              <a:spLocks noChangeArrowheads="1"/>
+            </p:cNvSpPr>
+            <p:nvPr/>
+          </p:nvSpPr>
+          <p:spPr bwMode="auto">
+            <a:xfrm>
+              <a:off x="457200" y="4648200"/>
+              <a:ext cx="2362200" cy="923330"/>
+            </a:xfrm>
+            <a:prstGeom prst="rect">
+              <a:avLst/>
+            </a:prstGeom>
+            <a:noFill/>
+            <a:ln w="12700" cap="sq" algn="ctr">
+              <a:noFill/>
+              <a:miter lim="800000"/>
+              <a:headEnd/>
+              <a:tailEnd/>
+            </a:ln>
+          </p:spPr>
+          <p:txBody>
+            <a:bodyPr>
+              <a:spAutoFit/>
+            </a:bodyPr>
+            <a:lstStyle/>
+            <a:p>
+              <a:pPr>
+                <a:spcBef>
+                  <a:spcPct val="0"/>
+                </a:spcBef>
+              </a:pPr>
+              <a:r>
+                <a:rPr kumimoji="0" lang="en-US" sz="1800" dirty="0">
+                  <a:latin typeface="Arial" pitchFamily="34" charset="0"/>
+                  <a:cs typeface="Arial" pitchFamily="34" charset="0"/>
+                </a:rPr>
+                <a:t>A2: Check (</a:t>
+              </a:r>
+              <a:r>
+                <a:rPr kumimoji="0" lang="en-US" sz="1800" dirty="0" err="1">
+                  <a:latin typeface="Arial" pitchFamily="34" charset="0"/>
+                  <a:cs typeface="Arial" pitchFamily="34" charset="0"/>
+                </a:rPr>
+                <a:t>p,q,g</a:t>
+              </a:r>
+              <a:r>
+                <a:rPr kumimoji="0" lang="en-US" sz="1800" dirty="0">
+                  <a:latin typeface="Arial" pitchFamily="34" charset="0"/>
+                  <a:cs typeface="Arial" pitchFamily="34" charset="0"/>
+                </a:rPr>
+                <a:t>) X, </a:t>
+              </a:r>
+              <a:r>
+                <a:rPr kumimoji="0" lang="en-US" sz="1800" dirty="0" err="1">
+                  <a:latin typeface="Arial" pitchFamily="34" charset="0"/>
+                  <a:cs typeface="Arial" pitchFamily="34" charset="0"/>
+                </a:rPr>
+                <a:t>Auth</a:t>
+              </a:r>
+              <a:r>
+                <a:rPr kumimoji="0" lang="en-US" sz="1800" baseline="-25000" dirty="0" err="1">
+                  <a:latin typeface="Arial" pitchFamily="34" charset="0"/>
+                  <a:cs typeface="Arial" pitchFamily="34" charset="0"/>
+                </a:rPr>
+                <a:t>B</a:t>
+              </a:r>
+              <a:r>
+                <a:rPr kumimoji="0" lang="en-US" sz="1800" dirty="0">
+                  <a:latin typeface="Arial" pitchFamily="34" charset="0"/>
+                  <a:cs typeface="Arial" pitchFamily="34" charset="0"/>
+                </a:rPr>
+                <a:t>, pick y in {0,…q-1}</a:t>
+              </a:r>
+            </a:p>
+          </p:txBody>
+        </p:sp>
+        <p:sp>
+          <p:nvSpPr>
+            <p:cNvPr id="88078" name="Text Box 12"/>
+            <p:cNvSpPr txBox="1">
+              <a:spLocks noChangeArrowheads="1"/>
+            </p:cNvSpPr>
+            <p:nvPr/>
+          </p:nvSpPr>
+          <p:spPr bwMode="auto">
+            <a:xfrm>
+              <a:off x="6019800" y="4800600"/>
+              <a:ext cx="2514600" cy="369332"/>
+            </a:xfrm>
+            <a:prstGeom prst="rect">
+              <a:avLst/>
+            </a:prstGeom>
+            <a:noFill/>
+            <a:ln w="12700" cap="sq" algn="ctr">
+              <a:noFill/>
+              <a:miter lim="800000"/>
+              <a:headEnd/>
+              <a:tailEnd/>
+            </a:ln>
+          </p:spPr>
+          <p:txBody>
+            <a:bodyPr>
+              <a:spAutoFit/>
+            </a:bodyPr>
+            <a:lstStyle/>
+            <a:p>
+              <a:pPr>
+                <a:spcBef>
+                  <a:spcPct val="0"/>
+                </a:spcBef>
+              </a:pPr>
+              <a:r>
+                <a:rPr kumimoji="0" lang="en-US" sz="1800">
+                  <a:latin typeface="Arial" pitchFamily="34" charset="0"/>
+                  <a:cs typeface="Arial" pitchFamily="34" charset="0"/>
+                </a:rPr>
+                <a:t>B2: Check  Y, Auth</a:t>
+              </a:r>
+              <a:r>
+                <a:rPr kumimoji="0" lang="en-US" sz="1800" baseline="-25000">
+                  <a:latin typeface="Arial" pitchFamily="34" charset="0"/>
+                  <a:cs typeface="Arial" pitchFamily="34" charset="0"/>
+                </a:rPr>
+                <a:t>A</a:t>
+              </a:r>
+            </a:p>
+          </p:txBody>
+        </p:sp>
+        <p:sp>
+          <p:nvSpPr>
+            <p:cNvPr id="88079" name="Line 13"/>
+            <p:cNvSpPr>
+              <a:spLocks noChangeShapeType="1"/>
+            </p:cNvSpPr>
+            <p:nvPr/>
+          </p:nvSpPr>
+          <p:spPr bwMode="auto">
+            <a:xfrm>
+              <a:off x="3200400" y="5181600"/>
+              <a:ext cx="2362200" cy="0"/>
+            </a:xfrm>
+            <a:prstGeom prst="line">
+              <a:avLst/>
+            </a:prstGeom>
+            <a:noFill/>
+            <a:ln w="12700" cap="sq">
+              <a:solidFill>
+                <a:schemeClr val="tx1"/>
+              </a:solidFill>
+              <a:round/>
+              <a:headEnd/>
+              <a:tailEnd type="triangle" w="med" len="med"/>
+            </a:ln>
+          </p:spPr>
+          <p:txBody>
+            <a:bodyPr wrap="none" anchor="ctr">
+              <a:spAutoFit/>
+            </a:bodyPr>
+            <a:lstStyle/>
+            <a:p>
+              <a:endParaRPr lang="en-US" sz="1800">
                 <a:latin typeface="Arial" pitchFamily="34" charset="0"/>
                 <a:cs typeface="Arial" pitchFamily="34" charset="0"/>
-              </a:rPr>
-              <a:t>256</a:t>
-            </a:r>
-            <a:r>
-              <a:rPr kumimoji="0" lang="en-US" sz="1800" dirty="0">
+              </a:endParaRPr>
+            </a:p>
+          </p:txBody>
+        </p:sp>
+        <p:sp>
+          <p:nvSpPr>
+            <p:cNvPr id="88080" name="Text Box 14"/>
+            <p:cNvSpPr txBox="1">
+              <a:spLocks noChangeArrowheads="1"/>
+            </p:cNvSpPr>
+            <p:nvPr/>
+          </p:nvSpPr>
+          <p:spPr bwMode="auto">
+            <a:xfrm>
+              <a:off x="3429000" y="4724400"/>
+              <a:ext cx="1600200" cy="369332"/>
+            </a:xfrm>
+            <a:prstGeom prst="rect">
+              <a:avLst/>
+            </a:prstGeom>
+            <a:noFill/>
+            <a:ln w="12700" cap="sq" algn="ctr">
+              <a:noFill/>
+              <a:miter lim="800000"/>
+              <a:headEnd/>
+              <a:tailEnd/>
+            </a:ln>
+          </p:spPr>
+          <p:txBody>
+            <a:bodyPr>
+              <a:spAutoFit/>
+            </a:bodyPr>
+            <a:lstStyle/>
+            <a:p>
+              <a:pPr algn="ctr">
+                <a:spcBef>
+                  <a:spcPct val="0"/>
+                </a:spcBef>
+              </a:pPr>
+              <a:r>
+                <a:rPr kumimoji="0" lang="en-US" sz="1800" dirty="0">
+                  <a:latin typeface="Arial" pitchFamily="34" charset="0"/>
+                  <a:cs typeface="Arial" pitchFamily="34" charset="0"/>
+                </a:rPr>
+                <a:t>Y= </a:t>
+              </a:r>
+              <a:r>
+                <a:rPr kumimoji="0" lang="en-US" sz="1800" dirty="0" err="1">
+                  <a:latin typeface="Arial" pitchFamily="34" charset="0"/>
+                  <a:cs typeface="Arial" pitchFamily="34" charset="0"/>
+                </a:rPr>
+                <a:t>g</a:t>
+              </a:r>
+              <a:r>
+                <a:rPr kumimoji="0" lang="en-US" sz="1800" baseline="30000" dirty="0" err="1">
+                  <a:latin typeface="Arial" pitchFamily="34" charset="0"/>
+                  <a:cs typeface="Arial" pitchFamily="34" charset="0"/>
+                </a:rPr>
+                <a:t>y</a:t>
+              </a:r>
+              <a:r>
+                <a:rPr kumimoji="0" lang="en-US" sz="1800" dirty="0">
+                  <a:latin typeface="Arial" pitchFamily="34" charset="0"/>
+                  <a:cs typeface="Arial" pitchFamily="34" charset="0"/>
+                </a:rPr>
+                <a:t>, </a:t>
+              </a:r>
+              <a:r>
+                <a:rPr kumimoji="0" lang="en-US" sz="1800" dirty="0" err="1">
+                  <a:latin typeface="Arial" pitchFamily="34" charset="0"/>
+                  <a:cs typeface="Arial" pitchFamily="34" charset="0"/>
+                </a:rPr>
+                <a:t>Auth</a:t>
+              </a:r>
+              <a:r>
+                <a:rPr kumimoji="0" lang="en-US" sz="1800" baseline="-25000" dirty="0" err="1">
+                  <a:latin typeface="Arial" pitchFamily="34" charset="0"/>
+                  <a:cs typeface="Arial" pitchFamily="34" charset="0"/>
+                </a:rPr>
+                <a:t>A</a:t>
+              </a:r>
+              <a:endParaRPr kumimoji="0" lang="en-US" sz="1800" baseline="-25000" dirty="0">
                 <a:latin typeface="Arial" pitchFamily="34" charset="0"/>
                 <a:cs typeface="Arial" pitchFamily="34" charset="0"/>
-              </a:rPr>
-              <a:t>-1}</a:t>
-            </a:r>
-          </a:p>
-        </p:txBody>
-      </p:sp>
-      <p:sp>
-        <p:nvSpPr>
-          <p:cNvPr id="88072" name="Line 6"/>
-          <p:cNvSpPr>
-            <a:spLocks noChangeShapeType="1"/>
-          </p:cNvSpPr>
-          <p:nvPr/>
-        </p:nvSpPr>
-        <p:spPr bwMode="auto">
-          <a:xfrm>
-            <a:off x="3048000" y="2590800"/>
-            <a:ext cx="2362200" cy="0"/>
-          </a:xfrm>
-          <a:prstGeom prst="line">
-            <a:avLst/>
-          </a:prstGeom>
-          <a:noFill/>
-          <a:ln w="12700" cap="sq">
-            <a:solidFill>
-              <a:schemeClr val="tx1"/>
-            </a:solidFill>
-            <a:round/>
-            <a:headEnd/>
-            <a:tailEnd type="triangle" w="med" len="med"/>
-          </a:ln>
-        </p:spPr>
-        <p:txBody>
-          <a:bodyPr wrap="none" anchor="ctr">
-            <a:spAutoFit/>
-          </a:bodyPr>
-          <a:lstStyle/>
-          <a:p>
-            <a:endParaRPr lang="en-US" sz="1800">
-              <a:latin typeface="Arial" pitchFamily="34" charset="0"/>
-              <a:cs typeface="Arial" pitchFamily="34" charset="0"/>
-            </a:endParaRPr>
-          </a:p>
-        </p:txBody>
-      </p:sp>
-      <p:sp>
-        <p:nvSpPr>
-          <p:cNvPr id="88073" name="Text Box 7"/>
-          <p:cNvSpPr txBox="1">
-            <a:spLocks noChangeArrowheads="1"/>
-          </p:cNvSpPr>
-          <p:nvPr/>
-        </p:nvSpPr>
-        <p:spPr bwMode="auto">
-          <a:xfrm>
-            <a:off x="3276600" y="2133600"/>
-            <a:ext cx="1600200" cy="369332"/>
-          </a:xfrm>
-          <a:prstGeom prst="rect">
-            <a:avLst/>
-          </a:prstGeom>
-          <a:noFill/>
-          <a:ln w="12700" cap="sq" algn="ctr">
+              </a:endParaRPr>
+            </a:p>
+          </p:txBody>
+        </p:sp>
+        <p:sp>
+          <p:nvSpPr>
+            <p:cNvPr id="88081" name="Text Box 15"/>
+            <p:cNvSpPr txBox="1">
+              <a:spLocks noChangeArrowheads="1"/>
+            </p:cNvSpPr>
+            <p:nvPr/>
+          </p:nvSpPr>
+          <p:spPr bwMode="auto">
+            <a:xfrm>
+              <a:off x="1981200" y="5486400"/>
+              <a:ext cx="1600200" cy="369332"/>
+            </a:xfrm>
+            <a:prstGeom prst="rect">
+              <a:avLst/>
+            </a:prstGeom>
             <a:noFill/>
-            <a:miter lim="800000"/>
-            <a:headEnd/>
-            <a:tailEnd/>
-          </a:ln>
-        </p:spPr>
-        <p:txBody>
-          <a:bodyPr>
-            <a:spAutoFit/>
-          </a:bodyPr>
-          <a:lstStyle/>
-          <a:p>
-            <a:pPr algn="ctr">
-              <a:spcBef>
-                <a:spcPct val="0"/>
-              </a:spcBef>
-            </a:pPr>
-            <a:r>
-              <a:rPr kumimoji="0" lang="en-US" sz="1800">
+            <a:ln w="12700" cap="sq" algn="ctr">
+              <a:noFill/>
+              <a:miter lim="800000"/>
+              <a:headEnd/>
+              <a:tailEnd/>
+            </a:ln>
+          </p:spPr>
+          <p:txBody>
+            <a:bodyPr>
+              <a:spAutoFit/>
+            </a:bodyPr>
+            <a:lstStyle/>
+            <a:p>
+              <a:pPr>
+                <a:spcBef>
+                  <a:spcPct val="0"/>
+                </a:spcBef>
+              </a:pPr>
+              <a:r>
+                <a:rPr kumimoji="0" lang="en-US" sz="1800" dirty="0">
+                  <a:latin typeface="Arial" pitchFamily="34" charset="0"/>
+                  <a:cs typeface="Arial" pitchFamily="34" charset="0"/>
+                </a:rPr>
+                <a:t>K= </a:t>
+              </a:r>
+              <a:r>
+                <a:rPr kumimoji="0" lang="en-US" sz="1800" dirty="0" err="1">
+                  <a:latin typeface="Arial" pitchFamily="34" charset="0"/>
+                  <a:cs typeface="Arial" pitchFamily="34" charset="0"/>
+                </a:rPr>
+                <a:t>X</a:t>
+              </a:r>
+              <a:r>
+                <a:rPr kumimoji="0" lang="en-US" sz="1800" baseline="30000" dirty="0" err="1">
+                  <a:latin typeface="Arial" pitchFamily="34" charset="0"/>
+                  <a:cs typeface="Arial" pitchFamily="34" charset="0"/>
+                </a:rPr>
+                <a:t>y</a:t>
+              </a:r>
+              <a:endParaRPr kumimoji="0" lang="en-US" sz="1800" baseline="30000" dirty="0">
                 <a:latin typeface="Arial" pitchFamily="34" charset="0"/>
                 <a:cs typeface="Arial" pitchFamily="34" charset="0"/>
-              </a:rPr>
-              <a:t>s,N</a:t>
-            </a:r>
-            <a:r>
-              <a:rPr kumimoji="0" lang="en-US" sz="1800" baseline="-25000">
+              </a:endParaRPr>
+            </a:p>
+          </p:txBody>
+        </p:sp>
+        <p:sp>
+          <p:nvSpPr>
+            <p:cNvPr id="88082" name="Text Box 16"/>
+            <p:cNvSpPr txBox="1">
+              <a:spLocks noChangeArrowheads="1"/>
+            </p:cNvSpPr>
+            <p:nvPr/>
+          </p:nvSpPr>
+          <p:spPr bwMode="auto">
+            <a:xfrm>
+              <a:off x="5638800" y="5498068"/>
+              <a:ext cx="1600200" cy="369332"/>
+            </a:xfrm>
+            <a:prstGeom prst="rect">
+              <a:avLst/>
+            </a:prstGeom>
+            <a:noFill/>
+            <a:ln w="12700" cap="sq" algn="ctr">
+              <a:noFill/>
+              <a:miter lim="800000"/>
+              <a:headEnd/>
+              <a:tailEnd/>
+            </a:ln>
+          </p:spPr>
+          <p:txBody>
+            <a:bodyPr>
+              <a:spAutoFit/>
+            </a:bodyPr>
+            <a:lstStyle/>
+            <a:p>
+              <a:pPr>
+                <a:spcBef>
+                  <a:spcPct val="0"/>
+                </a:spcBef>
+              </a:pPr>
+              <a:r>
+                <a:rPr kumimoji="0" lang="en-US" sz="1800" dirty="0">
+                  <a:latin typeface="Arial" pitchFamily="34" charset="0"/>
+                  <a:cs typeface="Arial" pitchFamily="34" charset="0"/>
+                </a:rPr>
+                <a:t>K= </a:t>
+              </a:r>
+              <a:r>
+                <a:rPr kumimoji="0" lang="en-US" sz="1800" dirty="0" err="1">
+                  <a:latin typeface="Arial" pitchFamily="34" charset="0"/>
+                  <a:cs typeface="Arial" pitchFamily="34" charset="0"/>
+                </a:rPr>
+                <a:t>Y</a:t>
+              </a:r>
+              <a:r>
+                <a:rPr kumimoji="0" lang="en-US" sz="1800" baseline="30000" dirty="0" err="1">
+                  <a:latin typeface="Arial" pitchFamily="34" charset="0"/>
+                  <a:cs typeface="Arial" pitchFamily="34" charset="0"/>
+                </a:rPr>
+                <a:t>x</a:t>
+              </a:r>
+              <a:endParaRPr kumimoji="0" lang="en-US" sz="1800" baseline="30000" dirty="0">
                 <a:latin typeface="Arial" pitchFamily="34" charset="0"/>
                 <a:cs typeface="Arial" pitchFamily="34" charset="0"/>
-              </a:rPr>
-              <a:t>a</a:t>
-            </a:r>
-            <a:endParaRPr kumimoji="0" lang="en-US" sz="1800">
-              <a:latin typeface="Arial" pitchFamily="34" charset="0"/>
-              <a:cs typeface="Arial" pitchFamily="34" charset="0"/>
-            </a:endParaRPr>
-          </a:p>
-        </p:txBody>
-      </p:sp>
-      <p:sp>
-        <p:nvSpPr>
-          <p:cNvPr id="88074" name="Text Box 8"/>
-          <p:cNvSpPr txBox="1">
-            <a:spLocks noChangeArrowheads="1"/>
-          </p:cNvSpPr>
-          <p:nvPr/>
-        </p:nvSpPr>
-        <p:spPr bwMode="auto">
-          <a:xfrm>
-            <a:off x="6019800" y="3429000"/>
-            <a:ext cx="2514600" cy="646331"/>
-          </a:xfrm>
-          <a:prstGeom prst="rect">
-            <a:avLst/>
-          </a:prstGeom>
-          <a:noFill/>
-          <a:ln w="12700" cap="sq" algn="ctr">
-            <a:noFill/>
-            <a:miter lim="800000"/>
-            <a:headEnd/>
-            <a:tailEnd/>
-          </a:ln>
-        </p:spPr>
-        <p:txBody>
-          <a:bodyPr>
-            <a:spAutoFit/>
-          </a:bodyPr>
-          <a:lstStyle/>
-          <a:p>
-            <a:pPr>
-              <a:spcBef>
-                <a:spcPct val="0"/>
-              </a:spcBef>
-            </a:pPr>
-            <a:r>
-              <a:rPr kumimoji="0" lang="en-US" sz="1800" dirty="0">
-                <a:latin typeface="Arial" pitchFamily="34" charset="0"/>
-                <a:cs typeface="Arial" pitchFamily="34" charset="0"/>
-              </a:rPr>
-              <a:t>B1: Choose (</a:t>
-            </a:r>
-            <a:r>
-              <a:rPr kumimoji="0" lang="en-US" sz="1800" dirty="0" err="1">
-                <a:latin typeface="Arial" pitchFamily="34" charset="0"/>
-                <a:cs typeface="Arial" pitchFamily="34" charset="0"/>
-              </a:rPr>
-              <a:t>p,q,g</a:t>
-            </a:r>
-            <a:r>
-              <a:rPr kumimoji="0" lang="en-US" sz="1800" dirty="0">
-                <a:latin typeface="Arial" pitchFamily="34" charset="0"/>
-                <a:cs typeface="Arial" pitchFamily="34" charset="0"/>
-              </a:rPr>
-              <a:t>),</a:t>
-            </a:r>
-          </a:p>
-          <a:p>
-            <a:pPr>
-              <a:spcBef>
-                <a:spcPct val="0"/>
-              </a:spcBef>
-            </a:pPr>
-            <a:r>
-              <a:rPr kumimoji="0" lang="en-US" sz="1800" dirty="0">
-                <a:latin typeface="Arial" pitchFamily="34" charset="0"/>
-                <a:cs typeface="Arial" pitchFamily="34" charset="0"/>
-              </a:rPr>
-              <a:t>x in {0, … 2</a:t>
-            </a:r>
-            <a:r>
-              <a:rPr kumimoji="0" lang="en-US" sz="1800" baseline="30000" dirty="0">
-                <a:latin typeface="Arial" pitchFamily="34" charset="0"/>
-                <a:cs typeface="Arial" pitchFamily="34" charset="0"/>
-              </a:rPr>
-              <a:t>256</a:t>
-            </a:r>
-            <a:r>
-              <a:rPr kumimoji="0" lang="en-US" sz="1800" dirty="0">
-                <a:latin typeface="Arial" pitchFamily="34" charset="0"/>
-                <a:cs typeface="Arial" pitchFamily="34" charset="0"/>
-              </a:rPr>
-              <a:t>-1}</a:t>
-            </a:r>
-          </a:p>
-        </p:txBody>
-      </p:sp>
-      <p:sp>
-        <p:nvSpPr>
-          <p:cNvPr id="88075" name="Line 9"/>
-          <p:cNvSpPr>
-            <a:spLocks noChangeShapeType="1"/>
-          </p:cNvSpPr>
-          <p:nvPr/>
-        </p:nvSpPr>
-        <p:spPr bwMode="auto">
-          <a:xfrm flipH="1">
-            <a:off x="3124200" y="3886200"/>
-            <a:ext cx="2209800" cy="0"/>
-          </a:xfrm>
-          <a:prstGeom prst="line">
-            <a:avLst/>
-          </a:prstGeom>
-          <a:noFill/>
-          <a:ln w="12700" cap="sq">
-            <a:solidFill>
-              <a:schemeClr val="tx1"/>
-            </a:solidFill>
-            <a:round/>
-            <a:headEnd/>
-            <a:tailEnd type="triangle" w="med" len="med"/>
-          </a:ln>
-        </p:spPr>
-        <p:txBody>
-          <a:bodyPr anchor="ctr">
-            <a:spAutoFit/>
-          </a:bodyPr>
-          <a:lstStyle/>
-          <a:p>
-            <a:endParaRPr lang="en-US" sz="1800">
-              <a:latin typeface="Arial" pitchFamily="34" charset="0"/>
-              <a:cs typeface="Arial" pitchFamily="34" charset="0"/>
-            </a:endParaRPr>
-          </a:p>
-        </p:txBody>
-      </p:sp>
-      <p:sp>
-        <p:nvSpPr>
-          <p:cNvPr id="88076" name="Text Box 10"/>
-          <p:cNvSpPr txBox="1">
-            <a:spLocks noChangeArrowheads="1"/>
-          </p:cNvSpPr>
-          <p:nvPr/>
-        </p:nvSpPr>
-        <p:spPr bwMode="auto">
-          <a:xfrm>
-            <a:off x="3352800" y="3200400"/>
-            <a:ext cx="1828800" cy="646331"/>
-          </a:xfrm>
-          <a:prstGeom prst="rect">
-            <a:avLst/>
-          </a:prstGeom>
-          <a:noFill/>
-          <a:ln w="12700" cap="sq" algn="ctr">
-            <a:noFill/>
-            <a:miter lim="800000"/>
-            <a:headEnd/>
-            <a:tailEnd/>
-          </a:ln>
-        </p:spPr>
-        <p:txBody>
-          <a:bodyPr>
-            <a:spAutoFit/>
-          </a:bodyPr>
-          <a:lstStyle/>
-          <a:p>
-            <a:pPr algn="ctr">
-              <a:spcBef>
-                <a:spcPct val="0"/>
-              </a:spcBef>
-            </a:pPr>
-            <a:r>
-              <a:rPr kumimoji="0" lang="en-US" sz="1800" dirty="0">
-                <a:latin typeface="Arial" pitchFamily="34" charset="0"/>
-                <a:cs typeface="Arial" pitchFamily="34" charset="0"/>
-              </a:rPr>
-              <a:t>(</a:t>
-            </a:r>
-            <a:r>
-              <a:rPr kumimoji="0" lang="en-US" sz="1800" dirty="0" err="1">
-                <a:latin typeface="Arial" pitchFamily="34" charset="0"/>
-                <a:cs typeface="Arial" pitchFamily="34" charset="0"/>
-              </a:rPr>
-              <a:t>p,q,g</a:t>
-            </a:r>
-            <a:r>
-              <a:rPr kumimoji="0" lang="en-US" sz="1800" dirty="0">
-                <a:latin typeface="Arial" pitchFamily="34" charset="0"/>
-                <a:cs typeface="Arial" pitchFamily="34" charset="0"/>
-              </a:rPr>
-              <a:t>), X=</a:t>
-            </a:r>
-            <a:r>
-              <a:rPr kumimoji="0" lang="en-US" sz="1800" dirty="0" err="1">
-                <a:latin typeface="Arial" pitchFamily="34" charset="0"/>
-                <a:cs typeface="Arial" pitchFamily="34" charset="0"/>
-              </a:rPr>
-              <a:t>g</a:t>
-            </a:r>
-            <a:r>
-              <a:rPr kumimoji="0" lang="en-US" sz="1800" baseline="30000" dirty="0" err="1">
-                <a:latin typeface="Arial" pitchFamily="34" charset="0"/>
-                <a:cs typeface="Arial" pitchFamily="34" charset="0"/>
-              </a:rPr>
-              <a:t>x</a:t>
-            </a:r>
-            <a:r>
-              <a:rPr kumimoji="0" lang="en-US" sz="1800" dirty="0">
-                <a:latin typeface="Arial" pitchFamily="34" charset="0"/>
-                <a:cs typeface="Arial" pitchFamily="34" charset="0"/>
-              </a:rPr>
-              <a:t>, </a:t>
-            </a:r>
-            <a:r>
-              <a:rPr kumimoji="0" lang="en-US" sz="1800" dirty="0" err="1">
-                <a:latin typeface="Arial" pitchFamily="34" charset="0"/>
-                <a:cs typeface="Arial" pitchFamily="34" charset="0"/>
-              </a:rPr>
-              <a:t>Auth</a:t>
-            </a:r>
-            <a:r>
-              <a:rPr kumimoji="0" lang="en-US" sz="1800" baseline="-25000" dirty="0" err="1">
-                <a:latin typeface="Arial" pitchFamily="34" charset="0"/>
-                <a:cs typeface="Arial" pitchFamily="34" charset="0"/>
-              </a:rPr>
-              <a:t>B</a:t>
-            </a:r>
-            <a:endParaRPr kumimoji="0" lang="en-US" sz="1800" baseline="-25000" dirty="0">
-              <a:latin typeface="Arial" pitchFamily="34" charset="0"/>
-              <a:cs typeface="Arial" pitchFamily="34" charset="0"/>
-            </a:endParaRPr>
-          </a:p>
-        </p:txBody>
-      </p:sp>
-      <p:sp>
-        <p:nvSpPr>
-          <p:cNvPr id="88077" name="Text Box 11"/>
-          <p:cNvSpPr txBox="1">
-            <a:spLocks noChangeArrowheads="1"/>
-          </p:cNvSpPr>
-          <p:nvPr/>
-        </p:nvSpPr>
-        <p:spPr bwMode="auto">
-          <a:xfrm>
-            <a:off x="457200" y="4648200"/>
-            <a:ext cx="2362200" cy="923330"/>
-          </a:xfrm>
-          <a:prstGeom prst="rect">
-            <a:avLst/>
-          </a:prstGeom>
-          <a:noFill/>
-          <a:ln w="12700" cap="sq" algn="ctr">
-            <a:noFill/>
-            <a:miter lim="800000"/>
-            <a:headEnd/>
-            <a:tailEnd/>
-          </a:ln>
-        </p:spPr>
-        <p:txBody>
-          <a:bodyPr>
-            <a:spAutoFit/>
-          </a:bodyPr>
-          <a:lstStyle/>
-          <a:p>
-            <a:pPr>
-              <a:spcBef>
-                <a:spcPct val="0"/>
-              </a:spcBef>
-            </a:pPr>
-            <a:r>
-              <a:rPr kumimoji="0" lang="en-US" sz="1800" dirty="0">
-                <a:latin typeface="Arial" pitchFamily="34" charset="0"/>
-                <a:cs typeface="Arial" pitchFamily="34" charset="0"/>
-              </a:rPr>
-              <a:t>A2: Check (</a:t>
-            </a:r>
-            <a:r>
-              <a:rPr kumimoji="0" lang="en-US" sz="1800" dirty="0" err="1">
-                <a:latin typeface="Arial" pitchFamily="34" charset="0"/>
-                <a:cs typeface="Arial" pitchFamily="34" charset="0"/>
-              </a:rPr>
-              <a:t>p,q,g</a:t>
-            </a:r>
-            <a:r>
-              <a:rPr kumimoji="0" lang="en-US" sz="1800" dirty="0">
-                <a:latin typeface="Arial" pitchFamily="34" charset="0"/>
-                <a:cs typeface="Arial" pitchFamily="34" charset="0"/>
-              </a:rPr>
-              <a:t>) X, </a:t>
-            </a:r>
-            <a:r>
-              <a:rPr kumimoji="0" lang="en-US" sz="1800" dirty="0" err="1">
-                <a:latin typeface="Arial" pitchFamily="34" charset="0"/>
-                <a:cs typeface="Arial" pitchFamily="34" charset="0"/>
-              </a:rPr>
-              <a:t>Auth</a:t>
-            </a:r>
-            <a:r>
-              <a:rPr kumimoji="0" lang="en-US" sz="1800" baseline="-25000" dirty="0" err="1">
-                <a:latin typeface="Arial" pitchFamily="34" charset="0"/>
-                <a:cs typeface="Arial" pitchFamily="34" charset="0"/>
-              </a:rPr>
-              <a:t>B</a:t>
-            </a:r>
-            <a:r>
-              <a:rPr kumimoji="0" lang="en-US" sz="1800" dirty="0">
-                <a:latin typeface="Arial" pitchFamily="34" charset="0"/>
-                <a:cs typeface="Arial" pitchFamily="34" charset="0"/>
-              </a:rPr>
-              <a:t>, pick y in {0,…q-1}</a:t>
-            </a:r>
-          </a:p>
-        </p:txBody>
-      </p:sp>
-      <p:sp>
-        <p:nvSpPr>
-          <p:cNvPr id="88078" name="Text Box 12"/>
-          <p:cNvSpPr txBox="1">
-            <a:spLocks noChangeArrowheads="1"/>
-          </p:cNvSpPr>
-          <p:nvPr/>
-        </p:nvSpPr>
-        <p:spPr bwMode="auto">
-          <a:xfrm>
-            <a:off x="6019800" y="4800600"/>
-            <a:ext cx="2514600" cy="369332"/>
-          </a:xfrm>
-          <a:prstGeom prst="rect">
-            <a:avLst/>
-          </a:prstGeom>
-          <a:noFill/>
-          <a:ln w="12700" cap="sq" algn="ctr">
-            <a:noFill/>
-            <a:miter lim="800000"/>
-            <a:headEnd/>
-            <a:tailEnd/>
-          </a:ln>
-        </p:spPr>
-        <p:txBody>
-          <a:bodyPr>
-            <a:spAutoFit/>
-          </a:bodyPr>
-          <a:lstStyle/>
-          <a:p>
-            <a:pPr>
-              <a:spcBef>
-                <a:spcPct val="0"/>
-              </a:spcBef>
-            </a:pPr>
-            <a:r>
-              <a:rPr kumimoji="0" lang="en-US" sz="1800">
-                <a:latin typeface="Arial" pitchFamily="34" charset="0"/>
-                <a:cs typeface="Arial" pitchFamily="34" charset="0"/>
-              </a:rPr>
-              <a:t>B2: Check  Y, Auth</a:t>
-            </a:r>
-            <a:r>
-              <a:rPr kumimoji="0" lang="en-US" sz="1800" baseline="-25000">
-                <a:latin typeface="Arial" pitchFamily="34" charset="0"/>
-                <a:cs typeface="Arial" pitchFamily="34" charset="0"/>
-              </a:rPr>
-              <a:t>A</a:t>
-            </a:r>
-          </a:p>
-        </p:txBody>
-      </p:sp>
-      <p:sp>
-        <p:nvSpPr>
-          <p:cNvPr id="88079" name="Line 13"/>
-          <p:cNvSpPr>
-            <a:spLocks noChangeShapeType="1"/>
-          </p:cNvSpPr>
-          <p:nvPr/>
-        </p:nvSpPr>
-        <p:spPr bwMode="auto">
-          <a:xfrm>
-            <a:off x="3200400" y="5181600"/>
-            <a:ext cx="2362200" cy="0"/>
-          </a:xfrm>
-          <a:prstGeom prst="line">
-            <a:avLst/>
-          </a:prstGeom>
-          <a:noFill/>
-          <a:ln w="12700" cap="sq">
-            <a:solidFill>
-              <a:schemeClr val="tx1"/>
-            </a:solidFill>
-            <a:round/>
-            <a:headEnd/>
-            <a:tailEnd type="triangle" w="med" len="med"/>
-          </a:ln>
-        </p:spPr>
-        <p:txBody>
-          <a:bodyPr wrap="none" anchor="ctr">
-            <a:spAutoFit/>
-          </a:bodyPr>
-          <a:lstStyle/>
-          <a:p>
-            <a:endParaRPr lang="en-US" sz="1800">
-              <a:latin typeface="Arial" pitchFamily="34" charset="0"/>
-              <a:cs typeface="Arial" pitchFamily="34" charset="0"/>
-            </a:endParaRPr>
-          </a:p>
-        </p:txBody>
-      </p:sp>
-      <p:sp>
-        <p:nvSpPr>
-          <p:cNvPr id="88080" name="Text Box 14"/>
-          <p:cNvSpPr txBox="1">
-            <a:spLocks noChangeArrowheads="1"/>
-          </p:cNvSpPr>
-          <p:nvPr/>
-        </p:nvSpPr>
-        <p:spPr bwMode="auto">
-          <a:xfrm>
-            <a:off x="3429000" y="4724400"/>
-            <a:ext cx="1600200" cy="369332"/>
-          </a:xfrm>
-          <a:prstGeom prst="rect">
-            <a:avLst/>
-          </a:prstGeom>
-          <a:noFill/>
-          <a:ln w="12700" cap="sq" algn="ctr">
-            <a:noFill/>
-            <a:miter lim="800000"/>
-            <a:headEnd/>
-            <a:tailEnd/>
-          </a:ln>
-        </p:spPr>
-        <p:txBody>
-          <a:bodyPr>
-            <a:spAutoFit/>
-          </a:bodyPr>
-          <a:lstStyle/>
-          <a:p>
-            <a:pPr algn="ctr">
-              <a:spcBef>
-                <a:spcPct val="0"/>
-              </a:spcBef>
-            </a:pPr>
-            <a:r>
-              <a:rPr kumimoji="0" lang="en-US" sz="1800" dirty="0">
-                <a:latin typeface="Arial" pitchFamily="34" charset="0"/>
-                <a:cs typeface="Arial" pitchFamily="34" charset="0"/>
-              </a:rPr>
-              <a:t>Y= </a:t>
-            </a:r>
-            <a:r>
-              <a:rPr kumimoji="0" lang="en-US" sz="1800" dirty="0" err="1">
-                <a:latin typeface="Arial" pitchFamily="34" charset="0"/>
-                <a:cs typeface="Arial" pitchFamily="34" charset="0"/>
-              </a:rPr>
-              <a:t>g</a:t>
-            </a:r>
-            <a:r>
-              <a:rPr kumimoji="0" lang="en-US" sz="1800" baseline="30000" dirty="0" err="1">
-                <a:latin typeface="Arial" pitchFamily="34" charset="0"/>
-                <a:cs typeface="Arial" pitchFamily="34" charset="0"/>
-              </a:rPr>
-              <a:t>y</a:t>
-            </a:r>
-            <a:r>
-              <a:rPr kumimoji="0" lang="en-US" sz="1800" dirty="0">
-                <a:latin typeface="Arial" pitchFamily="34" charset="0"/>
-                <a:cs typeface="Arial" pitchFamily="34" charset="0"/>
-              </a:rPr>
-              <a:t>, </a:t>
-            </a:r>
-            <a:r>
-              <a:rPr kumimoji="0" lang="en-US" sz="1800" dirty="0" err="1">
-                <a:latin typeface="Arial" pitchFamily="34" charset="0"/>
-                <a:cs typeface="Arial" pitchFamily="34" charset="0"/>
-              </a:rPr>
-              <a:t>Auth</a:t>
-            </a:r>
-            <a:r>
-              <a:rPr kumimoji="0" lang="en-US" sz="1800" baseline="-25000" dirty="0" err="1">
-                <a:latin typeface="Arial" pitchFamily="34" charset="0"/>
-                <a:cs typeface="Arial" pitchFamily="34" charset="0"/>
-              </a:rPr>
-              <a:t>A</a:t>
-            </a:r>
-            <a:endParaRPr kumimoji="0" lang="en-US" sz="1800" baseline="-25000" dirty="0">
-              <a:latin typeface="Arial" pitchFamily="34" charset="0"/>
-              <a:cs typeface="Arial" pitchFamily="34" charset="0"/>
-            </a:endParaRPr>
-          </a:p>
-        </p:txBody>
-      </p:sp>
-      <p:sp>
-        <p:nvSpPr>
-          <p:cNvPr id="88081" name="Text Box 15"/>
-          <p:cNvSpPr txBox="1">
-            <a:spLocks noChangeArrowheads="1"/>
-          </p:cNvSpPr>
-          <p:nvPr/>
-        </p:nvSpPr>
-        <p:spPr bwMode="auto">
-          <a:xfrm>
-            <a:off x="1981200" y="5486400"/>
-            <a:ext cx="1600200" cy="369332"/>
-          </a:xfrm>
-          <a:prstGeom prst="rect">
-            <a:avLst/>
-          </a:prstGeom>
-          <a:noFill/>
-          <a:ln w="12700" cap="sq" algn="ctr">
-            <a:noFill/>
-            <a:miter lim="800000"/>
-            <a:headEnd/>
-            <a:tailEnd/>
-          </a:ln>
-        </p:spPr>
-        <p:txBody>
-          <a:bodyPr>
-            <a:spAutoFit/>
-          </a:bodyPr>
-          <a:lstStyle/>
-          <a:p>
-            <a:pPr>
-              <a:spcBef>
-                <a:spcPct val="0"/>
-              </a:spcBef>
-            </a:pPr>
-            <a:r>
-              <a:rPr kumimoji="0" lang="en-US" sz="1800" dirty="0">
-                <a:latin typeface="Arial" pitchFamily="34" charset="0"/>
-                <a:cs typeface="Arial" pitchFamily="34" charset="0"/>
-              </a:rPr>
-              <a:t>K= </a:t>
-            </a:r>
-            <a:r>
-              <a:rPr kumimoji="0" lang="en-US" sz="1800" dirty="0" err="1">
-                <a:latin typeface="Arial" pitchFamily="34" charset="0"/>
-                <a:cs typeface="Arial" pitchFamily="34" charset="0"/>
-              </a:rPr>
-              <a:t>X</a:t>
-            </a:r>
-            <a:r>
-              <a:rPr kumimoji="0" lang="en-US" sz="1800" baseline="30000" dirty="0" err="1">
-                <a:latin typeface="Arial" pitchFamily="34" charset="0"/>
-                <a:cs typeface="Arial" pitchFamily="34" charset="0"/>
-              </a:rPr>
-              <a:t>y</a:t>
-            </a:r>
-            <a:endParaRPr kumimoji="0" lang="en-US" sz="1800" baseline="30000" dirty="0">
-              <a:latin typeface="Arial" pitchFamily="34" charset="0"/>
-              <a:cs typeface="Arial" pitchFamily="34" charset="0"/>
-            </a:endParaRPr>
-          </a:p>
-        </p:txBody>
-      </p:sp>
-      <p:sp>
-        <p:nvSpPr>
-          <p:cNvPr id="88082" name="Text Box 16"/>
-          <p:cNvSpPr txBox="1">
-            <a:spLocks noChangeArrowheads="1"/>
-          </p:cNvSpPr>
-          <p:nvPr/>
-        </p:nvSpPr>
-        <p:spPr bwMode="auto">
-          <a:xfrm>
-            <a:off x="5638800" y="5498068"/>
-            <a:ext cx="1600200" cy="369332"/>
-          </a:xfrm>
-          <a:prstGeom prst="rect">
-            <a:avLst/>
-          </a:prstGeom>
-          <a:noFill/>
-          <a:ln w="12700" cap="sq" algn="ctr">
-            <a:noFill/>
-            <a:miter lim="800000"/>
-            <a:headEnd/>
-            <a:tailEnd/>
-          </a:ln>
-        </p:spPr>
-        <p:txBody>
-          <a:bodyPr>
-            <a:spAutoFit/>
-          </a:bodyPr>
-          <a:lstStyle/>
-          <a:p>
-            <a:pPr>
-              <a:spcBef>
-                <a:spcPct val="0"/>
-              </a:spcBef>
-            </a:pPr>
-            <a:r>
-              <a:rPr kumimoji="0" lang="en-US" sz="1800" dirty="0">
-                <a:latin typeface="Arial" pitchFamily="34" charset="0"/>
-                <a:cs typeface="Arial" pitchFamily="34" charset="0"/>
-              </a:rPr>
-              <a:t>K= </a:t>
-            </a:r>
-            <a:r>
-              <a:rPr kumimoji="0" lang="en-US" sz="1800" dirty="0" err="1">
-                <a:latin typeface="Arial" pitchFamily="34" charset="0"/>
-                <a:cs typeface="Arial" pitchFamily="34" charset="0"/>
-              </a:rPr>
-              <a:t>Y</a:t>
-            </a:r>
-            <a:r>
-              <a:rPr kumimoji="0" lang="en-US" sz="1800" baseline="30000" dirty="0" err="1">
-                <a:latin typeface="Arial" pitchFamily="34" charset="0"/>
-                <a:cs typeface="Arial" pitchFamily="34" charset="0"/>
-              </a:rPr>
-              <a:t>x</a:t>
-            </a:r>
-            <a:endParaRPr kumimoji="0" lang="en-US" sz="1800" baseline="30000" dirty="0">
-              <a:latin typeface="Arial" pitchFamily="34" charset="0"/>
-              <a:cs typeface="Arial" pitchFamily="34" charset="0"/>
-            </a:endParaRPr>
-          </a:p>
-        </p:txBody>
-      </p:sp>
-      <p:sp>
-        <p:nvSpPr>
-          <p:cNvPr id="19" name="Date Placeholder 3"/>
-          <p:cNvSpPr>
-            <a:spLocks noGrp="1"/>
-          </p:cNvSpPr>
-          <p:nvPr>
-            <p:ph type="dt" sz="quarter" idx="10"/>
-          </p:nvPr>
-        </p:nvSpPr>
-        <p:spPr>
-          <a:xfrm>
-            <a:off x="685800" y="6248400"/>
-            <a:ext cx="1905000" cy="457200"/>
-          </a:xfrm>
-          <a:noFill/>
-        </p:spPr>
-        <p:txBody>
-          <a:bodyPr/>
-          <a:lstStyle/>
-          <a:p>
-            <a:r>
-              <a:rPr lang="en-US"/>
-              <a:t>JLM 20101208</a:t>
-            </a:r>
-            <a:endParaRPr lang="en-US" dirty="0"/>
-          </a:p>
-        </p:txBody>
-      </p:sp>
+              </a:endParaRPr>
+            </a:p>
+          </p:txBody>
+        </p:sp>
+      </p:grpSp>
     </p:spTree>
   </p:cSld>
   <p:clrMapOvr>
@@ -23249,30 +23462,6 @@
           <a:chExt cx="0" cy="0"/>
         </a:xfrm>
       </p:grpSpPr>
-      <p:sp>
-        <p:nvSpPr>
-          <p:cNvPr id="16" name="Rectangle 19"/>
-          <p:cNvSpPr>
-            <a:spLocks noGrp="1" noChangeArrowheads="1"/>
-          </p:cNvSpPr>
-          <p:nvPr>
-            <p:ph type="dt" sz="half" idx="10"/>
-          </p:nvPr>
-        </p:nvSpPr>
-        <p:spPr>
-          <a:ln/>
-        </p:spPr>
-        <p:txBody>
-          <a:bodyPr/>
-          <a:lstStyle/>
-          <a:p>
-            <a:r>
-              <a:rPr lang="en-US"/>
-              <a:t>Jan 18, 2007</a:t>
-            </a:r>
-          </a:p>
-        </p:txBody>
-      </p:sp>
       <p:sp>
         <p:nvSpPr>
           <p:cNvPr id="17" name="Rectangle 21"/>
@@ -24058,35 +24247,6 @@
           </a:p>
         </p:txBody>
       </p:sp>
-      <p:sp>
-        <p:nvSpPr>
-          <p:cNvPr id="7" name="Date Placeholder 3"/>
-          <p:cNvSpPr>
-            <a:spLocks noGrp="1"/>
-          </p:cNvSpPr>
-          <p:nvPr>
-            <p:ph type="dt" sz="quarter" idx="10"/>
-          </p:nvPr>
-        </p:nvSpPr>
-        <p:spPr>
-          <a:xfrm>
-            <a:off x="685800" y="6248400"/>
-            <a:ext cx="1905000" cy="457200"/>
-          </a:xfrm>
-          <a:noFill/>
-        </p:spPr>
-        <p:txBody>
-          <a:bodyPr/>
-          <a:lstStyle/>
-          <a:p>
-            <a:r>
-              <a:rPr lang="en-US"/>
-              <a:t>JLM 20101208</a:t>
-            </a:r>
-            <a:endParaRPr lang="en-US" dirty="0"/>
-          </a:p>
-        </p:txBody>
-      </p:sp>
     </p:spTree>
   </p:cSld>
   <p:clrMapOvr>
@@ -24169,9 +24329,9 @@
         <p:grpSpPr bwMode="auto">
           <a:xfrm>
             <a:off x="685800" y="1828800"/>
-            <a:ext cx="7559675" cy="3702050"/>
+            <a:ext cx="7486650" cy="3714750"/>
             <a:chOff x="432" y="1152"/>
-            <a:chExt cx="4762" cy="2332"/>
+            <a:chExt cx="4716" cy="2340"/>
           </a:xfrm>
         </p:grpSpPr>
         <p:sp>
@@ -24216,7 +24376,8 @@
               <a:pPr algn="ctr" eaLnBrk="1" hangingPunct="1"/>
               <a:r>
                 <a:rPr lang="en-GB" sz="4000">
-                  <a:latin typeface="Arial" charset="0"/>
+                  <a:latin typeface="Calibri" panose="020F0502020204030204" pitchFamily="34" charset="0"/>
+                  <a:cs typeface="Calibri" panose="020F0502020204030204" pitchFamily="34" charset="0"/>
                 </a:rPr>
                 <a:t>A</a:t>
               </a:r>
@@ -24234,7 +24395,7 @@
           <p:spPr bwMode="auto">
             <a:xfrm>
               <a:off x="1488" y="2832"/>
-              <a:ext cx="469" cy="288"/>
+              <a:ext cx="429" cy="291"/>
             </a:xfrm>
             <a:prstGeom prst="rect">
               <a:avLst/>
@@ -24260,7 +24421,8 @@
               <a:pPr eaLnBrk="1" hangingPunct="1"/>
               <a:r>
                 <a:rPr lang="en-GB" sz="2400">
-                  <a:latin typeface="Arial" charset="0"/>
+                  <a:latin typeface="Calibri" panose="020F0502020204030204" pitchFamily="34" charset="0"/>
+                  <a:cs typeface="Calibri" panose="020F0502020204030204" pitchFamily="34" charset="0"/>
                 </a:rPr>
                 <a:t>sign</a:t>
               </a:r>
@@ -24342,7 +24504,8 @@
               <a:pPr algn="ctr" eaLnBrk="1" hangingPunct="1"/>
               <a:r>
                 <a:rPr lang="en-GB" sz="4000">
-                  <a:latin typeface="Arial" charset="0"/>
+                  <a:latin typeface="Calibri" panose="020F0502020204030204" pitchFamily="34" charset="0"/>
+                  <a:cs typeface="Calibri" panose="020F0502020204030204" pitchFamily="34" charset="0"/>
                 </a:rPr>
                 <a:t>B</a:t>
               </a:r>
@@ -24386,7 +24549,8 @@
               <a:pPr eaLnBrk="1" hangingPunct="1"/>
               <a:r>
                 <a:rPr lang="en-GB" sz="2400">
-                  <a:latin typeface="Arial" charset="0"/>
+                  <a:latin typeface="Calibri" panose="020F0502020204030204" pitchFamily="34" charset="0"/>
+                  <a:cs typeface="Calibri" panose="020F0502020204030204" pitchFamily="34" charset="0"/>
                 </a:rPr>
                 <a:t>verify</a:t>
               </a:r>
@@ -24428,7 +24592,10 @@
             </a:bodyPr>
             <a:lstStyle/>
             <a:p>
-              <a:endParaRPr lang="en-US"/>
+              <a:endParaRPr lang="en-US">
+                <a:latin typeface="Calibri" panose="020F0502020204030204" pitchFamily="34" charset="0"/>
+                <a:cs typeface="Calibri" panose="020F0502020204030204" pitchFamily="34" charset="0"/>
+              </a:endParaRPr>
             </a:p>
           </p:txBody>
         </p:sp>
@@ -24467,7 +24634,10 @@
             </a:bodyPr>
             <a:lstStyle/>
             <a:p>
-              <a:endParaRPr lang="en-US"/>
+              <a:endParaRPr lang="en-US">
+                <a:latin typeface="Calibri" panose="020F0502020204030204" pitchFamily="34" charset="0"/>
+                <a:cs typeface="Calibri" panose="020F0502020204030204" pitchFamily="34" charset="0"/>
+              </a:endParaRPr>
             </a:p>
           </p:txBody>
         </p:sp>
@@ -24506,7 +24676,10 @@
             </a:bodyPr>
             <a:lstStyle/>
             <a:p>
-              <a:endParaRPr lang="en-US"/>
+              <a:endParaRPr lang="en-US">
+                <a:latin typeface="Calibri" panose="020F0502020204030204" pitchFamily="34" charset="0"/>
+                <a:cs typeface="Calibri" panose="020F0502020204030204" pitchFamily="34" charset="0"/>
+              </a:endParaRPr>
             </a:p>
           </p:txBody>
         </p:sp>
@@ -24521,7 +24694,7 @@
           <p:spPr bwMode="auto">
             <a:xfrm>
               <a:off x="432" y="2976"/>
-              <a:ext cx="960" cy="288"/>
+              <a:ext cx="920" cy="291"/>
             </a:xfrm>
             <a:prstGeom prst="rect">
               <a:avLst/>
@@ -24547,7 +24720,8 @@
               <a:pPr eaLnBrk="1" hangingPunct="1"/>
               <a:r>
                 <a:rPr lang="en-GB" sz="2400">
-                  <a:latin typeface="Arial" charset="0"/>
+                  <a:latin typeface="Calibri" panose="020F0502020204030204" pitchFamily="34" charset="0"/>
+                  <a:cs typeface="Calibri" panose="020F0502020204030204" pitchFamily="34" charset="0"/>
                 </a:rPr>
                 <a:t>document</a:t>
               </a:r>
@@ -24589,7 +24763,10 @@
             </a:bodyPr>
             <a:lstStyle/>
             <a:p>
-              <a:endParaRPr lang="en-US"/>
+              <a:endParaRPr lang="en-US">
+                <a:latin typeface="Calibri" panose="020F0502020204030204" pitchFamily="34" charset="0"/>
+                <a:cs typeface="Calibri" panose="020F0502020204030204" pitchFamily="34" charset="0"/>
+              </a:endParaRPr>
             </a:p>
           </p:txBody>
         </p:sp>
@@ -24628,7 +24805,10 @@
             </a:bodyPr>
             <a:lstStyle/>
             <a:p>
-              <a:endParaRPr lang="en-US"/>
+              <a:endParaRPr lang="en-US">
+                <a:latin typeface="Calibri" panose="020F0502020204030204" pitchFamily="34" charset="0"/>
+                <a:cs typeface="Calibri" panose="020F0502020204030204" pitchFamily="34" charset="0"/>
+              </a:endParaRPr>
             </a:p>
           </p:txBody>
         </p:sp>
@@ -24956,7 +25136,10 @@
               </a:bodyPr>
               <a:lstStyle/>
               <a:p>
-                <a:endParaRPr lang="en-US"/>
+                <a:endParaRPr lang="en-US">
+                  <a:latin typeface="Calibri" panose="020F0502020204030204" pitchFamily="34" charset="0"/>
+                  <a:cs typeface="Calibri" panose="020F0502020204030204" pitchFamily="34" charset="0"/>
+                </a:endParaRPr>
               </a:p>
             </p:txBody>
           </p:sp>
@@ -24996,7 +25179,10 @@
               </a:bodyPr>
               <a:lstStyle/>
               <a:p>
-                <a:endParaRPr lang="en-US"/>
+                <a:endParaRPr lang="en-US">
+                  <a:latin typeface="Calibri" panose="020F0502020204030204" pitchFamily="34" charset="0"/>
+                  <a:cs typeface="Calibri" panose="020F0502020204030204" pitchFamily="34" charset="0"/>
+                </a:endParaRPr>
               </a:p>
             </p:txBody>
           </p:sp>
@@ -25341,7 +25527,10 @@
               </a:bodyPr>
               <a:lstStyle/>
               <a:p>
-                <a:endParaRPr lang="en-US"/>
+                <a:endParaRPr lang="en-US">
+                  <a:latin typeface="Calibri" panose="020F0502020204030204" pitchFamily="34" charset="0"/>
+                  <a:cs typeface="Calibri" panose="020F0502020204030204" pitchFamily="34" charset="0"/>
+                </a:endParaRPr>
               </a:p>
             </p:txBody>
           </p:sp>
@@ -25381,7 +25570,10 @@
               </a:bodyPr>
               <a:lstStyle/>
               <a:p>
-                <a:endParaRPr lang="en-US"/>
+                <a:endParaRPr lang="en-US">
+                  <a:latin typeface="Calibri" panose="020F0502020204030204" pitchFamily="34" charset="0"/>
+                  <a:cs typeface="Calibri" panose="020F0502020204030204" pitchFamily="34" charset="0"/>
+                </a:endParaRPr>
               </a:p>
             </p:txBody>
           </p:sp>
@@ -25459,7 +25651,10 @@
               </a:bodyPr>
               <a:lstStyle/>
               <a:p>
-                <a:endParaRPr lang="en-US"/>
+                <a:endParaRPr lang="en-US">
+                  <a:latin typeface="Calibri" panose="020F0502020204030204" pitchFamily="34" charset="0"/>
+                  <a:cs typeface="Calibri" panose="020F0502020204030204" pitchFamily="34" charset="0"/>
+                </a:endParaRPr>
               </a:p>
             </p:txBody>
           </p:sp>
@@ -25474,8 +25669,8 @@
           </p:nvSpPr>
           <p:spPr bwMode="auto">
             <a:xfrm>
-              <a:off x="2352" y="2736"/>
-              <a:ext cx="1013" cy="748"/>
+              <a:off x="2377" y="2736"/>
+              <a:ext cx="964" cy="756"/>
             </a:xfrm>
             <a:prstGeom prst="rect">
               <a:avLst/>
@@ -25501,7 +25696,8 @@
               <a:pPr algn="ctr" eaLnBrk="1" hangingPunct="1"/>
               <a:r>
                 <a:rPr lang="en-GB" sz="2400">
-                  <a:latin typeface="Arial" charset="0"/>
+                  <a:latin typeface="Calibri" panose="020F0502020204030204" pitchFamily="34" charset="0"/>
+                  <a:cs typeface="Calibri" panose="020F0502020204030204" pitchFamily="34" charset="0"/>
                 </a:rPr>
                 <a:t>document </a:t>
               </a:r>
@@ -25510,7 +25706,8 @@
               <a:pPr algn="ctr" eaLnBrk="1" hangingPunct="1"/>
               <a:r>
                 <a:rPr lang="en-GB" sz="2400">
-                  <a:latin typeface="Arial" charset="0"/>
+                  <a:latin typeface="Calibri" panose="020F0502020204030204" pitchFamily="34" charset="0"/>
+                  <a:cs typeface="Calibri" panose="020F0502020204030204" pitchFamily="34" charset="0"/>
                 </a:rPr>
                 <a:t>+</a:t>
               </a:r>
@@ -25519,7 +25716,8 @@
               <a:pPr algn="ctr" eaLnBrk="1" hangingPunct="1"/>
               <a:r>
                 <a:rPr lang="en-GB" sz="2400">
-                  <a:latin typeface="Arial" charset="0"/>
+                  <a:latin typeface="Calibri" panose="020F0502020204030204" pitchFamily="34" charset="0"/>
+                  <a:cs typeface="Calibri" panose="020F0502020204030204" pitchFamily="34" charset="0"/>
                 </a:rPr>
                 <a:t>signature</a:t>
               </a:r>
@@ -25537,7 +25735,7 @@
           <p:spPr bwMode="auto">
             <a:xfrm>
               <a:off x="4512" y="2256"/>
-              <a:ext cx="682" cy="518"/>
+              <a:ext cx="636" cy="523"/>
             </a:xfrm>
             <a:prstGeom prst="rect">
               <a:avLst/>
@@ -25563,7 +25761,8 @@
               <a:pPr eaLnBrk="1" hangingPunct="1"/>
               <a:r>
                 <a:rPr lang="en-GB" sz="2400">
-                  <a:latin typeface="Arial" charset="0"/>
+                  <a:latin typeface="Calibri" panose="020F0502020204030204" pitchFamily="34" charset="0"/>
+                  <a:cs typeface="Calibri" panose="020F0502020204030204" pitchFamily="34" charset="0"/>
                 </a:rPr>
                 <a:t>accept</a:t>
               </a:r>
@@ -25572,7 +25771,8 @@
               <a:pPr eaLnBrk="1" hangingPunct="1"/>
               <a:r>
                 <a:rPr lang="en-GB" sz="2400">
-                  <a:latin typeface="Arial" charset="0"/>
+                  <a:latin typeface="Calibri" panose="020F0502020204030204" pitchFamily="34" charset="0"/>
+                  <a:cs typeface="Calibri" panose="020F0502020204030204" pitchFamily="34" charset="0"/>
                 </a:rPr>
                 <a:t>reject</a:t>
               </a:r>
@@ -25604,18 +25804,21 @@
           <a:p>
             <a:r>
               <a:rPr lang="en-US" sz="1400" dirty="0">
-                <a:latin typeface="Calibri"/>
+                <a:latin typeface="Calibri" panose="020F0502020204030204" pitchFamily="34" charset="0"/>
+                <a:cs typeface="Calibri" panose="020F0502020204030204" pitchFamily="34" charset="0"/>
               </a:rPr>
               <a:t>Slide from Dieter </a:t>
             </a:r>
             <a:r>
               <a:rPr lang="en-US" sz="1400" dirty="0" err="1">
-                <a:latin typeface="Calibri"/>
+                <a:latin typeface="Calibri" panose="020F0502020204030204" pitchFamily="34" charset="0"/>
+                <a:cs typeface="Calibri" panose="020F0502020204030204" pitchFamily="34" charset="0"/>
               </a:rPr>
               <a:t>Gollmann</a:t>
             </a:r>
             <a:endParaRPr lang="en-US" sz="1400" dirty="0">
-              <a:latin typeface="Calibri"/>
+              <a:latin typeface="Calibri" panose="020F0502020204030204" pitchFamily="34" charset="0"/>
+              <a:cs typeface="Calibri" panose="020F0502020204030204" pitchFamily="34" charset="0"/>
             </a:endParaRPr>
           </a:p>
         </p:txBody>
@@ -26641,35 +26844,6 @@
           </a:p>
         </p:txBody>
       </p:sp>
-      <p:sp>
-        <p:nvSpPr>
-          <p:cNvPr id="6" name="Date Placeholder 3"/>
-          <p:cNvSpPr>
-            <a:spLocks noGrp="1"/>
-          </p:cNvSpPr>
-          <p:nvPr>
-            <p:ph type="dt" sz="quarter" idx="10"/>
-          </p:nvPr>
-        </p:nvSpPr>
-        <p:spPr>
-          <a:xfrm>
-            <a:off x="685800" y="6248400"/>
-            <a:ext cx="1905000" cy="457200"/>
-          </a:xfrm>
-          <a:noFill/>
-        </p:spPr>
-        <p:txBody>
-          <a:bodyPr/>
-          <a:lstStyle/>
-          <a:p>
-            <a:r>
-              <a:rPr lang="en-US"/>
-              <a:t>JLM 20101208</a:t>
-            </a:r>
-            <a:endParaRPr lang="en-US" dirty="0"/>
-          </a:p>
-        </p:txBody>
-      </p:sp>
     </p:spTree>
   </p:cSld>
   <p:clrMapOvr>
@@ -26765,7 +26939,7 @@
         </p:nvSpPr>
         <p:spPr>
           <a:xfrm>
-            <a:off x="304800" y="1143000"/>
+            <a:off x="304800" y="1526969"/>
             <a:ext cx="8534400" cy="4953000"/>
           </a:xfrm>
         </p:spPr>
@@ -27532,35 +27706,6 @@
               </a:rPr>
               <a:t>).</a:t>
             </a:r>
-          </a:p>
-        </p:txBody>
-      </p:sp>
-      <p:sp>
-        <p:nvSpPr>
-          <p:cNvPr id="6" name="Date Placeholder 3"/>
-          <p:cNvSpPr>
-            <a:spLocks noGrp="1"/>
-          </p:cNvSpPr>
-          <p:nvPr>
-            <p:ph type="dt" sz="quarter" idx="10"/>
-          </p:nvPr>
-        </p:nvSpPr>
-        <p:spPr>
-          <a:xfrm>
-            <a:off x="685800" y="6248400"/>
-            <a:ext cx="1905000" cy="457200"/>
-          </a:xfrm>
-          <a:noFill/>
-        </p:spPr>
-        <p:txBody>
-          <a:bodyPr/>
-          <a:lstStyle/>
-          <a:p>
-            <a:r>
-              <a:rPr lang="en-US"/>
-              <a:t>JLM 20101208</a:t>
-            </a:r>
-            <a:endParaRPr lang="en-US" dirty="0"/>
           </a:p>
         </p:txBody>
       </p:sp>
@@ -27691,35 +27836,6 @@
               </a:lnSpc>
             </a:pPr>
             <a:endParaRPr lang="en-US" sz="2400" dirty="0"/>
-          </a:p>
-        </p:txBody>
-      </p:sp>
-      <p:sp>
-        <p:nvSpPr>
-          <p:cNvPr id="6" name="Date Placeholder 3"/>
-          <p:cNvSpPr>
-            <a:spLocks noGrp="1"/>
-          </p:cNvSpPr>
-          <p:nvPr>
-            <p:ph type="dt" sz="quarter" idx="10"/>
-          </p:nvPr>
-        </p:nvSpPr>
-        <p:spPr>
-          <a:xfrm>
-            <a:off x="685800" y="6172200"/>
-            <a:ext cx="1905000" cy="457200"/>
-          </a:xfrm>
-          <a:noFill/>
-        </p:spPr>
-        <p:txBody>
-          <a:bodyPr/>
-          <a:lstStyle/>
-          <a:p>
-            <a:r>
-              <a:rPr lang="en-US"/>
-              <a:t>JLM 20101208</a:t>
-            </a:r>
-            <a:endParaRPr lang="en-US" dirty="0"/>
           </a:p>
         </p:txBody>
       </p:sp>
@@ -29570,7 +29686,7 @@
         </p:nvSpPr>
         <p:spPr>
           <a:xfrm>
-            <a:off x="457200" y="1371600"/>
+            <a:off x="457200" y="1618013"/>
             <a:ext cx="8229600" cy="4648200"/>
           </a:xfrm>
         </p:spPr>
@@ -30164,7 +30280,7 @@
                 <a:cs typeface="Calibri" panose="020F0502020204030204" pitchFamily="34" charset="0"/>
                 <a:sym typeface="Symbol" pitchFamily="18" charset="2"/>
               </a:rPr>
-              <a:t>Exponentiation is a one way trap-door function.</a:t>
+              <a:t>Exponentiation is a one-way trap-door function.</a:t>
             </a:r>
           </a:p>
           <a:p>
@@ -30172,35 +30288,6 @@
             <a:endParaRPr lang="en-US" sz="2400" dirty="0">
               <a:sym typeface="Symbol" pitchFamily="18" charset="2"/>
             </a:endParaRPr>
-          </a:p>
-        </p:txBody>
-      </p:sp>
-      <p:sp>
-        <p:nvSpPr>
-          <p:cNvPr id="7" name="Date Placeholder 3"/>
-          <p:cNvSpPr>
-            <a:spLocks noGrp="1"/>
-          </p:cNvSpPr>
-          <p:nvPr>
-            <p:ph type="dt" sz="quarter" idx="10"/>
-          </p:nvPr>
-        </p:nvSpPr>
-        <p:spPr>
-          <a:xfrm>
-            <a:off x="685800" y="6248400"/>
-            <a:ext cx="1905000" cy="457200"/>
-          </a:xfrm>
-          <a:noFill/>
-        </p:spPr>
-        <p:txBody>
-          <a:bodyPr/>
-          <a:lstStyle/>
-          <a:p>
-            <a:r>
-              <a:rPr lang="en-US"/>
-              <a:t>JLM 20101208</a:t>
-            </a:r>
-            <a:endParaRPr lang="en-US" dirty="0"/>
           </a:p>
         </p:txBody>
       </p:sp>
@@ -31048,7 +31135,7 @@
             </p:nvSpPr>
             <p:spPr>
               <a:xfrm>
-                <a:off x="381000" y="1524000"/>
+                <a:off x="381000" y="1752600"/>
                 <a:ext cx="8610600" cy="4343400"/>
               </a:xfrm>
             </p:spPr>
@@ -31453,7 +31540,7 @@
             </p:nvSpPr>
             <p:spPr>
               <a:xfrm>
-                <a:off x="381000" y="1524000"/>
+                <a:off x="381000" y="1752600"/>
                 <a:ext cx="8610600" cy="4343400"/>
               </a:xfrm>
               <a:blipFill>
@@ -31478,35 +31565,6 @@
           </p:sp>
         </mc:Fallback>
       </mc:AlternateContent>
-      <p:sp>
-        <p:nvSpPr>
-          <p:cNvPr id="6" name="Date Placeholder 3"/>
-          <p:cNvSpPr>
-            <a:spLocks noGrp="1"/>
-          </p:cNvSpPr>
-          <p:nvPr>
-            <p:ph type="dt" sz="quarter" idx="10"/>
-          </p:nvPr>
-        </p:nvSpPr>
-        <p:spPr>
-          <a:xfrm>
-            <a:off x="685800" y="6248400"/>
-            <a:ext cx="1905000" cy="457200"/>
-          </a:xfrm>
-          <a:noFill/>
-        </p:spPr>
-        <p:txBody>
-          <a:bodyPr/>
-          <a:lstStyle/>
-          <a:p>
-            <a:r>
-              <a:rPr lang="en-US"/>
-              <a:t>JLM 20101208</a:t>
-            </a:r>
-            <a:endParaRPr lang="en-US" dirty="0"/>
-          </a:p>
-        </p:txBody>
-      </p:sp>
     </p:spTree>
   </p:cSld>
   <p:clrMapOvr>
@@ -31598,8 +31656,8 @@
         </p:nvSpPr>
         <p:spPr>
           <a:xfrm>
-            <a:off x="457200" y="1905000"/>
-            <a:ext cx="8153400" cy="3200400"/>
+            <a:off x="457200" y="2133600"/>
+            <a:ext cx="8153400" cy="2438400"/>
           </a:xfrm>
         </p:spPr>
         <p:txBody>
@@ -31797,8 +31855,8 @@
           </a:p>
         </p:txBody>
       </p:sp>
-      <mc:AlternateContent xmlns:mc="http://schemas.openxmlformats.org/markup-compatibility/2006">
-        <mc:Choice xmlns:a14="http://schemas.microsoft.com/office/drawing/2010/main" Requires="a14">
+      <mc:AlternateContent xmlns:mc="http://schemas.openxmlformats.org/markup-compatibility/2006" xmlns:a14="http://schemas.microsoft.com/office/drawing/2010/main">
+        <mc:Choice Requires="a14">
           <p:sp>
             <p:nvSpPr>
               <p:cNvPr id="1030" name="Rectangle 3"/>
@@ -32338,7 +32396,7 @@
             </p:txBody>
           </p:sp>
         </mc:Choice>
-        <mc:Fallback>
+        <mc:Fallback xmlns="">
           <p:sp>
             <p:nvSpPr>
               <p:cNvPr id="1030" name="Rectangle 3"/>

--- a/BerkeleyClass/CS290Spring2013/Lectures/Cryptoclass8.pptx
+++ b/BerkeleyClass/CS290Spring2013/Lectures/Cryptoclass8.pptx
@@ -48,7 +48,7 @@
     <p:sldId id="3536" r:id="rId36"/>
     <p:sldId id="3524" r:id="rId37"/>
   </p:sldIdLst>
-  <p:sldSz cx="9144000" cy="6858000" type="screen4x3"/>
+  <p:sldSz cx="9144000" cy="6858000" type="letter"/>
   <p:notesSz cx="7010400" cy="9296400"/>
   <p:defaultTextStyle>
     <a:defPPr>
@@ -178,12 +178,12 @@
   <p:extLst>
     <p:ext uri="{EFAFB233-063F-42B5-8137-9DF3F51BA10A}">
       <p15:sldGuideLst xmlns:p15="http://schemas.microsoft.com/office/powerpoint/2012/main">
-        <p15:guide id="1" orient="horz" pos="2160">
+        <p15:guide id="1" orient="horz" pos="2160" userDrawn="1">
           <p15:clr>
             <a:srgbClr val="A4A3A4"/>
           </p15:clr>
         </p15:guide>
-        <p15:guide id="2" pos="2880">
+        <p15:guide id="2" pos="2880" userDrawn="1">
           <p15:clr>
             <a:srgbClr val="A4A3A4"/>
           </p15:clr>
@@ -22570,30 +22570,6 @@
       </p:grpSpPr>
       <p:sp>
         <p:nvSpPr>
-          <p:cNvPr id="5" name="Rectangle 19"/>
-          <p:cNvSpPr>
-            <a:spLocks noGrp="1" noChangeArrowheads="1"/>
-          </p:cNvSpPr>
-          <p:nvPr>
-            <p:ph type="dt" sz="half" idx="10"/>
-          </p:nvPr>
-        </p:nvSpPr>
-        <p:spPr>
-          <a:ln/>
-        </p:spPr>
-        <p:txBody>
-          <a:bodyPr/>
-          <a:lstStyle/>
-          <a:p>
-            <a:r>
-              <a:rPr lang="en-US"/>
-              <a:t>Jan 18, 2007</a:t>
-            </a:r>
-          </a:p>
-        </p:txBody>
-      </p:sp>
-      <p:sp>
-        <p:nvSpPr>
           <p:cNvPr id="6" name="Rectangle 21"/>
           <p:cNvSpPr>
             <a:spLocks noGrp="1" noChangeArrowheads="1"/>
@@ -31121,8 +31097,8 @@
           </a:p>
         </p:txBody>
       </p:sp>
-      <mc:AlternateContent xmlns:mc="http://schemas.openxmlformats.org/markup-compatibility/2006">
-        <mc:Choice xmlns:a14="http://schemas.microsoft.com/office/drawing/2010/main" Requires="a14">
+      <mc:AlternateContent xmlns:mc="http://schemas.openxmlformats.org/markup-compatibility/2006" xmlns:a14="http://schemas.microsoft.com/office/drawing/2010/main">
+        <mc:Choice Requires="a14">
           <p:sp>
             <p:nvSpPr>
               <p:cNvPr id="91141" name="Rectangle 3"/>
@@ -31527,7 +31503,7 @@
             </p:txBody>
           </p:sp>
         </mc:Choice>
-        <mc:Fallback>
+        <mc:Fallback xmlns="">
           <p:sp>
             <p:nvSpPr>
               <p:cNvPr id="91141" name="Rectangle 3"/>

--- a/BerkeleyClass/CS290Spring2013/Lectures/Cryptoclass8.pptx
+++ b/BerkeleyClass/CS290Spring2013/Lectures/Cryptoclass8.pptx
@@ -8754,244 +8754,698 @@
           </a:p>
         </p:txBody>
       </p:sp>
-      <p:sp>
-        <p:nvSpPr>
-          <p:cNvPr id="93189" name="Rectangle 3"/>
-          <p:cNvSpPr>
-            <a:spLocks noGrp="1" noChangeArrowheads="1"/>
-          </p:cNvSpPr>
-          <p:nvPr>
-            <p:ph type="body" idx="1"/>
-          </p:nvPr>
-        </p:nvSpPr>
-        <p:spPr>
-          <a:xfrm>
-            <a:off x="685800" y="1828800"/>
-            <a:ext cx="7772400" cy="3581400"/>
-          </a:xfrm>
-        </p:spPr>
-        <p:txBody>
-          <a:bodyPr/>
-          <a:lstStyle/>
-          <a:p>
-            <a:r>
-              <a:rPr lang="en-US" sz="2000" dirty="0" err="1">
-                <a:latin typeface="Calibri" panose="020F0502020204030204" pitchFamily="34" charset="0"/>
-                <a:cs typeface="Calibri" panose="020F0502020204030204" pitchFamily="34" charset="0"/>
-              </a:rPr>
-              <a:t>g</a:t>
-            </a:r>
-            <a:r>
-              <a:rPr lang="en-US" sz="2000" baseline="30000" dirty="0" err="1">
-                <a:latin typeface="Calibri" panose="020F0502020204030204" pitchFamily="34" charset="0"/>
-                <a:cs typeface="Calibri" panose="020F0502020204030204" pitchFamily="34" charset="0"/>
-              </a:rPr>
-              <a:t>x</a:t>
-            </a:r>
-            <a:r>
-              <a:rPr lang="en-US" sz="2000" dirty="0">
-                <a:latin typeface="Calibri" panose="020F0502020204030204" pitchFamily="34" charset="0"/>
-                <a:cs typeface="Calibri" panose="020F0502020204030204" pitchFamily="34" charset="0"/>
-              </a:rPr>
-              <a:t>=y (mod p) .</a:t>
-            </a:r>
-          </a:p>
-          <a:p>
-            <a:r>
-              <a:rPr lang="en-US" sz="2000" dirty="0">
-                <a:latin typeface="Calibri" panose="020F0502020204030204" pitchFamily="34" charset="0"/>
-                <a:cs typeface="Calibri" panose="020F0502020204030204" pitchFamily="34" charset="0"/>
-              </a:rPr>
-              <a:t>m ~ √p.</a:t>
-            </a:r>
-          </a:p>
-          <a:p>
-            <a:r>
-              <a:rPr lang="en-US" sz="2000" dirty="0">
-                <a:latin typeface="Calibri" panose="020F0502020204030204" pitchFamily="34" charset="0"/>
-                <a:cs typeface="Calibri" panose="020F0502020204030204" pitchFamily="34" charset="0"/>
-              </a:rPr>
-              <a:t>Compute </a:t>
-            </a:r>
-            <a:r>
-              <a:rPr lang="en-US" sz="2000" dirty="0" err="1">
-                <a:latin typeface="Calibri" panose="020F0502020204030204" pitchFamily="34" charset="0"/>
-                <a:cs typeface="Calibri" panose="020F0502020204030204" pitchFamily="34" charset="0"/>
-              </a:rPr>
-              <a:t>g</a:t>
-            </a:r>
-            <a:r>
-              <a:rPr lang="en-US" sz="2000" baseline="30000" dirty="0" err="1">
-                <a:latin typeface="Calibri" panose="020F0502020204030204" pitchFamily="34" charset="0"/>
-                <a:cs typeface="Calibri" panose="020F0502020204030204" pitchFamily="34" charset="0"/>
-              </a:rPr>
-              <a:t>mj</a:t>
-            </a:r>
-            <a:r>
-              <a:rPr lang="en-US" sz="2000" dirty="0">
-                <a:latin typeface="Calibri" panose="020F0502020204030204" pitchFamily="34" charset="0"/>
-                <a:cs typeface="Calibri" panose="020F0502020204030204" pitchFamily="34" charset="0"/>
-              </a:rPr>
-              <a:t>, 0≦j&lt;m.</a:t>
-            </a:r>
-          </a:p>
-          <a:p>
-            <a:r>
-              <a:rPr lang="en-US" sz="2000" dirty="0">
-                <a:latin typeface="Calibri" panose="020F0502020204030204" pitchFamily="34" charset="0"/>
-                <a:cs typeface="Calibri" panose="020F0502020204030204" pitchFamily="34" charset="0"/>
-              </a:rPr>
-              <a:t>Sort (j, </a:t>
-            </a:r>
-            <a:r>
-              <a:rPr lang="en-US" sz="2000" dirty="0" err="1">
-                <a:latin typeface="Calibri" panose="020F0502020204030204" pitchFamily="34" charset="0"/>
-                <a:cs typeface="Calibri" panose="020F0502020204030204" pitchFamily="34" charset="0"/>
-              </a:rPr>
-              <a:t>g</a:t>
-            </a:r>
-            <a:r>
-              <a:rPr lang="en-US" sz="2000" baseline="30000" dirty="0" err="1">
-                <a:latin typeface="Calibri" panose="020F0502020204030204" pitchFamily="34" charset="0"/>
-                <a:cs typeface="Calibri" panose="020F0502020204030204" pitchFamily="34" charset="0"/>
-              </a:rPr>
-              <a:t>mj</a:t>
-            </a:r>
-            <a:r>
-              <a:rPr lang="en-US" sz="2000" dirty="0">
-                <a:latin typeface="Calibri" panose="020F0502020204030204" pitchFamily="34" charset="0"/>
-                <a:cs typeface="Calibri" panose="020F0502020204030204" pitchFamily="34" charset="0"/>
-              </a:rPr>
-              <a:t>) by second coordinate.</a:t>
-            </a:r>
-          </a:p>
-          <a:p>
-            <a:r>
-              <a:rPr lang="en-US" sz="2000" dirty="0">
-                <a:latin typeface="Calibri" panose="020F0502020204030204" pitchFamily="34" charset="0"/>
-                <a:cs typeface="Calibri" panose="020F0502020204030204" pitchFamily="34" charset="0"/>
-              </a:rPr>
-              <a:t>Pick </a:t>
-            </a:r>
-            <a:r>
-              <a:rPr lang="en-US" sz="2000" dirty="0" err="1">
-                <a:latin typeface="Calibri" panose="020F0502020204030204" pitchFamily="34" charset="0"/>
-                <a:cs typeface="Calibri" panose="020F0502020204030204" pitchFamily="34" charset="0"/>
-              </a:rPr>
-              <a:t>i</a:t>
-            </a:r>
-            <a:r>
-              <a:rPr lang="en-US" sz="2000" dirty="0">
-                <a:latin typeface="Calibri" panose="020F0502020204030204" pitchFamily="34" charset="0"/>
-                <a:cs typeface="Calibri" panose="020F0502020204030204" pitchFamily="34" charset="0"/>
-              </a:rPr>
-              <a:t> at random, compute </a:t>
-            </a:r>
-            <a:r>
-              <a:rPr lang="en-US" sz="2000" dirty="0" err="1">
-                <a:latin typeface="Calibri" panose="020F0502020204030204" pitchFamily="34" charset="0"/>
-                <a:cs typeface="Calibri" panose="020F0502020204030204" pitchFamily="34" charset="0"/>
-              </a:rPr>
-              <a:t>yg</a:t>
-            </a:r>
-            <a:r>
-              <a:rPr lang="en-US" sz="2000" baseline="30000" dirty="0" err="1">
-                <a:latin typeface="Calibri" panose="020F0502020204030204" pitchFamily="34" charset="0"/>
-                <a:cs typeface="Calibri" panose="020F0502020204030204" pitchFamily="34" charset="0"/>
-              </a:rPr>
-              <a:t>-i</a:t>
-            </a:r>
-            <a:r>
-              <a:rPr lang="en-US" sz="2000" dirty="0">
-                <a:latin typeface="Calibri" panose="020F0502020204030204" pitchFamily="34" charset="0"/>
-                <a:cs typeface="Calibri" panose="020F0502020204030204" pitchFamily="34" charset="0"/>
-              </a:rPr>
-              <a:t> (mod p).</a:t>
-            </a:r>
-          </a:p>
-          <a:p>
-            <a:r>
-              <a:rPr lang="en-US" sz="2000" dirty="0">
-                <a:latin typeface="Calibri" panose="020F0502020204030204" pitchFamily="34" charset="0"/>
-                <a:cs typeface="Calibri" panose="020F0502020204030204" pitchFamily="34" charset="0"/>
-              </a:rPr>
-              <a:t>If there is a match in the tables </a:t>
-            </a:r>
-            <a:r>
-              <a:rPr lang="en-US" sz="2000" dirty="0" err="1">
-                <a:latin typeface="Calibri" panose="020F0502020204030204" pitchFamily="34" charset="0"/>
-                <a:cs typeface="Calibri" panose="020F0502020204030204" pitchFamily="34" charset="0"/>
-              </a:rPr>
-              <a:t>yg</a:t>
-            </a:r>
-            <a:r>
-              <a:rPr lang="en-US" sz="2000" baseline="30000" dirty="0" err="1">
-                <a:latin typeface="Calibri" panose="020F0502020204030204" pitchFamily="34" charset="0"/>
-                <a:cs typeface="Calibri" panose="020F0502020204030204" pitchFamily="34" charset="0"/>
-              </a:rPr>
-              <a:t>-i</a:t>
-            </a:r>
-            <a:r>
-              <a:rPr lang="en-US" sz="2000" dirty="0">
-                <a:latin typeface="Calibri" panose="020F0502020204030204" pitchFamily="34" charset="0"/>
-                <a:cs typeface="Calibri" panose="020F0502020204030204" pitchFamily="34" charset="0"/>
-              </a:rPr>
-              <a:t>= </a:t>
-            </a:r>
-            <a:r>
-              <a:rPr lang="en-US" sz="2000" dirty="0" err="1">
-                <a:latin typeface="Calibri" panose="020F0502020204030204" pitchFamily="34" charset="0"/>
-                <a:cs typeface="Calibri" panose="020F0502020204030204" pitchFamily="34" charset="0"/>
-              </a:rPr>
-              <a:t>g</a:t>
-            </a:r>
-            <a:r>
-              <a:rPr lang="en-US" sz="2000" baseline="30000" dirty="0" err="1">
-                <a:latin typeface="Calibri" panose="020F0502020204030204" pitchFamily="34" charset="0"/>
-                <a:cs typeface="Calibri" panose="020F0502020204030204" pitchFamily="34" charset="0"/>
-              </a:rPr>
-              <a:t>mj</a:t>
-            </a:r>
-            <a:r>
-              <a:rPr lang="en-US" sz="2000" baseline="30000" dirty="0">
-                <a:latin typeface="Calibri" panose="020F0502020204030204" pitchFamily="34" charset="0"/>
-                <a:cs typeface="Calibri" panose="020F0502020204030204" pitchFamily="34" charset="0"/>
-              </a:rPr>
-              <a:t> </a:t>
-            </a:r>
-            <a:r>
-              <a:rPr lang="en-US" sz="2000" dirty="0">
-                <a:latin typeface="Calibri" panose="020F0502020204030204" pitchFamily="34" charset="0"/>
-                <a:cs typeface="Calibri" panose="020F0502020204030204" pitchFamily="34" charset="0"/>
-              </a:rPr>
-              <a:t>(mod p).</a:t>
-            </a:r>
-          </a:p>
-          <a:p>
-            <a:r>
-              <a:rPr lang="en-US" sz="2000" dirty="0">
-                <a:latin typeface="Calibri" panose="020F0502020204030204" pitchFamily="34" charset="0"/>
-                <a:cs typeface="Calibri" panose="020F0502020204030204" pitchFamily="34" charset="0"/>
-              </a:rPr>
-              <a:t>x= </a:t>
-            </a:r>
-            <a:r>
-              <a:rPr lang="en-US" sz="2000" dirty="0" err="1">
-                <a:latin typeface="Calibri" panose="020F0502020204030204" pitchFamily="34" charset="0"/>
-                <a:cs typeface="Calibri" panose="020F0502020204030204" pitchFamily="34" charset="0"/>
-              </a:rPr>
-              <a:t>mj+i</a:t>
-            </a:r>
-            <a:r>
-              <a:rPr lang="en-US" sz="2000" dirty="0">
-                <a:latin typeface="Calibri" panose="020F0502020204030204" pitchFamily="34" charset="0"/>
-                <a:cs typeface="Calibri" panose="020F0502020204030204" pitchFamily="34" charset="0"/>
-              </a:rPr>
-              <a:t> is the discrete log.</a:t>
-            </a:r>
-          </a:p>
-        </p:txBody>
-      </p:sp>
+      <mc:AlternateContent xmlns:mc="http://schemas.openxmlformats.org/markup-compatibility/2006">
+        <mc:Choice xmlns:a14="http://schemas.microsoft.com/office/drawing/2010/main" Requires="a14">
+          <p:sp>
+            <p:nvSpPr>
+              <p:cNvPr id="93189" name="Rectangle 3"/>
+              <p:cNvSpPr>
+                <a:spLocks noGrp="1" noChangeArrowheads="1"/>
+              </p:cNvSpPr>
+              <p:nvPr>
+                <p:ph type="body" idx="1"/>
+              </p:nvPr>
+            </p:nvSpPr>
+            <p:spPr>
+              <a:xfrm>
+                <a:off x="762000" y="2057400"/>
+                <a:ext cx="7772400" cy="3581400"/>
+              </a:xfrm>
+            </p:spPr>
+            <p:txBody>
+              <a:bodyPr/>
+              <a:lstStyle/>
+              <a:p>
+                <a14:m>
+                  <m:oMath xmlns:m="http://schemas.openxmlformats.org/officeDocument/2006/math">
+                    <m:sSup>
+                      <m:sSupPr>
+                        <m:ctrlPr>
+                          <a:rPr lang="en-US" sz="2000" i="1" smtClean="0">
+                            <a:latin typeface="Cambria Math" panose="02040503050406030204" pitchFamily="18" charset="0"/>
+                            <a:cs typeface="Calibri" panose="020F0502020204030204" pitchFamily="34" charset="0"/>
+                          </a:rPr>
+                        </m:ctrlPr>
+                      </m:sSupPr>
+                      <m:e>
+                        <m:r>
+                          <a:rPr lang="en-US" sz="2000" b="0" i="1" smtClean="0">
+                            <a:latin typeface="Cambria Math" panose="02040503050406030204" pitchFamily="18" charset="0"/>
+                            <a:cs typeface="Calibri" panose="020F0502020204030204" pitchFamily="34" charset="0"/>
+                          </a:rPr>
+                          <m:t>𝑔</m:t>
+                        </m:r>
+                      </m:e>
+                      <m:sup>
+                        <m:r>
+                          <a:rPr lang="en-US" sz="2000" b="0" i="1" smtClean="0">
+                            <a:latin typeface="Cambria Math" panose="02040503050406030204" pitchFamily="18" charset="0"/>
+                            <a:cs typeface="Calibri" panose="020F0502020204030204" pitchFamily="34" charset="0"/>
+                          </a:rPr>
+                          <m:t>𝑥</m:t>
+                        </m:r>
+                      </m:sup>
+                    </m:sSup>
+                    <m:r>
+                      <a:rPr lang="en-US" sz="2000" b="0" i="1" smtClean="0">
+                        <a:latin typeface="Cambria Math" panose="02040503050406030204" pitchFamily="18" charset="0"/>
+                        <a:cs typeface="Calibri" panose="020F0502020204030204" pitchFamily="34" charset="0"/>
+                      </a:rPr>
+                      <m:t>=</m:t>
+                    </m:r>
+                    <m:r>
+                      <a:rPr lang="en-US" sz="2000" b="0" i="1" smtClean="0">
+                        <a:latin typeface="Cambria Math" panose="02040503050406030204" pitchFamily="18" charset="0"/>
+                        <a:cs typeface="Calibri" panose="020F0502020204030204" pitchFamily="34" charset="0"/>
+                      </a:rPr>
+                      <m:t>𝑦</m:t>
+                    </m:r>
+                    <m:r>
+                      <a:rPr lang="en-US" sz="2000" b="0" i="1" smtClean="0">
+                        <a:latin typeface="Cambria Math" panose="02040503050406030204" pitchFamily="18" charset="0"/>
+                        <a:cs typeface="Calibri" panose="020F0502020204030204" pitchFamily="34" charset="0"/>
+                      </a:rPr>
+                      <m:t>(</m:t>
+                    </m:r>
+                    <m:r>
+                      <a:rPr lang="en-US" sz="2000" b="0" i="1" smtClean="0">
+                        <a:latin typeface="Cambria Math" panose="02040503050406030204" pitchFamily="18" charset="0"/>
+                        <a:cs typeface="Calibri" panose="020F0502020204030204" pitchFamily="34" charset="0"/>
+                      </a:rPr>
+                      <m:t>𝑚𝑜𝑑</m:t>
+                    </m:r>
+                    <m:r>
+                      <a:rPr lang="en-US" sz="2000" b="0" i="1" smtClean="0">
+                        <a:latin typeface="Cambria Math" panose="02040503050406030204" pitchFamily="18" charset="0"/>
+                        <a:cs typeface="Calibri" panose="020F0502020204030204" pitchFamily="34" charset="0"/>
+                      </a:rPr>
+                      <m:t> </m:t>
+                    </m:r>
+                    <m:r>
+                      <a:rPr lang="en-US" sz="2000" b="0" i="1" smtClean="0">
+                        <a:latin typeface="Cambria Math" panose="02040503050406030204" pitchFamily="18" charset="0"/>
+                        <a:cs typeface="Calibri" panose="020F0502020204030204" pitchFamily="34" charset="0"/>
+                      </a:rPr>
+                      <m:t>𝑝</m:t>
+                    </m:r>
+                    <m:r>
+                      <a:rPr lang="en-US" sz="2000" b="0" i="1" smtClean="0">
+                        <a:latin typeface="Cambria Math" panose="02040503050406030204" pitchFamily="18" charset="0"/>
+                        <a:cs typeface="Calibri" panose="020F0502020204030204" pitchFamily="34" charset="0"/>
+                      </a:rPr>
+                      <m:t>)</m:t>
+                    </m:r>
+                  </m:oMath>
+                </a14:m>
+                <a:r>
+                  <a:rPr lang="en-US" sz="2000" dirty="0">
+                    <a:latin typeface="Calibri" panose="020F0502020204030204" pitchFamily="34" charset="0"/>
+                    <a:cs typeface="Calibri" panose="020F0502020204030204" pitchFamily="34" charset="0"/>
+                  </a:rPr>
+                  <a:t>.</a:t>
+                </a:r>
+              </a:p>
+              <a:p>
+                <a14:m>
+                  <m:oMath xmlns:m="http://schemas.openxmlformats.org/officeDocument/2006/math">
+                    <m:r>
+                      <a:rPr lang="en-US" sz="2000" b="0" i="1" smtClean="0">
+                        <a:latin typeface="Cambria Math" panose="02040503050406030204" pitchFamily="18" charset="0"/>
+                        <a:cs typeface="Calibri" panose="020F0502020204030204" pitchFamily="34" charset="0"/>
+                      </a:rPr>
+                      <m:t>𝑚</m:t>
+                    </m:r>
+                    <m:r>
+                      <a:rPr lang="en-US" sz="2000" b="0" i="1" smtClean="0">
+                        <a:latin typeface="Cambria Math" panose="02040503050406030204" pitchFamily="18" charset="0"/>
+                        <a:ea typeface="Cambria Math" panose="02040503050406030204" pitchFamily="18" charset="0"/>
+                        <a:cs typeface="Calibri" panose="020F0502020204030204" pitchFamily="34" charset="0"/>
+                      </a:rPr>
+                      <m:t>≈</m:t>
+                    </m:r>
+                    <m:rad>
+                      <m:radPr>
+                        <m:degHide m:val="on"/>
+                        <m:ctrlPr>
+                          <a:rPr lang="en-US" sz="2000" b="0" i="1" smtClean="0">
+                            <a:latin typeface="Cambria Math" panose="02040503050406030204" pitchFamily="18" charset="0"/>
+                            <a:ea typeface="Cambria Math" panose="02040503050406030204" pitchFamily="18" charset="0"/>
+                            <a:cs typeface="Calibri" panose="020F0502020204030204" pitchFamily="34" charset="0"/>
+                          </a:rPr>
+                        </m:ctrlPr>
+                      </m:radPr>
+                      <m:deg/>
+                      <m:e>
+                        <m:r>
+                          <a:rPr lang="en-US" sz="2000" b="0" i="1" smtClean="0">
+                            <a:latin typeface="Cambria Math" panose="02040503050406030204" pitchFamily="18" charset="0"/>
+                            <a:ea typeface="Cambria Math" panose="02040503050406030204" pitchFamily="18" charset="0"/>
+                            <a:cs typeface="Calibri" panose="020F0502020204030204" pitchFamily="34" charset="0"/>
+                          </a:rPr>
+                          <m:t>𝑝</m:t>
+                        </m:r>
+                      </m:e>
+                    </m:rad>
+                  </m:oMath>
+                </a14:m>
+                <a:r>
+                  <a:rPr lang="en-US" sz="2000" dirty="0">
+                    <a:latin typeface="Calibri" panose="020F0502020204030204" pitchFamily="34" charset="0"/>
+                    <a:cs typeface="Calibri" panose="020F0502020204030204" pitchFamily="34" charset="0"/>
+                  </a:rPr>
+                  <a:t>.</a:t>
+                </a:r>
+              </a:p>
+              <a:p>
+                <a:r>
+                  <a:rPr lang="en-US" sz="2000" dirty="0">
+                    <a:latin typeface="Calibri" panose="020F0502020204030204" pitchFamily="34" charset="0"/>
+                    <a:cs typeface="Calibri" panose="020F0502020204030204" pitchFamily="34" charset="0"/>
+                  </a:rPr>
+                  <a:t>Compute </a:t>
+                </a:r>
+                <a14:m>
+                  <m:oMath xmlns:m="http://schemas.openxmlformats.org/officeDocument/2006/math">
+                    <m:sSup>
+                      <m:sSupPr>
+                        <m:ctrlPr>
+                          <a:rPr lang="en-US" sz="2000" i="1" smtClean="0">
+                            <a:latin typeface="Cambria Math" panose="02040503050406030204" pitchFamily="18" charset="0"/>
+                            <a:cs typeface="Calibri" panose="020F0502020204030204" pitchFamily="34" charset="0"/>
+                          </a:rPr>
+                        </m:ctrlPr>
+                      </m:sSupPr>
+                      <m:e>
+                        <m:r>
+                          <a:rPr lang="en-US" sz="2000" b="0" i="1" smtClean="0">
+                            <a:latin typeface="Cambria Math" panose="02040503050406030204" pitchFamily="18" charset="0"/>
+                            <a:cs typeface="Calibri" panose="020F0502020204030204" pitchFamily="34" charset="0"/>
+                          </a:rPr>
+                          <m:t>𝑔</m:t>
+                        </m:r>
+                      </m:e>
+                      <m:sup>
+                        <m:r>
+                          <a:rPr lang="en-US" sz="2000" b="0" i="1" smtClean="0">
+                            <a:latin typeface="Cambria Math" panose="02040503050406030204" pitchFamily="18" charset="0"/>
+                            <a:cs typeface="Calibri" panose="020F0502020204030204" pitchFamily="34" charset="0"/>
+                          </a:rPr>
+                          <m:t>𝑗𝑚</m:t>
+                        </m:r>
+                      </m:sup>
+                    </m:sSup>
+                    <m:r>
+                      <a:rPr lang="en-US" sz="2000" b="0" i="0" smtClean="0">
+                        <a:latin typeface="Cambria Math" panose="02040503050406030204" pitchFamily="18" charset="0"/>
+                        <a:cs typeface="Calibri" panose="020F0502020204030204" pitchFamily="34" charset="0"/>
+                      </a:rPr>
+                      <m:t>,</m:t>
+                    </m:r>
+                  </m:oMath>
+                </a14:m>
+                <a:r>
+                  <a:rPr lang="en-US" sz="2000" dirty="0">
+                    <a:latin typeface="Calibri" panose="020F0502020204030204" pitchFamily="34" charset="0"/>
+                    <a:cs typeface="Calibri" panose="020F0502020204030204" pitchFamily="34" charset="0"/>
+                  </a:rPr>
+                  <a:t> </a:t>
+                </a:r>
+                <a14:m>
+                  <m:oMath xmlns:m="http://schemas.openxmlformats.org/officeDocument/2006/math">
+                    <m:r>
+                      <a:rPr lang="en-US" sz="2000" b="0" i="1" smtClean="0">
+                        <a:latin typeface="Cambria Math" panose="02040503050406030204" pitchFamily="18" charset="0"/>
+                        <a:cs typeface="Calibri" panose="020F0502020204030204" pitchFamily="34" charset="0"/>
+                      </a:rPr>
+                      <m:t>0</m:t>
+                    </m:r>
+                    <m:r>
+                      <a:rPr lang="en-US" sz="2000" b="0" i="1" smtClean="0">
+                        <a:latin typeface="Cambria Math" panose="02040503050406030204" pitchFamily="18" charset="0"/>
+                        <a:ea typeface="Cambria Math" panose="02040503050406030204" pitchFamily="18" charset="0"/>
+                        <a:cs typeface="Calibri" panose="020F0502020204030204" pitchFamily="34" charset="0"/>
+                      </a:rPr>
+                      <m:t>≤</m:t>
+                    </m:r>
+                    <m:r>
+                      <a:rPr lang="en-US" sz="2000" b="0" i="1" smtClean="0">
+                        <a:latin typeface="Cambria Math" panose="02040503050406030204" pitchFamily="18" charset="0"/>
+                        <a:ea typeface="Cambria Math" panose="02040503050406030204" pitchFamily="18" charset="0"/>
+                        <a:cs typeface="Calibri" panose="020F0502020204030204" pitchFamily="34" charset="0"/>
+                      </a:rPr>
+                      <m:t>𝑗</m:t>
+                    </m:r>
+                    <m:r>
+                      <a:rPr lang="en-US" sz="2000" b="0" i="1" smtClean="0">
+                        <a:latin typeface="Cambria Math" panose="02040503050406030204" pitchFamily="18" charset="0"/>
+                        <a:ea typeface="Cambria Math" panose="02040503050406030204" pitchFamily="18" charset="0"/>
+                        <a:cs typeface="Calibri" panose="020F0502020204030204" pitchFamily="34" charset="0"/>
+                      </a:rPr>
+                      <m:t>&lt;</m:t>
+                    </m:r>
+                    <m:r>
+                      <a:rPr lang="en-US" sz="2000" b="0" i="1" smtClean="0">
+                        <a:latin typeface="Cambria Math" panose="02040503050406030204" pitchFamily="18" charset="0"/>
+                        <a:ea typeface="Cambria Math" panose="02040503050406030204" pitchFamily="18" charset="0"/>
+                        <a:cs typeface="Calibri" panose="020F0502020204030204" pitchFamily="34" charset="0"/>
+                      </a:rPr>
+                      <m:t>𝑚</m:t>
+                    </m:r>
+                  </m:oMath>
+                </a14:m>
+                <a:r>
+                  <a:rPr lang="en-US" sz="2000" dirty="0">
+                    <a:latin typeface="Calibri" panose="020F0502020204030204" pitchFamily="34" charset="0"/>
+                    <a:cs typeface="Calibri" panose="020F0502020204030204" pitchFamily="34" charset="0"/>
+                  </a:rPr>
+                  <a:t>.</a:t>
+                </a:r>
+              </a:p>
+              <a:p>
+                <a:r>
+                  <a:rPr lang="en-US" sz="2000" dirty="0">
+                    <a:latin typeface="Calibri" panose="020F0502020204030204" pitchFamily="34" charset="0"/>
+                    <a:cs typeface="Calibri" panose="020F0502020204030204" pitchFamily="34" charset="0"/>
+                  </a:rPr>
+                  <a:t>Sort </a:t>
+                </a:r>
+                <a14:m>
+                  <m:oMath xmlns:m="http://schemas.openxmlformats.org/officeDocument/2006/math">
+                    <m:r>
+                      <a:rPr lang="en-US" sz="2000" b="0" i="1" smtClean="0">
+                        <a:latin typeface="Cambria Math" panose="02040503050406030204" pitchFamily="18" charset="0"/>
+                        <a:cs typeface="Calibri" panose="020F0502020204030204" pitchFamily="34" charset="0"/>
+                      </a:rPr>
+                      <m:t>(</m:t>
+                    </m:r>
+                    <m:r>
+                      <a:rPr lang="en-US" sz="2000" b="0" i="1" smtClean="0">
+                        <a:latin typeface="Cambria Math" panose="02040503050406030204" pitchFamily="18" charset="0"/>
+                        <a:cs typeface="Calibri" panose="020F0502020204030204" pitchFamily="34" charset="0"/>
+                      </a:rPr>
+                      <m:t>𝑗</m:t>
+                    </m:r>
+                    <m:r>
+                      <a:rPr lang="en-US" sz="2000" b="0" i="1" smtClean="0">
+                        <a:latin typeface="Cambria Math" panose="02040503050406030204" pitchFamily="18" charset="0"/>
+                        <a:cs typeface="Calibri" panose="020F0502020204030204" pitchFamily="34" charset="0"/>
+                      </a:rPr>
+                      <m:t>,</m:t>
+                    </m:r>
+                    <m:sSup>
+                      <m:sSupPr>
+                        <m:ctrlPr>
+                          <a:rPr lang="en-US" sz="2000" b="0" i="1" smtClean="0">
+                            <a:latin typeface="Cambria Math" panose="02040503050406030204" pitchFamily="18" charset="0"/>
+                            <a:cs typeface="Calibri" panose="020F0502020204030204" pitchFamily="34" charset="0"/>
+                          </a:rPr>
+                        </m:ctrlPr>
+                      </m:sSupPr>
+                      <m:e>
+                        <m:r>
+                          <a:rPr lang="en-US" sz="2000" b="0" i="1" smtClean="0">
+                            <a:latin typeface="Cambria Math" panose="02040503050406030204" pitchFamily="18" charset="0"/>
+                            <a:cs typeface="Calibri" panose="020F0502020204030204" pitchFamily="34" charset="0"/>
+                          </a:rPr>
+                          <m:t>𝑔</m:t>
+                        </m:r>
+                      </m:e>
+                      <m:sup>
+                        <m:r>
+                          <a:rPr lang="en-US" sz="2000" b="0" i="1" smtClean="0">
+                            <a:latin typeface="Cambria Math" panose="02040503050406030204" pitchFamily="18" charset="0"/>
+                            <a:cs typeface="Calibri" panose="020F0502020204030204" pitchFamily="34" charset="0"/>
+                          </a:rPr>
+                          <m:t>𝑗𝑚</m:t>
+                        </m:r>
+                      </m:sup>
+                    </m:sSup>
+                    <m:r>
+                      <a:rPr lang="en-US" sz="2000" b="0" i="1" smtClean="0">
+                        <a:latin typeface="Cambria Math" panose="02040503050406030204" pitchFamily="18" charset="0"/>
+                        <a:cs typeface="Calibri" panose="020F0502020204030204" pitchFamily="34" charset="0"/>
+                      </a:rPr>
+                      <m:t>)</m:t>
+                    </m:r>
+                  </m:oMath>
+                </a14:m>
+                <a:r>
+                  <a:rPr lang="en-US" sz="2000" dirty="0">
+                    <a:latin typeface="Calibri" panose="020F0502020204030204" pitchFamily="34" charset="0"/>
+                    <a:cs typeface="Calibri" panose="020F0502020204030204" pitchFamily="34" charset="0"/>
+                  </a:rPr>
+                  <a:t> by second coordinate.</a:t>
+                </a:r>
+              </a:p>
+              <a:p>
+                <a:r>
+                  <a:rPr lang="en-US" sz="2000" dirty="0">
+                    <a:latin typeface="Calibri" panose="020F0502020204030204" pitchFamily="34" charset="0"/>
+                    <a:cs typeface="Calibri" panose="020F0502020204030204" pitchFamily="34" charset="0"/>
+                  </a:rPr>
+                  <a:t>Pick </a:t>
+                </a:r>
+                <a:r>
+                  <a:rPr lang="en-US" sz="2000" dirty="0" err="1">
+                    <a:latin typeface="Calibri" panose="020F0502020204030204" pitchFamily="34" charset="0"/>
+                    <a:cs typeface="Calibri" panose="020F0502020204030204" pitchFamily="34" charset="0"/>
+                  </a:rPr>
+                  <a:t>i</a:t>
+                </a:r>
+                <a:r>
+                  <a:rPr lang="en-US" sz="2000" dirty="0">
+                    <a:latin typeface="Calibri" panose="020F0502020204030204" pitchFamily="34" charset="0"/>
+                    <a:cs typeface="Calibri" panose="020F0502020204030204" pitchFamily="34" charset="0"/>
+                  </a:rPr>
+                  <a:t> at random, compute </a:t>
+                </a:r>
+                <a14:m>
+                  <m:oMath xmlns:m="http://schemas.openxmlformats.org/officeDocument/2006/math">
+                    <m:r>
+                      <a:rPr lang="en-US" sz="2000" b="0" i="1" smtClean="0">
+                        <a:latin typeface="Cambria Math" panose="02040503050406030204" pitchFamily="18" charset="0"/>
+                        <a:cs typeface="Calibri" panose="020F0502020204030204" pitchFamily="34" charset="0"/>
+                      </a:rPr>
+                      <m:t>𝑦</m:t>
+                    </m:r>
+                    <m:sSup>
+                      <m:sSupPr>
+                        <m:ctrlPr>
+                          <a:rPr lang="en-US" sz="2000" b="0" i="1" smtClean="0">
+                            <a:latin typeface="Cambria Math" panose="02040503050406030204" pitchFamily="18" charset="0"/>
+                            <a:cs typeface="Calibri" panose="020F0502020204030204" pitchFamily="34" charset="0"/>
+                          </a:rPr>
+                        </m:ctrlPr>
+                      </m:sSupPr>
+                      <m:e>
+                        <m:r>
+                          <a:rPr lang="en-US" sz="2000" b="0" i="1" smtClean="0">
+                            <a:latin typeface="Cambria Math" panose="02040503050406030204" pitchFamily="18" charset="0"/>
+                            <a:cs typeface="Calibri" panose="020F0502020204030204" pitchFamily="34" charset="0"/>
+                          </a:rPr>
+                          <m:t>𝑔</m:t>
+                        </m:r>
+                      </m:e>
+                      <m:sup>
+                        <m:r>
+                          <a:rPr lang="en-US" sz="2000" b="0" i="1" smtClean="0">
+                            <a:latin typeface="Cambria Math" panose="02040503050406030204" pitchFamily="18" charset="0"/>
+                            <a:cs typeface="Calibri" panose="020F0502020204030204" pitchFamily="34" charset="0"/>
+                          </a:rPr>
+                          <m:t>−</m:t>
+                        </m:r>
+                        <m:r>
+                          <a:rPr lang="en-US" sz="2000" b="0" i="1" smtClean="0">
+                            <a:latin typeface="Cambria Math" panose="02040503050406030204" pitchFamily="18" charset="0"/>
+                            <a:cs typeface="Calibri" panose="020F0502020204030204" pitchFamily="34" charset="0"/>
+                          </a:rPr>
+                          <m:t>𝑖</m:t>
+                        </m:r>
+                      </m:sup>
+                    </m:sSup>
+                    <m:r>
+                      <a:rPr lang="en-US" sz="2000" b="0" i="1" smtClean="0">
+                        <a:latin typeface="Cambria Math" panose="02040503050406030204" pitchFamily="18" charset="0"/>
+                        <a:cs typeface="Calibri" panose="020F0502020204030204" pitchFamily="34" charset="0"/>
+                      </a:rPr>
+                      <m:t>(</m:t>
+                    </m:r>
+                    <m:r>
+                      <a:rPr lang="en-US" sz="2000" b="0" i="1" smtClean="0">
+                        <a:latin typeface="Cambria Math" panose="02040503050406030204" pitchFamily="18" charset="0"/>
+                        <a:cs typeface="Calibri" panose="020F0502020204030204" pitchFamily="34" charset="0"/>
+                      </a:rPr>
+                      <m:t>𝑚𝑜𝑑</m:t>
+                    </m:r>
+                    <m:r>
+                      <a:rPr lang="en-US" sz="2000" b="0" i="1" smtClean="0">
+                        <a:latin typeface="Cambria Math" panose="02040503050406030204" pitchFamily="18" charset="0"/>
+                        <a:cs typeface="Calibri" panose="020F0502020204030204" pitchFamily="34" charset="0"/>
+                      </a:rPr>
+                      <m:t> </m:t>
+                    </m:r>
+                    <m:r>
+                      <a:rPr lang="en-US" sz="2000" b="0" i="1" smtClean="0">
+                        <a:latin typeface="Cambria Math" panose="02040503050406030204" pitchFamily="18" charset="0"/>
+                        <a:cs typeface="Calibri" panose="020F0502020204030204" pitchFamily="34" charset="0"/>
+                      </a:rPr>
+                      <m:t>𝑝</m:t>
+                    </m:r>
+                    <m:r>
+                      <a:rPr lang="en-US" sz="2000" b="0" i="1" smtClean="0">
+                        <a:latin typeface="Cambria Math" panose="02040503050406030204" pitchFamily="18" charset="0"/>
+                        <a:cs typeface="Calibri" panose="020F0502020204030204" pitchFamily="34" charset="0"/>
+                      </a:rPr>
+                      <m:t>)</m:t>
+                    </m:r>
+                  </m:oMath>
+                </a14:m>
+                <a:r>
+                  <a:rPr lang="en-US" sz="2000" dirty="0">
+                    <a:latin typeface="Calibri" panose="020F0502020204030204" pitchFamily="34" charset="0"/>
+                    <a:cs typeface="Calibri" panose="020F0502020204030204" pitchFamily="34" charset="0"/>
+                  </a:rPr>
+                  <a:t>.</a:t>
+                </a:r>
+              </a:p>
+              <a:p>
+                <a:r>
+                  <a:rPr lang="en-US" sz="2000" dirty="0">
+                    <a:latin typeface="Calibri" panose="020F0502020204030204" pitchFamily="34" charset="0"/>
+                    <a:cs typeface="Calibri" panose="020F0502020204030204" pitchFamily="34" charset="0"/>
+                  </a:rPr>
+                  <a:t>If there is a match in the tables </a:t>
+                </a:r>
+                <a14:m>
+                  <m:oMath xmlns:m="http://schemas.openxmlformats.org/officeDocument/2006/math">
+                    <m:r>
+                      <a:rPr lang="en-US" sz="2000" b="0" i="1" smtClean="0">
+                        <a:latin typeface="Cambria Math" panose="02040503050406030204" pitchFamily="18" charset="0"/>
+                        <a:cs typeface="Calibri" panose="020F0502020204030204" pitchFamily="34" charset="0"/>
+                      </a:rPr>
+                      <m:t>𝑦</m:t>
+                    </m:r>
+                    <m:sSup>
+                      <m:sSupPr>
+                        <m:ctrlPr>
+                          <a:rPr lang="en-US" sz="2000" b="0" i="1" smtClean="0">
+                            <a:latin typeface="Cambria Math" panose="02040503050406030204" pitchFamily="18" charset="0"/>
+                            <a:cs typeface="Calibri" panose="020F0502020204030204" pitchFamily="34" charset="0"/>
+                          </a:rPr>
+                        </m:ctrlPr>
+                      </m:sSupPr>
+                      <m:e>
+                        <m:r>
+                          <a:rPr lang="en-US" sz="2000" b="0" i="1" smtClean="0">
+                            <a:latin typeface="Cambria Math" panose="02040503050406030204" pitchFamily="18" charset="0"/>
+                            <a:cs typeface="Calibri" panose="020F0502020204030204" pitchFamily="34" charset="0"/>
+                          </a:rPr>
+                          <m:t>𝑔</m:t>
+                        </m:r>
+                      </m:e>
+                      <m:sup>
+                        <m:r>
+                          <a:rPr lang="en-US" sz="2000" b="0" i="1" smtClean="0">
+                            <a:latin typeface="Cambria Math" panose="02040503050406030204" pitchFamily="18" charset="0"/>
+                            <a:cs typeface="Calibri" panose="020F0502020204030204" pitchFamily="34" charset="0"/>
+                          </a:rPr>
+                          <m:t>−</m:t>
+                        </m:r>
+                        <m:r>
+                          <a:rPr lang="en-US" sz="2000" b="0" i="1" smtClean="0">
+                            <a:latin typeface="Cambria Math" panose="02040503050406030204" pitchFamily="18" charset="0"/>
+                            <a:cs typeface="Calibri" panose="020F0502020204030204" pitchFamily="34" charset="0"/>
+                          </a:rPr>
+                          <m:t>𝑖</m:t>
+                        </m:r>
+                      </m:sup>
+                    </m:sSup>
+                    <m:r>
+                      <a:rPr lang="en-US" sz="2000" b="0" i="1" smtClean="0">
+                        <a:latin typeface="Cambria Math" panose="02040503050406030204" pitchFamily="18" charset="0"/>
+                        <a:cs typeface="Calibri" panose="020F0502020204030204" pitchFamily="34" charset="0"/>
+                      </a:rPr>
+                      <m:t>=</m:t>
+                    </m:r>
+                    <m:sSup>
+                      <m:sSupPr>
+                        <m:ctrlPr>
+                          <a:rPr lang="en-US" sz="2000" b="0" i="1" smtClean="0">
+                            <a:latin typeface="Cambria Math" panose="02040503050406030204" pitchFamily="18" charset="0"/>
+                            <a:cs typeface="Calibri" panose="020F0502020204030204" pitchFamily="34" charset="0"/>
+                          </a:rPr>
+                        </m:ctrlPr>
+                      </m:sSupPr>
+                      <m:e>
+                        <m:r>
+                          <a:rPr lang="en-US" sz="2000" b="0" i="1" smtClean="0">
+                            <a:latin typeface="Cambria Math" panose="02040503050406030204" pitchFamily="18" charset="0"/>
+                            <a:cs typeface="Calibri" panose="020F0502020204030204" pitchFamily="34" charset="0"/>
+                          </a:rPr>
+                          <m:t>𝑔</m:t>
+                        </m:r>
+                      </m:e>
+                      <m:sup>
+                        <m:r>
+                          <a:rPr lang="en-US" sz="2000" b="0" i="1" smtClean="0">
+                            <a:latin typeface="Cambria Math" panose="02040503050406030204" pitchFamily="18" charset="0"/>
+                            <a:cs typeface="Calibri" panose="020F0502020204030204" pitchFamily="34" charset="0"/>
+                          </a:rPr>
+                          <m:t>𝑗𝑚</m:t>
+                        </m:r>
+                      </m:sup>
+                    </m:sSup>
+                    <m:r>
+                      <a:rPr lang="en-US" sz="2000" b="0" i="1" smtClean="0">
+                        <a:latin typeface="Cambria Math" panose="02040503050406030204" pitchFamily="18" charset="0"/>
+                        <a:cs typeface="Calibri" panose="020F0502020204030204" pitchFamily="34" charset="0"/>
+                      </a:rPr>
+                      <m:t>(</m:t>
+                    </m:r>
+                    <m:r>
+                      <a:rPr lang="en-US" sz="2000" b="0" i="1" smtClean="0">
+                        <a:latin typeface="Cambria Math" panose="02040503050406030204" pitchFamily="18" charset="0"/>
+                        <a:cs typeface="Calibri" panose="020F0502020204030204" pitchFamily="34" charset="0"/>
+                      </a:rPr>
+                      <m:t>𝑚𝑜𝑑</m:t>
+                    </m:r>
+                    <m:r>
+                      <a:rPr lang="en-US" sz="2000" b="0" i="1" smtClean="0">
+                        <a:latin typeface="Cambria Math" panose="02040503050406030204" pitchFamily="18" charset="0"/>
+                        <a:cs typeface="Calibri" panose="020F0502020204030204" pitchFamily="34" charset="0"/>
+                      </a:rPr>
+                      <m:t> </m:t>
+                    </m:r>
+                    <m:r>
+                      <a:rPr lang="en-US" sz="2000" b="0" i="1" smtClean="0">
+                        <a:latin typeface="Cambria Math" panose="02040503050406030204" pitchFamily="18" charset="0"/>
+                        <a:cs typeface="Calibri" panose="020F0502020204030204" pitchFamily="34" charset="0"/>
+                      </a:rPr>
+                      <m:t>𝑝</m:t>
+                    </m:r>
+                    <m:r>
+                      <a:rPr lang="en-US" sz="2000" b="0" i="1" smtClean="0">
+                        <a:latin typeface="Cambria Math" panose="02040503050406030204" pitchFamily="18" charset="0"/>
+                        <a:cs typeface="Calibri" panose="020F0502020204030204" pitchFamily="34" charset="0"/>
+                      </a:rPr>
+                      <m:t>)</m:t>
+                    </m:r>
+                  </m:oMath>
+                </a14:m>
+                <a:r>
+                  <a:rPr lang="en-US" sz="2000" dirty="0">
+                    <a:latin typeface="Calibri" panose="020F0502020204030204" pitchFamily="34" charset="0"/>
+                    <a:cs typeface="Calibri" panose="020F0502020204030204" pitchFamily="34" charset="0"/>
+                  </a:rPr>
+                  <a:t> </a:t>
+                </a:r>
+                <a:r>
+                  <a:rPr lang="en-US" sz="2000" dirty="0" err="1">
+                    <a:latin typeface="Calibri" panose="020F0502020204030204" pitchFamily="34" charset="0"/>
+                    <a:cs typeface="Calibri" panose="020F0502020204030204" pitchFamily="34" charset="0"/>
+                  </a:rPr>
+                  <a:t>yg</a:t>
+                </a:r>
+                <a:r>
+                  <a:rPr lang="en-US" sz="2000" baseline="30000" dirty="0" err="1">
+                    <a:latin typeface="Calibri" panose="020F0502020204030204" pitchFamily="34" charset="0"/>
+                    <a:cs typeface="Calibri" panose="020F0502020204030204" pitchFamily="34" charset="0"/>
+                  </a:rPr>
+                  <a:t>-i</a:t>
+                </a:r>
+                <a:r>
+                  <a:rPr lang="en-US" sz="2000" dirty="0">
+                    <a:latin typeface="Calibri" panose="020F0502020204030204" pitchFamily="34" charset="0"/>
+                    <a:cs typeface="Calibri" panose="020F0502020204030204" pitchFamily="34" charset="0"/>
+                  </a:rPr>
+                  <a:t>= </a:t>
+                </a:r>
+                <a:r>
+                  <a:rPr lang="en-US" sz="2000" dirty="0" err="1">
+                    <a:latin typeface="Calibri" panose="020F0502020204030204" pitchFamily="34" charset="0"/>
+                    <a:cs typeface="Calibri" panose="020F0502020204030204" pitchFamily="34" charset="0"/>
+                  </a:rPr>
+                  <a:t>g</a:t>
+                </a:r>
+                <a:r>
+                  <a:rPr lang="en-US" sz="2000" baseline="30000" dirty="0" err="1">
+                    <a:latin typeface="Calibri" panose="020F0502020204030204" pitchFamily="34" charset="0"/>
+                    <a:cs typeface="Calibri" panose="020F0502020204030204" pitchFamily="34" charset="0"/>
+                  </a:rPr>
+                  <a:t>mj</a:t>
+                </a:r>
+                <a:r>
+                  <a:rPr lang="en-US" sz="2000" dirty="0">
+                    <a:latin typeface="Calibri" panose="020F0502020204030204" pitchFamily="34" charset="0"/>
+                    <a:cs typeface="Calibri" panose="020F0502020204030204" pitchFamily="34" charset="0"/>
+                  </a:rPr>
+                  <a:t>.</a:t>
+                </a:r>
+              </a:p>
+              <a:p>
+                <a:r>
+                  <a:rPr lang="en-US" sz="2000" dirty="0">
+                    <a:latin typeface="Calibri" panose="020F0502020204030204" pitchFamily="34" charset="0"/>
+                    <a:cs typeface="Calibri" panose="020F0502020204030204" pitchFamily="34" charset="0"/>
+                  </a:rPr>
+                  <a:t>x= </a:t>
+                </a:r>
+                <a:r>
+                  <a:rPr lang="en-US" sz="2000" dirty="0" err="1">
+                    <a:latin typeface="Calibri" panose="020F0502020204030204" pitchFamily="34" charset="0"/>
+                    <a:cs typeface="Calibri" panose="020F0502020204030204" pitchFamily="34" charset="0"/>
+                  </a:rPr>
+                  <a:t>mj+i</a:t>
+                </a:r>
+                <a:r>
+                  <a:rPr lang="en-US" sz="2000" dirty="0">
+                    <a:latin typeface="Calibri" panose="020F0502020204030204" pitchFamily="34" charset="0"/>
+                    <a:cs typeface="Calibri" panose="020F0502020204030204" pitchFamily="34" charset="0"/>
+                  </a:rPr>
+                  <a:t> is the discrete log.</a:t>
+                </a:r>
+              </a:p>
+            </p:txBody>
+          </p:sp>
+        </mc:Choice>
+        <mc:Fallback>
+          <p:sp>
+            <p:nvSpPr>
+              <p:cNvPr id="93189" name="Rectangle 3"/>
+              <p:cNvSpPr>
+                <a:spLocks noGrp="1" noRot="1" noChangeAspect="1" noMove="1" noResize="1" noEditPoints="1" noAdjustHandles="1" noChangeArrowheads="1" noChangeShapeType="1" noTextEdit="1"/>
+              </p:cNvSpPr>
+              <p:nvPr>
+                <p:ph type="body" idx="1"/>
+              </p:nvPr>
+            </p:nvSpPr>
+            <p:spPr>
+              <a:xfrm>
+                <a:off x="762000" y="2057400"/>
+                <a:ext cx="7772400" cy="3581400"/>
+              </a:xfrm>
+              <a:blipFill>
+                <a:blip r:embed="rId2"/>
+                <a:stretch>
+                  <a:fillRect l="-817" t="-1060"/>
+                </a:stretch>
+              </a:blipFill>
+            </p:spPr>
+            <p:txBody>
+              <a:bodyPr/>
+              <a:lstStyle/>
+              <a:p>
+                <a:r>
+                  <a:rPr lang="en-US">
+                    <a:noFill/>
+                  </a:rPr>
+                  <a:t> </a:t>
+                </a:r>
+              </a:p>
+            </p:txBody>
+          </p:sp>
+        </mc:Fallback>
+      </mc:AlternateContent>
     </p:spTree>
   </p:cSld>
   <p:clrMapOvr>
@@ -9124,7 +9578,23 @@
                 <a:cs typeface="Calibri" panose="020F0502020204030204" pitchFamily="34" charset="0"/>
                 <a:sym typeface="Symbol" pitchFamily="18" charset="2"/>
               </a:rPr>
-              <a:t>=13.  m= 14.  a= 5.  b=41.</a:t>
+              <a:t>=13.  m= 14.  a= 5.  b=41.  Compute log</a:t>
+            </a:r>
+            <a:r>
+              <a:rPr lang="en-US" sz="2000" baseline="-25000" dirty="0">
+                <a:latin typeface="Calibri" panose="020F0502020204030204" pitchFamily="34" charset="0"/>
+                <a:cs typeface="Calibri" panose="020F0502020204030204" pitchFamily="34" charset="0"/>
+                <a:sym typeface="Symbol" pitchFamily="18" charset="2"/>
+              </a:rPr>
+              <a:t>193</a:t>
+            </a:r>
+            <a:r>
+              <a:rPr lang="en-US" sz="2000" dirty="0">
+                <a:latin typeface="Calibri" panose="020F0502020204030204" pitchFamily="34" charset="0"/>
+                <a:cs typeface="Calibri" panose="020F0502020204030204" pitchFamily="34" charset="0"/>
+                <a:sym typeface="Symbol" pitchFamily="18" charset="2"/>
+              </a:rPr>
+              <a:t>(41).</a:t>
             </a:r>
           </a:p>
           <a:p>
@@ -10282,7 +10752,7 @@
         <p:spPr bwMode="auto">
           <a:xfrm>
             <a:off x="609600" y="4419600"/>
-            <a:ext cx="8001000" cy="838200"/>
+            <a:ext cx="8001000" cy="1524000"/>
           </a:xfrm>
           <a:prstGeom prst="rect">
             <a:avLst/>
@@ -10478,14 +10948,14 @@
                 <a:latin typeface="Calibri" panose="020F0502020204030204" pitchFamily="34" charset="0"/>
                 <a:cs typeface="Calibri" panose="020F0502020204030204" pitchFamily="34" charset="0"/>
               </a:rPr>
-              <a:t>5</a:t>
+              <a:t>193</a:t>
             </a:r>
             <a:r>
               <a:rPr kumimoji="1" lang="en-US" sz="2000" kern="0" dirty="0">
                 <a:latin typeface="Calibri" panose="020F0502020204030204" pitchFamily="34" charset="0"/>
                 <a:cs typeface="Calibri" panose="020F0502020204030204" pitchFamily="34" charset="0"/>
               </a:rPr>
-              <a:t>(41)= 193.</a:t>
+              <a:t>(41)= 81.</a:t>
             </a:r>
             <a:endParaRPr kumimoji="1" lang="en-US" sz="2000" b="0" i="0" u="none" strike="noStrike" kern="0" cap="none" spc="0" normalizeH="0" baseline="0" noProof="0" dirty="0">
               <a:ln>
@@ -14991,7 +15461,7 @@
             </p:nvSpPr>
             <p:spPr>
               <a:xfrm>
-                <a:off x="381000" y="2133600"/>
+                <a:off x="457200" y="2396836"/>
                 <a:ext cx="8458200" cy="3886200"/>
               </a:xfrm>
             </p:spPr>
@@ -15016,11 +15486,12 @@
                       <a:rPr lang="en-US" sz="2000" b="0" i="1" smtClean="0">
                         <a:latin typeface="Cambria Math" panose="02040503050406030204" pitchFamily="18" charset="0"/>
                       </a:rPr>
-                      <m:t>−1= </m:t>
+                      <m:t>−1=</m:t>
                     </m:r>
                     <m:nary>
                       <m:naryPr>
                         <m:chr m:val="∏"/>
+                        <m:limLoc m:val="subSup"/>
                         <m:supHide m:val="on"/>
                         <m:ctrlPr>
                           <a:rPr lang="en-US" sz="2000" b="0" i="1" smtClean="0">
@@ -15031,7 +15502,7 @@
                       <m:sub>
                         <m:r>
                           <m:rPr>
-                            <m:brk m:alnAt="7"/>
+                            <m:brk m:alnAt="9"/>
                           </m:rPr>
                           <a:rPr lang="en-US" sz="2000" b="0" i="1" smtClean="0">
                             <a:latin typeface="Cambria Math" panose="02040503050406030204" pitchFamily="18" charset="0"/>
@@ -15077,30 +15548,31 @@
                             </m:sSub>
                           </m:e>
                           <m:sup>
-                            <m:r>
-                              <a:rPr lang="en-US" sz="2000" b="0" i="1" smtClean="0">
-                                <a:latin typeface="Cambria Math" panose="02040503050406030204" pitchFamily="18" charset="0"/>
-                              </a:rPr>
-                              <m:t>𝑟</m:t>
-                            </m:r>
-                            <m:r>
-                              <a:rPr lang="en-US" sz="2000" b="0" i="1" smtClean="0">
-                                <a:latin typeface="Cambria Math" panose="02040503050406030204" pitchFamily="18" charset="0"/>
-                              </a:rPr>
-                              <m:t>[</m:t>
-                            </m:r>
-                            <m:r>
-                              <a:rPr lang="en-US" sz="2000" b="0" i="1" smtClean="0">
-                                <a:latin typeface="Cambria Math" panose="02040503050406030204" pitchFamily="18" charset="0"/>
-                              </a:rPr>
-                              <m:t>𝑖</m:t>
-                            </m:r>
-                            <m:r>
-                              <a:rPr lang="en-US" sz="2000" b="0" i="1" smtClean="0">
-                                <a:latin typeface="Cambria Math" panose="02040503050406030204" pitchFamily="18" charset="0"/>
-                              </a:rPr>
-                              <m:t>]</m:t>
-                            </m:r>
+                            <m:sSub>
+                              <m:sSubPr>
+                                <m:ctrlPr>
+                                  <a:rPr lang="en-US" sz="2000" b="0" i="1" smtClean="0">
+                                    <a:latin typeface="Cambria Math" panose="02040503050406030204" pitchFamily="18" charset="0"/>
+                                  </a:rPr>
+                                </m:ctrlPr>
+                              </m:sSubPr>
+                              <m:e>
+                                <m:r>
+                                  <a:rPr lang="en-US" sz="2000" b="0" i="1" smtClean="0">
+                                    <a:latin typeface="Cambria Math" panose="02040503050406030204" pitchFamily="18" charset="0"/>
+                                  </a:rPr>
+                                  <m:t>𝑟</m:t>
+                                </m:r>
+                              </m:e>
+                              <m:sub>
+                                <m:r>
+                                  <a:rPr lang="en-US" sz="2000" b="0" i="1" smtClean="0">
+                                    <a:latin typeface="Cambria Math" panose="02040503050406030204" pitchFamily="18" charset="0"/>
+                                  </a:rPr>
+                                  <m:t>𝑖</m:t>
+                                </m:r>
+                              </m:sub>
+                            </m:sSub>
                           </m:sup>
                         </m:sSup>
                       </m:e>
@@ -15544,13 +16016,13 @@
             </p:nvSpPr>
             <p:spPr>
               <a:xfrm>
-                <a:off x="381000" y="2133600"/>
+                <a:off x="457200" y="2396836"/>
                 <a:ext cx="8458200" cy="3886200"/>
               </a:xfrm>
               <a:blipFill>
                 <a:blip r:embed="rId2"/>
                 <a:stretch>
-                  <a:fillRect l="-901" t="-12052"/>
+                  <a:fillRect l="-750" t="-12052"/>
                 </a:stretch>
               </a:blipFill>
             </p:spPr>
@@ -15664,7 +16136,7 @@
         </p:nvSpPr>
         <p:spPr>
           <a:xfrm>
-            <a:off x="533400" y="1828800"/>
+            <a:off x="685800" y="2209800"/>
             <a:ext cx="8077200" cy="3962400"/>
           </a:xfrm>
         </p:spPr>
@@ -16115,862 +16587,1261 @@
           </a:p>
         </p:txBody>
       </p:sp>
-      <p:sp>
-        <p:nvSpPr>
-          <p:cNvPr id="94213" name="Rectangle 3"/>
-          <p:cNvSpPr>
-            <a:spLocks noGrp="1" noChangeArrowheads="1"/>
-          </p:cNvSpPr>
-          <p:nvPr>
-            <p:ph type="body" idx="1"/>
-          </p:nvPr>
-        </p:nvSpPr>
-        <p:spPr>
-          <a:xfrm>
-            <a:off x="381000" y="1676400"/>
-            <a:ext cx="8305800" cy="4038600"/>
-          </a:xfrm>
-        </p:spPr>
-        <p:txBody>
-          <a:bodyPr/>
-          <a:lstStyle/>
-          <a:p>
-            <a:pPr>
-              <a:lnSpc>
-                <a:spcPct val="80000"/>
-              </a:lnSpc>
-            </a:pPr>
-            <a:r>
-              <a:rPr lang="en-US" sz="2000" dirty="0" err="1">
-                <a:latin typeface="Calibri" panose="020F0502020204030204" pitchFamily="34" charset="0"/>
-                <a:cs typeface="Calibri" panose="020F0502020204030204" pitchFamily="34" charset="0"/>
-              </a:rPr>
-              <a:t>g</a:t>
-            </a:r>
-            <a:r>
-              <a:rPr lang="en-US" sz="2000" baseline="30000" dirty="0" err="1">
-                <a:latin typeface="Calibri" panose="020F0502020204030204" pitchFamily="34" charset="0"/>
-                <a:cs typeface="Calibri" panose="020F0502020204030204" pitchFamily="34" charset="0"/>
-              </a:rPr>
-              <a:t>x</a:t>
-            </a:r>
-            <a:r>
-              <a:rPr lang="en-US" sz="2000" dirty="0">
-                <a:latin typeface="Calibri" panose="020F0502020204030204" pitchFamily="34" charset="0"/>
-                <a:cs typeface="Calibri" panose="020F0502020204030204" pitchFamily="34" charset="0"/>
-              </a:rPr>
-              <a:t>=y (mod p) .   B= (p</a:t>
-            </a:r>
-            <a:r>
-              <a:rPr lang="en-US" sz="2000" baseline="-25000" dirty="0">
-                <a:latin typeface="Calibri" panose="020F0502020204030204" pitchFamily="34" charset="0"/>
-                <a:cs typeface="Calibri" panose="020F0502020204030204" pitchFamily="34" charset="0"/>
-              </a:rPr>
-              <a:t>1</a:t>
-            </a:r>
-            <a:r>
-              <a:rPr lang="en-US" sz="2000" dirty="0">
-                <a:latin typeface="Calibri" panose="020F0502020204030204" pitchFamily="34" charset="0"/>
-                <a:cs typeface="Calibri" panose="020F0502020204030204" pitchFamily="34" charset="0"/>
-              </a:rPr>
-              <a:t>, p</a:t>
-            </a:r>
-            <a:r>
-              <a:rPr lang="en-US" sz="2000" baseline="-25000" dirty="0">
-                <a:latin typeface="Calibri" panose="020F0502020204030204" pitchFamily="34" charset="0"/>
-                <a:cs typeface="Calibri" panose="020F0502020204030204" pitchFamily="34" charset="0"/>
-              </a:rPr>
-              <a:t>2 </a:t>
-            </a:r>
-            <a:r>
-              <a:rPr lang="en-US" sz="2000" dirty="0">
-                <a:latin typeface="Calibri" panose="020F0502020204030204" pitchFamily="34" charset="0"/>
-                <a:cs typeface="Calibri" panose="020F0502020204030204" pitchFamily="34" charset="0"/>
-              </a:rPr>
-              <a:t>, … , </a:t>
-            </a:r>
-            <a:r>
-              <a:rPr lang="en-US" sz="2000" dirty="0" err="1">
-                <a:latin typeface="Calibri" panose="020F0502020204030204" pitchFamily="34" charset="0"/>
-                <a:cs typeface="Calibri" panose="020F0502020204030204" pitchFamily="34" charset="0"/>
-              </a:rPr>
-              <a:t>p</a:t>
-            </a:r>
-            <a:r>
-              <a:rPr lang="en-US" sz="2000" baseline="-25000" dirty="0" err="1">
-                <a:latin typeface="Calibri" panose="020F0502020204030204" pitchFamily="34" charset="0"/>
-                <a:cs typeface="Calibri" panose="020F0502020204030204" pitchFamily="34" charset="0"/>
-              </a:rPr>
-              <a:t>k</a:t>
-            </a:r>
-            <a:r>
-              <a:rPr lang="en-US" sz="2000" dirty="0">
-                <a:latin typeface="Calibri" panose="020F0502020204030204" pitchFamily="34" charset="0"/>
-                <a:cs typeface="Calibri" panose="020F0502020204030204" pitchFamily="34" charset="0"/>
-              </a:rPr>
-              <a:t>).</a:t>
-            </a:r>
-          </a:p>
-          <a:p>
-            <a:pPr>
-              <a:lnSpc>
-                <a:spcPct val="80000"/>
-              </a:lnSpc>
-            </a:pPr>
-            <a:r>
-              <a:rPr lang="en-US" sz="2000" dirty="0" err="1">
-                <a:latin typeface="Calibri" panose="020F0502020204030204" pitchFamily="34" charset="0"/>
-                <a:cs typeface="Calibri" panose="020F0502020204030204" pitchFamily="34" charset="0"/>
-              </a:rPr>
-              <a:t>Precompute</a:t>
-            </a:r>
-            <a:endParaRPr lang="en-US" sz="2000" dirty="0">
-              <a:latin typeface="Calibri" panose="020F0502020204030204" pitchFamily="34" charset="0"/>
-              <a:cs typeface="Calibri" panose="020F0502020204030204" pitchFamily="34" charset="0"/>
-            </a:endParaRPr>
-          </a:p>
-          <a:p>
-            <a:pPr lvl="1">
-              <a:lnSpc>
-                <a:spcPct val="80000"/>
-              </a:lnSpc>
-            </a:pPr>
-            <a:r>
-              <a:rPr lang="en-US" sz="2000" dirty="0" err="1">
-                <a:latin typeface="Calibri" panose="020F0502020204030204" pitchFamily="34" charset="0"/>
-                <a:cs typeface="Calibri" panose="020F0502020204030204" pitchFamily="34" charset="0"/>
-              </a:rPr>
-              <a:t>g</a:t>
-            </a:r>
-            <a:r>
-              <a:rPr lang="en-US" sz="2000" baseline="30000" dirty="0" err="1">
-                <a:latin typeface="Calibri" panose="020F0502020204030204" pitchFamily="34" charset="0"/>
-                <a:cs typeface="Calibri" panose="020F0502020204030204" pitchFamily="34" charset="0"/>
-              </a:rPr>
-              <a:t>x</a:t>
-            </a:r>
-            <a:r>
-              <a:rPr lang="en-US" sz="2000" baseline="-25000" dirty="0" err="1">
-                <a:latin typeface="Calibri" panose="020F0502020204030204" pitchFamily="34" charset="0"/>
-                <a:cs typeface="Calibri" panose="020F0502020204030204" pitchFamily="34" charset="0"/>
-              </a:rPr>
-              <a:t>j</a:t>
-            </a:r>
-            <a:r>
-              <a:rPr lang="en-US" sz="2000" dirty="0">
-                <a:latin typeface="Calibri" panose="020F0502020204030204" pitchFamily="34" charset="0"/>
-                <a:cs typeface="Calibri" panose="020F0502020204030204" pitchFamily="34" charset="0"/>
-              </a:rPr>
-              <a:t>= p</a:t>
-            </a:r>
-            <a:r>
-              <a:rPr lang="en-US" sz="2000" baseline="-25000" dirty="0">
-                <a:latin typeface="Calibri" panose="020F0502020204030204" pitchFamily="34" charset="0"/>
-                <a:cs typeface="Calibri" panose="020F0502020204030204" pitchFamily="34" charset="0"/>
-              </a:rPr>
-              <a:t>1</a:t>
-            </a:r>
-            <a:r>
-              <a:rPr lang="en-US" sz="2000" baseline="30000" dirty="0">
-                <a:latin typeface="Calibri" panose="020F0502020204030204" pitchFamily="34" charset="0"/>
-                <a:cs typeface="Calibri" panose="020F0502020204030204" pitchFamily="34" charset="0"/>
-              </a:rPr>
-              <a:t>a</a:t>
-            </a:r>
-            <a:r>
-              <a:rPr lang="en-US" sz="2000" baseline="-25000" dirty="0">
-                <a:latin typeface="Calibri" panose="020F0502020204030204" pitchFamily="34" charset="0"/>
-                <a:cs typeface="Calibri" panose="020F0502020204030204" pitchFamily="34" charset="0"/>
-              </a:rPr>
-              <a:t>1 </a:t>
-            </a:r>
-            <a:r>
-              <a:rPr lang="en-US" sz="2000" dirty="0">
-                <a:latin typeface="Calibri" panose="020F0502020204030204" pitchFamily="34" charset="0"/>
-                <a:cs typeface="Calibri" panose="020F0502020204030204" pitchFamily="34" charset="0"/>
-              </a:rPr>
-              <a:t>p</a:t>
-            </a:r>
-            <a:r>
-              <a:rPr lang="en-US" sz="2000" baseline="-25000" dirty="0">
-                <a:latin typeface="Calibri" panose="020F0502020204030204" pitchFamily="34" charset="0"/>
-                <a:cs typeface="Calibri" panose="020F0502020204030204" pitchFamily="34" charset="0"/>
-              </a:rPr>
-              <a:t>2</a:t>
-            </a:r>
-            <a:r>
-              <a:rPr lang="en-US" sz="2000" baseline="30000" dirty="0">
-                <a:latin typeface="Calibri" panose="020F0502020204030204" pitchFamily="34" charset="0"/>
-                <a:cs typeface="Calibri" panose="020F0502020204030204" pitchFamily="34" charset="0"/>
-              </a:rPr>
-              <a:t>a</a:t>
-            </a:r>
-            <a:r>
-              <a:rPr lang="en-US" sz="2000" baseline="-25000" dirty="0">
-                <a:latin typeface="Calibri" panose="020F0502020204030204" pitchFamily="34" charset="0"/>
-                <a:cs typeface="Calibri" panose="020F0502020204030204" pitchFamily="34" charset="0"/>
-              </a:rPr>
-              <a:t>2 </a:t>
-            </a:r>
-            <a:r>
-              <a:rPr lang="en-US" sz="2000" dirty="0">
-                <a:latin typeface="Calibri" panose="020F0502020204030204" pitchFamily="34" charset="0"/>
-                <a:cs typeface="Calibri" panose="020F0502020204030204" pitchFamily="34" charset="0"/>
-              </a:rPr>
-              <a:t>…</a:t>
-            </a:r>
-            <a:r>
-              <a:rPr lang="en-US" sz="2000" baseline="-25000" dirty="0">
-                <a:latin typeface="Calibri" panose="020F0502020204030204" pitchFamily="34" charset="0"/>
-                <a:cs typeface="Calibri" panose="020F0502020204030204" pitchFamily="34" charset="0"/>
-              </a:rPr>
-              <a:t> </a:t>
-            </a:r>
-            <a:r>
-              <a:rPr lang="en-US" sz="2000" dirty="0" err="1">
-                <a:latin typeface="Calibri" panose="020F0502020204030204" pitchFamily="34" charset="0"/>
-                <a:cs typeface="Calibri" panose="020F0502020204030204" pitchFamily="34" charset="0"/>
-              </a:rPr>
-              <a:t>p</a:t>
-            </a:r>
-            <a:r>
-              <a:rPr lang="en-US" sz="2000" baseline="-25000" dirty="0" err="1">
-                <a:latin typeface="Calibri" panose="020F0502020204030204" pitchFamily="34" charset="0"/>
-                <a:cs typeface="Calibri" panose="020F0502020204030204" pitchFamily="34" charset="0"/>
-              </a:rPr>
-              <a:t>k</a:t>
-            </a:r>
-            <a:r>
-              <a:rPr lang="en-US" sz="2000" baseline="30000" dirty="0" err="1">
-                <a:latin typeface="Calibri" panose="020F0502020204030204" pitchFamily="34" charset="0"/>
-                <a:cs typeface="Calibri" panose="020F0502020204030204" pitchFamily="34" charset="0"/>
-              </a:rPr>
-              <a:t>a</a:t>
-            </a:r>
-            <a:r>
-              <a:rPr lang="en-US" sz="2000" baseline="-25000" dirty="0" err="1">
-                <a:latin typeface="Calibri" panose="020F0502020204030204" pitchFamily="34" charset="0"/>
-                <a:cs typeface="Calibri" panose="020F0502020204030204" pitchFamily="34" charset="0"/>
-              </a:rPr>
-              <a:t>k</a:t>
-            </a:r>
-            <a:endParaRPr lang="en-US" sz="2000" dirty="0">
-              <a:latin typeface="Calibri" panose="020F0502020204030204" pitchFamily="34" charset="0"/>
-              <a:cs typeface="Calibri" panose="020F0502020204030204" pitchFamily="34" charset="0"/>
-            </a:endParaRPr>
-          </a:p>
-          <a:p>
-            <a:pPr lvl="1">
-              <a:lnSpc>
-                <a:spcPct val="80000"/>
-              </a:lnSpc>
-            </a:pPr>
-            <a:r>
-              <a:rPr lang="en-US" sz="2000" dirty="0" err="1">
-                <a:latin typeface="Calibri" panose="020F0502020204030204" pitchFamily="34" charset="0"/>
-                <a:cs typeface="Calibri" panose="020F0502020204030204" pitchFamily="34" charset="0"/>
-              </a:rPr>
-              <a:t>x</a:t>
-            </a:r>
-            <a:r>
-              <a:rPr lang="en-US" sz="2000" baseline="-25000" dirty="0" err="1">
-                <a:latin typeface="Calibri" panose="020F0502020204030204" pitchFamily="34" charset="0"/>
-                <a:cs typeface="Calibri" panose="020F0502020204030204" pitchFamily="34" charset="0"/>
-              </a:rPr>
-              <a:t>j</a:t>
-            </a:r>
-            <a:r>
-              <a:rPr lang="en-US" sz="2000" dirty="0">
-                <a:latin typeface="Calibri" panose="020F0502020204030204" pitchFamily="34" charset="0"/>
-                <a:cs typeface="Calibri" panose="020F0502020204030204" pitchFamily="34" charset="0"/>
-              </a:rPr>
-              <a:t>= a</a:t>
-            </a:r>
-            <a:r>
-              <a:rPr lang="en-US" sz="2000" baseline="-25000" dirty="0">
-                <a:latin typeface="Calibri" panose="020F0502020204030204" pitchFamily="34" charset="0"/>
-                <a:cs typeface="Calibri" panose="020F0502020204030204" pitchFamily="34" charset="0"/>
-              </a:rPr>
-              <a:t>1j</a:t>
-            </a:r>
-            <a:r>
-              <a:rPr lang="en-US" sz="2000" dirty="0">
-                <a:latin typeface="Calibri" panose="020F0502020204030204" pitchFamily="34" charset="0"/>
-                <a:cs typeface="Calibri" panose="020F0502020204030204" pitchFamily="34" charset="0"/>
-              </a:rPr>
-              <a:t> </a:t>
-            </a:r>
-            <a:r>
-              <a:rPr lang="en-US" sz="2000" dirty="0" err="1">
-                <a:latin typeface="Calibri" panose="020F0502020204030204" pitchFamily="34" charset="0"/>
-                <a:cs typeface="Calibri" panose="020F0502020204030204" pitchFamily="34" charset="0"/>
-              </a:rPr>
-              <a:t>log</a:t>
-            </a:r>
-            <a:r>
-              <a:rPr lang="en-US" sz="2000" baseline="-25000" dirty="0" err="1">
-                <a:latin typeface="Calibri" panose="020F0502020204030204" pitchFamily="34" charset="0"/>
-                <a:cs typeface="Calibri" panose="020F0502020204030204" pitchFamily="34" charset="0"/>
-              </a:rPr>
-              <a:t>g</a:t>
-            </a:r>
-            <a:r>
-              <a:rPr lang="en-US" sz="2000" dirty="0">
-                <a:latin typeface="Calibri" panose="020F0502020204030204" pitchFamily="34" charset="0"/>
-                <a:cs typeface="Calibri" panose="020F0502020204030204" pitchFamily="34" charset="0"/>
-              </a:rPr>
-              <a:t> (p</a:t>
-            </a:r>
-            <a:r>
-              <a:rPr lang="en-US" sz="2000" baseline="-25000" dirty="0">
-                <a:latin typeface="Calibri" panose="020F0502020204030204" pitchFamily="34" charset="0"/>
-                <a:cs typeface="Calibri" panose="020F0502020204030204" pitchFamily="34" charset="0"/>
-              </a:rPr>
-              <a:t>1</a:t>
-            </a:r>
-            <a:r>
-              <a:rPr lang="en-US" sz="2000" dirty="0">
-                <a:latin typeface="Calibri" panose="020F0502020204030204" pitchFamily="34" charset="0"/>
-                <a:cs typeface="Calibri" panose="020F0502020204030204" pitchFamily="34" charset="0"/>
-              </a:rPr>
-              <a:t>) + a</a:t>
-            </a:r>
-            <a:r>
-              <a:rPr lang="en-US" sz="2000" baseline="-25000" dirty="0">
-                <a:latin typeface="Calibri" panose="020F0502020204030204" pitchFamily="34" charset="0"/>
-                <a:cs typeface="Calibri" panose="020F0502020204030204" pitchFamily="34" charset="0"/>
-              </a:rPr>
-              <a:t>2j</a:t>
-            </a:r>
-            <a:r>
-              <a:rPr lang="en-US" sz="2000" dirty="0">
-                <a:latin typeface="Calibri" panose="020F0502020204030204" pitchFamily="34" charset="0"/>
-                <a:cs typeface="Calibri" panose="020F0502020204030204" pitchFamily="34" charset="0"/>
-              </a:rPr>
-              <a:t> </a:t>
-            </a:r>
-            <a:r>
-              <a:rPr lang="en-US" sz="2000" dirty="0" err="1">
-                <a:latin typeface="Calibri" panose="020F0502020204030204" pitchFamily="34" charset="0"/>
-                <a:cs typeface="Calibri" panose="020F0502020204030204" pitchFamily="34" charset="0"/>
-              </a:rPr>
-              <a:t>log</a:t>
-            </a:r>
-            <a:r>
-              <a:rPr lang="en-US" sz="2000" baseline="-25000" dirty="0" err="1">
-                <a:latin typeface="Calibri" panose="020F0502020204030204" pitchFamily="34" charset="0"/>
-                <a:cs typeface="Calibri" panose="020F0502020204030204" pitchFamily="34" charset="0"/>
-              </a:rPr>
-              <a:t>g</a:t>
-            </a:r>
-            <a:r>
-              <a:rPr lang="en-US" sz="2000" dirty="0">
-                <a:latin typeface="Calibri" panose="020F0502020204030204" pitchFamily="34" charset="0"/>
-                <a:cs typeface="Calibri" panose="020F0502020204030204" pitchFamily="34" charset="0"/>
-              </a:rPr>
-              <a:t> (p</a:t>
-            </a:r>
-            <a:r>
-              <a:rPr lang="en-US" sz="2000" baseline="-25000" dirty="0">
-                <a:latin typeface="Calibri" panose="020F0502020204030204" pitchFamily="34" charset="0"/>
-                <a:cs typeface="Calibri" panose="020F0502020204030204" pitchFamily="34" charset="0"/>
-              </a:rPr>
-              <a:t>2</a:t>
-            </a:r>
-            <a:r>
-              <a:rPr lang="en-US" sz="2000" dirty="0">
-                <a:latin typeface="Calibri" panose="020F0502020204030204" pitchFamily="34" charset="0"/>
-                <a:cs typeface="Calibri" panose="020F0502020204030204" pitchFamily="34" charset="0"/>
-              </a:rPr>
-              <a:t>) + …+ </a:t>
-            </a:r>
-            <a:r>
-              <a:rPr lang="en-US" sz="2000" dirty="0" err="1">
-                <a:latin typeface="Calibri" panose="020F0502020204030204" pitchFamily="34" charset="0"/>
-                <a:cs typeface="Calibri" panose="020F0502020204030204" pitchFamily="34" charset="0"/>
-              </a:rPr>
-              <a:t>a</a:t>
-            </a:r>
-            <a:r>
-              <a:rPr lang="en-US" sz="2000" baseline="-25000" dirty="0" err="1">
-                <a:latin typeface="Calibri" panose="020F0502020204030204" pitchFamily="34" charset="0"/>
-                <a:cs typeface="Calibri" panose="020F0502020204030204" pitchFamily="34" charset="0"/>
-              </a:rPr>
-              <a:t>kj</a:t>
-            </a:r>
-            <a:r>
-              <a:rPr lang="en-US" sz="2000" dirty="0">
-                <a:latin typeface="Calibri" panose="020F0502020204030204" pitchFamily="34" charset="0"/>
-                <a:cs typeface="Calibri" panose="020F0502020204030204" pitchFamily="34" charset="0"/>
-              </a:rPr>
-              <a:t> </a:t>
-            </a:r>
-            <a:r>
-              <a:rPr lang="en-US" sz="2000" dirty="0" err="1">
-                <a:latin typeface="Calibri" panose="020F0502020204030204" pitchFamily="34" charset="0"/>
-                <a:cs typeface="Calibri" panose="020F0502020204030204" pitchFamily="34" charset="0"/>
-              </a:rPr>
-              <a:t>log</a:t>
-            </a:r>
-            <a:r>
-              <a:rPr lang="en-US" sz="2000" baseline="-25000" dirty="0" err="1">
-                <a:latin typeface="Calibri" panose="020F0502020204030204" pitchFamily="34" charset="0"/>
-                <a:cs typeface="Calibri" panose="020F0502020204030204" pitchFamily="34" charset="0"/>
-              </a:rPr>
-              <a:t>g</a:t>
-            </a:r>
-            <a:r>
-              <a:rPr lang="en-US" sz="2000" dirty="0">
-                <a:latin typeface="Calibri" panose="020F0502020204030204" pitchFamily="34" charset="0"/>
-                <a:cs typeface="Calibri" panose="020F0502020204030204" pitchFamily="34" charset="0"/>
-              </a:rPr>
-              <a:t> (</a:t>
-            </a:r>
-            <a:r>
-              <a:rPr lang="en-US" sz="2000" dirty="0" err="1">
-                <a:latin typeface="Calibri" panose="020F0502020204030204" pitchFamily="34" charset="0"/>
-                <a:cs typeface="Calibri" panose="020F0502020204030204" pitchFamily="34" charset="0"/>
-              </a:rPr>
-              <a:t>p</a:t>
-            </a:r>
-            <a:r>
-              <a:rPr lang="en-US" sz="2000" baseline="-25000" dirty="0" err="1">
-                <a:latin typeface="Calibri" panose="020F0502020204030204" pitchFamily="34" charset="0"/>
-                <a:cs typeface="Calibri" panose="020F0502020204030204" pitchFamily="34" charset="0"/>
-              </a:rPr>
-              <a:t>k</a:t>
-            </a:r>
-            <a:r>
-              <a:rPr lang="en-US" sz="2000" dirty="0">
-                <a:latin typeface="Calibri" panose="020F0502020204030204" pitchFamily="34" charset="0"/>
-                <a:cs typeface="Calibri" panose="020F0502020204030204" pitchFamily="34" charset="0"/>
-              </a:rPr>
-              <a:t>) </a:t>
-            </a:r>
-          </a:p>
-          <a:p>
-            <a:pPr lvl="1">
-              <a:lnSpc>
-                <a:spcPct val="80000"/>
-              </a:lnSpc>
-            </a:pPr>
-            <a:r>
-              <a:rPr lang="en-US" sz="2000" dirty="0">
-                <a:latin typeface="Calibri" panose="020F0502020204030204" pitchFamily="34" charset="0"/>
-                <a:cs typeface="Calibri" panose="020F0502020204030204" pitchFamily="34" charset="0"/>
-              </a:rPr>
-              <a:t>If you get enough of these, you can solve for the </a:t>
-            </a:r>
-            <a:r>
-              <a:rPr lang="en-US" sz="2000" dirty="0" err="1">
-                <a:latin typeface="Calibri" panose="020F0502020204030204" pitchFamily="34" charset="0"/>
-                <a:cs typeface="Calibri" panose="020F0502020204030204" pitchFamily="34" charset="0"/>
-              </a:rPr>
-              <a:t>log</a:t>
-            </a:r>
-            <a:r>
-              <a:rPr lang="en-US" sz="2000" baseline="-25000" dirty="0" err="1">
-                <a:latin typeface="Calibri" panose="020F0502020204030204" pitchFamily="34" charset="0"/>
-                <a:cs typeface="Calibri" panose="020F0502020204030204" pitchFamily="34" charset="0"/>
-              </a:rPr>
-              <a:t>g</a:t>
-            </a:r>
-            <a:r>
-              <a:rPr lang="en-US" sz="2000" dirty="0">
-                <a:latin typeface="Calibri" panose="020F0502020204030204" pitchFamily="34" charset="0"/>
-                <a:cs typeface="Calibri" panose="020F0502020204030204" pitchFamily="34" charset="0"/>
-              </a:rPr>
-              <a:t>(p</a:t>
-            </a:r>
-            <a:r>
-              <a:rPr lang="en-US" sz="2000" baseline="-25000" dirty="0">
-                <a:latin typeface="Calibri" panose="020F0502020204030204" pitchFamily="34" charset="0"/>
-                <a:cs typeface="Calibri" panose="020F0502020204030204" pitchFamily="34" charset="0"/>
-              </a:rPr>
-              <a:t>i</a:t>
-            </a:r>
-            <a:r>
-              <a:rPr lang="en-US" sz="2000" dirty="0">
-                <a:latin typeface="Calibri" panose="020F0502020204030204" pitchFamily="34" charset="0"/>
-                <a:cs typeface="Calibri" panose="020F0502020204030204" pitchFamily="34" charset="0"/>
-              </a:rPr>
-              <a:t>) </a:t>
-            </a:r>
-            <a:endParaRPr lang="en-US" sz="2000" baseline="-25000" dirty="0">
-              <a:latin typeface="Calibri" panose="020F0502020204030204" pitchFamily="34" charset="0"/>
-              <a:cs typeface="Calibri" panose="020F0502020204030204" pitchFamily="34" charset="0"/>
-            </a:endParaRPr>
-          </a:p>
-          <a:p>
-            <a:pPr>
-              <a:lnSpc>
-                <a:spcPct val="80000"/>
-              </a:lnSpc>
-            </a:pPr>
-            <a:r>
-              <a:rPr lang="en-US" sz="2000" dirty="0">
-                <a:latin typeface="Calibri" panose="020F0502020204030204" pitchFamily="34" charset="0"/>
-                <a:cs typeface="Calibri" panose="020F0502020204030204" pitchFamily="34" charset="0"/>
-              </a:rPr>
-              <a:t>Solve</a:t>
-            </a:r>
-          </a:p>
-          <a:p>
-            <a:pPr lvl="1">
-              <a:lnSpc>
-                <a:spcPct val="80000"/>
-              </a:lnSpc>
-            </a:pPr>
-            <a:r>
-              <a:rPr lang="en-US" sz="2000" dirty="0">
-                <a:latin typeface="Calibri" panose="020F0502020204030204" pitchFamily="34" charset="0"/>
-                <a:cs typeface="Calibri" panose="020F0502020204030204" pitchFamily="34" charset="0"/>
-              </a:rPr>
-              <a:t>Pick s at random and compute y </a:t>
-            </a:r>
-            <a:r>
-              <a:rPr lang="en-US" sz="2000" dirty="0" err="1">
-                <a:latin typeface="Calibri" panose="020F0502020204030204" pitchFamily="34" charset="0"/>
-                <a:cs typeface="Calibri" panose="020F0502020204030204" pitchFamily="34" charset="0"/>
-              </a:rPr>
-              <a:t>g</a:t>
-            </a:r>
-            <a:r>
-              <a:rPr lang="en-US" sz="2000" baseline="30000" dirty="0" err="1">
-                <a:latin typeface="Calibri" panose="020F0502020204030204" pitchFamily="34" charset="0"/>
-                <a:cs typeface="Calibri" panose="020F0502020204030204" pitchFamily="34" charset="0"/>
-              </a:rPr>
-              <a:t>s</a:t>
-            </a:r>
-            <a:r>
-              <a:rPr lang="en-US" sz="2000" dirty="0">
-                <a:latin typeface="Calibri" panose="020F0502020204030204" pitchFamily="34" charset="0"/>
-                <a:cs typeface="Calibri" panose="020F0502020204030204" pitchFamily="34" charset="0"/>
-              </a:rPr>
-              <a:t> = p</a:t>
-            </a:r>
-            <a:r>
-              <a:rPr lang="en-US" sz="2000" baseline="-25000" dirty="0">
-                <a:latin typeface="Calibri" panose="020F0502020204030204" pitchFamily="34" charset="0"/>
-                <a:cs typeface="Calibri" panose="020F0502020204030204" pitchFamily="34" charset="0"/>
-              </a:rPr>
-              <a:t>1</a:t>
-            </a:r>
-            <a:r>
-              <a:rPr lang="en-US" sz="2000" baseline="30000" dirty="0">
-                <a:latin typeface="Calibri" panose="020F0502020204030204" pitchFamily="34" charset="0"/>
-                <a:cs typeface="Calibri" panose="020F0502020204030204" pitchFamily="34" charset="0"/>
-              </a:rPr>
-              <a:t>c</a:t>
-            </a:r>
-            <a:r>
-              <a:rPr lang="en-US" sz="2000" baseline="-25000" dirty="0">
-                <a:latin typeface="Calibri" panose="020F0502020204030204" pitchFamily="34" charset="0"/>
-                <a:cs typeface="Calibri" panose="020F0502020204030204" pitchFamily="34" charset="0"/>
-              </a:rPr>
-              <a:t>1 </a:t>
-            </a:r>
-            <a:r>
-              <a:rPr lang="en-US" sz="2000" dirty="0">
-                <a:latin typeface="Calibri" panose="020F0502020204030204" pitchFamily="34" charset="0"/>
-                <a:cs typeface="Calibri" panose="020F0502020204030204" pitchFamily="34" charset="0"/>
-              </a:rPr>
-              <a:t>p</a:t>
-            </a:r>
-            <a:r>
-              <a:rPr lang="en-US" sz="2000" baseline="-25000" dirty="0">
-                <a:latin typeface="Calibri" panose="020F0502020204030204" pitchFamily="34" charset="0"/>
-                <a:cs typeface="Calibri" panose="020F0502020204030204" pitchFamily="34" charset="0"/>
-              </a:rPr>
-              <a:t>2</a:t>
-            </a:r>
-            <a:r>
-              <a:rPr lang="en-US" sz="2000" baseline="30000" dirty="0">
-                <a:latin typeface="Calibri" panose="020F0502020204030204" pitchFamily="34" charset="0"/>
-                <a:cs typeface="Calibri" panose="020F0502020204030204" pitchFamily="34" charset="0"/>
-              </a:rPr>
-              <a:t>c</a:t>
-            </a:r>
-            <a:r>
-              <a:rPr lang="en-US" sz="2000" baseline="-25000" dirty="0">
-                <a:latin typeface="Calibri" panose="020F0502020204030204" pitchFamily="34" charset="0"/>
-                <a:cs typeface="Calibri" panose="020F0502020204030204" pitchFamily="34" charset="0"/>
-              </a:rPr>
-              <a:t>2 </a:t>
-            </a:r>
-            <a:r>
-              <a:rPr lang="en-US" sz="2000" dirty="0">
-                <a:latin typeface="Calibri" panose="020F0502020204030204" pitchFamily="34" charset="0"/>
-                <a:cs typeface="Calibri" panose="020F0502020204030204" pitchFamily="34" charset="0"/>
-              </a:rPr>
-              <a:t>…</a:t>
-            </a:r>
-            <a:r>
-              <a:rPr lang="en-US" sz="2000" baseline="-25000" dirty="0">
-                <a:latin typeface="Calibri" panose="020F0502020204030204" pitchFamily="34" charset="0"/>
-                <a:cs typeface="Calibri" panose="020F0502020204030204" pitchFamily="34" charset="0"/>
-              </a:rPr>
-              <a:t> </a:t>
-            </a:r>
-            <a:r>
-              <a:rPr lang="en-US" sz="2000" dirty="0" err="1">
-                <a:latin typeface="Calibri" panose="020F0502020204030204" pitchFamily="34" charset="0"/>
-                <a:cs typeface="Calibri" panose="020F0502020204030204" pitchFamily="34" charset="0"/>
-              </a:rPr>
-              <a:t>p</a:t>
-            </a:r>
-            <a:r>
-              <a:rPr lang="en-US" sz="2000" baseline="-25000" dirty="0" err="1">
-                <a:latin typeface="Calibri" panose="020F0502020204030204" pitchFamily="34" charset="0"/>
-                <a:cs typeface="Calibri" panose="020F0502020204030204" pitchFamily="34" charset="0"/>
-              </a:rPr>
-              <a:t>k</a:t>
-            </a:r>
-            <a:r>
-              <a:rPr lang="en-US" sz="2000" baseline="30000" dirty="0" err="1">
-                <a:latin typeface="Calibri" panose="020F0502020204030204" pitchFamily="34" charset="0"/>
-                <a:cs typeface="Calibri" panose="020F0502020204030204" pitchFamily="34" charset="0"/>
-              </a:rPr>
-              <a:t>c</a:t>
-            </a:r>
-            <a:r>
-              <a:rPr lang="en-US" sz="2000" baseline="-25000" dirty="0" err="1">
-                <a:latin typeface="Calibri" panose="020F0502020204030204" pitchFamily="34" charset="0"/>
-                <a:cs typeface="Calibri" panose="020F0502020204030204" pitchFamily="34" charset="0"/>
-              </a:rPr>
-              <a:t>k</a:t>
-            </a:r>
-            <a:r>
-              <a:rPr lang="en-US" sz="2000" dirty="0">
-                <a:latin typeface="Calibri" panose="020F0502020204030204" pitchFamily="34" charset="0"/>
-                <a:cs typeface="Calibri" panose="020F0502020204030204" pitchFamily="34" charset="0"/>
-              </a:rPr>
-              <a:t> then</a:t>
-            </a:r>
-          </a:p>
-          <a:p>
-            <a:pPr lvl="1">
-              <a:lnSpc>
-                <a:spcPct val="80000"/>
-              </a:lnSpc>
-            </a:pPr>
-            <a:r>
-              <a:rPr lang="en-US" sz="2000" dirty="0" err="1">
-                <a:latin typeface="Calibri" panose="020F0502020204030204" pitchFamily="34" charset="0"/>
-                <a:cs typeface="Calibri" panose="020F0502020204030204" pitchFamily="34" charset="0"/>
-              </a:rPr>
-              <a:t>log</a:t>
-            </a:r>
-            <a:r>
-              <a:rPr lang="en-US" sz="2000" baseline="-25000" dirty="0" err="1">
-                <a:latin typeface="Calibri" panose="020F0502020204030204" pitchFamily="34" charset="0"/>
-                <a:cs typeface="Calibri" panose="020F0502020204030204" pitchFamily="34" charset="0"/>
-              </a:rPr>
-              <a:t>g</a:t>
-            </a:r>
-            <a:r>
-              <a:rPr lang="en-US" sz="2000" dirty="0">
-                <a:latin typeface="Calibri" panose="020F0502020204030204" pitchFamily="34" charset="0"/>
-                <a:cs typeface="Calibri" panose="020F0502020204030204" pitchFamily="34" charset="0"/>
-              </a:rPr>
-              <a:t> (y)+s = c</a:t>
-            </a:r>
-            <a:r>
-              <a:rPr lang="en-US" sz="2000" baseline="-25000" dirty="0">
-                <a:latin typeface="Calibri" panose="020F0502020204030204" pitchFamily="34" charset="0"/>
-                <a:cs typeface="Calibri" panose="020F0502020204030204" pitchFamily="34" charset="0"/>
-              </a:rPr>
-              <a:t>1</a:t>
-            </a:r>
-            <a:r>
-              <a:rPr lang="en-US" sz="2000" dirty="0">
-                <a:latin typeface="Calibri" panose="020F0502020204030204" pitchFamily="34" charset="0"/>
-                <a:cs typeface="Calibri" panose="020F0502020204030204" pitchFamily="34" charset="0"/>
-              </a:rPr>
-              <a:t>log</a:t>
-            </a:r>
-            <a:r>
-              <a:rPr lang="en-US" sz="2000" baseline="-25000" dirty="0">
-                <a:latin typeface="Calibri" panose="020F0502020204030204" pitchFamily="34" charset="0"/>
-                <a:cs typeface="Calibri" panose="020F0502020204030204" pitchFamily="34" charset="0"/>
-              </a:rPr>
-              <a:t>g</a:t>
-            </a:r>
-            <a:r>
-              <a:rPr lang="en-US" sz="2000" dirty="0">
-                <a:latin typeface="Calibri" panose="020F0502020204030204" pitchFamily="34" charset="0"/>
-                <a:cs typeface="Calibri" panose="020F0502020204030204" pitchFamily="34" charset="0"/>
-              </a:rPr>
-              <a:t> (p</a:t>
-            </a:r>
-            <a:r>
-              <a:rPr lang="en-US" sz="2000" baseline="-25000" dirty="0">
-                <a:latin typeface="Calibri" panose="020F0502020204030204" pitchFamily="34" charset="0"/>
-                <a:cs typeface="Calibri" panose="020F0502020204030204" pitchFamily="34" charset="0"/>
-              </a:rPr>
-              <a:t>1</a:t>
-            </a:r>
-            <a:r>
-              <a:rPr lang="en-US" sz="2000" dirty="0">
-                <a:latin typeface="Calibri" panose="020F0502020204030204" pitchFamily="34" charset="0"/>
-                <a:cs typeface="Calibri" panose="020F0502020204030204" pitchFamily="34" charset="0"/>
-              </a:rPr>
-              <a:t>) + c</a:t>
-            </a:r>
-            <a:r>
-              <a:rPr lang="en-US" sz="2000" baseline="-25000" dirty="0">
-                <a:latin typeface="Calibri" panose="020F0502020204030204" pitchFamily="34" charset="0"/>
-                <a:cs typeface="Calibri" panose="020F0502020204030204" pitchFamily="34" charset="0"/>
-              </a:rPr>
-              <a:t>2</a:t>
-            </a:r>
-            <a:r>
-              <a:rPr lang="en-US" sz="2000" dirty="0">
-                <a:latin typeface="Calibri" panose="020F0502020204030204" pitchFamily="34" charset="0"/>
-                <a:cs typeface="Calibri" panose="020F0502020204030204" pitchFamily="34" charset="0"/>
-              </a:rPr>
-              <a:t>log</a:t>
-            </a:r>
-            <a:r>
-              <a:rPr lang="en-US" sz="2000" baseline="-25000" dirty="0">
-                <a:latin typeface="Calibri" panose="020F0502020204030204" pitchFamily="34" charset="0"/>
-                <a:cs typeface="Calibri" panose="020F0502020204030204" pitchFamily="34" charset="0"/>
-              </a:rPr>
-              <a:t>g</a:t>
-            </a:r>
-            <a:r>
-              <a:rPr lang="en-US" sz="2000" dirty="0">
-                <a:latin typeface="Calibri" panose="020F0502020204030204" pitchFamily="34" charset="0"/>
-                <a:cs typeface="Calibri" panose="020F0502020204030204" pitchFamily="34" charset="0"/>
-              </a:rPr>
-              <a:t> (p</a:t>
-            </a:r>
-            <a:r>
-              <a:rPr lang="en-US" sz="2000" baseline="-25000" dirty="0">
-                <a:latin typeface="Calibri" panose="020F0502020204030204" pitchFamily="34" charset="0"/>
-                <a:cs typeface="Calibri" panose="020F0502020204030204" pitchFamily="34" charset="0"/>
-              </a:rPr>
-              <a:t>2</a:t>
-            </a:r>
-            <a:r>
-              <a:rPr lang="en-US" sz="2000" dirty="0">
-                <a:latin typeface="Calibri" panose="020F0502020204030204" pitchFamily="34" charset="0"/>
-                <a:cs typeface="Calibri" panose="020F0502020204030204" pitchFamily="34" charset="0"/>
-              </a:rPr>
-              <a:t>) + …+ </a:t>
-            </a:r>
-            <a:r>
-              <a:rPr lang="en-US" sz="2000" dirty="0" err="1">
-                <a:latin typeface="Calibri" panose="020F0502020204030204" pitchFamily="34" charset="0"/>
-                <a:cs typeface="Calibri" panose="020F0502020204030204" pitchFamily="34" charset="0"/>
-              </a:rPr>
-              <a:t>c</a:t>
-            </a:r>
-            <a:r>
-              <a:rPr lang="en-US" sz="2000" baseline="-25000" dirty="0" err="1">
-                <a:latin typeface="Calibri" panose="020F0502020204030204" pitchFamily="34" charset="0"/>
-                <a:cs typeface="Calibri" panose="020F0502020204030204" pitchFamily="34" charset="0"/>
-              </a:rPr>
-              <a:t>k</a:t>
-            </a:r>
-            <a:r>
-              <a:rPr lang="en-US" sz="2000" dirty="0" err="1">
-                <a:latin typeface="Calibri" panose="020F0502020204030204" pitchFamily="34" charset="0"/>
-                <a:cs typeface="Calibri" panose="020F0502020204030204" pitchFamily="34" charset="0"/>
-              </a:rPr>
-              <a:t>log</a:t>
-            </a:r>
-            <a:r>
-              <a:rPr lang="en-US" sz="2000" baseline="-25000" dirty="0" err="1">
-                <a:latin typeface="Calibri" panose="020F0502020204030204" pitchFamily="34" charset="0"/>
-                <a:cs typeface="Calibri" panose="020F0502020204030204" pitchFamily="34" charset="0"/>
-              </a:rPr>
-              <a:t>g</a:t>
-            </a:r>
-            <a:r>
-              <a:rPr lang="en-US" sz="2000" dirty="0">
-                <a:latin typeface="Calibri" panose="020F0502020204030204" pitchFamily="34" charset="0"/>
-                <a:cs typeface="Calibri" panose="020F0502020204030204" pitchFamily="34" charset="0"/>
-              </a:rPr>
-              <a:t> (p</a:t>
-            </a:r>
-            <a:r>
-              <a:rPr lang="en-US" sz="2000" baseline="-25000" dirty="0">
-                <a:latin typeface="Calibri" panose="020F0502020204030204" pitchFamily="34" charset="0"/>
-                <a:cs typeface="Calibri" panose="020F0502020204030204" pitchFamily="34" charset="0"/>
-              </a:rPr>
-              <a:t>k</a:t>
-            </a:r>
-            <a:r>
-              <a:rPr lang="en-US" sz="2000" dirty="0">
-                <a:latin typeface="Calibri" panose="020F0502020204030204" pitchFamily="34" charset="0"/>
-                <a:cs typeface="Calibri" panose="020F0502020204030204" pitchFamily="34" charset="0"/>
-              </a:rPr>
-              <a:t>) </a:t>
-            </a:r>
-          </a:p>
-          <a:p>
-            <a:pPr>
-              <a:lnSpc>
-                <a:spcPct val="80000"/>
-              </a:lnSpc>
-            </a:pPr>
-            <a:r>
-              <a:rPr lang="en-US" sz="2000" dirty="0">
-                <a:latin typeface="Calibri" panose="020F0502020204030204" pitchFamily="34" charset="0"/>
-                <a:cs typeface="Calibri" panose="020F0502020204030204" pitchFamily="34" charset="0"/>
-              </a:rPr>
-              <a:t>This takes O(e </a:t>
-            </a:r>
-            <a:r>
-              <a:rPr lang="en-US" sz="2000" baseline="30000" dirty="0">
-                <a:latin typeface="Calibri" panose="020F0502020204030204" pitchFamily="34" charset="0"/>
-                <a:cs typeface="Calibri" panose="020F0502020204030204" pitchFamily="34" charset="0"/>
-              </a:rPr>
-              <a:t>(1+ln(p)ln(ln(p))</a:t>
-            </a:r>
-            <a:r>
-              <a:rPr lang="en-US" sz="2000" dirty="0">
-                <a:latin typeface="Calibri" panose="020F0502020204030204" pitchFamily="34" charset="0"/>
-                <a:cs typeface="Calibri" panose="020F0502020204030204" pitchFamily="34" charset="0"/>
-              </a:rPr>
-              <a:t>) time.</a:t>
-            </a:r>
-            <a:endParaRPr lang="en-US" sz="2400" dirty="0">
-              <a:latin typeface="Calibri" panose="020F0502020204030204" pitchFamily="34" charset="0"/>
-              <a:cs typeface="Calibri" panose="020F0502020204030204" pitchFamily="34" charset="0"/>
-            </a:endParaRPr>
-          </a:p>
-          <a:p>
-            <a:pPr>
-              <a:lnSpc>
-                <a:spcPct val="80000"/>
-              </a:lnSpc>
-            </a:pPr>
-            <a:r>
-              <a:rPr lang="en-US" sz="2000" dirty="0">
-                <a:latin typeface="Calibri" panose="020F0502020204030204" pitchFamily="34" charset="0"/>
-                <a:cs typeface="Calibri" panose="020F0502020204030204" pitchFamily="34" charset="0"/>
-              </a:rPr>
-              <a:t>LaMacchia and </a:t>
-            </a:r>
-            <a:r>
-              <a:rPr lang="en-US" sz="2000" dirty="0" err="1">
-                <a:latin typeface="Calibri" panose="020F0502020204030204" pitchFamily="34" charset="0"/>
-                <a:cs typeface="Calibri" panose="020F0502020204030204" pitchFamily="34" charset="0"/>
-              </a:rPr>
-              <a:t>Odlyzko</a:t>
-            </a:r>
-            <a:r>
-              <a:rPr lang="en-US" sz="2000" dirty="0">
-                <a:latin typeface="Calibri" panose="020F0502020204030204" pitchFamily="34" charset="0"/>
-                <a:cs typeface="Calibri" panose="020F0502020204030204" pitchFamily="34" charset="0"/>
-              </a:rPr>
-              <a:t> used Gaussian integer index calculus variant to attack discrete log.</a:t>
-            </a:r>
-          </a:p>
-        </p:txBody>
-      </p:sp>
+      <mc:AlternateContent xmlns:mc="http://schemas.openxmlformats.org/markup-compatibility/2006" xmlns:a14="http://schemas.microsoft.com/office/drawing/2010/main">
+        <mc:Choice Requires="a14">
+          <p:sp>
+            <p:nvSpPr>
+              <p:cNvPr id="94213" name="Rectangle 3"/>
+              <p:cNvSpPr>
+                <a:spLocks noGrp="1" noChangeArrowheads="1"/>
+              </p:cNvSpPr>
+              <p:nvPr>
+                <p:ph type="body" idx="1"/>
+              </p:nvPr>
+            </p:nvSpPr>
+            <p:spPr>
+              <a:xfrm>
+                <a:off x="419100" y="1828800"/>
+                <a:ext cx="8305800" cy="4038600"/>
+              </a:xfrm>
+            </p:spPr>
+            <p:txBody>
+              <a:bodyPr/>
+              <a:lstStyle/>
+              <a:p>
+                <a:pPr>
+                  <a:lnSpc>
+                    <a:spcPct val="80000"/>
+                  </a:lnSpc>
+                </a:pPr>
+                <a:r>
+                  <a:rPr lang="en-US" sz="2000" dirty="0">
+                    <a:latin typeface="Calibri" panose="020F0502020204030204" pitchFamily="34" charset="0"/>
+                    <a:cs typeface="Calibri" panose="020F0502020204030204" pitchFamily="34" charset="0"/>
+                  </a:rPr>
+                  <a:t>g</a:t>
+                </a:r>
+                <a:r>
+                  <a:rPr lang="en-US" sz="2000" baseline="30000" dirty="0" err="1">
+                    <a:latin typeface="Calibri" panose="020F0502020204030204" pitchFamily="34" charset="0"/>
+                    <a:cs typeface="Calibri" panose="020F0502020204030204" pitchFamily="34" charset="0"/>
+                  </a:rPr>
+                  <a:t>x</a:t>
+                </a:r>
+                <a:r>
+                  <a:rPr lang="en-US" sz="2000" dirty="0">
+                    <a:latin typeface="Calibri" panose="020F0502020204030204" pitchFamily="34" charset="0"/>
+                    <a:cs typeface="Calibri" panose="020F0502020204030204" pitchFamily="34" charset="0"/>
+                  </a:rPr>
+                  <a:t>=y (mod p) .   B= (p</a:t>
+                </a:r>
+                <a:r>
+                  <a:rPr lang="en-US" sz="2000" baseline="-25000" dirty="0">
+                    <a:latin typeface="Calibri" panose="020F0502020204030204" pitchFamily="34" charset="0"/>
+                    <a:cs typeface="Calibri" panose="020F0502020204030204" pitchFamily="34" charset="0"/>
+                  </a:rPr>
+                  <a:t>1</a:t>
+                </a:r>
+                <a:r>
+                  <a:rPr lang="en-US" sz="2000" dirty="0">
+                    <a:latin typeface="Calibri" panose="020F0502020204030204" pitchFamily="34" charset="0"/>
+                    <a:cs typeface="Calibri" panose="020F0502020204030204" pitchFamily="34" charset="0"/>
+                  </a:rPr>
+                  <a:t>, p</a:t>
+                </a:r>
+                <a:r>
+                  <a:rPr lang="en-US" sz="2000" baseline="-25000" dirty="0">
+                    <a:latin typeface="Calibri" panose="020F0502020204030204" pitchFamily="34" charset="0"/>
+                    <a:cs typeface="Calibri" panose="020F0502020204030204" pitchFamily="34" charset="0"/>
+                  </a:rPr>
+                  <a:t>2 </a:t>
+                </a:r>
+                <a:r>
+                  <a:rPr lang="en-US" sz="2000" dirty="0">
+                    <a:latin typeface="Calibri" panose="020F0502020204030204" pitchFamily="34" charset="0"/>
+                    <a:cs typeface="Calibri" panose="020F0502020204030204" pitchFamily="34" charset="0"/>
+                  </a:rPr>
+                  <a:t>, … , </a:t>
+                </a:r>
+                <a:r>
+                  <a:rPr lang="en-US" sz="2000" dirty="0" err="1">
+                    <a:latin typeface="Calibri" panose="020F0502020204030204" pitchFamily="34" charset="0"/>
+                    <a:cs typeface="Calibri" panose="020F0502020204030204" pitchFamily="34" charset="0"/>
+                  </a:rPr>
+                  <a:t>p</a:t>
+                </a:r>
+                <a:r>
+                  <a:rPr lang="en-US" sz="2000" baseline="-25000" dirty="0" err="1">
+                    <a:latin typeface="Calibri" panose="020F0502020204030204" pitchFamily="34" charset="0"/>
+                    <a:cs typeface="Calibri" panose="020F0502020204030204" pitchFamily="34" charset="0"/>
+                  </a:rPr>
+                  <a:t>k</a:t>
+                </a:r>
+                <a:r>
+                  <a:rPr lang="en-US" sz="2000" dirty="0">
+                    <a:latin typeface="Calibri" panose="020F0502020204030204" pitchFamily="34" charset="0"/>
+                    <a:cs typeface="Calibri" panose="020F0502020204030204" pitchFamily="34" charset="0"/>
+                  </a:rPr>
+                  <a:t>).</a:t>
+                </a:r>
+              </a:p>
+              <a:p>
+                <a:pPr>
+                  <a:lnSpc>
+                    <a:spcPct val="80000"/>
+                  </a:lnSpc>
+                </a:pPr>
+                <a:r>
+                  <a:rPr lang="en-US" sz="2000" dirty="0" err="1">
+                    <a:latin typeface="Calibri" panose="020F0502020204030204" pitchFamily="34" charset="0"/>
+                    <a:cs typeface="Calibri" panose="020F0502020204030204" pitchFamily="34" charset="0"/>
+                  </a:rPr>
+                  <a:t>Precompute</a:t>
+                </a:r>
+                <a:endParaRPr lang="en-US" sz="2000" dirty="0">
+                  <a:latin typeface="Calibri" panose="020F0502020204030204" pitchFamily="34" charset="0"/>
+                  <a:cs typeface="Calibri" panose="020F0502020204030204" pitchFamily="34" charset="0"/>
+                </a:endParaRPr>
+              </a:p>
+              <a:p>
+                <a:pPr lvl="1">
+                  <a:lnSpc>
+                    <a:spcPct val="80000"/>
+                  </a:lnSpc>
+                </a:pPr>
+                <a14:m>
+                  <m:oMath xmlns:m="http://schemas.openxmlformats.org/officeDocument/2006/math">
+                    <m:sSup>
+                      <m:sSupPr>
+                        <m:ctrlPr>
+                          <a:rPr lang="en-US" sz="2000" i="1" smtClean="0">
+                            <a:latin typeface="Cambria Math" panose="02040503050406030204" pitchFamily="18" charset="0"/>
+                            <a:cs typeface="Calibri" panose="020F0502020204030204" pitchFamily="34" charset="0"/>
+                          </a:rPr>
+                        </m:ctrlPr>
+                      </m:sSupPr>
+                      <m:e>
+                        <m:r>
+                          <a:rPr lang="en-US" sz="2000" b="0" i="1" smtClean="0">
+                            <a:latin typeface="Cambria Math" panose="02040503050406030204" pitchFamily="18" charset="0"/>
+                            <a:cs typeface="Calibri" panose="020F0502020204030204" pitchFamily="34" charset="0"/>
+                          </a:rPr>
+                          <m:t>𝑔</m:t>
+                        </m:r>
+                      </m:e>
+                      <m:sup>
+                        <m:sSub>
+                          <m:sSubPr>
+                            <m:ctrlPr>
+                              <a:rPr lang="en-US" sz="2000" i="1" smtClean="0">
+                                <a:latin typeface="Cambria Math" panose="02040503050406030204" pitchFamily="18" charset="0"/>
+                                <a:cs typeface="Calibri" panose="020F0502020204030204" pitchFamily="34" charset="0"/>
+                              </a:rPr>
+                            </m:ctrlPr>
+                          </m:sSubPr>
+                          <m:e>
+                            <m:r>
+                              <a:rPr lang="en-US" sz="2000" b="0" i="1" smtClean="0">
+                                <a:latin typeface="Cambria Math" panose="02040503050406030204" pitchFamily="18" charset="0"/>
+                                <a:cs typeface="Calibri" panose="020F0502020204030204" pitchFamily="34" charset="0"/>
+                              </a:rPr>
+                              <m:t>𝑥</m:t>
+                            </m:r>
+                          </m:e>
+                          <m:sub>
+                            <m:r>
+                              <a:rPr lang="en-US" sz="2000" b="0" i="1" smtClean="0">
+                                <a:latin typeface="Cambria Math" panose="02040503050406030204" pitchFamily="18" charset="0"/>
+                                <a:cs typeface="Calibri" panose="020F0502020204030204" pitchFamily="34" charset="0"/>
+                              </a:rPr>
+                              <m:t>𝑗</m:t>
+                            </m:r>
+                          </m:sub>
+                        </m:sSub>
+                      </m:sup>
+                    </m:sSup>
+                    <m:r>
+                      <a:rPr lang="en-US" sz="2000" b="0" i="1" smtClean="0">
+                        <a:latin typeface="Cambria Math" panose="02040503050406030204" pitchFamily="18" charset="0"/>
+                        <a:cs typeface="Calibri" panose="020F0502020204030204" pitchFamily="34" charset="0"/>
+                      </a:rPr>
+                      <m:t>=</m:t>
+                    </m:r>
+                    <m:sSup>
+                      <m:sSupPr>
+                        <m:ctrlPr>
+                          <a:rPr lang="en-US" sz="2000" b="0" i="1" smtClean="0">
+                            <a:latin typeface="Cambria Math" panose="02040503050406030204" pitchFamily="18" charset="0"/>
+                            <a:cs typeface="Calibri" panose="020F0502020204030204" pitchFamily="34" charset="0"/>
+                          </a:rPr>
+                        </m:ctrlPr>
+                      </m:sSupPr>
+                      <m:e>
+                        <m:sSub>
+                          <m:sSubPr>
+                            <m:ctrlPr>
+                              <a:rPr lang="en-US" sz="2000" b="0" i="1" smtClean="0">
+                                <a:latin typeface="Cambria Math" panose="02040503050406030204" pitchFamily="18" charset="0"/>
+                                <a:cs typeface="Calibri" panose="020F0502020204030204" pitchFamily="34" charset="0"/>
+                              </a:rPr>
+                            </m:ctrlPr>
+                          </m:sSubPr>
+                          <m:e>
+                            <m:r>
+                              <a:rPr lang="en-US" sz="2000" b="0" i="1" smtClean="0">
+                                <a:latin typeface="Cambria Math" panose="02040503050406030204" pitchFamily="18" charset="0"/>
+                                <a:cs typeface="Calibri" panose="020F0502020204030204" pitchFamily="34" charset="0"/>
+                              </a:rPr>
+                              <m:t>𝑝</m:t>
+                            </m:r>
+                          </m:e>
+                          <m:sub>
+                            <m:r>
+                              <a:rPr lang="en-US" sz="2000" b="0" i="1" smtClean="0">
+                                <a:latin typeface="Cambria Math" panose="02040503050406030204" pitchFamily="18" charset="0"/>
+                                <a:cs typeface="Calibri" panose="020F0502020204030204" pitchFamily="34" charset="0"/>
+                              </a:rPr>
+                              <m:t>1</m:t>
+                            </m:r>
+                          </m:sub>
+                        </m:sSub>
+                      </m:e>
+                      <m:sup>
+                        <m:sSub>
+                          <m:sSubPr>
+                            <m:ctrlPr>
+                              <a:rPr lang="en-US" sz="2000" b="0" i="1" smtClean="0">
+                                <a:latin typeface="Cambria Math" panose="02040503050406030204" pitchFamily="18" charset="0"/>
+                                <a:cs typeface="Calibri" panose="020F0502020204030204" pitchFamily="34" charset="0"/>
+                              </a:rPr>
+                            </m:ctrlPr>
+                          </m:sSubPr>
+                          <m:e>
+                            <m:r>
+                              <a:rPr lang="en-US" sz="2000" b="0" i="1" smtClean="0">
+                                <a:latin typeface="Cambria Math" panose="02040503050406030204" pitchFamily="18" charset="0"/>
+                                <a:cs typeface="Calibri" panose="020F0502020204030204" pitchFamily="34" charset="0"/>
+                              </a:rPr>
+                              <m:t>𝑎</m:t>
+                            </m:r>
+                          </m:e>
+                          <m:sub>
+                            <m:r>
+                              <a:rPr lang="en-US" sz="2000" b="0" i="1" smtClean="0">
+                                <a:latin typeface="Cambria Math" panose="02040503050406030204" pitchFamily="18" charset="0"/>
+                                <a:cs typeface="Calibri" panose="020F0502020204030204" pitchFamily="34" charset="0"/>
+                              </a:rPr>
+                              <m:t>1</m:t>
+                            </m:r>
+                          </m:sub>
+                        </m:sSub>
+                      </m:sup>
+                    </m:sSup>
+                    <m:r>
+                      <a:rPr lang="en-US" sz="2000" b="0" i="1" smtClean="0">
+                        <a:latin typeface="Cambria Math" panose="02040503050406030204" pitchFamily="18" charset="0"/>
+                        <a:ea typeface="Cambria Math" panose="02040503050406030204" pitchFamily="18" charset="0"/>
+                        <a:cs typeface="Calibri" panose="020F0502020204030204" pitchFamily="34" charset="0"/>
+                      </a:rPr>
+                      <m:t>∙</m:t>
+                    </m:r>
+                    <m:sSup>
+                      <m:sSupPr>
+                        <m:ctrlPr>
+                          <a:rPr lang="en-US" sz="2000" i="1">
+                            <a:latin typeface="Cambria Math" panose="02040503050406030204" pitchFamily="18" charset="0"/>
+                            <a:cs typeface="Calibri" panose="020F0502020204030204" pitchFamily="34" charset="0"/>
+                          </a:rPr>
+                        </m:ctrlPr>
+                      </m:sSupPr>
+                      <m:e>
+                        <m:sSub>
+                          <m:sSubPr>
+                            <m:ctrlPr>
+                              <a:rPr lang="en-US" sz="2000" i="1">
+                                <a:latin typeface="Cambria Math" panose="02040503050406030204" pitchFamily="18" charset="0"/>
+                                <a:cs typeface="Calibri" panose="020F0502020204030204" pitchFamily="34" charset="0"/>
+                              </a:rPr>
+                            </m:ctrlPr>
+                          </m:sSubPr>
+                          <m:e>
+                            <m:r>
+                              <a:rPr lang="en-US" sz="2000" i="1">
+                                <a:latin typeface="Cambria Math" panose="02040503050406030204" pitchFamily="18" charset="0"/>
+                                <a:cs typeface="Calibri" panose="020F0502020204030204" pitchFamily="34" charset="0"/>
+                              </a:rPr>
+                              <m:t>𝑝</m:t>
+                            </m:r>
+                          </m:e>
+                          <m:sub>
+                            <m:r>
+                              <a:rPr lang="en-US" sz="2000" b="0" i="1" smtClean="0">
+                                <a:latin typeface="Cambria Math" panose="02040503050406030204" pitchFamily="18" charset="0"/>
+                                <a:cs typeface="Calibri" panose="020F0502020204030204" pitchFamily="34" charset="0"/>
+                              </a:rPr>
+                              <m:t>2</m:t>
+                            </m:r>
+                          </m:sub>
+                        </m:sSub>
+                      </m:e>
+                      <m:sup>
+                        <m:sSub>
+                          <m:sSubPr>
+                            <m:ctrlPr>
+                              <a:rPr lang="en-US" sz="2000" i="1">
+                                <a:latin typeface="Cambria Math" panose="02040503050406030204" pitchFamily="18" charset="0"/>
+                                <a:cs typeface="Calibri" panose="020F0502020204030204" pitchFamily="34" charset="0"/>
+                              </a:rPr>
+                            </m:ctrlPr>
+                          </m:sSubPr>
+                          <m:e>
+                            <m:r>
+                              <a:rPr lang="en-US" sz="2000" i="1">
+                                <a:latin typeface="Cambria Math" panose="02040503050406030204" pitchFamily="18" charset="0"/>
+                                <a:cs typeface="Calibri" panose="020F0502020204030204" pitchFamily="34" charset="0"/>
+                              </a:rPr>
+                              <m:t>𝑎</m:t>
+                            </m:r>
+                          </m:e>
+                          <m:sub>
+                            <m:r>
+                              <a:rPr lang="en-US" sz="2000" b="0" i="1" smtClean="0">
+                                <a:latin typeface="Cambria Math" panose="02040503050406030204" pitchFamily="18" charset="0"/>
+                                <a:cs typeface="Calibri" panose="020F0502020204030204" pitchFamily="34" charset="0"/>
+                              </a:rPr>
+                              <m:t>2</m:t>
+                            </m:r>
+                          </m:sub>
+                        </m:sSub>
+                      </m:sup>
+                    </m:sSup>
+                    <m:r>
+                      <a:rPr lang="en-US" sz="2000" i="1">
+                        <a:latin typeface="Cambria Math" panose="02040503050406030204" pitchFamily="18" charset="0"/>
+                        <a:ea typeface="Cambria Math" panose="02040503050406030204" pitchFamily="18" charset="0"/>
+                        <a:cs typeface="Calibri" panose="020F0502020204030204" pitchFamily="34" charset="0"/>
+                      </a:rPr>
+                      <m:t>∙</m:t>
+                    </m:r>
+                  </m:oMath>
+                </a14:m>
+                <a:r>
+                  <a:rPr lang="en-US" sz="2000" dirty="0">
+                    <a:latin typeface="Calibri" panose="020F0502020204030204" pitchFamily="34" charset="0"/>
+                    <a:cs typeface="Calibri" panose="020F0502020204030204" pitchFamily="34" charset="0"/>
+                  </a:rPr>
+                  <a:t>…</a:t>
+                </a:r>
+                <a:r>
+                  <a:rPr lang="en-US" sz="2000" dirty="0">
+                    <a:ea typeface="Cambria Math" panose="02040503050406030204" pitchFamily="18" charset="0"/>
+                    <a:cs typeface="Calibri" panose="020F0502020204030204" pitchFamily="34" charset="0"/>
+                  </a:rPr>
+                  <a:t> </a:t>
+                </a:r>
+                <a14:m>
+                  <m:oMath xmlns:m="http://schemas.openxmlformats.org/officeDocument/2006/math">
+                    <m:r>
+                      <a:rPr lang="en-US" sz="2000" i="1">
+                        <a:latin typeface="Cambria Math" panose="02040503050406030204" pitchFamily="18" charset="0"/>
+                        <a:ea typeface="Cambria Math" panose="02040503050406030204" pitchFamily="18" charset="0"/>
+                        <a:cs typeface="Calibri" panose="020F0502020204030204" pitchFamily="34" charset="0"/>
+                      </a:rPr>
+                      <m:t>∙</m:t>
+                    </m:r>
+                    <m:sSup>
+                      <m:sSupPr>
+                        <m:ctrlPr>
+                          <a:rPr lang="en-US" sz="2000" i="1">
+                            <a:latin typeface="Cambria Math" panose="02040503050406030204" pitchFamily="18" charset="0"/>
+                            <a:cs typeface="Calibri" panose="020F0502020204030204" pitchFamily="34" charset="0"/>
+                          </a:rPr>
+                        </m:ctrlPr>
+                      </m:sSupPr>
+                      <m:e>
+                        <m:sSub>
+                          <m:sSubPr>
+                            <m:ctrlPr>
+                              <a:rPr lang="en-US" sz="2000" i="1">
+                                <a:latin typeface="Cambria Math" panose="02040503050406030204" pitchFamily="18" charset="0"/>
+                                <a:cs typeface="Calibri" panose="020F0502020204030204" pitchFamily="34" charset="0"/>
+                              </a:rPr>
+                            </m:ctrlPr>
+                          </m:sSubPr>
+                          <m:e>
+                            <m:r>
+                              <a:rPr lang="en-US" sz="2000" i="1">
+                                <a:latin typeface="Cambria Math" panose="02040503050406030204" pitchFamily="18" charset="0"/>
+                                <a:cs typeface="Calibri" panose="020F0502020204030204" pitchFamily="34" charset="0"/>
+                              </a:rPr>
+                              <m:t>𝑝</m:t>
+                            </m:r>
+                          </m:e>
+                          <m:sub>
+                            <m:r>
+                              <a:rPr lang="en-US" sz="2000" b="0" i="1" smtClean="0">
+                                <a:latin typeface="Cambria Math" panose="02040503050406030204" pitchFamily="18" charset="0"/>
+                                <a:cs typeface="Calibri" panose="020F0502020204030204" pitchFamily="34" charset="0"/>
+                              </a:rPr>
+                              <m:t>𝑘</m:t>
+                            </m:r>
+                          </m:sub>
+                        </m:sSub>
+                      </m:e>
+                      <m:sup>
+                        <m:sSub>
+                          <m:sSubPr>
+                            <m:ctrlPr>
+                              <a:rPr lang="en-US" sz="2000" i="1">
+                                <a:latin typeface="Cambria Math" panose="02040503050406030204" pitchFamily="18" charset="0"/>
+                                <a:cs typeface="Calibri" panose="020F0502020204030204" pitchFamily="34" charset="0"/>
+                              </a:rPr>
+                            </m:ctrlPr>
+                          </m:sSubPr>
+                          <m:e>
+                            <m:r>
+                              <a:rPr lang="en-US" sz="2000" i="1">
+                                <a:latin typeface="Cambria Math" panose="02040503050406030204" pitchFamily="18" charset="0"/>
+                                <a:cs typeface="Calibri" panose="020F0502020204030204" pitchFamily="34" charset="0"/>
+                              </a:rPr>
+                              <m:t>𝑎</m:t>
+                            </m:r>
+                          </m:e>
+                          <m:sub>
+                            <m:r>
+                              <a:rPr lang="en-US" sz="2000" b="0" i="1" smtClean="0">
+                                <a:latin typeface="Cambria Math" panose="02040503050406030204" pitchFamily="18" charset="0"/>
+                                <a:cs typeface="Calibri" panose="020F0502020204030204" pitchFamily="34" charset="0"/>
+                              </a:rPr>
+                              <m:t>𝑘</m:t>
+                            </m:r>
+                          </m:sub>
+                        </m:sSub>
+                      </m:sup>
+                    </m:sSup>
+                  </m:oMath>
+                </a14:m>
+                <a:endParaRPr lang="en-US" sz="2000" dirty="0">
+                  <a:latin typeface="Calibri" panose="020F0502020204030204" pitchFamily="34" charset="0"/>
+                  <a:cs typeface="Calibri" panose="020F0502020204030204" pitchFamily="34" charset="0"/>
+                </a:endParaRPr>
+              </a:p>
+              <a:p>
+                <a:pPr lvl="1">
+                  <a:lnSpc>
+                    <a:spcPct val="80000"/>
+                  </a:lnSpc>
+                </a:pPr>
+                <a:r>
+                  <a:rPr lang="en-US" sz="2000" dirty="0" err="1">
+                    <a:latin typeface="Calibri" panose="020F0502020204030204" pitchFamily="34" charset="0"/>
+                    <a:cs typeface="Calibri" panose="020F0502020204030204" pitchFamily="34" charset="0"/>
+                  </a:rPr>
+                  <a:t>x</a:t>
+                </a:r>
+                <a:r>
+                  <a:rPr lang="en-US" sz="2000" baseline="-25000" dirty="0" err="1">
+                    <a:latin typeface="Calibri" panose="020F0502020204030204" pitchFamily="34" charset="0"/>
+                    <a:cs typeface="Calibri" panose="020F0502020204030204" pitchFamily="34" charset="0"/>
+                  </a:rPr>
+                  <a:t>j</a:t>
+                </a:r>
+                <a:r>
+                  <a:rPr lang="en-US" sz="2000" dirty="0">
+                    <a:latin typeface="Calibri" panose="020F0502020204030204" pitchFamily="34" charset="0"/>
+                    <a:cs typeface="Calibri" panose="020F0502020204030204" pitchFamily="34" charset="0"/>
+                  </a:rPr>
+                  <a:t>= a</a:t>
+                </a:r>
+                <a:r>
+                  <a:rPr lang="en-US" sz="2000" baseline="-25000" dirty="0">
+                    <a:latin typeface="Calibri" panose="020F0502020204030204" pitchFamily="34" charset="0"/>
+                    <a:cs typeface="Calibri" panose="020F0502020204030204" pitchFamily="34" charset="0"/>
+                  </a:rPr>
+                  <a:t>1j</a:t>
+                </a:r>
+                <a:r>
+                  <a:rPr lang="en-US" sz="2000" dirty="0">
+                    <a:latin typeface="Calibri" panose="020F0502020204030204" pitchFamily="34" charset="0"/>
+                    <a:cs typeface="Calibri" panose="020F0502020204030204" pitchFamily="34" charset="0"/>
+                  </a:rPr>
+                  <a:t> </a:t>
+                </a:r>
+                <a:r>
+                  <a:rPr lang="en-US" sz="2000" dirty="0" err="1">
+                    <a:latin typeface="Calibri" panose="020F0502020204030204" pitchFamily="34" charset="0"/>
+                    <a:cs typeface="Calibri" panose="020F0502020204030204" pitchFamily="34" charset="0"/>
+                  </a:rPr>
+                  <a:t>log</a:t>
+                </a:r>
+                <a:r>
+                  <a:rPr lang="en-US" sz="2000" baseline="-25000" dirty="0" err="1">
+                    <a:latin typeface="Calibri" panose="020F0502020204030204" pitchFamily="34" charset="0"/>
+                    <a:cs typeface="Calibri" panose="020F0502020204030204" pitchFamily="34" charset="0"/>
+                  </a:rPr>
+                  <a:t>g</a:t>
+                </a:r>
+                <a:r>
+                  <a:rPr lang="en-US" sz="2000" dirty="0">
+                    <a:latin typeface="Calibri" panose="020F0502020204030204" pitchFamily="34" charset="0"/>
+                    <a:cs typeface="Calibri" panose="020F0502020204030204" pitchFamily="34" charset="0"/>
+                  </a:rPr>
+                  <a:t> (p</a:t>
+                </a:r>
+                <a:r>
+                  <a:rPr lang="en-US" sz="2000" baseline="-25000" dirty="0">
+                    <a:latin typeface="Calibri" panose="020F0502020204030204" pitchFamily="34" charset="0"/>
+                    <a:cs typeface="Calibri" panose="020F0502020204030204" pitchFamily="34" charset="0"/>
+                  </a:rPr>
+                  <a:t>1</a:t>
+                </a:r>
+                <a:r>
+                  <a:rPr lang="en-US" sz="2000" dirty="0">
+                    <a:latin typeface="Calibri" panose="020F0502020204030204" pitchFamily="34" charset="0"/>
+                    <a:cs typeface="Calibri" panose="020F0502020204030204" pitchFamily="34" charset="0"/>
+                  </a:rPr>
+                  <a:t>) + a</a:t>
+                </a:r>
+                <a:r>
+                  <a:rPr lang="en-US" sz="2000" baseline="-25000" dirty="0">
+                    <a:latin typeface="Calibri" panose="020F0502020204030204" pitchFamily="34" charset="0"/>
+                    <a:cs typeface="Calibri" panose="020F0502020204030204" pitchFamily="34" charset="0"/>
+                  </a:rPr>
+                  <a:t>2j</a:t>
+                </a:r>
+                <a:r>
+                  <a:rPr lang="en-US" sz="2000" dirty="0">
+                    <a:latin typeface="Calibri" panose="020F0502020204030204" pitchFamily="34" charset="0"/>
+                    <a:cs typeface="Calibri" panose="020F0502020204030204" pitchFamily="34" charset="0"/>
+                  </a:rPr>
+                  <a:t> </a:t>
+                </a:r>
+                <a:r>
+                  <a:rPr lang="en-US" sz="2000" dirty="0" err="1">
+                    <a:latin typeface="Calibri" panose="020F0502020204030204" pitchFamily="34" charset="0"/>
+                    <a:cs typeface="Calibri" panose="020F0502020204030204" pitchFamily="34" charset="0"/>
+                  </a:rPr>
+                  <a:t>log</a:t>
+                </a:r>
+                <a:r>
+                  <a:rPr lang="en-US" sz="2000" baseline="-25000" dirty="0" err="1">
+                    <a:latin typeface="Calibri" panose="020F0502020204030204" pitchFamily="34" charset="0"/>
+                    <a:cs typeface="Calibri" panose="020F0502020204030204" pitchFamily="34" charset="0"/>
+                  </a:rPr>
+                  <a:t>g</a:t>
+                </a:r>
+                <a:r>
+                  <a:rPr lang="en-US" sz="2000" dirty="0">
+                    <a:latin typeface="Calibri" panose="020F0502020204030204" pitchFamily="34" charset="0"/>
+                    <a:cs typeface="Calibri" panose="020F0502020204030204" pitchFamily="34" charset="0"/>
+                  </a:rPr>
+                  <a:t> (p</a:t>
+                </a:r>
+                <a:r>
+                  <a:rPr lang="en-US" sz="2000" baseline="-25000" dirty="0">
+                    <a:latin typeface="Calibri" panose="020F0502020204030204" pitchFamily="34" charset="0"/>
+                    <a:cs typeface="Calibri" panose="020F0502020204030204" pitchFamily="34" charset="0"/>
+                  </a:rPr>
+                  <a:t>2</a:t>
+                </a:r>
+                <a:r>
+                  <a:rPr lang="en-US" sz="2000" dirty="0">
+                    <a:latin typeface="Calibri" panose="020F0502020204030204" pitchFamily="34" charset="0"/>
+                    <a:cs typeface="Calibri" panose="020F0502020204030204" pitchFamily="34" charset="0"/>
+                  </a:rPr>
+                  <a:t>) + …+ </a:t>
+                </a:r>
+                <a:r>
+                  <a:rPr lang="en-US" sz="2000" dirty="0" err="1">
+                    <a:latin typeface="Calibri" panose="020F0502020204030204" pitchFamily="34" charset="0"/>
+                    <a:cs typeface="Calibri" panose="020F0502020204030204" pitchFamily="34" charset="0"/>
+                  </a:rPr>
+                  <a:t>a</a:t>
+                </a:r>
+                <a:r>
+                  <a:rPr lang="en-US" sz="2000" baseline="-25000" dirty="0" err="1">
+                    <a:latin typeface="Calibri" panose="020F0502020204030204" pitchFamily="34" charset="0"/>
+                    <a:cs typeface="Calibri" panose="020F0502020204030204" pitchFamily="34" charset="0"/>
+                  </a:rPr>
+                  <a:t>kj</a:t>
+                </a:r>
+                <a:r>
+                  <a:rPr lang="en-US" sz="2000" dirty="0">
+                    <a:latin typeface="Calibri" panose="020F0502020204030204" pitchFamily="34" charset="0"/>
+                    <a:cs typeface="Calibri" panose="020F0502020204030204" pitchFamily="34" charset="0"/>
+                  </a:rPr>
+                  <a:t> </a:t>
+                </a:r>
+                <a:r>
+                  <a:rPr lang="en-US" sz="2000" dirty="0" err="1">
+                    <a:latin typeface="Calibri" panose="020F0502020204030204" pitchFamily="34" charset="0"/>
+                    <a:cs typeface="Calibri" panose="020F0502020204030204" pitchFamily="34" charset="0"/>
+                  </a:rPr>
+                  <a:t>log</a:t>
+                </a:r>
+                <a:r>
+                  <a:rPr lang="en-US" sz="2000" baseline="-25000" dirty="0" err="1">
+                    <a:latin typeface="Calibri" panose="020F0502020204030204" pitchFamily="34" charset="0"/>
+                    <a:cs typeface="Calibri" panose="020F0502020204030204" pitchFamily="34" charset="0"/>
+                  </a:rPr>
+                  <a:t>g</a:t>
+                </a:r>
+                <a:r>
+                  <a:rPr lang="en-US" sz="2000" dirty="0">
+                    <a:latin typeface="Calibri" panose="020F0502020204030204" pitchFamily="34" charset="0"/>
+                    <a:cs typeface="Calibri" panose="020F0502020204030204" pitchFamily="34" charset="0"/>
+                  </a:rPr>
+                  <a:t> (p</a:t>
+                </a:r>
+                <a:r>
+                  <a:rPr lang="en-US" sz="2000" baseline="-25000" dirty="0">
+                    <a:latin typeface="Calibri" panose="020F0502020204030204" pitchFamily="34" charset="0"/>
+                    <a:cs typeface="Calibri" panose="020F0502020204030204" pitchFamily="34" charset="0"/>
+                  </a:rPr>
+                  <a:t>k</a:t>
+                </a:r>
+                <a:r>
+                  <a:rPr lang="en-US" sz="2000" dirty="0">
+                    <a:latin typeface="Calibri" panose="020F0502020204030204" pitchFamily="34" charset="0"/>
+                    <a:cs typeface="Calibri" panose="020F0502020204030204" pitchFamily="34" charset="0"/>
+                  </a:rPr>
+                  <a:t>) </a:t>
+                </a:r>
+              </a:p>
+              <a:p>
+                <a:pPr lvl="1">
+                  <a:lnSpc>
+                    <a:spcPct val="80000"/>
+                  </a:lnSpc>
+                </a:pPr>
+                <a:r>
+                  <a:rPr lang="en-US" sz="2000" dirty="0">
+                    <a:latin typeface="Calibri" panose="020F0502020204030204" pitchFamily="34" charset="0"/>
+                    <a:cs typeface="Calibri" panose="020F0502020204030204" pitchFamily="34" charset="0"/>
+                  </a:rPr>
+                  <a:t>If you get enough of these, you can solve for the </a:t>
+                </a:r>
+                <a:r>
+                  <a:rPr lang="en-US" sz="2000" dirty="0" err="1">
+                    <a:latin typeface="Calibri" panose="020F0502020204030204" pitchFamily="34" charset="0"/>
+                    <a:cs typeface="Calibri" panose="020F0502020204030204" pitchFamily="34" charset="0"/>
+                  </a:rPr>
+                  <a:t>log</a:t>
+                </a:r>
+                <a:r>
+                  <a:rPr lang="en-US" sz="2000" baseline="-25000" dirty="0" err="1">
+                    <a:latin typeface="Calibri" panose="020F0502020204030204" pitchFamily="34" charset="0"/>
+                    <a:cs typeface="Calibri" panose="020F0502020204030204" pitchFamily="34" charset="0"/>
+                  </a:rPr>
+                  <a:t>g</a:t>
+                </a:r>
+                <a:r>
+                  <a:rPr lang="en-US" sz="2000" dirty="0">
+                    <a:latin typeface="Calibri" panose="020F0502020204030204" pitchFamily="34" charset="0"/>
+                    <a:cs typeface="Calibri" panose="020F0502020204030204" pitchFamily="34" charset="0"/>
+                  </a:rPr>
+                  <a:t>(p</a:t>
+                </a:r>
+                <a:r>
+                  <a:rPr lang="en-US" sz="2000" baseline="-25000" dirty="0">
+                    <a:latin typeface="Calibri" panose="020F0502020204030204" pitchFamily="34" charset="0"/>
+                    <a:cs typeface="Calibri" panose="020F0502020204030204" pitchFamily="34" charset="0"/>
+                  </a:rPr>
+                  <a:t>i</a:t>
+                </a:r>
+                <a:r>
+                  <a:rPr lang="en-US" sz="2000" dirty="0">
+                    <a:latin typeface="Calibri" panose="020F0502020204030204" pitchFamily="34" charset="0"/>
+                    <a:cs typeface="Calibri" panose="020F0502020204030204" pitchFamily="34" charset="0"/>
+                  </a:rPr>
+                  <a:t>) </a:t>
+                </a:r>
+                <a:endParaRPr lang="en-US" sz="2000" baseline="-25000" dirty="0">
+                  <a:latin typeface="Calibri" panose="020F0502020204030204" pitchFamily="34" charset="0"/>
+                  <a:cs typeface="Calibri" panose="020F0502020204030204" pitchFamily="34" charset="0"/>
+                </a:endParaRPr>
+              </a:p>
+              <a:p>
+                <a:pPr>
+                  <a:lnSpc>
+                    <a:spcPct val="80000"/>
+                  </a:lnSpc>
+                </a:pPr>
+                <a:r>
+                  <a:rPr lang="en-US" sz="2000" dirty="0">
+                    <a:latin typeface="Calibri" panose="020F0502020204030204" pitchFamily="34" charset="0"/>
+                    <a:cs typeface="Calibri" panose="020F0502020204030204" pitchFamily="34" charset="0"/>
+                  </a:rPr>
+                  <a:t>Solve</a:t>
+                </a:r>
+              </a:p>
+              <a:p>
+                <a:pPr lvl="1">
+                  <a:lnSpc>
+                    <a:spcPct val="80000"/>
+                  </a:lnSpc>
+                </a:pPr>
+                <a:r>
+                  <a:rPr lang="en-US" sz="2000" dirty="0">
+                    <a:latin typeface="Calibri" panose="020F0502020204030204" pitchFamily="34" charset="0"/>
+                    <a:cs typeface="Calibri" panose="020F0502020204030204" pitchFamily="34" charset="0"/>
+                  </a:rPr>
+                  <a:t>Pick s at random and compute: </a:t>
+                </a:r>
+                <a14:m>
+                  <m:oMath xmlns:m="http://schemas.openxmlformats.org/officeDocument/2006/math">
+                    <m:r>
+                      <a:rPr lang="en-US" sz="2000" b="0" i="1" smtClean="0">
+                        <a:latin typeface="Cambria Math" panose="02040503050406030204" pitchFamily="18" charset="0"/>
+                        <a:cs typeface="Calibri" panose="020F0502020204030204" pitchFamily="34" charset="0"/>
+                      </a:rPr>
+                      <m:t>𝑦</m:t>
+                    </m:r>
+                    <m:sSup>
+                      <m:sSupPr>
+                        <m:ctrlPr>
+                          <a:rPr lang="en-US" sz="2000" b="0" i="1" smtClean="0">
+                            <a:latin typeface="Cambria Math" panose="02040503050406030204" pitchFamily="18" charset="0"/>
+                            <a:cs typeface="Calibri" panose="020F0502020204030204" pitchFamily="34" charset="0"/>
+                          </a:rPr>
+                        </m:ctrlPr>
+                      </m:sSupPr>
+                      <m:e>
+                        <m:r>
+                          <a:rPr lang="en-US" sz="2000" b="0" i="1" smtClean="0">
+                            <a:latin typeface="Cambria Math" panose="02040503050406030204" pitchFamily="18" charset="0"/>
+                            <a:cs typeface="Calibri" panose="020F0502020204030204" pitchFamily="34" charset="0"/>
+                          </a:rPr>
+                          <m:t>𝑔</m:t>
+                        </m:r>
+                      </m:e>
+                      <m:sup>
+                        <m:r>
+                          <a:rPr lang="en-US" sz="2000" b="0" i="1" smtClean="0">
+                            <a:latin typeface="Cambria Math" panose="02040503050406030204" pitchFamily="18" charset="0"/>
+                            <a:cs typeface="Calibri" panose="020F0502020204030204" pitchFamily="34" charset="0"/>
+                          </a:rPr>
+                          <m:t>𝑠</m:t>
+                        </m:r>
+                      </m:sup>
+                    </m:sSup>
+                    <m:r>
+                      <a:rPr lang="en-US" sz="2000" b="0" i="1" smtClean="0">
+                        <a:latin typeface="Cambria Math" panose="02040503050406030204" pitchFamily="18" charset="0"/>
+                        <a:cs typeface="Calibri" panose="020F0502020204030204" pitchFamily="34" charset="0"/>
+                      </a:rPr>
+                      <m:t>=</m:t>
+                    </m:r>
+                    <m:sSup>
+                      <m:sSupPr>
+                        <m:ctrlPr>
+                          <a:rPr lang="en-US" sz="2000" b="0" i="1" smtClean="0">
+                            <a:latin typeface="Cambria Math" panose="02040503050406030204" pitchFamily="18" charset="0"/>
+                            <a:cs typeface="Calibri" panose="020F0502020204030204" pitchFamily="34" charset="0"/>
+                          </a:rPr>
+                        </m:ctrlPr>
+                      </m:sSupPr>
+                      <m:e>
+                        <m:sSub>
+                          <m:sSubPr>
+                            <m:ctrlPr>
+                              <a:rPr lang="en-US" sz="2000" b="0" i="1" smtClean="0">
+                                <a:latin typeface="Cambria Math" panose="02040503050406030204" pitchFamily="18" charset="0"/>
+                                <a:cs typeface="Calibri" panose="020F0502020204030204" pitchFamily="34" charset="0"/>
+                              </a:rPr>
+                            </m:ctrlPr>
+                          </m:sSubPr>
+                          <m:e>
+                            <m:r>
+                              <a:rPr lang="en-US" sz="2000" b="0" i="1" smtClean="0">
+                                <a:latin typeface="Cambria Math" panose="02040503050406030204" pitchFamily="18" charset="0"/>
+                                <a:cs typeface="Calibri" panose="020F0502020204030204" pitchFamily="34" charset="0"/>
+                              </a:rPr>
+                              <m:t>𝑝</m:t>
+                            </m:r>
+                          </m:e>
+                          <m:sub>
+                            <m:r>
+                              <a:rPr lang="en-US" sz="2000" b="0" i="1" smtClean="0">
+                                <a:latin typeface="Cambria Math" panose="02040503050406030204" pitchFamily="18" charset="0"/>
+                                <a:cs typeface="Calibri" panose="020F0502020204030204" pitchFamily="34" charset="0"/>
+                              </a:rPr>
+                              <m:t>1</m:t>
+                            </m:r>
+                          </m:sub>
+                        </m:sSub>
+                      </m:e>
+                      <m:sup>
+                        <m:sSub>
+                          <m:sSubPr>
+                            <m:ctrlPr>
+                              <a:rPr lang="en-US" sz="2000" b="0" i="1" smtClean="0">
+                                <a:latin typeface="Cambria Math" panose="02040503050406030204" pitchFamily="18" charset="0"/>
+                                <a:cs typeface="Calibri" panose="020F0502020204030204" pitchFamily="34" charset="0"/>
+                              </a:rPr>
+                            </m:ctrlPr>
+                          </m:sSubPr>
+                          <m:e>
+                            <m:r>
+                              <a:rPr lang="en-US" sz="2000" b="0" i="1" smtClean="0">
+                                <a:latin typeface="Cambria Math" panose="02040503050406030204" pitchFamily="18" charset="0"/>
+                                <a:cs typeface="Calibri" panose="020F0502020204030204" pitchFamily="34" charset="0"/>
+                              </a:rPr>
+                              <m:t>𝑐</m:t>
+                            </m:r>
+                          </m:e>
+                          <m:sub>
+                            <m:r>
+                              <a:rPr lang="en-US" sz="2000" b="0" i="1" smtClean="0">
+                                <a:latin typeface="Cambria Math" panose="02040503050406030204" pitchFamily="18" charset="0"/>
+                                <a:cs typeface="Calibri" panose="020F0502020204030204" pitchFamily="34" charset="0"/>
+                              </a:rPr>
+                              <m:t>1</m:t>
+                            </m:r>
+                          </m:sub>
+                        </m:sSub>
+                      </m:sup>
+                    </m:sSup>
+                    <m:r>
+                      <a:rPr lang="en-US" sz="2000" b="0" i="1" smtClean="0">
+                        <a:latin typeface="Cambria Math" panose="02040503050406030204" pitchFamily="18" charset="0"/>
+                        <a:ea typeface="Cambria Math" panose="02040503050406030204" pitchFamily="18" charset="0"/>
+                        <a:cs typeface="Calibri" panose="020F0502020204030204" pitchFamily="34" charset="0"/>
+                      </a:rPr>
+                      <m:t>∙</m:t>
+                    </m:r>
+                    <m:sSup>
+                      <m:sSupPr>
+                        <m:ctrlPr>
+                          <a:rPr lang="en-US" sz="2000" i="1">
+                            <a:latin typeface="Cambria Math" panose="02040503050406030204" pitchFamily="18" charset="0"/>
+                            <a:cs typeface="Calibri" panose="020F0502020204030204" pitchFamily="34" charset="0"/>
+                          </a:rPr>
+                        </m:ctrlPr>
+                      </m:sSupPr>
+                      <m:e>
+                        <m:sSub>
+                          <m:sSubPr>
+                            <m:ctrlPr>
+                              <a:rPr lang="en-US" sz="2000" i="1">
+                                <a:latin typeface="Cambria Math" panose="02040503050406030204" pitchFamily="18" charset="0"/>
+                                <a:cs typeface="Calibri" panose="020F0502020204030204" pitchFamily="34" charset="0"/>
+                              </a:rPr>
+                            </m:ctrlPr>
+                          </m:sSubPr>
+                          <m:e>
+                            <m:r>
+                              <a:rPr lang="en-US" sz="2000" i="1">
+                                <a:latin typeface="Cambria Math" panose="02040503050406030204" pitchFamily="18" charset="0"/>
+                                <a:cs typeface="Calibri" panose="020F0502020204030204" pitchFamily="34" charset="0"/>
+                              </a:rPr>
+                              <m:t>𝑝</m:t>
+                            </m:r>
+                          </m:e>
+                          <m:sub>
+                            <m:r>
+                              <a:rPr lang="en-US" sz="2000" b="0" i="1" smtClean="0">
+                                <a:latin typeface="Cambria Math" panose="02040503050406030204" pitchFamily="18" charset="0"/>
+                                <a:cs typeface="Calibri" panose="020F0502020204030204" pitchFamily="34" charset="0"/>
+                              </a:rPr>
+                              <m:t>2</m:t>
+                            </m:r>
+                          </m:sub>
+                        </m:sSub>
+                      </m:e>
+                      <m:sup>
+                        <m:sSub>
+                          <m:sSubPr>
+                            <m:ctrlPr>
+                              <a:rPr lang="en-US" sz="2000" i="1">
+                                <a:latin typeface="Cambria Math" panose="02040503050406030204" pitchFamily="18" charset="0"/>
+                                <a:cs typeface="Calibri" panose="020F0502020204030204" pitchFamily="34" charset="0"/>
+                              </a:rPr>
+                            </m:ctrlPr>
+                          </m:sSubPr>
+                          <m:e>
+                            <m:r>
+                              <a:rPr lang="en-US" sz="2000" i="1">
+                                <a:latin typeface="Cambria Math" panose="02040503050406030204" pitchFamily="18" charset="0"/>
+                                <a:cs typeface="Calibri" panose="020F0502020204030204" pitchFamily="34" charset="0"/>
+                              </a:rPr>
+                              <m:t>𝑐</m:t>
+                            </m:r>
+                          </m:e>
+                          <m:sub>
+                            <m:r>
+                              <a:rPr lang="en-US" sz="2000" b="0" i="1" smtClean="0">
+                                <a:latin typeface="Cambria Math" panose="02040503050406030204" pitchFamily="18" charset="0"/>
+                                <a:cs typeface="Calibri" panose="020F0502020204030204" pitchFamily="34" charset="0"/>
+                              </a:rPr>
+                              <m:t>2</m:t>
+                            </m:r>
+                          </m:sub>
+                        </m:sSub>
+                      </m:sup>
+                    </m:sSup>
+                    <m:r>
+                      <a:rPr lang="en-US" sz="2000" i="1" smtClean="0">
+                        <a:latin typeface="Cambria Math" panose="02040503050406030204" pitchFamily="18" charset="0"/>
+                        <a:ea typeface="Cambria Math" panose="02040503050406030204" pitchFamily="18" charset="0"/>
+                        <a:cs typeface="Calibri" panose="020F0502020204030204" pitchFamily="34" charset="0"/>
+                      </a:rPr>
+                      <m:t>∙</m:t>
+                    </m:r>
+                    <m:r>
+                      <a:rPr lang="en-US" sz="2000" b="0" i="1" smtClean="0">
+                        <a:latin typeface="Cambria Math" panose="02040503050406030204" pitchFamily="18" charset="0"/>
+                        <a:ea typeface="Cambria Math" panose="02040503050406030204" pitchFamily="18" charset="0"/>
+                        <a:cs typeface="Calibri" panose="020F0502020204030204" pitchFamily="34" charset="0"/>
+                      </a:rPr>
+                      <m:t>…∙</m:t>
+                    </m:r>
+                    <m:sSup>
+                      <m:sSupPr>
+                        <m:ctrlPr>
+                          <a:rPr lang="en-US" sz="2000" b="0" i="1" smtClean="0">
+                            <a:latin typeface="Cambria Math" panose="02040503050406030204" pitchFamily="18" charset="0"/>
+                            <a:ea typeface="Cambria Math" panose="02040503050406030204" pitchFamily="18" charset="0"/>
+                            <a:cs typeface="Calibri" panose="020F0502020204030204" pitchFamily="34" charset="0"/>
+                          </a:rPr>
+                        </m:ctrlPr>
+                      </m:sSupPr>
+                      <m:e>
+                        <m:sSub>
+                          <m:sSubPr>
+                            <m:ctrlPr>
+                              <a:rPr lang="en-US" sz="2000" b="0" i="1" smtClean="0">
+                                <a:latin typeface="Cambria Math" panose="02040503050406030204" pitchFamily="18" charset="0"/>
+                                <a:ea typeface="Cambria Math" panose="02040503050406030204" pitchFamily="18" charset="0"/>
+                                <a:cs typeface="Calibri" panose="020F0502020204030204" pitchFamily="34" charset="0"/>
+                              </a:rPr>
+                            </m:ctrlPr>
+                          </m:sSubPr>
+                          <m:e>
+                            <m:r>
+                              <a:rPr lang="en-US" sz="2000" b="0" i="1" smtClean="0">
+                                <a:latin typeface="Cambria Math" panose="02040503050406030204" pitchFamily="18" charset="0"/>
+                                <a:ea typeface="Cambria Math" panose="02040503050406030204" pitchFamily="18" charset="0"/>
+                                <a:cs typeface="Calibri" panose="020F0502020204030204" pitchFamily="34" charset="0"/>
+                              </a:rPr>
+                              <m:t>𝑝</m:t>
+                            </m:r>
+                          </m:e>
+                          <m:sub>
+                            <m:r>
+                              <a:rPr lang="en-US" sz="2000" b="0" i="1" smtClean="0">
+                                <a:latin typeface="Cambria Math" panose="02040503050406030204" pitchFamily="18" charset="0"/>
+                                <a:ea typeface="Cambria Math" panose="02040503050406030204" pitchFamily="18" charset="0"/>
+                                <a:cs typeface="Calibri" panose="020F0502020204030204" pitchFamily="34" charset="0"/>
+                              </a:rPr>
+                              <m:t>𝑘</m:t>
+                            </m:r>
+                          </m:sub>
+                        </m:sSub>
+                      </m:e>
+                      <m:sup>
+                        <m:sSub>
+                          <m:sSubPr>
+                            <m:ctrlPr>
+                              <a:rPr lang="en-US" sz="2000" b="0" i="1" smtClean="0">
+                                <a:latin typeface="Cambria Math" panose="02040503050406030204" pitchFamily="18" charset="0"/>
+                                <a:ea typeface="Cambria Math" panose="02040503050406030204" pitchFamily="18" charset="0"/>
+                                <a:cs typeface="Calibri" panose="020F0502020204030204" pitchFamily="34" charset="0"/>
+                              </a:rPr>
+                            </m:ctrlPr>
+                          </m:sSubPr>
+                          <m:e>
+                            <m:r>
+                              <a:rPr lang="en-US" sz="2000" b="0" i="1" smtClean="0">
+                                <a:latin typeface="Cambria Math" panose="02040503050406030204" pitchFamily="18" charset="0"/>
+                                <a:ea typeface="Cambria Math" panose="02040503050406030204" pitchFamily="18" charset="0"/>
+                                <a:cs typeface="Calibri" panose="020F0502020204030204" pitchFamily="34" charset="0"/>
+                              </a:rPr>
+                              <m:t>𝑐</m:t>
+                            </m:r>
+                          </m:e>
+                          <m:sub>
+                            <m:r>
+                              <a:rPr lang="en-US" sz="2000" b="0" i="1" smtClean="0">
+                                <a:latin typeface="Cambria Math" panose="02040503050406030204" pitchFamily="18" charset="0"/>
+                                <a:ea typeface="Cambria Math" panose="02040503050406030204" pitchFamily="18" charset="0"/>
+                                <a:cs typeface="Calibri" panose="020F0502020204030204" pitchFamily="34" charset="0"/>
+                              </a:rPr>
+                              <m:t>𝑘</m:t>
+                            </m:r>
+                          </m:sub>
+                        </m:sSub>
+                      </m:sup>
+                    </m:sSup>
+                  </m:oMath>
+                </a14:m>
+                <a:endParaRPr lang="en-US" sz="2000" dirty="0">
+                  <a:latin typeface="Calibri" panose="020F0502020204030204" pitchFamily="34" charset="0"/>
+                  <a:cs typeface="Calibri" panose="020F0502020204030204" pitchFamily="34" charset="0"/>
+                </a:endParaRPr>
+              </a:p>
+              <a:p>
+                <a:pPr lvl="1">
+                  <a:lnSpc>
+                    <a:spcPct val="80000"/>
+                  </a:lnSpc>
+                </a:pPr>
+                <a:r>
+                  <a:rPr lang="en-US" sz="2000" dirty="0" err="1">
+                    <a:latin typeface="Calibri" panose="020F0502020204030204" pitchFamily="34" charset="0"/>
+                    <a:cs typeface="Calibri" panose="020F0502020204030204" pitchFamily="34" charset="0"/>
+                  </a:rPr>
+                  <a:t>log</a:t>
+                </a:r>
+                <a:r>
+                  <a:rPr lang="en-US" sz="2000" baseline="-25000" dirty="0" err="1">
+                    <a:latin typeface="Calibri" panose="020F0502020204030204" pitchFamily="34" charset="0"/>
+                    <a:cs typeface="Calibri" panose="020F0502020204030204" pitchFamily="34" charset="0"/>
+                  </a:rPr>
+                  <a:t>g</a:t>
+                </a:r>
+                <a:r>
+                  <a:rPr lang="en-US" sz="2000" dirty="0">
+                    <a:latin typeface="Calibri" panose="020F0502020204030204" pitchFamily="34" charset="0"/>
+                    <a:cs typeface="Calibri" panose="020F0502020204030204" pitchFamily="34" charset="0"/>
+                  </a:rPr>
+                  <a:t> (y)+s = c</a:t>
+                </a:r>
+                <a:r>
+                  <a:rPr lang="en-US" sz="2000" baseline="-25000" dirty="0">
+                    <a:latin typeface="Calibri" panose="020F0502020204030204" pitchFamily="34" charset="0"/>
+                    <a:cs typeface="Calibri" panose="020F0502020204030204" pitchFamily="34" charset="0"/>
+                  </a:rPr>
+                  <a:t>1</a:t>
+                </a:r>
+                <a:r>
+                  <a:rPr lang="en-US" sz="2000" dirty="0">
+                    <a:latin typeface="Calibri" panose="020F0502020204030204" pitchFamily="34" charset="0"/>
+                    <a:cs typeface="Calibri" panose="020F0502020204030204" pitchFamily="34" charset="0"/>
+                  </a:rPr>
+                  <a:t>log</a:t>
+                </a:r>
+                <a:r>
+                  <a:rPr lang="en-US" sz="2000" baseline="-25000" dirty="0">
+                    <a:latin typeface="Calibri" panose="020F0502020204030204" pitchFamily="34" charset="0"/>
+                    <a:cs typeface="Calibri" panose="020F0502020204030204" pitchFamily="34" charset="0"/>
+                  </a:rPr>
+                  <a:t>g</a:t>
+                </a:r>
+                <a:r>
+                  <a:rPr lang="en-US" sz="2000" dirty="0">
+                    <a:latin typeface="Calibri" panose="020F0502020204030204" pitchFamily="34" charset="0"/>
+                    <a:cs typeface="Calibri" panose="020F0502020204030204" pitchFamily="34" charset="0"/>
+                  </a:rPr>
+                  <a:t> (p</a:t>
+                </a:r>
+                <a:r>
+                  <a:rPr lang="en-US" sz="2000" baseline="-25000" dirty="0">
+                    <a:latin typeface="Calibri" panose="020F0502020204030204" pitchFamily="34" charset="0"/>
+                    <a:cs typeface="Calibri" panose="020F0502020204030204" pitchFamily="34" charset="0"/>
+                  </a:rPr>
+                  <a:t>1</a:t>
+                </a:r>
+                <a:r>
+                  <a:rPr lang="en-US" sz="2000" dirty="0">
+                    <a:latin typeface="Calibri" panose="020F0502020204030204" pitchFamily="34" charset="0"/>
+                    <a:cs typeface="Calibri" panose="020F0502020204030204" pitchFamily="34" charset="0"/>
+                  </a:rPr>
+                  <a:t>) + c</a:t>
+                </a:r>
+                <a:r>
+                  <a:rPr lang="en-US" sz="2000" baseline="-25000" dirty="0">
+                    <a:latin typeface="Calibri" panose="020F0502020204030204" pitchFamily="34" charset="0"/>
+                    <a:cs typeface="Calibri" panose="020F0502020204030204" pitchFamily="34" charset="0"/>
+                  </a:rPr>
+                  <a:t>2</a:t>
+                </a:r>
+                <a:r>
+                  <a:rPr lang="en-US" sz="2000" dirty="0">
+                    <a:latin typeface="Calibri" panose="020F0502020204030204" pitchFamily="34" charset="0"/>
+                    <a:cs typeface="Calibri" panose="020F0502020204030204" pitchFamily="34" charset="0"/>
+                  </a:rPr>
+                  <a:t>log</a:t>
+                </a:r>
+                <a:r>
+                  <a:rPr lang="en-US" sz="2000" baseline="-25000" dirty="0">
+                    <a:latin typeface="Calibri" panose="020F0502020204030204" pitchFamily="34" charset="0"/>
+                    <a:cs typeface="Calibri" panose="020F0502020204030204" pitchFamily="34" charset="0"/>
+                  </a:rPr>
+                  <a:t>g</a:t>
+                </a:r>
+                <a:r>
+                  <a:rPr lang="en-US" sz="2000" dirty="0">
+                    <a:latin typeface="Calibri" panose="020F0502020204030204" pitchFamily="34" charset="0"/>
+                    <a:cs typeface="Calibri" panose="020F0502020204030204" pitchFamily="34" charset="0"/>
+                  </a:rPr>
+                  <a:t> (p</a:t>
+                </a:r>
+                <a:r>
+                  <a:rPr lang="en-US" sz="2000" baseline="-25000" dirty="0">
+                    <a:latin typeface="Calibri" panose="020F0502020204030204" pitchFamily="34" charset="0"/>
+                    <a:cs typeface="Calibri" panose="020F0502020204030204" pitchFamily="34" charset="0"/>
+                  </a:rPr>
+                  <a:t>2</a:t>
+                </a:r>
+                <a:r>
+                  <a:rPr lang="en-US" sz="2000" dirty="0">
+                    <a:latin typeface="Calibri" panose="020F0502020204030204" pitchFamily="34" charset="0"/>
+                    <a:cs typeface="Calibri" panose="020F0502020204030204" pitchFamily="34" charset="0"/>
+                  </a:rPr>
+                  <a:t>) + …+ </a:t>
+                </a:r>
+                <a:r>
+                  <a:rPr lang="en-US" sz="2000" dirty="0" err="1">
+                    <a:latin typeface="Calibri" panose="020F0502020204030204" pitchFamily="34" charset="0"/>
+                    <a:cs typeface="Calibri" panose="020F0502020204030204" pitchFamily="34" charset="0"/>
+                  </a:rPr>
+                  <a:t>c</a:t>
+                </a:r>
+                <a:r>
+                  <a:rPr lang="en-US" sz="2000" baseline="-25000" dirty="0" err="1">
+                    <a:latin typeface="Calibri" panose="020F0502020204030204" pitchFamily="34" charset="0"/>
+                    <a:cs typeface="Calibri" panose="020F0502020204030204" pitchFamily="34" charset="0"/>
+                  </a:rPr>
+                  <a:t>k</a:t>
+                </a:r>
+                <a:r>
+                  <a:rPr lang="en-US" sz="2000" dirty="0" err="1">
+                    <a:latin typeface="Calibri" panose="020F0502020204030204" pitchFamily="34" charset="0"/>
+                    <a:cs typeface="Calibri" panose="020F0502020204030204" pitchFamily="34" charset="0"/>
+                  </a:rPr>
+                  <a:t>log</a:t>
+                </a:r>
+                <a:r>
+                  <a:rPr lang="en-US" sz="2000" baseline="-25000" dirty="0" err="1">
+                    <a:latin typeface="Calibri" panose="020F0502020204030204" pitchFamily="34" charset="0"/>
+                    <a:cs typeface="Calibri" panose="020F0502020204030204" pitchFamily="34" charset="0"/>
+                  </a:rPr>
+                  <a:t>g</a:t>
+                </a:r>
+                <a:r>
+                  <a:rPr lang="en-US" sz="2000" dirty="0">
+                    <a:latin typeface="Calibri" panose="020F0502020204030204" pitchFamily="34" charset="0"/>
+                    <a:cs typeface="Calibri" panose="020F0502020204030204" pitchFamily="34" charset="0"/>
+                  </a:rPr>
+                  <a:t> (p</a:t>
+                </a:r>
+                <a:r>
+                  <a:rPr lang="en-US" sz="2000" baseline="-25000" dirty="0">
+                    <a:latin typeface="Calibri" panose="020F0502020204030204" pitchFamily="34" charset="0"/>
+                    <a:cs typeface="Calibri" panose="020F0502020204030204" pitchFamily="34" charset="0"/>
+                  </a:rPr>
+                  <a:t>k</a:t>
+                </a:r>
+                <a:r>
+                  <a:rPr lang="en-US" sz="2000" dirty="0">
+                    <a:latin typeface="Calibri" panose="020F0502020204030204" pitchFamily="34" charset="0"/>
+                    <a:cs typeface="Calibri" panose="020F0502020204030204" pitchFamily="34" charset="0"/>
+                  </a:rPr>
+                  <a:t>) </a:t>
+                </a:r>
+              </a:p>
+              <a:p>
+                <a:pPr>
+                  <a:lnSpc>
+                    <a:spcPct val="80000"/>
+                  </a:lnSpc>
+                </a:pPr>
+                <a:r>
+                  <a:rPr lang="en-US" sz="2000" dirty="0">
+                    <a:latin typeface="Calibri" panose="020F0502020204030204" pitchFamily="34" charset="0"/>
+                    <a:cs typeface="Calibri" panose="020F0502020204030204" pitchFamily="34" charset="0"/>
+                  </a:rPr>
+                  <a:t>This takes O(e </a:t>
+                </a:r>
+                <a:r>
+                  <a:rPr lang="en-US" sz="2000" baseline="30000" dirty="0">
+                    <a:latin typeface="Calibri" panose="020F0502020204030204" pitchFamily="34" charset="0"/>
+                    <a:cs typeface="Calibri" panose="020F0502020204030204" pitchFamily="34" charset="0"/>
+                  </a:rPr>
+                  <a:t>(1+ln(p)ln(ln(p))</a:t>
+                </a:r>
+                <a:r>
+                  <a:rPr lang="en-US" sz="2000" dirty="0">
+                    <a:latin typeface="Calibri" panose="020F0502020204030204" pitchFamily="34" charset="0"/>
+                    <a:cs typeface="Calibri" panose="020F0502020204030204" pitchFamily="34" charset="0"/>
+                  </a:rPr>
+                  <a:t>) time.</a:t>
+                </a:r>
+                <a:endParaRPr lang="en-US" sz="2400" dirty="0">
+                  <a:latin typeface="Calibri" panose="020F0502020204030204" pitchFamily="34" charset="0"/>
+                  <a:cs typeface="Calibri" panose="020F0502020204030204" pitchFamily="34" charset="0"/>
+                </a:endParaRPr>
+              </a:p>
+              <a:p>
+                <a:pPr>
+                  <a:lnSpc>
+                    <a:spcPct val="80000"/>
+                  </a:lnSpc>
+                </a:pPr>
+                <a:r>
+                  <a:rPr lang="en-US" sz="2000" dirty="0">
+                    <a:latin typeface="Calibri" panose="020F0502020204030204" pitchFamily="34" charset="0"/>
+                    <a:cs typeface="Calibri" panose="020F0502020204030204" pitchFamily="34" charset="0"/>
+                  </a:rPr>
+                  <a:t>LaMacchia and </a:t>
+                </a:r>
+                <a:r>
+                  <a:rPr lang="en-US" sz="2000" dirty="0" err="1">
+                    <a:latin typeface="Calibri" panose="020F0502020204030204" pitchFamily="34" charset="0"/>
+                    <a:cs typeface="Calibri" panose="020F0502020204030204" pitchFamily="34" charset="0"/>
+                  </a:rPr>
+                  <a:t>Odlyzko</a:t>
+                </a:r>
+                <a:r>
+                  <a:rPr lang="en-US" sz="2000" dirty="0">
+                    <a:latin typeface="Calibri" panose="020F0502020204030204" pitchFamily="34" charset="0"/>
+                    <a:cs typeface="Calibri" panose="020F0502020204030204" pitchFamily="34" charset="0"/>
+                  </a:rPr>
+                  <a:t> used Gaussian integer index calculus variant to attack discrete log.</a:t>
+                </a:r>
+              </a:p>
+            </p:txBody>
+          </p:sp>
+        </mc:Choice>
+        <mc:Fallback xmlns="">
+          <p:sp>
+            <p:nvSpPr>
+              <p:cNvPr id="94213" name="Rectangle 3"/>
+              <p:cNvSpPr>
+                <a:spLocks noGrp="1" noRot="1" noChangeAspect="1" noMove="1" noResize="1" noEditPoints="1" noAdjustHandles="1" noChangeArrowheads="1" noChangeShapeType="1" noTextEdit="1"/>
+              </p:cNvSpPr>
+              <p:nvPr>
+                <p:ph type="body" idx="1"/>
+              </p:nvPr>
+            </p:nvSpPr>
+            <p:spPr>
+              <a:xfrm>
+                <a:off x="419100" y="1828800"/>
+                <a:ext cx="8305800" cy="4038600"/>
+              </a:xfrm>
+              <a:blipFill>
+                <a:blip r:embed="rId2"/>
+                <a:stretch>
+                  <a:fillRect l="-917" t="-2508"/>
+                </a:stretch>
+              </a:blipFill>
+            </p:spPr>
+            <p:txBody>
+              <a:bodyPr/>
+              <a:lstStyle/>
+              <a:p>
+                <a:r>
+                  <a:rPr lang="en-US">
+                    <a:noFill/>
+                  </a:rPr>
+                  <a:t> </a:t>
+                </a:r>
+              </a:p>
+            </p:txBody>
+          </p:sp>
+        </mc:Fallback>
+      </mc:AlternateContent>
     </p:spTree>
   </p:cSld>
   <p:clrMapOvr>
@@ -31909,86 +32780,329 @@
                   </a:rPr>
                   <a:t>, </a:t>
                 </a:r>
+                <a14:m>
+                  <m:oMath xmlns:m="http://schemas.openxmlformats.org/officeDocument/2006/math">
+                    <m:r>
+                      <a:rPr lang="en-US" sz="2000" b="0" i="1" smtClean="0">
+                        <a:latin typeface="Cambria Math" panose="02040503050406030204" pitchFamily="18" charset="0"/>
+                        <a:cs typeface="Calibri" panose="020F0502020204030204" pitchFamily="34" charset="0"/>
+                        <a:sym typeface="Symbol" pitchFamily="18" charset="2"/>
+                      </a:rPr>
+                      <m:t>𝑛</m:t>
+                    </m:r>
+                    <m:r>
+                      <a:rPr lang="en-US" sz="2000" b="0" i="1" smtClean="0">
+                        <a:latin typeface="Cambria Math" panose="02040503050406030204" pitchFamily="18" charset="0"/>
+                        <a:cs typeface="Calibri" panose="020F0502020204030204" pitchFamily="34" charset="0"/>
+                        <a:sym typeface="Symbol" pitchFamily="18" charset="2"/>
+                      </a:rPr>
+                      <m:t>=</m:t>
+                    </m:r>
+                    <m:r>
+                      <a:rPr lang="en-US" sz="2000" b="0" i="1" smtClean="0">
+                        <a:latin typeface="Cambria Math" panose="02040503050406030204" pitchFamily="18" charset="0"/>
+                        <a:cs typeface="Calibri" panose="020F0502020204030204" pitchFamily="34" charset="0"/>
+                        <a:sym typeface="Symbol" pitchFamily="18" charset="2"/>
+                      </a:rPr>
+                      <m:t>𝑝</m:t>
+                    </m:r>
+                    <m:r>
+                      <a:rPr lang="en-US" sz="2000" b="0" i="1" smtClean="0">
+                        <a:latin typeface="Cambria Math" panose="02040503050406030204" pitchFamily="18" charset="0"/>
+                        <a:cs typeface="Calibri" panose="020F0502020204030204" pitchFamily="34" charset="0"/>
+                        <a:sym typeface="Symbol" pitchFamily="18" charset="2"/>
+                      </a:rPr>
+                      <m:t>−1=</m:t>
+                    </m:r>
+                    <m:sSup>
+                      <m:sSupPr>
+                        <m:ctrlPr>
+                          <a:rPr lang="en-US" sz="2000" b="0" i="1" smtClean="0">
+                            <a:latin typeface="Cambria Math" panose="02040503050406030204" pitchFamily="18" charset="0"/>
+                            <a:cs typeface="Calibri" panose="020F0502020204030204" pitchFamily="34" charset="0"/>
+                            <a:sym typeface="Symbol" pitchFamily="18" charset="2"/>
+                          </a:rPr>
+                        </m:ctrlPr>
+                      </m:sSupPr>
+                      <m:e>
+                        <m:sSub>
+                          <m:sSubPr>
+                            <m:ctrlPr>
+                              <a:rPr lang="en-US" sz="2000" b="0" i="1" smtClean="0">
+                                <a:latin typeface="Cambria Math" panose="02040503050406030204" pitchFamily="18" charset="0"/>
+                                <a:cs typeface="Calibri" panose="020F0502020204030204" pitchFamily="34" charset="0"/>
+                                <a:sym typeface="Symbol" pitchFamily="18" charset="2"/>
+                              </a:rPr>
+                            </m:ctrlPr>
+                          </m:sSubPr>
+                          <m:e>
+                            <m:r>
+                              <a:rPr lang="en-US" sz="2000" b="0" i="1" smtClean="0">
+                                <a:latin typeface="Cambria Math" panose="02040503050406030204" pitchFamily="18" charset="0"/>
+                                <a:cs typeface="Calibri" panose="020F0502020204030204" pitchFamily="34" charset="0"/>
+                                <a:sym typeface="Symbol" pitchFamily="18" charset="2"/>
+                              </a:rPr>
+                              <m:t>𝑝</m:t>
+                            </m:r>
+                          </m:e>
+                          <m:sub>
+                            <m:r>
+                              <a:rPr lang="en-US" sz="2000" b="0" i="1" smtClean="0">
+                                <a:latin typeface="Cambria Math" panose="02040503050406030204" pitchFamily="18" charset="0"/>
+                                <a:cs typeface="Calibri" panose="020F0502020204030204" pitchFamily="34" charset="0"/>
+                                <a:sym typeface="Symbol" pitchFamily="18" charset="2"/>
+                              </a:rPr>
+                              <m:t>1</m:t>
+                            </m:r>
+                          </m:sub>
+                        </m:sSub>
+                      </m:e>
+                      <m:sup>
+                        <m:sSub>
+                          <m:sSubPr>
+                            <m:ctrlPr>
+                              <a:rPr lang="en-US" sz="2000" b="0" i="1" smtClean="0">
+                                <a:latin typeface="Cambria Math" panose="02040503050406030204" pitchFamily="18" charset="0"/>
+                                <a:cs typeface="Calibri" panose="020F0502020204030204" pitchFamily="34" charset="0"/>
+                                <a:sym typeface="Symbol" pitchFamily="18" charset="2"/>
+                              </a:rPr>
+                            </m:ctrlPr>
+                          </m:sSubPr>
+                          <m:e>
+                            <m:r>
+                              <a:rPr lang="en-US" sz="2000" b="0" i="1" smtClean="0">
+                                <a:latin typeface="Cambria Math" panose="02040503050406030204" pitchFamily="18" charset="0"/>
+                                <a:cs typeface="Calibri" panose="020F0502020204030204" pitchFamily="34" charset="0"/>
+                                <a:sym typeface="Symbol" pitchFamily="18" charset="2"/>
+                              </a:rPr>
+                              <m:t>𝑒</m:t>
+                            </m:r>
+                          </m:e>
+                          <m:sub>
+                            <m:r>
+                              <a:rPr lang="en-US" sz="2000" b="0" i="1" smtClean="0">
+                                <a:latin typeface="Cambria Math" panose="02040503050406030204" pitchFamily="18" charset="0"/>
+                                <a:cs typeface="Calibri" panose="020F0502020204030204" pitchFamily="34" charset="0"/>
+                                <a:sym typeface="Symbol" pitchFamily="18" charset="2"/>
+                              </a:rPr>
+                              <m:t>1</m:t>
+                            </m:r>
+                          </m:sub>
+                        </m:sSub>
+                      </m:sup>
+                    </m:sSup>
+                    <m:sSup>
+                      <m:sSupPr>
+                        <m:ctrlPr>
+                          <a:rPr lang="en-US" sz="2000" i="1">
+                            <a:latin typeface="Cambria Math" panose="02040503050406030204" pitchFamily="18" charset="0"/>
+                            <a:cs typeface="Calibri" panose="020F0502020204030204" pitchFamily="34" charset="0"/>
+                            <a:sym typeface="Symbol" pitchFamily="18" charset="2"/>
+                          </a:rPr>
+                        </m:ctrlPr>
+                      </m:sSupPr>
+                      <m:e>
+                        <m:sSub>
+                          <m:sSubPr>
+                            <m:ctrlPr>
+                              <a:rPr lang="en-US" sz="2000" i="1">
+                                <a:latin typeface="Cambria Math" panose="02040503050406030204" pitchFamily="18" charset="0"/>
+                                <a:cs typeface="Calibri" panose="020F0502020204030204" pitchFamily="34" charset="0"/>
+                                <a:sym typeface="Symbol" pitchFamily="18" charset="2"/>
+                              </a:rPr>
+                            </m:ctrlPr>
+                          </m:sSubPr>
+                          <m:e>
+                            <m:r>
+                              <a:rPr lang="en-US" sz="2000" i="1" smtClean="0">
+                                <a:latin typeface="Cambria Math" panose="02040503050406030204" pitchFamily="18" charset="0"/>
+                                <a:ea typeface="Cambria Math" panose="02040503050406030204" pitchFamily="18" charset="0"/>
+                                <a:cs typeface="Calibri" panose="020F0502020204030204" pitchFamily="34" charset="0"/>
+                                <a:sym typeface="Symbol" pitchFamily="18" charset="2"/>
+                              </a:rPr>
+                              <m:t>∙</m:t>
+                            </m:r>
+                            <m:r>
+                              <a:rPr lang="en-US" sz="2000" i="1">
+                                <a:latin typeface="Cambria Math" panose="02040503050406030204" pitchFamily="18" charset="0"/>
+                                <a:cs typeface="Calibri" panose="020F0502020204030204" pitchFamily="34" charset="0"/>
+                                <a:sym typeface="Symbol" pitchFamily="18" charset="2"/>
+                              </a:rPr>
+                              <m:t>𝑝</m:t>
+                            </m:r>
+                          </m:e>
+                          <m:sub>
+                            <m:r>
+                              <a:rPr lang="en-US" sz="2000" b="0" i="1" smtClean="0">
+                                <a:latin typeface="Cambria Math" panose="02040503050406030204" pitchFamily="18" charset="0"/>
+                                <a:cs typeface="Calibri" panose="020F0502020204030204" pitchFamily="34" charset="0"/>
+                                <a:sym typeface="Symbol" pitchFamily="18" charset="2"/>
+                              </a:rPr>
+                              <m:t>2</m:t>
+                            </m:r>
+                          </m:sub>
+                        </m:sSub>
+                      </m:e>
+                      <m:sup>
+                        <m:sSub>
+                          <m:sSubPr>
+                            <m:ctrlPr>
+                              <a:rPr lang="en-US" sz="2000" i="1">
+                                <a:latin typeface="Cambria Math" panose="02040503050406030204" pitchFamily="18" charset="0"/>
+                                <a:cs typeface="Calibri" panose="020F0502020204030204" pitchFamily="34" charset="0"/>
+                                <a:sym typeface="Symbol" pitchFamily="18" charset="2"/>
+                              </a:rPr>
+                            </m:ctrlPr>
+                          </m:sSubPr>
+                          <m:e>
+                            <m:r>
+                              <a:rPr lang="en-US" sz="2000" i="1">
+                                <a:latin typeface="Cambria Math" panose="02040503050406030204" pitchFamily="18" charset="0"/>
+                                <a:cs typeface="Calibri" panose="020F0502020204030204" pitchFamily="34" charset="0"/>
+                                <a:sym typeface="Symbol" pitchFamily="18" charset="2"/>
+                              </a:rPr>
+                              <m:t>𝑒</m:t>
+                            </m:r>
+                          </m:e>
+                          <m:sub>
+                            <m:r>
+                              <a:rPr lang="en-US" sz="2000" b="0" i="1" smtClean="0">
+                                <a:latin typeface="Cambria Math" panose="02040503050406030204" pitchFamily="18" charset="0"/>
+                                <a:cs typeface="Calibri" panose="020F0502020204030204" pitchFamily="34" charset="0"/>
+                                <a:sym typeface="Symbol" pitchFamily="18" charset="2"/>
+                              </a:rPr>
+                              <m:t>2</m:t>
+                            </m:r>
+                          </m:sub>
+                        </m:sSub>
+                      </m:sup>
+                    </m:sSup>
+                  </m:oMath>
+                </a14:m>
                 <a:r>
                   <a:rPr lang="en-US" sz="2000" dirty="0">
-                    <a:latin typeface="Calibri" panose="020F0502020204030204" pitchFamily="34" charset="0"/>
+                    <a:ea typeface="Cambria Math" panose="02040503050406030204" pitchFamily="18" charset="0"/>
                     <a:cs typeface="Calibri" panose="020F0502020204030204" pitchFamily="34" charset="0"/>
                     <a:sym typeface="Symbol" pitchFamily="18" charset="2"/>
                   </a:rPr>
-                  <a:t>n= (p-1)= p</a:t>
+                  <a:t> </a:t>
+                </a:r>
+                <a14:m>
+                  <m:oMath xmlns:m="http://schemas.openxmlformats.org/officeDocument/2006/math">
+                    <m:r>
+                      <a:rPr lang="en-US" sz="2000" i="1">
+                        <a:latin typeface="Cambria Math" panose="02040503050406030204" pitchFamily="18" charset="0"/>
+                        <a:ea typeface="Cambria Math" panose="02040503050406030204" pitchFamily="18" charset="0"/>
+                        <a:cs typeface="Calibri" panose="020F0502020204030204" pitchFamily="34" charset="0"/>
+                        <a:sym typeface="Symbol" pitchFamily="18" charset="2"/>
+                      </a:rPr>
+                      <m:t>∙ </m:t>
+                    </m:r>
+                  </m:oMath>
+                </a14:m>
+                <a:r>
+                  <a:rPr lang="en-US" sz="2000" dirty="0">
+                    <a:sym typeface="Symbol" pitchFamily="18" charset="2"/>
+                  </a:rPr>
+                  <a:t>…</a:t>
                 </a:r>
                 <a:r>
-                  <a:rPr lang="en-US" sz="2000" baseline="-25000" dirty="0">
-                    <a:latin typeface="Calibri" panose="020F0502020204030204" pitchFamily="34" charset="0"/>
+                  <a:rPr lang="en-US" sz="2000" dirty="0">
                     <a:cs typeface="Calibri" panose="020F0502020204030204" pitchFamily="34" charset="0"/>
                     <a:sym typeface="Symbol" pitchFamily="18" charset="2"/>
                   </a:rPr>
-                  <a:t>1</a:t>
+                  <a:t> </a:t>
                 </a:r>
-                <a:r>
-                  <a:rPr lang="en-US" sz="2000" baseline="30000" dirty="0">
-                    <a:latin typeface="Calibri" panose="020F0502020204030204" pitchFamily="34" charset="0"/>
-                    <a:cs typeface="Calibri" panose="020F0502020204030204" pitchFamily="34" charset="0"/>
-                    <a:sym typeface="Symbol" pitchFamily="18" charset="2"/>
-                  </a:rPr>
-                  <a:t>e1</a:t>
-                </a:r>
-                <a:r>
-                  <a:rPr lang="en-US" sz="2000" dirty="0">
-                    <a:latin typeface="Calibri" panose="020F0502020204030204" pitchFamily="34" charset="0"/>
-                    <a:cs typeface="Calibri" panose="020F0502020204030204" pitchFamily="34" charset="0"/>
-                    <a:sym typeface="Symbol" pitchFamily="18" charset="2"/>
-                  </a:rPr>
-                  <a:t> p</a:t>
-                </a:r>
-                <a:r>
-                  <a:rPr lang="en-US" sz="2000" baseline="-25000" dirty="0">
-                    <a:latin typeface="Calibri" panose="020F0502020204030204" pitchFamily="34" charset="0"/>
-                    <a:cs typeface="Calibri" panose="020F0502020204030204" pitchFamily="34" charset="0"/>
-                    <a:sym typeface="Symbol" pitchFamily="18" charset="2"/>
-                  </a:rPr>
-                  <a:t>2</a:t>
-                </a:r>
-                <a:r>
-                  <a:rPr lang="en-US" sz="2000" baseline="30000" dirty="0">
-                    <a:latin typeface="Calibri" panose="020F0502020204030204" pitchFamily="34" charset="0"/>
-                    <a:cs typeface="Calibri" panose="020F0502020204030204" pitchFamily="34" charset="0"/>
-                    <a:sym typeface="Symbol" pitchFamily="18" charset="2"/>
-                  </a:rPr>
-                  <a:t>e2</a:t>
-                </a:r>
-                <a:r>
-                  <a:rPr lang="en-US" sz="2000" dirty="0">
-                    <a:latin typeface="Calibri" panose="020F0502020204030204" pitchFamily="34" charset="0"/>
-                    <a:cs typeface="Calibri" panose="020F0502020204030204" pitchFamily="34" charset="0"/>
-                    <a:sym typeface="Symbol" pitchFamily="18" charset="2"/>
-                  </a:rPr>
-                  <a:t> … </a:t>
-                </a:r>
-                <a:r>
-                  <a:rPr lang="en-US" sz="2000" dirty="0" err="1">
-                    <a:latin typeface="Calibri" panose="020F0502020204030204" pitchFamily="34" charset="0"/>
-                    <a:cs typeface="Calibri" panose="020F0502020204030204" pitchFamily="34" charset="0"/>
-                    <a:sym typeface="Symbol" pitchFamily="18" charset="2"/>
-                  </a:rPr>
-                  <a:t>p</a:t>
-                </a:r>
-                <a:r>
-                  <a:rPr lang="en-US" sz="2000" baseline="-25000" dirty="0" err="1">
-                    <a:latin typeface="Calibri" panose="020F0502020204030204" pitchFamily="34" charset="0"/>
-                    <a:cs typeface="Calibri" panose="020F0502020204030204" pitchFamily="34" charset="0"/>
-                    <a:sym typeface="Symbol" pitchFamily="18" charset="2"/>
-                  </a:rPr>
-                  <a:t>k</a:t>
-                </a:r>
-                <a:r>
-                  <a:rPr lang="en-US" sz="2000" baseline="30000" dirty="0" err="1">
-                    <a:latin typeface="Calibri" panose="020F0502020204030204" pitchFamily="34" charset="0"/>
-                    <a:cs typeface="Calibri" panose="020F0502020204030204" pitchFamily="34" charset="0"/>
-                    <a:sym typeface="Symbol" pitchFamily="18" charset="2"/>
-                  </a:rPr>
-                  <a:t>ek</a:t>
-                </a:r>
+                <a14:m>
+                  <m:oMath xmlns:m="http://schemas.openxmlformats.org/officeDocument/2006/math">
+                    <m:r>
+                      <a:rPr lang="en-US" sz="2000" i="1">
+                        <a:latin typeface="Cambria Math" panose="02040503050406030204" pitchFamily="18" charset="0"/>
+                        <a:ea typeface="Cambria Math" panose="02040503050406030204" pitchFamily="18" charset="0"/>
+                        <a:cs typeface="Calibri" panose="020F0502020204030204" pitchFamily="34" charset="0"/>
+                        <a:sym typeface="Symbol" pitchFamily="18" charset="2"/>
+                      </a:rPr>
+                      <m:t>∙ </m:t>
+                    </m:r>
+                    <m:sSup>
+                      <m:sSupPr>
+                        <m:ctrlPr>
+                          <a:rPr lang="en-US" sz="2000" i="1" smtClean="0">
+                            <a:latin typeface="Cambria Math" panose="02040503050406030204" pitchFamily="18" charset="0"/>
+                            <a:cs typeface="Calibri" panose="020F0502020204030204" pitchFamily="34" charset="0"/>
+                            <a:sym typeface="Symbol" pitchFamily="18" charset="2"/>
+                          </a:rPr>
+                        </m:ctrlPr>
+                      </m:sSupPr>
+                      <m:e>
+                        <m:sSub>
+                          <m:sSubPr>
+                            <m:ctrlPr>
+                              <a:rPr lang="en-US" sz="2000" i="1">
+                                <a:latin typeface="Cambria Math" panose="02040503050406030204" pitchFamily="18" charset="0"/>
+                                <a:cs typeface="Calibri" panose="020F0502020204030204" pitchFamily="34" charset="0"/>
+                                <a:sym typeface="Symbol" pitchFamily="18" charset="2"/>
+                              </a:rPr>
+                            </m:ctrlPr>
+                          </m:sSubPr>
+                          <m:e>
+                            <m:r>
+                              <a:rPr lang="en-US" sz="2000" i="1">
+                                <a:latin typeface="Cambria Math" panose="02040503050406030204" pitchFamily="18" charset="0"/>
+                                <a:cs typeface="Calibri" panose="020F0502020204030204" pitchFamily="34" charset="0"/>
+                                <a:sym typeface="Symbol" pitchFamily="18" charset="2"/>
+                              </a:rPr>
+                              <m:t>𝑝</m:t>
+                            </m:r>
+                          </m:e>
+                          <m:sub>
+                            <m:r>
+                              <a:rPr lang="en-US" sz="2000" b="0" i="1" smtClean="0">
+                                <a:latin typeface="Cambria Math" panose="02040503050406030204" pitchFamily="18" charset="0"/>
+                                <a:cs typeface="Calibri" panose="020F0502020204030204" pitchFamily="34" charset="0"/>
+                                <a:sym typeface="Symbol" pitchFamily="18" charset="2"/>
+                              </a:rPr>
+                              <m:t>𝑘</m:t>
+                            </m:r>
+                          </m:sub>
+                        </m:sSub>
+                      </m:e>
+                      <m:sup>
+                        <m:sSub>
+                          <m:sSubPr>
+                            <m:ctrlPr>
+                              <a:rPr lang="en-US" sz="2000" i="1">
+                                <a:latin typeface="Cambria Math" panose="02040503050406030204" pitchFamily="18" charset="0"/>
+                                <a:cs typeface="Calibri" panose="020F0502020204030204" pitchFamily="34" charset="0"/>
+                                <a:sym typeface="Symbol" pitchFamily="18" charset="2"/>
+                              </a:rPr>
+                            </m:ctrlPr>
+                          </m:sSubPr>
+                          <m:e>
+                            <m:r>
+                              <a:rPr lang="en-US" sz="2000" i="1">
+                                <a:latin typeface="Cambria Math" panose="02040503050406030204" pitchFamily="18" charset="0"/>
+                                <a:cs typeface="Calibri" panose="020F0502020204030204" pitchFamily="34" charset="0"/>
+                                <a:sym typeface="Symbol" pitchFamily="18" charset="2"/>
+                              </a:rPr>
+                              <m:t>𝑒</m:t>
+                            </m:r>
+                          </m:e>
+                          <m:sub>
+                            <m:r>
+                              <a:rPr lang="en-US" sz="2000" b="0" i="1" smtClean="0">
+                                <a:latin typeface="Cambria Math" panose="02040503050406030204" pitchFamily="18" charset="0"/>
+                                <a:cs typeface="Calibri" panose="020F0502020204030204" pitchFamily="34" charset="0"/>
+                                <a:sym typeface="Symbol" pitchFamily="18" charset="2"/>
+                              </a:rPr>
+                              <m:t>𝑘</m:t>
+                            </m:r>
+                          </m:sub>
+                        </m:sSub>
+                      </m:sup>
+                    </m:sSup>
+                  </m:oMath>
+                </a14:m>
                 <a:r>
                   <a:rPr lang="en-US" sz="2000" dirty="0">
                     <a:sym typeface="Symbol" pitchFamily="18" charset="2"/>
@@ -32014,20 +33128,22 @@
                     <a:latin typeface="Courier New" pitchFamily="49" charset="0"/>
                     <a:sym typeface="Symbol" pitchFamily="18" charset="2"/>
                   </a:rPr>
-                  <a:t>while () {</a:t>
+                  <a:t>while(1) {</a:t>
                 </a:r>
-                <a:br>
-                  <a:rPr lang="en-US" sz="1800" dirty="0">
-                    <a:latin typeface="Courier New" pitchFamily="49" charset="0"/>
-                    <a:sym typeface="Symbol" pitchFamily="18" charset="2"/>
-                  </a:rPr>
-                </a:br>
+              </a:p>
+              <a:p>
+                <a:pPr marL="1460500" lvl="2" indent="-660400">
+                  <a:spcBef>
+                    <a:spcPts val="200"/>
+                  </a:spcBef>
+                  <a:buNone/>
+                </a:pPr>
                 <a:r>
                   <a:rPr lang="en-US" sz="1800" dirty="0">
                     <a:latin typeface="Courier New" pitchFamily="49" charset="0"/>
                     <a:sym typeface="Symbol" pitchFamily="18" charset="2"/>
                   </a:rPr>
-                  <a:t>   choose a random </a:t>
+                  <a:t>  choose a random </a:t>
                 </a:r>
                 <a:r>
                   <a:rPr lang="en-US" sz="1800" dirty="0" err="1">
@@ -32036,18 +33152,24 @@
                   </a:rPr>
                   <a:t>gG</a:t>
                 </a:r>
-                <a:br>
-                  <a:rPr lang="en-US" sz="1800" dirty="0">
-                    <a:latin typeface="Courier New" pitchFamily="49" charset="0"/>
-                    <a:sym typeface="Symbol" pitchFamily="18" charset="2"/>
-                  </a:rPr>
-                </a:br>
+                <a:endParaRPr lang="en-US" sz="1800" dirty="0">
+                  <a:latin typeface="Courier New" pitchFamily="49" charset="0"/>
+                  <a:sym typeface="Symbol" pitchFamily="18" charset="2"/>
+                </a:endParaRPr>
+              </a:p>
+              <a:p>
+                <a:pPr marL="1460500" lvl="2" indent="-660400">
+                  <a:spcBef>
+                    <a:spcPts val="200"/>
+                  </a:spcBef>
+                  <a:buNone/>
+                </a:pPr>
                 <a:r>
                   <a:rPr lang="en-US" sz="1800" dirty="0">
                     <a:latin typeface="Courier New" pitchFamily="49" charset="0"/>
                     <a:sym typeface="Symbol" pitchFamily="18" charset="2"/>
                   </a:rPr>
-                  <a:t>   for(</a:t>
+                  <a:t>  for(</a:t>
                 </a:r>
                 <a:r>
                   <a:rPr lang="en-US" sz="1800" dirty="0" err="1">
@@ -32088,7 +33210,7 @@
                     <a:latin typeface="Courier New" pitchFamily="49" charset="0"/>
                     <a:sym typeface="Symbol" pitchFamily="18" charset="2"/>
                   </a:rPr>
-                  <a:t>      b= </a:t>
+                  <a:t>b= </a:t>
                 </a:r>
                 <a:r>
                   <a:rPr lang="en-US" sz="1800" dirty="0" err="1">
@@ -32122,7 +33244,7 @@
                     <a:latin typeface="Courier New" pitchFamily="49" charset="0"/>
                     <a:sym typeface="Symbol" pitchFamily="18" charset="2"/>
                   </a:rPr>
-                  <a:t>      if (b==1)</a:t>
+                  <a:t>if (b==1)</a:t>
                 </a:r>
               </a:p>
               <a:p>
@@ -32137,7 +33259,7 @@
                     <a:latin typeface="Courier New" pitchFamily="49" charset="0"/>
                     <a:sym typeface="Symbol" pitchFamily="18" charset="2"/>
                   </a:rPr>
-                  <a:t>              break;</a:t>
+                  <a:t>          break;</a:t>
                 </a:r>
               </a:p>
               <a:p>
@@ -32152,7 +33274,7 @@
                     <a:latin typeface="Courier New" pitchFamily="49" charset="0"/>
                     <a:sym typeface="Symbol" pitchFamily="18" charset="2"/>
                   </a:rPr>
-                  <a:t>		    }</a:t>
+                  <a:t>	}</a:t>
                 </a:r>
               </a:p>
               <a:p>
@@ -32167,7 +33289,7 @@
                     <a:latin typeface="Courier New" pitchFamily="49" charset="0"/>
                     <a:sym typeface="Symbol" pitchFamily="18" charset="2"/>
                   </a:rPr>
-                  <a:t>		  if(</a:t>
+                  <a:t>	if(</a:t>
                 </a:r>
                 <a:r>
                   <a:rPr lang="en-US" sz="1800" dirty="0" err="1">
@@ -32194,7 +33316,7 @@
                     <a:latin typeface="Courier New" pitchFamily="49" charset="0"/>
                     <a:sym typeface="Symbol" pitchFamily="18" charset="2"/>
                   </a:rPr>
-                  <a:t>       return g</a:t>
+                  <a:t>  return g</a:t>
                 </a:r>
               </a:p>
               <a:p>
@@ -32209,8 +33331,16 @@
                     <a:latin typeface="Courier New" pitchFamily="49" charset="0"/>
                     <a:sym typeface="Symbol" pitchFamily="18" charset="2"/>
                   </a:rPr>
-                  <a:t>     }</a:t>
+                  <a:t>   }</a:t>
                 </a:r>
+              </a:p>
+              <a:p>
+                <a:pPr marL="1060450" lvl="1" indent="-660400">
+                  <a:spcBef>
+                    <a:spcPts val="200"/>
+                  </a:spcBef>
+                  <a:buNone/>
+                </a:pPr>
                 <a:endParaRPr lang="en-US" sz="2400" dirty="0">
                   <a:sym typeface="Symbol" pitchFamily="18" charset="2"/>
                 </a:endParaRPr>
@@ -32391,7 +33521,7 @@
               <a:blipFill>
                 <a:blip r:embed="rId2"/>
                 <a:stretch>
-                  <a:fillRect l="-758" t="-817"/>
+                  <a:fillRect l="-758" t="-817" b="-4087"/>
                 </a:stretch>
               </a:blipFill>
             </p:spPr>

--- a/BerkeleyClass/CS290Spring2013/Lectures/Cryptoclass8.pptx
+++ b/BerkeleyClass/CS290Spring2013/Lectures/Cryptoclass8.pptx
@@ -8754,8 +8754,8 @@
           </a:p>
         </p:txBody>
       </p:sp>
-      <mc:AlternateContent xmlns:mc="http://schemas.openxmlformats.org/markup-compatibility/2006">
-        <mc:Choice xmlns:a14="http://schemas.microsoft.com/office/drawing/2010/main" Requires="a14">
+      <mc:AlternateContent xmlns:mc="http://schemas.openxmlformats.org/markup-compatibility/2006" xmlns:a14="http://schemas.microsoft.com/office/drawing/2010/main">
+        <mc:Choice Requires="a14">
           <p:sp>
             <p:nvSpPr>
               <p:cNvPr id="93189" name="Rectangle 3"/>
@@ -9408,7 +9408,7 @@
             </p:txBody>
           </p:sp>
         </mc:Choice>
-        <mc:Fallback>
+        <mc:Fallback xmlns="">
           <p:sp>
             <p:nvSpPr>
               <p:cNvPr id="93189" name="Rectangle 3"/>
@@ -23584,7 +23584,7 @@
               <a:buFontTx/>
               <a:buChar char="•"/>
             </a:pPr>
-            <a:endParaRPr kumimoji="1" lang="en-US" sz="2400">
+            <a:endParaRPr kumimoji="1" lang="en-US" sz="2400" dirty="0">
               <a:solidFill>
                 <a:schemeClr val="accent2"/>
               </a:solidFill>
@@ -23600,9 +23600,14 @@
               </a:spcBef>
             </a:pPr>
             <a:r>
-              <a:rPr kumimoji="1" lang="en-GB" sz="2400"/>
-              <a:t>Login: jlm</a:t>
-            </a:r>
+              <a:rPr kumimoji="1" lang="en-GB" sz="2000" dirty="0"/>
+              <a:t>Login: </a:t>
+            </a:r>
+            <a:r>
+              <a:rPr kumimoji="1" lang="en-GB" sz="2000" dirty="0" err="1"/>
+              <a:t>jlm</a:t>
+            </a:r>
+            <a:endParaRPr kumimoji="1" lang="en-GB" sz="2000" dirty="0"/>
           </a:p>
           <a:p>
             <a:pPr marL="342900" indent="-342900" eaLnBrk="0" hangingPunct="0">
@@ -23614,7 +23619,7 @@
               </a:spcBef>
             </a:pPr>
             <a:r>
-              <a:rPr kumimoji="1" lang="en-GB" sz="2400"/>
+              <a:rPr kumimoji="1" lang="en-GB" sz="2000" dirty="0"/>
               <a:t>Password: ********</a:t>
             </a:r>
           </a:p>
@@ -23627,7 +23632,7 @@
                 <a:spcPct val="20000"/>
               </a:spcBef>
             </a:pPr>
-            <a:endParaRPr kumimoji="1" lang="en-GB" sz="2400"/>
+            <a:endParaRPr kumimoji="1" lang="en-GB" sz="2000" dirty="0"/>
           </a:p>
           <a:p>
             <a:pPr marL="342900" indent="-342900" eaLnBrk="0" hangingPunct="0">
@@ -23639,9 +23644,14 @@
               </a:spcBef>
             </a:pPr>
             <a:r>
-              <a:rPr kumimoji="1" lang="en-GB" sz="2400"/>
-              <a:t>Welcome John Manferdelli</a:t>
-            </a:r>
+              <a:rPr kumimoji="1" lang="en-GB" sz="2000" dirty="0"/>
+              <a:t>Welcome John </a:t>
+            </a:r>
+            <a:r>
+              <a:rPr kumimoji="1" lang="en-GB" sz="2000" dirty="0" err="1"/>
+              <a:t>Manferdelli</a:t>
+            </a:r>
+            <a:endParaRPr kumimoji="1" lang="en-GB" sz="2000" dirty="0"/>
           </a:p>
           <a:p>
             <a:pPr marL="342900" indent="-342900" eaLnBrk="0" hangingPunct="0">
@@ -23653,7 +23663,7 @@
               </a:spcBef>
             </a:pPr>
             <a:r>
-              <a:rPr kumimoji="1" lang="en-GB" sz="2400"/>
+              <a:rPr kumimoji="1" lang="en-GB" sz="2000" dirty="0"/>
               <a:t>&gt; </a:t>
             </a:r>
           </a:p>

--- a/BerkeleyClass/CS290Spring2013/Lectures/Cryptoclass8.pptx
+++ b/BerkeleyClass/CS290Spring2013/Lectures/Cryptoclass8.pptx
@@ -9760,8 +9760,8 @@
           </a:p>
         </p:txBody>
       </p:sp>
-      <mc:AlternateContent xmlns:mc="http://schemas.openxmlformats.org/markup-compatibility/2006" xmlns:a14="http://schemas.microsoft.com/office/drawing/2010/main">
-        <mc:Choice Requires="a14">
+      <mc:AlternateContent xmlns:mc="http://schemas.openxmlformats.org/markup-compatibility/2006">
+        <mc:Choice xmlns:a14="http://schemas.microsoft.com/office/drawing/2010/main" Requires="a14">
           <p:sp>
             <p:nvSpPr>
               <p:cNvPr id="93189" name="Rectangle 3"/>
@@ -9787,7 +9787,7 @@
                     <m:sSup>
                       <m:sSupPr>
                         <m:ctrlPr>
-                          <a:rPr lang="en-US" sz="2000" i="1" smtClean="0">
+                          <a:rPr lang="en-US" sz="2400" i="1" smtClean="0">
                             <a:latin typeface="Cambria Math" panose="02040503050406030204" pitchFamily="18" charset="0"/>
                             <a:cs typeface="Calibri" panose="020F0502020204030204" pitchFamily="34" charset="0"/>
                           </a:rPr>
@@ -9795,7 +9795,7 @@
                       </m:sSupPr>
                       <m:e>
                         <m:r>
-                          <a:rPr lang="en-US" sz="2000" b="0" i="1" smtClean="0">
+                          <a:rPr lang="en-US" sz="2400" b="0" i="1" smtClean="0">
                             <a:latin typeface="Cambria Math" panose="02040503050406030204" pitchFamily="18" charset="0"/>
                             <a:cs typeface="Calibri" panose="020F0502020204030204" pitchFamily="34" charset="0"/>
                           </a:rPr>
@@ -9804,7 +9804,7 @@
                       </m:e>
                       <m:sup>
                         <m:r>
-                          <a:rPr lang="en-US" sz="2000" b="0" i="1" smtClean="0">
+                          <a:rPr lang="en-US" sz="2400" b="0" i="1" smtClean="0">
                             <a:latin typeface="Cambria Math" panose="02040503050406030204" pitchFamily="18" charset="0"/>
                             <a:cs typeface="Calibri" panose="020F0502020204030204" pitchFamily="34" charset="0"/>
                           </a:rPr>
@@ -9813,49 +9813,49 @@
                       </m:sup>
                     </m:sSup>
                     <m:r>
-                      <a:rPr lang="en-US" sz="2000" b="0" i="1" smtClean="0">
+                      <a:rPr lang="en-US" sz="2400" b="0" i="1" smtClean="0">
                         <a:latin typeface="Cambria Math" panose="02040503050406030204" pitchFamily="18" charset="0"/>
                         <a:cs typeface="Calibri" panose="020F0502020204030204" pitchFamily="34" charset="0"/>
                       </a:rPr>
                       <m:t>=</m:t>
                     </m:r>
                     <m:r>
-                      <a:rPr lang="en-US" sz="2000" b="0" i="1" smtClean="0">
+                      <a:rPr lang="en-US" sz="2400" b="0" i="1" smtClean="0">
                         <a:latin typeface="Cambria Math" panose="02040503050406030204" pitchFamily="18" charset="0"/>
                         <a:cs typeface="Calibri" panose="020F0502020204030204" pitchFamily="34" charset="0"/>
                       </a:rPr>
                       <m:t>𝑦</m:t>
                     </m:r>
                     <m:r>
-                      <a:rPr lang="en-US" sz="2000" b="0" i="1" smtClean="0">
+                      <a:rPr lang="en-US" sz="2400" b="0" i="1" smtClean="0">
                         <a:latin typeface="Cambria Math" panose="02040503050406030204" pitchFamily="18" charset="0"/>
                         <a:cs typeface="Calibri" panose="020F0502020204030204" pitchFamily="34" charset="0"/>
                       </a:rPr>
                       <m:t>(</m:t>
                     </m:r>
                     <m:r>
-                      <a:rPr lang="en-US" sz="2000" b="0" i="1" smtClean="0">
+                      <a:rPr lang="en-US" sz="2400" b="0" i="1" smtClean="0">
                         <a:latin typeface="Cambria Math" panose="02040503050406030204" pitchFamily="18" charset="0"/>
                         <a:cs typeface="Calibri" panose="020F0502020204030204" pitchFamily="34" charset="0"/>
                       </a:rPr>
                       <m:t>𝑚𝑜𝑑</m:t>
                     </m:r>
                     <m:r>
-                      <a:rPr lang="en-US" sz="2000" b="0" i="1" smtClean="0">
+                      <a:rPr lang="en-US" sz="2400" b="0" i="1" smtClean="0">
                         <a:latin typeface="Cambria Math" panose="02040503050406030204" pitchFamily="18" charset="0"/>
                         <a:cs typeface="Calibri" panose="020F0502020204030204" pitchFamily="34" charset="0"/>
                       </a:rPr>
                       <m:t> </m:t>
                     </m:r>
                     <m:r>
-                      <a:rPr lang="en-US" sz="2000" b="0" i="1" smtClean="0">
+                      <a:rPr lang="en-US" sz="2400" b="0" i="1" smtClean="0">
                         <a:latin typeface="Cambria Math" panose="02040503050406030204" pitchFamily="18" charset="0"/>
                         <a:cs typeface="Calibri" panose="020F0502020204030204" pitchFamily="34" charset="0"/>
                       </a:rPr>
                       <m:t>𝑝</m:t>
                     </m:r>
                     <m:r>
-                      <a:rPr lang="en-US" sz="2000" b="0" i="1" smtClean="0">
+                      <a:rPr lang="en-US" sz="2400" b="0" i="1" smtClean="0">
                         <a:latin typeface="Cambria Math" panose="02040503050406030204" pitchFamily="18" charset="0"/>
                         <a:cs typeface="Calibri" panose="020F0502020204030204" pitchFamily="34" charset="0"/>
                       </a:rPr>
@@ -9864,7 +9864,7 @@
                   </m:oMath>
                 </a14:m>
                 <a:r>
-                  <a:rPr lang="en-US" sz="2000" dirty="0">
+                  <a:rPr lang="en-US" sz="2400" dirty="0">
                     <a:latin typeface="Calibri" panose="020F0502020204030204" pitchFamily="34" charset="0"/>
                     <a:cs typeface="Calibri" panose="020F0502020204030204" pitchFamily="34" charset="0"/>
                   </a:rPr>
@@ -9875,14 +9875,14 @@
                 <a14:m>
                   <m:oMath xmlns:m="http://schemas.openxmlformats.org/officeDocument/2006/math">
                     <m:r>
-                      <a:rPr lang="en-US" sz="2000" b="0" i="1" smtClean="0">
+                      <a:rPr lang="en-US" sz="2400" b="0" i="1" smtClean="0">
                         <a:latin typeface="Cambria Math" panose="02040503050406030204" pitchFamily="18" charset="0"/>
                         <a:cs typeface="Calibri" panose="020F0502020204030204" pitchFamily="34" charset="0"/>
                       </a:rPr>
                       <m:t>𝑚</m:t>
                     </m:r>
                     <m:r>
-                      <a:rPr lang="en-US" sz="2000" b="0" i="1" smtClean="0">
+                      <a:rPr lang="en-US" sz="2400" b="0" i="1" smtClean="0">
                         <a:latin typeface="Cambria Math" panose="02040503050406030204" pitchFamily="18" charset="0"/>
                         <a:ea typeface="Cambria Math" panose="02040503050406030204" pitchFamily="18" charset="0"/>
                         <a:cs typeface="Calibri" panose="020F0502020204030204" pitchFamily="34" charset="0"/>
@@ -9893,7 +9893,7 @@
                       <m:radPr>
                         <m:degHide m:val="on"/>
                         <m:ctrlPr>
-                          <a:rPr lang="en-US" sz="2000" b="0" i="1" smtClean="0">
+                          <a:rPr lang="en-US" sz="2400" b="0" i="1" smtClean="0">
                             <a:latin typeface="Cambria Math" panose="02040503050406030204" pitchFamily="18" charset="0"/>
                             <a:ea typeface="Cambria Math" panose="02040503050406030204" pitchFamily="18" charset="0"/>
                             <a:cs typeface="Calibri" panose="020F0502020204030204" pitchFamily="34" charset="0"/>
@@ -9903,7 +9903,7 @@
                       <m:deg/>
                       <m:e>
                         <m:r>
-                          <a:rPr lang="en-US" sz="2000" b="0" i="1" smtClean="0">
+                          <a:rPr lang="en-US" sz="2400" b="0" i="1" smtClean="0">
                             <a:latin typeface="Cambria Math" panose="02040503050406030204" pitchFamily="18" charset="0"/>
                             <a:ea typeface="Cambria Math" panose="02040503050406030204" pitchFamily="18" charset="0"/>
                             <a:cs typeface="Calibri" panose="020F0502020204030204" pitchFamily="34" charset="0"/>
@@ -9915,7 +9915,7 @@
                   </m:oMath>
                 </a14:m>
                 <a:r>
-                  <a:rPr lang="en-US" sz="2000" dirty="0">
+                  <a:rPr lang="en-US" sz="2400" dirty="0">
                     <a:latin typeface="Calibri" panose="020F0502020204030204" pitchFamily="34" charset="0"/>
                     <a:cs typeface="Calibri" panose="020F0502020204030204" pitchFamily="34" charset="0"/>
                   </a:rPr>
@@ -9924,7 +9924,7 @@
               </a:p>
               <a:p>
                 <a:r>
-                  <a:rPr lang="en-US" sz="2000" dirty="0">
+                  <a:rPr lang="en-US" sz="2400" dirty="0">
                     <a:latin typeface="Calibri" panose="020F0502020204030204" pitchFamily="34" charset="0"/>
                     <a:cs typeface="Calibri" panose="020F0502020204030204" pitchFamily="34" charset="0"/>
                   </a:rPr>
@@ -9935,7 +9935,7 @@
                     <m:sSup>
                       <m:sSupPr>
                         <m:ctrlPr>
-                          <a:rPr lang="en-US" sz="2000" b="0" i="1" dirty="0" smtClean="0">
+                          <a:rPr lang="en-US" sz="2400" b="0" i="1" dirty="0" smtClean="0">
                             <a:latin typeface="Cambria Math" panose="02040503050406030204" pitchFamily="18" charset="0"/>
                             <a:cs typeface="Calibri" panose="020F0502020204030204" pitchFamily="34" charset="0"/>
                           </a:rPr>
@@ -9943,7 +9943,7 @@
                       </m:sSupPr>
                       <m:e>
                         <m:r>
-                          <a:rPr lang="en-US" sz="2000" b="0" i="1" dirty="0" smtClean="0">
+                          <a:rPr lang="en-US" sz="2400" b="0" i="1" dirty="0" smtClean="0">
                             <a:latin typeface="Cambria Math" panose="02040503050406030204" pitchFamily="18" charset="0"/>
                             <a:cs typeface="Calibri" panose="020F0502020204030204" pitchFamily="34" charset="0"/>
                           </a:rPr>
@@ -9952,7 +9952,7 @@
                       </m:e>
                       <m:sup>
                         <m:r>
-                          <a:rPr lang="en-US" sz="2000" b="0" i="1" dirty="0" smtClean="0">
+                          <a:rPr lang="en-US" sz="2400" b="0" i="1" dirty="0" smtClean="0">
                             <a:latin typeface="Cambria Math" panose="02040503050406030204" pitchFamily="18" charset="0"/>
                             <a:cs typeface="Calibri" panose="020F0502020204030204" pitchFamily="34" charset="0"/>
                           </a:rPr>
@@ -9961,28 +9961,28 @@
                       </m:sup>
                     </m:sSup>
                     <m:r>
-                      <a:rPr lang="en-US" sz="2000" b="0" i="1" dirty="0" smtClean="0">
+                      <a:rPr lang="en-US" sz="2400" b="0" i="1" dirty="0" smtClean="0">
                         <a:latin typeface="Cambria Math" panose="02040503050406030204" pitchFamily="18" charset="0"/>
                         <a:cs typeface="Calibri" panose="020F0502020204030204" pitchFamily="34" charset="0"/>
                       </a:rPr>
                       <m:t>,</m:t>
                     </m:r>
                     <m:r>
-                      <a:rPr lang="en-US" sz="2000" i="1" dirty="0" smtClean="0">
+                      <a:rPr lang="en-US" sz="2400" i="1" dirty="0" smtClean="0">
                         <a:latin typeface="Cambria Math" panose="02040503050406030204" pitchFamily="18" charset="0"/>
                         <a:cs typeface="Calibri" panose="020F0502020204030204" pitchFamily="34" charset="0"/>
                       </a:rPr>
                       <m:t> </m:t>
                     </m:r>
                     <m:r>
-                      <a:rPr lang="en-US" sz="2000" b="0" i="1" dirty="0" smtClean="0">
+                      <a:rPr lang="en-US" sz="2400" b="0" i="1" dirty="0" smtClean="0">
                         <a:latin typeface="Cambria Math" panose="02040503050406030204" pitchFamily="18" charset="0"/>
                         <a:cs typeface="Calibri" panose="020F0502020204030204" pitchFamily="34" charset="0"/>
                       </a:rPr>
                       <m:t>0</m:t>
                     </m:r>
                     <m:r>
-                      <a:rPr lang="en-US" sz="2000" b="0" i="1" dirty="0" smtClean="0">
+                      <a:rPr lang="en-US" sz="2400" b="0" i="1" dirty="0" smtClean="0">
                         <a:latin typeface="Cambria Math" panose="02040503050406030204" pitchFamily="18" charset="0"/>
                         <a:ea typeface="Cambria Math" panose="02040503050406030204" pitchFamily="18" charset="0"/>
                         <a:cs typeface="Calibri" panose="020F0502020204030204" pitchFamily="34" charset="0"/>
@@ -9990,7 +9990,7 @@
                       <m:t>≤</m:t>
                     </m:r>
                     <m:r>
-                      <a:rPr lang="en-US" sz="2000" b="0" i="1" dirty="0" smtClean="0">
+                      <a:rPr lang="en-US" sz="2400" b="0" i="1" dirty="0" smtClean="0">
                         <a:latin typeface="Cambria Math" panose="02040503050406030204" pitchFamily="18" charset="0"/>
                         <a:ea typeface="Cambria Math" panose="02040503050406030204" pitchFamily="18" charset="0"/>
                         <a:cs typeface="Calibri" panose="020F0502020204030204" pitchFamily="34" charset="0"/>
@@ -9998,7 +9998,7 @@
                       <m:t>𝑗</m:t>
                     </m:r>
                     <m:r>
-                      <a:rPr lang="en-US" sz="2000" b="0" i="1" dirty="0" smtClean="0">
+                      <a:rPr lang="en-US" sz="2400" b="0" i="1" dirty="0" smtClean="0">
                         <a:latin typeface="Cambria Math" panose="02040503050406030204" pitchFamily="18" charset="0"/>
                         <a:ea typeface="Cambria Math" panose="02040503050406030204" pitchFamily="18" charset="0"/>
                         <a:cs typeface="Calibri" panose="020F0502020204030204" pitchFamily="34" charset="0"/>
@@ -10006,7 +10006,7 @@
                       <m:t>&lt;</m:t>
                     </m:r>
                     <m:r>
-                      <a:rPr lang="en-US" sz="2000" b="0" i="1" dirty="0" smtClean="0">
+                      <a:rPr lang="en-US" sz="2400" b="0" i="1" dirty="0" smtClean="0">
                         <a:latin typeface="Cambria Math" panose="02040503050406030204" pitchFamily="18" charset="0"/>
                         <a:ea typeface="Cambria Math" panose="02040503050406030204" pitchFamily="18" charset="0"/>
                         <a:cs typeface="Calibri" panose="020F0502020204030204" pitchFamily="34" charset="0"/>
@@ -10016,7 +10016,7 @@
                   </m:oMath>
                 </a14:m>
                 <a:r>
-                  <a:rPr lang="en-US" sz="2000" dirty="0">
+                  <a:rPr lang="en-US" sz="2400" dirty="0">
                     <a:latin typeface="Calibri" panose="020F0502020204030204" pitchFamily="34" charset="0"/>
                     <a:cs typeface="Calibri" panose="020F0502020204030204" pitchFamily="34" charset="0"/>
                   </a:rPr>
@@ -10025,7 +10025,7 @@
               </a:p>
               <a:p>
                 <a:r>
-                  <a:rPr lang="en-US" sz="2000" dirty="0">
+                  <a:rPr lang="en-US" sz="2400" dirty="0">
                     <a:latin typeface="Calibri" panose="020F0502020204030204" pitchFamily="34" charset="0"/>
                     <a:cs typeface="Calibri" panose="020F0502020204030204" pitchFamily="34" charset="0"/>
                   </a:rPr>
@@ -10034,21 +10034,21 @@
                 <a14:m>
                   <m:oMath xmlns:m="http://schemas.openxmlformats.org/officeDocument/2006/math">
                     <m:r>
-                      <a:rPr lang="en-US" sz="2000" b="0" i="1" dirty="0" smtClean="0">
+                      <a:rPr lang="en-US" sz="2400" b="0" i="1" dirty="0" smtClean="0">
                         <a:latin typeface="Cambria Math" panose="02040503050406030204" pitchFamily="18" charset="0"/>
                         <a:cs typeface="Calibri" panose="020F0502020204030204" pitchFamily="34" charset="0"/>
                       </a:rPr>
                       <m:t>(</m:t>
                     </m:r>
                     <m:r>
-                      <a:rPr lang="en-US" sz="2000" b="0" i="1" dirty="0" err="1" smtClean="0">
+                      <a:rPr lang="en-US" sz="2400" b="0" i="1" dirty="0" err="1" smtClean="0">
                         <a:latin typeface="Cambria Math" panose="02040503050406030204" pitchFamily="18" charset="0"/>
                         <a:cs typeface="Calibri" panose="020F0502020204030204" pitchFamily="34" charset="0"/>
                       </a:rPr>
                       <m:t>𝑗</m:t>
                     </m:r>
                     <m:r>
-                      <a:rPr lang="en-US" sz="2000" b="0" i="1" dirty="0" err="1" smtClean="0">
+                      <a:rPr lang="en-US" sz="2400" b="0" i="1" dirty="0" err="1" smtClean="0">
                         <a:latin typeface="Cambria Math" panose="02040503050406030204" pitchFamily="18" charset="0"/>
                         <a:cs typeface="Calibri" panose="020F0502020204030204" pitchFamily="34" charset="0"/>
                       </a:rPr>
@@ -10057,7 +10057,7 @@
                     <m:sSup>
                       <m:sSupPr>
                         <m:ctrlPr>
-                          <a:rPr lang="en-US" sz="2000" i="1" dirty="0">
+                          <a:rPr lang="en-US" sz="2400" i="1" dirty="0">
                             <a:latin typeface="Cambria Math" panose="02040503050406030204" pitchFamily="18" charset="0"/>
                             <a:cs typeface="Calibri" panose="020F0502020204030204" pitchFamily="34" charset="0"/>
                           </a:rPr>
@@ -10065,7 +10065,7 @@
                       </m:sSupPr>
                       <m:e>
                         <m:r>
-                          <a:rPr lang="en-US" sz="2000" i="1" dirty="0">
+                          <a:rPr lang="en-US" sz="2400" i="1" dirty="0">
                             <a:latin typeface="Cambria Math" panose="02040503050406030204" pitchFamily="18" charset="0"/>
                             <a:cs typeface="Calibri" panose="020F0502020204030204" pitchFamily="34" charset="0"/>
                           </a:rPr>
@@ -10074,7 +10074,7 @@
                       </m:e>
                       <m:sup>
                         <m:r>
-                          <a:rPr lang="en-US" sz="2000" i="1" dirty="0">
+                          <a:rPr lang="en-US" sz="2400" i="1" dirty="0">
                             <a:latin typeface="Cambria Math" panose="02040503050406030204" pitchFamily="18" charset="0"/>
                             <a:cs typeface="Calibri" panose="020F0502020204030204" pitchFamily="34" charset="0"/>
                           </a:rPr>
@@ -10083,14 +10083,14 @@
                       </m:sup>
                     </m:sSup>
                     <m:r>
-                      <a:rPr lang="en-US" sz="2000" b="0" i="1" dirty="0" smtClean="0">
+                      <a:rPr lang="en-US" sz="2400" b="0" i="1" dirty="0" smtClean="0">
                         <a:latin typeface="Cambria Math" panose="02040503050406030204" pitchFamily="18" charset="0"/>
                         <a:cs typeface="Calibri" panose="020F0502020204030204" pitchFamily="34" charset="0"/>
                       </a:rPr>
                       <m:t>)</m:t>
                     </m:r>
                     <m:r>
-                      <a:rPr lang="en-US" sz="2000" i="1" dirty="0">
+                      <a:rPr lang="en-US" sz="2400" i="1" dirty="0">
                         <a:latin typeface="Cambria Math" panose="02040503050406030204" pitchFamily="18" charset="0"/>
                         <a:cs typeface="Calibri" panose="020F0502020204030204" pitchFamily="34" charset="0"/>
                       </a:rPr>
@@ -10099,7 +10099,7 @@
                   </m:oMath>
                 </a14:m>
                 <a:r>
-                  <a:rPr lang="en-US" sz="2000" dirty="0">
+                  <a:rPr lang="en-US" sz="2400" dirty="0">
                     <a:latin typeface="Calibri" panose="020F0502020204030204" pitchFamily="34" charset="0"/>
                     <a:cs typeface="Calibri" panose="020F0502020204030204" pitchFamily="34" charset="0"/>
                   </a:rPr>
@@ -10108,7 +10108,7 @@
               </a:p>
               <a:p>
                 <a:r>
-                  <a:rPr lang="en-US" sz="2000" dirty="0">
+                  <a:rPr lang="en-US" sz="2400" dirty="0">
                     <a:latin typeface="Calibri" panose="020F0502020204030204" pitchFamily="34" charset="0"/>
                     <a:cs typeface="Calibri" panose="020F0502020204030204" pitchFamily="34" charset="0"/>
                   </a:rPr>
@@ -10117,21 +10117,21 @@
                 <a14:m>
                   <m:oMath xmlns:m="http://schemas.openxmlformats.org/officeDocument/2006/math">
                     <m:r>
-                      <a:rPr lang="en-US" sz="2000" i="1" dirty="0" smtClean="0">
+                      <a:rPr lang="en-US" sz="2400" i="1" dirty="0" smtClean="0">
                         <a:latin typeface="Cambria Math" panose="02040503050406030204" pitchFamily="18" charset="0"/>
                         <a:cs typeface="Calibri" panose="020F0502020204030204" pitchFamily="34" charset="0"/>
                       </a:rPr>
                       <m:t> </m:t>
                     </m:r>
                     <m:r>
-                      <a:rPr lang="en-US" sz="2000" i="1" dirty="0" err="1">
+                      <a:rPr lang="en-US" sz="2400" i="1" dirty="0" err="1">
                         <a:latin typeface="Cambria Math" panose="02040503050406030204" pitchFamily="18" charset="0"/>
                         <a:cs typeface="Calibri" panose="020F0502020204030204" pitchFamily="34" charset="0"/>
                       </a:rPr>
                       <m:t>𝑖</m:t>
                     </m:r>
                     <m:r>
-                      <a:rPr lang="en-US" sz="2000" i="1" dirty="0">
+                      <a:rPr lang="en-US" sz="2400" i="1" dirty="0">
                         <a:latin typeface="Cambria Math" panose="02040503050406030204" pitchFamily="18" charset="0"/>
                         <a:cs typeface="Calibri" panose="020F0502020204030204" pitchFamily="34" charset="0"/>
                       </a:rPr>
@@ -10140,7 +10140,7 @@
                   </m:oMath>
                 </a14:m>
                 <a:r>
-                  <a:rPr lang="en-US" sz="2000" dirty="0">
+                  <a:rPr lang="en-US" sz="2400" dirty="0">
                     <a:latin typeface="Calibri" panose="020F0502020204030204" pitchFamily="34" charset="0"/>
                     <a:cs typeface="Calibri" panose="020F0502020204030204" pitchFamily="34" charset="0"/>
                   </a:rPr>
@@ -10149,7 +10149,7 @@
                 <a14:m>
                   <m:oMath xmlns:m="http://schemas.openxmlformats.org/officeDocument/2006/math">
                     <m:r>
-                      <a:rPr lang="en-US" sz="2000" b="0" i="1" dirty="0" smtClean="0">
+                      <a:rPr lang="en-US" sz="2400" b="0" i="1" dirty="0" smtClean="0">
                         <a:latin typeface="Cambria Math" panose="02040503050406030204" pitchFamily="18" charset="0"/>
                         <a:cs typeface="Calibri" panose="020F0502020204030204" pitchFamily="34" charset="0"/>
                       </a:rPr>
@@ -10158,7 +10158,7 @@
                     <m:sSup>
                       <m:sSupPr>
                         <m:ctrlPr>
-                          <a:rPr lang="en-US" sz="2000" b="0" i="1" dirty="0" smtClean="0">
+                          <a:rPr lang="en-US" sz="2400" b="0" i="1" dirty="0" smtClean="0">
                             <a:latin typeface="Cambria Math" panose="02040503050406030204" pitchFamily="18" charset="0"/>
                             <a:cs typeface="Calibri" panose="020F0502020204030204" pitchFamily="34" charset="0"/>
                           </a:rPr>
@@ -10166,7 +10166,7 @@
                       </m:sSupPr>
                       <m:e>
                         <m:r>
-                          <a:rPr lang="en-US" sz="2000" b="0" i="1" dirty="0" smtClean="0">
+                          <a:rPr lang="en-US" sz="2400" b="0" i="1" dirty="0" smtClean="0">
                             <a:latin typeface="Cambria Math" panose="02040503050406030204" pitchFamily="18" charset="0"/>
                             <a:cs typeface="Calibri" panose="020F0502020204030204" pitchFamily="34" charset="0"/>
                           </a:rPr>
@@ -10175,14 +10175,14 @@
                       </m:e>
                       <m:sup>
                         <m:r>
-                          <a:rPr lang="en-US" sz="2000" b="0" i="1" dirty="0" smtClean="0">
+                          <a:rPr lang="en-US" sz="2400" b="0" i="1" dirty="0" smtClean="0">
                             <a:latin typeface="Cambria Math" panose="02040503050406030204" pitchFamily="18" charset="0"/>
                             <a:cs typeface="Calibri" panose="020F0502020204030204" pitchFamily="34" charset="0"/>
                           </a:rPr>
                           <m:t>−</m:t>
                         </m:r>
                         <m:r>
-                          <a:rPr lang="en-US" sz="2000" b="0" i="1" dirty="0" smtClean="0">
+                          <a:rPr lang="en-US" sz="2400" b="0" i="1" dirty="0" smtClean="0">
                             <a:latin typeface="Cambria Math" panose="02040503050406030204" pitchFamily="18" charset="0"/>
                             <a:cs typeface="Calibri" panose="020F0502020204030204" pitchFamily="34" charset="0"/>
                           </a:rPr>
@@ -10191,35 +10191,35 @@
                       </m:sup>
                     </m:sSup>
                     <m:r>
-                      <a:rPr lang="en-US" sz="2000" b="0" i="1" dirty="0" smtClean="0">
+                      <a:rPr lang="en-US" sz="2400" b="0" i="1" dirty="0" smtClean="0">
                         <a:latin typeface="Cambria Math" panose="02040503050406030204" pitchFamily="18" charset="0"/>
                         <a:cs typeface="Calibri" panose="020F0502020204030204" pitchFamily="34" charset="0"/>
                       </a:rPr>
                       <m:t>(</m:t>
                     </m:r>
                     <m:r>
-                      <a:rPr lang="en-US" sz="2000" b="0" i="1" dirty="0" smtClean="0">
+                      <a:rPr lang="en-US" sz="2400" b="0" i="1" dirty="0" smtClean="0">
                         <a:latin typeface="Cambria Math" panose="02040503050406030204" pitchFamily="18" charset="0"/>
                         <a:cs typeface="Calibri" panose="020F0502020204030204" pitchFamily="34" charset="0"/>
                       </a:rPr>
                       <m:t>𝑚𝑜𝑑</m:t>
                     </m:r>
                     <m:r>
-                      <a:rPr lang="en-US" sz="2000" b="0" i="1" dirty="0" smtClean="0">
+                      <a:rPr lang="en-US" sz="2400" b="0" i="1" dirty="0" smtClean="0">
                         <a:latin typeface="Cambria Math" panose="02040503050406030204" pitchFamily="18" charset="0"/>
                         <a:cs typeface="Calibri" panose="020F0502020204030204" pitchFamily="34" charset="0"/>
                       </a:rPr>
                       <m:t> </m:t>
                     </m:r>
                     <m:r>
-                      <a:rPr lang="en-US" sz="2000" b="0" i="1" dirty="0" smtClean="0">
+                      <a:rPr lang="en-US" sz="2400" b="0" i="1" dirty="0" smtClean="0">
                         <a:latin typeface="Cambria Math" panose="02040503050406030204" pitchFamily="18" charset="0"/>
                         <a:cs typeface="Calibri" panose="020F0502020204030204" pitchFamily="34" charset="0"/>
                       </a:rPr>
                       <m:t>𝑝</m:t>
                     </m:r>
                     <m:r>
-                      <a:rPr lang="en-US" sz="2000" b="0" i="1" dirty="0" smtClean="0">
+                      <a:rPr lang="en-US" sz="2400" b="0" i="1" dirty="0" smtClean="0">
                         <a:latin typeface="Cambria Math" panose="02040503050406030204" pitchFamily="18" charset="0"/>
                         <a:cs typeface="Calibri" panose="020F0502020204030204" pitchFamily="34" charset="0"/>
                       </a:rPr>
@@ -10228,7 +10228,7 @@
                   </m:oMath>
                 </a14:m>
                 <a:r>
-                  <a:rPr lang="en-US" sz="2000" dirty="0">
+                  <a:rPr lang="en-US" sz="2400" dirty="0">
                     <a:latin typeface="Calibri" panose="020F0502020204030204" pitchFamily="34" charset="0"/>
                     <a:cs typeface="Calibri" panose="020F0502020204030204" pitchFamily="34" charset="0"/>
                   </a:rPr>
@@ -10237,7 +10237,7 @@
               </a:p>
               <a:p>
                 <a:r>
-                  <a:rPr lang="en-US" sz="2000" dirty="0">
+                  <a:rPr lang="en-US" sz="2400" dirty="0">
                     <a:latin typeface="Calibri" panose="020F0502020204030204" pitchFamily="34" charset="0"/>
                     <a:cs typeface="Calibri" panose="020F0502020204030204" pitchFamily="34" charset="0"/>
                   </a:rPr>
@@ -10246,7 +10246,7 @@
                 <a14:m>
                   <m:oMath xmlns:m="http://schemas.openxmlformats.org/officeDocument/2006/math">
                     <m:r>
-                      <a:rPr lang="en-US" sz="2000" b="0" i="1" smtClean="0">
+                      <a:rPr lang="en-US" sz="2400" b="0" i="1" smtClean="0">
                         <a:latin typeface="Cambria Math" panose="02040503050406030204" pitchFamily="18" charset="0"/>
                         <a:cs typeface="Calibri" panose="020F0502020204030204" pitchFamily="34" charset="0"/>
                       </a:rPr>
@@ -10255,7 +10255,7 @@
                     <m:sSup>
                       <m:sSupPr>
                         <m:ctrlPr>
-                          <a:rPr lang="en-US" sz="2000" b="0" i="1" smtClean="0">
+                          <a:rPr lang="en-US" sz="2400" b="0" i="1" smtClean="0">
                             <a:latin typeface="Cambria Math" panose="02040503050406030204" pitchFamily="18" charset="0"/>
                             <a:cs typeface="Calibri" panose="020F0502020204030204" pitchFamily="34" charset="0"/>
                           </a:rPr>
@@ -10263,7 +10263,7 @@
                       </m:sSupPr>
                       <m:e>
                         <m:r>
-                          <a:rPr lang="en-US" sz="2000" b="0" i="1" smtClean="0">
+                          <a:rPr lang="en-US" sz="2400" b="0" i="1" smtClean="0">
                             <a:latin typeface="Cambria Math" panose="02040503050406030204" pitchFamily="18" charset="0"/>
                             <a:cs typeface="Calibri" panose="020F0502020204030204" pitchFamily="34" charset="0"/>
                           </a:rPr>
@@ -10272,14 +10272,14 @@
                       </m:e>
                       <m:sup>
                         <m:r>
-                          <a:rPr lang="en-US" sz="2000" b="0" i="1" smtClean="0">
+                          <a:rPr lang="en-US" sz="2400" b="0" i="1" smtClean="0">
                             <a:latin typeface="Cambria Math" panose="02040503050406030204" pitchFamily="18" charset="0"/>
                             <a:cs typeface="Calibri" panose="020F0502020204030204" pitchFamily="34" charset="0"/>
                           </a:rPr>
                           <m:t>−</m:t>
                         </m:r>
                         <m:r>
-                          <a:rPr lang="en-US" sz="2000" b="0" i="1" smtClean="0">
+                          <a:rPr lang="en-US" sz="2400" b="0" i="1" smtClean="0">
                             <a:latin typeface="Cambria Math" panose="02040503050406030204" pitchFamily="18" charset="0"/>
                             <a:cs typeface="Calibri" panose="020F0502020204030204" pitchFamily="34" charset="0"/>
                           </a:rPr>
@@ -10288,7 +10288,7 @@
                       </m:sup>
                     </m:sSup>
                     <m:r>
-                      <a:rPr lang="en-US" sz="2000" b="0" i="1" smtClean="0">
+                      <a:rPr lang="en-US" sz="2400" b="0" i="1" smtClean="0">
                         <a:latin typeface="Cambria Math" panose="02040503050406030204" pitchFamily="18" charset="0"/>
                         <a:cs typeface="Calibri" panose="020F0502020204030204" pitchFamily="34" charset="0"/>
                       </a:rPr>
@@ -10297,7 +10297,7 @@
                     <m:sSup>
                       <m:sSupPr>
                         <m:ctrlPr>
-                          <a:rPr lang="en-US" sz="2000" b="0" i="1" smtClean="0">
+                          <a:rPr lang="en-US" sz="2400" b="0" i="1" smtClean="0">
                             <a:latin typeface="Cambria Math" panose="02040503050406030204" pitchFamily="18" charset="0"/>
                             <a:cs typeface="Calibri" panose="020F0502020204030204" pitchFamily="34" charset="0"/>
                           </a:rPr>
@@ -10305,7 +10305,7 @@
                       </m:sSupPr>
                       <m:e>
                         <m:r>
-                          <a:rPr lang="en-US" sz="2000" b="0" i="1" smtClean="0">
+                          <a:rPr lang="en-US" sz="2400" b="0" i="1" smtClean="0">
                             <a:latin typeface="Cambria Math" panose="02040503050406030204" pitchFamily="18" charset="0"/>
                             <a:cs typeface="Calibri" panose="020F0502020204030204" pitchFamily="34" charset="0"/>
                           </a:rPr>
@@ -10314,7 +10314,7 @@
                       </m:e>
                       <m:sup>
                         <m:r>
-                          <a:rPr lang="en-US" sz="2000" b="0" i="1" smtClean="0">
+                          <a:rPr lang="en-US" sz="2400" b="0" i="1" smtClean="0">
                             <a:latin typeface="Cambria Math" panose="02040503050406030204" pitchFamily="18" charset="0"/>
                             <a:cs typeface="Calibri" panose="020F0502020204030204" pitchFamily="34" charset="0"/>
                           </a:rPr>
@@ -10323,35 +10323,35 @@
                       </m:sup>
                     </m:sSup>
                     <m:r>
-                      <a:rPr lang="en-US" sz="2000" b="0" i="1" smtClean="0">
+                      <a:rPr lang="en-US" sz="2400" b="0" i="1" smtClean="0">
                         <a:latin typeface="Cambria Math" panose="02040503050406030204" pitchFamily="18" charset="0"/>
                         <a:cs typeface="Calibri" panose="020F0502020204030204" pitchFamily="34" charset="0"/>
                       </a:rPr>
                       <m:t>(</m:t>
                     </m:r>
                     <m:r>
-                      <a:rPr lang="en-US" sz="2000" b="0" i="1" smtClean="0">
+                      <a:rPr lang="en-US" sz="2400" b="0" i="1" smtClean="0">
                         <a:latin typeface="Cambria Math" panose="02040503050406030204" pitchFamily="18" charset="0"/>
                         <a:cs typeface="Calibri" panose="020F0502020204030204" pitchFamily="34" charset="0"/>
                       </a:rPr>
                       <m:t>𝑚𝑜𝑑</m:t>
                     </m:r>
                     <m:r>
-                      <a:rPr lang="en-US" sz="2000" b="0" i="1" smtClean="0">
+                      <a:rPr lang="en-US" sz="2400" b="0" i="1" smtClean="0">
                         <a:latin typeface="Cambria Math" panose="02040503050406030204" pitchFamily="18" charset="0"/>
                         <a:cs typeface="Calibri" panose="020F0502020204030204" pitchFamily="34" charset="0"/>
                       </a:rPr>
                       <m:t> </m:t>
                     </m:r>
                     <m:r>
-                      <a:rPr lang="en-US" sz="2000" b="0" i="1" smtClean="0">
+                      <a:rPr lang="en-US" sz="2400" b="0" i="1" smtClean="0">
                         <a:latin typeface="Cambria Math" panose="02040503050406030204" pitchFamily="18" charset="0"/>
                         <a:cs typeface="Calibri" panose="020F0502020204030204" pitchFamily="34" charset="0"/>
                       </a:rPr>
                       <m:t>𝑝</m:t>
                     </m:r>
                     <m:r>
-                      <a:rPr lang="en-US" sz="2000" b="0" i="1" smtClean="0">
+                      <a:rPr lang="en-US" sz="2400" b="0" i="1" smtClean="0">
                         <a:latin typeface="Cambria Math" panose="02040503050406030204" pitchFamily="18" charset="0"/>
                         <a:cs typeface="Calibri" panose="020F0502020204030204" pitchFamily="34" charset="0"/>
                       </a:rPr>
@@ -10360,7 +10360,7 @@
                   </m:oMath>
                 </a14:m>
                 <a:r>
-                  <a:rPr lang="en-US" sz="2000" dirty="0">
+                  <a:rPr lang="en-US" sz="2400" dirty="0">
                     <a:latin typeface="Calibri" panose="020F0502020204030204" pitchFamily="34" charset="0"/>
                     <a:cs typeface="Calibri" panose="020F0502020204030204" pitchFamily="34" charset="0"/>
                   </a:rPr>
@@ -10371,42 +10371,42 @@
                 <a14:m>
                   <m:oMath xmlns:m="http://schemas.openxmlformats.org/officeDocument/2006/math">
                     <m:r>
-                      <a:rPr lang="en-US" sz="2000" i="1" dirty="0" smtClean="0">
+                      <a:rPr lang="en-US" sz="2400" i="1" dirty="0" smtClean="0">
                         <a:latin typeface="Cambria Math" panose="02040503050406030204" pitchFamily="18" charset="0"/>
                         <a:cs typeface="Calibri" panose="020F0502020204030204" pitchFamily="34" charset="0"/>
                       </a:rPr>
                       <m:t>𝑥</m:t>
                     </m:r>
                     <m:r>
-                      <a:rPr lang="en-US" sz="2000" i="1" dirty="0">
+                      <a:rPr lang="en-US" sz="2400" i="1" dirty="0">
                         <a:latin typeface="Cambria Math" panose="02040503050406030204" pitchFamily="18" charset="0"/>
                         <a:cs typeface="Calibri" panose="020F0502020204030204" pitchFamily="34" charset="0"/>
                       </a:rPr>
                       <m:t>= </m:t>
                     </m:r>
                     <m:r>
-                      <a:rPr lang="en-US" sz="2000" i="1" dirty="0" err="1">
+                      <a:rPr lang="en-US" sz="2400" i="1" dirty="0" err="1">
                         <a:latin typeface="Cambria Math" panose="02040503050406030204" pitchFamily="18" charset="0"/>
                         <a:cs typeface="Calibri" panose="020F0502020204030204" pitchFamily="34" charset="0"/>
                       </a:rPr>
                       <m:t>𝑚𝑗</m:t>
                     </m:r>
                     <m:r>
-                      <a:rPr lang="en-US" sz="2000" i="1" dirty="0" err="1">
+                      <a:rPr lang="en-US" sz="2400" i="1" dirty="0" err="1">
                         <a:latin typeface="Cambria Math" panose="02040503050406030204" pitchFamily="18" charset="0"/>
                         <a:cs typeface="Calibri" panose="020F0502020204030204" pitchFamily="34" charset="0"/>
                       </a:rPr>
                       <m:t>+</m:t>
                     </m:r>
                     <m:r>
-                      <a:rPr lang="en-US" sz="2000" i="1" dirty="0" err="1">
+                      <a:rPr lang="en-US" sz="2400" i="1" dirty="0" err="1">
                         <a:latin typeface="Cambria Math" panose="02040503050406030204" pitchFamily="18" charset="0"/>
                         <a:cs typeface="Calibri" panose="020F0502020204030204" pitchFamily="34" charset="0"/>
                       </a:rPr>
                       <m:t>𝑖</m:t>
                     </m:r>
                     <m:r>
-                      <a:rPr lang="en-US" sz="2000" i="1" dirty="0">
+                      <a:rPr lang="en-US" sz="2400" i="1" dirty="0">
                         <a:latin typeface="Cambria Math" panose="02040503050406030204" pitchFamily="18" charset="0"/>
                         <a:cs typeface="Calibri" panose="020F0502020204030204" pitchFamily="34" charset="0"/>
                       </a:rPr>
@@ -10415,7 +10415,7 @@
                   </m:oMath>
                 </a14:m>
                 <a:r>
-                  <a:rPr lang="en-US" sz="2000" dirty="0">
+                  <a:rPr lang="en-US" sz="2400" dirty="0">
                     <a:latin typeface="Calibri" panose="020F0502020204030204" pitchFamily="34" charset="0"/>
                     <a:cs typeface="Calibri" panose="020F0502020204030204" pitchFamily="34" charset="0"/>
                   </a:rPr>
@@ -10425,7 +10425,7 @@
             </p:txBody>
           </p:sp>
         </mc:Choice>
-        <mc:Fallback xmlns="">
+        <mc:Fallback>
           <p:sp>
             <p:nvSpPr>
               <p:cNvPr id="93189" name="Rectangle 3"/>
@@ -10444,7 +10444,7 @@
               <a:blipFill>
                 <a:blip r:embed="rId2"/>
                 <a:stretch>
-                  <a:fillRect l="-817" t="-1060"/>
+                  <a:fillRect l="-1307" t="-1060"/>
                 </a:stretch>
               </a:blipFill>
             </p:spPr>
@@ -21329,8 +21329,8 @@
           </a:p>
         </p:txBody>
       </p:sp>
-      <mc:AlternateContent xmlns:mc="http://schemas.openxmlformats.org/markup-compatibility/2006">
-        <mc:Choice xmlns:a14="http://schemas.microsoft.com/office/drawing/2010/main" Requires="a14">
+      <mc:AlternateContent xmlns:mc="http://schemas.openxmlformats.org/markup-compatibility/2006" xmlns:a14="http://schemas.microsoft.com/office/drawing/2010/main">
+        <mc:Choice Requires="a14">
           <p:sp>
             <p:nvSpPr>
               <p:cNvPr id="84997" name="Rectangle 3"/>
@@ -21837,7 +21837,7 @@
             </p:txBody>
           </p:sp>
         </mc:Choice>
-        <mc:Fallback>
+        <mc:Fallback xmlns="">
           <p:sp>
             <p:nvSpPr>
               <p:cNvPr id="84997" name="Rectangle 3"/>
@@ -30855,7 +30855,7 @@
         </p:nvSpPr>
         <p:spPr>
           <a:xfrm>
-            <a:off x="457200" y="1828800"/>
+            <a:off x="370608" y="2397991"/>
             <a:ext cx="7239000" cy="762000"/>
           </a:xfrm>
         </p:spPr>
@@ -30897,10 +30897,16 @@
           <p:cNvGraphicFramePr>
             <a:graphicFrameLocks noGrp="1"/>
           </p:cNvGraphicFramePr>
-          <p:nvPr/>
+          <p:nvPr>
+            <p:extLst>
+              <p:ext uri="{D42A27DB-BD31-4B8C-83A1-F6EECF244321}">
+                <p14:modId xmlns:p14="http://schemas.microsoft.com/office/powerpoint/2010/main" val="2333135922"/>
+              </p:ext>
+            </p:extLst>
+          </p:nvPr>
         </p:nvGraphicFramePr>
         <p:xfrm>
-          <a:off x="4419600" y="1143000"/>
+          <a:off x="4419600" y="1859280"/>
           <a:ext cx="2514596" cy="2595880"/>
         </p:xfrm>
         <a:graphic>
@@ -31901,10 +31907,16 @@
           <p:cNvGraphicFramePr>
             <a:graphicFrameLocks noGrp="1"/>
           </p:cNvGraphicFramePr>
-          <p:nvPr/>
+          <p:nvPr>
+            <p:extLst>
+              <p:ext uri="{D42A27DB-BD31-4B8C-83A1-F6EECF244321}">
+                <p14:modId xmlns:p14="http://schemas.microsoft.com/office/powerpoint/2010/main" val="2419224970"/>
+              </p:ext>
+            </p:extLst>
+          </p:nvPr>
         </p:nvGraphicFramePr>
         <p:xfrm>
-          <a:off x="7315199" y="1188722"/>
+          <a:off x="7315199" y="1905002"/>
           <a:ext cx="533400" cy="2560320"/>
         </p:xfrm>
         <a:graphic>
@@ -32140,10 +32152,16 @@
           <p:cNvGraphicFramePr>
             <a:graphicFrameLocks noGrp="1"/>
           </p:cNvGraphicFramePr>
-          <p:nvPr/>
+          <p:nvPr>
+            <p:extLst>
+              <p:ext uri="{D42A27DB-BD31-4B8C-83A1-F6EECF244321}">
+                <p14:modId xmlns:p14="http://schemas.microsoft.com/office/powerpoint/2010/main" val="2112697781"/>
+              </p:ext>
+            </p:extLst>
+          </p:nvPr>
         </p:nvGraphicFramePr>
         <p:xfrm>
-          <a:off x="8381999" y="1219200"/>
+          <a:off x="8381999" y="1935480"/>
           <a:ext cx="533400" cy="2560320"/>
         </p:xfrm>
         <a:graphic>
@@ -32389,7 +32407,7 @@
         </p:nvSpPr>
         <p:spPr>
           <a:xfrm>
-            <a:off x="7848599" y="2209800"/>
+            <a:off x="7848599" y="2926080"/>
             <a:ext cx="369012" cy="615553"/>
           </a:xfrm>
           <a:prstGeom prst="rect">
@@ -32428,7 +32446,7 @@
         </p:nvSpPr>
         <p:spPr>
           <a:xfrm>
-            <a:off x="457200" y="4004608"/>
+            <a:off x="533400" y="4738217"/>
             <a:ext cx="6172200" cy="1631216"/>
           </a:xfrm>
           <a:prstGeom prst="rect">
@@ -32726,8 +32744,8 @@
           </a:p>
         </p:txBody>
       </p:sp>
-      <mc:AlternateContent xmlns:mc="http://schemas.openxmlformats.org/markup-compatibility/2006">
-        <mc:Choice xmlns:a14="http://schemas.microsoft.com/office/drawing/2010/main" Requires="a14">
+      <mc:AlternateContent xmlns:mc="http://schemas.openxmlformats.org/markup-compatibility/2006" xmlns:a14="http://schemas.microsoft.com/office/drawing/2010/main">
+        <mc:Choice Requires="a14">
           <p:sp>
             <p:nvSpPr>
               <p:cNvPr id="1030" name="Rectangle 3"/>
@@ -33800,7 +33818,7 @@
             </p:txBody>
           </p:sp>
         </mc:Choice>
-        <mc:Fallback>
+        <mc:Fallback xmlns="">
           <p:sp>
             <p:nvSpPr>
               <p:cNvPr id="1030" name="Rectangle 3"/>

--- a/BerkeleyClass/CS290Spring2013/Lectures/Cryptoclass8.pptx
+++ b/BerkeleyClass/CS290Spring2013/Lectures/Cryptoclass8.pptx
@@ -7625,7 +7625,7 @@
         </p:nvSpPr>
         <p:spPr>
           <a:xfrm>
-            <a:off x="533400" y="1066800"/>
+            <a:off x="533400" y="1219200"/>
             <a:ext cx="8077200" cy="2743200"/>
           </a:xfrm>
         </p:spPr>
@@ -7858,7 +7858,7 @@
         </p:nvSpPr>
         <p:spPr>
           <a:xfrm>
-            <a:off x="685800" y="0"/>
+            <a:off x="685800" y="228600"/>
             <a:ext cx="7772400" cy="838200"/>
           </a:xfrm>
         </p:spPr>
@@ -7873,8 +7873,8 @@
           </a:p>
         </p:txBody>
       </p:sp>
-      <mc:AlternateContent xmlns:mc="http://schemas.openxmlformats.org/markup-compatibility/2006" xmlns:a14="http://schemas.microsoft.com/office/drawing/2010/main">
-        <mc:Choice Requires="a14">
+      <mc:AlternateContent xmlns:mc="http://schemas.openxmlformats.org/markup-compatibility/2006">
+        <mc:Choice xmlns:a14="http://schemas.microsoft.com/office/drawing/2010/main" Requires="a14">
           <p:sp>
             <p:nvSpPr>
               <p:cNvPr id="89093" name="Rectangle 3"/>
@@ -7887,7 +7887,7 @@
             </p:nvSpPr>
             <p:spPr>
               <a:xfrm>
-                <a:off x="457200" y="1828800"/>
+                <a:off x="457200" y="2057400"/>
                 <a:ext cx="8382000" cy="3581400"/>
               </a:xfrm>
             </p:spPr>
@@ -8389,7 +8389,7 @@
             </p:txBody>
           </p:sp>
         </mc:Choice>
-        <mc:Fallback xmlns="">
+        <mc:Fallback>
           <p:sp>
             <p:nvSpPr>
               <p:cNvPr id="89093" name="Rectangle 3"/>
@@ -8402,7 +8402,7 @@
             </p:nvSpPr>
             <p:spPr>
               <a:xfrm>
-                <a:off x="457200" y="1828800"/>
+                <a:off x="457200" y="2057400"/>
                 <a:ext cx="8382000" cy="3581400"/>
               </a:xfrm>
               <a:blipFill>
@@ -8491,7 +8491,7 @@
         </p:nvSpPr>
         <p:spPr>
           <a:xfrm>
-            <a:off x="685800" y="0"/>
+            <a:off x="685800" y="304800"/>
             <a:ext cx="7772400" cy="762000"/>
           </a:xfrm>
         </p:spPr>
@@ -8506,8 +8506,8 @@
           </a:p>
         </p:txBody>
       </p:sp>
-      <mc:AlternateContent xmlns:mc="http://schemas.openxmlformats.org/markup-compatibility/2006" xmlns:a14="http://schemas.microsoft.com/office/drawing/2010/main">
-        <mc:Choice Requires="a14">
+      <mc:AlternateContent xmlns:mc="http://schemas.openxmlformats.org/markup-compatibility/2006">
+        <mc:Choice xmlns:a14="http://schemas.microsoft.com/office/drawing/2010/main" Requires="a14">
           <p:sp>
             <p:nvSpPr>
               <p:cNvPr id="92165" name="Rectangle 3"/>
@@ -8520,7 +8520,7 @@
             </p:nvSpPr>
             <p:spPr>
               <a:xfrm>
-                <a:off x="457200" y="1066800"/>
+                <a:off x="495300" y="1600200"/>
                 <a:ext cx="8153400" cy="4953000"/>
               </a:xfrm>
             </p:spPr>
@@ -8608,8 +8608,65 @@
                     <a:latin typeface="Calibri" panose="020F0502020204030204" pitchFamily="34" charset="0"/>
                     <a:cs typeface="Calibri" panose="020F0502020204030204" pitchFamily="34" charset="0"/>
                   </a:rPr>
-                  <a:t>, 1≦t≦8, q|p-1</a:t>
+                  <a:t>, </a:t>
                 </a:r>
+                <a14:m>
+                  <m:oMath xmlns:m="http://schemas.openxmlformats.org/officeDocument/2006/math">
+                    <m:r>
+                      <a:rPr lang="en-US" sz="1800" i="1" dirty="0" smtClean="0">
+                        <a:latin typeface="Cambria Math" panose="02040503050406030204" pitchFamily="18" charset="0"/>
+                        <a:cs typeface="Calibri" panose="020F0502020204030204" pitchFamily="34" charset="0"/>
+                      </a:rPr>
+                      <m:t>1≦</m:t>
+                    </m:r>
+                    <m:r>
+                      <a:rPr lang="en-US" sz="1800" i="1" dirty="0" smtClean="0">
+                        <a:latin typeface="Cambria Math" panose="02040503050406030204" pitchFamily="18" charset="0"/>
+                        <a:cs typeface="Calibri" panose="020F0502020204030204" pitchFamily="34" charset="0"/>
+                      </a:rPr>
+                      <m:t>𝑡</m:t>
+                    </m:r>
+                    <m:r>
+                      <a:rPr lang="en-US" sz="1800" i="1" dirty="0" smtClean="0">
+                        <a:latin typeface="Cambria Math" panose="02040503050406030204" pitchFamily="18" charset="0"/>
+                        <a:cs typeface="Calibri" panose="020F0502020204030204" pitchFamily="34" charset="0"/>
+                      </a:rPr>
+                      <m:t>≦8, </m:t>
+                    </m:r>
+                    <m:r>
+                      <a:rPr lang="en-US" sz="1800" i="1" dirty="0" smtClean="0">
+                        <a:latin typeface="Cambria Math" panose="02040503050406030204" pitchFamily="18" charset="0"/>
+                        <a:cs typeface="Calibri" panose="020F0502020204030204" pitchFamily="34" charset="0"/>
+                      </a:rPr>
+                      <m:t>𝑞</m:t>
+                    </m:r>
+                    <m:r>
+                      <a:rPr lang="en-US" sz="1800" i="1" dirty="0" smtClean="0">
+                        <a:latin typeface="Cambria Math" panose="02040503050406030204" pitchFamily="18" charset="0"/>
+                        <a:cs typeface="Calibri" panose="020F0502020204030204" pitchFamily="34" charset="0"/>
+                      </a:rPr>
+                      <m:t>|</m:t>
+                    </m:r>
+                    <m:r>
+                      <a:rPr lang="en-US" sz="1800" i="1" dirty="0" smtClean="0">
+                        <a:latin typeface="Cambria Math" panose="02040503050406030204" pitchFamily="18" charset="0"/>
+                        <a:cs typeface="Calibri" panose="020F0502020204030204" pitchFamily="34" charset="0"/>
+                      </a:rPr>
+                      <m:t>𝑝</m:t>
+                    </m:r>
+                    <m:r>
+                      <a:rPr lang="en-US" sz="1800" i="1" dirty="0" smtClean="0">
+                        <a:latin typeface="Cambria Math" panose="02040503050406030204" pitchFamily="18" charset="0"/>
+                        <a:cs typeface="Calibri" panose="020F0502020204030204" pitchFamily="34" charset="0"/>
+                      </a:rPr>
+                      <m:t>−1</m:t>
+                    </m:r>
+                  </m:oMath>
+                </a14:m>
+                <a:endParaRPr lang="en-US" sz="1800" dirty="0">
+                  <a:latin typeface="Calibri" panose="020F0502020204030204" pitchFamily="34" charset="0"/>
+                  <a:cs typeface="Calibri" panose="020F0502020204030204" pitchFamily="34" charset="0"/>
+                </a:endParaRPr>
               </a:p>
               <a:p>
                 <a:pPr lvl="1">
@@ -8813,7 +8870,62 @@
                     <a:latin typeface="Calibri" panose="020F0502020204030204" pitchFamily="34" charset="0"/>
                     <a:cs typeface="Calibri" panose="020F0502020204030204" pitchFamily="34" charset="0"/>
                   </a:rPr>
-                  <a:t>Picks a random, 1cacq-1.  A= </a:t>
+                  <a:t>Picks a random, </a:t>
+                </a:r>
+                <a14:m>
+                  <m:oMath xmlns:m="http://schemas.openxmlformats.org/officeDocument/2006/math">
+                    <m:r>
+                      <a:rPr lang="en-US" sz="1800" i="1" dirty="0" smtClean="0">
+                        <a:latin typeface="Cambria Math" panose="02040503050406030204" pitchFamily="18" charset="0"/>
+                        <a:cs typeface="Calibri" panose="020F0502020204030204" pitchFamily="34" charset="0"/>
+                      </a:rPr>
+                      <m:t>1</m:t>
+                    </m:r>
+                    <m:r>
+                      <a:rPr lang="en-US" sz="1800" i="1" dirty="0" smtClean="0">
+                        <a:latin typeface="Cambria Math" panose="02040503050406030204" pitchFamily="18" charset="0"/>
+                        <a:ea typeface="Cambria Math" panose="02040503050406030204" pitchFamily="18" charset="0"/>
+                        <a:cs typeface="Calibri" panose="020F0502020204030204" pitchFamily="34" charset="0"/>
+                      </a:rPr>
+                      <m:t>≤</m:t>
+                    </m:r>
+                    <m:r>
+                      <a:rPr lang="en-US" sz="1800" i="1" dirty="0" smtClean="0">
+                        <a:latin typeface="Cambria Math" panose="02040503050406030204" pitchFamily="18" charset="0"/>
+                        <a:cs typeface="Calibri" panose="020F0502020204030204" pitchFamily="34" charset="0"/>
+                      </a:rPr>
+                      <m:t>𝑎</m:t>
+                    </m:r>
+                    <m:r>
+                      <a:rPr lang="en-US" sz="1800" i="1" dirty="0" smtClean="0">
+                        <a:latin typeface="Cambria Math" panose="02040503050406030204" pitchFamily="18" charset="0"/>
+                        <a:ea typeface="Cambria Math" panose="02040503050406030204" pitchFamily="18" charset="0"/>
+                        <a:cs typeface="Calibri" panose="020F0502020204030204" pitchFamily="34" charset="0"/>
+                      </a:rPr>
+                      <m:t>≤≤</m:t>
+                    </m:r>
+                    <m:r>
+                      <a:rPr lang="en-US" sz="1800" i="1" dirty="0" smtClean="0">
+                        <a:latin typeface="Cambria Math" panose="02040503050406030204" pitchFamily="18" charset="0"/>
+                        <a:cs typeface="Calibri" panose="020F0502020204030204" pitchFamily="34" charset="0"/>
+                      </a:rPr>
+                      <m:t>𝑞</m:t>
+                    </m:r>
+                    <m:r>
+                      <a:rPr lang="en-US" sz="1800" i="1" dirty="0" smtClean="0">
+                        <a:latin typeface="Cambria Math" panose="02040503050406030204" pitchFamily="18" charset="0"/>
+                        <a:cs typeface="Calibri" panose="020F0502020204030204" pitchFamily="34" charset="0"/>
+                      </a:rPr>
+                      <m:t>−1</m:t>
+                    </m:r>
+                  </m:oMath>
+                </a14:m>
+                <a:r>
+                  <a:rPr lang="en-US" sz="1800" dirty="0">
+                    <a:latin typeface="Calibri" panose="020F0502020204030204" pitchFamily="34" charset="0"/>
+                    <a:cs typeface="Calibri" panose="020F0502020204030204" pitchFamily="34" charset="0"/>
+                  </a:rPr>
+                  <a:t>.  A= </a:t>
                 </a:r>
                 <a:r>
                   <a:rPr lang="en-US" sz="1800" dirty="0" err="1">
@@ -9643,7 +9755,7 @@
             </p:txBody>
           </p:sp>
         </mc:Choice>
-        <mc:Fallback xmlns="">
+        <mc:Fallback>
           <p:sp>
             <p:nvSpPr>
               <p:cNvPr id="92165" name="Rectangle 3"/>
@@ -9656,13 +9768,13 @@
             </p:nvSpPr>
             <p:spPr>
               <a:xfrm>
-                <a:off x="457200" y="1066800"/>
+                <a:off x="495300" y="1600200"/>
                 <a:ext cx="8153400" cy="4953000"/>
               </a:xfrm>
               <a:blipFill>
                 <a:blip r:embed="rId2"/>
                 <a:stretch>
-                  <a:fillRect l="-778" t="-767"/>
+                  <a:fillRect l="-621" t="-769"/>
                 </a:stretch>
               </a:blipFill>
             </p:spPr>
@@ -9745,7 +9857,7 @@
         </p:nvSpPr>
         <p:spPr>
           <a:xfrm>
-            <a:off x="685800" y="76200"/>
+            <a:off x="685800" y="228600"/>
             <a:ext cx="7772400" cy="838200"/>
           </a:xfrm>
         </p:spPr>
@@ -9760,8 +9872,8 @@
           </a:p>
         </p:txBody>
       </p:sp>
-      <mc:AlternateContent xmlns:mc="http://schemas.openxmlformats.org/markup-compatibility/2006">
-        <mc:Choice xmlns:a14="http://schemas.microsoft.com/office/drawing/2010/main" Requires="a14">
+      <mc:AlternateContent xmlns:mc="http://schemas.openxmlformats.org/markup-compatibility/2006" xmlns:a14="http://schemas.microsoft.com/office/drawing/2010/main">
+        <mc:Choice Requires="a14">
           <p:sp>
             <p:nvSpPr>
               <p:cNvPr id="93189" name="Rectangle 3"/>
@@ -10425,7 +10537,7 @@
             </p:txBody>
           </p:sp>
         </mc:Choice>
-        <mc:Fallback>
+        <mc:Fallback xmlns="">
           <p:sp>
             <p:nvSpPr>
               <p:cNvPr id="93189" name="Rectangle 3"/>
@@ -12065,13 +12177,10 @@
               <a:rPr lang="en-US" sz="3600" dirty="0"/>
               <a:t>Discrete log Pollard </a:t>
             </a:r>
-            <a:r>
-              <a:rPr lang="en-US" sz="3600" dirty="0">
-                <a:latin typeface="Math1Mono" charset="2"/>
-                <a:cs typeface="Math1Mono" charset="2"/>
-              </a:rPr>
-              <a:t>r</a:t>
-            </a:r>
+            <a:endParaRPr lang="en-US" sz="3600" dirty="0">
+              <a:latin typeface="Math1Mono" charset="2"/>
+              <a:cs typeface="Math1Mono" charset="2"/>
+            </a:endParaRPr>
           </a:p>
         </p:txBody>
       </p:sp>
@@ -12101,35 +12210,35 @@
               </a:spcBef>
             </a:pPr>
             <a:r>
-              <a:rPr lang="en-US" sz="2000" dirty="0">
+              <a:rPr lang="en-US" sz="2400" dirty="0">
                 <a:latin typeface="Calibri" panose="020F0502020204030204" pitchFamily="34" charset="0"/>
                 <a:cs typeface="Calibri" panose="020F0502020204030204" pitchFamily="34" charset="0"/>
               </a:rPr>
               <a:t>x</a:t>
             </a:r>
             <a:r>
-              <a:rPr lang="en-US" sz="2000" baseline="-25000" dirty="0">
+              <a:rPr lang="en-US" sz="2400" baseline="-25000" dirty="0">
                 <a:latin typeface="Calibri" panose="020F0502020204030204" pitchFamily="34" charset="0"/>
                 <a:cs typeface="Calibri" panose="020F0502020204030204" pitchFamily="34" charset="0"/>
               </a:rPr>
               <a:t>i+1</a:t>
             </a:r>
             <a:r>
-              <a:rPr lang="en-US" sz="2000" dirty="0">
+              <a:rPr lang="en-US" sz="2400" dirty="0">
                 <a:latin typeface="Calibri" panose="020F0502020204030204" pitchFamily="34" charset="0"/>
                 <a:cs typeface="Calibri" panose="020F0502020204030204" pitchFamily="34" charset="0"/>
               </a:rPr>
               <a:t>= f(x</a:t>
             </a:r>
             <a:r>
-              <a:rPr lang="en-US" sz="2000" baseline="-25000" dirty="0">
+              <a:rPr lang="en-US" sz="2400" baseline="-25000" dirty="0">
                 <a:latin typeface="Calibri" panose="020F0502020204030204" pitchFamily="34" charset="0"/>
                 <a:cs typeface="Calibri" panose="020F0502020204030204" pitchFamily="34" charset="0"/>
               </a:rPr>
               <a:t>i</a:t>
             </a:r>
             <a:r>
-              <a:rPr lang="en-US" sz="2000" dirty="0">
+              <a:rPr lang="en-US" sz="2400" dirty="0">
                 <a:latin typeface="Calibri" panose="020F0502020204030204" pitchFamily="34" charset="0"/>
                 <a:cs typeface="Calibri" panose="020F0502020204030204" pitchFamily="34" charset="0"/>
               </a:rPr>
@@ -12143,70 +12252,70 @@
               </a:spcBef>
             </a:pPr>
             <a:r>
-              <a:rPr lang="en-US" sz="2000" dirty="0">
+              <a:rPr lang="en-US" sz="2400" dirty="0">
                 <a:latin typeface="Calibri" panose="020F0502020204030204" pitchFamily="34" charset="0"/>
                 <a:cs typeface="Calibri" panose="020F0502020204030204" pitchFamily="34" charset="0"/>
               </a:rPr>
               <a:t>f(x</a:t>
             </a:r>
             <a:r>
-              <a:rPr lang="en-US" sz="2000" baseline="-25000" dirty="0">
+              <a:rPr lang="en-US" sz="2400" baseline="-25000" dirty="0">
                 <a:latin typeface="Calibri" panose="020F0502020204030204" pitchFamily="34" charset="0"/>
                 <a:cs typeface="Calibri" panose="020F0502020204030204" pitchFamily="34" charset="0"/>
               </a:rPr>
               <a:t>i</a:t>
             </a:r>
             <a:r>
-              <a:rPr lang="en-US" sz="2000" dirty="0">
+              <a:rPr lang="en-US" sz="2400" dirty="0">
                 <a:latin typeface="Calibri" panose="020F0502020204030204" pitchFamily="34" charset="0"/>
                 <a:cs typeface="Calibri" panose="020F0502020204030204" pitchFamily="34" charset="0"/>
               </a:rPr>
               <a:t>)= </a:t>
             </a:r>
             <a:r>
-              <a:rPr lang="en-US" sz="2000" dirty="0" err="1">
+              <a:rPr lang="en-US" sz="2400" dirty="0" err="1">
                 <a:latin typeface="Calibri" panose="020F0502020204030204" pitchFamily="34" charset="0"/>
                 <a:cs typeface="Calibri" panose="020F0502020204030204" pitchFamily="34" charset="0"/>
               </a:rPr>
               <a:t>bx</a:t>
             </a:r>
             <a:r>
-              <a:rPr lang="en-US" sz="2000" baseline="-25000" dirty="0" err="1">
+              <a:rPr lang="en-US" sz="2400" baseline="-25000" dirty="0" err="1">
                 <a:latin typeface="Calibri" panose="020F0502020204030204" pitchFamily="34" charset="0"/>
                 <a:cs typeface="Calibri" panose="020F0502020204030204" pitchFamily="34" charset="0"/>
               </a:rPr>
               <a:t>i</a:t>
             </a:r>
             <a:r>
-              <a:rPr lang="en-US" sz="2000" dirty="0">
+              <a:rPr lang="en-US" sz="2400" dirty="0">
                 <a:latin typeface="Calibri" panose="020F0502020204030204" pitchFamily="34" charset="0"/>
                 <a:cs typeface="Calibri" panose="020F0502020204030204" pitchFamily="34" charset="0"/>
               </a:rPr>
               <a:t>, if x</a:t>
             </a:r>
             <a:r>
-              <a:rPr lang="en-US" sz="2000" baseline="-25000" dirty="0">
+              <a:rPr lang="en-US" sz="2400" baseline="-25000" dirty="0">
                 <a:latin typeface="Calibri" panose="020F0502020204030204" pitchFamily="34" charset="0"/>
                 <a:cs typeface="Calibri" panose="020F0502020204030204" pitchFamily="34" charset="0"/>
               </a:rPr>
               <a:t>i</a:t>
             </a:r>
             <a:r>
-              <a:rPr lang="en-US" sz="2000" dirty="0">
+              <a:rPr lang="en-US" sz="2400" dirty="0">
                 <a:latin typeface="Calibri" panose="020F0502020204030204" pitchFamily="34" charset="0"/>
                 <a:cs typeface="Calibri" panose="020F0502020204030204" pitchFamily="34" charset="0"/>
               </a:rPr>
               <a:t> 𝝴 S</a:t>
             </a:r>
             <a:r>
-              <a:rPr lang="en-US" sz="2000" baseline="-25000" dirty="0">
+              <a:rPr lang="en-US" sz="2400" baseline="-25000" dirty="0">
                 <a:latin typeface="Calibri" panose="020F0502020204030204" pitchFamily="34" charset="0"/>
                 <a:cs typeface="Calibri" panose="020F0502020204030204" pitchFamily="34" charset="0"/>
               </a:rPr>
               <a:t>1</a:t>
             </a:r>
             <a:r>
-              <a:rPr lang="en-US" sz="2000" dirty="0">
+              <a:rPr lang="en-US" sz="2400" dirty="0">
                 <a:latin typeface="Calibri" panose="020F0502020204030204" pitchFamily="34" charset="0"/>
                 <a:cs typeface="Calibri" panose="020F0502020204030204" pitchFamily="34" charset="0"/>
               </a:rPr>
@@ -12220,70 +12329,70 @@
               </a:spcBef>
             </a:pPr>
             <a:r>
-              <a:rPr lang="en-US" sz="2000" dirty="0">
+              <a:rPr lang="en-US" sz="2400" dirty="0">
                 <a:latin typeface="Calibri" panose="020F0502020204030204" pitchFamily="34" charset="0"/>
                 <a:cs typeface="Calibri" panose="020F0502020204030204" pitchFamily="34" charset="0"/>
               </a:rPr>
               <a:t>f(x</a:t>
             </a:r>
             <a:r>
-              <a:rPr lang="en-US" sz="2000" baseline="-25000" dirty="0">
+              <a:rPr lang="en-US" sz="2400" baseline="-25000" dirty="0">
                 <a:latin typeface="Calibri" panose="020F0502020204030204" pitchFamily="34" charset="0"/>
                 <a:cs typeface="Calibri" panose="020F0502020204030204" pitchFamily="34" charset="0"/>
               </a:rPr>
               <a:t>i</a:t>
             </a:r>
             <a:r>
-              <a:rPr lang="en-US" sz="2000" dirty="0">
+              <a:rPr lang="en-US" sz="2400" dirty="0">
                 <a:latin typeface="Calibri" panose="020F0502020204030204" pitchFamily="34" charset="0"/>
                 <a:cs typeface="Calibri" panose="020F0502020204030204" pitchFamily="34" charset="0"/>
               </a:rPr>
               <a:t>)= x</a:t>
             </a:r>
             <a:r>
-              <a:rPr lang="en-US" sz="2000" baseline="-25000" dirty="0">
+              <a:rPr lang="en-US" sz="2400" baseline="-25000" dirty="0">
                 <a:latin typeface="Calibri" panose="020F0502020204030204" pitchFamily="34" charset="0"/>
                 <a:cs typeface="Calibri" panose="020F0502020204030204" pitchFamily="34" charset="0"/>
               </a:rPr>
               <a:t>i</a:t>
             </a:r>
             <a:r>
-              <a:rPr lang="en-US" sz="2000" baseline="30000" dirty="0">
+              <a:rPr lang="en-US" sz="2400" baseline="30000" dirty="0">
                 <a:latin typeface="Calibri" panose="020F0502020204030204" pitchFamily="34" charset="0"/>
                 <a:cs typeface="Calibri" panose="020F0502020204030204" pitchFamily="34" charset="0"/>
               </a:rPr>
               <a:t>2</a:t>
             </a:r>
             <a:r>
-              <a:rPr lang="en-US" sz="2000" dirty="0">
+              <a:rPr lang="en-US" sz="2400" dirty="0">
                 <a:latin typeface="Calibri" panose="020F0502020204030204" pitchFamily="34" charset="0"/>
                 <a:cs typeface="Calibri" panose="020F0502020204030204" pitchFamily="34" charset="0"/>
               </a:rPr>
               <a:t>, if x</a:t>
             </a:r>
             <a:r>
-              <a:rPr lang="en-US" sz="2000" baseline="-25000" dirty="0">
+              <a:rPr lang="en-US" sz="2400" baseline="-25000" dirty="0">
                 <a:latin typeface="Calibri" panose="020F0502020204030204" pitchFamily="34" charset="0"/>
                 <a:cs typeface="Calibri" panose="020F0502020204030204" pitchFamily="34" charset="0"/>
               </a:rPr>
               <a:t>i</a:t>
             </a:r>
             <a:r>
-              <a:rPr lang="en-US" sz="2000" dirty="0">
+              <a:rPr lang="en-US" sz="2400" dirty="0">
                 <a:latin typeface="Calibri" panose="020F0502020204030204" pitchFamily="34" charset="0"/>
                 <a:cs typeface="Calibri" panose="020F0502020204030204" pitchFamily="34" charset="0"/>
               </a:rPr>
               <a:t> 𝝴 S</a:t>
             </a:r>
             <a:r>
-              <a:rPr lang="en-US" sz="2000" baseline="-25000" dirty="0">
+              <a:rPr lang="en-US" sz="2400" baseline="-25000" dirty="0">
                 <a:latin typeface="Calibri" panose="020F0502020204030204" pitchFamily="34" charset="0"/>
                 <a:cs typeface="Calibri" panose="020F0502020204030204" pitchFamily="34" charset="0"/>
               </a:rPr>
               <a:t>2</a:t>
             </a:r>
             <a:r>
-              <a:rPr lang="en-US" sz="2000" dirty="0">
+              <a:rPr lang="en-US" sz="2400" dirty="0">
                 <a:latin typeface="Calibri" panose="020F0502020204030204" pitchFamily="34" charset="0"/>
                 <a:cs typeface="Calibri" panose="020F0502020204030204" pitchFamily="34" charset="0"/>
               </a:rPr>
@@ -12297,70 +12406,70 @@
               </a:spcBef>
             </a:pPr>
             <a:r>
-              <a:rPr lang="en-US" sz="2000" dirty="0">
+              <a:rPr lang="en-US" sz="2400" dirty="0">
                 <a:latin typeface="Calibri" panose="020F0502020204030204" pitchFamily="34" charset="0"/>
                 <a:cs typeface="Calibri" panose="020F0502020204030204" pitchFamily="34" charset="0"/>
               </a:rPr>
               <a:t>f(x</a:t>
             </a:r>
             <a:r>
-              <a:rPr lang="en-US" sz="2000" baseline="-25000" dirty="0">
+              <a:rPr lang="en-US" sz="2400" baseline="-25000" dirty="0">
                 <a:latin typeface="Calibri" panose="020F0502020204030204" pitchFamily="34" charset="0"/>
                 <a:cs typeface="Calibri" panose="020F0502020204030204" pitchFamily="34" charset="0"/>
               </a:rPr>
               <a:t>i</a:t>
             </a:r>
             <a:r>
-              <a:rPr lang="en-US" sz="2000" dirty="0">
+              <a:rPr lang="en-US" sz="2400" dirty="0">
                 <a:latin typeface="Calibri" panose="020F0502020204030204" pitchFamily="34" charset="0"/>
                 <a:cs typeface="Calibri" panose="020F0502020204030204" pitchFamily="34" charset="0"/>
               </a:rPr>
               <a:t>)= </a:t>
             </a:r>
             <a:r>
-              <a:rPr lang="en-US" sz="2000" dirty="0" err="1">
+              <a:rPr lang="en-US" sz="2400" dirty="0" err="1">
                 <a:latin typeface="Calibri" panose="020F0502020204030204" pitchFamily="34" charset="0"/>
                 <a:cs typeface="Calibri" panose="020F0502020204030204" pitchFamily="34" charset="0"/>
               </a:rPr>
               <a:t>ax</a:t>
             </a:r>
             <a:r>
-              <a:rPr lang="en-US" sz="2000" baseline="-25000" dirty="0" err="1">
+              <a:rPr lang="en-US" sz="2400" baseline="-25000" dirty="0" err="1">
                 <a:latin typeface="Calibri" panose="020F0502020204030204" pitchFamily="34" charset="0"/>
                 <a:cs typeface="Calibri" panose="020F0502020204030204" pitchFamily="34" charset="0"/>
               </a:rPr>
               <a:t>i</a:t>
             </a:r>
             <a:r>
-              <a:rPr lang="en-US" sz="2000" dirty="0">
+              <a:rPr lang="en-US" sz="2400" dirty="0">
                 <a:latin typeface="Calibri" panose="020F0502020204030204" pitchFamily="34" charset="0"/>
                 <a:cs typeface="Calibri" panose="020F0502020204030204" pitchFamily="34" charset="0"/>
               </a:rPr>
               <a:t>, if x</a:t>
             </a:r>
             <a:r>
-              <a:rPr lang="en-US" sz="2000" baseline="-25000" dirty="0">
+              <a:rPr lang="en-US" sz="2400" baseline="-25000" dirty="0">
                 <a:latin typeface="Calibri" panose="020F0502020204030204" pitchFamily="34" charset="0"/>
                 <a:cs typeface="Calibri" panose="020F0502020204030204" pitchFamily="34" charset="0"/>
               </a:rPr>
               <a:t>i</a:t>
             </a:r>
             <a:r>
-              <a:rPr lang="en-US" sz="2000" dirty="0">
+              <a:rPr lang="en-US" sz="2400" dirty="0">
                 <a:latin typeface="Calibri" panose="020F0502020204030204" pitchFamily="34" charset="0"/>
                 <a:cs typeface="Calibri" panose="020F0502020204030204" pitchFamily="34" charset="0"/>
               </a:rPr>
               <a:t> 𝝴 S</a:t>
             </a:r>
             <a:r>
-              <a:rPr lang="en-US" sz="2000" baseline="-25000" dirty="0">
+              <a:rPr lang="en-US" sz="2400" baseline="-25000" dirty="0">
                 <a:latin typeface="Calibri" panose="020F0502020204030204" pitchFamily="34" charset="0"/>
                 <a:cs typeface="Calibri" panose="020F0502020204030204" pitchFamily="34" charset="0"/>
               </a:rPr>
               <a:t>3</a:t>
             </a:r>
             <a:r>
-              <a:rPr lang="en-US" sz="2000" dirty="0">
+              <a:rPr lang="en-US" sz="2400" dirty="0">
                 <a:latin typeface="Calibri" panose="020F0502020204030204" pitchFamily="34" charset="0"/>
                 <a:cs typeface="Calibri" panose="020F0502020204030204" pitchFamily="34" charset="0"/>
               </a:rPr>
@@ -12374,91 +12483,91 @@
               </a:spcBef>
             </a:pPr>
             <a:r>
-              <a:rPr lang="en-US" sz="2000" dirty="0">
+              <a:rPr lang="en-US" sz="2400" dirty="0">
                 <a:latin typeface="Calibri" panose="020F0502020204030204" pitchFamily="34" charset="0"/>
                 <a:cs typeface="Calibri" panose="020F0502020204030204" pitchFamily="34" charset="0"/>
               </a:rPr>
               <a:t>x</a:t>
             </a:r>
             <a:r>
-              <a:rPr lang="en-US" sz="2000" baseline="-25000" dirty="0">
+              <a:rPr lang="en-US" sz="2400" baseline="-25000" dirty="0">
                 <a:latin typeface="Calibri" panose="020F0502020204030204" pitchFamily="34" charset="0"/>
                 <a:cs typeface="Calibri" panose="020F0502020204030204" pitchFamily="34" charset="0"/>
               </a:rPr>
               <a:t>i</a:t>
             </a:r>
             <a:r>
-              <a:rPr lang="en-US" sz="2000" dirty="0">
+              <a:rPr lang="en-US" sz="2400" dirty="0">
                 <a:latin typeface="Calibri" panose="020F0502020204030204" pitchFamily="34" charset="0"/>
                 <a:cs typeface="Calibri" panose="020F0502020204030204" pitchFamily="34" charset="0"/>
               </a:rPr>
               <a:t>= </a:t>
             </a:r>
             <a:r>
-              <a:rPr lang="en-US" sz="2000" dirty="0" err="1">
+              <a:rPr lang="en-US" sz="2400" dirty="0" err="1">
                 <a:latin typeface="Calibri" panose="020F0502020204030204" pitchFamily="34" charset="0"/>
                 <a:cs typeface="Calibri" panose="020F0502020204030204" pitchFamily="34" charset="0"/>
               </a:rPr>
               <a:t>a</a:t>
             </a:r>
             <a:r>
-              <a:rPr lang="en-US" sz="2000" baseline="30000" dirty="0" err="1">
+              <a:rPr lang="en-US" sz="2400" baseline="30000" dirty="0" err="1">
                 <a:latin typeface="Calibri" panose="020F0502020204030204" pitchFamily="34" charset="0"/>
                 <a:cs typeface="Calibri" panose="020F0502020204030204" pitchFamily="34" charset="0"/>
               </a:rPr>
               <a:t>a</a:t>
             </a:r>
             <a:r>
-              <a:rPr lang="en-US" sz="2000" baseline="30000" dirty="0">
+              <a:rPr lang="en-US" sz="2400" baseline="30000" dirty="0">
                 <a:latin typeface="Calibri" panose="020F0502020204030204" pitchFamily="34" charset="0"/>
                 <a:cs typeface="Calibri" panose="020F0502020204030204" pitchFamily="34" charset="0"/>
               </a:rPr>
               <a:t>[</a:t>
             </a:r>
             <a:r>
-              <a:rPr lang="en-US" sz="2000" baseline="30000" dirty="0" err="1">
+              <a:rPr lang="en-US" sz="2400" baseline="30000" dirty="0" err="1">
                 <a:latin typeface="Calibri" panose="020F0502020204030204" pitchFamily="34" charset="0"/>
                 <a:cs typeface="Calibri" panose="020F0502020204030204" pitchFamily="34" charset="0"/>
               </a:rPr>
               <a:t>i</a:t>
             </a:r>
             <a:r>
-              <a:rPr lang="en-US" sz="2000" baseline="30000" dirty="0">
+              <a:rPr lang="en-US" sz="2400" baseline="30000" dirty="0">
                 <a:latin typeface="Calibri" panose="020F0502020204030204" pitchFamily="34" charset="0"/>
                 <a:cs typeface="Calibri" panose="020F0502020204030204" pitchFamily="34" charset="0"/>
               </a:rPr>
               <a:t>]</a:t>
             </a:r>
             <a:r>
-              <a:rPr lang="en-US" sz="2000" dirty="0">
+              <a:rPr lang="en-US" sz="2400" dirty="0">
                 <a:latin typeface="Calibri" panose="020F0502020204030204" pitchFamily="34" charset="0"/>
                 <a:cs typeface="Calibri" panose="020F0502020204030204" pitchFamily="34" charset="0"/>
               </a:rPr>
               <a:t>b</a:t>
             </a:r>
             <a:r>
-              <a:rPr lang="en-US" sz="2000" baseline="30000" dirty="0">
+              <a:rPr lang="en-US" sz="2400" baseline="30000" dirty="0">
                 <a:latin typeface="Calibri" panose="020F0502020204030204" pitchFamily="34" charset="0"/>
                 <a:cs typeface="Calibri" panose="020F0502020204030204" pitchFamily="34" charset="0"/>
               </a:rPr>
               <a:t>b[</a:t>
             </a:r>
             <a:r>
-              <a:rPr lang="en-US" sz="2000" baseline="30000" dirty="0" err="1">
+              <a:rPr lang="en-US" sz="2400" baseline="30000" dirty="0" err="1">
                 <a:latin typeface="Calibri" panose="020F0502020204030204" pitchFamily="34" charset="0"/>
                 <a:cs typeface="Calibri" panose="020F0502020204030204" pitchFamily="34" charset="0"/>
               </a:rPr>
               <a:t>i</a:t>
             </a:r>
             <a:r>
-              <a:rPr lang="en-US" sz="2000" baseline="30000" dirty="0">
+              <a:rPr lang="en-US" sz="2400" baseline="30000" dirty="0">
                 <a:latin typeface="Calibri" panose="020F0502020204030204" pitchFamily="34" charset="0"/>
                 <a:cs typeface="Calibri" panose="020F0502020204030204" pitchFamily="34" charset="0"/>
               </a:rPr>
               <a:t>]</a:t>
             </a:r>
             <a:r>
-              <a:rPr lang="en-US" sz="2000" dirty="0">
+              <a:rPr lang="en-US" sz="2400" dirty="0">
                 <a:latin typeface="Calibri" panose="020F0502020204030204" pitchFamily="34" charset="0"/>
                 <a:cs typeface="Calibri" panose="020F0502020204030204" pitchFamily="34" charset="0"/>
               </a:rPr>
@@ -12472,63 +12581,63 @@
               </a:spcBef>
             </a:pPr>
             <a:r>
-              <a:rPr lang="en-US" sz="2000" dirty="0">
+              <a:rPr lang="en-US" sz="2400" dirty="0">
                 <a:latin typeface="Calibri" panose="020F0502020204030204" pitchFamily="34" charset="0"/>
                 <a:cs typeface="Calibri" panose="020F0502020204030204" pitchFamily="34" charset="0"/>
               </a:rPr>
               <a:t>a[</a:t>
             </a:r>
             <a:r>
-              <a:rPr lang="en-US" sz="2000" dirty="0" err="1">
+              <a:rPr lang="en-US" sz="2400" dirty="0" err="1">
                 <a:latin typeface="Calibri" panose="020F0502020204030204" pitchFamily="34" charset="0"/>
                 <a:cs typeface="Calibri" panose="020F0502020204030204" pitchFamily="34" charset="0"/>
               </a:rPr>
               <a:t>i</a:t>
             </a:r>
             <a:r>
-              <a:rPr lang="en-US" sz="2000" dirty="0">
+              <a:rPr lang="en-US" sz="2400" dirty="0">
                 <a:latin typeface="Calibri" panose="020F0502020204030204" pitchFamily="34" charset="0"/>
                 <a:cs typeface="Calibri" panose="020F0502020204030204" pitchFamily="34" charset="0"/>
               </a:rPr>
               <a:t>]= a[</a:t>
             </a:r>
             <a:r>
-              <a:rPr lang="en-US" sz="2000" dirty="0" err="1">
+              <a:rPr lang="en-US" sz="2400" dirty="0" err="1">
                 <a:latin typeface="Calibri" panose="020F0502020204030204" pitchFamily="34" charset="0"/>
                 <a:cs typeface="Calibri" panose="020F0502020204030204" pitchFamily="34" charset="0"/>
               </a:rPr>
               <a:t>i</a:t>
             </a:r>
             <a:r>
-              <a:rPr lang="en-US" sz="2000" dirty="0">
+              <a:rPr lang="en-US" sz="2400" dirty="0">
                 <a:latin typeface="Calibri" panose="020F0502020204030204" pitchFamily="34" charset="0"/>
                 <a:cs typeface="Calibri" panose="020F0502020204030204" pitchFamily="34" charset="0"/>
               </a:rPr>
               <a:t>], if x</a:t>
             </a:r>
             <a:r>
-              <a:rPr lang="en-US" sz="2000" baseline="-25000" dirty="0">
+              <a:rPr lang="en-US" sz="2400" baseline="-25000" dirty="0">
                 <a:latin typeface="Calibri" panose="020F0502020204030204" pitchFamily="34" charset="0"/>
                 <a:cs typeface="Calibri" panose="020F0502020204030204" pitchFamily="34" charset="0"/>
               </a:rPr>
               <a:t>i</a:t>
             </a:r>
             <a:r>
-              <a:rPr lang="en-US" sz="2000" dirty="0">
+              <a:rPr lang="en-US" sz="2400" dirty="0">
                 <a:latin typeface="Calibri" panose="020F0502020204030204" pitchFamily="34" charset="0"/>
                 <a:cs typeface="Calibri" panose="020F0502020204030204" pitchFamily="34" charset="0"/>
               </a:rPr>
               <a:t> 𝝴 S</a:t>
             </a:r>
             <a:r>
-              <a:rPr lang="en-US" sz="2000" baseline="-25000" dirty="0">
+              <a:rPr lang="en-US" sz="2400" baseline="-25000" dirty="0">
                 <a:latin typeface="Calibri" panose="020F0502020204030204" pitchFamily="34" charset="0"/>
                 <a:cs typeface="Calibri" panose="020F0502020204030204" pitchFamily="34" charset="0"/>
               </a:rPr>
               <a:t>1</a:t>
             </a:r>
             <a:r>
-              <a:rPr lang="en-US" sz="2000" dirty="0">
+              <a:rPr lang="en-US" sz="2400" dirty="0">
                 <a:latin typeface="Calibri" panose="020F0502020204030204" pitchFamily="34" charset="0"/>
                 <a:cs typeface="Calibri" panose="020F0502020204030204" pitchFamily="34" charset="0"/>
               </a:rPr>
@@ -12542,63 +12651,63 @@
               </a:spcBef>
             </a:pPr>
             <a:r>
-              <a:rPr lang="en-US" sz="2000" dirty="0">
+              <a:rPr lang="en-US" sz="2400" dirty="0">
                 <a:latin typeface="Calibri" panose="020F0502020204030204" pitchFamily="34" charset="0"/>
                 <a:cs typeface="Calibri" panose="020F0502020204030204" pitchFamily="34" charset="0"/>
               </a:rPr>
               <a:t>a[</a:t>
             </a:r>
             <a:r>
-              <a:rPr lang="en-US" sz="2000" dirty="0" err="1">
+              <a:rPr lang="en-US" sz="2400" dirty="0" err="1">
                 <a:latin typeface="Calibri" panose="020F0502020204030204" pitchFamily="34" charset="0"/>
                 <a:cs typeface="Calibri" panose="020F0502020204030204" pitchFamily="34" charset="0"/>
               </a:rPr>
               <a:t>i</a:t>
             </a:r>
             <a:r>
-              <a:rPr lang="en-US" sz="2000" dirty="0">
+              <a:rPr lang="en-US" sz="2400" dirty="0">
                 <a:latin typeface="Calibri" panose="020F0502020204030204" pitchFamily="34" charset="0"/>
                 <a:cs typeface="Calibri" panose="020F0502020204030204" pitchFamily="34" charset="0"/>
               </a:rPr>
               <a:t>]= 2a[</a:t>
             </a:r>
             <a:r>
-              <a:rPr lang="en-US" sz="2000" dirty="0" err="1">
+              <a:rPr lang="en-US" sz="2400" dirty="0" err="1">
                 <a:latin typeface="Calibri" panose="020F0502020204030204" pitchFamily="34" charset="0"/>
                 <a:cs typeface="Calibri" panose="020F0502020204030204" pitchFamily="34" charset="0"/>
               </a:rPr>
               <a:t>i</a:t>
             </a:r>
             <a:r>
-              <a:rPr lang="en-US" sz="2000" dirty="0">
+              <a:rPr lang="en-US" sz="2400" dirty="0">
                 <a:latin typeface="Calibri" panose="020F0502020204030204" pitchFamily="34" charset="0"/>
                 <a:cs typeface="Calibri" panose="020F0502020204030204" pitchFamily="34" charset="0"/>
               </a:rPr>
               <a:t>], if x</a:t>
             </a:r>
             <a:r>
-              <a:rPr lang="en-US" sz="2000" baseline="-25000" dirty="0">
+              <a:rPr lang="en-US" sz="2400" baseline="-25000" dirty="0">
                 <a:latin typeface="Calibri" panose="020F0502020204030204" pitchFamily="34" charset="0"/>
                 <a:cs typeface="Calibri" panose="020F0502020204030204" pitchFamily="34" charset="0"/>
               </a:rPr>
               <a:t>i</a:t>
             </a:r>
             <a:r>
-              <a:rPr lang="en-US" sz="2000" dirty="0">
+              <a:rPr lang="en-US" sz="2400" dirty="0">
                 <a:latin typeface="Calibri" panose="020F0502020204030204" pitchFamily="34" charset="0"/>
                 <a:cs typeface="Calibri" panose="020F0502020204030204" pitchFamily="34" charset="0"/>
               </a:rPr>
               <a:t> 𝝴 S</a:t>
             </a:r>
             <a:r>
-              <a:rPr lang="en-US" sz="2000" baseline="-25000" dirty="0">
+              <a:rPr lang="en-US" sz="2400" baseline="-25000" dirty="0">
                 <a:latin typeface="Calibri" panose="020F0502020204030204" pitchFamily="34" charset="0"/>
                 <a:cs typeface="Calibri" panose="020F0502020204030204" pitchFamily="34" charset="0"/>
               </a:rPr>
               <a:t>2</a:t>
             </a:r>
             <a:r>
-              <a:rPr lang="en-US" sz="2000" dirty="0">
+              <a:rPr lang="en-US" sz="2400" dirty="0">
                 <a:latin typeface="Calibri" panose="020F0502020204030204" pitchFamily="34" charset="0"/>
                 <a:cs typeface="Calibri" panose="020F0502020204030204" pitchFamily="34" charset="0"/>
               </a:rPr>
@@ -12612,63 +12721,63 @@
               </a:spcBef>
             </a:pPr>
             <a:r>
-              <a:rPr lang="en-US" sz="2000" dirty="0">
+              <a:rPr lang="en-US" sz="2400" dirty="0">
                 <a:latin typeface="Calibri" panose="020F0502020204030204" pitchFamily="34" charset="0"/>
                 <a:cs typeface="Calibri" panose="020F0502020204030204" pitchFamily="34" charset="0"/>
               </a:rPr>
               <a:t>a[</a:t>
             </a:r>
             <a:r>
-              <a:rPr lang="en-US" sz="2000" dirty="0" err="1">
+              <a:rPr lang="en-US" sz="2400" dirty="0" err="1">
                 <a:latin typeface="Calibri" panose="020F0502020204030204" pitchFamily="34" charset="0"/>
                 <a:cs typeface="Calibri" panose="020F0502020204030204" pitchFamily="34" charset="0"/>
               </a:rPr>
               <a:t>i</a:t>
             </a:r>
             <a:r>
-              <a:rPr lang="en-US" sz="2000" dirty="0">
+              <a:rPr lang="en-US" sz="2400" dirty="0">
                 <a:latin typeface="Calibri" panose="020F0502020204030204" pitchFamily="34" charset="0"/>
                 <a:cs typeface="Calibri" panose="020F0502020204030204" pitchFamily="34" charset="0"/>
               </a:rPr>
               <a:t>]= a[</a:t>
             </a:r>
             <a:r>
-              <a:rPr lang="en-US" sz="2000" dirty="0" err="1">
+              <a:rPr lang="en-US" sz="2400" dirty="0" err="1">
                 <a:latin typeface="Calibri" panose="020F0502020204030204" pitchFamily="34" charset="0"/>
                 <a:cs typeface="Calibri" panose="020F0502020204030204" pitchFamily="34" charset="0"/>
               </a:rPr>
               <a:t>i</a:t>
             </a:r>
             <a:r>
-              <a:rPr lang="en-US" sz="2000" dirty="0">
+              <a:rPr lang="en-US" sz="2400" dirty="0">
                 <a:latin typeface="Calibri" panose="020F0502020204030204" pitchFamily="34" charset="0"/>
                 <a:cs typeface="Calibri" panose="020F0502020204030204" pitchFamily="34" charset="0"/>
               </a:rPr>
               <a:t>]+1, if x</a:t>
             </a:r>
             <a:r>
-              <a:rPr lang="en-US" sz="2000" baseline="-25000" dirty="0">
+              <a:rPr lang="en-US" sz="2400" baseline="-25000" dirty="0">
                 <a:latin typeface="Calibri" panose="020F0502020204030204" pitchFamily="34" charset="0"/>
                 <a:cs typeface="Calibri" panose="020F0502020204030204" pitchFamily="34" charset="0"/>
               </a:rPr>
               <a:t>i</a:t>
             </a:r>
             <a:r>
-              <a:rPr lang="en-US" sz="2000" dirty="0">
+              <a:rPr lang="en-US" sz="2400" dirty="0">
                 <a:latin typeface="Calibri" panose="020F0502020204030204" pitchFamily="34" charset="0"/>
                 <a:cs typeface="Calibri" panose="020F0502020204030204" pitchFamily="34" charset="0"/>
               </a:rPr>
               <a:t> 𝝴 S</a:t>
             </a:r>
             <a:r>
-              <a:rPr lang="en-US" sz="2000" baseline="-25000" dirty="0">
+              <a:rPr lang="en-US" sz="2400" baseline="-25000" dirty="0">
                 <a:latin typeface="Calibri" panose="020F0502020204030204" pitchFamily="34" charset="0"/>
                 <a:cs typeface="Calibri" panose="020F0502020204030204" pitchFamily="34" charset="0"/>
               </a:rPr>
               <a:t>3</a:t>
             </a:r>
             <a:r>
-              <a:rPr lang="en-US" sz="2000" dirty="0">
+              <a:rPr lang="en-US" sz="2400" dirty="0">
                 <a:latin typeface="Calibri" panose="020F0502020204030204" pitchFamily="34" charset="0"/>
                 <a:cs typeface="Calibri" panose="020F0502020204030204" pitchFamily="34" charset="0"/>
               </a:rPr>
@@ -12682,63 +12791,63 @@
               </a:spcBef>
             </a:pPr>
             <a:r>
-              <a:rPr lang="en-US" sz="2000" dirty="0">
+              <a:rPr lang="en-US" sz="2400" dirty="0">
                 <a:latin typeface="Calibri" panose="020F0502020204030204" pitchFamily="34" charset="0"/>
                 <a:cs typeface="Calibri" panose="020F0502020204030204" pitchFamily="34" charset="0"/>
               </a:rPr>
               <a:t>b[</a:t>
             </a:r>
             <a:r>
-              <a:rPr lang="en-US" sz="2000" dirty="0" err="1">
+              <a:rPr lang="en-US" sz="2400" dirty="0" err="1">
                 <a:latin typeface="Calibri" panose="020F0502020204030204" pitchFamily="34" charset="0"/>
                 <a:cs typeface="Calibri" panose="020F0502020204030204" pitchFamily="34" charset="0"/>
               </a:rPr>
               <a:t>i</a:t>
             </a:r>
             <a:r>
-              <a:rPr lang="en-US" sz="2000" dirty="0">
+              <a:rPr lang="en-US" sz="2400" dirty="0">
                 <a:latin typeface="Calibri" panose="020F0502020204030204" pitchFamily="34" charset="0"/>
                 <a:cs typeface="Calibri" panose="020F0502020204030204" pitchFamily="34" charset="0"/>
               </a:rPr>
               <a:t>]= b[</a:t>
             </a:r>
             <a:r>
-              <a:rPr lang="en-US" sz="2000" dirty="0" err="1">
+              <a:rPr lang="en-US" sz="2400" dirty="0" err="1">
                 <a:latin typeface="Calibri" panose="020F0502020204030204" pitchFamily="34" charset="0"/>
                 <a:cs typeface="Calibri" panose="020F0502020204030204" pitchFamily="34" charset="0"/>
               </a:rPr>
               <a:t>i</a:t>
             </a:r>
             <a:r>
-              <a:rPr lang="en-US" sz="2000" dirty="0">
+              <a:rPr lang="en-US" sz="2400" dirty="0">
                 <a:latin typeface="Calibri" panose="020F0502020204030204" pitchFamily="34" charset="0"/>
                 <a:cs typeface="Calibri" panose="020F0502020204030204" pitchFamily="34" charset="0"/>
               </a:rPr>
               <a:t>]+1, if x</a:t>
             </a:r>
             <a:r>
-              <a:rPr lang="en-US" sz="2000" baseline="-25000" dirty="0">
+              <a:rPr lang="en-US" sz="2400" baseline="-25000" dirty="0">
                 <a:latin typeface="Calibri" panose="020F0502020204030204" pitchFamily="34" charset="0"/>
                 <a:cs typeface="Calibri" panose="020F0502020204030204" pitchFamily="34" charset="0"/>
               </a:rPr>
               <a:t>i</a:t>
             </a:r>
             <a:r>
-              <a:rPr lang="en-US" sz="2000" dirty="0">
+              <a:rPr lang="en-US" sz="2400" dirty="0">
                 <a:latin typeface="Calibri" panose="020F0502020204030204" pitchFamily="34" charset="0"/>
                 <a:cs typeface="Calibri" panose="020F0502020204030204" pitchFamily="34" charset="0"/>
               </a:rPr>
               <a:t> 𝝴 S</a:t>
             </a:r>
             <a:r>
-              <a:rPr lang="en-US" sz="2000" baseline="-25000" dirty="0">
+              <a:rPr lang="en-US" sz="2400" baseline="-25000" dirty="0">
                 <a:latin typeface="Calibri" panose="020F0502020204030204" pitchFamily="34" charset="0"/>
                 <a:cs typeface="Calibri" panose="020F0502020204030204" pitchFamily="34" charset="0"/>
               </a:rPr>
               <a:t>1</a:t>
             </a:r>
             <a:r>
-              <a:rPr lang="en-US" sz="2000" dirty="0">
+              <a:rPr lang="en-US" sz="2400" dirty="0">
                 <a:latin typeface="Calibri" panose="020F0502020204030204" pitchFamily="34" charset="0"/>
                 <a:cs typeface="Calibri" panose="020F0502020204030204" pitchFamily="34" charset="0"/>
               </a:rPr>
@@ -12752,63 +12861,63 @@
               </a:spcBef>
             </a:pPr>
             <a:r>
-              <a:rPr lang="en-US" sz="2000" dirty="0">
+              <a:rPr lang="en-US" sz="2400" dirty="0">
                 <a:latin typeface="Calibri" panose="020F0502020204030204" pitchFamily="34" charset="0"/>
                 <a:cs typeface="Calibri" panose="020F0502020204030204" pitchFamily="34" charset="0"/>
               </a:rPr>
               <a:t>b[</a:t>
             </a:r>
             <a:r>
-              <a:rPr lang="en-US" sz="2000" dirty="0" err="1">
+              <a:rPr lang="en-US" sz="2400" dirty="0" err="1">
                 <a:latin typeface="Calibri" panose="020F0502020204030204" pitchFamily="34" charset="0"/>
                 <a:cs typeface="Calibri" panose="020F0502020204030204" pitchFamily="34" charset="0"/>
               </a:rPr>
               <a:t>i</a:t>
             </a:r>
             <a:r>
-              <a:rPr lang="en-US" sz="2000" dirty="0">
+              <a:rPr lang="en-US" sz="2400" dirty="0">
                 <a:latin typeface="Calibri" panose="020F0502020204030204" pitchFamily="34" charset="0"/>
                 <a:cs typeface="Calibri" panose="020F0502020204030204" pitchFamily="34" charset="0"/>
               </a:rPr>
               <a:t>]= 2b[</a:t>
             </a:r>
             <a:r>
-              <a:rPr lang="en-US" sz="2000" dirty="0" err="1">
+              <a:rPr lang="en-US" sz="2400" dirty="0" err="1">
                 <a:latin typeface="Calibri" panose="020F0502020204030204" pitchFamily="34" charset="0"/>
                 <a:cs typeface="Calibri" panose="020F0502020204030204" pitchFamily="34" charset="0"/>
               </a:rPr>
               <a:t>i</a:t>
             </a:r>
             <a:r>
-              <a:rPr lang="en-US" sz="2000" dirty="0">
+              <a:rPr lang="en-US" sz="2400" dirty="0">
                 <a:latin typeface="Calibri" panose="020F0502020204030204" pitchFamily="34" charset="0"/>
                 <a:cs typeface="Calibri" panose="020F0502020204030204" pitchFamily="34" charset="0"/>
               </a:rPr>
               <a:t>], if x</a:t>
             </a:r>
             <a:r>
-              <a:rPr lang="en-US" sz="2000" baseline="-25000" dirty="0">
+              <a:rPr lang="en-US" sz="2400" baseline="-25000" dirty="0">
                 <a:latin typeface="Calibri" panose="020F0502020204030204" pitchFamily="34" charset="0"/>
                 <a:cs typeface="Calibri" panose="020F0502020204030204" pitchFamily="34" charset="0"/>
               </a:rPr>
               <a:t>i</a:t>
             </a:r>
             <a:r>
-              <a:rPr lang="en-US" sz="2000" dirty="0">
+              <a:rPr lang="en-US" sz="2400" dirty="0">
                 <a:latin typeface="Calibri" panose="020F0502020204030204" pitchFamily="34" charset="0"/>
                 <a:cs typeface="Calibri" panose="020F0502020204030204" pitchFamily="34" charset="0"/>
               </a:rPr>
               <a:t> 𝝴 S</a:t>
             </a:r>
             <a:r>
-              <a:rPr lang="en-US" sz="2000" baseline="-25000" dirty="0">
+              <a:rPr lang="en-US" sz="2400" baseline="-25000" dirty="0">
                 <a:latin typeface="Calibri" panose="020F0502020204030204" pitchFamily="34" charset="0"/>
                 <a:cs typeface="Calibri" panose="020F0502020204030204" pitchFamily="34" charset="0"/>
               </a:rPr>
               <a:t>2</a:t>
             </a:r>
             <a:r>
-              <a:rPr lang="en-US" sz="2000" dirty="0">
+              <a:rPr lang="en-US" sz="2400" dirty="0">
                 <a:latin typeface="Calibri" panose="020F0502020204030204" pitchFamily="34" charset="0"/>
                 <a:cs typeface="Calibri" panose="020F0502020204030204" pitchFamily="34" charset="0"/>
               </a:rPr>
@@ -12822,63 +12931,63 @@
               </a:spcBef>
             </a:pPr>
             <a:r>
-              <a:rPr lang="en-US" sz="2000" dirty="0">
+              <a:rPr lang="en-US" sz="2400" dirty="0">
                 <a:latin typeface="Calibri" panose="020F0502020204030204" pitchFamily="34" charset="0"/>
                 <a:cs typeface="Calibri" panose="020F0502020204030204" pitchFamily="34" charset="0"/>
               </a:rPr>
               <a:t>b[</a:t>
             </a:r>
             <a:r>
-              <a:rPr lang="en-US" sz="2000" dirty="0" err="1">
+              <a:rPr lang="en-US" sz="2400" dirty="0" err="1">
                 <a:latin typeface="Calibri" panose="020F0502020204030204" pitchFamily="34" charset="0"/>
                 <a:cs typeface="Calibri" panose="020F0502020204030204" pitchFamily="34" charset="0"/>
               </a:rPr>
               <a:t>i</a:t>
             </a:r>
             <a:r>
-              <a:rPr lang="en-US" sz="2000" dirty="0">
+              <a:rPr lang="en-US" sz="2400" dirty="0">
                 <a:latin typeface="Calibri" panose="020F0502020204030204" pitchFamily="34" charset="0"/>
                 <a:cs typeface="Calibri" panose="020F0502020204030204" pitchFamily="34" charset="0"/>
               </a:rPr>
               <a:t>]= b[</a:t>
             </a:r>
             <a:r>
-              <a:rPr lang="en-US" sz="2000" dirty="0" err="1">
+              <a:rPr lang="en-US" sz="2400" dirty="0" err="1">
                 <a:latin typeface="Calibri" panose="020F0502020204030204" pitchFamily="34" charset="0"/>
                 <a:cs typeface="Calibri" panose="020F0502020204030204" pitchFamily="34" charset="0"/>
               </a:rPr>
               <a:t>i</a:t>
             </a:r>
             <a:r>
-              <a:rPr lang="en-US" sz="2000" dirty="0">
+              <a:rPr lang="en-US" sz="2400" dirty="0">
                 <a:latin typeface="Calibri" panose="020F0502020204030204" pitchFamily="34" charset="0"/>
                 <a:cs typeface="Calibri" panose="020F0502020204030204" pitchFamily="34" charset="0"/>
               </a:rPr>
               <a:t>], if x</a:t>
             </a:r>
             <a:r>
-              <a:rPr lang="en-US" sz="2000" baseline="-25000" dirty="0">
+              <a:rPr lang="en-US" sz="2400" baseline="-25000" dirty="0">
                 <a:latin typeface="Calibri" panose="020F0502020204030204" pitchFamily="34" charset="0"/>
                 <a:cs typeface="Calibri" panose="020F0502020204030204" pitchFamily="34" charset="0"/>
               </a:rPr>
               <a:t>i</a:t>
             </a:r>
             <a:r>
-              <a:rPr lang="en-US" sz="2000" dirty="0">
+              <a:rPr lang="en-US" sz="2400" dirty="0">
                 <a:latin typeface="Calibri" panose="020F0502020204030204" pitchFamily="34" charset="0"/>
                 <a:cs typeface="Calibri" panose="020F0502020204030204" pitchFamily="34" charset="0"/>
               </a:rPr>
               <a:t> 𝝴 S</a:t>
             </a:r>
             <a:r>
-              <a:rPr lang="en-US" sz="2000" baseline="-25000" dirty="0">
+              <a:rPr lang="en-US" sz="2400" baseline="-25000" dirty="0">
                 <a:latin typeface="Calibri" panose="020F0502020204030204" pitchFamily="34" charset="0"/>
                 <a:cs typeface="Calibri" panose="020F0502020204030204" pitchFamily="34" charset="0"/>
               </a:rPr>
               <a:t>3</a:t>
             </a:r>
             <a:r>
-              <a:rPr lang="en-US" sz="2000" dirty="0">
+              <a:rPr lang="en-US" sz="2400" dirty="0">
                 <a:latin typeface="Calibri" panose="020F0502020204030204" pitchFamily="34" charset="0"/>
                 <a:cs typeface="Calibri" panose="020F0502020204030204" pitchFamily="34" charset="0"/>
               </a:rPr>
@@ -12892,42 +13001,42 @@
               </a:spcBef>
             </a:pPr>
             <a:r>
-              <a:rPr lang="en-US" sz="2000" dirty="0">
+              <a:rPr lang="en-US" sz="2400" dirty="0">
                 <a:latin typeface="Calibri" panose="020F0502020204030204" pitchFamily="34" charset="0"/>
                 <a:cs typeface="Calibri" panose="020F0502020204030204" pitchFamily="34" charset="0"/>
               </a:rPr>
               <a:t>x</a:t>
             </a:r>
             <a:r>
-              <a:rPr lang="en-US" sz="2000" baseline="-25000" dirty="0">
+              <a:rPr lang="en-US" sz="2400" baseline="-25000" dirty="0">
                 <a:latin typeface="Calibri" panose="020F0502020204030204" pitchFamily="34" charset="0"/>
                 <a:cs typeface="Calibri" panose="020F0502020204030204" pitchFamily="34" charset="0"/>
               </a:rPr>
               <a:t>2i</a:t>
             </a:r>
             <a:r>
-              <a:rPr lang="en-US" sz="2000" dirty="0">
+              <a:rPr lang="en-US" sz="2400" dirty="0">
                 <a:latin typeface="Calibri" panose="020F0502020204030204" pitchFamily="34" charset="0"/>
                 <a:cs typeface="Calibri" panose="020F0502020204030204" pitchFamily="34" charset="0"/>
               </a:rPr>
               <a:t>=x</a:t>
             </a:r>
             <a:r>
-              <a:rPr lang="en-US" sz="2000" baseline="-25000" dirty="0">
+              <a:rPr lang="en-US" sz="2400" baseline="-25000" dirty="0">
                 <a:latin typeface="Calibri" panose="020F0502020204030204" pitchFamily="34" charset="0"/>
                 <a:cs typeface="Calibri" panose="020F0502020204030204" pitchFamily="34" charset="0"/>
               </a:rPr>
               <a:t>i</a:t>
             </a:r>
             <a:r>
-              <a:rPr lang="en-US" sz="2000" dirty="0">
+              <a:rPr lang="en-US" sz="2400" dirty="0">
                 <a:latin typeface="Calibri" panose="020F0502020204030204" pitchFamily="34" charset="0"/>
                 <a:cs typeface="Calibri" panose="020F0502020204030204" pitchFamily="34" charset="0"/>
               </a:rPr>
               <a:t> </a:t>
             </a:r>
             <a:r>
-              <a:rPr lang="en-US" sz="2000" dirty="0">
+              <a:rPr lang="en-US" sz="2400" dirty="0">
                 <a:latin typeface="Calibri" panose="020F0502020204030204" pitchFamily="34" charset="0"/>
                 <a:cs typeface="Calibri" panose="020F0502020204030204" pitchFamily="34" charset="0"/>
                 <a:sym typeface="Wingdings" pitchFamily="2" charset="2"/>
@@ -12935,7 +13044,7 @@
               <a:t> a</a:t>
             </a:r>
             <a:r>
-              <a:rPr lang="en-US" sz="2000" baseline="-25000" dirty="0">
+              <a:rPr lang="en-US" sz="2400" baseline="-25000" dirty="0">
                 <a:latin typeface="Calibri" panose="020F0502020204030204" pitchFamily="34" charset="0"/>
                 <a:cs typeface="Calibri" panose="020F0502020204030204" pitchFamily="34" charset="0"/>
                 <a:sym typeface="Wingdings" pitchFamily="2" charset="2"/>
@@ -12943,7 +13052,7 @@
               <a:t>2i</a:t>
             </a:r>
             <a:r>
-              <a:rPr lang="en-US" sz="2000" dirty="0">
+              <a:rPr lang="en-US" sz="2400" dirty="0">
                 <a:latin typeface="Calibri" panose="020F0502020204030204" pitchFamily="34" charset="0"/>
                 <a:cs typeface="Calibri" panose="020F0502020204030204" pitchFamily="34" charset="0"/>
                 <a:sym typeface="Wingdings" pitchFamily="2" charset="2"/>
@@ -12951,7 +13060,7 @@
               <a:t>-a</a:t>
             </a:r>
             <a:r>
-              <a:rPr lang="en-US" sz="2000" baseline="-25000" dirty="0">
+              <a:rPr lang="en-US" sz="2400" baseline="-25000" dirty="0">
                 <a:latin typeface="Calibri" panose="020F0502020204030204" pitchFamily="34" charset="0"/>
                 <a:cs typeface="Calibri" panose="020F0502020204030204" pitchFamily="34" charset="0"/>
                 <a:sym typeface="Wingdings" pitchFamily="2" charset="2"/>
@@ -12959,7 +13068,7 @@
               <a:t>i</a:t>
             </a:r>
             <a:r>
-              <a:rPr lang="en-US" sz="2000" dirty="0">
+              <a:rPr lang="en-US" sz="2400" dirty="0">
                 <a:latin typeface="Calibri" panose="020F0502020204030204" pitchFamily="34" charset="0"/>
                 <a:cs typeface="Calibri" panose="020F0502020204030204" pitchFamily="34" charset="0"/>
                 <a:sym typeface="Wingdings" pitchFamily="2" charset="2"/>
@@ -12967,7 +13076,7 @@
               <a:t>= L</a:t>
             </a:r>
             <a:r>
-              <a:rPr lang="en-US" sz="2000" baseline="-25000" dirty="0">
+              <a:rPr lang="en-US" sz="2400" baseline="-25000" dirty="0">
                 <a:latin typeface="Calibri" panose="020F0502020204030204" pitchFamily="34" charset="0"/>
                 <a:cs typeface="Calibri" panose="020F0502020204030204" pitchFamily="34" charset="0"/>
                 <a:sym typeface="Wingdings" pitchFamily="2" charset="2"/>
@@ -12975,7 +13084,7 @@
               <a:t>a</a:t>
             </a:r>
             <a:r>
-              <a:rPr lang="en-US" sz="2000" dirty="0">
+              <a:rPr lang="en-US" sz="2400" dirty="0">
                 <a:latin typeface="Calibri" panose="020F0502020204030204" pitchFamily="34" charset="0"/>
                 <a:cs typeface="Calibri" panose="020F0502020204030204" pitchFamily="34" charset="0"/>
                 <a:sym typeface="Wingdings" pitchFamily="2" charset="2"/>
@@ -12983,7 +13092,7 @@
               <a:t>(b)(b</a:t>
             </a:r>
             <a:r>
-              <a:rPr lang="en-US" sz="2000" baseline="-25000" dirty="0">
+              <a:rPr lang="en-US" sz="2400" baseline="-25000" dirty="0">
                 <a:latin typeface="Calibri" panose="020F0502020204030204" pitchFamily="34" charset="0"/>
                 <a:cs typeface="Calibri" panose="020F0502020204030204" pitchFamily="34" charset="0"/>
                 <a:sym typeface="Wingdings" pitchFamily="2" charset="2"/>
@@ -12991,7 +13100,7 @@
               <a:t>2i</a:t>
             </a:r>
             <a:r>
-              <a:rPr lang="en-US" sz="2000" dirty="0">
+              <a:rPr lang="en-US" sz="2400" dirty="0">
                 <a:latin typeface="Calibri" panose="020F0502020204030204" pitchFamily="34" charset="0"/>
                 <a:cs typeface="Calibri" panose="020F0502020204030204" pitchFamily="34" charset="0"/>
                 <a:sym typeface="Wingdings" pitchFamily="2" charset="2"/>
@@ -12999,7 +13108,7 @@
               <a:t>-b</a:t>
             </a:r>
             <a:r>
-              <a:rPr lang="en-US" sz="2000" baseline="-25000" dirty="0">
+              <a:rPr lang="en-US" sz="2400" baseline="-25000" dirty="0">
                 <a:latin typeface="Calibri" panose="020F0502020204030204" pitchFamily="34" charset="0"/>
                 <a:cs typeface="Calibri" panose="020F0502020204030204" pitchFamily="34" charset="0"/>
                 <a:sym typeface="Wingdings" pitchFamily="2" charset="2"/>
@@ -13007,14 +13116,14 @@
               <a:t>i</a:t>
             </a:r>
             <a:r>
-              <a:rPr lang="en-US" sz="2000" dirty="0">
+              <a:rPr lang="en-US" sz="2400" dirty="0">
                 <a:latin typeface="Calibri" panose="020F0502020204030204" pitchFamily="34" charset="0"/>
                 <a:cs typeface="Calibri" panose="020F0502020204030204" pitchFamily="34" charset="0"/>
                 <a:sym typeface="Wingdings" pitchFamily="2" charset="2"/>
               </a:rPr>
               <a:t>)</a:t>
             </a:r>
-            <a:endParaRPr lang="en-US" sz="2000" dirty="0">
+            <a:endParaRPr lang="en-US" sz="2400" dirty="0">
               <a:latin typeface="Calibri" panose="020F0502020204030204" pitchFamily="34" charset="0"/>
               <a:cs typeface="Calibri" panose="020F0502020204030204" pitchFamily="34" charset="0"/>
             </a:endParaRPr>
@@ -13077,8 +13186,8 @@
           </a:p>
         </p:txBody>
       </p:sp>
-      <mc:AlternateContent xmlns:mc="http://schemas.openxmlformats.org/markup-compatibility/2006" xmlns:a14="http://schemas.microsoft.com/office/drawing/2010/main">
-        <mc:Choice Requires="a14">
+      <mc:AlternateContent xmlns:mc="http://schemas.openxmlformats.org/markup-compatibility/2006">
+        <mc:Choice xmlns:a14="http://schemas.microsoft.com/office/drawing/2010/main" Requires="a14">
           <p:sp>
             <p:nvSpPr>
               <p:cNvPr id="84996" name="Rectangle 2"/>
@@ -13091,7 +13200,7 @@
             </p:nvSpPr>
             <p:spPr>
               <a:xfrm>
-                <a:off x="685800" y="76200"/>
+                <a:off x="685800" y="228600"/>
                 <a:ext cx="7772400" cy="685800"/>
               </a:xfrm>
             </p:spPr>
@@ -13113,14 +13222,16 @@
                       </a:rPr>
                       <m:t>𝜌</m:t>
                     </m:r>
+                    <m:r>
+                      <a:rPr lang="en-US" sz="3600" b="0" i="0" dirty="0" smtClean="0">
+                        <a:latin typeface="Cambria Math" panose="02040503050406030204" pitchFamily="18" charset="0"/>
+                        <a:ea typeface="Cambria Math" panose="02040503050406030204" pitchFamily="18" charset="0"/>
+                        <a:cs typeface="Math1Mono" charset="2"/>
+                      </a:rPr>
+                      <m:t> </m:t>
+                    </m:r>
                   </m:oMath>
                 </a14:m>
-                <a:r>
-                  <a:rPr lang="en-US" sz="3600" dirty="0">
-                    <a:latin typeface="Math1" pitchFamily="2" charset="2"/>
-                  </a:rPr>
-                  <a:t> </a:t>
-                </a:r>
                 <a:r>
                   <a:rPr lang="en-US" sz="3600" dirty="0">
                     <a:latin typeface="Arial" pitchFamily="34" charset="0"/>
@@ -13136,7 +13247,7 @@
             </p:txBody>
           </p:sp>
         </mc:Choice>
-        <mc:Fallback xmlns="">
+        <mc:Fallback>
           <p:sp>
             <p:nvSpPr>
               <p:cNvPr id="84996" name="Rectangle 2"/>
@@ -13149,13 +13260,13 @@
             </p:nvSpPr>
             <p:spPr>
               <a:xfrm>
-                <a:off x="685800" y="76200"/>
+                <a:off x="685800" y="228600"/>
                 <a:ext cx="7772400" cy="685800"/>
               </a:xfrm>
               <a:blipFill>
                 <a:blip r:embed="rId3"/>
                 <a:stretch>
-                  <a:fillRect t="-9091" b="-27273"/>
+                  <a:fillRect t="-11111" b="-31481"/>
                 </a:stretch>
               </a:blipFill>
             </p:spPr>
@@ -13186,7 +13297,7 @@
         </p:nvSpPr>
         <p:spPr>
           <a:xfrm>
-            <a:off x="457200" y="1143000"/>
+            <a:off x="457200" y="1371600"/>
             <a:ext cx="8153400" cy="533400"/>
           </a:xfrm>
         </p:spPr>
@@ -13232,13 +13343,13 @@
           <p:nvPr>
             <p:extLst>
               <p:ext uri="{D42A27DB-BD31-4B8C-83A1-F6EECF244321}">
-                <p14:modId xmlns:p14="http://schemas.microsoft.com/office/powerpoint/2010/main" val="1368948967"/>
+                <p14:modId xmlns:p14="http://schemas.microsoft.com/office/powerpoint/2010/main" val="2525686873"/>
               </p:ext>
             </p:extLst>
           </p:nvPr>
         </p:nvGraphicFramePr>
         <p:xfrm>
-          <a:off x="990600" y="1676400"/>
+          <a:off x="990600" y="1905000"/>
           <a:ext cx="3200400" cy="3784600"/>
         </p:xfrm>
         <a:graphic>
@@ -14639,13 +14750,13 @@
           <p:nvPr>
             <p:extLst>
               <p:ext uri="{D42A27DB-BD31-4B8C-83A1-F6EECF244321}">
-                <p14:modId xmlns:p14="http://schemas.microsoft.com/office/powerpoint/2010/main" val="1103780399"/>
+                <p14:modId xmlns:p14="http://schemas.microsoft.com/office/powerpoint/2010/main" val="2431125586"/>
               </p:ext>
             </p:extLst>
           </p:nvPr>
         </p:nvGraphicFramePr>
         <p:xfrm>
-          <a:off x="4648200" y="1701800"/>
+          <a:off x="4648200" y="1930400"/>
           <a:ext cx="3200400" cy="3784600"/>
         </p:xfrm>
         <a:graphic>
@@ -16040,7 +16151,7 @@
         </p:nvSpPr>
         <p:spPr bwMode="auto">
           <a:xfrm>
-            <a:off x="533400" y="5562600"/>
+            <a:off x="533400" y="5791200"/>
             <a:ext cx="8153400" cy="533400"/>
           </a:xfrm>
           <a:prstGeom prst="rect">
@@ -16445,7 +16556,7 @@
         </p:nvSpPr>
         <p:spPr>
           <a:xfrm>
-            <a:off x="685800" y="76200"/>
+            <a:off x="685800" y="304800"/>
             <a:ext cx="7772400" cy="838200"/>
           </a:xfrm>
         </p:spPr>
@@ -16464,8 +16575,8 @@
           </a:p>
         </p:txBody>
       </p:sp>
-      <mc:AlternateContent xmlns:mc="http://schemas.openxmlformats.org/markup-compatibility/2006" xmlns:a14="http://schemas.microsoft.com/office/drawing/2010/main">
-        <mc:Choice Requires="a14">
+      <mc:AlternateContent xmlns:mc="http://schemas.openxmlformats.org/markup-compatibility/2006">
+        <mc:Choice xmlns:a14="http://schemas.microsoft.com/office/drawing/2010/main" Requires="a14">
           <p:sp>
             <p:nvSpPr>
               <p:cNvPr id="93189" name="Rectangle 3"/>
@@ -17046,27 +17157,131 @@
                     <a:spcPts val="200"/>
                   </a:spcBef>
                 </a:pPr>
-                <a:r>
-                  <a:rPr lang="en-US" sz="2000" dirty="0">
-                    <a:latin typeface="Calibri" panose="020F0502020204030204" pitchFamily="34" charset="0"/>
-                    <a:cs typeface="Calibri" panose="020F0502020204030204" pitchFamily="34" charset="0"/>
-                  </a:rPr>
-                  <a:t>x (p-1)/q= x</a:t>
-                </a:r>
-                <a:r>
-                  <a:rPr lang="en-US" sz="2000" baseline="-25000" dirty="0">
-                    <a:latin typeface="Calibri" panose="020F0502020204030204" pitchFamily="34" charset="0"/>
-                    <a:cs typeface="Calibri" panose="020F0502020204030204" pitchFamily="34" charset="0"/>
-                  </a:rPr>
-                  <a:t>0</a:t>
-                </a:r>
-                <a:r>
-                  <a:rPr lang="en-US" sz="2000" dirty="0">
-                    <a:latin typeface="Calibri" panose="020F0502020204030204" pitchFamily="34" charset="0"/>
-                    <a:cs typeface="Calibri" panose="020F0502020204030204" pitchFamily="34" charset="0"/>
-                  </a:rPr>
-                  <a:t>(p-1)/q+(p-1)(…)</a:t>
-                </a:r>
+                <a14:m>
+                  <m:oMath xmlns:m="http://schemas.openxmlformats.org/officeDocument/2006/math">
+                    <m:acc>
+                      <m:accPr>
+                        <m:chr m:val="̃"/>
+                        <m:ctrlPr>
+                          <a:rPr lang="en-US" sz="2000" i="1" dirty="0" smtClean="0">
+                            <a:latin typeface="Cambria Math" panose="02040503050406030204" pitchFamily="18" charset="0"/>
+                            <a:cs typeface="Calibri" panose="020F0502020204030204" pitchFamily="34" charset="0"/>
+                          </a:rPr>
+                        </m:ctrlPr>
+                      </m:accPr>
+                      <m:e/>
+                    </m:acc>
+                    <m:r>
+                      <a:rPr lang="en-US" sz="2000" i="1" dirty="0" smtClean="0">
+                        <a:latin typeface="Cambria Math" panose="02040503050406030204" pitchFamily="18" charset="0"/>
+                        <a:cs typeface="Calibri" panose="020F0502020204030204" pitchFamily="34" charset="0"/>
+                      </a:rPr>
+                      <m:t>𝑥</m:t>
+                    </m:r>
+                    <m:r>
+                      <a:rPr lang="en-US" sz="2000" i="1" dirty="0" smtClean="0">
+                        <a:latin typeface="Cambria Math" panose="02040503050406030204" pitchFamily="18" charset="0"/>
+                        <a:cs typeface="Calibri" panose="020F0502020204030204" pitchFamily="34" charset="0"/>
+                      </a:rPr>
+                      <m:t> (</m:t>
+                    </m:r>
+                    <m:r>
+                      <a:rPr lang="en-US" sz="2000" i="1" dirty="0" smtClean="0">
+                        <a:latin typeface="Cambria Math" panose="02040503050406030204" pitchFamily="18" charset="0"/>
+                        <a:cs typeface="Calibri" panose="020F0502020204030204" pitchFamily="34" charset="0"/>
+                      </a:rPr>
+                      <m:t>𝑝</m:t>
+                    </m:r>
+                    <m:r>
+                      <a:rPr lang="en-US" sz="2000" i="1" dirty="0" smtClean="0">
+                        <a:latin typeface="Cambria Math" panose="02040503050406030204" pitchFamily="18" charset="0"/>
+                        <a:cs typeface="Calibri" panose="020F0502020204030204" pitchFamily="34" charset="0"/>
+                      </a:rPr>
+                      <m:t>−1)/</m:t>
+                    </m:r>
+                    <m:r>
+                      <a:rPr lang="en-US" sz="2000" i="1" dirty="0" smtClean="0">
+                        <a:latin typeface="Cambria Math" panose="02040503050406030204" pitchFamily="18" charset="0"/>
+                        <a:cs typeface="Calibri" panose="020F0502020204030204" pitchFamily="34" charset="0"/>
+                      </a:rPr>
+                      <m:t>𝑞</m:t>
+                    </m:r>
+                    <m:r>
+                      <a:rPr lang="en-US" sz="2000" i="1" dirty="0" smtClean="0">
+                        <a:latin typeface="Cambria Math" panose="02040503050406030204" pitchFamily="18" charset="0"/>
+                        <a:cs typeface="Calibri" panose="020F0502020204030204" pitchFamily="34" charset="0"/>
+                      </a:rPr>
+                      <m:t>= </m:t>
+                    </m:r>
+                    <m:r>
+                      <a:rPr lang="en-US" sz="2000" i="1" dirty="0" smtClean="0">
+                        <a:latin typeface="Cambria Math" panose="02040503050406030204" pitchFamily="18" charset="0"/>
+                        <a:cs typeface="Calibri" panose="020F0502020204030204" pitchFamily="34" charset="0"/>
+                      </a:rPr>
+                      <m:t>𝑥</m:t>
+                    </m:r>
+                    <m:r>
+                      <a:rPr lang="en-US" sz="2000" i="1" baseline="-25000" dirty="0">
+                        <a:latin typeface="Cambria Math" panose="02040503050406030204" pitchFamily="18" charset="0"/>
+                        <a:cs typeface="Calibri" panose="020F0502020204030204" pitchFamily="34" charset="0"/>
+                      </a:rPr>
+                      <m:t>0</m:t>
+                    </m:r>
+                    <m:r>
+                      <a:rPr lang="en-US" sz="2000" i="1" dirty="0">
+                        <a:latin typeface="Cambria Math" panose="02040503050406030204" pitchFamily="18" charset="0"/>
+                        <a:cs typeface="Calibri" panose="020F0502020204030204" pitchFamily="34" charset="0"/>
+                      </a:rPr>
+                      <m:t>(</m:t>
+                    </m:r>
+                    <m:r>
+                      <a:rPr lang="en-US" sz="2000" i="1" dirty="0">
+                        <a:latin typeface="Cambria Math" panose="02040503050406030204" pitchFamily="18" charset="0"/>
+                        <a:cs typeface="Calibri" panose="020F0502020204030204" pitchFamily="34" charset="0"/>
+                      </a:rPr>
+                      <m:t>𝑝</m:t>
+                    </m:r>
+                    <m:r>
+                      <a:rPr lang="en-US" sz="2000" i="1" dirty="0">
+                        <a:latin typeface="Cambria Math" panose="02040503050406030204" pitchFamily="18" charset="0"/>
+                        <a:cs typeface="Calibri" panose="020F0502020204030204" pitchFamily="34" charset="0"/>
+                      </a:rPr>
+                      <m:t>−1)/</m:t>
+                    </m:r>
+                    <m:r>
+                      <a:rPr lang="en-US" sz="2000" i="1" dirty="0">
+                        <a:latin typeface="Cambria Math" panose="02040503050406030204" pitchFamily="18" charset="0"/>
+                        <a:cs typeface="Calibri" panose="020F0502020204030204" pitchFamily="34" charset="0"/>
+                      </a:rPr>
+                      <m:t>𝑞</m:t>
+                    </m:r>
+                    <m:r>
+                      <a:rPr lang="en-US" sz="2000" i="1" dirty="0">
+                        <a:latin typeface="Cambria Math" panose="02040503050406030204" pitchFamily="18" charset="0"/>
+                        <a:cs typeface="Calibri" panose="020F0502020204030204" pitchFamily="34" charset="0"/>
+                      </a:rPr>
+                      <m:t>+(</m:t>
+                    </m:r>
+                    <m:r>
+                      <a:rPr lang="en-US" sz="2000" i="1" dirty="0">
+                        <a:latin typeface="Cambria Math" panose="02040503050406030204" pitchFamily="18" charset="0"/>
+                        <a:cs typeface="Calibri" panose="020F0502020204030204" pitchFamily="34" charset="0"/>
+                      </a:rPr>
+                      <m:t>𝑝</m:t>
+                    </m:r>
+                    <m:r>
+                      <a:rPr lang="en-US" sz="2000" i="1" dirty="0">
+                        <a:latin typeface="Cambria Math" panose="02040503050406030204" pitchFamily="18" charset="0"/>
+                        <a:cs typeface="Calibri" panose="020F0502020204030204" pitchFamily="34" charset="0"/>
+                      </a:rPr>
+                      <m:t>−1)(…)</m:t>
+                    </m:r>
+                  </m:oMath>
+                </a14:m>
+                <a:endParaRPr lang="en-US" sz="2000" dirty="0">
+                  <a:latin typeface="Calibri" panose="020F0502020204030204" pitchFamily="34" charset="0"/>
+                  <a:cs typeface="Calibri" panose="020F0502020204030204" pitchFamily="34" charset="0"/>
+                </a:endParaRPr>
               </a:p>
               <a:p>
                 <a:pPr>
@@ -17355,7 +17570,7 @@
             </p:txBody>
           </p:sp>
         </mc:Choice>
-        <mc:Fallback xmlns="">
+        <mc:Fallback>
           <p:sp>
             <p:nvSpPr>
               <p:cNvPr id="93189" name="Rectangle 3"/>
@@ -17457,7 +17672,7 @@
         </p:nvSpPr>
         <p:spPr>
           <a:xfrm>
-            <a:off x="685800" y="76200"/>
+            <a:off x="685800" y="304800"/>
             <a:ext cx="7772400" cy="838200"/>
           </a:xfrm>
         </p:spPr>
@@ -17476,8 +17691,8 @@
           </a:p>
         </p:txBody>
       </p:sp>
-      <mc:AlternateContent xmlns:mc="http://schemas.openxmlformats.org/markup-compatibility/2006" xmlns:a14="http://schemas.microsoft.com/office/drawing/2010/main">
-        <mc:Choice Requires="a14">
+      <mc:AlternateContent xmlns:mc="http://schemas.openxmlformats.org/markup-compatibility/2006">
+        <mc:Choice xmlns:a14="http://schemas.microsoft.com/office/drawing/2010/main" Requires="a14">
           <p:sp>
             <p:nvSpPr>
               <p:cNvPr id="84997" name="Rectangle 3"/>
@@ -17691,7 +17906,7 @@
                     <a:latin typeface="Calibri" panose="020F0502020204030204" pitchFamily="34" charset="0"/>
                     <a:cs typeface="Calibri" panose="020F0502020204030204" pitchFamily="34" charset="0"/>
                   </a:rPr>
-                  <a:t>So a</a:t>
+                  <a:t>So, a</a:t>
                 </a:r>
                 <a:r>
                   <a:rPr lang="en-US" sz="2000" baseline="30000" dirty="0">
@@ -17954,7 +18169,7 @@
             </p:txBody>
           </p:sp>
         </mc:Choice>
-        <mc:Fallback xmlns="">
+        <mc:Fallback>
           <p:sp>
             <p:nvSpPr>
               <p:cNvPr id="84997" name="Rectangle 3"/>
@@ -18055,7 +18270,7 @@
         </p:nvSpPr>
         <p:spPr>
           <a:xfrm>
-            <a:off x="685800" y="0"/>
+            <a:off x="685800" y="228600"/>
             <a:ext cx="7772400" cy="609600"/>
           </a:xfrm>
         </p:spPr>
@@ -18229,13 +18444,34 @@
                       </a:rPr>
                       <m:t>, … , </m:t>
                     </m:r>
-                    <m:r>
-                      <a:rPr lang="en-US" sz="2000" i="1" dirty="0" smtClean="0">
-                        <a:latin typeface="Cambria Math" panose="02040503050406030204" pitchFamily="18" charset="0"/>
-                        <a:cs typeface="Calibri" panose="020F0502020204030204" pitchFamily="34" charset="0"/>
-                      </a:rPr>
-                      <m:t>𝑝𝑘</m:t>
-                    </m:r>
+                    <m:sSub>
+                      <m:sSubPr>
+                        <m:ctrlPr>
+                          <a:rPr lang="en-US" sz="2000" i="1" dirty="0" smtClean="0">
+                            <a:latin typeface="Cambria Math" panose="02040503050406030204" pitchFamily="18" charset="0"/>
+                            <a:cs typeface="Calibri" panose="020F0502020204030204" pitchFamily="34" charset="0"/>
+                          </a:rPr>
+                        </m:ctrlPr>
+                      </m:sSubPr>
+                      <m:e>
+                        <m:r>
+                          <a:rPr lang="en-US" sz="2000" b="0" i="1" dirty="0" smtClean="0">
+                            <a:latin typeface="Cambria Math" panose="02040503050406030204" pitchFamily="18" charset="0"/>
+                            <a:cs typeface="Calibri" panose="020F0502020204030204" pitchFamily="34" charset="0"/>
+                          </a:rPr>
+                          <m:t>𝑝</m:t>
+                        </m:r>
+                      </m:e>
+                      <m:sub>
+                        <m:r>
+                          <a:rPr lang="en-US" sz="2000" b="0" i="1" dirty="0" smtClean="0">
+                            <a:latin typeface="Cambria Math" panose="02040503050406030204" pitchFamily="18" charset="0"/>
+                            <a:cs typeface="Calibri" panose="020F0502020204030204" pitchFamily="34" charset="0"/>
+                          </a:rPr>
+                          <m:t>𝑘</m:t>
+                        </m:r>
+                      </m:sub>
+                    </m:sSub>
                     <m:r>
                       <a:rPr lang="en-US" sz="2000" i="1" dirty="0" smtClean="0">
                         <a:latin typeface="Cambria Math" panose="02040503050406030204" pitchFamily="18" charset="0"/>
@@ -18805,13 +19041,34 @@
                       </a:rPr>
                       <m:t> (</m:t>
                     </m:r>
-                    <m:r>
-                      <a:rPr lang="en-US" sz="2000" i="1" dirty="0">
-                        <a:latin typeface="Cambria Math" panose="02040503050406030204" pitchFamily="18" charset="0"/>
-                        <a:cs typeface="Calibri" panose="020F0502020204030204" pitchFamily="34" charset="0"/>
-                      </a:rPr>
-                      <m:t>𝑝𝑘</m:t>
-                    </m:r>
+                    <m:sSub>
+                      <m:sSubPr>
+                        <m:ctrlPr>
+                          <a:rPr lang="en-US" sz="2000" i="1" dirty="0">
+                            <a:latin typeface="Cambria Math" panose="02040503050406030204" pitchFamily="18" charset="0"/>
+                            <a:cs typeface="Calibri" panose="020F0502020204030204" pitchFamily="34" charset="0"/>
+                          </a:rPr>
+                        </m:ctrlPr>
+                      </m:sSubPr>
+                      <m:e>
+                        <m:r>
+                          <a:rPr lang="en-US" sz="2000" i="1" dirty="0">
+                            <a:latin typeface="Cambria Math" panose="02040503050406030204" pitchFamily="18" charset="0"/>
+                            <a:cs typeface="Calibri" panose="020F0502020204030204" pitchFamily="34" charset="0"/>
+                          </a:rPr>
+                          <m:t>𝑝</m:t>
+                        </m:r>
+                      </m:e>
+                      <m:sub>
+                        <m:r>
+                          <a:rPr lang="en-US" sz="2000" i="1" dirty="0">
+                            <a:latin typeface="Cambria Math" panose="02040503050406030204" pitchFamily="18" charset="0"/>
+                            <a:cs typeface="Calibri" panose="020F0502020204030204" pitchFamily="34" charset="0"/>
+                          </a:rPr>
+                          <m:t>𝑘</m:t>
+                        </m:r>
+                      </m:sub>
+                    </m:sSub>
                     <m:r>
                       <a:rPr lang="en-US" sz="2000" i="1" dirty="0">
                         <a:latin typeface="Cambria Math" panose="02040503050406030204" pitchFamily="18" charset="0"/>
@@ -18837,7 +19094,7 @@
                     <a:latin typeface="Calibri" panose="020F0502020204030204" pitchFamily="34" charset="0"/>
                     <a:cs typeface="Calibri" panose="020F0502020204030204" pitchFamily="34" charset="0"/>
                   </a:rPr>
-                  <a:t>If you get enough of these, you can solve for the Solve</a:t>
+                  <a:t>If you get enough of these, you can solve for the </a:t>
                 </a:r>
                 <a14:m>
                   <m:oMath xmlns:m="http://schemas.openxmlformats.org/officeDocument/2006/math">
@@ -18862,13 +19119,34 @@
                       </a:rPr>
                       <m:t>(</m:t>
                     </m:r>
-                    <m:r>
-                      <a:rPr lang="en-US" sz="2000" i="1" dirty="0">
-                        <a:latin typeface="Cambria Math" panose="02040503050406030204" pitchFamily="18" charset="0"/>
-                        <a:cs typeface="Calibri" panose="020F0502020204030204" pitchFamily="34" charset="0"/>
-                      </a:rPr>
-                      <m:t>𝑝𝑖</m:t>
-                    </m:r>
+                    <m:sSub>
+                      <m:sSubPr>
+                        <m:ctrlPr>
+                          <a:rPr lang="en-US" sz="2000" i="1" dirty="0" smtClean="0">
+                            <a:latin typeface="Cambria Math" panose="02040503050406030204" pitchFamily="18" charset="0"/>
+                            <a:cs typeface="Calibri" panose="020F0502020204030204" pitchFamily="34" charset="0"/>
+                          </a:rPr>
+                        </m:ctrlPr>
+                      </m:sSubPr>
+                      <m:e>
+                        <m:r>
+                          <a:rPr lang="en-US" sz="2000" b="0" i="1" dirty="0" smtClean="0">
+                            <a:latin typeface="Cambria Math" panose="02040503050406030204" pitchFamily="18" charset="0"/>
+                            <a:cs typeface="Calibri" panose="020F0502020204030204" pitchFamily="34" charset="0"/>
+                          </a:rPr>
+                          <m:t>𝑝</m:t>
+                        </m:r>
+                      </m:e>
+                      <m:sub>
+                        <m:r>
+                          <a:rPr lang="en-US" sz="2000" b="0" i="1" dirty="0" smtClean="0">
+                            <a:latin typeface="Cambria Math" panose="02040503050406030204" pitchFamily="18" charset="0"/>
+                            <a:cs typeface="Calibri" panose="020F0502020204030204" pitchFamily="34" charset="0"/>
+                          </a:rPr>
+                          <m:t>𝑖</m:t>
+                        </m:r>
+                      </m:sub>
+                    </m:sSub>
                     <m:r>
                       <a:rPr lang="en-US" sz="2000" i="1" dirty="0">
                         <a:latin typeface="Cambria Math" panose="02040503050406030204" pitchFamily="18" charset="0"/>
@@ -18878,17 +19156,6 @@
                     </m:r>
                   </m:oMath>
                 </a14:m>
-                <a:endParaRPr lang="en-US" sz="2000" baseline="-25000" dirty="0">
-                  <a:latin typeface="Calibri" panose="020F0502020204030204" pitchFamily="34" charset="0"/>
-                  <a:cs typeface="Calibri" panose="020F0502020204030204" pitchFamily="34" charset="0"/>
-                </a:endParaRPr>
-              </a:p>
-              <a:p>
-                <a:pPr>
-                  <a:lnSpc>
-                    <a:spcPct val="80000"/>
-                  </a:lnSpc>
-                </a:pPr>
                 <a:endParaRPr lang="en-US" sz="2000" dirty="0">
                   <a:latin typeface="Calibri" panose="020F0502020204030204" pitchFamily="34" charset="0"/>
                   <a:cs typeface="Calibri" panose="020F0502020204030204" pitchFamily="34" charset="0"/>
@@ -19403,13 +19670,34 @@
                       </a:rPr>
                       <m:t> (</m:t>
                     </m:r>
-                    <m:r>
-                      <a:rPr lang="en-US" sz="2000" i="1" dirty="0">
-                        <a:latin typeface="Cambria Math" panose="02040503050406030204" pitchFamily="18" charset="0"/>
-                        <a:cs typeface="Calibri" panose="020F0502020204030204" pitchFamily="34" charset="0"/>
-                      </a:rPr>
-                      <m:t>𝑝𝑘</m:t>
-                    </m:r>
+                    <m:sSub>
+                      <m:sSubPr>
+                        <m:ctrlPr>
+                          <a:rPr lang="en-US" sz="2000" i="1" dirty="0">
+                            <a:latin typeface="Cambria Math" panose="02040503050406030204" pitchFamily="18" charset="0"/>
+                            <a:cs typeface="Calibri" panose="020F0502020204030204" pitchFamily="34" charset="0"/>
+                          </a:rPr>
+                        </m:ctrlPr>
+                      </m:sSubPr>
+                      <m:e>
+                        <m:r>
+                          <a:rPr lang="en-US" sz="2000" i="1" dirty="0">
+                            <a:latin typeface="Cambria Math" panose="02040503050406030204" pitchFamily="18" charset="0"/>
+                            <a:cs typeface="Calibri" panose="020F0502020204030204" pitchFamily="34" charset="0"/>
+                          </a:rPr>
+                          <m:t>𝑝</m:t>
+                        </m:r>
+                      </m:e>
+                      <m:sub>
+                        <m:r>
+                          <a:rPr lang="en-US" sz="2000" i="1" dirty="0">
+                            <a:latin typeface="Cambria Math" panose="02040503050406030204" pitchFamily="18" charset="0"/>
+                            <a:cs typeface="Calibri" panose="020F0502020204030204" pitchFamily="34" charset="0"/>
+                          </a:rPr>
+                          <m:t>𝑘</m:t>
+                        </m:r>
+                      </m:sub>
+                    </m:sSub>
                     <m:r>
                       <a:rPr lang="en-US" sz="2000" i="1" dirty="0">
                         <a:latin typeface="Cambria Math" panose="02040503050406030204" pitchFamily="18" charset="0"/>
@@ -26367,7 +26655,7 @@
         </p:nvSpPr>
         <p:spPr>
           <a:xfrm>
-            <a:off x="685800" y="0"/>
+            <a:off x="685800" y="152400"/>
             <a:ext cx="7772400" cy="914400"/>
           </a:xfrm>
         </p:spPr>
@@ -28936,7 +29224,7 @@
         </p:nvSpPr>
         <p:spPr>
           <a:xfrm>
-            <a:off x="685800" y="0"/>
+            <a:off x="685800" y="152400"/>
             <a:ext cx="7772400" cy="1143000"/>
           </a:xfrm>
         </p:spPr>
@@ -28964,7 +29252,7 @@
         </p:nvSpPr>
         <p:spPr>
           <a:xfrm>
-            <a:off x="457200" y="1981200"/>
+            <a:off x="457200" y="2209800"/>
             <a:ext cx="8382000" cy="4114800"/>
           </a:xfrm>
         </p:spPr>
@@ -29214,7 +29502,7 @@
         </p:nvSpPr>
         <p:spPr>
           <a:xfrm>
-            <a:off x="685800" y="0"/>
+            <a:off x="685800" y="304800"/>
             <a:ext cx="7772400" cy="838200"/>
           </a:xfrm>
         </p:spPr>
@@ -29613,7 +29901,7 @@
         </p:nvSpPr>
         <p:spPr>
           <a:xfrm>
-            <a:off x="685800" y="152400"/>
+            <a:off x="685800" y="228600"/>
             <a:ext cx="7772400" cy="990600"/>
           </a:xfrm>
         </p:spPr>
@@ -29640,7 +29928,7 @@
         </p:nvSpPr>
         <p:spPr>
           <a:xfrm>
-            <a:off x="685800" y="1905000"/>
+            <a:off x="685800" y="2133600"/>
             <a:ext cx="7772400" cy="4343400"/>
           </a:xfrm>
         </p:spPr>
@@ -32729,7 +33017,7 @@
         </p:nvSpPr>
         <p:spPr>
           <a:xfrm>
-            <a:off x="685800" y="0"/>
+            <a:off x="685800" y="152400"/>
             <a:ext cx="7772400" cy="914400"/>
           </a:xfrm>
         </p:spPr>
@@ -32744,8 +33032,8 @@
           </a:p>
         </p:txBody>
       </p:sp>
-      <mc:AlternateContent xmlns:mc="http://schemas.openxmlformats.org/markup-compatibility/2006" xmlns:a14="http://schemas.microsoft.com/office/drawing/2010/main">
-        <mc:Choice Requires="a14">
+      <mc:AlternateContent xmlns:mc="http://schemas.openxmlformats.org/markup-compatibility/2006">
+        <mc:Choice xmlns:a14="http://schemas.microsoft.com/office/drawing/2010/main" Requires="a14">
           <p:sp>
             <p:nvSpPr>
               <p:cNvPr id="1030" name="Rectangle 3"/>
@@ -32758,7 +33046,7 @@
             </p:nvSpPr>
             <p:spPr>
               <a:xfrm>
-                <a:off x="685800" y="1524000"/>
+                <a:off x="685800" y="1828800"/>
                 <a:ext cx="7772400" cy="4648200"/>
               </a:xfrm>
             </p:spPr>
@@ -33818,7 +34106,7 @@
             </p:txBody>
           </p:sp>
         </mc:Choice>
-        <mc:Fallback xmlns="">
+        <mc:Fallback>
           <p:sp>
             <p:nvSpPr>
               <p:cNvPr id="1030" name="Rectangle 3"/>
@@ -33831,7 +34119,7 @@
             </p:nvSpPr>
             <p:spPr>
               <a:xfrm>
-                <a:off x="685800" y="1524000"/>
+                <a:off x="685800" y="1828800"/>
                 <a:ext cx="7772400" cy="4648200"/>
               </a:xfrm>
               <a:blipFill>
@@ -33919,7 +34207,7 @@
         </p:nvSpPr>
         <p:spPr>
           <a:xfrm>
-            <a:off x="685800" y="0"/>
+            <a:off x="685800" y="228600"/>
             <a:ext cx="7772400" cy="838200"/>
           </a:xfrm>
         </p:spPr>
@@ -35054,7 +35342,7 @@
         </p:nvSpPr>
         <p:spPr>
           <a:xfrm>
-            <a:off x="685800" y="76200"/>
+            <a:off x="685800" y="152400"/>
             <a:ext cx="7772400" cy="838200"/>
           </a:xfrm>
         </p:spPr>
@@ -35089,8 +35377,8 @@
         </p:nvSpPr>
         <p:spPr>
           <a:xfrm>
-            <a:off x="609600" y="1371600"/>
-            <a:ext cx="8001000" cy="4953000"/>
+            <a:off x="609600" y="1600200"/>
+            <a:ext cx="8001000" cy="4343400"/>
           </a:xfrm>
         </p:spPr>
         <p:txBody>
@@ -35484,8 +35772,8 @@
           </a:p>
         </p:txBody>
       </p:sp>
-      <mc:AlternateContent xmlns:mc="http://schemas.openxmlformats.org/markup-compatibility/2006" xmlns:a14="http://schemas.microsoft.com/office/drawing/2010/main">
-        <mc:Choice Requires="a14">
+      <mc:AlternateContent xmlns:mc="http://schemas.openxmlformats.org/markup-compatibility/2006">
+        <mc:Choice xmlns:a14="http://schemas.microsoft.com/office/drawing/2010/main" Requires="a14">
           <p:sp>
             <p:nvSpPr>
               <p:cNvPr id="91141" name="Rectangle 3"/>
@@ -35499,7 +35787,7 @@
             <p:spPr>
               <a:xfrm>
                 <a:off x="457200" y="1447800"/>
-                <a:ext cx="8229600" cy="4343400"/>
+                <a:ext cx="8382000" cy="4343400"/>
               </a:xfrm>
             </p:spPr>
             <p:txBody>
@@ -36767,6 +37055,17 @@
                     <a:spcPts val="200"/>
                   </a:spcBef>
                 </a:pPr>
+                <a:endParaRPr lang="en-US" sz="2000" dirty="0">
+                  <a:latin typeface="Calibri" panose="020F0502020204030204" pitchFamily="34" charset="0"/>
+                  <a:cs typeface="Calibri" panose="020F0502020204030204" pitchFamily="34" charset="0"/>
+                </a:endParaRPr>
+              </a:p>
+              <a:p>
+                <a:pPr>
+                  <a:spcBef>
+                    <a:spcPts val="200"/>
+                  </a:spcBef>
+                </a:pPr>
                 <a:r>
                   <a:rPr lang="en-US" sz="2000" dirty="0">
                     <a:latin typeface="Calibri" panose="020F0502020204030204" pitchFamily="34" charset="0"/>
@@ -36803,7 +37102,7 @@
             </p:txBody>
           </p:sp>
         </mc:Choice>
-        <mc:Fallback xmlns="">
+        <mc:Fallback>
           <p:sp>
             <p:nvSpPr>
               <p:cNvPr id="91141" name="Rectangle 3"/>
@@ -36817,12 +37116,12 @@
             <p:spPr>
               <a:xfrm>
                 <a:off x="457200" y="1447800"/>
-                <a:ext cx="8229600" cy="4343400"/>
+                <a:ext cx="8382000" cy="4343400"/>
               </a:xfrm>
               <a:blipFill>
                 <a:blip r:embed="rId2"/>
                 <a:stretch>
-                  <a:fillRect l="-772" t="-875" b="-3207"/>
+                  <a:fillRect l="-758" t="-875" b="-3499"/>
                 </a:stretch>
               </a:blipFill>
             </p:spPr>
@@ -36905,7 +37204,7 @@
         </p:nvSpPr>
         <p:spPr>
           <a:xfrm>
-            <a:off x="685800" y="0"/>
+            <a:off x="685800" y="304800"/>
             <a:ext cx="7772400" cy="838200"/>
           </a:xfrm>
         </p:spPr>
@@ -36920,8 +37219,8 @@
           </a:p>
         </p:txBody>
       </p:sp>
-      <mc:AlternateContent xmlns:mc="http://schemas.openxmlformats.org/markup-compatibility/2006" xmlns:a14="http://schemas.microsoft.com/office/drawing/2010/main">
-        <mc:Choice Requires="a14">
+      <mc:AlternateContent xmlns:mc="http://schemas.openxmlformats.org/markup-compatibility/2006">
+        <mc:Choice xmlns:a14="http://schemas.microsoft.com/office/drawing/2010/main" Requires="a14">
           <p:sp>
             <p:nvSpPr>
               <p:cNvPr id="89093" name="Rectangle 3"/>
@@ -36934,7 +37233,7 @@
             </p:nvSpPr>
             <p:spPr>
               <a:xfrm>
-                <a:off x="457200" y="2133600"/>
+                <a:off x="457200" y="2286000"/>
                 <a:ext cx="8153400" cy="2438400"/>
               </a:xfrm>
             </p:spPr>
@@ -36965,36 +37264,64 @@
                       </a:rPr>
                       <m:t>(</m:t>
                     </m:r>
-                    <m:r>
-                      <m:rPr>
-                        <m:sty m:val="p"/>
-                      </m:rPr>
-                      <a:rPr lang="en-US" sz="2000" i="1" dirty="0" err="1">
-                        <a:latin typeface="Cambria Math" panose="02040503050406030204" pitchFamily="18" charset="0"/>
-                        <a:cs typeface="Calibri" panose="020F0502020204030204" pitchFamily="34" charset="0"/>
-                      </a:rPr>
-                      <m:t>lg</m:t>
-                    </m:r>
+                    <m:sSup>
+                      <m:sSupPr>
+                        <m:ctrlPr>
+                          <a:rPr lang="en-US" sz="2000" i="1" dirty="0" smtClean="0">
+                            <a:latin typeface="Cambria Math" panose="02040503050406030204" pitchFamily="18" charset="0"/>
+                            <a:cs typeface="Calibri" panose="020F0502020204030204" pitchFamily="34" charset="0"/>
+                          </a:rPr>
+                        </m:ctrlPr>
+                      </m:sSupPr>
+                      <m:e>
+                        <m:r>
+                          <m:rPr>
+                            <m:sty m:val="p"/>
+                          </m:rPr>
+                          <a:rPr lang="en-US" sz="2000" b="0" i="0" dirty="0" smtClean="0">
+                            <a:latin typeface="Cambria Math" panose="02040503050406030204" pitchFamily="18" charset="0"/>
+                            <a:cs typeface="Calibri" panose="020F0502020204030204" pitchFamily="34" charset="0"/>
+                          </a:rPr>
+                          <m:t>lg</m:t>
+                        </m:r>
+                        <m:r>
+                          <a:rPr lang="en-US" sz="2000" b="0" i="1" dirty="0" smtClean="0">
+                            <a:latin typeface="Cambria Math" panose="02040503050406030204" pitchFamily="18" charset="0"/>
+                            <a:cs typeface="Calibri" panose="020F0502020204030204" pitchFamily="34" charset="0"/>
+                          </a:rPr>
+                          <m:t>⁡(</m:t>
+                        </m:r>
+                        <m:r>
+                          <a:rPr lang="en-US" sz="2000" b="0" i="1" dirty="0" smtClean="0">
+                            <a:latin typeface="Cambria Math" panose="02040503050406030204" pitchFamily="18" charset="0"/>
+                            <a:cs typeface="Calibri" panose="020F0502020204030204" pitchFamily="34" charset="0"/>
+                          </a:rPr>
+                          <m:t>𝑝</m:t>
+                        </m:r>
+                        <m:r>
+                          <a:rPr lang="en-US" sz="2000" b="0" i="1" dirty="0" smtClean="0">
+                            <a:latin typeface="Cambria Math" panose="02040503050406030204" pitchFamily="18" charset="0"/>
+                            <a:cs typeface="Calibri" panose="020F0502020204030204" pitchFamily="34" charset="0"/>
+                          </a:rPr>
+                          <m:t>)</m:t>
+                        </m:r>
+                      </m:e>
+                      <m:sup>
+                        <m:r>
+                          <a:rPr lang="en-US" sz="2000" b="0" i="1" dirty="0" smtClean="0">
+                            <a:latin typeface="Cambria Math" panose="02040503050406030204" pitchFamily="18" charset="0"/>
+                            <a:cs typeface="Calibri" panose="020F0502020204030204" pitchFamily="34" charset="0"/>
+                          </a:rPr>
+                          <m:t>3</m:t>
+                        </m:r>
+                      </m:sup>
+                    </m:sSup>
                     <m:r>
                       <a:rPr lang="en-US" sz="2000" i="1" dirty="0">
                         <a:latin typeface="Cambria Math" panose="02040503050406030204" pitchFamily="18" charset="0"/>
                         <a:cs typeface="Calibri" panose="020F0502020204030204" pitchFamily="34" charset="0"/>
                       </a:rPr>
-                      <m:t>⁡(</m:t>
-                    </m:r>
-                    <m:r>
-                      <a:rPr lang="en-US" sz="2000" i="1" dirty="0">
-                        <a:latin typeface="Cambria Math" panose="02040503050406030204" pitchFamily="18" charset="0"/>
-                        <a:cs typeface="Calibri" panose="020F0502020204030204" pitchFamily="34" charset="0"/>
-                      </a:rPr>
-                      <m:t>𝑝</m:t>
-                    </m:r>
-                    <m:r>
-                      <a:rPr lang="en-US" sz="2000" i="1" dirty="0">
-                        <a:latin typeface="Cambria Math" panose="02040503050406030204" pitchFamily="18" charset="0"/>
-                        <a:cs typeface="Calibri" panose="020F0502020204030204" pitchFamily="34" charset="0"/>
-                      </a:rPr>
-                      <m:t>)3) </m:t>
+                      <m:t>) </m:t>
                     </m:r>
                   </m:oMath>
                 </a14:m>
@@ -37108,55 +37435,107 @@
                     <a:latin typeface="Calibri" panose="020F0502020204030204" pitchFamily="34" charset="0"/>
                     <a:cs typeface="Calibri" panose="020F0502020204030204" pitchFamily="34" charset="0"/>
                   </a:rPr>
-                  <a:t>Encryption is also </a:t>
+                  <a:t>Encryption is also</a:t>
                 </a:r>
                 <a14:m>
                   <m:oMath xmlns:m="http://schemas.openxmlformats.org/officeDocument/2006/math">
                     <m:r>
+                      <a:rPr lang="en-US" sz="2000" b="0" i="1" dirty="0" smtClean="0">
+                        <a:latin typeface="Cambria Math" panose="02040503050406030204" pitchFamily="18" charset="0"/>
+                        <a:cs typeface="Calibri" panose="020F0502020204030204" pitchFamily="34" charset="0"/>
+                      </a:rPr>
+                      <m:t>  </m:t>
+                    </m:r>
+                    <m:r>
+                      <a:rPr lang="en-US" sz="2000" b="0" i="1" dirty="0" smtClean="0">
+                        <a:latin typeface="Cambria Math" panose="02040503050406030204" pitchFamily="18" charset="0"/>
+                        <a:cs typeface="Calibri" panose="020F0502020204030204" pitchFamily="34" charset="0"/>
+                      </a:rPr>
+                      <m:t>𝑂</m:t>
+                    </m:r>
+                    <m:r>
+                      <a:rPr lang="en-US" sz="2000" i="1" dirty="0">
+                        <a:latin typeface="Cambria Math" panose="02040503050406030204" pitchFamily="18" charset="0"/>
+                        <a:cs typeface="Calibri" panose="020F0502020204030204" pitchFamily="34" charset="0"/>
+                      </a:rPr>
+                      <m:t>(</m:t>
+                    </m:r>
+                    <m:sSup>
+                      <m:sSupPr>
+                        <m:ctrlPr>
+                          <a:rPr lang="en-US" sz="2000" i="1" dirty="0">
+                            <a:latin typeface="Cambria Math" panose="02040503050406030204" pitchFamily="18" charset="0"/>
+                            <a:cs typeface="Calibri" panose="020F0502020204030204" pitchFamily="34" charset="0"/>
+                          </a:rPr>
+                        </m:ctrlPr>
+                      </m:sSupPr>
+                      <m:e>
+                        <m:r>
+                          <m:rPr>
+                            <m:sty m:val="p"/>
+                          </m:rPr>
+                          <a:rPr lang="en-US" sz="2000" dirty="0">
+                            <a:latin typeface="Cambria Math" panose="02040503050406030204" pitchFamily="18" charset="0"/>
+                            <a:cs typeface="Calibri" panose="020F0502020204030204" pitchFamily="34" charset="0"/>
+                          </a:rPr>
+                          <m:t>lg</m:t>
+                        </m:r>
+                        <m:r>
+                          <a:rPr lang="en-US" sz="2000" i="1" dirty="0">
+                            <a:latin typeface="Cambria Math" panose="02040503050406030204" pitchFamily="18" charset="0"/>
+                            <a:cs typeface="Calibri" panose="020F0502020204030204" pitchFamily="34" charset="0"/>
+                          </a:rPr>
+                          <m:t>⁡(</m:t>
+                        </m:r>
+                        <m:r>
+                          <a:rPr lang="en-US" sz="2000" i="1" dirty="0">
+                            <a:latin typeface="Cambria Math" panose="02040503050406030204" pitchFamily="18" charset="0"/>
+                            <a:cs typeface="Calibri" panose="020F0502020204030204" pitchFamily="34" charset="0"/>
+                          </a:rPr>
+                          <m:t>𝑝</m:t>
+                        </m:r>
+                        <m:r>
+                          <a:rPr lang="en-US" sz="2000" i="1" dirty="0">
+                            <a:latin typeface="Cambria Math" panose="02040503050406030204" pitchFamily="18" charset="0"/>
+                            <a:cs typeface="Calibri" panose="020F0502020204030204" pitchFamily="34" charset="0"/>
+                          </a:rPr>
+                          <m:t>)</m:t>
+                        </m:r>
+                      </m:e>
+                      <m:sup>
+                        <m:r>
+                          <a:rPr lang="en-US" sz="2000" i="1" dirty="0">
+                            <a:latin typeface="Cambria Math" panose="02040503050406030204" pitchFamily="18" charset="0"/>
+                            <a:cs typeface="Calibri" panose="020F0502020204030204" pitchFamily="34" charset="0"/>
+                          </a:rPr>
+                          <m:t>3</m:t>
+                        </m:r>
+                      </m:sup>
+                    </m:sSup>
+                    <m:r>
+                      <a:rPr lang="en-US" sz="2000" i="1" dirty="0">
+                        <a:latin typeface="Cambria Math" panose="02040503050406030204" pitchFamily="18" charset="0"/>
+                        <a:cs typeface="Calibri" panose="020F0502020204030204" pitchFamily="34" charset="0"/>
+                      </a:rPr>
+                      <m:t>)</m:t>
+                    </m:r>
+                  </m:oMath>
+                </a14:m>
+                <a:r>
+                  <a:rPr lang="en-US" sz="2000" dirty="0">
+                    <a:cs typeface="Calibri" panose="020F0502020204030204" pitchFamily="34" charset="0"/>
+                  </a:rPr>
+                  <a:t> </a:t>
+                </a:r>
+                <a14:m>
+                  <m:oMath xmlns:m="http://schemas.openxmlformats.org/officeDocument/2006/math">
+                    <a:fld id="{825F15A7-03F4-43D7-82C5-3E23DA2F108C}" type="mathplaceholder">
                       <a:rPr lang="en-US" sz="2000" i="1" dirty="0" smtClean="0">
                         <a:latin typeface="Cambria Math" panose="02040503050406030204" pitchFamily="18" charset="0"/>
                         <a:cs typeface="Calibri" panose="020F0502020204030204" pitchFamily="34" charset="0"/>
                       </a:rPr>
-                      <m:t>𝑂</m:t>
-                    </m:r>
-                    <m:r>
-                      <a:rPr lang="en-US" sz="2000" i="1" dirty="0" smtClean="0">
-                        <a:latin typeface="Cambria Math" panose="02040503050406030204" pitchFamily="18" charset="0"/>
-                        <a:cs typeface="Calibri" panose="020F0502020204030204" pitchFamily="34" charset="0"/>
-                      </a:rPr>
-                      <m:t>(</m:t>
-                    </m:r>
-                    <m:r>
-                      <m:rPr>
-                        <m:sty m:val="p"/>
-                      </m:rPr>
-                      <a:rPr lang="en-US" sz="2000" i="1" dirty="0" err="1">
-                        <a:latin typeface="Cambria Math" panose="02040503050406030204" pitchFamily="18" charset="0"/>
-                        <a:cs typeface="Calibri" panose="020F0502020204030204" pitchFamily="34" charset="0"/>
-                      </a:rPr>
-                      <m:t>lg</m:t>
-                    </m:r>
-                    <m:r>
-                      <a:rPr lang="en-US" sz="2000" i="1" dirty="0">
-                        <a:latin typeface="Cambria Math" panose="02040503050406030204" pitchFamily="18" charset="0"/>
-                        <a:cs typeface="Calibri" panose="020F0502020204030204" pitchFamily="34" charset="0"/>
-                      </a:rPr>
-                      <m:t>⁡(</m:t>
-                    </m:r>
-                    <m:r>
-                      <a:rPr lang="en-US" sz="2000" i="1" dirty="0">
-                        <a:latin typeface="Cambria Math" panose="02040503050406030204" pitchFamily="18" charset="0"/>
-                        <a:cs typeface="Calibri" panose="020F0502020204030204" pitchFamily="34" charset="0"/>
-                      </a:rPr>
-                      <m:t>𝑝</m:t>
-                    </m:r>
-                    <m:r>
-                      <a:rPr lang="en-US" sz="2000" i="1" dirty="0">
-                        <a:latin typeface="Cambria Math" panose="02040503050406030204" pitchFamily="18" charset="0"/>
-                        <a:cs typeface="Calibri" panose="020F0502020204030204" pitchFamily="34" charset="0"/>
-                      </a:rPr>
-                      <m:t>)3) </m:t>
-                    </m:r>
+                      <a:t>Type equation here.</a:t>
+                    </a:fld>
                   </m:oMath>
                 </a14:m>
                 <a:r>
@@ -37218,7 +37597,7 @@
             </p:txBody>
           </p:sp>
         </mc:Choice>
-        <mc:Fallback xmlns="">
+        <mc:Fallback>
           <p:sp>
             <p:nvSpPr>
               <p:cNvPr id="89093" name="Rectangle 3"/>
@@ -37231,13 +37610,13 @@
             </p:nvSpPr>
             <p:spPr>
               <a:xfrm>
-                <a:off x="457200" y="2133600"/>
+                <a:off x="457200" y="2286000"/>
                 <a:ext cx="8153400" cy="2438400"/>
               </a:xfrm>
               <a:blipFill>
                 <a:blip r:embed="rId2"/>
                 <a:stretch>
-                  <a:fillRect l="-778" t="-1563" r="-622"/>
+                  <a:fillRect l="-778" t="-1563" r="-778"/>
                 </a:stretch>
               </a:blipFill>
             </p:spPr>
@@ -37320,7 +37699,7 @@
         </p:nvSpPr>
         <p:spPr>
           <a:xfrm>
-            <a:off x="685800" y="0"/>
+            <a:off x="685800" y="152400"/>
             <a:ext cx="7772400" cy="914400"/>
           </a:xfrm>
         </p:spPr>
@@ -37335,8 +37714,8 @@
           </a:p>
         </p:txBody>
       </p:sp>
-      <mc:AlternateContent xmlns:mc="http://schemas.openxmlformats.org/markup-compatibility/2006" xmlns:a14="http://schemas.microsoft.com/office/drawing/2010/main">
-        <mc:Choice Requires="a14">
+      <mc:AlternateContent xmlns:mc="http://schemas.openxmlformats.org/markup-compatibility/2006">
+        <mc:Choice xmlns:a14="http://schemas.microsoft.com/office/drawing/2010/main" Requires="a14">
           <p:sp>
             <p:nvSpPr>
               <p:cNvPr id="1030" name="Rectangle 3"/>
@@ -37349,7 +37728,7 @@
             </p:nvSpPr>
             <p:spPr>
               <a:xfrm>
-                <a:off x="304800" y="1295400"/>
+                <a:off x="304800" y="1524000"/>
                 <a:ext cx="8382000" cy="4648200"/>
               </a:xfrm>
             </p:spPr>
@@ -38135,7 +38514,7 @@
             </p:txBody>
           </p:sp>
         </mc:Choice>
-        <mc:Fallback xmlns="">
+        <mc:Fallback>
           <p:sp>
             <p:nvSpPr>
               <p:cNvPr id="1030" name="Rectangle 3"/>
@@ -38148,13 +38527,13 @@
             </p:nvSpPr>
             <p:spPr>
               <a:xfrm>
-                <a:off x="304800" y="1295400"/>
+                <a:off x="304800" y="1524000"/>
                 <a:ext cx="8382000" cy="4648200"/>
               </a:xfrm>
               <a:blipFill>
                 <a:blip r:embed="rId2"/>
                 <a:stretch>
-                  <a:fillRect l="-758" t="-817" b="-4087"/>
+                  <a:fillRect l="-758" t="-817" b="-4360"/>
                 </a:stretch>
               </a:blipFill>
             </p:spPr>

--- a/BerkeleyClass/CS290Spring2013/Lectures/Cryptoclass8.pptx
+++ b/BerkeleyClass/CS290Spring2013/Lectures/Cryptoclass8.pptx
@@ -7873,8 +7873,8 @@
           </a:p>
         </p:txBody>
       </p:sp>
-      <mc:AlternateContent xmlns:mc="http://schemas.openxmlformats.org/markup-compatibility/2006">
-        <mc:Choice xmlns:a14="http://schemas.microsoft.com/office/drawing/2010/main" Requires="a14">
+      <mc:AlternateContent xmlns:mc="http://schemas.openxmlformats.org/markup-compatibility/2006" xmlns:a14="http://schemas.microsoft.com/office/drawing/2010/main">
+        <mc:Choice Requires="a14">
           <p:sp>
             <p:nvSpPr>
               <p:cNvPr id="89093" name="Rectangle 3"/>
@@ -8389,7 +8389,7 @@
             </p:txBody>
           </p:sp>
         </mc:Choice>
-        <mc:Fallback>
+        <mc:Fallback xmlns="">
           <p:sp>
             <p:nvSpPr>
               <p:cNvPr id="89093" name="Rectangle 3"/>
@@ -8506,8 +8506,8 @@
           </a:p>
         </p:txBody>
       </p:sp>
-      <mc:AlternateContent xmlns:mc="http://schemas.openxmlformats.org/markup-compatibility/2006">
-        <mc:Choice xmlns:a14="http://schemas.microsoft.com/office/drawing/2010/main" Requires="a14">
+      <mc:AlternateContent xmlns:mc="http://schemas.openxmlformats.org/markup-compatibility/2006" xmlns:a14="http://schemas.microsoft.com/office/drawing/2010/main">
+        <mc:Choice Requires="a14">
           <p:sp>
             <p:nvSpPr>
               <p:cNvPr id="92165" name="Rectangle 3"/>
@@ -9755,7 +9755,7 @@
             </p:txBody>
           </p:sp>
         </mc:Choice>
-        <mc:Fallback>
+        <mc:Fallback xmlns="">
           <p:sp>
             <p:nvSpPr>
               <p:cNvPr id="92165" name="Rectangle 3"/>
@@ -10639,7 +10639,7 @@
         </p:nvSpPr>
         <p:spPr>
           <a:xfrm>
-            <a:off x="685800" y="76200"/>
+            <a:off x="685800" y="228600"/>
             <a:ext cx="7772400" cy="838200"/>
           </a:xfrm>
         </p:spPr>
@@ -10654,135 +10654,437 @@
           </a:p>
         </p:txBody>
       </p:sp>
-      <p:sp>
-        <p:nvSpPr>
-          <p:cNvPr id="84997" name="Rectangle 3"/>
-          <p:cNvSpPr>
-            <a:spLocks noGrp="1" noChangeArrowheads="1"/>
-          </p:cNvSpPr>
-          <p:nvPr>
-            <p:ph type="body" idx="1"/>
-          </p:nvPr>
-        </p:nvSpPr>
-        <p:spPr>
-          <a:xfrm>
-            <a:off x="571500" y="1562100"/>
-            <a:ext cx="8001000" cy="838200"/>
-          </a:xfrm>
-        </p:spPr>
-        <p:txBody>
-          <a:bodyPr/>
-          <a:lstStyle/>
-          <a:p>
-            <a:pPr>
-              <a:lnSpc>
-                <a:spcPct val="90000"/>
-              </a:lnSpc>
-            </a:pPr>
-            <a:r>
-              <a:rPr lang="en-US" sz="2000" dirty="0">
-                <a:latin typeface="Calibri" panose="020F0502020204030204" pitchFamily="34" charset="0"/>
-                <a:cs typeface="Calibri" panose="020F0502020204030204" pitchFamily="34" charset="0"/>
-              </a:rPr>
-              <a:t>p=193. </a:t>
-            </a:r>
-            <a:r>
-              <a:rPr lang="en-US" sz="2000" dirty="0">
-                <a:latin typeface="Calibri" panose="020F0502020204030204" pitchFamily="34" charset="0"/>
-                <a:cs typeface="Calibri" panose="020F0502020204030204" pitchFamily="34" charset="0"/>
-                <a:sym typeface="Symbol" pitchFamily="18" charset="2"/>
-              </a:rPr>
-              <a:t></a:t>
-            </a:r>
-            <a:r>
-              <a:rPr lang="en-US" sz="2000" dirty="0">
-                <a:latin typeface="Calibri" panose="020F0502020204030204" pitchFamily="34" charset="0"/>
-                <a:cs typeface="Calibri" panose="020F0502020204030204" pitchFamily="34" charset="0"/>
-              </a:rPr>
-              <a:t>√(p)</a:t>
-            </a:r>
-            <a:r>
-              <a:rPr lang="en-US" sz="2000" dirty="0">
-                <a:latin typeface="Calibri" panose="020F0502020204030204" pitchFamily="34" charset="0"/>
-                <a:cs typeface="Calibri" panose="020F0502020204030204" pitchFamily="34" charset="0"/>
-                <a:sym typeface="Symbol" pitchFamily="18" charset="2"/>
-              </a:rPr>
-              <a:t>=13.  m= 14.  a= 5.  b=41.  Compute log</a:t>
-            </a:r>
-            <a:r>
-              <a:rPr lang="en-US" sz="2000" baseline="-25000" dirty="0">
-                <a:latin typeface="Calibri" panose="020F0502020204030204" pitchFamily="34" charset="0"/>
-                <a:cs typeface="Calibri" panose="020F0502020204030204" pitchFamily="34" charset="0"/>
-                <a:sym typeface="Symbol" pitchFamily="18" charset="2"/>
-              </a:rPr>
-              <a:t>193</a:t>
-            </a:r>
-            <a:r>
-              <a:rPr lang="en-US" sz="2000" dirty="0">
-                <a:latin typeface="Calibri" panose="020F0502020204030204" pitchFamily="34" charset="0"/>
-                <a:cs typeface="Calibri" panose="020F0502020204030204" pitchFamily="34" charset="0"/>
-                <a:sym typeface="Symbol" pitchFamily="18" charset="2"/>
-              </a:rPr>
-              <a:t>(41).</a:t>
-            </a:r>
-          </a:p>
-          <a:p>
-            <a:pPr>
-              <a:lnSpc>
-                <a:spcPct val="90000"/>
-              </a:lnSpc>
-            </a:pPr>
-            <a:r>
-              <a:rPr lang="en-US" sz="2000" dirty="0">
-                <a:latin typeface="Calibri" panose="020F0502020204030204" pitchFamily="34" charset="0"/>
-                <a:cs typeface="Calibri" panose="020F0502020204030204" pitchFamily="34" charset="0"/>
-                <a:sym typeface="Symbol" pitchFamily="18" charset="2"/>
-              </a:rPr>
-              <a:t>2 x 193 + (-77) x 5 = 1, a</a:t>
-            </a:r>
-            <a:r>
-              <a:rPr lang="en-US" sz="2000" baseline="30000" dirty="0">
-                <a:latin typeface="Calibri" panose="020F0502020204030204" pitchFamily="34" charset="0"/>
-                <a:cs typeface="Calibri" panose="020F0502020204030204" pitchFamily="34" charset="0"/>
-                <a:sym typeface="Symbol" pitchFamily="18" charset="2"/>
-              </a:rPr>
-              <a:t>-1</a:t>
-            </a:r>
-            <a:r>
-              <a:rPr lang="en-US" sz="2000" dirty="0">
-                <a:latin typeface="Calibri" panose="020F0502020204030204" pitchFamily="34" charset="0"/>
-                <a:cs typeface="Calibri" panose="020F0502020204030204" pitchFamily="34" charset="0"/>
-                <a:sym typeface="Symbol" pitchFamily="18" charset="2"/>
-              </a:rPr>
-              <a:t>= 116.  a</a:t>
-            </a:r>
-            <a:r>
-              <a:rPr lang="en-US" sz="2000" baseline="30000" dirty="0">
-                <a:latin typeface="Calibri" panose="020F0502020204030204" pitchFamily="34" charset="0"/>
-                <a:cs typeface="Calibri" panose="020F0502020204030204" pitchFamily="34" charset="0"/>
-                <a:sym typeface="Symbol" pitchFamily="18" charset="2"/>
-              </a:rPr>
-              <a:t>-14</a:t>
-            </a:r>
-            <a:r>
-              <a:rPr lang="en-US" sz="2000" dirty="0">
-                <a:latin typeface="Calibri" panose="020F0502020204030204" pitchFamily="34" charset="0"/>
-                <a:cs typeface="Calibri" panose="020F0502020204030204" pitchFamily="34" charset="0"/>
-                <a:sym typeface="Symbol" pitchFamily="18" charset="2"/>
-              </a:rPr>
-              <a:t>= 189 (mod 193).</a:t>
-            </a:r>
-          </a:p>
-          <a:p>
-            <a:pPr>
-              <a:lnSpc>
-                <a:spcPct val="90000"/>
-              </a:lnSpc>
-            </a:pPr>
-            <a:endParaRPr lang="en-US" sz="2400" dirty="0"/>
-          </a:p>
-        </p:txBody>
-      </p:sp>
+      <mc:AlternateContent xmlns:mc="http://schemas.openxmlformats.org/markup-compatibility/2006" xmlns:a14="http://schemas.microsoft.com/office/drawing/2010/main">
+        <mc:Choice Requires="a14">
+          <p:sp>
+            <p:nvSpPr>
+              <p:cNvPr id="84997" name="Rectangle 3"/>
+              <p:cNvSpPr>
+                <a:spLocks noGrp="1" noChangeArrowheads="1"/>
+              </p:cNvSpPr>
+              <p:nvPr>
+                <p:ph type="body" idx="1"/>
+              </p:nvPr>
+            </p:nvSpPr>
+            <p:spPr>
+              <a:xfrm>
+                <a:off x="304800" y="1715193"/>
+                <a:ext cx="8534400" cy="1028007"/>
+              </a:xfrm>
+            </p:spPr>
+            <p:txBody>
+              <a:bodyPr/>
+              <a:lstStyle/>
+              <a:p>
+                <a:pPr>
+                  <a:lnSpc>
+                    <a:spcPct val="90000"/>
+                  </a:lnSpc>
+                </a:pPr>
+                <a:r>
+                  <a:rPr lang="en-US" sz="2000" dirty="0">
+                    <a:latin typeface="Calibri" panose="020F0502020204030204" pitchFamily="34" charset="0"/>
+                    <a:cs typeface="Calibri" panose="020F0502020204030204" pitchFamily="34" charset="0"/>
+                  </a:rPr>
+                  <a:t>p=1</a:t>
+                </a:r>
+                <a14:m>
+                  <m:oMath xmlns:m="http://schemas.openxmlformats.org/officeDocument/2006/math">
+                    <m:r>
+                      <a:rPr lang="en-US" sz="2000" b="0" i="0" dirty="0" smtClean="0">
+                        <a:latin typeface="Cambria Math" panose="02040503050406030204" pitchFamily="18" charset="0"/>
+                        <a:cs typeface="Calibri" panose="020F0502020204030204" pitchFamily="34" charset="0"/>
+                      </a:rPr>
+                      <m:t>01</m:t>
+                    </m:r>
+                    <m:r>
+                      <a:rPr lang="en-US" sz="2000" i="1" dirty="0" smtClean="0">
+                        <a:latin typeface="Cambria Math" panose="02040503050406030204" pitchFamily="18" charset="0"/>
+                        <a:cs typeface="Calibri" panose="020F0502020204030204" pitchFamily="34" charset="0"/>
+                      </a:rPr>
+                      <m:t>. </m:t>
+                    </m:r>
+                    <m:r>
+                      <a:rPr lang="en-US" sz="2000" i="1" dirty="0">
+                        <a:latin typeface="Cambria Math" panose="02040503050406030204" pitchFamily="18" charset="0"/>
+                        <a:cs typeface="Calibri" panose="020F0502020204030204" pitchFamily="34" charset="0"/>
+                        <a:sym typeface="Symbol" pitchFamily="18" charset="2"/>
+                      </a:rPr>
+                      <m:t></m:t>
+                    </m:r>
+                    <m:rad>
+                      <m:radPr>
+                        <m:degHide m:val="on"/>
+                        <m:ctrlPr>
+                          <a:rPr lang="en-US" sz="2000" i="1" dirty="0" smtClean="0">
+                            <a:latin typeface="Cambria Math" panose="02040503050406030204" pitchFamily="18" charset="0"/>
+                            <a:cs typeface="Calibri" panose="020F0502020204030204" pitchFamily="34" charset="0"/>
+                            <a:sym typeface="Symbol" pitchFamily="18" charset="2"/>
+                          </a:rPr>
+                        </m:ctrlPr>
+                      </m:radPr>
+                      <m:deg/>
+                      <m:e>
+                        <m:r>
+                          <a:rPr lang="en-US" sz="2000" b="0" i="1" dirty="0" smtClean="0">
+                            <a:latin typeface="Cambria Math" panose="02040503050406030204" pitchFamily="18" charset="0"/>
+                            <a:cs typeface="Calibri" panose="020F0502020204030204" pitchFamily="34" charset="0"/>
+                            <a:sym typeface="Symbol" pitchFamily="18" charset="2"/>
+                          </a:rPr>
+                          <m:t>𝑝</m:t>
+                        </m:r>
+                      </m:e>
+                    </m:rad>
+                    <m:r>
+                      <a:rPr lang="en-US" sz="2000" i="1" dirty="0">
+                        <a:latin typeface="Cambria Math" panose="02040503050406030204" pitchFamily="18" charset="0"/>
+                        <a:cs typeface="Calibri" panose="020F0502020204030204" pitchFamily="34" charset="0"/>
+                        <a:sym typeface="Symbol" pitchFamily="18" charset="2"/>
+                      </a:rPr>
+                      <m:t>=1</m:t>
+                    </m:r>
+                    <m:r>
+                      <a:rPr lang="en-US" sz="2000" b="0" i="1" dirty="0" smtClean="0">
+                        <a:latin typeface="Cambria Math" panose="02040503050406030204" pitchFamily="18" charset="0"/>
+                        <a:cs typeface="Calibri" panose="020F0502020204030204" pitchFamily="34" charset="0"/>
+                        <a:sym typeface="Symbol" pitchFamily="18" charset="2"/>
+                      </a:rPr>
+                      <m:t>0</m:t>
+                    </m:r>
+                  </m:oMath>
+                </a14:m>
+                <a:r>
+                  <a:rPr lang="en-US" sz="2000" dirty="0">
+                    <a:latin typeface="Calibri" panose="020F0502020204030204" pitchFamily="34" charset="0"/>
+                    <a:cs typeface="Calibri" panose="020F0502020204030204" pitchFamily="34" charset="0"/>
+                    <a:sym typeface="Symbol" pitchFamily="18" charset="2"/>
+                  </a:rPr>
+                  <a:t>. g= 3. </a:t>
+                </a:r>
+                <a14:m>
+                  <m:oMath xmlns:m="http://schemas.openxmlformats.org/officeDocument/2006/math">
+                    <m:r>
+                      <a:rPr lang="en-US" sz="2000" b="0" i="1" smtClean="0">
+                        <a:latin typeface="Cambria Math" panose="02040503050406030204" pitchFamily="18" charset="0"/>
+                        <a:cs typeface="Calibri" panose="020F0502020204030204" pitchFamily="34" charset="0"/>
+                        <a:sym typeface="Symbol" pitchFamily="18" charset="2"/>
+                      </a:rPr>
+                      <m:t>&lt;</m:t>
+                    </m:r>
+                    <m:r>
+                      <a:rPr lang="en-US" sz="2000" b="0" i="1" smtClean="0">
+                        <a:latin typeface="Cambria Math" panose="02040503050406030204" pitchFamily="18" charset="0"/>
+                        <a:cs typeface="Calibri" panose="020F0502020204030204" pitchFamily="34" charset="0"/>
+                        <a:sym typeface="Symbol" pitchFamily="18" charset="2"/>
+                      </a:rPr>
+                      <m:t>𝑔</m:t>
+                    </m:r>
+                    <m:r>
+                      <a:rPr lang="en-US" sz="2000" b="0" i="1" smtClean="0">
+                        <a:latin typeface="Cambria Math" panose="02040503050406030204" pitchFamily="18" charset="0"/>
+                        <a:cs typeface="Calibri" panose="020F0502020204030204" pitchFamily="34" charset="0"/>
+                        <a:sym typeface="Symbol" pitchFamily="18" charset="2"/>
+                      </a:rPr>
+                      <m:t>&gt; = </m:t>
+                    </m:r>
+                    <m:sSup>
+                      <m:sSupPr>
+                        <m:ctrlPr>
+                          <a:rPr lang="en-US" sz="2000" b="0" i="1" smtClean="0">
+                            <a:latin typeface="Cambria Math" panose="02040503050406030204" pitchFamily="18" charset="0"/>
+                            <a:cs typeface="Calibri" panose="020F0502020204030204" pitchFamily="34" charset="0"/>
+                            <a:sym typeface="Symbol" pitchFamily="18" charset="2"/>
+                          </a:rPr>
+                        </m:ctrlPr>
+                      </m:sSupPr>
+                      <m:e>
+                        <m:sSub>
+                          <m:sSubPr>
+                            <m:ctrlPr>
+                              <a:rPr lang="en-US" sz="2000" b="0" i="1" smtClean="0">
+                                <a:latin typeface="Cambria Math" panose="02040503050406030204" pitchFamily="18" charset="0"/>
+                                <a:cs typeface="Calibri" panose="020F0502020204030204" pitchFamily="34" charset="0"/>
+                                <a:sym typeface="Symbol" pitchFamily="18" charset="2"/>
+                              </a:rPr>
+                            </m:ctrlPr>
+                          </m:sSubPr>
+                          <m:e>
+                            <m:r>
+                              <a:rPr lang="en-US" sz="2000" b="0" i="1" smtClean="0">
+                                <a:latin typeface="Cambria Math" panose="02040503050406030204" pitchFamily="18" charset="0"/>
+                                <a:ea typeface="Cambria Math" panose="02040503050406030204" pitchFamily="18" charset="0"/>
+                                <a:cs typeface="Calibri" panose="020F0502020204030204" pitchFamily="34" charset="0"/>
+                                <a:sym typeface="Symbol" pitchFamily="18" charset="2"/>
+                              </a:rPr>
+                              <m:t>ℤ</m:t>
+                            </m:r>
+                          </m:e>
+                          <m:sub>
+                            <m:r>
+                              <a:rPr lang="en-US" sz="2000" b="0" i="1" smtClean="0">
+                                <a:latin typeface="Cambria Math" panose="02040503050406030204" pitchFamily="18" charset="0"/>
+                                <a:cs typeface="Calibri" panose="020F0502020204030204" pitchFamily="34" charset="0"/>
+                                <a:sym typeface="Symbol" pitchFamily="18" charset="2"/>
+                              </a:rPr>
+                              <m:t>101</m:t>
+                            </m:r>
+                          </m:sub>
+                        </m:sSub>
+                      </m:e>
+                      <m:sup>
+                        <m:r>
+                          <a:rPr lang="en-US" sz="2000" b="0" i="1" smtClean="0">
+                            <a:latin typeface="Cambria Math" panose="02040503050406030204" pitchFamily="18" charset="0"/>
+                            <a:cs typeface="Calibri" panose="020F0502020204030204" pitchFamily="34" charset="0"/>
+                            <a:sym typeface="Symbol" pitchFamily="18" charset="2"/>
+                          </a:rPr>
+                          <m:t>∗</m:t>
+                        </m:r>
+                      </m:sup>
+                    </m:sSup>
+                  </m:oMath>
+                </a14:m>
+                <a:r>
+                  <a:rPr lang="en-US" sz="2000" dirty="0">
+                    <a:latin typeface="Calibri" panose="020F0502020204030204" pitchFamily="34" charset="0"/>
+                    <a:cs typeface="Calibri" panose="020F0502020204030204" pitchFamily="34" charset="0"/>
+                    <a:sym typeface="Symbol" pitchFamily="18" charset="2"/>
+                  </a:rPr>
+                  <a:t>.  b=37.  Note </a:t>
+                </a:r>
+                <a14:m>
+                  <m:oMath xmlns:m="http://schemas.openxmlformats.org/officeDocument/2006/math">
+                    <m:sSup>
+                      <m:sSupPr>
+                        <m:ctrlPr>
+                          <a:rPr lang="en-US" sz="2000" i="1" smtClean="0">
+                            <a:latin typeface="Cambria Math" panose="02040503050406030204" pitchFamily="18" charset="0"/>
+                            <a:cs typeface="Calibri" panose="020F0502020204030204" pitchFamily="34" charset="0"/>
+                            <a:sym typeface="Symbol" pitchFamily="18" charset="2"/>
+                          </a:rPr>
+                        </m:ctrlPr>
+                      </m:sSupPr>
+                      <m:e>
+                        <m:r>
+                          <a:rPr lang="en-US" sz="2000" b="0" i="1" smtClean="0">
+                            <a:latin typeface="Cambria Math" panose="02040503050406030204" pitchFamily="18" charset="0"/>
+                            <a:cs typeface="Calibri" panose="020F0502020204030204" pitchFamily="34" charset="0"/>
+                            <a:sym typeface="Symbol" pitchFamily="18" charset="2"/>
+                          </a:rPr>
+                          <m:t>3</m:t>
+                        </m:r>
+                      </m:e>
+                      <m:sup>
+                        <m:r>
+                          <a:rPr lang="en-US" sz="2000" b="0" i="1" smtClean="0">
+                            <a:latin typeface="Cambria Math" panose="02040503050406030204" pitchFamily="18" charset="0"/>
+                            <a:cs typeface="Calibri" panose="020F0502020204030204" pitchFamily="34" charset="0"/>
+                            <a:sym typeface="Symbol" pitchFamily="18" charset="2"/>
+                          </a:rPr>
+                          <m:t>100</m:t>
+                        </m:r>
+                      </m:sup>
+                    </m:sSup>
+                    <m:r>
+                      <a:rPr lang="en-US" sz="2000" b="0" i="1" smtClean="0">
+                        <a:latin typeface="Cambria Math" panose="02040503050406030204" pitchFamily="18" charset="0"/>
+                        <a:cs typeface="Calibri" panose="020F0502020204030204" pitchFamily="34" charset="0"/>
+                        <a:sym typeface="Symbol" pitchFamily="18" charset="2"/>
+                      </a:rPr>
+                      <m:t>=1 (</m:t>
+                    </m:r>
+                    <m:r>
+                      <a:rPr lang="en-US" sz="2000" b="0" i="1" smtClean="0">
+                        <a:latin typeface="Cambria Math" panose="02040503050406030204" pitchFamily="18" charset="0"/>
+                        <a:cs typeface="Calibri" panose="020F0502020204030204" pitchFamily="34" charset="0"/>
+                        <a:sym typeface="Symbol" pitchFamily="18" charset="2"/>
+                      </a:rPr>
+                      <m:t>𝑚𝑜𝑑</m:t>
+                    </m:r>
+                    <m:r>
+                      <a:rPr lang="en-US" sz="2000" b="0" i="1" smtClean="0">
+                        <a:latin typeface="Cambria Math" panose="02040503050406030204" pitchFamily="18" charset="0"/>
+                        <a:cs typeface="Calibri" panose="020F0502020204030204" pitchFamily="34" charset="0"/>
+                        <a:sym typeface="Symbol" pitchFamily="18" charset="2"/>
+                      </a:rPr>
+                      <m:t> 101)</m:t>
+                    </m:r>
+                  </m:oMath>
+                </a14:m>
+                <a:r>
+                  <a:rPr lang="en-US" sz="2000" dirty="0">
+                    <a:latin typeface="Calibri" panose="020F0502020204030204" pitchFamily="34" charset="0"/>
+                    <a:cs typeface="Calibri" panose="020F0502020204030204" pitchFamily="34" charset="0"/>
+                    <a:sym typeface="Symbol" pitchFamily="18" charset="2"/>
+                  </a:rPr>
+                  <a:t>.</a:t>
+                </a:r>
+              </a:p>
+              <a:p>
+                <a:pPr>
+                  <a:lnSpc>
+                    <a:spcPct val="90000"/>
+                  </a:lnSpc>
+                </a:pPr>
+                <a:r>
+                  <a:rPr lang="en-US" sz="2000" dirty="0">
+                    <a:latin typeface="Calibri" panose="020F0502020204030204" pitchFamily="34" charset="0"/>
+                    <a:cs typeface="Calibri" panose="020F0502020204030204" pitchFamily="34" charset="0"/>
+                    <a:sym typeface="Symbol" pitchFamily="18" charset="2"/>
+                  </a:rPr>
+                  <a:t>Compute log</a:t>
+                </a:r>
+                <a:r>
+                  <a:rPr lang="en-US" sz="2000" baseline="-25000" dirty="0">
+                    <a:latin typeface="Calibri" panose="020F0502020204030204" pitchFamily="34" charset="0"/>
+                    <a:cs typeface="Calibri" panose="020F0502020204030204" pitchFamily="34" charset="0"/>
+                    <a:sym typeface="Symbol" pitchFamily="18" charset="2"/>
+                  </a:rPr>
+                  <a:t>101</a:t>
+                </a:r>
+                <a:r>
+                  <a:rPr lang="en-US" sz="2000" dirty="0">
+                    <a:latin typeface="Calibri" panose="020F0502020204030204" pitchFamily="34" charset="0"/>
+                    <a:cs typeface="Calibri" panose="020F0502020204030204" pitchFamily="34" charset="0"/>
+                    <a:sym typeface="Symbol" pitchFamily="18" charset="2"/>
+                  </a:rPr>
+                  <a:t>(37).   Note </a:t>
+                </a:r>
+                <a14:m>
+                  <m:oMath xmlns:m="http://schemas.openxmlformats.org/officeDocument/2006/math">
+                    <m:sSup>
+                      <m:sSupPr>
+                        <m:ctrlPr>
+                          <a:rPr lang="en-US" sz="2000" i="1" smtClean="0">
+                            <a:latin typeface="Cambria Math" panose="02040503050406030204" pitchFamily="18" charset="0"/>
+                            <a:cs typeface="Calibri" panose="020F0502020204030204" pitchFamily="34" charset="0"/>
+                            <a:sym typeface="Symbol" pitchFamily="18" charset="2"/>
+                          </a:rPr>
+                        </m:ctrlPr>
+                      </m:sSupPr>
+                      <m:e>
+                        <m:r>
+                          <a:rPr lang="en-US" sz="2000" b="0" i="1" smtClean="0">
+                            <a:latin typeface="Cambria Math" panose="02040503050406030204" pitchFamily="18" charset="0"/>
+                            <a:cs typeface="Calibri" panose="020F0502020204030204" pitchFamily="34" charset="0"/>
+                            <a:sym typeface="Symbol" pitchFamily="18" charset="2"/>
+                          </a:rPr>
+                          <m:t>3</m:t>
+                        </m:r>
+                      </m:e>
+                      <m:sup>
+                        <m:r>
+                          <a:rPr lang="en-US" sz="2000" b="0" i="1" smtClean="0">
+                            <a:latin typeface="Cambria Math" panose="02040503050406030204" pitchFamily="18" charset="0"/>
+                            <a:cs typeface="Calibri" panose="020F0502020204030204" pitchFamily="34" charset="0"/>
+                            <a:sym typeface="Symbol" pitchFamily="18" charset="2"/>
+                          </a:rPr>
+                          <m:t>−1</m:t>
+                        </m:r>
+                      </m:sup>
+                    </m:sSup>
+                    <m:d>
+                      <m:dPr>
+                        <m:ctrlPr>
+                          <a:rPr lang="en-US" sz="2000" b="0" i="1" smtClean="0">
+                            <a:latin typeface="Cambria Math" panose="02040503050406030204" pitchFamily="18" charset="0"/>
+                            <a:cs typeface="Calibri" panose="020F0502020204030204" pitchFamily="34" charset="0"/>
+                            <a:sym typeface="Symbol" pitchFamily="18" charset="2"/>
+                          </a:rPr>
+                        </m:ctrlPr>
+                      </m:dPr>
+                      <m:e>
+                        <m:r>
+                          <a:rPr lang="en-US" sz="2000" b="0" i="1" smtClean="0">
+                            <a:latin typeface="Cambria Math" panose="02040503050406030204" pitchFamily="18" charset="0"/>
+                            <a:cs typeface="Calibri" panose="020F0502020204030204" pitchFamily="34" charset="0"/>
+                            <a:sym typeface="Symbol" pitchFamily="18" charset="2"/>
+                          </a:rPr>
+                          <m:t>𝑚𝑜𝑑</m:t>
+                        </m:r>
+                        <m:r>
+                          <a:rPr lang="en-US" sz="2000" b="0" i="1" smtClean="0">
+                            <a:latin typeface="Cambria Math" panose="02040503050406030204" pitchFamily="18" charset="0"/>
+                            <a:cs typeface="Calibri" panose="020F0502020204030204" pitchFamily="34" charset="0"/>
+                            <a:sym typeface="Symbol" pitchFamily="18" charset="2"/>
+                          </a:rPr>
+                          <m:t> 101</m:t>
+                        </m:r>
+                      </m:e>
+                    </m:d>
+                    <m:r>
+                      <a:rPr lang="en-US" sz="2000" b="0" i="1" smtClean="0">
+                        <a:latin typeface="Cambria Math" panose="02040503050406030204" pitchFamily="18" charset="0"/>
+                        <a:cs typeface="Calibri" panose="020F0502020204030204" pitchFamily="34" charset="0"/>
+                        <a:sym typeface="Symbol" pitchFamily="18" charset="2"/>
+                      </a:rPr>
+                      <m:t>=34</m:t>
+                    </m:r>
+                  </m:oMath>
+                </a14:m>
+                <a:r>
+                  <a:rPr lang="en-US" sz="2000" dirty="0"/>
+                  <a:t>. </a:t>
+                </a:r>
+                <a14:m>
+                  <m:oMath xmlns:m="http://schemas.openxmlformats.org/officeDocument/2006/math">
+                    <m:r>
+                      <a:rPr lang="en-US" sz="2000" b="0" i="1" smtClean="0">
+                        <a:latin typeface="Cambria Math" panose="02040503050406030204" pitchFamily="18" charset="0"/>
+                      </a:rPr>
+                      <m:t>𝑚</m:t>
+                    </m:r>
+                    <m:r>
+                      <a:rPr lang="en-US" sz="2000" b="0" i="1" smtClean="0">
+                        <a:latin typeface="Cambria Math" panose="02040503050406030204" pitchFamily="18" charset="0"/>
+                      </a:rPr>
+                      <m:t>=10.</m:t>
+                    </m:r>
+                  </m:oMath>
+                </a14:m>
+                <a:endParaRPr lang="en-US" sz="2000" dirty="0"/>
+              </a:p>
+            </p:txBody>
+          </p:sp>
+        </mc:Choice>
+        <mc:Fallback xmlns="">
+          <p:sp>
+            <p:nvSpPr>
+              <p:cNvPr id="84997" name="Rectangle 3"/>
+              <p:cNvSpPr>
+                <a:spLocks noGrp="1" noRot="1" noChangeAspect="1" noMove="1" noResize="1" noEditPoints="1" noAdjustHandles="1" noChangeArrowheads="1" noChangeShapeType="1" noTextEdit="1"/>
+              </p:cNvSpPr>
+              <p:nvPr>
+                <p:ph type="body" idx="1"/>
+              </p:nvPr>
+            </p:nvSpPr>
+            <p:spPr>
+              <a:xfrm>
+                <a:off x="304800" y="1715193"/>
+                <a:ext cx="8534400" cy="1028007"/>
+              </a:xfrm>
+              <a:blipFill>
+                <a:blip r:embed="rId3"/>
+                <a:stretch>
+                  <a:fillRect l="-744" t="-2410"/>
+                </a:stretch>
+              </a:blipFill>
+            </p:spPr>
+            <p:txBody>
+              <a:bodyPr/>
+              <a:lstStyle/>
+              <a:p>
+                <a:r>
+                  <a:rPr lang="en-US">
+                    <a:noFill/>
+                  </a:rPr>
+                  <a:t> </a:t>
+                </a:r>
+              </a:p>
+            </p:txBody>
+          </p:sp>
+        </mc:Fallback>
+      </mc:AlternateContent>
       <p:graphicFrame>
         <p:nvGraphicFramePr>
           <p:cNvPr id="7" name="Table 6"/>
@@ -10792,14 +11094,14 @@
           <p:nvPr>
             <p:extLst>
               <p:ext uri="{D42A27DB-BD31-4B8C-83A1-F6EECF244321}">
-                <p14:modId xmlns:p14="http://schemas.microsoft.com/office/powerpoint/2010/main" val="2932028608"/>
+                <p14:modId xmlns:p14="http://schemas.microsoft.com/office/powerpoint/2010/main" val="3129208738"/>
               </p:ext>
             </p:extLst>
           </p:nvPr>
         </p:nvGraphicFramePr>
         <p:xfrm>
-          <a:off x="304800" y="2971800"/>
-          <a:ext cx="8382000" cy="1112520"/>
+          <a:off x="1086453" y="3078480"/>
+          <a:ext cx="6228747" cy="1112520"/>
         </p:xfrm>
         <a:graphic>
           <a:graphicData uri="http://schemas.openxmlformats.org/drawingml/2006/table">
@@ -10808,108 +11110,80 @@
                 <a:tableStyleId>{5C22544A-7EE6-4342-B048-85BDC9FD1C3A}</a:tableStyleId>
               </a:tblPr>
               <a:tblGrid>
-                <a:gridCol w="609600">
+                <a:gridCol w="907471">
                   <a:extLst>
                     <a:ext uri="{9D8B030D-6E8A-4147-A177-3AD203B41FA5}">
                       <a16:colId xmlns:a16="http://schemas.microsoft.com/office/drawing/2014/main" val="20000"/>
                     </a:ext>
                   </a:extLst>
                 </a:gridCol>
-                <a:gridCol w="533400">
+                <a:gridCol w="444476">
                   <a:extLst>
                     <a:ext uri="{9D8B030D-6E8A-4147-A177-3AD203B41FA5}">
                       <a16:colId xmlns:a16="http://schemas.microsoft.com/office/drawing/2014/main" val="20001"/>
                     </a:ext>
                   </a:extLst>
                 </a:gridCol>
-                <a:gridCol w="533400">
+                <a:gridCol w="382642">
                   <a:extLst>
                     <a:ext uri="{9D8B030D-6E8A-4147-A177-3AD203B41FA5}">
                       <a16:colId xmlns:a16="http://schemas.microsoft.com/office/drawing/2014/main" val="20002"/>
                     </a:ext>
                   </a:extLst>
                 </a:gridCol>
-                <a:gridCol w="533400">
+                <a:gridCol w="551914">
                   <a:extLst>
                     <a:ext uri="{9D8B030D-6E8A-4147-A177-3AD203B41FA5}">
                       <a16:colId xmlns:a16="http://schemas.microsoft.com/office/drawing/2014/main" val="20003"/>
                     </a:ext>
                   </a:extLst>
                 </a:gridCol>
-                <a:gridCol w="533400">
+                <a:gridCol w="551914">
                   <a:extLst>
                     <a:ext uri="{9D8B030D-6E8A-4147-A177-3AD203B41FA5}">
                       <a16:colId xmlns:a16="http://schemas.microsoft.com/office/drawing/2014/main" val="20004"/>
                     </a:ext>
                   </a:extLst>
                 </a:gridCol>
-                <a:gridCol w="533400">
+                <a:gridCol w="551914">
                   <a:extLst>
                     <a:ext uri="{9D8B030D-6E8A-4147-A177-3AD203B41FA5}">
                       <a16:colId xmlns:a16="http://schemas.microsoft.com/office/drawing/2014/main" val="20005"/>
                     </a:ext>
                   </a:extLst>
                 </a:gridCol>
-                <a:gridCol w="533400">
+                <a:gridCol w="551914">
                   <a:extLst>
                     <a:ext uri="{9D8B030D-6E8A-4147-A177-3AD203B41FA5}">
                       <a16:colId xmlns:a16="http://schemas.microsoft.com/office/drawing/2014/main" val="20006"/>
                     </a:ext>
                   </a:extLst>
                 </a:gridCol>
-                <a:gridCol w="533400">
+                <a:gridCol w="551914">
                   <a:extLst>
                     <a:ext uri="{9D8B030D-6E8A-4147-A177-3AD203B41FA5}">
                       <a16:colId xmlns:a16="http://schemas.microsoft.com/office/drawing/2014/main" val="20007"/>
                     </a:ext>
                   </a:extLst>
                 </a:gridCol>
-                <a:gridCol w="609600">
+                <a:gridCol w="630760">
                   <a:extLst>
                     <a:ext uri="{9D8B030D-6E8A-4147-A177-3AD203B41FA5}">
                       <a16:colId xmlns:a16="http://schemas.microsoft.com/office/drawing/2014/main" val="20008"/>
                     </a:ext>
                   </a:extLst>
                 </a:gridCol>
-                <a:gridCol w="533400">
+                <a:gridCol w="551914">
                   <a:extLst>
                     <a:ext uri="{9D8B030D-6E8A-4147-A177-3AD203B41FA5}">
                       <a16:colId xmlns:a16="http://schemas.microsoft.com/office/drawing/2014/main" val="20009"/>
                     </a:ext>
                   </a:extLst>
                 </a:gridCol>
-                <a:gridCol w="533400">
+                <a:gridCol w="551914">
                   <a:extLst>
                     <a:ext uri="{9D8B030D-6E8A-4147-A177-3AD203B41FA5}">
                       <a16:colId xmlns:a16="http://schemas.microsoft.com/office/drawing/2014/main" val="20010"/>
-                    </a:ext>
-                  </a:extLst>
-                </a:gridCol>
-                <a:gridCol w="533400">
-                  <a:extLst>
-                    <a:ext uri="{9D8B030D-6E8A-4147-A177-3AD203B41FA5}">
-                      <a16:colId xmlns:a16="http://schemas.microsoft.com/office/drawing/2014/main" val="20011"/>
-                    </a:ext>
-                  </a:extLst>
-                </a:gridCol>
-                <a:gridCol w="609600">
-                  <a:extLst>
-                    <a:ext uri="{9D8B030D-6E8A-4147-A177-3AD203B41FA5}">
-                      <a16:colId xmlns:a16="http://schemas.microsoft.com/office/drawing/2014/main" val="20012"/>
-                    </a:ext>
-                  </a:extLst>
-                </a:gridCol>
-                <a:gridCol w="609600">
-                  <a:extLst>
-                    <a:ext uri="{9D8B030D-6E8A-4147-A177-3AD203B41FA5}">
-                      <a16:colId xmlns:a16="http://schemas.microsoft.com/office/drawing/2014/main" val="20013"/>
-                    </a:ext>
-                  </a:extLst>
-                </a:gridCol>
-                <a:gridCol w="609600">
-                  <a:extLst>
-                    <a:ext uri="{9D8B030D-6E8A-4147-A177-3AD203B41FA5}">
-                      <a16:colId xmlns:a16="http://schemas.microsoft.com/office/drawing/2014/main" val="20014"/>
                     </a:ext>
                   </a:extLst>
                 </a:gridCol>
@@ -10932,7 +11206,7 @@
                       </a:r>
                     </a:p>
                   </a:txBody>
-                  <a:tcPr/>
+                  <a:tcPr marL="83127" marR="83127"/>
                 </a:tc>
                 <a:tc>
                   <a:txBody>
@@ -10952,7 +11226,7 @@
                       </a:r>
                     </a:p>
                   </a:txBody>
-                  <a:tcPr/>
+                  <a:tcPr marL="83127" marR="83127"/>
                 </a:tc>
                 <a:tc>
                   <a:txBody>
@@ -10972,7 +11246,7 @@
                       </a:r>
                     </a:p>
                   </a:txBody>
-                  <a:tcPr/>
+                  <a:tcPr marL="83127" marR="83127"/>
                 </a:tc>
                 <a:tc>
                   <a:txBody>
@@ -10992,7 +11266,7 @@
                       </a:r>
                     </a:p>
                   </a:txBody>
-                  <a:tcPr/>
+                  <a:tcPr marL="83127" marR="83127"/>
                 </a:tc>
                 <a:tc>
                   <a:txBody>
@@ -11012,7 +11286,7 @@
                       </a:r>
                     </a:p>
                   </a:txBody>
-                  <a:tcPr/>
+                  <a:tcPr marL="83127" marR="83127"/>
                 </a:tc>
                 <a:tc>
                   <a:txBody>
@@ -11032,7 +11306,7 @@
                       </a:r>
                     </a:p>
                   </a:txBody>
-                  <a:tcPr/>
+                  <a:tcPr marL="83127" marR="83127"/>
                 </a:tc>
                 <a:tc>
                   <a:txBody>
@@ -11052,7 +11326,7 @@
                       </a:r>
                     </a:p>
                   </a:txBody>
-                  <a:tcPr/>
+                  <a:tcPr marL="83127" marR="83127"/>
                 </a:tc>
                 <a:tc>
                   <a:txBody>
@@ -11072,7 +11346,7 @@
                       </a:r>
                     </a:p>
                   </a:txBody>
-                  <a:tcPr/>
+                  <a:tcPr marL="83127" marR="83127"/>
                 </a:tc>
                 <a:tc>
                   <a:txBody>
@@ -11092,7 +11366,7 @@
                       </a:r>
                     </a:p>
                   </a:txBody>
-                  <a:tcPr/>
+                  <a:tcPr marL="83127" marR="83127"/>
                 </a:tc>
                 <a:tc>
                   <a:txBody>
@@ -11112,7 +11386,7 @@
                       </a:r>
                     </a:p>
                   </a:txBody>
-                  <a:tcPr/>
+                  <a:tcPr marL="83127" marR="83127"/>
                 </a:tc>
                 <a:tc>
                   <a:txBody>
@@ -11132,87 +11406,7 @@
                       </a:r>
                     </a:p>
                   </a:txBody>
-                  <a:tcPr/>
-                </a:tc>
-                <a:tc>
-                  <a:txBody>
-                    <a:bodyPr/>
-                    <a:lstStyle/>
-                    <a:p>
-                      <a:pPr algn="r"/>
-                      <a:r>
-                        <a:rPr lang="en-US" sz="1600" b="1" dirty="0">
-                          <a:solidFill>
-                            <a:schemeClr val="tx1"/>
-                          </a:solidFill>
-                          <a:latin typeface="Calibri" panose="020F0502020204030204" pitchFamily="34" charset="0"/>
-                          <a:cs typeface="Calibri" panose="020F0502020204030204" pitchFamily="34" charset="0"/>
-                        </a:rPr>
-                        <a:t>11</a:t>
-                      </a:r>
-                    </a:p>
-                  </a:txBody>
-                  <a:tcPr/>
-                </a:tc>
-                <a:tc>
-                  <a:txBody>
-                    <a:bodyPr/>
-                    <a:lstStyle/>
-                    <a:p>
-                      <a:pPr algn="r"/>
-                      <a:r>
-                        <a:rPr lang="en-US" sz="1600" b="1" dirty="0">
-                          <a:solidFill>
-                            <a:schemeClr val="tx1"/>
-                          </a:solidFill>
-                          <a:latin typeface="Calibri" panose="020F0502020204030204" pitchFamily="34" charset="0"/>
-                          <a:cs typeface="Calibri" panose="020F0502020204030204" pitchFamily="34" charset="0"/>
-                        </a:rPr>
-                        <a:t>12</a:t>
-                      </a:r>
-                    </a:p>
-                  </a:txBody>
-                  <a:tcPr/>
-                </a:tc>
-                <a:tc>
-                  <a:txBody>
-                    <a:bodyPr/>
-                    <a:lstStyle/>
-                    <a:p>
-                      <a:pPr algn="r"/>
-                      <a:r>
-                        <a:rPr lang="en-US" sz="1600" b="1" dirty="0">
-                          <a:solidFill>
-                            <a:schemeClr val="tx1"/>
-                          </a:solidFill>
-                          <a:latin typeface="Calibri" panose="020F0502020204030204" pitchFamily="34" charset="0"/>
-                          <a:cs typeface="Calibri" panose="020F0502020204030204" pitchFamily="34" charset="0"/>
-                        </a:rPr>
-                        <a:t>13</a:t>
-                      </a:r>
-                    </a:p>
-                  </a:txBody>
-                  <a:tcPr/>
-                </a:tc>
-                <a:tc>
-                  <a:txBody>
-                    <a:bodyPr/>
-                    <a:lstStyle/>
-                    <a:p>
-                      <a:pPr algn="r"/>
-                      <a:r>
-                        <a:rPr lang="en-US" sz="1600" b="1" dirty="0">
-                          <a:solidFill>
-                            <a:schemeClr val="tx1"/>
-                          </a:solidFill>
-                          <a:latin typeface="Calibri" panose="020F0502020204030204" pitchFamily="34" charset="0"/>
-                          <a:cs typeface="Calibri" panose="020F0502020204030204" pitchFamily="34" charset="0"/>
-                        </a:rPr>
-                        <a:t>14</a:t>
-                      </a:r>
-                    </a:p>
-                  </a:txBody>
-                  <a:tcPr/>
+                  <a:tcPr marL="83127" marR="83127"/>
                 </a:tc>
                 <a:extLst>
                   <a:ext uri="{0D108BD9-81ED-4DB2-BD59-A6C34878D82A}">
@@ -11227,17 +11421,17 @@
                     <a:lstStyle/>
                     <a:p>
                       <a:r>
-                        <a:rPr lang="en-US" sz="1600" dirty="0" err="1">
+                        <a:rPr lang="en-US" sz="1600" baseline="0" dirty="0">
                           <a:solidFill>
                             <a:schemeClr val="tx1"/>
                           </a:solidFill>
                           <a:latin typeface="Calibri" panose="020F0502020204030204" pitchFamily="34" charset="0"/>
                           <a:cs typeface="Calibri" panose="020F0502020204030204" pitchFamily="34" charset="0"/>
                         </a:rPr>
-                        <a:t>a</a:t>
+                        <a:t>3</a:t>
                       </a:r>
                       <a:r>
-                        <a:rPr lang="en-US" sz="1600" baseline="30000" dirty="0" err="1">
+                        <a:rPr lang="en-US" sz="1600" baseline="30000" dirty="0">
                           <a:solidFill>
                             <a:schemeClr val="tx1"/>
                           </a:solidFill>
@@ -11246,296 +11440,219 @@
                         </a:rPr>
                         <a:t>j</a:t>
                       </a:r>
-                      <a:endParaRPr lang="en-US" sz="1600" baseline="30000" dirty="0">
-                        <a:solidFill>
-                          <a:schemeClr val="tx1"/>
-                        </a:solidFill>
-                        <a:latin typeface="Calibri" panose="020F0502020204030204" pitchFamily="34" charset="0"/>
-                        <a:cs typeface="Calibri" panose="020F0502020204030204" pitchFamily="34" charset="0"/>
-                      </a:endParaRPr>
                     </a:p>
                   </a:txBody>
-                  <a:tcPr/>
+                  <a:tcPr marL="83127" marR="83127"/>
                 </a:tc>
                 <a:tc>
                   <a:txBody>
                     <a:bodyPr/>
                     <a:lstStyle/>
                     <a:p>
-                      <a:pPr algn="r"/>
+                      <a:pPr algn="r" fontAlgn="b"/>
                       <a:r>
-                        <a:rPr lang="en-US" sz="1600" dirty="0">
+                        <a:rPr lang="en-US" sz="1600" b="0" i="0" u="none" strike="noStrike" dirty="0">
                           <a:solidFill>
-                            <a:schemeClr val="tx1"/>
+                            <a:srgbClr val="000000"/>
                           </a:solidFill>
+                          <a:effectLst/>
                           <a:latin typeface="Calibri" panose="020F0502020204030204" pitchFamily="34" charset="0"/>
                           <a:cs typeface="Calibri" panose="020F0502020204030204" pitchFamily="34" charset="0"/>
                         </a:rPr>
-                        <a:t>5</a:t>
+                        <a:t>3</a:t>
                       </a:r>
                     </a:p>
                   </a:txBody>
-                  <a:tcPr/>
+                  <a:tcPr marL="9525" marR="9525" marT="9525" marB="0" anchor="b"/>
                 </a:tc>
                 <a:tc>
                   <a:txBody>
                     <a:bodyPr/>
                     <a:lstStyle/>
                     <a:p>
-                      <a:pPr algn="r"/>
+                      <a:pPr algn="r" fontAlgn="b"/>
                       <a:r>
-                        <a:rPr lang="en-US" sz="1600" dirty="0">
+                        <a:rPr lang="en-US" sz="1600" b="0" i="0" u="none" strike="noStrike">
                           <a:solidFill>
-                            <a:schemeClr val="tx1"/>
+                            <a:srgbClr val="000000"/>
                           </a:solidFill>
+                          <a:effectLst/>
                           <a:latin typeface="Calibri" panose="020F0502020204030204" pitchFamily="34" charset="0"/>
                           <a:cs typeface="Calibri" panose="020F0502020204030204" pitchFamily="34" charset="0"/>
                         </a:rPr>
-                        <a:t>25</a:t>
+                        <a:t>9</a:t>
                       </a:r>
                     </a:p>
                   </a:txBody>
-                  <a:tcPr/>
+                  <a:tcPr marL="9525" marR="9525" marT="9525" marB="0" anchor="b"/>
                 </a:tc>
                 <a:tc>
                   <a:txBody>
                     <a:bodyPr/>
                     <a:lstStyle/>
                     <a:p>
-                      <a:pPr algn="r"/>
+                      <a:pPr algn="r" fontAlgn="b"/>
                       <a:r>
-                        <a:rPr lang="en-US" sz="1600" dirty="0">
+                        <a:rPr lang="en-US" sz="1600" b="0" i="0" u="none" strike="noStrike">
                           <a:solidFill>
-                            <a:schemeClr val="tx1"/>
+                            <a:srgbClr val="000000"/>
                           </a:solidFill>
+                          <a:effectLst/>
                           <a:latin typeface="Calibri" panose="020F0502020204030204" pitchFamily="34" charset="0"/>
                           <a:cs typeface="Calibri" panose="020F0502020204030204" pitchFamily="34" charset="0"/>
                         </a:rPr>
-                        <a:t>125</a:t>
+                        <a:t>27</a:t>
                       </a:r>
                     </a:p>
                   </a:txBody>
-                  <a:tcPr/>
+                  <a:tcPr marL="9525" marR="9525" marT="9525" marB="0" anchor="b"/>
                 </a:tc>
                 <a:tc>
                   <a:txBody>
                     <a:bodyPr/>
                     <a:lstStyle/>
                     <a:p>
-                      <a:pPr algn="r"/>
+                      <a:pPr algn="r" fontAlgn="b"/>
                       <a:r>
-                        <a:rPr lang="en-US" sz="1600" dirty="0">
+                        <a:rPr lang="en-US" sz="1600" b="0" i="0" u="none" strike="noStrike" dirty="0">
                           <a:solidFill>
-                            <a:schemeClr val="tx1"/>
+                            <a:schemeClr val="accent2"/>
                           </a:solidFill>
+                          <a:effectLst/>
                           <a:latin typeface="Calibri" panose="020F0502020204030204" pitchFamily="34" charset="0"/>
                           <a:cs typeface="Calibri" panose="020F0502020204030204" pitchFamily="34" charset="0"/>
                         </a:rPr>
-                        <a:t>46</a:t>
+                        <a:t>81</a:t>
                       </a:r>
                     </a:p>
                   </a:txBody>
-                  <a:tcPr/>
+                  <a:tcPr marL="9525" marR="9525" marT="9525" marB="0" anchor="b"/>
                 </a:tc>
                 <a:tc>
                   <a:txBody>
                     <a:bodyPr/>
                     <a:lstStyle/>
                     <a:p>
-                      <a:pPr algn="r"/>
+                      <a:pPr algn="r" fontAlgn="b"/>
                       <a:r>
-                        <a:rPr lang="en-US" sz="1600" dirty="0">
+                        <a:rPr lang="en-US" sz="1600" b="0" i="0" u="none" strike="noStrike" dirty="0">
                           <a:solidFill>
-                            <a:schemeClr val="tx1"/>
+                            <a:srgbClr val="000000"/>
                           </a:solidFill>
+                          <a:effectLst/>
                           <a:latin typeface="Calibri" panose="020F0502020204030204" pitchFamily="34" charset="0"/>
                           <a:cs typeface="Calibri" panose="020F0502020204030204" pitchFamily="34" charset="0"/>
                         </a:rPr>
-                        <a:t>37</a:t>
+                        <a:t>41</a:t>
                       </a:r>
                     </a:p>
                   </a:txBody>
-                  <a:tcPr/>
+                  <a:tcPr marL="9525" marR="9525" marT="9525" marB="0" anchor="b"/>
                 </a:tc>
                 <a:tc>
                   <a:txBody>
                     <a:bodyPr/>
                     <a:lstStyle/>
                     <a:p>
-                      <a:pPr algn="r"/>
+                      <a:pPr algn="r" fontAlgn="b"/>
                       <a:r>
-                        <a:rPr lang="en-US" sz="1600" dirty="0">
+                        <a:rPr lang="en-US" sz="1600" b="0" i="0" u="none" strike="noStrike">
                           <a:solidFill>
-                            <a:schemeClr val="tx1"/>
+                            <a:srgbClr val="000000"/>
                           </a:solidFill>
+                          <a:effectLst/>
                           <a:latin typeface="Calibri" panose="020F0502020204030204" pitchFamily="34" charset="0"/>
                           <a:cs typeface="Calibri" panose="020F0502020204030204" pitchFamily="34" charset="0"/>
                         </a:rPr>
-                        <a:t>185</a:t>
+                        <a:t>22</a:t>
                       </a:r>
                     </a:p>
                   </a:txBody>
-                  <a:tcPr/>
+                  <a:tcPr marL="9525" marR="9525" marT="9525" marB="0" anchor="b"/>
                 </a:tc>
                 <a:tc>
                   <a:txBody>
                     <a:bodyPr/>
                     <a:lstStyle/>
                     <a:p>
-                      <a:pPr algn="r"/>
+                      <a:pPr algn="r" fontAlgn="b"/>
                       <a:r>
-                        <a:rPr lang="en-US" sz="1600" dirty="0">
+                        <a:rPr lang="en-US" sz="1600" b="0" i="0" u="none" strike="noStrike">
                           <a:solidFill>
-                            <a:schemeClr val="tx1"/>
+                            <a:srgbClr val="000000"/>
                           </a:solidFill>
+                          <a:effectLst/>
                           <a:latin typeface="Calibri" panose="020F0502020204030204" pitchFamily="34" charset="0"/>
                           <a:cs typeface="Calibri" panose="020F0502020204030204" pitchFamily="34" charset="0"/>
                         </a:rPr>
-                        <a:t>153</a:t>
+                        <a:t>66</a:t>
                       </a:r>
                     </a:p>
                   </a:txBody>
-                  <a:tcPr/>
+                  <a:tcPr marL="9525" marR="9525" marT="9525" marB="0" anchor="b"/>
                 </a:tc>
                 <a:tc>
                   <a:txBody>
                     <a:bodyPr/>
                     <a:lstStyle/>
                     <a:p>
-                      <a:pPr algn="r"/>
+                      <a:pPr algn="r" fontAlgn="b"/>
                       <a:r>
-                        <a:rPr lang="en-US" sz="1600" dirty="0">
+                        <a:rPr lang="en-US" sz="1600" b="0" i="0" u="none" strike="noStrike">
                           <a:solidFill>
-                            <a:schemeClr val="tx1"/>
+                            <a:srgbClr val="000000"/>
                           </a:solidFill>
+                          <a:effectLst/>
                           <a:latin typeface="Calibri" panose="020F0502020204030204" pitchFamily="34" charset="0"/>
                           <a:cs typeface="Calibri" panose="020F0502020204030204" pitchFamily="34" charset="0"/>
                         </a:rPr>
-                        <a:t>186</a:t>
+                        <a:t>97</a:t>
                       </a:r>
                     </a:p>
                   </a:txBody>
-                  <a:tcPr/>
+                  <a:tcPr marL="9525" marR="9525" marT="9525" marB="0" anchor="b"/>
                 </a:tc>
                 <a:tc>
                   <a:txBody>
                     <a:bodyPr/>
                     <a:lstStyle/>
                     <a:p>
-                      <a:pPr algn="r"/>
+                      <a:pPr algn="r" fontAlgn="b"/>
                       <a:r>
-                        <a:rPr lang="en-US" sz="1600" dirty="0">
+                        <a:rPr lang="en-US" sz="1600" b="0" i="0" u="none" strike="noStrike">
                           <a:solidFill>
-                            <a:schemeClr val="tx1"/>
+                            <a:srgbClr val="000000"/>
                           </a:solidFill>
+                          <a:effectLst/>
                           <a:latin typeface="Calibri" panose="020F0502020204030204" pitchFamily="34" charset="0"/>
                           <a:cs typeface="Calibri" panose="020F0502020204030204" pitchFamily="34" charset="0"/>
                         </a:rPr>
-                        <a:t>158</a:t>
+                        <a:t>89</a:t>
                       </a:r>
                     </a:p>
                   </a:txBody>
-                  <a:tcPr/>
+                  <a:tcPr marL="9525" marR="9525" marT="9525" marB="0" anchor="b"/>
                 </a:tc>
                 <a:tc>
                   <a:txBody>
                     <a:bodyPr/>
                     <a:lstStyle/>
                     <a:p>
-                      <a:pPr algn="r"/>
+                      <a:pPr algn="r" fontAlgn="b"/>
                       <a:r>
-                        <a:rPr lang="en-US" sz="1600" dirty="0">
+                        <a:rPr lang="en-US" sz="1600" b="0" i="0" u="none" strike="noStrike" dirty="0">
                           <a:solidFill>
-                            <a:schemeClr val="tx1"/>
+                            <a:srgbClr val="000000"/>
                           </a:solidFill>
+                          <a:effectLst/>
                           <a:latin typeface="Calibri" panose="020F0502020204030204" pitchFamily="34" charset="0"/>
                           <a:cs typeface="Calibri" panose="020F0502020204030204" pitchFamily="34" charset="0"/>
                         </a:rPr>
-                        <a:t>18</a:t>
+                        <a:t>65</a:t>
                       </a:r>
                     </a:p>
                   </a:txBody>
-                  <a:tcPr/>
-                </a:tc>
-                <a:tc>
-                  <a:txBody>
-                    <a:bodyPr/>
-                    <a:lstStyle/>
-                    <a:p>
-                      <a:pPr algn="r"/>
-                      <a:r>
-                        <a:rPr lang="en-US" sz="1600" dirty="0">
-                          <a:solidFill>
-                            <a:schemeClr val="accent2"/>
-                          </a:solidFill>
-                          <a:latin typeface="Calibri" panose="020F0502020204030204" pitchFamily="34" charset="0"/>
-                          <a:cs typeface="Calibri" panose="020F0502020204030204" pitchFamily="34" charset="0"/>
-                        </a:rPr>
-                        <a:t>90</a:t>
-                      </a:r>
-                    </a:p>
-                  </a:txBody>
-                  <a:tcPr/>
-                </a:tc>
-                <a:tc>
-                  <a:txBody>
-                    <a:bodyPr/>
-                    <a:lstStyle/>
-                    <a:p>
-                      <a:pPr algn="r"/>
-                      <a:r>
-                        <a:rPr lang="en-US" sz="1600" dirty="0">
-                          <a:solidFill>
-                            <a:schemeClr val="tx1"/>
-                          </a:solidFill>
-                          <a:latin typeface="Calibri" panose="020F0502020204030204" pitchFamily="34" charset="0"/>
-                          <a:cs typeface="Calibri" panose="020F0502020204030204" pitchFamily="34" charset="0"/>
-                        </a:rPr>
-                        <a:t>64</a:t>
-                      </a:r>
-                    </a:p>
-                  </a:txBody>
-                  <a:tcPr/>
-                </a:tc>
-                <a:tc>
-                  <a:txBody>
-                    <a:bodyPr/>
-                    <a:lstStyle/>
-                    <a:p>
-                      <a:pPr algn="r"/>
-                      <a:r>
-                        <a:rPr lang="en-US" sz="1600" dirty="0">
-                          <a:solidFill>
-                            <a:schemeClr val="tx1"/>
-                          </a:solidFill>
-                          <a:latin typeface="Calibri" panose="020F0502020204030204" pitchFamily="34" charset="0"/>
-                          <a:cs typeface="Calibri" panose="020F0502020204030204" pitchFamily="34" charset="0"/>
-                        </a:rPr>
-                        <a:t>127</a:t>
-                      </a:r>
-                    </a:p>
-                  </a:txBody>
-                  <a:tcPr/>
-                </a:tc>
-                <a:tc>
-                  <a:txBody>
-                    <a:bodyPr/>
-                    <a:lstStyle/>
-                    <a:p>
-                      <a:pPr algn="r"/>
-                      <a:r>
-                        <a:rPr lang="en-US" sz="1600" dirty="0">
-                          <a:solidFill>
-                            <a:schemeClr val="tx1"/>
-                          </a:solidFill>
-                          <a:latin typeface="Calibri" panose="020F0502020204030204" pitchFamily="34" charset="0"/>
-                          <a:cs typeface="Calibri" panose="020F0502020204030204" pitchFamily="34" charset="0"/>
-                        </a:rPr>
-                        <a:t>56</a:t>
-                      </a:r>
-                    </a:p>
-                  </a:txBody>
-                  <a:tcPr/>
+                  <a:tcPr marL="9525" marR="9525" marT="9525" marB="0" anchor="b"/>
                 </a:tc>
                 <a:extLst>
                   <a:ext uri="{0D108BD9-81ED-4DB2-BD59-A6C34878D82A}">
@@ -11550,14 +11667,14 @@
                     <a:lstStyle/>
                     <a:p>
                       <a:r>
-                        <a:rPr lang="en-US" sz="1600" dirty="0" err="1">
+                        <a:rPr lang="en-US" sz="1600" dirty="0">
                           <a:solidFill>
                             <a:schemeClr val="tx1"/>
                           </a:solidFill>
                           <a:latin typeface="Calibri" panose="020F0502020204030204" pitchFamily="34" charset="0"/>
                           <a:cs typeface="Calibri" panose="020F0502020204030204" pitchFamily="34" charset="0"/>
                         </a:rPr>
-                        <a:t>ba</a:t>
+                        <a:t>37(34)</a:t>
                       </a:r>
                       <a:r>
                         <a:rPr lang="en-US" sz="1600" baseline="30000" dirty="0" err="1">
@@ -11567,7 +11684,7 @@
                           <a:latin typeface="Calibri" panose="020F0502020204030204" pitchFamily="34" charset="0"/>
                           <a:cs typeface="Calibri" panose="020F0502020204030204" pitchFamily="34" charset="0"/>
                         </a:rPr>
-                        <a:t>-mj</a:t>
+                        <a:t>mj</a:t>
                       </a:r>
                       <a:endParaRPr lang="en-US" sz="1600" baseline="30000" dirty="0">
                         <a:solidFill>
@@ -11578,59 +11695,167 @@
                       </a:endParaRPr>
                     </a:p>
                   </a:txBody>
-                  <a:tcPr/>
+                  <a:tcPr marL="83127" marR="83127"/>
                 </a:tc>
                 <a:tc>
                   <a:txBody>
                     <a:bodyPr/>
                     <a:lstStyle/>
                     <a:p>
-                      <a:pPr algn="r"/>
+                      <a:pPr algn="r" fontAlgn="b"/>
                       <a:r>
-                        <a:rPr lang="en-US" sz="1600" dirty="0">
+                        <a:rPr lang="en-US" sz="1600" b="0" i="0" u="none" strike="noStrike" dirty="0">
                           <a:solidFill>
-                            <a:schemeClr val="tx1"/>
+                            <a:srgbClr val="000000"/>
                           </a:solidFill>
+                          <a:effectLst/>
                           <a:latin typeface="Calibri" panose="020F0502020204030204" pitchFamily="34" charset="0"/>
                           <a:cs typeface="Calibri" panose="020F0502020204030204" pitchFamily="34" charset="0"/>
                         </a:rPr>
-                        <a:t>26</a:t>
+                        <a:t>13</a:t>
                       </a:r>
                     </a:p>
                   </a:txBody>
-                  <a:tcPr/>
+                  <a:tcPr marL="9525" marR="9525" marT="9525" marB="0" anchor="b"/>
                 </a:tc>
                 <a:tc>
                   <a:txBody>
                     <a:bodyPr/>
                     <a:lstStyle/>
                     <a:p>
-                      <a:pPr algn="r"/>
+                      <a:pPr algn="r" fontAlgn="b"/>
                       <a:r>
-                        <a:rPr lang="en-US" sz="1600" dirty="0">
+                        <a:rPr lang="en-US" sz="1600" b="0" i="0" u="none" strike="noStrike" dirty="0">
                           <a:solidFill>
-                            <a:schemeClr val="tx1"/>
+                            <a:schemeClr val="accent2"/>
                           </a:solidFill>
+                          <a:effectLst/>
                           <a:latin typeface="Calibri" panose="020F0502020204030204" pitchFamily="34" charset="0"/>
                           <a:cs typeface="Calibri" panose="020F0502020204030204" pitchFamily="34" charset="0"/>
                         </a:rPr>
-                        <a:t>77</a:t>
+                        <a:t>81</a:t>
                       </a:r>
                     </a:p>
                   </a:txBody>
-                  <a:tcPr/>
+                  <a:tcPr marL="9525" marR="9525" marT="9525" marB="0" anchor="b"/>
                 </a:tc>
                 <a:tc>
                   <a:txBody>
                     <a:bodyPr/>
                     <a:lstStyle/>
                     <a:p>
-                      <a:pPr algn="r"/>
+                      <a:pPr algn="r" fontAlgn="b"/>
                       <a:r>
-                        <a:rPr lang="en-US" sz="1600" dirty="0">
+                        <a:rPr lang="en-US" sz="1600" b="0" i="0" u="none" strike="noStrike" dirty="0">
                           <a:solidFill>
-                            <a:schemeClr val="tx1"/>
+                            <a:srgbClr val="000000"/>
                           </a:solidFill>
+                          <a:effectLst/>
+                          <a:latin typeface="Calibri" panose="020F0502020204030204" pitchFamily="34" charset="0"/>
+                          <a:cs typeface="Calibri" panose="020F0502020204030204" pitchFamily="34" charset="0"/>
+                        </a:rPr>
+                        <a:t>23</a:t>
+                      </a:r>
+                    </a:p>
+                  </a:txBody>
+                  <a:tcPr marL="9525" marR="9525" marT="9525" marB="0" anchor="b"/>
+                </a:tc>
+                <a:tc>
+                  <a:txBody>
+                    <a:bodyPr/>
+                    <a:lstStyle/>
+                    <a:p>
+                      <a:pPr algn="r" fontAlgn="b"/>
+                      <a:r>
+                        <a:rPr lang="en-US" sz="1600" b="0" i="0" u="none" strike="noStrike" dirty="0">
+                          <a:solidFill>
+                            <a:srgbClr val="000000"/>
+                          </a:solidFill>
+                          <a:effectLst/>
+                          <a:latin typeface="Calibri" panose="020F0502020204030204" pitchFamily="34" charset="0"/>
+                          <a:cs typeface="Calibri" panose="020F0502020204030204" pitchFamily="34" charset="0"/>
+                        </a:rPr>
+                        <a:t>19</a:t>
+                      </a:r>
+                    </a:p>
+                  </a:txBody>
+                  <a:tcPr marL="9525" marR="9525" marT="9525" marB="0" anchor="b"/>
+                </a:tc>
+                <a:tc>
+                  <a:txBody>
+                    <a:bodyPr/>
+                    <a:lstStyle/>
+                    <a:p>
+                      <a:pPr algn="r" fontAlgn="b"/>
+                      <a:r>
+                        <a:rPr lang="en-US" sz="1600" b="0" i="0" u="none" strike="noStrike" dirty="0">
+                          <a:solidFill>
+                            <a:srgbClr val="000000"/>
+                          </a:solidFill>
+                          <a:effectLst/>
+                          <a:latin typeface="Calibri" panose="020F0502020204030204" pitchFamily="34" charset="0"/>
+                          <a:cs typeface="Calibri" panose="020F0502020204030204" pitchFamily="34" charset="0"/>
+                        </a:rPr>
+                        <a:t>64</a:t>
+                      </a:r>
+                    </a:p>
+                  </a:txBody>
+                  <a:tcPr marL="9525" marR="9525" marT="9525" marB="0" anchor="b"/>
+                </a:tc>
+                <a:tc>
+                  <a:txBody>
+                    <a:bodyPr/>
+                    <a:lstStyle/>
+                    <a:p>
+                      <a:pPr algn="r" fontAlgn="b"/>
+                      <a:r>
+                        <a:rPr lang="en-US" sz="1600" b="0" i="0" u="none" strike="noStrike" dirty="0">
+                          <a:solidFill>
+                            <a:srgbClr val="000000"/>
+                          </a:solidFill>
+                          <a:effectLst/>
+                          <a:latin typeface="Calibri" panose="020F0502020204030204" pitchFamily="34" charset="0"/>
+                          <a:cs typeface="Calibri" panose="020F0502020204030204" pitchFamily="34" charset="0"/>
+                        </a:rPr>
+                        <a:t>88</a:t>
+                      </a:r>
+                    </a:p>
+                  </a:txBody>
+                  <a:tcPr marL="9525" marR="9525" marT="9525" marB="0" anchor="b"/>
+                </a:tc>
+                <a:tc>
+                  <a:txBody>
+                    <a:bodyPr/>
+                    <a:lstStyle/>
+                    <a:p>
+                      <a:pPr algn="r" fontAlgn="b"/>
+                      <a:r>
+                        <a:rPr lang="en-US" sz="1600" b="0" i="0" u="none" strike="noStrike" dirty="0">
+                          <a:solidFill>
+                            <a:srgbClr val="000000"/>
+                          </a:solidFill>
+                          <a:effectLst/>
+                          <a:latin typeface="Calibri" panose="020F0502020204030204" pitchFamily="34" charset="0"/>
+                          <a:cs typeface="Calibri" panose="020F0502020204030204" pitchFamily="34" charset="0"/>
+                        </a:rPr>
+                        <a:t>20</a:t>
+                      </a:r>
+                    </a:p>
+                  </a:txBody>
+                  <a:tcPr marL="9525" marR="9525" marT="9525" marB="0" anchor="b"/>
+                </a:tc>
+                <a:tc>
+                  <a:txBody>
+                    <a:bodyPr/>
+                    <a:lstStyle/>
+                    <a:p>
+                      <a:pPr algn="r" fontAlgn="b"/>
+                      <a:r>
+                        <a:rPr lang="en-US" sz="1600" b="0" i="0" u="none" strike="noStrike" dirty="0">
+                          <a:solidFill>
+                            <a:srgbClr val="000000"/>
+                          </a:solidFill>
+                          <a:effectLst/>
                           <a:latin typeface="Calibri" panose="020F0502020204030204" pitchFamily="34" charset="0"/>
                           <a:cs typeface="Calibri" panose="020F0502020204030204" pitchFamily="34" charset="0"/>
                         </a:rPr>
@@ -11638,227 +11863,49 @@
                       </a:r>
                     </a:p>
                   </a:txBody>
-                  <a:tcPr/>
+                  <a:tcPr marL="9525" marR="9525" marT="9525" marB="0" anchor="b"/>
                 </a:tc>
                 <a:tc>
                   <a:txBody>
                     <a:bodyPr/>
                     <a:lstStyle/>
                     <a:p>
-                      <a:pPr algn="r"/>
+                      <a:pPr algn="r" fontAlgn="b"/>
                       <a:r>
-                        <a:rPr lang="en-US" sz="1600" dirty="0">
+                        <a:rPr lang="en-US" sz="1600" b="0" i="0" u="none" strike="noStrike" dirty="0">
                           <a:solidFill>
-                            <a:schemeClr val="tx1"/>
+                            <a:srgbClr val="000000"/>
                           </a:solidFill>
+                          <a:effectLst/>
                           <a:latin typeface="Calibri" panose="020F0502020204030204" pitchFamily="34" charset="0"/>
                           <a:cs typeface="Calibri" panose="020F0502020204030204" pitchFamily="34" charset="0"/>
                         </a:rPr>
-                        <a:t>74</a:t>
+                        <a:t>82</a:t>
                       </a:r>
                     </a:p>
                   </a:txBody>
-                  <a:tcPr/>
+                  <a:tcPr marL="9525" marR="9525" marT="9525" marB="0" anchor="b"/>
                 </a:tc>
                 <a:tc>
                   <a:txBody>
                     <a:bodyPr/>
                     <a:lstStyle/>
                     <a:p>
-                      <a:pPr algn="r"/>
+                      <a:pPr algn="r" fontAlgn="b"/>
                       <a:r>
-                        <a:rPr lang="en-US" sz="1600" dirty="0">
+                        <a:rPr lang="en-US" sz="1600" b="0" i="0" u="none" strike="noStrike" dirty="0">
                           <a:solidFill>
-                            <a:schemeClr val="accent2"/>
+                            <a:srgbClr val="000000"/>
                           </a:solidFill>
+                          <a:effectLst/>
                           <a:latin typeface="Calibri" panose="020F0502020204030204" pitchFamily="34" charset="0"/>
                           <a:cs typeface="Calibri" panose="020F0502020204030204" pitchFamily="34" charset="0"/>
                         </a:rPr>
-                        <a:t>90</a:t>
+                        <a:t>37</a:t>
                       </a:r>
                     </a:p>
                   </a:txBody>
-                  <a:tcPr/>
-                </a:tc>
-                <a:tc>
-                  <a:txBody>
-                    <a:bodyPr/>
-                    <a:lstStyle/>
-                    <a:p>
-                      <a:pPr algn="r"/>
-                      <a:r>
-                        <a:rPr lang="en-US" sz="1600" dirty="0">
-                          <a:solidFill>
-                            <a:schemeClr val="tx1"/>
-                          </a:solidFill>
-                          <a:latin typeface="Calibri" panose="020F0502020204030204" pitchFamily="34" charset="0"/>
-                          <a:cs typeface="Calibri" panose="020F0502020204030204" pitchFamily="34" charset="0"/>
-                        </a:rPr>
-                        <a:t>26</a:t>
-                      </a:r>
-                    </a:p>
-                  </a:txBody>
-                  <a:tcPr/>
-                </a:tc>
-                <a:tc>
-                  <a:txBody>
-                    <a:bodyPr/>
-                    <a:lstStyle/>
-                    <a:p>
-                      <a:pPr algn="r"/>
-                      <a:r>
-                        <a:rPr lang="en-US" sz="1600" dirty="0">
-                          <a:solidFill>
-                            <a:schemeClr val="tx1"/>
-                          </a:solidFill>
-                          <a:latin typeface="Calibri" panose="020F0502020204030204" pitchFamily="34" charset="0"/>
-                          <a:cs typeface="Calibri" panose="020F0502020204030204" pitchFamily="34" charset="0"/>
-                        </a:rPr>
-                        <a:t>89</a:t>
-                      </a:r>
-                    </a:p>
-                  </a:txBody>
-                  <a:tcPr/>
-                </a:tc>
-                <a:tc>
-                  <a:txBody>
-                    <a:bodyPr/>
-                    <a:lstStyle/>
-                    <a:p>
-                      <a:pPr algn="r"/>
-                      <a:r>
-                        <a:rPr lang="en-US" sz="1600" dirty="0">
-                          <a:solidFill>
-                            <a:schemeClr val="tx1"/>
-                          </a:solidFill>
-                          <a:latin typeface="Calibri" panose="020F0502020204030204" pitchFamily="34" charset="0"/>
-                          <a:cs typeface="Calibri" panose="020F0502020204030204" pitchFamily="34" charset="0"/>
-                        </a:rPr>
-                        <a:t>30</a:t>
-                      </a:r>
-                    </a:p>
-                  </a:txBody>
-                  <a:tcPr/>
-                </a:tc>
-                <a:tc>
-                  <a:txBody>
-                    <a:bodyPr/>
-                    <a:lstStyle/>
-                    <a:p>
-                      <a:pPr algn="r"/>
-                      <a:r>
-                        <a:rPr lang="en-US" sz="1600" dirty="0">
-                          <a:solidFill>
-                            <a:schemeClr val="tx1"/>
-                          </a:solidFill>
-                          <a:latin typeface="Calibri" panose="020F0502020204030204" pitchFamily="34" charset="0"/>
-                          <a:cs typeface="Calibri" panose="020F0502020204030204" pitchFamily="34" charset="0"/>
-                        </a:rPr>
-                        <a:t>73</a:t>
-                      </a:r>
-                    </a:p>
-                  </a:txBody>
-                  <a:tcPr/>
-                </a:tc>
-                <a:tc>
-                  <a:txBody>
-                    <a:bodyPr/>
-                    <a:lstStyle/>
-                    <a:p>
-                      <a:pPr algn="r"/>
-                      <a:r>
-                        <a:rPr lang="en-US" sz="1600" dirty="0">
-                          <a:solidFill>
-                            <a:schemeClr val="tx1"/>
-                          </a:solidFill>
-                          <a:latin typeface="Calibri" panose="020F0502020204030204" pitchFamily="34" charset="0"/>
-                          <a:cs typeface="Calibri" panose="020F0502020204030204" pitchFamily="34" charset="0"/>
-                        </a:rPr>
-                        <a:t>94</a:t>
-                      </a:r>
-                    </a:p>
-                  </a:txBody>
-                  <a:tcPr/>
-                </a:tc>
-                <a:tc>
-                  <a:txBody>
-                    <a:bodyPr/>
-                    <a:lstStyle/>
-                    <a:p>
-                      <a:pPr algn="r"/>
-                      <a:r>
-                        <a:rPr lang="en-US" sz="1600" dirty="0">
-                          <a:solidFill>
-                            <a:schemeClr val="tx1"/>
-                          </a:solidFill>
-                          <a:latin typeface="Calibri" panose="020F0502020204030204" pitchFamily="34" charset="0"/>
-                          <a:cs typeface="Calibri" panose="020F0502020204030204" pitchFamily="34" charset="0"/>
-                        </a:rPr>
-                        <a:t>10</a:t>
-                      </a:r>
-                    </a:p>
-                  </a:txBody>
-                  <a:tcPr/>
-                </a:tc>
-                <a:tc>
-                  <a:txBody>
-                    <a:bodyPr/>
-                    <a:lstStyle/>
-                    <a:p>
-                      <a:pPr algn="r"/>
-                      <a:r>
-                        <a:rPr lang="en-US" sz="1600" dirty="0">
-                          <a:solidFill>
-                            <a:schemeClr val="tx1"/>
-                          </a:solidFill>
-                          <a:latin typeface="Calibri" panose="020F0502020204030204" pitchFamily="34" charset="0"/>
-                          <a:cs typeface="Calibri" panose="020F0502020204030204" pitchFamily="34" charset="0"/>
-                        </a:rPr>
-                        <a:t>153</a:t>
-                      </a:r>
-                    </a:p>
-                  </a:txBody>
-                  <a:tcPr/>
-                </a:tc>
-                <a:tc>
-                  <a:txBody>
-                    <a:bodyPr/>
-                    <a:lstStyle/>
-                    <a:p>
-                      <a:pPr algn="r"/>
-                      <a:r>
-                        <a:rPr lang="en-US" sz="1600" dirty="0">
-                          <a:solidFill>
-                            <a:schemeClr val="tx1"/>
-                          </a:solidFill>
-                          <a:latin typeface="Calibri" panose="020F0502020204030204" pitchFamily="34" charset="0"/>
-                          <a:cs typeface="Calibri" panose="020F0502020204030204" pitchFamily="34" charset="0"/>
-                        </a:rPr>
-                        <a:t>160</a:t>
-                      </a:r>
-                    </a:p>
-                  </a:txBody>
-                  <a:tcPr/>
-                </a:tc>
-                <a:tc>
-                  <a:txBody>
-                    <a:bodyPr/>
-                    <a:lstStyle/>
-                    <a:p>
-                      <a:pPr algn="r"/>
-                      <a:r>
-                        <a:rPr lang="en-US" sz="1600" dirty="0">
-                          <a:solidFill>
-                            <a:schemeClr val="tx1"/>
-                          </a:solidFill>
-                          <a:latin typeface="Calibri" panose="020F0502020204030204" pitchFamily="34" charset="0"/>
-                          <a:cs typeface="Calibri" panose="020F0502020204030204" pitchFamily="34" charset="0"/>
-                        </a:rPr>
-                        <a:t>132</a:t>
-                      </a:r>
-                    </a:p>
-                  </a:txBody>
-                  <a:tcPr/>
+                  <a:tcPr marL="9525" marR="9525" marT="9525" marB="0" anchor="b"/>
                 </a:tc>
                 <a:extLst>
                   <a:ext uri="{0D108BD9-81ED-4DB2-BD59-A6C34878D82A}">
@@ -11870,238 +11917,364 @@
           </a:graphicData>
         </a:graphic>
       </p:graphicFrame>
-      <p:sp>
-        <p:nvSpPr>
-          <p:cNvPr id="8" name="Rectangle 3"/>
-          <p:cNvSpPr txBox="1">
-            <a:spLocks noChangeArrowheads="1"/>
-          </p:cNvSpPr>
-          <p:nvPr/>
-        </p:nvSpPr>
-        <p:spPr bwMode="auto">
-          <a:xfrm>
-            <a:off x="609600" y="4419600"/>
-            <a:ext cx="8001000" cy="1524000"/>
-          </a:xfrm>
-          <a:prstGeom prst="rect">
-            <a:avLst/>
-          </a:prstGeom>
-          <a:noFill/>
-          <a:ln w="9525">
-            <a:noFill/>
-            <a:miter lim="800000"/>
-            <a:headEnd/>
-            <a:tailEnd/>
-          </a:ln>
-        </p:spPr>
-        <p:txBody>
-          <a:bodyPr vert="horz" wrap="square" lIns="92075" tIns="46038" rIns="92075" bIns="46038" numCol="1" anchor="t" anchorCtr="0" compatLnSpc="1">
-            <a:prstTxWarp prst="textNoShape">
-              <a:avLst/>
-            </a:prstTxWarp>
-          </a:bodyPr>
-          <a:lstStyle/>
-          <a:p>
-            <a:pPr marL="342900" marR="0" lvl="0" indent="-342900" algn="l" defTabSz="914400" rtl="0" eaLnBrk="0" fontAlgn="base" latinLnBrk="0" hangingPunct="0">
-              <a:lnSpc>
-                <a:spcPct val="90000"/>
-              </a:lnSpc>
-              <a:spcBef>
-                <a:spcPct val="20000"/>
-              </a:spcBef>
-              <a:spcAft>
-                <a:spcPct val="0"/>
-              </a:spcAft>
-              <a:buClrTx/>
-              <a:buSzTx/>
-              <a:buFontTx/>
-              <a:buChar char="•"/>
-              <a:tabLst/>
-              <a:defRPr/>
-            </a:pPr>
-            <a:r>
-              <a:rPr kumimoji="1" lang="en-US" sz="2000" kern="0" dirty="0">
-                <a:latin typeface="Calibri" panose="020F0502020204030204" pitchFamily="34" charset="0"/>
-                <a:cs typeface="Calibri" panose="020F0502020204030204" pitchFamily="34" charset="0"/>
-              </a:rPr>
-              <a:t>So </a:t>
-            </a:r>
-            <a:r>
-              <a:rPr kumimoji="1" lang="en-US" sz="2000" b="0" i="0" u="none" strike="noStrike" kern="0" cap="none" spc="0" normalizeH="0" baseline="0" noProof="0" dirty="0">
-                <a:ln>
-                  <a:noFill/>
-                </a:ln>
-                <a:solidFill>
-                  <a:schemeClr val="tx1"/>
-                </a:solidFill>
-                <a:effectLst/>
-                <a:uLnTx/>
-                <a:uFillTx/>
-                <a:latin typeface="Calibri" panose="020F0502020204030204" pitchFamily="34" charset="0"/>
-                <a:cs typeface="Calibri" panose="020F0502020204030204" pitchFamily="34" charset="0"/>
-              </a:rPr>
-              <a:t>ba</a:t>
-            </a:r>
-            <a:r>
-              <a:rPr kumimoji="1" lang="en-US" sz="2000" b="0" i="0" u="none" strike="noStrike" kern="0" cap="none" spc="0" normalizeH="0" baseline="30000" noProof="0" dirty="0">
-                <a:ln>
-                  <a:noFill/>
-                </a:ln>
-                <a:solidFill>
-                  <a:schemeClr val="tx1"/>
-                </a:solidFill>
-                <a:effectLst/>
-                <a:uLnTx/>
-                <a:uFillTx/>
-                <a:latin typeface="Calibri" panose="020F0502020204030204" pitchFamily="34" charset="0"/>
-                <a:cs typeface="Calibri" panose="020F0502020204030204" pitchFamily="34" charset="0"/>
-              </a:rPr>
-              <a:t>-(14x5)</a:t>
-            </a:r>
-            <a:r>
-              <a:rPr kumimoji="1" lang="en-US" sz="2000" b="0" i="0" u="none" strike="noStrike" kern="0" cap="none" spc="0" normalizeH="0" baseline="0" noProof="0" dirty="0">
-                <a:ln>
-                  <a:noFill/>
-                </a:ln>
-                <a:solidFill>
-                  <a:schemeClr val="tx1"/>
-                </a:solidFill>
-                <a:effectLst/>
-                <a:uLnTx/>
-                <a:uFillTx/>
-                <a:latin typeface="Calibri" panose="020F0502020204030204" pitchFamily="34" charset="0"/>
-                <a:cs typeface="Calibri" panose="020F0502020204030204" pitchFamily="34" charset="0"/>
-              </a:rPr>
-              <a:t>= 90 = a</a:t>
-            </a:r>
-            <a:r>
-              <a:rPr kumimoji="1" lang="en-US" sz="2000" b="0" i="0" u="none" strike="noStrike" kern="0" cap="none" spc="0" normalizeH="0" baseline="30000" noProof="0" dirty="0">
-                <a:ln>
-                  <a:noFill/>
-                </a:ln>
-                <a:solidFill>
-                  <a:schemeClr val="tx1"/>
-                </a:solidFill>
-                <a:effectLst/>
-                <a:uLnTx/>
-                <a:uFillTx/>
-                <a:latin typeface="Calibri" panose="020F0502020204030204" pitchFamily="34" charset="0"/>
-                <a:cs typeface="Calibri" panose="020F0502020204030204" pitchFamily="34" charset="0"/>
-              </a:rPr>
-              <a:t>11</a:t>
-            </a:r>
-            <a:r>
-              <a:rPr kumimoji="1" lang="en-US" sz="2000" b="0" i="0" u="none" strike="noStrike" kern="0" cap="none" spc="0" normalizeH="0" baseline="0" noProof="0" dirty="0">
-                <a:ln>
-                  <a:noFill/>
-                </a:ln>
-                <a:solidFill>
-                  <a:schemeClr val="tx1"/>
-                </a:solidFill>
-                <a:effectLst/>
-                <a:uLnTx/>
-                <a:uFillTx/>
-                <a:latin typeface="Calibri" panose="020F0502020204030204" pitchFamily="34" charset="0"/>
-                <a:cs typeface="Calibri" panose="020F0502020204030204" pitchFamily="34" charset="0"/>
-              </a:rPr>
-              <a:t> (mod 193).</a:t>
-            </a:r>
-          </a:p>
-          <a:p>
-            <a:pPr marL="342900" lvl="0" indent="-342900">
-              <a:lnSpc>
-                <a:spcPct val="90000"/>
-              </a:lnSpc>
-              <a:spcBef>
-                <a:spcPct val="20000"/>
-              </a:spcBef>
-              <a:buFontTx/>
-              <a:buChar char="•"/>
-            </a:pPr>
-            <a:r>
-              <a:rPr kumimoji="1" lang="en-US" sz="2000" kern="0" dirty="0">
-                <a:latin typeface="Calibri" panose="020F0502020204030204" pitchFamily="34" charset="0"/>
-                <a:cs typeface="Calibri" panose="020F0502020204030204" pitchFamily="34" charset="0"/>
-              </a:rPr>
-              <a:t>Thus b= a</a:t>
-            </a:r>
-            <a:r>
-              <a:rPr kumimoji="1" lang="en-US" sz="2000" kern="0" baseline="30000" dirty="0">
-                <a:latin typeface="Calibri" panose="020F0502020204030204" pitchFamily="34" charset="0"/>
-                <a:cs typeface="Calibri" panose="020F0502020204030204" pitchFamily="34" charset="0"/>
-              </a:rPr>
-              <a:t>14x5+11</a:t>
-            </a:r>
-            <a:r>
-              <a:rPr kumimoji="1" lang="en-US" sz="2000" kern="0" dirty="0">
-                <a:latin typeface="Calibri" panose="020F0502020204030204" pitchFamily="34" charset="0"/>
-                <a:cs typeface="Calibri" panose="020F0502020204030204" pitchFamily="34" charset="0"/>
-              </a:rPr>
-              <a:t>= a</a:t>
-            </a:r>
-            <a:r>
-              <a:rPr kumimoji="1" lang="en-US" sz="2000" kern="0" baseline="30000" dirty="0">
-                <a:latin typeface="Calibri" panose="020F0502020204030204" pitchFamily="34" charset="0"/>
-                <a:cs typeface="Calibri" panose="020F0502020204030204" pitchFamily="34" charset="0"/>
-              </a:rPr>
-              <a:t>81</a:t>
-            </a:r>
-            <a:r>
-              <a:rPr kumimoji="1" lang="en-US" sz="2000" kern="0" dirty="0">
-                <a:latin typeface="Calibri" panose="020F0502020204030204" pitchFamily="34" charset="0"/>
-                <a:cs typeface="Calibri" panose="020F0502020204030204" pitchFamily="34" charset="0"/>
-              </a:rPr>
-              <a:t> (mod 193).  </a:t>
-            </a:r>
-          </a:p>
-          <a:p>
-            <a:pPr marL="342900" lvl="0" indent="-342900">
-              <a:lnSpc>
-                <a:spcPct val="90000"/>
-              </a:lnSpc>
-              <a:spcBef>
-                <a:spcPct val="20000"/>
-              </a:spcBef>
-              <a:buFontTx/>
-              <a:buChar char="•"/>
-            </a:pPr>
-            <a:r>
-              <a:rPr kumimoji="1" lang="en-US" sz="2000" kern="0" dirty="0">
-                <a:latin typeface="Calibri" panose="020F0502020204030204" pitchFamily="34" charset="0"/>
-                <a:cs typeface="Calibri" panose="020F0502020204030204" pitchFamily="34" charset="0"/>
-              </a:rPr>
-              <a:t>L</a:t>
-            </a:r>
-            <a:r>
-              <a:rPr kumimoji="1" lang="en-US" sz="2000" kern="0" baseline="-25000" dirty="0">
-                <a:latin typeface="Calibri" panose="020F0502020204030204" pitchFamily="34" charset="0"/>
-                <a:cs typeface="Calibri" panose="020F0502020204030204" pitchFamily="34" charset="0"/>
-              </a:rPr>
-              <a:t>193</a:t>
-            </a:r>
-            <a:r>
-              <a:rPr kumimoji="1" lang="en-US" sz="2000" kern="0" dirty="0">
-                <a:latin typeface="Calibri" panose="020F0502020204030204" pitchFamily="34" charset="0"/>
-                <a:cs typeface="Calibri" panose="020F0502020204030204" pitchFamily="34" charset="0"/>
-              </a:rPr>
-              <a:t>(41)= 81.</a:t>
-            </a:r>
-            <a:endParaRPr kumimoji="1" lang="en-US" sz="2000" b="0" i="0" u="none" strike="noStrike" kern="0" cap="none" spc="0" normalizeH="0" baseline="0" noProof="0" dirty="0">
-              <a:ln>
+      <mc:AlternateContent xmlns:mc="http://schemas.openxmlformats.org/markup-compatibility/2006" xmlns:a14="http://schemas.microsoft.com/office/drawing/2010/main">
+        <mc:Choice Requires="a14">
+          <p:sp>
+            <p:nvSpPr>
+              <p:cNvPr id="8" name="Rectangle 3"/>
+              <p:cNvSpPr txBox="1">
+                <a:spLocks noChangeArrowheads="1"/>
+              </p:cNvSpPr>
+              <p:nvPr/>
+            </p:nvSpPr>
+            <p:spPr bwMode="auto">
+              <a:xfrm>
+                <a:off x="609600" y="4717473"/>
+                <a:ext cx="8001000" cy="1302327"/>
+              </a:xfrm>
+              <a:prstGeom prst="rect">
+                <a:avLst/>
+              </a:prstGeom>
+              <a:noFill/>
+              <a:ln w="9525">
                 <a:noFill/>
+                <a:miter lim="800000"/>
+                <a:headEnd/>
+                <a:tailEnd/>
               </a:ln>
-              <a:solidFill>
-                <a:schemeClr val="tx1"/>
-              </a:solidFill>
-              <a:effectLst/>
-              <a:uLnTx/>
-              <a:uFillTx/>
-              <a:latin typeface="Calibri" panose="020F0502020204030204" pitchFamily="34" charset="0"/>
-              <a:cs typeface="Calibri" panose="020F0502020204030204" pitchFamily="34" charset="0"/>
-            </a:endParaRPr>
-          </a:p>
-        </p:txBody>
-      </p:sp>
+            </p:spPr>
+            <p:txBody>
+              <a:bodyPr vert="horz" wrap="square" lIns="92075" tIns="46038" rIns="92075" bIns="46038" numCol="1" anchor="t" anchorCtr="0" compatLnSpc="1">
+                <a:prstTxWarp prst="textNoShape">
+                  <a:avLst/>
+                </a:prstTxWarp>
+              </a:bodyPr>
+              <a:lstStyle/>
+              <a:p>
+                <a:pPr marL="342900" marR="0" lvl="0" indent="-342900" algn="l" defTabSz="914400" rtl="0" eaLnBrk="0" fontAlgn="base" latinLnBrk="0" hangingPunct="0">
+                  <a:lnSpc>
+                    <a:spcPct val="90000"/>
+                  </a:lnSpc>
+                  <a:spcBef>
+                    <a:spcPct val="20000"/>
+                  </a:spcBef>
+                  <a:spcAft>
+                    <a:spcPct val="0"/>
+                  </a:spcAft>
+                  <a:buClrTx/>
+                  <a:buSzTx/>
+                  <a:buFontTx/>
+                  <a:buChar char="•"/>
+                  <a:tabLst/>
+                  <a:defRPr/>
+                </a:pPr>
+                <a:r>
+                  <a:rPr kumimoji="1" lang="en-US" sz="2000" kern="0" dirty="0">
+                    <a:latin typeface="Calibri" panose="020F0502020204030204" pitchFamily="34" charset="0"/>
+                    <a:cs typeface="Calibri" panose="020F0502020204030204" pitchFamily="34" charset="0"/>
+                  </a:rPr>
+                  <a:t>Note that </a:t>
+                </a:r>
+                <a14:m>
+                  <m:oMath xmlns:m="http://schemas.openxmlformats.org/officeDocument/2006/math">
+                    <m:r>
+                      <a:rPr kumimoji="1" lang="en-US" sz="2000" b="0" i="1" kern="0" smtClean="0">
+                        <a:latin typeface="Cambria Math" panose="02040503050406030204" pitchFamily="18" charset="0"/>
+                        <a:cs typeface="Calibri" panose="020F0502020204030204" pitchFamily="34" charset="0"/>
+                      </a:rPr>
+                      <m:t>37</m:t>
+                    </m:r>
+                    <m:r>
+                      <a:rPr kumimoji="1" lang="en-US" sz="2000" b="0" i="1" kern="0" smtClean="0">
+                        <a:latin typeface="Cambria Math" panose="02040503050406030204" pitchFamily="18" charset="0"/>
+                        <a:ea typeface="Cambria Math" panose="02040503050406030204" pitchFamily="18" charset="0"/>
+                        <a:cs typeface="Calibri" panose="020F0502020204030204" pitchFamily="34" charset="0"/>
+                      </a:rPr>
+                      <m:t>∙</m:t>
+                    </m:r>
+                    <m:sSup>
+                      <m:sSupPr>
+                        <m:ctrlPr>
+                          <a:rPr kumimoji="1" lang="en-US" sz="2000" b="0" i="1" kern="0" smtClean="0">
+                            <a:latin typeface="Cambria Math" panose="02040503050406030204" pitchFamily="18" charset="0"/>
+                            <a:ea typeface="Cambria Math" panose="02040503050406030204" pitchFamily="18" charset="0"/>
+                            <a:cs typeface="Calibri" panose="020F0502020204030204" pitchFamily="34" charset="0"/>
+                          </a:rPr>
+                        </m:ctrlPr>
+                      </m:sSupPr>
+                      <m:e>
+                        <m:r>
+                          <a:rPr kumimoji="1" lang="en-US" sz="2000" b="0" i="1" kern="0" smtClean="0">
+                            <a:latin typeface="Cambria Math" panose="02040503050406030204" pitchFamily="18" charset="0"/>
+                            <a:ea typeface="Cambria Math" panose="02040503050406030204" pitchFamily="18" charset="0"/>
+                            <a:cs typeface="Calibri" panose="020F0502020204030204" pitchFamily="34" charset="0"/>
+                          </a:rPr>
+                          <m:t>3</m:t>
+                        </m:r>
+                      </m:e>
+                      <m:sup>
+                        <m:r>
+                          <a:rPr kumimoji="1" lang="en-US" sz="2000" b="0" i="1" kern="0" smtClean="0">
+                            <a:latin typeface="Cambria Math" panose="02040503050406030204" pitchFamily="18" charset="0"/>
+                            <a:ea typeface="Cambria Math" panose="02040503050406030204" pitchFamily="18" charset="0"/>
+                            <a:cs typeface="Calibri" panose="020F0502020204030204" pitchFamily="34" charset="0"/>
+                          </a:rPr>
+                          <m:t>−10∙2</m:t>
+                        </m:r>
+                      </m:sup>
+                    </m:sSup>
+                    <m:r>
+                      <a:rPr kumimoji="1" lang="en-US" sz="2000" b="0" i="1" kern="0" smtClean="0">
+                        <a:latin typeface="Cambria Math" panose="02040503050406030204" pitchFamily="18" charset="0"/>
+                        <a:ea typeface="Cambria Math" panose="02040503050406030204" pitchFamily="18" charset="0"/>
+                        <a:cs typeface="Calibri" panose="020F0502020204030204" pitchFamily="34" charset="0"/>
+                      </a:rPr>
+                      <m:t>=</m:t>
+                    </m:r>
+                    <m:sSup>
+                      <m:sSupPr>
+                        <m:ctrlPr>
+                          <a:rPr kumimoji="1" lang="en-US" sz="2000" b="0" i="1" kern="0" smtClean="0">
+                            <a:latin typeface="Cambria Math" panose="02040503050406030204" pitchFamily="18" charset="0"/>
+                            <a:ea typeface="Cambria Math" panose="02040503050406030204" pitchFamily="18" charset="0"/>
+                            <a:cs typeface="Calibri" panose="020F0502020204030204" pitchFamily="34" charset="0"/>
+                          </a:rPr>
+                        </m:ctrlPr>
+                      </m:sSupPr>
+                      <m:e>
+                        <m:r>
+                          <a:rPr kumimoji="1" lang="en-US" sz="2000" b="0" i="1" kern="0" smtClean="0">
+                            <a:latin typeface="Cambria Math" panose="02040503050406030204" pitchFamily="18" charset="0"/>
+                            <a:ea typeface="Cambria Math" panose="02040503050406030204" pitchFamily="18" charset="0"/>
+                            <a:cs typeface="Calibri" panose="020F0502020204030204" pitchFamily="34" charset="0"/>
+                          </a:rPr>
+                          <m:t>3</m:t>
+                        </m:r>
+                      </m:e>
+                      <m:sup>
+                        <m:r>
+                          <a:rPr kumimoji="1" lang="en-US" sz="2000" b="0" i="1" kern="0" smtClean="0">
+                            <a:latin typeface="Cambria Math" panose="02040503050406030204" pitchFamily="18" charset="0"/>
+                            <a:ea typeface="Cambria Math" panose="02040503050406030204" pitchFamily="18" charset="0"/>
+                            <a:cs typeface="Calibri" panose="020F0502020204030204" pitchFamily="34" charset="0"/>
+                          </a:rPr>
+                          <m:t>4</m:t>
+                        </m:r>
+                      </m:sup>
+                    </m:sSup>
+                    <m:r>
+                      <a:rPr kumimoji="1" lang="en-US" sz="2000" b="0" i="1" kern="0" smtClean="0">
+                        <a:latin typeface="Cambria Math" panose="02040503050406030204" pitchFamily="18" charset="0"/>
+                        <a:ea typeface="Cambria Math" panose="02040503050406030204" pitchFamily="18" charset="0"/>
+                        <a:cs typeface="Calibri" panose="020F0502020204030204" pitchFamily="34" charset="0"/>
+                      </a:rPr>
+                      <m:t> (</m:t>
+                    </m:r>
+                    <m:r>
+                      <a:rPr kumimoji="1" lang="en-US" sz="2000" b="0" i="1" kern="0" smtClean="0">
+                        <a:latin typeface="Cambria Math" panose="02040503050406030204" pitchFamily="18" charset="0"/>
+                        <a:ea typeface="Cambria Math" panose="02040503050406030204" pitchFamily="18" charset="0"/>
+                        <a:cs typeface="Calibri" panose="020F0502020204030204" pitchFamily="34" charset="0"/>
+                      </a:rPr>
+                      <m:t>𝑚𝑜𝑑</m:t>
+                    </m:r>
+                    <m:r>
+                      <a:rPr kumimoji="1" lang="en-US" sz="2000" b="0" i="1" kern="0" smtClean="0">
+                        <a:latin typeface="Cambria Math" panose="02040503050406030204" pitchFamily="18" charset="0"/>
+                        <a:ea typeface="Cambria Math" panose="02040503050406030204" pitchFamily="18" charset="0"/>
+                        <a:cs typeface="Calibri" panose="020F0502020204030204" pitchFamily="34" charset="0"/>
+                      </a:rPr>
+                      <m:t> 101)</m:t>
+                    </m:r>
+                  </m:oMath>
+                </a14:m>
+                <a:endParaRPr kumimoji="1" lang="en-US" sz="2000" b="0" i="0" u="none" strike="noStrike" kern="0" cap="none" spc="0" normalizeH="0" baseline="0" noProof="0" dirty="0">
+                  <a:ln>
+                    <a:noFill/>
+                  </a:ln>
+                  <a:solidFill>
+                    <a:schemeClr val="tx1"/>
+                  </a:solidFill>
+                  <a:effectLst/>
+                  <a:uLnTx/>
+                  <a:uFillTx/>
+                  <a:latin typeface="Calibri" panose="020F0502020204030204" pitchFamily="34" charset="0"/>
+                  <a:cs typeface="Calibri" panose="020F0502020204030204" pitchFamily="34" charset="0"/>
+                </a:endParaRPr>
+              </a:p>
+              <a:p>
+                <a:pPr marL="342900" lvl="0" indent="-342900">
+                  <a:lnSpc>
+                    <a:spcPct val="90000"/>
+                  </a:lnSpc>
+                  <a:spcBef>
+                    <a:spcPct val="20000"/>
+                  </a:spcBef>
+                  <a:buFontTx/>
+                  <a:buChar char="•"/>
+                </a:pPr>
+                <a:r>
+                  <a:rPr kumimoji="1" lang="en-US" sz="2000" kern="0" dirty="0">
+                    <a:latin typeface="Calibri" panose="020F0502020204030204" pitchFamily="34" charset="0"/>
+                    <a:cs typeface="Calibri" panose="020F0502020204030204" pitchFamily="34" charset="0"/>
+                  </a:rPr>
+                  <a:t>So, </a:t>
+                </a:r>
+                <a14:m>
+                  <m:oMath xmlns:m="http://schemas.openxmlformats.org/officeDocument/2006/math">
+                    <m:sSup>
+                      <m:sSupPr>
+                        <m:ctrlPr>
+                          <a:rPr kumimoji="1" lang="en-US" sz="2000" i="1" kern="0" smtClean="0">
+                            <a:latin typeface="Cambria Math" panose="02040503050406030204" pitchFamily="18" charset="0"/>
+                            <a:cs typeface="Calibri" panose="020F0502020204030204" pitchFamily="34" charset="0"/>
+                          </a:rPr>
+                        </m:ctrlPr>
+                      </m:sSupPr>
+                      <m:e>
+                        <m:r>
+                          <a:rPr kumimoji="1" lang="en-US" sz="2000" b="0" i="1" kern="0" smtClean="0">
+                            <a:latin typeface="Cambria Math" panose="02040503050406030204" pitchFamily="18" charset="0"/>
+                            <a:cs typeface="Calibri" panose="020F0502020204030204" pitchFamily="34" charset="0"/>
+                          </a:rPr>
+                          <m:t>3</m:t>
+                        </m:r>
+                      </m:e>
+                      <m:sup>
+                        <m:r>
+                          <a:rPr kumimoji="1" lang="en-US" sz="2000" b="0" i="1" kern="0" smtClean="0">
+                            <a:latin typeface="Cambria Math" panose="02040503050406030204" pitchFamily="18" charset="0"/>
+                            <a:cs typeface="Calibri" panose="020F0502020204030204" pitchFamily="34" charset="0"/>
+                          </a:rPr>
+                          <m:t>24</m:t>
+                        </m:r>
+                      </m:sup>
+                    </m:sSup>
+                    <m:r>
+                      <a:rPr kumimoji="1" lang="en-US" sz="2000" b="0" i="1" kern="0" smtClean="0">
+                        <a:latin typeface="Cambria Math" panose="02040503050406030204" pitchFamily="18" charset="0"/>
+                        <a:cs typeface="Calibri" panose="020F0502020204030204" pitchFamily="34" charset="0"/>
+                      </a:rPr>
+                      <m:t>=37 (</m:t>
+                    </m:r>
+                    <m:r>
+                      <a:rPr kumimoji="1" lang="en-US" sz="2000" b="0" i="1" kern="0" smtClean="0">
+                        <a:latin typeface="Cambria Math" panose="02040503050406030204" pitchFamily="18" charset="0"/>
+                        <a:cs typeface="Calibri" panose="020F0502020204030204" pitchFamily="34" charset="0"/>
+                      </a:rPr>
+                      <m:t>𝑚𝑜𝑑</m:t>
+                    </m:r>
+                    <m:r>
+                      <a:rPr kumimoji="1" lang="en-US" sz="2000" b="0" i="1" kern="0" smtClean="0">
+                        <a:latin typeface="Cambria Math" panose="02040503050406030204" pitchFamily="18" charset="0"/>
+                        <a:cs typeface="Calibri" panose="020F0502020204030204" pitchFamily="34" charset="0"/>
+                      </a:rPr>
+                      <m:t> 101)</m:t>
+                    </m:r>
+                  </m:oMath>
+                </a14:m>
+                <a:r>
+                  <a:rPr kumimoji="1" lang="en-US" sz="2000" kern="0" dirty="0">
+                    <a:latin typeface="Calibri" panose="020F0502020204030204" pitchFamily="34" charset="0"/>
+                    <a:cs typeface="Calibri" panose="020F0502020204030204" pitchFamily="34" charset="0"/>
+                  </a:rPr>
+                  <a:t> </a:t>
+                </a:r>
+              </a:p>
+              <a:p>
+                <a:pPr marL="342900" lvl="0" indent="-342900">
+                  <a:lnSpc>
+                    <a:spcPct val="90000"/>
+                  </a:lnSpc>
+                  <a:spcBef>
+                    <a:spcPct val="20000"/>
+                  </a:spcBef>
+                  <a:buFontTx/>
+                  <a:buChar char="•"/>
+                </a:pPr>
+                <a:r>
+                  <a:rPr kumimoji="1" lang="en-US" sz="2000" kern="0" dirty="0">
+                    <a:latin typeface="Calibri" panose="020F0502020204030204" pitchFamily="34" charset="0"/>
+                    <a:cs typeface="Calibri" panose="020F0502020204030204" pitchFamily="34" charset="0"/>
+                  </a:rPr>
+                  <a:t>L</a:t>
+                </a:r>
+                <a:r>
+                  <a:rPr kumimoji="1" lang="en-US" sz="2000" kern="0" baseline="-25000" dirty="0">
+                    <a:latin typeface="Calibri" panose="020F0502020204030204" pitchFamily="34" charset="0"/>
+                    <a:cs typeface="Calibri" panose="020F0502020204030204" pitchFamily="34" charset="0"/>
+                  </a:rPr>
+                  <a:t>101</a:t>
+                </a:r>
+                <a:r>
+                  <a:rPr kumimoji="1" lang="en-US" sz="2000" kern="0" dirty="0">
+                    <a:latin typeface="Calibri" panose="020F0502020204030204" pitchFamily="34" charset="0"/>
+                    <a:cs typeface="Calibri" panose="020F0502020204030204" pitchFamily="34" charset="0"/>
+                  </a:rPr>
+                  <a:t>(37)= 24.</a:t>
+                </a:r>
+                <a:endParaRPr kumimoji="1" lang="en-US" sz="2000" b="0" i="0" u="none" strike="noStrike" kern="0" cap="none" spc="0" normalizeH="0" baseline="0" noProof="0" dirty="0">
+                  <a:ln>
+                    <a:noFill/>
+                  </a:ln>
+                  <a:solidFill>
+                    <a:schemeClr val="tx1"/>
+                  </a:solidFill>
+                  <a:effectLst/>
+                  <a:uLnTx/>
+                  <a:uFillTx/>
+                  <a:latin typeface="Calibri" panose="020F0502020204030204" pitchFamily="34" charset="0"/>
+                  <a:cs typeface="Calibri" panose="020F0502020204030204" pitchFamily="34" charset="0"/>
+                </a:endParaRPr>
+              </a:p>
+            </p:txBody>
+          </p:sp>
+        </mc:Choice>
+        <mc:Fallback xmlns="">
+          <p:sp>
+            <p:nvSpPr>
+              <p:cNvPr id="8" name="Rectangle 3"/>
+              <p:cNvSpPr txBox="1">
+                <a:spLocks noRot="1" noChangeAspect="1" noMove="1" noResize="1" noEditPoints="1" noAdjustHandles="1" noChangeArrowheads="1" noChangeShapeType="1" noTextEdit="1"/>
+              </p:cNvSpPr>
+              <p:nvPr/>
+            </p:nvSpPr>
+            <p:spPr bwMode="auto">
+              <a:xfrm>
+                <a:off x="609600" y="4717473"/>
+                <a:ext cx="8001000" cy="1302327"/>
+              </a:xfrm>
+              <a:prstGeom prst="rect">
+                <a:avLst/>
+              </a:prstGeom>
+              <a:blipFill>
+                <a:blip r:embed="rId4"/>
+                <a:stretch>
+                  <a:fillRect l="-792" t="-5769"/>
+                </a:stretch>
+              </a:blipFill>
+              <a:ln w="9525">
+                <a:noFill/>
+                <a:miter lim="800000"/>
+                <a:headEnd/>
+                <a:tailEnd/>
+              </a:ln>
+            </p:spPr>
+            <p:txBody>
+              <a:bodyPr/>
+              <a:lstStyle/>
+              <a:p>
+                <a:r>
+                  <a:rPr lang="en-US">
+                    <a:noFill/>
+                  </a:rPr>
+                  <a:t> </a:t>
+                </a:r>
+              </a:p>
+            </p:txBody>
+          </p:sp>
+        </mc:Fallback>
+      </mc:AlternateContent>
     </p:spTree>
   </p:cSld>
   <p:clrMapOvr>
@@ -13186,8 +13359,8 @@
           </a:p>
         </p:txBody>
       </p:sp>
-      <mc:AlternateContent xmlns:mc="http://schemas.openxmlformats.org/markup-compatibility/2006">
-        <mc:Choice xmlns:a14="http://schemas.microsoft.com/office/drawing/2010/main" Requires="a14">
+      <mc:AlternateContent xmlns:mc="http://schemas.openxmlformats.org/markup-compatibility/2006" xmlns:a14="http://schemas.microsoft.com/office/drawing/2010/main">
+        <mc:Choice Requires="a14">
           <p:sp>
             <p:nvSpPr>
               <p:cNvPr id="84996" name="Rectangle 2"/>
@@ -13247,7 +13420,7 @@
             </p:txBody>
           </p:sp>
         </mc:Choice>
-        <mc:Fallback>
+        <mc:Fallback xmlns="">
           <p:sp>
             <p:nvSpPr>
               <p:cNvPr id="84996" name="Rectangle 2"/>
@@ -16575,8 +16748,8 @@
           </a:p>
         </p:txBody>
       </p:sp>
-      <mc:AlternateContent xmlns:mc="http://schemas.openxmlformats.org/markup-compatibility/2006">
-        <mc:Choice xmlns:a14="http://schemas.microsoft.com/office/drawing/2010/main" Requires="a14">
+      <mc:AlternateContent xmlns:mc="http://schemas.openxmlformats.org/markup-compatibility/2006" xmlns:a14="http://schemas.microsoft.com/office/drawing/2010/main">
+        <mc:Choice Requires="a14">
           <p:sp>
             <p:nvSpPr>
               <p:cNvPr id="93189" name="Rectangle 3"/>
@@ -17570,7 +17743,7 @@
             </p:txBody>
           </p:sp>
         </mc:Choice>
-        <mc:Fallback>
+        <mc:Fallback xmlns="">
           <p:sp>
             <p:nvSpPr>
               <p:cNvPr id="93189" name="Rectangle 3"/>
@@ -17691,8 +17864,8 @@
           </a:p>
         </p:txBody>
       </p:sp>
-      <mc:AlternateContent xmlns:mc="http://schemas.openxmlformats.org/markup-compatibility/2006">
-        <mc:Choice xmlns:a14="http://schemas.microsoft.com/office/drawing/2010/main" Requires="a14">
+      <mc:AlternateContent xmlns:mc="http://schemas.openxmlformats.org/markup-compatibility/2006" xmlns:a14="http://schemas.microsoft.com/office/drawing/2010/main">
+        <mc:Choice Requires="a14">
           <p:sp>
             <p:nvSpPr>
               <p:cNvPr id="84997" name="Rectangle 3"/>
@@ -18169,7 +18342,7 @@
             </p:txBody>
           </p:sp>
         </mc:Choice>
-        <mc:Fallback>
+        <mc:Fallback xmlns="">
           <p:sp>
             <p:nvSpPr>
               <p:cNvPr id="84997" name="Rectangle 3"/>
@@ -20067,1107 +20240,1467 @@
           </a:p>
         </p:txBody>
       </p:sp>
-      <p:sp>
-        <p:nvSpPr>
-          <p:cNvPr id="84997" name="Rectangle 3"/>
-          <p:cNvSpPr>
-            <a:spLocks noGrp="1" noChangeArrowheads="1"/>
-          </p:cNvSpPr>
-          <p:nvPr>
-            <p:ph type="body" idx="1"/>
-          </p:nvPr>
-        </p:nvSpPr>
-        <p:spPr>
-          <a:xfrm>
-            <a:off x="419100" y="1600200"/>
-            <a:ext cx="8305800" cy="5105400"/>
-          </a:xfrm>
-        </p:spPr>
-        <p:txBody>
-          <a:bodyPr/>
-          <a:lstStyle/>
-          <a:p>
-            <a:pPr>
-              <a:lnSpc>
-                <a:spcPct val="90000"/>
-              </a:lnSpc>
-            </a:pPr>
-            <a:r>
-              <a:rPr lang="en-US" sz="2000" dirty="0">
-                <a:latin typeface="Calibri" panose="020F0502020204030204" pitchFamily="34" charset="0"/>
-                <a:cs typeface="Calibri" panose="020F0502020204030204" pitchFamily="34" charset="0"/>
-              </a:rPr>
-              <a:t>p=229. a=6.  &lt;a&gt;= F</a:t>
-            </a:r>
-            <a:r>
-              <a:rPr lang="en-US" sz="2000" baseline="-25000" dirty="0">
-                <a:latin typeface="Calibri" panose="020F0502020204030204" pitchFamily="34" charset="0"/>
-                <a:cs typeface="Calibri" panose="020F0502020204030204" pitchFamily="34" charset="0"/>
-              </a:rPr>
-              <a:t>229</a:t>
-            </a:r>
-            <a:r>
-              <a:rPr lang="en-US" sz="2000" dirty="0">
-                <a:latin typeface="Calibri" panose="020F0502020204030204" pitchFamily="34" charset="0"/>
-                <a:cs typeface="Calibri" panose="020F0502020204030204" pitchFamily="34" charset="0"/>
-              </a:rPr>
-              <a:t>*.  n=228.  b=13. S={2,3,5,7,11}.</a:t>
-            </a:r>
-          </a:p>
-          <a:p>
-            <a:pPr>
-              <a:lnSpc>
-                <a:spcPct val="90000"/>
-              </a:lnSpc>
-            </a:pPr>
-            <a:r>
-              <a:rPr lang="en-US" sz="2000" dirty="0">
-                <a:latin typeface="Calibri" panose="020F0502020204030204" pitchFamily="34" charset="0"/>
-                <a:cs typeface="Calibri" panose="020F0502020204030204" pitchFamily="34" charset="0"/>
-              </a:rPr>
-              <a:t>Step 1</a:t>
-            </a:r>
-          </a:p>
-          <a:p>
-            <a:pPr marL="914400" lvl="1" indent="-457200">
-              <a:lnSpc>
-                <a:spcPct val="90000"/>
-              </a:lnSpc>
-              <a:spcBef>
-                <a:spcPts val="200"/>
-              </a:spcBef>
-              <a:buFont typeface="+mj-lt"/>
-              <a:buAutoNum type="arabicPeriod"/>
-            </a:pPr>
-            <a:r>
-              <a:rPr lang="en-US" sz="1800" dirty="0">
-                <a:latin typeface="Calibri" panose="020F0502020204030204" pitchFamily="34" charset="0"/>
-                <a:cs typeface="Calibri" panose="020F0502020204030204" pitchFamily="34" charset="0"/>
-              </a:rPr>
-              <a:t>6</a:t>
-            </a:r>
-            <a:r>
-              <a:rPr lang="en-US" sz="1800" baseline="30000" dirty="0">
-                <a:latin typeface="Calibri" panose="020F0502020204030204" pitchFamily="34" charset="0"/>
-                <a:cs typeface="Calibri" panose="020F0502020204030204" pitchFamily="34" charset="0"/>
-              </a:rPr>
-              <a:t>100</a:t>
-            </a:r>
-            <a:r>
-              <a:rPr lang="en-US" sz="1800" dirty="0">
-                <a:latin typeface="Calibri" panose="020F0502020204030204" pitchFamily="34" charset="0"/>
-                <a:cs typeface="Calibri" panose="020F0502020204030204" pitchFamily="34" charset="0"/>
-              </a:rPr>
-              <a:t> (mod 229)= 180=  2</a:t>
-            </a:r>
-            <a:r>
-              <a:rPr lang="en-US" sz="1800" baseline="30000" dirty="0">
-                <a:latin typeface="Calibri" panose="020F0502020204030204" pitchFamily="34" charset="0"/>
-                <a:cs typeface="Calibri" panose="020F0502020204030204" pitchFamily="34" charset="0"/>
-              </a:rPr>
-              <a:t>2</a:t>
-            </a:r>
-            <a:r>
-              <a:rPr lang="en-US" sz="1800" dirty="0">
-                <a:latin typeface="Calibri" panose="020F0502020204030204" pitchFamily="34" charset="0"/>
-                <a:cs typeface="Calibri" panose="020F0502020204030204" pitchFamily="34" charset="0"/>
-              </a:rPr>
-              <a:t> x 3</a:t>
-            </a:r>
-            <a:r>
-              <a:rPr lang="en-US" sz="1800" baseline="30000" dirty="0">
-                <a:latin typeface="Calibri" panose="020F0502020204030204" pitchFamily="34" charset="0"/>
-                <a:cs typeface="Calibri" panose="020F0502020204030204" pitchFamily="34" charset="0"/>
-              </a:rPr>
-              <a:t>2</a:t>
-            </a:r>
-            <a:r>
-              <a:rPr lang="en-US" sz="1800" dirty="0">
-                <a:latin typeface="Calibri" panose="020F0502020204030204" pitchFamily="34" charset="0"/>
-                <a:cs typeface="Calibri" panose="020F0502020204030204" pitchFamily="34" charset="0"/>
-              </a:rPr>
-              <a:t> x 5</a:t>
-            </a:r>
-            <a:r>
-              <a:rPr lang="en-US" sz="1800" baseline="30000" dirty="0">
-                <a:latin typeface="Calibri" panose="020F0502020204030204" pitchFamily="34" charset="0"/>
-                <a:cs typeface="Calibri" panose="020F0502020204030204" pitchFamily="34" charset="0"/>
-              </a:rPr>
-              <a:t>1</a:t>
-            </a:r>
-            <a:r>
-              <a:rPr lang="en-US" sz="1800" dirty="0">
-                <a:latin typeface="Calibri" panose="020F0502020204030204" pitchFamily="34" charset="0"/>
-                <a:cs typeface="Calibri" panose="020F0502020204030204" pitchFamily="34" charset="0"/>
-              </a:rPr>
-              <a:t> x 7</a:t>
-            </a:r>
-            <a:r>
-              <a:rPr lang="en-US" sz="1800" baseline="30000" dirty="0">
-                <a:latin typeface="Calibri" panose="020F0502020204030204" pitchFamily="34" charset="0"/>
-                <a:cs typeface="Calibri" panose="020F0502020204030204" pitchFamily="34" charset="0"/>
-              </a:rPr>
-              <a:t>0</a:t>
-            </a:r>
-            <a:r>
-              <a:rPr lang="en-US" sz="1800" dirty="0">
-                <a:latin typeface="Calibri" panose="020F0502020204030204" pitchFamily="34" charset="0"/>
-                <a:cs typeface="Calibri" panose="020F0502020204030204" pitchFamily="34" charset="0"/>
-              </a:rPr>
-              <a:t> x 11</a:t>
-            </a:r>
-            <a:r>
-              <a:rPr lang="en-US" sz="1800" baseline="30000" dirty="0">
-                <a:latin typeface="Calibri" panose="020F0502020204030204" pitchFamily="34" charset="0"/>
-                <a:cs typeface="Calibri" panose="020F0502020204030204" pitchFamily="34" charset="0"/>
-              </a:rPr>
-              <a:t>0</a:t>
-            </a:r>
-            <a:r>
-              <a:rPr lang="en-US" sz="1800" dirty="0">
-                <a:latin typeface="Calibri" panose="020F0502020204030204" pitchFamily="34" charset="0"/>
-                <a:cs typeface="Calibri" panose="020F0502020204030204" pitchFamily="34" charset="0"/>
-              </a:rPr>
-              <a:t>.</a:t>
-            </a:r>
-          </a:p>
-          <a:p>
-            <a:pPr marL="914400" lvl="1" indent="-457200">
-              <a:lnSpc>
-                <a:spcPct val="90000"/>
-              </a:lnSpc>
-              <a:spcBef>
-                <a:spcPts val="200"/>
-              </a:spcBef>
-              <a:buFont typeface="+mj-lt"/>
-              <a:buAutoNum type="arabicPeriod"/>
-            </a:pPr>
-            <a:r>
-              <a:rPr lang="en-US" sz="1800" dirty="0">
-                <a:latin typeface="Calibri" panose="020F0502020204030204" pitchFamily="34" charset="0"/>
-                <a:cs typeface="Calibri" panose="020F0502020204030204" pitchFamily="34" charset="0"/>
-              </a:rPr>
-              <a:t>6</a:t>
-            </a:r>
-            <a:r>
-              <a:rPr lang="en-US" sz="1800" baseline="30000" dirty="0">
-                <a:latin typeface="Calibri" panose="020F0502020204030204" pitchFamily="34" charset="0"/>
-                <a:cs typeface="Calibri" panose="020F0502020204030204" pitchFamily="34" charset="0"/>
-              </a:rPr>
-              <a:t>18</a:t>
-            </a:r>
-            <a:r>
-              <a:rPr lang="en-US" sz="1800" dirty="0">
-                <a:latin typeface="Calibri" panose="020F0502020204030204" pitchFamily="34" charset="0"/>
-                <a:cs typeface="Calibri" panose="020F0502020204030204" pitchFamily="34" charset="0"/>
-              </a:rPr>
-              <a:t> (mod 229)=  176=  2</a:t>
-            </a:r>
-            <a:r>
-              <a:rPr lang="en-US" sz="1800" baseline="30000" dirty="0">
-                <a:latin typeface="Calibri" panose="020F0502020204030204" pitchFamily="34" charset="0"/>
-                <a:cs typeface="Calibri" panose="020F0502020204030204" pitchFamily="34" charset="0"/>
-              </a:rPr>
-              <a:t>4</a:t>
-            </a:r>
-            <a:r>
-              <a:rPr lang="en-US" sz="1800" dirty="0">
-                <a:latin typeface="Calibri" panose="020F0502020204030204" pitchFamily="34" charset="0"/>
-                <a:cs typeface="Calibri" panose="020F0502020204030204" pitchFamily="34" charset="0"/>
-              </a:rPr>
-              <a:t> x 3</a:t>
-            </a:r>
-            <a:r>
-              <a:rPr lang="en-US" sz="1800" baseline="30000" dirty="0">
-                <a:latin typeface="Calibri" panose="020F0502020204030204" pitchFamily="34" charset="0"/>
-                <a:cs typeface="Calibri" panose="020F0502020204030204" pitchFamily="34" charset="0"/>
-              </a:rPr>
-              <a:t>0</a:t>
-            </a:r>
-            <a:r>
-              <a:rPr lang="en-US" sz="1800" dirty="0">
-                <a:latin typeface="Calibri" panose="020F0502020204030204" pitchFamily="34" charset="0"/>
-                <a:cs typeface="Calibri" panose="020F0502020204030204" pitchFamily="34" charset="0"/>
-              </a:rPr>
-              <a:t> x 5</a:t>
-            </a:r>
-            <a:r>
-              <a:rPr lang="en-US" sz="1800" baseline="30000" dirty="0">
-                <a:latin typeface="Calibri" panose="020F0502020204030204" pitchFamily="34" charset="0"/>
-                <a:cs typeface="Calibri" panose="020F0502020204030204" pitchFamily="34" charset="0"/>
-              </a:rPr>
-              <a:t>0</a:t>
-            </a:r>
-            <a:r>
-              <a:rPr lang="en-US" sz="1800" dirty="0">
-                <a:latin typeface="Calibri" panose="020F0502020204030204" pitchFamily="34" charset="0"/>
-                <a:cs typeface="Calibri" panose="020F0502020204030204" pitchFamily="34" charset="0"/>
-              </a:rPr>
-              <a:t> x 7</a:t>
-            </a:r>
-            <a:r>
-              <a:rPr lang="en-US" sz="1800" baseline="30000" dirty="0">
-                <a:latin typeface="Calibri" panose="020F0502020204030204" pitchFamily="34" charset="0"/>
-                <a:cs typeface="Calibri" panose="020F0502020204030204" pitchFamily="34" charset="0"/>
-              </a:rPr>
-              <a:t>0</a:t>
-            </a:r>
-            <a:r>
-              <a:rPr lang="en-US" sz="1800" dirty="0">
-                <a:latin typeface="Calibri" panose="020F0502020204030204" pitchFamily="34" charset="0"/>
-                <a:cs typeface="Calibri" panose="020F0502020204030204" pitchFamily="34" charset="0"/>
-              </a:rPr>
-              <a:t> x 11</a:t>
-            </a:r>
-            <a:r>
-              <a:rPr lang="en-US" sz="1800" baseline="30000" dirty="0">
-                <a:latin typeface="Calibri" panose="020F0502020204030204" pitchFamily="34" charset="0"/>
-                <a:cs typeface="Calibri" panose="020F0502020204030204" pitchFamily="34" charset="0"/>
-              </a:rPr>
-              <a:t>1</a:t>
-            </a:r>
-            <a:r>
-              <a:rPr lang="en-US" sz="1800" dirty="0">
-                <a:latin typeface="Calibri" panose="020F0502020204030204" pitchFamily="34" charset="0"/>
-                <a:cs typeface="Calibri" panose="020F0502020204030204" pitchFamily="34" charset="0"/>
-              </a:rPr>
-              <a:t>.</a:t>
-            </a:r>
-          </a:p>
-          <a:p>
-            <a:pPr marL="914400" lvl="1" indent="-457200">
-              <a:lnSpc>
-                <a:spcPct val="90000"/>
-              </a:lnSpc>
-              <a:spcBef>
-                <a:spcPts val="200"/>
-              </a:spcBef>
-              <a:buFont typeface="+mj-lt"/>
-              <a:buAutoNum type="arabicPeriod"/>
-            </a:pPr>
-            <a:r>
-              <a:rPr lang="en-US" sz="1800" dirty="0">
-                <a:latin typeface="Calibri" panose="020F0502020204030204" pitchFamily="34" charset="0"/>
-                <a:cs typeface="Calibri" panose="020F0502020204030204" pitchFamily="34" charset="0"/>
-              </a:rPr>
-              <a:t>6</a:t>
-            </a:r>
-            <a:r>
-              <a:rPr lang="en-US" sz="1800" baseline="30000" dirty="0">
-                <a:latin typeface="Calibri" panose="020F0502020204030204" pitchFamily="34" charset="0"/>
-                <a:cs typeface="Calibri" panose="020F0502020204030204" pitchFamily="34" charset="0"/>
-              </a:rPr>
-              <a:t>12</a:t>
-            </a:r>
-            <a:r>
-              <a:rPr lang="en-US" sz="1800" dirty="0">
-                <a:latin typeface="Calibri" panose="020F0502020204030204" pitchFamily="34" charset="0"/>
-                <a:cs typeface="Calibri" panose="020F0502020204030204" pitchFamily="34" charset="0"/>
-              </a:rPr>
-              <a:t> (mod 229)=  165=  2</a:t>
-            </a:r>
-            <a:r>
-              <a:rPr lang="en-US" sz="1800" baseline="30000" dirty="0">
-                <a:latin typeface="Calibri" panose="020F0502020204030204" pitchFamily="34" charset="0"/>
-                <a:cs typeface="Calibri" panose="020F0502020204030204" pitchFamily="34" charset="0"/>
-              </a:rPr>
-              <a:t>0</a:t>
-            </a:r>
-            <a:r>
-              <a:rPr lang="en-US" sz="1800" dirty="0">
-                <a:latin typeface="Calibri" panose="020F0502020204030204" pitchFamily="34" charset="0"/>
-                <a:cs typeface="Calibri" panose="020F0502020204030204" pitchFamily="34" charset="0"/>
-              </a:rPr>
-              <a:t> x 3</a:t>
-            </a:r>
-            <a:r>
-              <a:rPr lang="en-US" sz="1800" baseline="30000" dirty="0">
-                <a:latin typeface="Calibri" panose="020F0502020204030204" pitchFamily="34" charset="0"/>
-                <a:cs typeface="Calibri" panose="020F0502020204030204" pitchFamily="34" charset="0"/>
-              </a:rPr>
-              <a:t>1</a:t>
-            </a:r>
-            <a:r>
-              <a:rPr lang="en-US" sz="1800" dirty="0">
-                <a:latin typeface="Calibri" panose="020F0502020204030204" pitchFamily="34" charset="0"/>
-                <a:cs typeface="Calibri" panose="020F0502020204030204" pitchFamily="34" charset="0"/>
-              </a:rPr>
-              <a:t> x 5</a:t>
-            </a:r>
-            <a:r>
-              <a:rPr lang="en-US" sz="1800" baseline="30000" dirty="0">
-                <a:latin typeface="Calibri" panose="020F0502020204030204" pitchFamily="34" charset="0"/>
-                <a:cs typeface="Calibri" panose="020F0502020204030204" pitchFamily="34" charset="0"/>
-              </a:rPr>
-              <a:t>1</a:t>
-            </a:r>
-            <a:r>
-              <a:rPr lang="en-US" sz="1800" dirty="0">
-                <a:latin typeface="Calibri" panose="020F0502020204030204" pitchFamily="34" charset="0"/>
-                <a:cs typeface="Calibri" panose="020F0502020204030204" pitchFamily="34" charset="0"/>
-              </a:rPr>
-              <a:t> x 7</a:t>
-            </a:r>
-            <a:r>
-              <a:rPr lang="en-US" sz="1800" baseline="30000" dirty="0">
-                <a:latin typeface="Calibri" panose="020F0502020204030204" pitchFamily="34" charset="0"/>
-                <a:cs typeface="Calibri" panose="020F0502020204030204" pitchFamily="34" charset="0"/>
-              </a:rPr>
-              <a:t>0</a:t>
-            </a:r>
-            <a:r>
-              <a:rPr lang="en-US" sz="1800" dirty="0">
-                <a:latin typeface="Calibri" panose="020F0502020204030204" pitchFamily="34" charset="0"/>
-                <a:cs typeface="Calibri" panose="020F0502020204030204" pitchFamily="34" charset="0"/>
-              </a:rPr>
-              <a:t> </a:t>
-            </a:r>
-            <a:r>
-              <a:rPr lang="en-US" sz="1800" dirty="0" err="1">
-                <a:latin typeface="Calibri" panose="020F0502020204030204" pitchFamily="34" charset="0"/>
-                <a:cs typeface="Calibri" panose="020F0502020204030204" pitchFamily="34" charset="0"/>
-              </a:rPr>
-              <a:t>x</a:t>
-            </a:r>
-            <a:r>
-              <a:rPr lang="en-US" sz="1800" dirty="0">
-                <a:latin typeface="Calibri" panose="020F0502020204030204" pitchFamily="34" charset="0"/>
-                <a:cs typeface="Calibri" panose="020F0502020204030204" pitchFamily="34" charset="0"/>
-              </a:rPr>
-              <a:t> 11</a:t>
-            </a:r>
-            <a:r>
-              <a:rPr lang="en-US" sz="1800" baseline="30000" dirty="0">
-                <a:latin typeface="Calibri" panose="020F0502020204030204" pitchFamily="34" charset="0"/>
-                <a:cs typeface="Calibri" panose="020F0502020204030204" pitchFamily="34" charset="0"/>
-              </a:rPr>
-              <a:t>1</a:t>
-            </a:r>
-            <a:r>
-              <a:rPr lang="en-US" sz="1800" dirty="0">
-                <a:latin typeface="Calibri" panose="020F0502020204030204" pitchFamily="34" charset="0"/>
-                <a:cs typeface="Calibri" panose="020F0502020204030204" pitchFamily="34" charset="0"/>
-              </a:rPr>
-              <a:t>.</a:t>
-            </a:r>
-          </a:p>
-          <a:p>
-            <a:pPr marL="914400" lvl="1" indent="-457200">
-              <a:lnSpc>
-                <a:spcPct val="90000"/>
-              </a:lnSpc>
-              <a:spcBef>
-                <a:spcPts val="200"/>
-              </a:spcBef>
-              <a:buFont typeface="+mj-lt"/>
-              <a:buAutoNum type="arabicPeriod"/>
-            </a:pPr>
-            <a:r>
-              <a:rPr lang="en-US" sz="1800" dirty="0">
-                <a:latin typeface="Calibri" panose="020F0502020204030204" pitchFamily="34" charset="0"/>
-                <a:cs typeface="Calibri" panose="020F0502020204030204" pitchFamily="34" charset="0"/>
-              </a:rPr>
-              <a:t>6</a:t>
-            </a:r>
-            <a:r>
-              <a:rPr lang="en-US" sz="1800" baseline="30000" dirty="0">
-                <a:latin typeface="Calibri" panose="020F0502020204030204" pitchFamily="34" charset="0"/>
-                <a:cs typeface="Calibri" panose="020F0502020204030204" pitchFamily="34" charset="0"/>
-              </a:rPr>
-              <a:t>62</a:t>
-            </a:r>
-            <a:r>
-              <a:rPr lang="en-US" sz="1800" dirty="0">
-                <a:latin typeface="Calibri" panose="020F0502020204030204" pitchFamily="34" charset="0"/>
-                <a:cs typeface="Calibri" panose="020F0502020204030204" pitchFamily="34" charset="0"/>
-              </a:rPr>
-              <a:t> (mod 229)=  154=  2</a:t>
-            </a:r>
-            <a:r>
-              <a:rPr lang="en-US" sz="1800" baseline="30000" dirty="0">
-                <a:latin typeface="Calibri" panose="020F0502020204030204" pitchFamily="34" charset="0"/>
-                <a:cs typeface="Calibri" panose="020F0502020204030204" pitchFamily="34" charset="0"/>
-              </a:rPr>
-              <a:t>1</a:t>
-            </a:r>
-            <a:r>
-              <a:rPr lang="en-US" sz="1800" dirty="0">
-                <a:latin typeface="Calibri" panose="020F0502020204030204" pitchFamily="34" charset="0"/>
-                <a:cs typeface="Calibri" panose="020F0502020204030204" pitchFamily="34" charset="0"/>
-              </a:rPr>
-              <a:t> x 3</a:t>
-            </a:r>
-            <a:r>
-              <a:rPr lang="en-US" sz="1800" baseline="30000" dirty="0">
-                <a:latin typeface="Calibri" panose="020F0502020204030204" pitchFamily="34" charset="0"/>
-                <a:cs typeface="Calibri" panose="020F0502020204030204" pitchFamily="34" charset="0"/>
-              </a:rPr>
-              <a:t>0</a:t>
-            </a:r>
-            <a:r>
-              <a:rPr lang="en-US" sz="1800" dirty="0">
-                <a:latin typeface="Calibri" panose="020F0502020204030204" pitchFamily="34" charset="0"/>
-                <a:cs typeface="Calibri" panose="020F0502020204030204" pitchFamily="34" charset="0"/>
-              </a:rPr>
-              <a:t> x 5</a:t>
-            </a:r>
-            <a:r>
-              <a:rPr lang="en-US" sz="1800" baseline="30000" dirty="0">
-                <a:latin typeface="Calibri" panose="020F0502020204030204" pitchFamily="34" charset="0"/>
-                <a:cs typeface="Calibri" panose="020F0502020204030204" pitchFamily="34" charset="0"/>
-              </a:rPr>
-              <a:t>0</a:t>
-            </a:r>
-            <a:r>
-              <a:rPr lang="en-US" sz="1800" dirty="0">
-                <a:latin typeface="Calibri" panose="020F0502020204030204" pitchFamily="34" charset="0"/>
-                <a:cs typeface="Calibri" panose="020F0502020204030204" pitchFamily="34" charset="0"/>
-              </a:rPr>
-              <a:t> x 7</a:t>
-            </a:r>
-            <a:r>
-              <a:rPr lang="en-US" sz="1800" baseline="30000" dirty="0">
-                <a:latin typeface="Calibri" panose="020F0502020204030204" pitchFamily="34" charset="0"/>
-                <a:cs typeface="Calibri" panose="020F0502020204030204" pitchFamily="34" charset="0"/>
-              </a:rPr>
-              <a:t>1</a:t>
-            </a:r>
-            <a:r>
-              <a:rPr lang="en-US" sz="1800" dirty="0">
-                <a:latin typeface="Calibri" panose="020F0502020204030204" pitchFamily="34" charset="0"/>
-                <a:cs typeface="Calibri" panose="020F0502020204030204" pitchFamily="34" charset="0"/>
-              </a:rPr>
-              <a:t> x 11</a:t>
-            </a:r>
-            <a:r>
-              <a:rPr lang="en-US" sz="1800" baseline="30000" dirty="0">
-                <a:latin typeface="Calibri" panose="020F0502020204030204" pitchFamily="34" charset="0"/>
-                <a:cs typeface="Calibri" panose="020F0502020204030204" pitchFamily="34" charset="0"/>
-              </a:rPr>
-              <a:t>1</a:t>
-            </a:r>
-            <a:r>
-              <a:rPr lang="en-US" sz="1800" dirty="0">
-                <a:latin typeface="Calibri" panose="020F0502020204030204" pitchFamily="34" charset="0"/>
-                <a:cs typeface="Calibri" panose="020F0502020204030204" pitchFamily="34" charset="0"/>
-              </a:rPr>
-              <a:t>.</a:t>
-            </a:r>
-          </a:p>
-          <a:p>
-            <a:pPr marL="914400" lvl="1" indent="-457200">
-              <a:lnSpc>
-                <a:spcPct val="90000"/>
-              </a:lnSpc>
-              <a:spcBef>
-                <a:spcPts val="200"/>
-              </a:spcBef>
-              <a:buFont typeface="+mj-lt"/>
-              <a:buAutoNum type="arabicPeriod"/>
-            </a:pPr>
-            <a:r>
-              <a:rPr lang="en-US" sz="1800" dirty="0">
-                <a:latin typeface="Calibri" panose="020F0502020204030204" pitchFamily="34" charset="0"/>
-                <a:cs typeface="Calibri" panose="020F0502020204030204" pitchFamily="34" charset="0"/>
-              </a:rPr>
-              <a:t>6</a:t>
-            </a:r>
-            <a:r>
-              <a:rPr lang="en-US" sz="1800" baseline="30000" dirty="0">
-                <a:latin typeface="Calibri" panose="020F0502020204030204" pitchFamily="34" charset="0"/>
-                <a:cs typeface="Calibri" panose="020F0502020204030204" pitchFamily="34" charset="0"/>
-              </a:rPr>
-              <a:t>143</a:t>
-            </a:r>
-            <a:r>
-              <a:rPr lang="en-US" sz="1800" dirty="0">
-                <a:latin typeface="Calibri" panose="020F0502020204030204" pitchFamily="34" charset="0"/>
-                <a:cs typeface="Calibri" panose="020F0502020204030204" pitchFamily="34" charset="0"/>
-              </a:rPr>
-              <a:t> (mod 229)= 198=  2</a:t>
-            </a:r>
-            <a:r>
-              <a:rPr lang="en-US" sz="1800" baseline="30000" dirty="0">
-                <a:latin typeface="Calibri" panose="020F0502020204030204" pitchFamily="34" charset="0"/>
-                <a:cs typeface="Calibri" panose="020F0502020204030204" pitchFamily="34" charset="0"/>
-              </a:rPr>
-              <a:t>1</a:t>
-            </a:r>
-            <a:r>
-              <a:rPr lang="en-US" sz="1800" dirty="0">
-                <a:latin typeface="Calibri" panose="020F0502020204030204" pitchFamily="34" charset="0"/>
-                <a:cs typeface="Calibri" panose="020F0502020204030204" pitchFamily="34" charset="0"/>
-              </a:rPr>
-              <a:t> x 3</a:t>
-            </a:r>
-            <a:r>
-              <a:rPr lang="en-US" sz="1800" baseline="30000" dirty="0">
-                <a:latin typeface="Calibri" panose="020F0502020204030204" pitchFamily="34" charset="0"/>
-                <a:cs typeface="Calibri" panose="020F0502020204030204" pitchFamily="34" charset="0"/>
-              </a:rPr>
-              <a:t>2</a:t>
-            </a:r>
-            <a:r>
-              <a:rPr lang="en-US" sz="1800" dirty="0">
-                <a:latin typeface="Calibri" panose="020F0502020204030204" pitchFamily="34" charset="0"/>
-                <a:cs typeface="Calibri" panose="020F0502020204030204" pitchFamily="34" charset="0"/>
-              </a:rPr>
-              <a:t> x 5</a:t>
-            </a:r>
-            <a:r>
-              <a:rPr lang="en-US" sz="1800" baseline="30000" dirty="0">
-                <a:latin typeface="Calibri" panose="020F0502020204030204" pitchFamily="34" charset="0"/>
-                <a:cs typeface="Calibri" panose="020F0502020204030204" pitchFamily="34" charset="0"/>
-              </a:rPr>
-              <a:t>0</a:t>
-            </a:r>
-            <a:r>
-              <a:rPr lang="en-US" sz="1800" dirty="0">
-                <a:latin typeface="Calibri" panose="020F0502020204030204" pitchFamily="34" charset="0"/>
-                <a:cs typeface="Calibri" panose="020F0502020204030204" pitchFamily="34" charset="0"/>
-              </a:rPr>
-              <a:t> x 7</a:t>
-            </a:r>
-            <a:r>
-              <a:rPr lang="en-US" sz="1800" baseline="30000" dirty="0">
-                <a:latin typeface="Calibri" panose="020F0502020204030204" pitchFamily="34" charset="0"/>
-                <a:cs typeface="Calibri" panose="020F0502020204030204" pitchFamily="34" charset="0"/>
-              </a:rPr>
-              <a:t>0</a:t>
-            </a:r>
-            <a:r>
-              <a:rPr lang="en-US" sz="1800" dirty="0">
-                <a:latin typeface="Calibri" panose="020F0502020204030204" pitchFamily="34" charset="0"/>
-                <a:cs typeface="Calibri" panose="020F0502020204030204" pitchFamily="34" charset="0"/>
-              </a:rPr>
-              <a:t> x 11</a:t>
-            </a:r>
-            <a:r>
-              <a:rPr lang="en-US" sz="1800" baseline="30000" dirty="0">
-                <a:latin typeface="Calibri" panose="020F0502020204030204" pitchFamily="34" charset="0"/>
-                <a:cs typeface="Calibri" panose="020F0502020204030204" pitchFamily="34" charset="0"/>
-              </a:rPr>
-              <a:t>1</a:t>
-            </a:r>
-            <a:r>
-              <a:rPr lang="en-US" sz="1800" dirty="0">
-                <a:latin typeface="Calibri" panose="020F0502020204030204" pitchFamily="34" charset="0"/>
-                <a:cs typeface="Calibri" panose="020F0502020204030204" pitchFamily="34" charset="0"/>
-              </a:rPr>
-              <a:t>.</a:t>
-            </a:r>
-          </a:p>
-          <a:p>
-            <a:pPr marL="914400" lvl="1" indent="-457200">
-              <a:lnSpc>
-                <a:spcPct val="90000"/>
-              </a:lnSpc>
-              <a:spcBef>
-                <a:spcPts val="200"/>
-              </a:spcBef>
-              <a:buFont typeface="+mj-lt"/>
-              <a:buAutoNum type="arabicPeriod"/>
-            </a:pPr>
-            <a:r>
-              <a:rPr lang="en-US" sz="1800" dirty="0">
-                <a:latin typeface="Calibri" panose="020F0502020204030204" pitchFamily="34" charset="0"/>
-                <a:cs typeface="Calibri" panose="020F0502020204030204" pitchFamily="34" charset="0"/>
-              </a:rPr>
-              <a:t>6</a:t>
-            </a:r>
-            <a:r>
-              <a:rPr lang="en-US" sz="1800" baseline="30000" dirty="0">
-                <a:latin typeface="Calibri" panose="020F0502020204030204" pitchFamily="34" charset="0"/>
-                <a:cs typeface="Calibri" panose="020F0502020204030204" pitchFamily="34" charset="0"/>
-              </a:rPr>
-              <a:t>206</a:t>
-            </a:r>
-            <a:r>
-              <a:rPr lang="en-US" sz="1800" dirty="0">
-                <a:latin typeface="Calibri" panose="020F0502020204030204" pitchFamily="34" charset="0"/>
-                <a:cs typeface="Calibri" panose="020F0502020204030204" pitchFamily="34" charset="0"/>
-              </a:rPr>
-              <a:t> (mod 229)= 210=  2</a:t>
-            </a:r>
-            <a:r>
-              <a:rPr lang="en-US" sz="1800" baseline="30000" dirty="0">
-                <a:latin typeface="Calibri" panose="020F0502020204030204" pitchFamily="34" charset="0"/>
-                <a:cs typeface="Calibri" panose="020F0502020204030204" pitchFamily="34" charset="0"/>
-              </a:rPr>
-              <a:t>1</a:t>
-            </a:r>
-            <a:r>
-              <a:rPr lang="en-US" sz="1800" dirty="0">
-                <a:latin typeface="Calibri" panose="020F0502020204030204" pitchFamily="34" charset="0"/>
-                <a:cs typeface="Calibri" panose="020F0502020204030204" pitchFamily="34" charset="0"/>
-              </a:rPr>
-              <a:t> x 3</a:t>
-            </a:r>
-            <a:r>
-              <a:rPr lang="en-US" sz="1800" baseline="30000" dirty="0">
-                <a:latin typeface="Calibri" panose="020F0502020204030204" pitchFamily="34" charset="0"/>
-                <a:cs typeface="Calibri" panose="020F0502020204030204" pitchFamily="34" charset="0"/>
-              </a:rPr>
-              <a:t>1</a:t>
-            </a:r>
-            <a:r>
-              <a:rPr lang="en-US" sz="1800" dirty="0">
-                <a:latin typeface="Calibri" panose="020F0502020204030204" pitchFamily="34" charset="0"/>
-                <a:cs typeface="Calibri" panose="020F0502020204030204" pitchFamily="34" charset="0"/>
-              </a:rPr>
-              <a:t> x 5</a:t>
-            </a:r>
-            <a:r>
-              <a:rPr lang="en-US" sz="1800" baseline="30000" dirty="0">
-                <a:latin typeface="Calibri" panose="020F0502020204030204" pitchFamily="34" charset="0"/>
-                <a:cs typeface="Calibri" panose="020F0502020204030204" pitchFamily="34" charset="0"/>
-              </a:rPr>
-              <a:t>1</a:t>
-            </a:r>
-            <a:r>
-              <a:rPr lang="en-US" sz="1800" dirty="0">
-                <a:latin typeface="Calibri" panose="020F0502020204030204" pitchFamily="34" charset="0"/>
-                <a:cs typeface="Calibri" panose="020F0502020204030204" pitchFamily="34" charset="0"/>
-              </a:rPr>
-              <a:t> x 7</a:t>
-            </a:r>
-            <a:r>
-              <a:rPr lang="en-US" sz="1800" baseline="30000" dirty="0">
-                <a:latin typeface="Calibri" panose="020F0502020204030204" pitchFamily="34" charset="0"/>
-                <a:cs typeface="Calibri" panose="020F0502020204030204" pitchFamily="34" charset="0"/>
-              </a:rPr>
-              <a:t>1</a:t>
-            </a:r>
-            <a:r>
-              <a:rPr lang="en-US" sz="1800" dirty="0">
-                <a:latin typeface="Calibri" panose="020F0502020204030204" pitchFamily="34" charset="0"/>
-                <a:cs typeface="Calibri" panose="020F0502020204030204" pitchFamily="34" charset="0"/>
-              </a:rPr>
-              <a:t> x 11</a:t>
-            </a:r>
-            <a:r>
-              <a:rPr lang="en-US" sz="1800" baseline="30000" dirty="0">
-                <a:latin typeface="Calibri" panose="020F0502020204030204" pitchFamily="34" charset="0"/>
-                <a:cs typeface="Calibri" panose="020F0502020204030204" pitchFamily="34" charset="0"/>
-              </a:rPr>
-              <a:t>0</a:t>
-            </a:r>
-            <a:r>
-              <a:rPr lang="en-US" sz="1800" dirty="0">
-                <a:latin typeface="Calibri" panose="020F0502020204030204" pitchFamily="34" charset="0"/>
-                <a:cs typeface="Calibri" panose="020F0502020204030204" pitchFamily="34" charset="0"/>
-              </a:rPr>
-              <a:t>.</a:t>
-            </a:r>
-          </a:p>
-          <a:p>
-            <a:pPr marL="514350" indent="-457200">
-              <a:lnSpc>
-                <a:spcPct val="90000"/>
-              </a:lnSpc>
-              <a:spcBef>
-                <a:spcPts val="200"/>
-              </a:spcBef>
-            </a:pPr>
-            <a:r>
-              <a:rPr lang="en-US" sz="2000" dirty="0">
-                <a:latin typeface="Calibri" panose="020F0502020204030204" pitchFamily="34" charset="0"/>
-                <a:cs typeface="Calibri" panose="020F0502020204030204" pitchFamily="34" charset="0"/>
-              </a:rPr>
-              <a:t>Taking L</a:t>
-            </a:r>
-            <a:r>
-              <a:rPr lang="en-US" sz="2000" baseline="-25000" dirty="0">
-                <a:latin typeface="Calibri" panose="020F0502020204030204" pitchFamily="34" charset="0"/>
-                <a:cs typeface="Calibri" panose="020F0502020204030204" pitchFamily="34" charset="0"/>
-              </a:rPr>
-              <a:t>a</a:t>
-            </a:r>
-            <a:r>
-              <a:rPr lang="en-US" sz="2000" dirty="0">
-                <a:latin typeface="Calibri" panose="020F0502020204030204" pitchFamily="34" charset="0"/>
-                <a:cs typeface="Calibri" panose="020F0502020204030204" pitchFamily="34" charset="0"/>
-              </a:rPr>
-              <a:t>() of both sides, we get:</a:t>
-            </a:r>
-          </a:p>
-          <a:p>
-            <a:pPr marL="914400" lvl="1" indent="-457200">
-              <a:lnSpc>
-                <a:spcPct val="90000"/>
-              </a:lnSpc>
-              <a:spcBef>
-                <a:spcPts val="200"/>
-              </a:spcBef>
-              <a:buFont typeface="+mj-lt"/>
-              <a:buAutoNum type="arabicPeriod"/>
-            </a:pPr>
-            <a:r>
-              <a:rPr lang="en-US" sz="1800" dirty="0">
-                <a:latin typeface="Calibri" panose="020F0502020204030204" pitchFamily="34" charset="0"/>
-                <a:cs typeface="Calibri" panose="020F0502020204030204" pitchFamily="34" charset="0"/>
-              </a:rPr>
-              <a:t>100= 2 L</a:t>
-            </a:r>
-            <a:r>
-              <a:rPr lang="en-US" sz="1800" baseline="-25000" dirty="0">
-                <a:latin typeface="Calibri" panose="020F0502020204030204" pitchFamily="34" charset="0"/>
-                <a:cs typeface="Calibri" panose="020F0502020204030204" pitchFamily="34" charset="0"/>
-              </a:rPr>
-              <a:t>a</a:t>
-            </a:r>
-            <a:r>
-              <a:rPr lang="en-US" sz="1800" dirty="0">
-                <a:latin typeface="Calibri" panose="020F0502020204030204" pitchFamily="34" charset="0"/>
-                <a:cs typeface="Calibri" panose="020F0502020204030204" pitchFamily="34" charset="0"/>
-              </a:rPr>
-              <a:t>(2)+2L</a:t>
-            </a:r>
-            <a:r>
-              <a:rPr lang="en-US" sz="1800" baseline="-25000" dirty="0">
-                <a:latin typeface="Calibri" panose="020F0502020204030204" pitchFamily="34" charset="0"/>
-                <a:cs typeface="Calibri" panose="020F0502020204030204" pitchFamily="34" charset="0"/>
-              </a:rPr>
-              <a:t>a</a:t>
-            </a:r>
-            <a:r>
-              <a:rPr lang="en-US" sz="1800" dirty="0">
-                <a:latin typeface="Calibri" panose="020F0502020204030204" pitchFamily="34" charset="0"/>
-                <a:cs typeface="Calibri" panose="020F0502020204030204" pitchFamily="34" charset="0"/>
-              </a:rPr>
-              <a:t>(3)+L</a:t>
-            </a:r>
-            <a:r>
-              <a:rPr lang="en-US" sz="1800" baseline="-25000" dirty="0">
-                <a:latin typeface="Calibri" panose="020F0502020204030204" pitchFamily="34" charset="0"/>
-                <a:cs typeface="Calibri" panose="020F0502020204030204" pitchFamily="34" charset="0"/>
-              </a:rPr>
-              <a:t>a</a:t>
-            </a:r>
-            <a:r>
-              <a:rPr lang="en-US" sz="1800" dirty="0">
-                <a:latin typeface="Calibri" panose="020F0502020204030204" pitchFamily="34" charset="0"/>
-                <a:cs typeface="Calibri" panose="020F0502020204030204" pitchFamily="34" charset="0"/>
-              </a:rPr>
-              <a:t>(5)  (mod 228)</a:t>
-            </a:r>
-          </a:p>
-          <a:p>
-            <a:pPr marL="914400" lvl="1" indent="-457200">
-              <a:lnSpc>
-                <a:spcPct val="90000"/>
-              </a:lnSpc>
-              <a:spcBef>
-                <a:spcPts val="200"/>
-              </a:spcBef>
-              <a:buFont typeface="+mj-lt"/>
-              <a:buAutoNum type="arabicPeriod"/>
-            </a:pPr>
-            <a:r>
-              <a:rPr lang="en-US" sz="1800" dirty="0">
-                <a:latin typeface="Calibri" panose="020F0502020204030204" pitchFamily="34" charset="0"/>
-                <a:cs typeface="Calibri" panose="020F0502020204030204" pitchFamily="34" charset="0"/>
-              </a:rPr>
-              <a:t>18= 4L</a:t>
-            </a:r>
-            <a:r>
-              <a:rPr lang="en-US" sz="1800" baseline="-25000" dirty="0">
-                <a:latin typeface="Calibri" panose="020F0502020204030204" pitchFamily="34" charset="0"/>
-                <a:cs typeface="Calibri" panose="020F0502020204030204" pitchFamily="34" charset="0"/>
-              </a:rPr>
-              <a:t>a</a:t>
-            </a:r>
-            <a:r>
-              <a:rPr lang="en-US" sz="1800" dirty="0">
-                <a:latin typeface="Calibri" panose="020F0502020204030204" pitchFamily="34" charset="0"/>
-                <a:cs typeface="Calibri" panose="020F0502020204030204" pitchFamily="34" charset="0"/>
-              </a:rPr>
-              <a:t>(2)+L</a:t>
-            </a:r>
-            <a:r>
-              <a:rPr lang="en-US" sz="1800" baseline="-25000" dirty="0">
-                <a:latin typeface="Calibri" panose="020F0502020204030204" pitchFamily="34" charset="0"/>
-                <a:cs typeface="Calibri" panose="020F0502020204030204" pitchFamily="34" charset="0"/>
-              </a:rPr>
-              <a:t>a</a:t>
-            </a:r>
-            <a:r>
-              <a:rPr lang="en-US" sz="1800" dirty="0">
-                <a:latin typeface="Calibri" panose="020F0502020204030204" pitchFamily="34" charset="0"/>
-                <a:cs typeface="Calibri" panose="020F0502020204030204" pitchFamily="34" charset="0"/>
-              </a:rPr>
-              <a:t>(11) (mod 228)</a:t>
-            </a:r>
-          </a:p>
-          <a:p>
-            <a:pPr marL="914400" lvl="1" indent="-457200">
-              <a:lnSpc>
-                <a:spcPct val="90000"/>
-              </a:lnSpc>
-              <a:spcBef>
-                <a:spcPts val="200"/>
-              </a:spcBef>
-              <a:buFont typeface="+mj-lt"/>
-              <a:buAutoNum type="arabicPeriod"/>
-            </a:pPr>
-            <a:r>
-              <a:rPr lang="en-US" sz="1800" dirty="0">
-                <a:latin typeface="Calibri" panose="020F0502020204030204" pitchFamily="34" charset="0"/>
-                <a:cs typeface="Calibri" panose="020F0502020204030204" pitchFamily="34" charset="0"/>
-              </a:rPr>
-              <a:t>12= L</a:t>
-            </a:r>
-            <a:r>
-              <a:rPr lang="en-US" sz="1800" baseline="-25000" dirty="0">
-                <a:latin typeface="Calibri" panose="020F0502020204030204" pitchFamily="34" charset="0"/>
-                <a:cs typeface="Calibri" panose="020F0502020204030204" pitchFamily="34" charset="0"/>
-              </a:rPr>
-              <a:t>a</a:t>
-            </a:r>
-            <a:r>
-              <a:rPr lang="en-US" sz="1800" dirty="0">
-                <a:latin typeface="Calibri" panose="020F0502020204030204" pitchFamily="34" charset="0"/>
-                <a:cs typeface="Calibri" panose="020F0502020204030204" pitchFamily="34" charset="0"/>
-              </a:rPr>
-              <a:t>(3)+L</a:t>
-            </a:r>
-            <a:r>
-              <a:rPr lang="en-US" sz="1800" baseline="-25000" dirty="0">
-                <a:latin typeface="Calibri" panose="020F0502020204030204" pitchFamily="34" charset="0"/>
-                <a:cs typeface="Calibri" panose="020F0502020204030204" pitchFamily="34" charset="0"/>
-              </a:rPr>
-              <a:t>a</a:t>
-            </a:r>
-            <a:r>
-              <a:rPr lang="en-US" sz="1800" dirty="0">
-                <a:latin typeface="Calibri" panose="020F0502020204030204" pitchFamily="34" charset="0"/>
-                <a:cs typeface="Calibri" panose="020F0502020204030204" pitchFamily="34" charset="0"/>
-              </a:rPr>
-              <a:t>(5)+L</a:t>
-            </a:r>
-            <a:r>
-              <a:rPr lang="en-US" sz="1800" baseline="-25000" dirty="0">
-                <a:latin typeface="Calibri" panose="020F0502020204030204" pitchFamily="34" charset="0"/>
-                <a:cs typeface="Calibri" panose="020F0502020204030204" pitchFamily="34" charset="0"/>
-              </a:rPr>
-              <a:t>a</a:t>
-            </a:r>
-            <a:r>
-              <a:rPr lang="en-US" sz="1800" dirty="0">
-                <a:latin typeface="Calibri" panose="020F0502020204030204" pitchFamily="34" charset="0"/>
-                <a:cs typeface="Calibri" panose="020F0502020204030204" pitchFamily="34" charset="0"/>
-              </a:rPr>
-              <a:t>(11) (mod 228)</a:t>
-            </a:r>
-          </a:p>
-          <a:p>
-            <a:pPr marL="914400" lvl="1" indent="-457200">
-              <a:lnSpc>
-                <a:spcPct val="90000"/>
-              </a:lnSpc>
-              <a:spcBef>
-                <a:spcPts val="200"/>
-              </a:spcBef>
-              <a:buFont typeface="+mj-lt"/>
-              <a:buAutoNum type="arabicPeriod"/>
-            </a:pPr>
-            <a:r>
-              <a:rPr lang="en-US" sz="1800" dirty="0">
-                <a:latin typeface="Calibri" panose="020F0502020204030204" pitchFamily="34" charset="0"/>
-                <a:cs typeface="Calibri" panose="020F0502020204030204" pitchFamily="34" charset="0"/>
-              </a:rPr>
-              <a:t>62= L</a:t>
-            </a:r>
-            <a:r>
-              <a:rPr lang="en-US" sz="1800" baseline="-25000" dirty="0">
-                <a:latin typeface="Calibri" panose="020F0502020204030204" pitchFamily="34" charset="0"/>
-                <a:cs typeface="Calibri" panose="020F0502020204030204" pitchFamily="34" charset="0"/>
-              </a:rPr>
-              <a:t>a</a:t>
-            </a:r>
-            <a:r>
-              <a:rPr lang="en-US" sz="1800" dirty="0">
-                <a:latin typeface="Calibri" panose="020F0502020204030204" pitchFamily="34" charset="0"/>
-                <a:cs typeface="Calibri" panose="020F0502020204030204" pitchFamily="34" charset="0"/>
-              </a:rPr>
-              <a:t>(2)+L</a:t>
-            </a:r>
-            <a:r>
-              <a:rPr lang="en-US" sz="1800" baseline="-25000" dirty="0">
-                <a:latin typeface="Calibri" panose="020F0502020204030204" pitchFamily="34" charset="0"/>
-                <a:cs typeface="Calibri" panose="020F0502020204030204" pitchFamily="34" charset="0"/>
-              </a:rPr>
-              <a:t>a</a:t>
-            </a:r>
-            <a:r>
-              <a:rPr lang="en-US" sz="1800" dirty="0">
-                <a:latin typeface="Calibri" panose="020F0502020204030204" pitchFamily="34" charset="0"/>
-                <a:cs typeface="Calibri" panose="020F0502020204030204" pitchFamily="34" charset="0"/>
-              </a:rPr>
-              <a:t>(7)+L</a:t>
-            </a:r>
-            <a:r>
-              <a:rPr lang="en-US" sz="1800" baseline="-25000" dirty="0">
-                <a:latin typeface="Calibri" panose="020F0502020204030204" pitchFamily="34" charset="0"/>
-                <a:cs typeface="Calibri" panose="020F0502020204030204" pitchFamily="34" charset="0"/>
-              </a:rPr>
-              <a:t>a</a:t>
-            </a:r>
-            <a:r>
-              <a:rPr lang="en-US" sz="1800" dirty="0">
-                <a:latin typeface="Calibri" panose="020F0502020204030204" pitchFamily="34" charset="0"/>
-                <a:cs typeface="Calibri" panose="020F0502020204030204" pitchFamily="34" charset="0"/>
-              </a:rPr>
-              <a:t>(11) (mod 228)</a:t>
-            </a:r>
-          </a:p>
-          <a:p>
-            <a:pPr marL="914400" lvl="1" indent="-457200">
-              <a:lnSpc>
-                <a:spcPct val="90000"/>
-              </a:lnSpc>
-              <a:spcBef>
-                <a:spcPts val="200"/>
-              </a:spcBef>
-              <a:buFont typeface="+mj-lt"/>
-              <a:buAutoNum type="arabicPeriod"/>
-            </a:pPr>
-            <a:r>
-              <a:rPr lang="en-US" sz="1800" dirty="0">
-                <a:latin typeface="Calibri" panose="020F0502020204030204" pitchFamily="34" charset="0"/>
-                <a:cs typeface="Calibri" panose="020F0502020204030204" pitchFamily="34" charset="0"/>
-              </a:rPr>
-              <a:t>143=L</a:t>
-            </a:r>
-            <a:r>
-              <a:rPr lang="en-US" sz="1800" baseline="-25000" dirty="0">
-                <a:latin typeface="Calibri" panose="020F0502020204030204" pitchFamily="34" charset="0"/>
-                <a:cs typeface="Calibri" panose="020F0502020204030204" pitchFamily="34" charset="0"/>
-              </a:rPr>
-              <a:t>a</a:t>
-            </a:r>
-            <a:r>
-              <a:rPr lang="en-US" sz="1800" dirty="0">
-                <a:latin typeface="Calibri" panose="020F0502020204030204" pitchFamily="34" charset="0"/>
-                <a:cs typeface="Calibri" panose="020F0502020204030204" pitchFamily="34" charset="0"/>
-              </a:rPr>
-              <a:t>(2)+2L</a:t>
-            </a:r>
-            <a:r>
-              <a:rPr lang="en-US" sz="1800" baseline="-25000" dirty="0">
-                <a:latin typeface="Calibri" panose="020F0502020204030204" pitchFamily="34" charset="0"/>
-                <a:cs typeface="Calibri" panose="020F0502020204030204" pitchFamily="34" charset="0"/>
-              </a:rPr>
-              <a:t>a</a:t>
-            </a:r>
-            <a:r>
-              <a:rPr lang="en-US" sz="1800" dirty="0">
-                <a:latin typeface="Calibri" panose="020F0502020204030204" pitchFamily="34" charset="0"/>
-                <a:cs typeface="Calibri" panose="020F0502020204030204" pitchFamily="34" charset="0"/>
-              </a:rPr>
-              <a:t>(3)+L</a:t>
-            </a:r>
-            <a:r>
-              <a:rPr lang="en-US" sz="1800" baseline="-25000" dirty="0">
-                <a:latin typeface="Calibri" panose="020F0502020204030204" pitchFamily="34" charset="0"/>
-                <a:cs typeface="Calibri" panose="020F0502020204030204" pitchFamily="34" charset="0"/>
-              </a:rPr>
-              <a:t>a</a:t>
-            </a:r>
-            <a:r>
-              <a:rPr lang="en-US" sz="1800" dirty="0">
-                <a:latin typeface="Calibri" panose="020F0502020204030204" pitchFamily="34" charset="0"/>
-                <a:cs typeface="Calibri" panose="020F0502020204030204" pitchFamily="34" charset="0"/>
-              </a:rPr>
-              <a:t>(11) (mod 228)</a:t>
-            </a:r>
-          </a:p>
-          <a:p>
-            <a:pPr marL="914400" lvl="1" indent="-457200">
-              <a:lnSpc>
-                <a:spcPct val="90000"/>
-              </a:lnSpc>
-              <a:spcBef>
-                <a:spcPts val="200"/>
-              </a:spcBef>
-              <a:buFont typeface="+mj-lt"/>
-              <a:buAutoNum type="arabicPeriod"/>
-            </a:pPr>
-            <a:r>
-              <a:rPr lang="en-US" sz="1800" dirty="0">
-                <a:latin typeface="Calibri" panose="020F0502020204030204" pitchFamily="34" charset="0"/>
-                <a:cs typeface="Calibri" panose="020F0502020204030204" pitchFamily="34" charset="0"/>
-              </a:rPr>
-              <a:t>206= L</a:t>
-            </a:r>
-            <a:r>
-              <a:rPr lang="en-US" sz="1800" baseline="-25000" dirty="0">
-                <a:latin typeface="Calibri" panose="020F0502020204030204" pitchFamily="34" charset="0"/>
-                <a:cs typeface="Calibri" panose="020F0502020204030204" pitchFamily="34" charset="0"/>
-              </a:rPr>
-              <a:t>a</a:t>
-            </a:r>
-            <a:r>
-              <a:rPr lang="en-US" sz="1800" dirty="0">
-                <a:latin typeface="Calibri" panose="020F0502020204030204" pitchFamily="34" charset="0"/>
-                <a:cs typeface="Calibri" panose="020F0502020204030204" pitchFamily="34" charset="0"/>
-              </a:rPr>
-              <a:t>(2)+L</a:t>
-            </a:r>
-            <a:r>
-              <a:rPr lang="en-US" sz="1800" baseline="-25000" dirty="0">
-                <a:latin typeface="Calibri" panose="020F0502020204030204" pitchFamily="34" charset="0"/>
-                <a:cs typeface="Calibri" panose="020F0502020204030204" pitchFamily="34" charset="0"/>
-              </a:rPr>
-              <a:t>a</a:t>
-            </a:r>
-            <a:r>
-              <a:rPr lang="en-US" sz="1800" dirty="0">
-                <a:latin typeface="Calibri" panose="020F0502020204030204" pitchFamily="34" charset="0"/>
-                <a:cs typeface="Calibri" panose="020F0502020204030204" pitchFamily="34" charset="0"/>
-              </a:rPr>
-              <a:t>(3)+L</a:t>
-            </a:r>
-            <a:r>
-              <a:rPr lang="en-US" sz="1800" baseline="-25000" dirty="0">
-                <a:latin typeface="Calibri" panose="020F0502020204030204" pitchFamily="34" charset="0"/>
-                <a:cs typeface="Calibri" panose="020F0502020204030204" pitchFamily="34" charset="0"/>
-              </a:rPr>
-              <a:t>a</a:t>
-            </a:r>
-            <a:r>
-              <a:rPr lang="en-US" sz="1800" dirty="0">
-                <a:latin typeface="Calibri" panose="020F0502020204030204" pitchFamily="34" charset="0"/>
-                <a:cs typeface="Calibri" panose="020F0502020204030204" pitchFamily="34" charset="0"/>
-              </a:rPr>
-              <a:t>(5)+L</a:t>
-            </a:r>
-            <a:r>
-              <a:rPr lang="en-US" sz="1800" baseline="-25000" dirty="0">
-                <a:latin typeface="Calibri" panose="020F0502020204030204" pitchFamily="34" charset="0"/>
-                <a:cs typeface="Calibri" panose="020F0502020204030204" pitchFamily="34" charset="0"/>
-              </a:rPr>
-              <a:t>a</a:t>
-            </a:r>
-            <a:r>
-              <a:rPr lang="en-US" sz="1800" dirty="0">
-                <a:latin typeface="Calibri" panose="020F0502020204030204" pitchFamily="34" charset="0"/>
-                <a:cs typeface="Calibri" panose="020F0502020204030204" pitchFamily="34" charset="0"/>
-              </a:rPr>
-              <a:t>(7) (mod 228)</a:t>
-            </a:r>
-          </a:p>
-          <a:p>
-            <a:pPr marL="914400" lvl="1" indent="-457200">
-              <a:lnSpc>
-                <a:spcPct val="90000"/>
-              </a:lnSpc>
-              <a:buNone/>
-            </a:pPr>
-            <a:endParaRPr lang="en-US" sz="2000" dirty="0"/>
-          </a:p>
-        </p:txBody>
-      </p:sp>
+      <mc:AlternateContent xmlns:mc="http://schemas.openxmlformats.org/markup-compatibility/2006">
+        <mc:Choice xmlns:a14="http://schemas.microsoft.com/office/drawing/2010/main" Requires="a14">
+          <p:sp>
+            <p:nvSpPr>
+              <p:cNvPr id="84997" name="Rectangle 3"/>
+              <p:cNvSpPr>
+                <a:spLocks noGrp="1" noChangeArrowheads="1"/>
+              </p:cNvSpPr>
+              <p:nvPr>
+                <p:ph type="body" idx="1"/>
+              </p:nvPr>
+            </p:nvSpPr>
+            <p:spPr>
+              <a:xfrm>
+                <a:off x="419100" y="1371600"/>
+                <a:ext cx="8305800" cy="5181600"/>
+              </a:xfrm>
+            </p:spPr>
+            <p:txBody>
+              <a:bodyPr/>
+              <a:lstStyle/>
+              <a:p>
+                <a:pPr>
+                  <a:lnSpc>
+                    <a:spcPct val="90000"/>
+                  </a:lnSpc>
+                </a:pPr>
+                <a14:m>
+                  <m:oMath xmlns:m="http://schemas.openxmlformats.org/officeDocument/2006/math">
+                    <m:r>
+                      <a:rPr lang="en-US" sz="2000" i="1" dirty="0" smtClean="0">
+                        <a:latin typeface="Cambria Math" panose="02040503050406030204" pitchFamily="18" charset="0"/>
+                        <a:cs typeface="Calibri" panose="020F0502020204030204" pitchFamily="34" charset="0"/>
+                      </a:rPr>
+                      <m:t>𝑝</m:t>
+                    </m:r>
+                    <m:r>
+                      <a:rPr lang="en-US" sz="2000" i="1" dirty="0" smtClean="0">
+                        <a:latin typeface="Cambria Math" panose="02040503050406030204" pitchFamily="18" charset="0"/>
+                        <a:cs typeface="Calibri" panose="020F0502020204030204" pitchFamily="34" charset="0"/>
+                      </a:rPr>
+                      <m:t>=229. </m:t>
+                    </m:r>
+                    <m:r>
+                      <a:rPr lang="en-US" sz="2000" i="1" dirty="0" smtClean="0">
+                        <a:latin typeface="Cambria Math" panose="02040503050406030204" pitchFamily="18" charset="0"/>
+                        <a:cs typeface="Calibri" panose="020F0502020204030204" pitchFamily="34" charset="0"/>
+                      </a:rPr>
+                      <m:t>𝑔</m:t>
+                    </m:r>
+                    <m:r>
+                      <a:rPr lang="en-US" sz="2000" i="1" dirty="0" smtClean="0">
+                        <a:latin typeface="Cambria Math" panose="02040503050406030204" pitchFamily="18" charset="0"/>
+                        <a:cs typeface="Calibri" panose="020F0502020204030204" pitchFamily="34" charset="0"/>
+                      </a:rPr>
+                      <m:t>=6.  &lt;</m:t>
+                    </m:r>
+                    <m:r>
+                      <a:rPr lang="en-US" sz="2000" i="1" dirty="0" smtClean="0">
+                        <a:latin typeface="Cambria Math" panose="02040503050406030204" pitchFamily="18" charset="0"/>
+                        <a:cs typeface="Calibri" panose="020F0502020204030204" pitchFamily="34" charset="0"/>
+                      </a:rPr>
+                      <m:t>𝑔</m:t>
+                    </m:r>
+                    <m:r>
+                      <a:rPr lang="en-US" sz="2000" i="1" dirty="0" smtClean="0">
+                        <a:latin typeface="Cambria Math" panose="02040503050406030204" pitchFamily="18" charset="0"/>
+                        <a:cs typeface="Calibri" panose="020F0502020204030204" pitchFamily="34" charset="0"/>
+                      </a:rPr>
+                      <m:t>&gt;= </m:t>
+                    </m:r>
+                    <m:r>
+                      <a:rPr lang="en-US" sz="2000" i="1" dirty="0">
+                        <a:latin typeface="Cambria Math" panose="02040503050406030204" pitchFamily="18" charset="0"/>
+                        <a:cs typeface="Calibri" panose="020F0502020204030204" pitchFamily="34" charset="0"/>
+                      </a:rPr>
+                      <m:t>𝐹</m:t>
+                    </m:r>
+                    <m:r>
+                      <a:rPr lang="en-US" sz="2000" i="1" baseline="-25000" dirty="0">
+                        <a:latin typeface="Cambria Math" panose="02040503050406030204" pitchFamily="18" charset="0"/>
+                        <a:cs typeface="Calibri" panose="020F0502020204030204" pitchFamily="34" charset="0"/>
+                      </a:rPr>
+                      <m:t>229</m:t>
+                    </m:r>
+                    <m:r>
+                      <a:rPr lang="en-US" sz="2000" i="1" dirty="0">
+                        <a:latin typeface="Cambria Math" panose="02040503050406030204" pitchFamily="18" charset="0"/>
+                        <a:cs typeface="Calibri" panose="020F0502020204030204" pitchFamily="34" charset="0"/>
+                      </a:rPr>
+                      <m:t>∗.  </m:t>
+                    </m:r>
+                    <m:r>
+                      <a:rPr lang="en-US" sz="2000" i="1" dirty="0">
+                        <a:latin typeface="Cambria Math" panose="02040503050406030204" pitchFamily="18" charset="0"/>
+                        <a:cs typeface="Calibri" panose="020F0502020204030204" pitchFamily="34" charset="0"/>
+                      </a:rPr>
+                      <m:t>𝑛</m:t>
+                    </m:r>
+                    <m:r>
+                      <a:rPr lang="en-US" sz="2000" i="1" dirty="0">
+                        <a:latin typeface="Cambria Math" panose="02040503050406030204" pitchFamily="18" charset="0"/>
+                        <a:cs typeface="Calibri" panose="020F0502020204030204" pitchFamily="34" charset="0"/>
+                      </a:rPr>
+                      <m:t>=228.  </m:t>
+                    </m:r>
+                    <m:r>
+                      <a:rPr lang="en-US" sz="2000" i="1" dirty="0">
+                        <a:latin typeface="Cambria Math" panose="02040503050406030204" pitchFamily="18" charset="0"/>
+                        <a:cs typeface="Calibri" panose="020F0502020204030204" pitchFamily="34" charset="0"/>
+                      </a:rPr>
+                      <m:t>𝑏</m:t>
+                    </m:r>
+                    <m:r>
+                      <a:rPr lang="en-US" sz="2000" i="1" dirty="0">
+                        <a:latin typeface="Cambria Math" panose="02040503050406030204" pitchFamily="18" charset="0"/>
+                        <a:cs typeface="Calibri" panose="020F0502020204030204" pitchFamily="34" charset="0"/>
+                      </a:rPr>
+                      <m:t>=13.  </m:t>
+                    </m:r>
+                    <m:r>
+                      <a:rPr lang="en-US" sz="2000" i="1" dirty="0">
+                        <a:latin typeface="Cambria Math" panose="02040503050406030204" pitchFamily="18" charset="0"/>
+                        <a:cs typeface="Calibri" panose="020F0502020204030204" pitchFamily="34" charset="0"/>
+                      </a:rPr>
+                      <m:t>𝑆</m:t>
+                    </m:r>
+                    <m:r>
+                      <a:rPr lang="en-US" sz="2000" i="1" dirty="0">
+                        <a:latin typeface="Cambria Math" panose="02040503050406030204" pitchFamily="18" charset="0"/>
+                        <a:cs typeface="Calibri" panose="020F0502020204030204" pitchFamily="34" charset="0"/>
+                      </a:rPr>
+                      <m:t>=</m:t>
+                    </m:r>
+                    <m:d>
+                      <m:dPr>
+                        <m:begChr m:val="{"/>
+                        <m:endChr m:val="}"/>
+                        <m:ctrlPr>
+                          <a:rPr lang="en-US" sz="2000" i="1" dirty="0">
+                            <a:latin typeface="Cambria Math" panose="02040503050406030204" pitchFamily="18" charset="0"/>
+                            <a:cs typeface="Calibri" panose="020F0502020204030204" pitchFamily="34" charset="0"/>
+                          </a:rPr>
+                        </m:ctrlPr>
+                      </m:dPr>
+                      <m:e>
+                        <m:r>
+                          <a:rPr lang="en-US" sz="2000" i="1" dirty="0">
+                            <a:latin typeface="Cambria Math" panose="02040503050406030204" pitchFamily="18" charset="0"/>
+                            <a:cs typeface="Calibri" panose="020F0502020204030204" pitchFamily="34" charset="0"/>
+                          </a:rPr>
+                          <m:t>2,3,5,7,11</m:t>
+                        </m:r>
+                      </m:e>
+                    </m:d>
+                    <m:r>
+                      <a:rPr lang="en-US" sz="2000" i="1" dirty="0">
+                        <a:latin typeface="Cambria Math" panose="02040503050406030204" pitchFamily="18" charset="0"/>
+                        <a:cs typeface="Calibri" panose="020F0502020204030204" pitchFamily="34" charset="0"/>
+                      </a:rPr>
+                      <m:t>.</m:t>
+                    </m:r>
+                  </m:oMath>
+                </a14:m>
+                <a:endParaRPr lang="en-US" sz="2000" dirty="0">
+                  <a:latin typeface="Calibri" panose="020F0502020204030204" pitchFamily="34" charset="0"/>
+                  <a:cs typeface="Calibri" panose="020F0502020204030204" pitchFamily="34" charset="0"/>
+                </a:endParaRPr>
+              </a:p>
+              <a:p>
+                <a:pPr>
+                  <a:lnSpc>
+                    <a:spcPct val="90000"/>
+                  </a:lnSpc>
+                </a:pPr>
+                <a:endParaRPr lang="en-US" sz="2000" dirty="0">
+                  <a:latin typeface="Calibri" panose="020F0502020204030204" pitchFamily="34" charset="0"/>
+                  <a:cs typeface="Calibri" panose="020F0502020204030204" pitchFamily="34" charset="0"/>
+                </a:endParaRPr>
+              </a:p>
+              <a:p>
+                <a:pPr>
+                  <a:lnSpc>
+                    <a:spcPct val="90000"/>
+                  </a:lnSpc>
+                </a:pPr>
+                <a:r>
+                  <a:rPr lang="en-US" sz="2000" dirty="0">
+                    <a:latin typeface="Calibri" panose="020F0502020204030204" pitchFamily="34" charset="0"/>
+                    <a:cs typeface="Calibri" panose="020F0502020204030204" pitchFamily="34" charset="0"/>
+                  </a:rPr>
+                  <a:t>Step 1</a:t>
+                </a:r>
+              </a:p>
+              <a:p>
+                <a:pPr marL="914400" lvl="1" indent="-457200">
+                  <a:lnSpc>
+                    <a:spcPct val="90000"/>
+                  </a:lnSpc>
+                  <a:spcBef>
+                    <a:spcPts val="200"/>
+                  </a:spcBef>
+                  <a:buFont typeface="+mj-lt"/>
+                  <a:buAutoNum type="arabicPeriod"/>
+                </a:pPr>
+                <a14:m>
+                  <m:oMath xmlns:m="http://schemas.openxmlformats.org/officeDocument/2006/math">
+                    <m:r>
+                      <a:rPr lang="en-US" sz="1800" i="1" dirty="0" smtClean="0">
+                        <a:latin typeface="Cambria Math" panose="02040503050406030204" pitchFamily="18" charset="0"/>
+                        <a:cs typeface="Calibri" panose="020F0502020204030204" pitchFamily="34" charset="0"/>
+                      </a:rPr>
+                      <m:t>6</m:t>
+                    </m:r>
+                    <m:r>
+                      <a:rPr lang="en-US" sz="1800" i="1" baseline="30000" dirty="0">
+                        <a:latin typeface="Cambria Math" panose="02040503050406030204" pitchFamily="18" charset="0"/>
+                        <a:cs typeface="Calibri" panose="020F0502020204030204" pitchFamily="34" charset="0"/>
+                      </a:rPr>
+                      <m:t>100</m:t>
+                    </m:r>
+                    <m:r>
+                      <a:rPr lang="en-US" sz="1800" i="1" dirty="0">
+                        <a:latin typeface="Cambria Math" panose="02040503050406030204" pitchFamily="18" charset="0"/>
+                        <a:cs typeface="Calibri" panose="020F0502020204030204" pitchFamily="34" charset="0"/>
+                      </a:rPr>
+                      <m:t> (</m:t>
+                    </m:r>
+                    <m:r>
+                      <a:rPr lang="en-US" sz="1800" i="1" dirty="0">
+                        <a:latin typeface="Cambria Math" panose="02040503050406030204" pitchFamily="18" charset="0"/>
+                        <a:cs typeface="Calibri" panose="020F0502020204030204" pitchFamily="34" charset="0"/>
+                      </a:rPr>
+                      <m:t>𝑚𝑜𝑑</m:t>
+                    </m:r>
+                    <m:r>
+                      <a:rPr lang="en-US" sz="1800" i="1" dirty="0">
+                        <a:latin typeface="Cambria Math" panose="02040503050406030204" pitchFamily="18" charset="0"/>
+                        <a:cs typeface="Calibri" panose="020F0502020204030204" pitchFamily="34" charset="0"/>
+                      </a:rPr>
+                      <m:t> 229)= 180=  22 ∙ 32∙51∙70∙110</m:t>
+                    </m:r>
+                    <m:r>
+                      <a:rPr lang="en-US" sz="1800" i="1" dirty="0">
+                        <a:latin typeface="Cambria Math" panose="02040503050406030204" pitchFamily="18" charset="0"/>
+                        <a:cs typeface="Calibri" panose="020F0502020204030204" pitchFamily="34" charset="0"/>
+                      </a:rPr>
+                      <m:t>.</m:t>
+                    </m:r>
+                  </m:oMath>
+                </a14:m>
+                <a:endParaRPr lang="en-US" sz="1800" dirty="0">
+                  <a:latin typeface="Calibri" panose="020F0502020204030204" pitchFamily="34" charset="0"/>
+                  <a:cs typeface="Calibri" panose="020F0502020204030204" pitchFamily="34" charset="0"/>
+                </a:endParaRPr>
+              </a:p>
+              <a:p>
+                <a:pPr marL="914400" lvl="1" indent="-457200">
+                  <a:lnSpc>
+                    <a:spcPct val="90000"/>
+                  </a:lnSpc>
+                  <a:spcBef>
+                    <a:spcPts val="200"/>
+                  </a:spcBef>
+                  <a:buFont typeface="+mj-lt"/>
+                  <a:buAutoNum type="arabicPeriod"/>
+                </a:pPr>
+                <a14:m>
+                  <m:oMath xmlns:m="http://schemas.openxmlformats.org/officeDocument/2006/math">
+                    <m:r>
+                      <a:rPr lang="en-US" sz="1800" i="1" dirty="0" smtClean="0">
+                        <a:latin typeface="Cambria Math" panose="02040503050406030204" pitchFamily="18" charset="0"/>
+                        <a:cs typeface="Calibri" panose="020F0502020204030204" pitchFamily="34" charset="0"/>
+                      </a:rPr>
+                      <m:t>6</m:t>
+                    </m:r>
+                    <m:r>
+                      <a:rPr lang="en-US" sz="1800" i="1" baseline="30000" dirty="0">
+                        <a:latin typeface="Cambria Math" panose="02040503050406030204" pitchFamily="18" charset="0"/>
+                        <a:cs typeface="Calibri" panose="020F0502020204030204" pitchFamily="34" charset="0"/>
+                      </a:rPr>
+                      <m:t>18</m:t>
+                    </m:r>
+                    <m:r>
+                      <a:rPr lang="en-US" sz="1800" i="1" dirty="0">
+                        <a:latin typeface="Cambria Math" panose="02040503050406030204" pitchFamily="18" charset="0"/>
+                        <a:cs typeface="Calibri" panose="020F0502020204030204" pitchFamily="34" charset="0"/>
+                      </a:rPr>
+                      <m:t> (</m:t>
+                    </m:r>
+                    <m:r>
+                      <a:rPr lang="en-US" sz="1800" i="1" dirty="0">
+                        <a:latin typeface="Cambria Math" panose="02040503050406030204" pitchFamily="18" charset="0"/>
+                        <a:cs typeface="Calibri" panose="020F0502020204030204" pitchFamily="34" charset="0"/>
+                      </a:rPr>
+                      <m:t>𝑚𝑜𝑑</m:t>
+                    </m:r>
+                    <m:r>
+                      <a:rPr lang="en-US" sz="1800" i="1" dirty="0">
+                        <a:latin typeface="Cambria Math" panose="02040503050406030204" pitchFamily="18" charset="0"/>
+                        <a:cs typeface="Calibri" panose="020F0502020204030204" pitchFamily="34" charset="0"/>
+                      </a:rPr>
+                      <m:t> 229)=  176=  24∙30∙50 </m:t>
+                    </m:r>
+                    <m:r>
+                      <a:rPr lang="en-US" sz="1800" i="1" dirty="0">
+                        <a:latin typeface="Cambria Math" panose="02040503050406030204" pitchFamily="18" charset="0"/>
+                        <a:cs typeface="Calibri" panose="020F0502020204030204" pitchFamily="34" charset="0"/>
+                      </a:rPr>
+                      <m:t>𝑥</m:t>
+                    </m:r>
+                    <m:r>
+                      <a:rPr lang="en-US" sz="1800" i="1" dirty="0">
+                        <a:latin typeface="Cambria Math" panose="02040503050406030204" pitchFamily="18" charset="0"/>
+                        <a:cs typeface="Calibri" panose="020F0502020204030204" pitchFamily="34" charset="0"/>
+                      </a:rPr>
+                      <m:t> 70 </m:t>
+                    </m:r>
+                    <m:r>
+                      <a:rPr lang="en-US" sz="1800" i="1" dirty="0">
+                        <a:latin typeface="Cambria Math" panose="02040503050406030204" pitchFamily="18" charset="0"/>
+                        <a:cs typeface="Calibri" panose="020F0502020204030204" pitchFamily="34" charset="0"/>
+                      </a:rPr>
+                      <m:t>𝑥</m:t>
+                    </m:r>
+                    <m:r>
+                      <a:rPr lang="en-US" sz="1800" i="1" dirty="0">
+                        <a:latin typeface="Cambria Math" panose="02040503050406030204" pitchFamily="18" charset="0"/>
+                        <a:cs typeface="Calibri" panose="020F0502020204030204" pitchFamily="34" charset="0"/>
+                      </a:rPr>
+                      <m:t> 111.</m:t>
+                    </m:r>
+                  </m:oMath>
+                </a14:m>
+                <a:endParaRPr lang="en-US" sz="1800" dirty="0">
+                  <a:latin typeface="Calibri" panose="020F0502020204030204" pitchFamily="34" charset="0"/>
+                  <a:cs typeface="Calibri" panose="020F0502020204030204" pitchFamily="34" charset="0"/>
+                </a:endParaRPr>
+              </a:p>
+              <a:p>
+                <a:pPr marL="914400" lvl="1" indent="-457200">
+                  <a:lnSpc>
+                    <a:spcPct val="90000"/>
+                  </a:lnSpc>
+                  <a:spcBef>
+                    <a:spcPts val="200"/>
+                  </a:spcBef>
+                  <a:buFont typeface="+mj-lt"/>
+                  <a:buAutoNum type="arabicPeriod"/>
+                </a:pPr>
+                <a14:m>
+                  <m:oMath xmlns:m="http://schemas.openxmlformats.org/officeDocument/2006/math">
+                    <m:r>
+                      <a:rPr lang="en-US" sz="1800" i="1" dirty="0" smtClean="0">
+                        <a:latin typeface="Cambria Math" panose="02040503050406030204" pitchFamily="18" charset="0"/>
+                        <a:cs typeface="Calibri" panose="020F0502020204030204" pitchFamily="34" charset="0"/>
+                      </a:rPr>
+                      <m:t>6</m:t>
+                    </m:r>
+                    <m:r>
+                      <a:rPr lang="en-US" sz="1800" i="1" baseline="30000" dirty="0">
+                        <a:latin typeface="Cambria Math" panose="02040503050406030204" pitchFamily="18" charset="0"/>
+                        <a:cs typeface="Calibri" panose="020F0502020204030204" pitchFamily="34" charset="0"/>
+                      </a:rPr>
+                      <m:t>12</m:t>
+                    </m:r>
+                    <m:r>
+                      <a:rPr lang="en-US" sz="1800" i="1" dirty="0">
+                        <a:latin typeface="Cambria Math" panose="02040503050406030204" pitchFamily="18" charset="0"/>
+                        <a:cs typeface="Calibri" panose="020F0502020204030204" pitchFamily="34" charset="0"/>
+                      </a:rPr>
+                      <m:t> (</m:t>
+                    </m:r>
+                    <m:r>
+                      <a:rPr lang="en-US" sz="1800" i="1" dirty="0">
+                        <a:latin typeface="Cambria Math" panose="02040503050406030204" pitchFamily="18" charset="0"/>
+                        <a:cs typeface="Calibri" panose="020F0502020204030204" pitchFamily="34" charset="0"/>
+                      </a:rPr>
+                      <m:t>𝑚𝑜𝑑</m:t>
+                    </m:r>
+                    <m:r>
+                      <a:rPr lang="en-US" sz="1800" i="1" dirty="0">
+                        <a:latin typeface="Cambria Math" panose="02040503050406030204" pitchFamily="18" charset="0"/>
+                        <a:cs typeface="Calibri" panose="020F0502020204030204" pitchFamily="34" charset="0"/>
+                      </a:rPr>
+                      <m:t> 229)=  165=  20∙31∙51∙70∙111.</m:t>
+                    </m:r>
+                  </m:oMath>
+                </a14:m>
+                <a:endParaRPr lang="en-US" sz="1800" dirty="0">
+                  <a:latin typeface="Calibri" panose="020F0502020204030204" pitchFamily="34" charset="0"/>
+                  <a:cs typeface="Calibri" panose="020F0502020204030204" pitchFamily="34" charset="0"/>
+                </a:endParaRPr>
+              </a:p>
+              <a:p>
+                <a:pPr marL="914400" lvl="1" indent="-457200">
+                  <a:lnSpc>
+                    <a:spcPct val="90000"/>
+                  </a:lnSpc>
+                  <a:spcBef>
+                    <a:spcPts val="200"/>
+                  </a:spcBef>
+                  <a:buFont typeface="+mj-lt"/>
+                  <a:buAutoNum type="arabicPeriod"/>
+                </a:pPr>
+                <a14:m>
+                  <m:oMath xmlns:m="http://schemas.openxmlformats.org/officeDocument/2006/math">
+                    <m:r>
+                      <a:rPr lang="en-US" sz="1800" i="1" dirty="0" smtClean="0">
+                        <a:latin typeface="Cambria Math" panose="02040503050406030204" pitchFamily="18" charset="0"/>
+                        <a:cs typeface="Calibri" panose="020F0502020204030204" pitchFamily="34" charset="0"/>
+                      </a:rPr>
+                      <m:t>6</m:t>
+                    </m:r>
+                    <m:r>
+                      <a:rPr lang="en-US" sz="1800" i="1" baseline="30000" dirty="0">
+                        <a:latin typeface="Cambria Math" panose="02040503050406030204" pitchFamily="18" charset="0"/>
+                        <a:cs typeface="Calibri" panose="020F0502020204030204" pitchFamily="34" charset="0"/>
+                      </a:rPr>
+                      <m:t>62</m:t>
+                    </m:r>
+                    <m:r>
+                      <a:rPr lang="en-US" sz="1800" i="1" dirty="0">
+                        <a:latin typeface="Cambria Math" panose="02040503050406030204" pitchFamily="18" charset="0"/>
+                        <a:cs typeface="Calibri" panose="020F0502020204030204" pitchFamily="34" charset="0"/>
+                      </a:rPr>
+                      <m:t> (</m:t>
+                    </m:r>
+                    <m:r>
+                      <a:rPr lang="en-US" sz="1800" i="1" dirty="0">
+                        <a:latin typeface="Cambria Math" panose="02040503050406030204" pitchFamily="18" charset="0"/>
+                        <a:cs typeface="Calibri" panose="020F0502020204030204" pitchFamily="34" charset="0"/>
+                      </a:rPr>
+                      <m:t>𝑚𝑜𝑑</m:t>
+                    </m:r>
+                    <m:r>
+                      <a:rPr lang="en-US" sz="1800" i="1" dirty="0">
+                        <a:latin typeface="Cambria Math" panose="02040503050406030204" pitchFamily="18" charset="0"/>
+                        <a:cs typeface="Calibri" panose="020F0502020204030204" pitchFamily="34" charset="0"/>
+                      </a:rPr>
+                      <m:t> 229)=  154=  21∙30∙50∙71∙111.</m:t>
+                    </m:r>
+                  </m:oMath>
+                </a14:m>
+                <a:endParaRPr lang="en-US" sz="1800" dirty="0">
+                  <a:latin typeface="Calibri" panose="020F0502020204030204" pitchFamily="34" charset="0"/>
+                  <a:cs typeface="Calibri" panose="020F0502020204030204" pitchFamily="34" charset="0"/>
+                </a:endParaRPr>
+              </a:p>
+              <a:p>
+                <a:pPr marL="914400" lvl="1" indent="-457200">
+                  <a:lnSpc>
+                    <a:spcPct val="90000"/>
+                  </a:lnSpc>
+                  <a:spcBef>
+                    <a:spcPts val="200"/>
+                  </a:spcBef>
+                  <a:buFont typeface="+mj-lt"/>
+                  <a:buAutoNum type="arabicPeriod"/>
+                </a:pPr>
+                <a14:m>
+                  <m:oMath xmlns:m="http://schemas.openxmlformats.org/officeDocument/2006/math">
+                    <m:r>
+                      <a:rPr lang="en-US" sz="1800" i="1" dirty="0" smtClean="0">
+                        <a:latin typeface="Cambria Math" panose="02040503050406030204" pitchFamily="18" charset="0"/>
+                        <a:cs typeface="Calibri" panose="020F0502020204030204" pitchFamily="34" charset="0"/>
+                      </a:rPr>
+                      <m:t>6</m:t>
+                    </m:r>
+                    <m:r>
+                      <a:rPr lang="en-US" sz="1800" i="1" baseline="30000" dirty="0">
+                        <a:latin typeface="Cambria Math" panose="02040503050406030204" pitchFamily="18" charset="0"/>
+                        <a:cs typeface="Calibri" panose="020F0502020204030204" pitchFamily="34" charset="0"/>
+                      </a:rPr>
+                      <m:t>143</m:t>
+                    </m:r>
+                    <m:r>
+                      <a:rPr lang="en-US" sz="1800" i="1" dirty="0">
+                        <a:latin typeface="Cambria Math" panose="02040503050406030204" pitchFamily="18" charset="0"/>
+                        <a:cs typeface="Calibri" panose="020F0502020204030204" pitchFamily="34" charset="0"/>
+                      </a:rPr>
+                      <m:t> (</m:t>
+                    </m:r>
+                    <m:r>
+                      <a:rPr lang="en-US" sz="1800" i="1" dirty="0">
+                        <a:latin typeface="Cambria Math" panose="02040503050406030204" pitchFamily="18" charset="0"/>
+                        <a:cs typeface="Calibri" panose="020F0502020204030204" pitchFamily="34" charset="0"/>
+                      </a:rPr>
+                      <m:t>𝑚𝑜𝑑</m:t>
+                    </m:r>
+                    <m:r>
+                      <a:rPr lang="en-US" sz="1800" i="1" dirty="0">
+                        <a:latin typeface="Cambria Math" panose="02040503050406030204" pitchFamily="18" charset="0"/>
+                        <a:cs typeface="Calibri" panose="020F0502020204030204" pitchFamily="34" charset="0"/>
+                      </a:rPr>
+                      <m:t> 229)= 198=  21∙32 </m:t>
+                    </m:r>
+                    <m:r>
+                      <a:rPr lang="en-US" sz="1800" i="1" dirty="0">
+                        <a:latin typeface="Cambria Math" panose="02040503050406030204" pitchFamily="18" charset="0"/>
+                        <a:cs typeface="Calibri" panose="020F0502020204030204" pitchFamily="34" charset="0"/>
+                      </a:rPr>
+                      <m:t>𝑥</m:t>
+                    </m:r>
+                    <m:r>
+                      <a:rPr lang="en-US" sz="1800" i="1" dirty="0">
+                        <a:latin typeface="Cambria Math" panose="02040503050406030204" pitchFamily="18" charset="0"/>
+                        <a:cs typeface="Calibri" panose="020F0502020204030204" pitchFamily="34" charset="0"/>
+                      </a:rPr>
+                      <m:t> 50 </m:t>
+                    </m:r>
+                    <m:r>
+                      <a:rPr lang="en-US" sz="1800" i="1" dirty="0">
+                        <a:latin typeface="Cambria Math" panose="02040503050406030204" pitchFamily="18" charset="0"/>
+                        <a:cs typeface="Calibri" panose="020F0502020204030204" pitchFamily="34" charset="0"/>
+                      </a:rPr>
+                      <m:t>𝑥</m:t>
+                    </m:r>
+                    <m:r>
+                      <a:rPr lang="en-US" sz="1800" i="1" dirty="0">
+                        <a:latin typeface="Cambria Math" panose="02040503050406030204" pitchFamily="18" charset="0"/>
+                        <a:cs typeface="Calibri" panose="020F0502020204030204" pitchFamily="34" charset="0"/>
+                      </a:rPr>
+                      <m:t> 70 </m:t>
+                    </m:r>
+                    <m:r>
+                      <a:rPr lang="en-US" sz="1800" i="1" dirty="0">
+                        <a:latin typeface="Cambria Math" panose="02040503050406030204" pitchFamily="18" charset="0"/>
+                        <a:cs typeface="Calibri" panose="020F0502020204030204" pitchFamily="34" charset="0"/>
+                      </a:rPr>
+                      <m:t>𝑥</m:t>
+                    </m:r>
+                    <m:r>
+                      <a:rPr lang="en-US" sz="1800" i="1" dirty="0">
+                        <a:latin typeface="Cambria Math" panose="02040503050406030204" pitchFamily="18" charset="0"/>
+                        <a:cs typeface="Calibri" panose="020F0502020204030204" pitchFamily="34" charset="0"/>
+                      </a:rPr>
+                      <m:t> 111.</m:t>
+                    </m:r>
+                  </m:oMath>
+                </a14:m>
+                <a:endParaRPr lang="en-US" sz="1800" dirty="0">
+                  <a:latin typeface="Calibri" panose="020F0502020204030204" pitchFamily="34" charset="0"/>
+                  <a:cs typeface="Calibri" panose="020F0502020204030204" pitchFamily="34" charset="0"/>
+                </a:endParaRPr>
+              </a:p>
+              <a:p>
+                <a:pPr marL="914400" lvl="1" indent="-457200">
+                  <a:lnSpc>
+                    <a:spcPct val="90000"/>
+                  </a:lnSpc>
+                  <a:spcBef>
+                    <a:spcPts val="200"/>
+                  </a:spcBef>
+                  <a:buFont typeface="+mj-lt"/>
+                  <a:buAutoNum type="arabicPeriod"/>
+                </a:pPr>
+                <a14:m>
+                  <m:oMath xmlns:m="http://schemas.openxmlformats.org/officeDocument/2006/math">
+                    <m:r>
+                      <a:rPr lang="en-US" sz="1800" i="1" dirty="0" smtClean="0">
+                        <a:latin typeface="Cambria Math" panose="02040503050406030204" pitchFamily="18" charset="0"/>
+                        <a:cs typeface="Calibri" panose="020F0502020204030204" pitchFamily="34" charset="0"/>
+                      </a:rPr>
+                      <m:t>6</m:t>
+                    </m:r>
+                    <m:r>
+                      <a:rPr lang="en-US" sz="1800" i="1" baseline="30000" dirty="0">
+                        <a:latin typeface="Cambria Math" panose="02040503050406030204" pitchFamily="18" charset="0"/>
+                        <a:cs typeface="Calibri" panose="020F0502020204030204" pitchFamily="34" charset="0"/>
+                      </a:rPr>
+                      <m:t>206</m:t>
+                    </m:r>
+                    <m:r>
+                      <a:rPr lang="en-US" sz="1800" i="1" dirty="0">
+                        <a:latin typeface="Cambria Math" panose="02040503050406030204" pitchFamily="18" charset="0"/>
+                        <a:cs typeface="Calibri" panose="020F0502020204030204" pitchFamily="34" charset="0"/>
+                      </a:rPr>
+                      <m:t> (</m:t>
+                    </m:r>
+                    <m:r>
+                      <a:rPr lang="en-US" sz="1800" i="1" dirty="0">
+                        <a:latin typeface="Cambria Math" panose="02040503050406030204" pitchFamily="18" charset="0"/>
+                        <a:cs typeface="Calibri" panose="020F0502020204030204" pitchFamily="34" charset="0"/>
+                      </a:rPr>
+                      <m:t>𝑚𝑜𝑑</m:t>
+                    </m:r>
+                    <m:r>
+                      <a:rPr lang="en-US" sz="1800" i="1" dirty="0">
+                        <a:latin typeface="Cambria Math" panose="02040503050406030204" pitchFamily="18" charset="0"/>
+                        <a:cs typeface="Calibri" panose="020F0502020204030204" pitchFamily="34" charset="0"/>
+                      </a:rPr>
+                      <m:t> 229)= 210=  21∙31∙51∙71∙110.</m:t>
+                    </m:r>
+                  </m:oMath>
+                </a14:m>
+                <a:endParaRPr lang="en-US" sz="1800" dirty="0">
+                  <a:latin typeface="Calibri" panose="020F0502020204030204" pitchFamily="34" charset="0"/>
+                  <a:cs typeface="Calibri" panose="020F0502020204030204" pitchFamily="34" charset="0"/>
+                </a:endParaRPr>
+              </a:p>
+              <a:p>
+                <a:pPr marL="457200" lvl="1" indent="0">
+                  <a:lnSpc>
+                    <a:spcPct val="90000"/>
+                  </a:lnSpc>
+                  <a:spcBef>
+                    <a:spcPts val="200"/>
+                  </a:spcBef>
+                  <a:buNone/>
+                </a:pPr>
+                <a:endParaRPr lang="en-US" sz="1800" dirty="0">
+                  <a:latin typeface="Calibri" panose="020F0502020204030204" pitchFamily="34" charset="0"/>
+                  <a:cs typeface="Calibri" panose="020F0502020204030204" pitchFamily="34" charset="0"/>
+                </a:endParaRPr>
+              </a:p>
+              <a:p>
+                <a:pPr marL="514350" indent="-457200">
+                  <a:lnSpc>
+                    <a:spcPct val="90000"/>
+                  </a:lnSpc>
+                  <a:spcBef>
+                    <a:spcPts val="200"/>
+                  </a:spcBef>
+                </a:pPr>
+                <a:r>
+                  <a:rPr lang="en-US" sz="2000" dirty="0">
+                    <a:latin typeface="Calibri" panose="020F0502020204030204" pitchFamily="34" charset="0"/>
+                    <a:cs typeface="Calibri" panose="020F0502020204030204" pitchFamily="34" charset="0"/>
+                  </a:rPr>
+                  <a:t>Taking L</a:t>
+                </a:r>
+                <a:r>
+                  <a:rPr lang="en-US" sz="2000" baseline="-25000" dirty="0">
+                    <a:latin typeface="Calibri" panose="020F0502020204030204" pitchFamily="34" charset="0"/>
+                    <a:cs typeface="Calibri" panose="020F0502020204030204" pitchFamily="34" charset="0"/>
+                  </a:rPr>
+                  <a:t>a</a:t>
+                </a:r>
+                <a:r>
+                  <a:rPr lang="en-US" sz="2000" dirty="0">
+                    <a:latin typeface="Calibri" panose="020F0502020204030204" pitchFamily="34" charset="0"/>
+                    <a:cs typeface="Calibri" panose="020F0502020204030204" pitchFamily="34" charset="0"/>
+                  </a:rPr>
+                  <a:t>() of both sides, we get:</a:t>
+                </a:r>
+              </a:p>
+              <a:p>
+                <a:pPr marL="914400" lvl="1" indent="-457200">
+                  <a:lnSpc>
+                    <a:spcPct val="90000"/>
+                  </a:lnSpc>
+                  <a:spcBef>
+                    <a:spcPts val="200"/>
+                  </a:spcBef>
+                  <a:buFont typeface="+mj-lt"/>
+                  <a:buAutoNum type="arabicPeriod"/>
+                </a:pPr>
+                <a14:m>
+                  <m:oMath xmlns:m="http://schemas.openxmlformats.org/officeDocument/2006/math">
+                    <m:r>
+                      <a:rPr lang="en-US" sz="1800" i="1" dirty="0" smtClean="0">
+                        <a:latin typeface="Cambria Math" panose="02040503050406030204" pitchFamily="18" charset="0"/>
+                        <a:cs typeface="Calibri" panose="020F0502020204030204" pitchFamily="34" charset="0"/>
+                      </a:rPr>
+                      <m:t>100= 2 </m:t>
+                    </m:r>
+                    <m:r>
+                      <a:rPr lang="en-US" sz="1800" i="1" dirty="0" smtClean="0">
+                        <a:latin typeface="Cambria Math" panose="02040503050406030204" pitchFamily="18" charset="0"/>
+                        <a:cs typeface="Calibri" panose="020F0502020204030204" pitchFamily="34" charset="0"/>
+                      </a:rPr>
+                      <m:t>𝐿</m:t>
+                    </m:r>
+                    <m:r>
+                      <a:rPr lang="en-US" sz="1800" i="1" baseline="-25000" dirty="0" smtClean="0">
+                        <a:latin typeface="Cambria Math" panose="02040503050406030204" pitchFamily="18" charset="0"/>
+                        <a:cs typeface="Calibri" panose="020F0502020204030204" pitchFamily="34" charset="0"/>
+                      </a:rPr>
+                      <m:t>6</m:t>
+                    </m:r>
+                    <m:r>
+                      <a:rPr lang="en-US" sz="1800" i="1" dirty="0" smtClean="0">
+                        <a:latin typeface="Cambria Math" panose="02040503050406030204" pitchFamily="18" charset="0"/>
+                        <a:cs typeface="Calibri" panose="020F0502020204030204" pitchFamily="34" charset="0"/>
+                      </a:rPr>
+                      <m:t>(2</m:t>
+                    </m:r>
+                    <m:r>
+                      <a:rPr lang="en-US" sz="1800" i="1" dirty="0">
+                        <a:latin typeface="Cambria Math" panose="02040503050406030204" pitchFamily="18" charset="0"/>
+                        <a:cs typeface="Calibri" panose="020F0502020204030204" pitchFamily="34" charset="0"/>
+                      </a:rPr>
+                      <m:t>)+</m:t>
+                    </m:r>
+                    <m:r>
+                      <a:rPr lang="en-US" sz="1800" i="1" dirty="0" smtClean="0">
+                        <a:latin typeface="Cambria Math" panose="02040503050406030204" pitchFamily="18" charset="0"/>
+                        <a:cs typeface="Calibri" panose="020F0502020204030204" pitchFamily="34" charset="0"/>
+                      </a:rPr>
+                      <m:t>2</m:t>
+                    </m:r>
+                    <m:r>
+                      <a:rPr lang="en-US" sz="1800" i="1" dirty="0" smtClean="0">
+                        <a:latin typeface="Cambria Math" panose="02040503050406030204" pitchFamily="18" charset="0"/>
+                        <a:cs typeface="Calibri" panose="020F0502020204030204" pitchFamily="34" charset="0"/>
+                      </a:rPr>
+                      <m:t>𝐿</m:t>
+                    </m:r>
+                    <m:r>
+                      <a:rPr lang="en-US" sz="1800" i="1" baseline="-25000" dirty="0" smtClean="0">
+                        <a:latin typeface="Cambria Math" panose="02040503050406030204" pitchFamily="18" charset="0"/>
+                        <a:cs typeface="Calibri" panose="020F0502020204030204" pitchFamily="34" charset="0"/>
+                      </a:rPr>
+                      <m:t>6</m:t>
+                    </m:r>
+                    <m:r>
+                      <a:rPr lang="en-US" sz="1800" i="1" dirty="0" smtClean="0">
+                        <a:latin typeface="Cambria Math" panose="02040503050406030204" pitchFamily="18" charset="0"/>
+                        <a:cs typeface="Calibri" panose="020F0502020204030204" pitchFamily="34" charset="0"/>
+                      </a:rPr>
+                      <m:t>(3</m:t>
+                    </m:r>
+                    <m:r>
+                      <a:rPr lang="en-US" sz="1800" i="1" dirty="0">
+                        <a:latin typeface="Cambria Math" panose="02040503050406030204" pitchFamily="18" charset="0"/>
+                        <a:cs typeface="Calibri" panose="020F0502020204030204" pitchFamily="34" charset="0"/>
+                      </a:rPr>
+                      <m:t>)+</m:t>
+                    </m:r>
+                    <m:r>
+                      <a:rPr lang="en-US" sz="1800" i="1" dirty="0" smtClean="0">
+                        <a:latin typeface="Cambria Math" panose="02040503050406030204" pitchFamily="18" charset="0"/>
+                        <a:cs typeface="Calibri" panose="020F0502020204030204" pitchFamily="34" charset="0"/>
+                      </a:rPr>
+                      <m:t>𝐿</m:t>
+                    </m:r>
+                    <m:r>
+                      <a:rPr lang="en-US" sz="1800" i="1" baseline="-25000" dirty="0" smtClean="0">
+                        <a:latin typeface="Cambria Math" panose="02040503050406030204" pitchFamily="18" charset="0"/>
+                        <a:cs typeface="Calibri" panose="020F0502020204030204" pitchFamily="34" charset="0"/>
+                      </a:rPr>
+                      <m:t>6</m:t>
+                    </m:r>
+                    <m:r>
+                      <a:rPr lang="en-US" sz="1800" i="1" dirty="0" smtClean="0">
+                        <a:latin typeface="Cambria Math" panose="02040503050406030204" pitchFamily="18" charset="0"/>
+                        <a:cs typeface="Calibri" panose="020F0502020204030204" pitchFamily="34" charset="0"/>
+                      </a:rPr>
+                      <m:t>(5</m:t>
+                    </m:r>
+                    <m:r>
+                      <a:rPr lang="en-US" sz="1800" i="1" dirty="0">
+                        <a:latin typeface="Cambria Math" panose="02040503050406030204" pitchFamily="18" charset="0"/>
+                        <a:cs typeface="Calibri" panose="020F0502020204030204" pitchFamily="34" charset="0"/>
+                      </a:rPr>
+                      <m:t>)  (</m:t>
+                    </m:r>
+                    <m:r>
+                      <a:rPr lang="en-US" sz="1800" i="1" dirty="0">
+                        <a:latin typeface="Cambria Math" panose="02040503050406030204" pitchFamily="18" charset="0"/>
+                        <a:cs typeface="Calibri" panose="020F0502020204030204" pitchFamily="34" charset="0"/>
+                      </a:rPr>
+                      <m:t>𝑚𝑜𝑑</m:t>
+                    </m:r>
+                    <m:r>
+                      <a:rPr lang="en-US" sz="1800" i="1" dirty="0">
+                        <a:latin typeface="Cambria Math" panose="02040503050406030204" pitchFamily="18" charset="0"/>
+                        <a:cs typeface="Calibri" panose="020F0502020204030204" pitchFamily="34" charset="0"/>
+                      </a:rPr>
+                      <m:t> 228)</m:t>
+                    </m:r>
+                  </m:oMath>
+                </a14:m>
+                <a:endParaRPr lang="en-US" sz="1800" dirty="0">
+                  <a:latin typeface="Calibri" panose="020F0502020204030204" pitchFamily="34" charset="0"/>
+                  <a:cs typeface="Calibri" panose="020F0502020204030204" pitchFamily="34" charset="0"/>
+                </a:endParaRPr>
+              </a:p>
+              <a:p>
+                <a:pPr marL="914400" lvl="1" indent="-457200">
+                  <a:lnSpc>
+                    <a:spcPct val="90000"/>
+                  </a:lnSpc>
+                  <a:spcBef>
+                    <a:spcPts val="200"/>
+                  </a:spcBef>
+                  <a:buFont typeface="+mj-lt"/>
+                  <a:buAutoNum type="arabicPeriod"/>
+                </a:pPr>
+                <a14:m>
+                  <m:oMath xmlns:m="http://schemas.openxmlformats.org/officeDocument/2006/math">
+                    <m:r>
+                      <a:rPr lang="en-US" sz="1800" i="1" dirty="0" smtClean="0">
+                        <a:latin typeface="Cambria Math" panose="02040503050406030204" pitchFamily="18" charset="0"/>
+                        <a:cs typeface="Calibri" panose="020F0502020204030204" pitchFamily="34" charset="0"/>
+                      </a:rPr>
+                      <m:t>18= 4</m:t>
+                    </m:r>
+                    <m:r>
+                      <a:rPr lang="en-US" sz="1800" i="1" dirty="0" smtClean="0">
+                        <a:latin typeface="Cambria Math" panose="02040503050406030204" pitchFamily="18" charset="0"/>
+                        <a:cs typeface="Calibri" panose="020F0502020204030204" pitchFamily="34" charset="0"/>
+                      </a:rPr>
+                      <m:t>𝐿</m:t>
+                    </m:r>
+                    <m:r>
+                      <a:rPr lang="en-US" sz="1800" i="1" baseline="-25000" dirty="0">
+                        <a:latin typeface="Cambria Math" panose="02040503050406030204" pitchFamily="18" charset="0"/>
+                        <a:cs typeface="Calibri" panose="020F0502020204030204" pitchFamily="34" charset="0"/>
+                      </a:rPr>
+                      <m:t>6</m:t>
+                    </m:r>
+                    <m:r>
+                      <a:rPr lang="en-US" sz="1800" i="1" dirty="0" smtClean="0">
+                        <a:latin typeface="Cambria Math" panose="02040503050406030204" pitchFamily="18" charset="0"/>
+                        <a:cs typeface="Calibri" panose="020F0502020204030204" pitchFamily="34" charset="0"/>
+                      </a:rPr>
+                      <m:t>(2</m:t>
+                    </m:r>
+                    <m:r>
+                      <a:rPr lang="en-US" sz="1800" i="1" dirty="0">
+                        <a:latin typeface="Cambria Math" panose="02040503050406030204" pitchFamily="18" charset="0"/>
+                        <a:cs typeface="Calibri" panose="020F0502020204030204" pitchFamily="34" charset="0"/>
+                      </a:rPr>
+                      <m:t>)+</m:t>
+                    </m:r>
+                    <m:r>
+                      <a:rPr lang="en-US" sz="1800" i="1" dirty="0" smtClean="0">
+                        <a:latin typeface="Cambria Math" panose="02040503050406030204" pitchFamily="18" charset="0"/>
+                        <a:cs typeface="Calibri" panose="020F0502020204030204" pitchFamily="34" charset="0"/>
+                      </a:rPr>
+                      <m:t>𝐿</m:t>
+                    </m:r>
+                    <m:r>
+                      <a:rPr lang="en-US" sz="1800" i="1" baseline="-25000" dirty="0">
+                        <a:latin typeface="Cambria Math" panose="02040503050406030204" pitchFamily="18" charset="0"/>
+                        <a:cs typeface="Calibri" panose="020F0502020204030204" pitchFamily="34" charset="0"/>
+                      </a:rPr>
+                      <m:t>6</m:t>
+                    </m:r>
+                    <m:r>
+                      <a:rPr lang="en-US" sz="1800" i="1" dirty="0" smtClean="0">
+                        <a:latin typeface="Cambria Math" panose="02040503050406030204" pitchFamily="18" charset="0"/>
+                        <a:cs typeface="Calibri" panose="020F0502020204030204" pitchFamily="34" charset="0"/>
+                      </a:rPr>
+                      <m:t>(11</m:t>
+                    </m:r>
+                    <m:r>
+                      <a:rPr lang="en-US" sz="1800" i="1" dirty="0">
+                        <a:latin typeface="Cambria Math" panose="02040503050406030204" pitchFamily="18" charset="0"/>
+                        <a:cs typeface="Calibri" panose="020F0502020204030204" pitchFamily="34" charset="0"/>
+                      </a:rPr>
+                      <m:t>) (</m:t>
+                    </m:r>
+                    <m:r>
+                      <a:rPr lang="en-US" sz="1800" i="1" dirty="0">
+                        <a:latin typeface="Cambria Math" panose="02040503050406030204" pitchFamily="18" charset="0"/>
+                        <a:cs typeface="Calibri" panose="020F0502020204030204" pitchFamily="34" charset="0"/>
+                      </a:rPr>
+                      <m:t>𝑚𝑜𝑑</m:t>
+                    </m:r>
+                    <m:r>
+                      <a:rPr lang="en-US" sz="1800" i="1" dirty="0">
+                        <a:latin typeface="Cambria Math" panose="02040503050406030204" pitchFamily="18" charset="0"/>
+                        <a:cs typeface="Calibri" panose="020F0502020204030204" pitchFamily="34" charset="0"/>
+                      </a:rPr>
+                      <m:t> 228)</m:t>
+                    </m:r>
+                  </m:oMath>
+                </a14:m>
+                <a:endParaRPr lang="en-US" sz="1800" dirty="0">
+                  <a:latin typeface="Calibri" panose="020F0502020204030204" pitchFamily="34" charset="0"/>
+                  <a:cs typeface="Calibri" panose="020F0502020204030204" pitchFamily="34" charset="0"/>
+                </a:endParaRPr>
+              </a:p>
+              <a:p>
+                <a:pPr marL="914400" lvl="1" indent="-457200">
+                  <a:lnSpc>
+                    <a:spcPct val="90000"/>
+                  </a:lnSpc>
+                  <a:spcBef>
+                    <a:spcPts val="200"/>
+                  </a:spcBef>
+                  <a:buFont typeface="+mj-lt"/>
+                  <a:buAutoNum type="arabicPeriod"/>
+                </a:pPr>
+                <a14:m>
+                  <m:oMath xmlns:m="http://schemas.openxmlformats.org/officeDocument/2006/math">
+                    <m:r>
+                      <a:rPr lang="en-US" sz="1800" i="1" dirty="0" smtClean="0">
+                        <a:latin typeface="Cambria Math" panose="02040503050406030204" pitchFamily="18" charset="0"/>
+                        <a:cs typeface="Calibri" panose="020F0502020204030204" pitchFamily="34" charset="0"/>
+                      </a:rPr>
+                      <m:t>12= </m:t>
+                    </m:r>
+                    <m:r>
+                      <a:rPr lang="en-US" sz="1800" i="1" dirty="0" smtClean="0">
+                        <a:latin typeface="Cambria Math" panose="02040503050406030204" pitchFamily="18" charset="0"/>
+                        <a:cs typeface="Calibri" panose="020F0502020204030204" pitchFamily="34" charset="0"/>
+                      </a:rPr>
+                      <m:t>𝐿</m:t>
+                    </m:r>
+                    <m:r>
+                      <a:rPr lang="en-US" sz="1800" i="1" baseline="-25000" dirty="0">
+                        <a:latin typeface="Cambria Math" panose="02040503050406030204" pitchFamily="18" charset="0"/>
+                        <a:cs typeface="Calibri" panose="020F0502020204030204" pitchFamily="34" charset="0"/>
+                      </a:rPr>
+                      <m:t>6</m:t>
+                    </m:r>
+                    <m:r>
+                      <a:rPr lang="en-US" sz="1800" i="1" dirty="0" smtClean="0">
+                        <a:latin typeface="Cambria Math" panose="02040503050406030204" pitchFamily="18" charset="0"/>
+                        <a:cs typeface="Calibri" panose="020F0502020204030204" pitchFamily="34" charset="0"/>
+                      </a:rPr>
+                      <m:t>(3</m:t>
+                    </m:r>
+                    <m:r>
+                      <a:rPr lang="en-US" sz="1800" i="1" dirty="0">
+                        <a:latin typeface="Cambria Math" panose="02040503050406030204" pitchFamily="18" charset="0"/>
+                        <a:cs typeface="Calibri" panose="020F0502020204030204" pitchFamily="34" charset="0"/>
+                      </a:rPr>
+                      <m:t>)+</m:t>
+                    </m:r>
+                    <m:r>
+                      <a:rPr lang="en-US" sz="1800" i="1" dirty="0" smtClean="0">
+                        <a:latin typeface="Cambria Math" panose="02040503050406030204" pitchFamily="18" charset="0"/>
+                        <a:cs typeface="Calibri" panose="020F0502020204030204" pitchFamily="34" charset="0"/>
+                      </a:rPr>
+                      <m:t>𝐿</m:t>
+                    </m:r>
+                    <m:r>
+                      <a:rPr lang="en-US" sz="1800" i="1" baseline="-25000" dirty="0">
+                        <a:latin typeface="Cambria Math" panose="02040503050406030204" pitchFamily="18" charset="0"/>
+                        <a:cs typeface="Calibri" panose="020F0502020204030204" pitchFamily="34" charset="0"/>
+                      </a:rPr>
+                      <m:t>6</m:t>
+                    </m:r>
+                    <m:r>
+                      <a:rPr lang="en-US" sz="1800" i="1" dirty="0" smtClean="0">
+                        <a:latin typeface="Cambria Math" panose="02040503050406030204" pitchFamily="18" charset="0"/>
+                        <a:cs typeface="Calibri" panose="020F0502020204030204" pitchFamily="34" charset="0"/>
+                      </a:rPr>
+                      <m:t>(5</m:t>
+                    </m:r>
+                    <m:r>
+                      <a:rPr lang="en-US" sz="1800" i="1" dirty="0">
+                        <a:latin typeface="Cambria Math" panose="02040503050406030204" pitchFamily="18" charset="0"/>
+                        <a:cs typeface="Calibri" panose="020F0502020204030204" pitchFamily="34" charset="0"/>
+                      </a:rPr>
+                      <m:t>)+</m:t>
+                    </m:r>
+                    <m:r>
+                      <a:rPr lang="en-US" sz="1800" i="1" dirty="0" smtClean="0">
+                        <a:latin typeface="Cambria Math" panose="02040503050406030204" pitchFamily="18" charset="0"/>
+                        <a:cs typeface="Calibri" panose="020F0502020204030204" pitchFamily="34" charset="0"/>
+                      </a:rPr>
+                      <m:t>𝐿</m:t>
+                    </m:r>
+                    <m:r>
+                      <a:rPr lang="en-US" sz="1800" i="1" baseline="-25000" dirty="0">
+                        <a:latin typeface="Cambria Math" panose="02040503050406030204" pitchFamily="18" charset="0"/>
+                        <a:cs typeface="Calibri" panose="020F0502020204030204" pitchFamily="34" charset="0"/>
+                      </a:rPr>
+                      <m:t>6</m:t>
+                    </m:r>
+                    <m:r>
+                      <a:rPr lang="en-US" sz="1800" i="1" dirty="0" smtClean="0">
+                        <a:latin typeface="Cambria Math" panose="02040503050406030204" pitchFamily="18" charset="0"/>
+                        <a:cs typeface="Calibri" panose="020F0502020204030204" pitchFamily="34" charset="0"/>
+                      </a:rPr>
+                      <m:t>(11</m:t>
+                    </m:r>
+                    <m:r>
+                      <a:rPr lang="en-US" sz="1800" i="1" dirty="0">
+                        <a:latin typeface="Cambria Math" panose="02040503050406030204" pitchFamily="18" charset="0"/>
+                        <a:cs typeface="Calibri" panose="020F0502020204030204" pitchFamily="34" charset="0"/>
+                      </a:rPr>
+                      <m:t>) (</m:t>
+                    </m:r>
+                    <m:r>
+                      <a:rPr lang="en-US" sz="1800" i="1" dirty="0">
+                        <a:latin typeface="Cambria Math" panose="02040503050406030204" pitchFamily="18" charset="0"/>
+                        <a:cs typeface="Calibri" panose="020F0502020204030204" pitchFamily="34" charset="0"/>
+                      </a:rPr>
+                      <m:t>𝑚𝑜𝑑</m:t>
+                    </m:r>
+                    <m:r>
+                      <a:rPr lang="en-US" sz="1800" i="1" dirty="0">
+                        <a:latin typeface="Cambria Math" panose="02040503050406030204" pitchFamily="18" charset="0"/>
+                        <a:cs typeface="Calibri" panose="020F0502020204030204" pitchFamily="34" charset="0"/>
+                      </a:rPr>
+                      <m:t> 228)</m:t>
+                    </m:r>
+                  </m:oMath>
+                </a14:m>
+                <a:endParaRPr lang="en-US" sz="1800" dirty="0">
+                  <a:latin typeface="Calibri" panose="020F0502020204030204" pitchFamily="34" charset="0"/>
+                  <a:cs typeface="Calibri" panose="020F0502020204030204" pitchFamily="34" charset="0"/>
+                </a:endParaRPr>
+              </a:p>
+              <a:p>
+                <a:pPr marL="914400" lvl="1" indent="-457200">
+                  <a:lnSpc>
+                    <a:spcPct val="90000"/>
+                  </a:lnSpc>
+                  <a:spcBef>
+                    <a:spcPts val="200"/>
+                  </a:spcBef>
+                  <a:buFont typeface="+mj-lt"/>
+                  <a:buAutoNum type="arabicPeriod"/>
+                </a:pPr>
+                <a14:m>
+                  <m:oMath xmlns:m="http://schemas.openxmlformats.org/officeDocument/2006/math">
+                    <m:r>
+                      <a:rPr lang="en-US" sz="1800" i="1" dirty="0" smtClean="0">
+                        <a:latin typeface="Cambria Math" panose="02040503050406030204" pitchFamily="18" charset="0"/>
+                        <a:cs typeface="Calibri" panose="020F0502020204030204" pitchFamily="34" charset="0"/>
+                      </a:rPr>
+                      <m:t>62= </m:t>
+                    </m:r>
+                    <m:r>
+                      <a:rPr lang="en-US" sz="1800" i="1" dirty="0" smtClean="0">
+                        <a:latin typeface="Cambria Math" panose="02040503050406030204" pitchFamily="18" charset="0"/>
+                        <a:cs typeface="Calibri" panose="020F0502020204030204" pitchFamily="34" charset="0"/>
+                      </a:rPr>
+                      <m:t>𝐿</m:t>
+                    </m:r>
+                    <m:r>
+                      <a:rPr lang="en-US" sz="1800" i="1" baseline="-25000" dirty="0" smtClean="0">
+                        <a:latin typeface="Cambria Math" panose="02040503050406030204" pitchFamily="18" charset="0"/>
+                        <a:cs typeface="Calibri" panose="020F0502020204030204" pitchFamily="34" charset="0"/>
+                      </a:rPr>
+                      <m:t>6</m:t>
+                    </m:r>
+                    <m:r>
+                      <a:rPr lang="en-US" sz="1800" i="1" dirty="0" smtClean="0">
+                        <a:latin typeface="Cambria Math" panose="02040503050406030204" pitchFamily="18" charset="0"/>
+                        <a:cs typeface="Calibri" panose="020F0502020204030204" pitchFamily="34" charset="0"/>
+                      </a:rPr>
+                      <m:t>(2</m:t>
+                    </m:r>
+                    <m:r>
+                      <a:rPr lang="en-US" sz="1800" i="1" dirty="0">
+                        <a:latin typeface="Cambria Math" panose="02040503050406030204" pitchFamily="18" charset="0"/>
+                        <a:cs typeface="Calibri" panose="020F0502020204030204" pitchFamily="34" charset="0"/>
+                      </a:rPr>
+                      <m:t>)+</m:t>
+                    </m:r>
+                    <m:r>
+                      <a:rPr lang="en-US" sz="1800" i="1" dirty="0" smtClean="0">
+                        <a:latin typeface="Cambria Math" panose="02040503050406030204" pitchFamily="18" charset="0"/>
+                        <a:cs typeface="Calibri" panose="020F0502020204030204" pitchFamily="34" charset="0"/>
+                      </a:rPr>
+                      <m:t>𝐿</m:t>
+                    </m:r>
+                    <m:r>
+                      <a:rPr lang="en-US" sz="1800" i="1" baseline="-25000" dirty="0" smtClean="0">
+                        <a:latin typeface="Cambria Math" panose="02040503050406030204" pitchFamily="18" charset="0"/>
+                        <a:cs typeface="Calibri" panose="020F0502020204030204" pitchFamily="34" charset="0"/>
+                      </a:rPr>
+                      <m:t>6</m:t>
+                    </m:r>
+                    <m:r>
+                      <a:rPr lang="en-US" sz="1800" i="1" dirty="0" smtClean="0">
+                        <a:latin typeface="Cambria Math" panose="02040503050406030204" pitchFamily="18" charset="0"/>
+                        <a:cs typeface="Calibri" panose="020F0502020204030204" pitchFamily="34" charset="0"/>
+                      </a:rPr>
+                      <m:t>(7</m:t>
+                    </m:r>
+                    <m:r>
+                      <a:rPr lang="en-US" sz="1800" i="1" dirty="0">
+                        <a:latin typeface="Cambria Math" panose="02040503050406030204" pitchFamily="18" charset="0"/>
+                        <a:cs typeface="Calibri" panose="020F0502020204030204" pitchFamily="34" charset="0"/>
+                      </a:rPr>
+                      <m:t>)+</m:t>
+                    </m:r>
+                    <m:r>
+                      <a:rPr lang="en-US" sz="1800" i="1" dirty="0" smtClean="0">
+                        <a:latin typeface="Cambria Math" panose="02040503050406030204" pitchFamily="18" charset="0"/>
+                        <a:cs typeface="Calibri" panose="020F0502020204030204" pitchFamily="34" charset="0"/>
+                      </a:rPr>
+                      <m:t>𝐿</m:t>
+                    </m:r>
+                    <m:r>
+                      <a:rPr lang="en-US" sz="1800" i="1" baseline="-25000" dirty="0" smtClean="0">
+                        <a:latin typeface="Cambria Math" panose="02040503050406030204" pitchFamily="18" charset="0"/>
+                        <a:cs typeface="Calibri" panose="020F0502020204030204" pitchFamily="34" charset="0"/>
+                      </a:rPr>
+                      <m:t>6</m:t>
+                    </m:r>
+                    <m:r>
+                      <a:rPr lang="en-US" sz="1800" i="1" dirty="0" smtClean="0">
+                        <a:latin typeface="Cambria Math" panose="02040503050406030204" pitchFamily="18" charset="0"/>
+                        <a:cs typeface="Calibri" panose="020F0502020204030204" pitchFamily="34" charset="0"/>
+                      </a:rPr>
+                      <m:t>(11</m:t>
+                    </m:r>
+                    <m:r>
+                      <a:rPr lang="en-US" sz="1800" i="1" dirty="0">
+                        <a:latin typeface="Cambria Math" panose="02040503050406030204" pitchFamily="18" charset="0"/>
+                        <a:cs typeface="Calibri" panose="020F0502020204030204" pitchFamily="34" charset="0"/>
+                      </a:rPr>
+                      <m:t>) (</m:t>
+                    </m:r>
+                    <m:r>
+                      <a:rPr lang="en-US" sz="1800" i="1" dirty="0">
+                        <a:latin typeface="Cambria Math" panose="02040503050406030204" pitchFamily="18" charset="0"/>
+                        <a:cs typeface="Calibri" panose="020F0502020204030204" pitchFamily="34" charset="0"/>
+                      </a:rPr>
+                      <m:t>𝑚𝑜𝑑</m:t>
+                    </m:r>
+                    <m:r>
+                      <a:rPr lang="en-US" sz="1800" i="1" dirty="0">
+                        <a:latin typeface="Cambria Math" panose="02040503050406030204" pitchFamily="18" charset="0"/>
+                        <a:cs typeface="Calibri" panose="020F0502020204030204" pitchFamily="34" charset="0"/>
+                      </a:rPr>
+                      <m:t> 228)</m:t>
+                    </m:r>
+                  </m:oMath>
+                </a14:m>
+                <a:endParaRPr lang="en-US" sz="1800" dirty="0">
+                  <a:latin typeface="Calibri" panose="020F0502020204030204" pitchFamily="34" charset="0"/>
+                  <a:cs typeface="Calibri" panose="020F0502020204030204" pitchFamily="34" charset="0"/>
+                </a:endParaRPr>
+              </a:p>
+              <a:p>
+                <a:pPr marL="914400" lvl="1" indent="-457200">
+                  <a:lnSpc>
+                    <a:spcPct val="90000"/>
+                  </a:lnSpc>
+                  <a:spcBef>
+                    <a:spcPts val="200"/>
+                  </a:spcBef>
+                  <a:buFont typeface="+mj-lt"/>
+                  <a:buAutoNum type="arabicPeriod"/>
+                </a:pPr>
+                <a14:m>
+                  <m:oMath xmlns:m="http://schemas.openxmlformats.org/officeDocument/2006/math">
+                    <m:r>
+                      <a:rPr lang="en-US" sz="1800" i="1" dirty="0" smtClean="0">
+                        <a:latin typeface="Cambria Math" panose="02040503050406030204" pitchFamily="18" charset="0"/>
+                        <a:cs typeface="Calibri" panose="020F0502020204030204" pitchFamily="34" charset="0"/>
+                      </a:rPr>
+                      <m:t>143=</m:t>
+                    </m:r>
+                    <m:r>
+                      <a:rPr lang="en-US" sz="1800" i="1" dirty="0" smtClean="0">
+                        <a:latin typeface="Cambria Math" panose="02040503050406030204" pitchFamily="18" charset="0"/>
+                        <a:cs typeface="Calibri" panose="020F0502020204030204" pitchFamily="34" charset="0"/>
+                      </a:rPr>
+                      <m:t>𝐿</m:t>
+                    </m:r>
+                    <m:r>
+                      <a:rPr lang="en-US" sz="1800" i="1" baseline="-25000" dirty="0" smtClean="0">
+                        <a:latin typeface="Cambria Math" panose="02040503050406030204" pitchFamily="18" charset="0"/>
+                        <a:cs typeface="Calibri" panose="020F0502020204030204" pitchFamily="34" charset="0"/>
+                      </a:rPr>
+                      <m:t>6</m:t>
+                    </m:r>
+                    <m:r>
+                      <a:rPr lang="en-US" sz="1800" i="1" dirty="0" smtClean="0">
+                        <a:latin typeface="Cambria Math" panose="02040503050406030204" pitchFamily="18" charset="0"/>
+                        <a:cs typeface="Calibri" panose="020F0502020204030204" pitchFamily="34" charset="0"/>
+                      </a:rPr>
+                      <m:t>(2</m:t>
+                    </m:r>
+                    <m:r>
+                      <a:rPr lang="en-US" sz="1800" i="1" dirty="0">
+                        <a:latin typeface="Cambria Math" panose="02040503050406030204" pitchFamily="18" charset="0"/>
+                        <a:cs typeface="Calibri" panose="020F0502020204030204" pitchFamily="34" charset="0"/>
+                      </a:rPr>
+                      <m:t>)+</m:t>
+                    </m:r>
+                    <m:r>
+                      <a:rPr lang="en-US" sz="1800" i="1" dirty="0" smtClean="0">
+                        <a:latin typeface="Cambria Math" panose="02040503050406030204" pitchFamily="18" charset="0"/>
+                        <a:cs typeface="Calibri" panose="020F0502020204030204" pitchFamily="34" charset="0"/>
+                      </a:rPr>
+                      <m:t>2</m:t>
+                    </m:r>
+                    <m:r>
+                      <a:rPr lang="en-US" sz="1800" i="1" dirty="0" smtClean="0">
+                        <a:latin typeface="Cambria Math" panose="02040503050406030204" pitchFamily="18" charset="0"/>
+                        <a:cs typeface="Calibri" panose="020F0502020204030204" pitchFamily="34" charset="0"/>
+                      </a:rPr>
+                      <m:t>𝐿</m:t>
+                    </m:r>
+                    <m:r>
+                      <a:rPr lang="en-US" sz="1800" i="1" baseline="-25000" dirty="0" smtClean="0">
+                        <a:latin typeface="Cambria Math" panose="02040503050406030204" pitchFamily="18" charset="0"/>
+                        <a:cs typeface="Calibri" panose="020F0502020204030204" pitchFamily="34" charset="0"/>
+                      </a:rPr>
+                      <m:t>6</m:t>
+                    </m:r>
+                    <m:r>
+                      <a:rPr lang="en-US" sz="1800" i="1" dirty="0" smtClean="0">
+                        <a:latin typeface="Cambria Math" panose="02040503050406030204" pitchFamily="18" charset="0"/>
+                        <a:cs typeface="Calibri" panose="020F0502020204030204" pitchFamily="34" charset="0"/>
+                      </a:rPr>
+                      <m:t>(3</m:t>
+                    </m:r>
+                    <m:r>
+                      <a:rPr lang="en-US" sz="1800" i="1" dirty="0">
+                        <a:latin typeface="Cambria Math" panose="02040503050406030204" pitchFamily="18" charset="0"/>
+                        <a:cs typeface="Calibri" panose="020F0502020204030204" pitchFamily="34" charset="0"/>
+                      </a:rPr>
+                      <m:t>)+</m:t>
+                    </m:r>
+                    <m:r>
+                      <a:rPr lang="en-US" sz="1800" i="1" dirty="0" smtClean="0">
+                        <a:latin typeface="Cambria Math" panose="02040503050406030204" pitchFamily="18" charset="0"/>
+                        <a:cs typeface="Calibri" panose="020F0502020204030204" pitchFamily="34" charset="0"/>
+                      </a:rPr>
+                      <m:t>𝐿</m:t>
+                    </m:r>
+                    <m:r>
+                      <a:rPr lang="en-US" sz="1800" i="1" baseline="-25000" dirty="0" smtClean="0">
+                        <a:latin typeface="Cambria Math" panose="02040503050406030204" pitchFamily="18" charset="0"/>
+                        <a:cs typeface="Calibri" panose="020F0502020204030204" pitchFamily="34" charset="0"/>
+                      </a:rPr>
+                      <m:t>6</m:t>
+                    </m:r>
+                    <m:r>
+                      <a:rPr lang="en-US" sz="1800" i="1" dirty="0" smtClean="0">
+                        <a:latin typeface="Cambria Math" panose="02040503050406030204" pitchFamily="18" charset="0"/>
+                        <a:cs typeface="Calibri" panose="020F0502020204030204" pitchFamily="34" charset="0"/>
+                      </a:rPr>
+                      <m:t>(11</m:t>
+                    </m:r>
+                    <m:r>
+                      <a:rPr lang="en-US" sz="1800" i="1" dirty="0">
+                        <a:latin typeface="Cambria Math" panose="02040503050406030204" pitchFamily="18" charset="0"/>
+                        <a:cs typeface="Calibri" panose="020F0502020204030204" pitchFamily="34" charset="0"/>
+                      </a:rPr>
+                      <m:t>) (</m:t>
+                    </m:r>
+                    <m:r>
+                      <a:rPr lang="en-US" sz="1800" i="1" dirty="0">
+                        <a:latin typeface="Cambria Math" panose="02040503050406030204" pitchFamily="18" charset="0"/>
+                        <a:cs typeface="Calibri" panose="020F0502020204030204" pitchFamily="34" charset="0"/>
+                      </a:rPr>
+                      <m:t>𝑚𝑜𝑑</m:t>
+                    </m:r>
+                    <m:r>
+                      <a:rPr lang="en-US" sz="1800" i="1" dirty="0">
+                        <a:latin typeface="Cambria Math" panose="02040503050406030204" pitchFamily="18" charset="0"/>
+                        <a:cs typeface="Calibri" panose="020F0502020204030204" pitchFamily="34" charset="0"/>
+                      </a:rPr>
+                      <m:t> 228)</m:t>
+                    </m:r>
+                  </m:oMath>
+                </a14:m>
+                <a:endParaRPr lang="en-US" sz="1800" dirty="0">
+                  <a:latin typeface="Calibri" panose="020F0502020204030204" pitchFamily="34" charset="0"/>
+                  <a:cs typeface="Calibri" panose="020F0502020204030204" pitchFamily="34" charset="0"/>
+                </a:endParaRPr>
+              </a:p>
+              <a:p>
+                <a:pPr marL="914400" lvl="1" indent="-457200">
+                  <a:lnSpc>
+                    <a:spcPct val="90000"/>
+                  </a:lnSpc>
+                  <a:spcBef>
+                    <a:spcPts val="200"/>
+                  </a:spcBef>
+                  <a:buFont typeface="+mj-lt"/>
+                  <a:buAutoNum type="arabicPeriod"/>
+                </a:pPr>
+                <a14:m>
+                  <m:oMath xmlns:m="http://schemas.openxmlformats.org/officeDocument/2006/math">
+                    <m:r>
+                      <a:rPr lang="en-US" sz="1800" i="1" dirty="0" smtClean="0">
+                        <a:latin typeface="Cambria Math" panose="02040503050406030204" pitchFamily="18" charset="0"/>
+                        <a:cs typeface="Calibri" panose="020F0502020204030204" pitchFamily="34" charset="0"/>
+                      </a:rPr>
+                      <m:t>206= </m:t>
+                    </m:r>
+                    <m:r>
+                      <a:rPr lang="en-US" sz="1800" i="1" dirty="0" smtClean="0">
+                        <a:latin typeface="Cambria Math" panose="02040503050406030204" pitchFamily="18" charset="0"/>
+                        <a:cs typeface="Calibri" panose="020F0502020204030204" pitchFamily="34" charset="0"/>
+                      </a:rPr>
+                      <m:t>𝐿</m:t>
+                    </m:r>
+                    <m:r>
+                      <a:rPr lang="en-US" sz="1800" i="1" baseline="-25000" dirty="0" smtClean="0">
+                        <a:latin typeface="Cambria Math" panose="02040503050406030204" pitchFamily="18" charset="0"/>
+                        <a:cs typeface="Calibri" panose="020F0502020204030204" pitchFamily="34" charset="0"/>
+                      </a:rPr>
+                      <m:t>6</m:t>
+                    </m:r>
+                    <m:r>
+                      <a:rPr lang="en-US" sz="1800" i="1" dirty="0" smtClean="0">
+                        <a:latin typeface="Cambria Math" panose="02040503050406030204" pitchFamily="18" charset="0"/>
+                        <a:cs typeface="Calibri" panose="020F0502020204030204" pitchFamily="34" charset="0"/>
+                      </a:rPr>
+                      <m:t>(2</m:t>
+                    </m:r>
+                    <m:r>
+                      <a:rPr lang="en-US" sz="1800" i="1" dirty="0">
+                        <a:latin typeface="Cambria Math" panose="02040503050406030204" pitchFamily="18" charset="0"/>
+                        <a:cs typeface="Calibri" panose="020F0502020204030204" pitchFamily="34" charset="0"/>
+                      </a:rPr>
+                      <m:t>)+</m:t>
+                    </m:r>
+                    <m:r>
+                      <a:rPr lang="en-US" sz="1800" i="1" dirty="0" smtClean="0">
+                        <a:latin typeface="Cambria Math" panose="02040503050406030204" pitchFamily="18" charset="0"/>
+                        <a:cs typeface="Calibri" panose="020F0502020204030204" pitchFamily="34" charset="0"/>
+                      </a:rPr>
+                      <m:t>𝐿</m:t>
+                    </m:r>
+                    <m:r>
+                      <a:rPr lang="en-US" sz="1800" i="1" baseline="-25000" dirty="0" smtClean="0">
+                        <a:latin typeface="Cambria Math" panose="02040503050406030204" pitchFamily="18" charset="0"/>
+                        <a:cs typeface="Calibri" panose="020F0502020204030204" pitchFamily="34" charset="0"/>
+                      </a:rPr>
+                      <m:t>6</m:t>
+                    </m:r>
+                    <m:r>
+                      <a:rPr lang="en-US" sz="1800" i="1" dirty="0" smtClean="0">
+                        <a:latin typeface="Cambria Math" panose="02040503050406030204" pitchFamily="18" charset="0"/>
+                        <a:cs typeface="Calibri" panose="020F0502020204030204" pitchFamily="34" charset="0"/>
+                      </a:rPr>
+                      <m:t>(3</m:t>
+                    </m:r>
+                    <m:r>
+                      <a:rPr lang="en-US" sz="1800" i="1" dirty="0">
+                        <a:latin typeface="Cambria Math" panose="02040503050406030204" pitchFamily="18" charset="0"/>
+                        <a:cs typeface="Calibri" panose="020F0502020204030204" pitchFamily="34" charset="0"/>
+                      </a:rPr>
+                      <m:t>)+</m:t>
+                    </m:r>
+                    <m:r>
+                      <a:rPr lang="en-US" sz="1800" i="1" dirty="0" smtClean="0">
+                        <a:latin typeface="Cambria Math" panose="02040503050406030204" pitchFamily="18" charset="0"/>
+                        <a:cs typeface="Calibri" panose="020F0502020204030204" pitchFamily="34" charset="0"/>
+                      </a:rPr>
+                      <m:t>𝐿</m:t>
+                    </m:r>
+                    <m:r>
+                      <a:rPr lang="en-US" sz="1800" i="1" baseline="-25000" dirty="0" smtClean="0">
+                        <a:latin typeface="Cambria Math" panose="02040503050406030204" pitchFamily="18" charset="0"/>
+                        <a:cs typeface="Calibri" panose="020F0502020204030204" pitchFamily="34" charset="0"/>
+                      </a:rPr>
+                      <m:t>6</m:t>
+                    </m:r>
+                    <m:r>
+                      <a:rPr lang="en-US" sz="1800" i="1" dirty="0" smtClean="0">
+                        <a:latin typeface="Cambria Math" panose="02040503050406030204" pitchFamily="18" charset="0"/>
+                        <a:cs typeface="Calibri" panose="020F0502020204030204" pitchFamily="34" charset="0"/>
+                      </a:rPr>
+                      <m:t>(5</m:t>
+                    </m:r>
+                    <m:r>
+                      <a:rPr lang="en-US" sz="1800" i="1" dirty="0">
+                        <a:latin typeface="Cambria Math" panose="02040503050406030204" pitchFamily="18" charset="0"/>
+                        <a:cs typeface="Calibri" panose="020F0502020204030204" pitchFamily="34" charset="0"/>
+                      </a:rPr>
+                      <m:t>)+</m:t>
+                    </m:r>
+                    <m:r>
+                      <a:rPr lang="en-US" sz="1800" i="1" dirty="0" smtClean="0">
+                        <a:latin typeface="Cambria Math" panose="02040503050406030204" pitchFamily="18" charset="0"/>
+                        <a:cs typeface="Calibri" panose="020F0502020204030204" pitchFamily="34" charset="0"/>
+                      </a:rPr>
+                      <m:t>𝐿</m:t>
+                    </m:r>
+                    <m:r>
+                      <a:rPr lang="en-US" sz="1800" i="1" baseline="-25000" dirty="0" smtClean="0">
+                        <a:latin typeface="Cambria Math" panose="02040503050406030204" pitchFamily="18" charset="0"/>
+                        <a:cs typeface="Calibri" panose="020F0502020204030204" pitchFamily="34" charset="0"/>
+                      </a:rPr>
+                      <m:t>6</m:t>
+                    </m:r>
+                    <m:r>
+                      <a:rPr lang="en-US" sz="1800" i="1" dirty="0" smtClean="0">
+                        <a:latin typeface="Cambria Math" panose="02040503050406030204" pitchFamily="18" charset="0"/>
+                        <a:cs typeface="Calibri" panose="020F0502020204030204" pitchFamily="34" charset="0"/>
+                      </a:rPr>
+                      <m:t>(7</m:t>
+                    </m:r>
+                    <m:r>
+                      <a:rPr lang="en-US" sz="1800" i="1" dirty="0">
+                        <a:latin typeface="Cambria Math" panose="02040503050406030204" pitchFamily="18" charset="0"/>
+                        <a:cs typeface="Calibri" panose="020F0502020204030204" pitchFamily="34" charset="0"/>
+                      </a:rPr>
+                      <m:t>) (</m:t>
+                    </m:r>
+                    <m:r>
+                      <a:rPr lang="en-US" sz="1800" i="1" dirty="0">
+                        <a:latin typeface="Cambria Math" panose="02040503050406030204" pitchFamily="18" charset="0"/>
+                        <a:cs typeface="Calibri" panose="020F0502020204030204" pitchFamily="34" charset="0"/>
+                      </a:rPr>
+                      <m:t>𝑚𝑜𝑑</m:t>
+                    </m:r>
+                    <m:r>
+                      <a:rPr lang="en-US" sz="1800" i="1" dirty="0">
+                        <a:latin typeface="Cambria Math" panose="02040503050406030204" pitchFamily="18" charset="0"/>
+                        <a:cs typeface="Calibri" panose="020F0502020204030204" pitchFamily="34" charset="0"/>
+                      </a:rPr>
+                      <m:t> 228)</m:t>
+                    </m:r>
+                  </m:oMath>
+                </a14:m>
+                <a:endParaRPr lang="en-US" sz="1800" dirty="0">
+                  <a:latin typeface="Calibri" panose="020F0502020204030204" pitchFamily="34" charset="0"/>
+                  <a:cs typeface="Calibri" panose="020F0502020204030204" pitchFamily="34" charset="0"/>
+                </a:endParaRPr>
+              </a:p>
+              <a:p>
+                <a:pPr marL="914400" lvl="1" indent="-457200">
+                  <a:lnSpc>
+                    <a:spcPct val="90000"/>
+                  </a:lnSpc>
+                  <a:buNone/>
+                </a:pPr>
+                <a:endParaRPr lang="en-US" sz="2000" dirty="0"/>
+              </a:p>
+            </p:txBody>
+          </p:sp>
+        </mc:Choice>
+        <mc:Fallback>
+          <p:sp>
+            <p:nvSpPr>
+              <p:cNvPr id="84997" name="Rectangle 3"/>
+              <p:cNvSpPr>
+                <a:spLocks noGrp="1" noRot="1" noChangeAspect="1" noMove="1" noResize="1" noEditPoints="1" noAdjustHandles="1" noChangeArrowheads="1" noChangeShapeType="1" noTextEdit="1"/>
+              </p:cNvSpPr>
+              <p:nvPr>
+                <p:ph type="body" idx="1"/>
+              </p:nvPr>
+            </p:nvSpPr>
+            <p:spPr>
+              <a:xfrm>
+                <a:off x="419100" y="1371600"/>
+                <a:ext cx="8305800" cy="5181600"/>
+              </a:xfrm>
+              <a:blipFill>
+                <a:blip r:embed="rId3"/>
+                <a:stretch>
+                  <a:fillRect l="-917" t="-490"/>
+                </a:stretch>
+              </a:blipFill>
+            </p:spPr>
+            <p:txBody>
+              <a:bodyPr/>
+              <a:lstStyle/>
+              <a:p>
+                <a:r>
+                  <a:rPr lang="en-US">
+                    <a:noFill/>
+                  </a:rPr>
+                  <a:t> </a:t>
+                </a:r>
+              </a:p>
+            </p:txBody>
+          </p:sp>
+        </mc:Fallback>
+      </mc:AlternateContent>
     </p:spTree>
   </p:cSld>
   <p:clrMapOvr>
@@ -21617,8 +22150,8 @@
           </a:p>
         </p:txBody>
       </p:sp>
-      <mc:AlternateContent xmlns:mc="http://schemas.openxmlformats.org/markup-compatibility/2006" xmlns:a14="http://schemas.microsoft.com/office/drawing/2010/main">
-        <mc:Choice Requires="a14">
+      <mc:AlternateContent xmlns:mc="http://schemas.openxmlformats.org/markup-compatibility/2006">
+        <mc:Choice xmlns:a14="http://schemas.microsoft.com/office/drawing/2010/main" Requires="a14">
           <p:sp>
             <p:nvSpPr>
               <p:cNvPr id="84997" name="Rectangle 3"/>
@@ -21664,26 +22197,79 @@
                     <a:spcPts val="200"/>
                   </a:spcBef>
                 </a:pPr>
+                <a14:m>
+                  <m:oMath xmlns:m="http://schemas.openxmlformats.org/officeDocument/2006/math">
+                    <m:r>
+                      <a:rPr lang="en-US" sz="2000" i="1" dirty="0" smtClean="0">
+                        <a:latin typeface="Cambria Math" panose="02040503050406030204" pitchFamily="18" charset="0"/>
+                        <a:cs typeface="Calibri" panose="020F0502020204030204" pitchFamily="34" charset="0"/>
+                      </a:rPr>
+                      <m:t>𝑝</m:t>
+                    </m:r>
+                    <m:r>
+                      <a:rPr lang="en-US" sz="2000" i="1" dirty="0" smtClean="0">
+                        <a:latin typeface="Cambria Math" panose="02040503050406030204" pitchFamily="18" charset="0"/>
+                        <a:cs typeface="Calibri" panose="020F0502020204030204" pitchFamily="34" charset="0"/>
+                      </a:rPr>
+                      <m:t>=229. </m:t>
+                    </m:r>
+                    <m:r>
+                      <a:rPr lang="en-US" sz="2000" i="1" dirty="0" smtClean="0">
+                        <a:latin typeface="Cambria Math" panose="02040503050406030204" pitchFamily="18" charset="0"/>
+                        <a:cs typeface="Calibri" panose="020F0502020204030204" pitchFamily="34" charset="0"/>
+                      </a:rPr>
+                      <m:t>𝑔</m:t>
+                    </m:r>
+                    <m:r>
+                      <a:rPr lang="en-US" sz="2000" i="1" dirty="0" smtClean="0">
+                        <a:latin typeface="Cambria Math" panose="02040503050406030204" pitchFamily="18" charset="0"/>
+                        <a:cs typeface="Calibri" panose="020F0502020204030204" pitchFamily="34" charset="0"/>
+                      </a:rPr>
+                      <m:t>=6.  &lt;</m:t>
+                    </m:r>
+                    <m:r>
+                      <a:rPr lang="en-US" sz="2000" i="1" dirty="0" smtClean="0">
+                        <a:latin typeface="Cambria Math" panose="02040503050406030204" pitchFamily="18" charset="0"/>
+                        <a:cs typeface="Calibri" panose="020F0502020204030204" pitchFamily="34" charset="0"/>
+                      </a:rPr>
+                      <m:t>𝑔</m:t>
+                    </m:r>
+                    <m:r>
+                      <a:rPr lang="en-US" sz="2000" i="1" dirty="0" smtClean="0">
+                        <a:latin typeface="Cambria Math" panose="02040503050406030204" pitchFamily="18" charset="0"/>
+                        <a:cs typeface="Calibri" panose="020F0502020204030204" pitchFamily="34" charset="0"/>
+                      </a:rPr>
+                      <m:t>&gt;= </m:t>
+                    </m:r>
+                    <m:r>
+                      <a:rPr lang="en-US" sz="2000" i="1" dirty="0">
+                        <a:latin typeface="Cambria Math" panose="02040503050406030204" pitchFamily="18" charset="0"/>
+                        <a:cs typeface="Calibri" panose="020F0502020204030204" pitchFamily="34" charset="0"/>
+                      </a:rPr>
+                      <m:t>𝐹</m:t>
+                    </m:r>
+                    <m:r>
+                      <a:rPr lang="en-US" sz="2000" i="1" baseline="-25000" dirty="0">
+                        <a:latin typeface="Cambria Math" panose="02040503050406030204" pitchFamily="18" charset="0"/>
+                        <a:cs typeface="Calibri" panose="020F0502020204030204" pitchFamily="34" charset="0"/>
+                      </a:rPr>
+                      <m:t>229</m:t>
+                    </m:r>
+                    <m:r>
+                      <a:rPr lang="en-US" sz="2000" i="1" dirty="0">
+                        <a:latin typeface="Cambria Math" panose="02040503050406030204" pitchFamily="18" charset="0"/>
+                        <a:cs typeface="Calibri" panose="020F0502020204030204" pitchFamily="34" charset="0"/>
+                      </a:rPr>
+                      <m:t>∗</m:t>
+                    </m:r>
+                  </m:oMath>
+                </a14:m>
                 <a:r>
                   <a:rPr lang="en-US" sz="2000" dirty="0">
                     <a:latin typeface="Calibri" panose="020F0502020204030204" pitchFamily="34" charset="0"/>
                     <a:cs typeface="Calibri" panose="020F0502020204030204" pitchFamily="34" charset="0"/>
                   </a:rPr>
-                  <a:t>p=229. a=6.  &lt;a&gt;= F</a:t>
-                </a:r>
-                <a:r>
-                  <a:rPr lang="en-US" sz="2000" baseline="-25000" dirty="0">
-                    <a:latin typeface="Calibri" panose="020F0502020204030204" pitchFamily="34" charset="0"/>
-                    <a:cs typeface="Calibri" panose="020F0502020204030204" pitchFamily="34" charset="0"/>
-                  </a:rPr>
-                  <a:t>229</a:t>
-                </a:r>
-                <a:r>
-                  <a:rPr lang="en-US" sz="2000" dirty="0">
-                    <a:latin typeface="Calibri" panose="020F0502020204030204" pitchFamily="34" charset="0"/>
-                    <a:cs typeface="Calibri" panose="020F0502020204030204" pitchFamily="34" charset="0"/>
-                  </a:rPr>
-                  <a:t>*.  n=228. Solving, we got:</a:t>
+                  <a:t>.  Solving, we got:</a:t>
                 </a:r>
               </a:p>
               <a:p>
@@ -21695,27 +22281,56 @@
                     <a:spcPts val="200"/>
                   </a:spcBef>
                 </a:pPr>
-                <a:r>
-                  <a:rPr lang="en-US" sz="2000" dirty="0">
-                    <a:latin typeface="Calibri" panose="020F0502020204030204" pitchFamily="34" charset="0"/>
-                    <a:cs typeface="Calibri" panose="020F0502020204030204" pitchFamily="34" charset="0"/>
-                  </a:rPr>
-                  <a:t>L</a:t>
-                </a:r>
-                <a:r>
-                  <a:rPr lang="en-US" sz="2000" baseline="-25000" dirty="0">
-                    <a:latin typeface="Calibri" panose="020F0502020204030204" pitchFamily="34" charset="0"/>
-                    <a:cs typeface="Calibri" panose="020F0502020204030204" pitchFamily="34" charset="0"/>
-                  </a:rPr>
-                  <a:t>a</a:t>
-                </a:r>
-                <a:r>
-                  <a:rPr lang="en-US" sz="2000" dirty="0">
-                    <a:latin typeface="Calibri" panose="020F0502020204030204" pitchFamily="34" charset="0"/>
-                    <a:cs typeface="Calibri" panose="020F0502020204030204" pitchFamily="34" charset="0"/>
-                  </a:rPr>
-                  <a:t>(2)= 21 (mod 228)</a:t>
-                </a:r>
+                <a14:m>
+                  <m:oMath xmlns:m="http://schemas.openxmlformats.org/officeDocument/2006/math">
+                    <m:r>
+                      <a:rPr lang="en-US" sz="2000" i="1" dirty="0" smtClean="0">
+                        <a:latin typeface="Cambria Math" panose="02040503050406030204" pitchFamily="18" charset="0"/>
+                        <a:cs typeface="Calibri" panose="020F0502020204030204" pitchFamily="34" charset="0"/>
+                      </a:rPr>
+                      <m:t>𝐿</m:t>
+                    </m:r>
+                    <m:r>
+                      <a:rPr lang="en-US" sz="2000" i="1" baseline="-25000" dirty="0">
+                        <a:latin typeface="Cambria Math" panose="02040503050406030204" pitchFamily="18" charset="0"/>
+                        <a:cs typeface="Calibri" panose="020F0502020204030204" pitchFamily="34" charset="0"/>
+                      </a:rPr>
+                      <m:t>6</m:t>
+                    </m:r>
+                    <m:r>
+                      <a:rPr lang="en-US" sz="2000" i="1" dirty="0" smtClean="0">
+                        <a:latin typeface="Cambria Math" panose="02040503050406030204" pitchFamily="18" charset="0"/>
+                        <a:cs typeface="Calibri" panose="020F0502020204030204" pitchFamily="34" charset="0"/>
+                      </a:rPr>
+                      <m:t>(2</m:t>
+                    </m:r>
+                    <m:r>
+                      <a:rPr lang="en-US" sz="2000" i="1" dirty="0">
+                        <a:latin typeface="Cambria Math" panose="02040503050406030204" pitchFamily="18" charset="0"/>
+                        <a:cs typeface="Calibri" panose="020F0502020204030204" pitchFamily="34" charset="0"/>
+                      </a:rPr>
+                      <m:t>)= 21 (</m:t>
+                    </m:r>
+                    <m:r>
+                      <a:rPr lang="en-US" sz="2000" i="1" dirty="0">
+                        <a:latin typeface="Cambria Math" panose="02040503050406030204" pitchFamily="18" charset="0"/>
+                        <a:cs typeface="Calibri" panose="020F0502020204030204" pitchFamily="34" charset="0"/>
+                      </a:rPr>
+                      <m:t>𝑚𝑜𝑑</m:t>
+                    </m:r>
+                    <m:r>
+                      <a:rPr lang="en-US" sz="2000" i="1" dirty="0">
+                        <a:latin typeface="Cambria Math" panose="02040503050406030204" pitchFamily="18" charset="0"/>
+                        <a:cs typeface="Calibri" panose="020F0502020204030204" pitchFamily="34" charset="0"/>
+                      </a:rPr>
+                      <m:t> 228)</m:t>
+                    </m:r>
+                  </m:oMath>
+                </a14:m>
+                <a:endParaRPr lang="en-US" sz="2000" dirty="0">
+                  <a:latin typeface="Calibri" panose="020F0502020204030204" pitchFamily="34" charset="0"/>
+                  <a:cs typeface="Calibri" panose="020F0502020204030204" pitchFamily="34" charset="0"/>
+                </a:endParaRPr>
               </a:p>
               <a:p>
                 <a:pPr marL="914400" lvl="1" indent="-457200">
@@ -21726,27 +22341,56 @@
                     <a:spcPts val="200"/>
                   </a:spcBef>
                 </a:pPr>
-                <a:r>
-                  <a:rPr lang="en-US" sz="2000" dirty="0">
-                    <a:latin typeface="Calibri" panose="020F0502020204030204" pitchFamily="34" charset="0"/>
-                    <a:cs typeface="Calibri" panose="020F0502020204030204" pitchFamily="34" charset="0"/>
-                  </a:rPr>
-                  <a:t>L</a:t>
-                </a:r>
-                <a:r>
-                  <a:rPr lang="en-US" sz="2000" baseline="-25000" dirty="0">
-                    <a:latin typeface="Calibri" panose="020F0502020204030204" pitchFamily="34" charset="0"/>
-                    <a:cs typeface="Calibri" panose="020F0502020204030204" pitchFamily="34" charset="0"/>
-                  </a:rPr>
-                  <a:t>a</a:t>
-                </a:r>
-                <a:r>
-                  <a:rPr lang="en-US" sz="2000" dirty="0">
-                    <a:latin typeface="Calibri" panose="020F0502020204030204" pitchFamily="34" charset="0"/>
-                    <a:cs typeface="Calibri" panose="020F0502020204030204" pitchFamily="34" charset="0"/>
-                  </a:rPr>
-                  <a:t>(3)= 208 (mod 228)</a:t>
-                </a:r>
+                <a14:m>
+                  <m:oMath xmlns:m="http://schemas.openxmlformats.org/officeDocument/2006/math">
+                    <m:r>
+                      <a:rPr lang="en-US" sz="2000" i="1" dirty="0" smtClean="0">
+                        <a:latin typeface="Cambria Math" panose="02040503050406030204" pitchFamily="18" charset="0"/>
+                        <a:cs typeface="Calibri" panose="020F0502020204030204" pitchFamily="34" charset="0"/>
+                      </a:rPr>
+                      <m:t>𝐿</m:t>
+                    </m:r>
+                    <m:r>
+                      <a:rPr lang="en-US" sz="2000" i="1" baseline="-25000" dirty="0">
+                        <a:latin typeface="Cambria Math" panose="02040503050406030204" pitchFamily="18" charset="0"/>
+                        <a:cs typeface="Calibri" panose="020F0502020204030204" pitchFamily="34" charset="0"/>
+                      </a:rPr>
+                      <m:t>6</m:t>
+                    </m:r>
+                    <m:r>
+                      <a:rPr lang="en-US" sz="2000" i="1" dirty="0" smtClean="0">
+                        <a:latin typeface="Cambria Math" panose="02040503050406030204" pitchFamily="18" charset="0"/>
+                        <a:cs typeface="Calibri" panose="020F0502020204030204" pitchFamily="34" charset="0"/>
+                      </a:rPr>
+                      <m:t>(3</m:t>
+                    </m:r>
+                    <m:r>
+                      <a:rPr lang="en-US" sz="2000" i="1" dirty="0">
+                        <a:latin typeface="Cambria Math" panose="02040503050406030204" pitchFamily="18" charset="0"/>
+                        <a:cs typeface="Calibri" panose="020F0502020204030204" pitchFamily="34" charset="0"/>
+                      </a:rPr>
+                      <m:t>)= 208 (</m:t>
+                    </m:r>
+                    <m:r>
+                      <a:rPr lang="en-US" sz="2000" i="1" dirty="0">
+                        <a:latin typeface="Cambria Math" panose="02040503050406030204" pitchFamily="18" charset="0"/>
+                        <a:cs typeface="Calibri" panose="020F0502020204030204" pitchFamily="34" charset="0"/>
+                      </a:rPr>
+                      <m:t>𝑚𝑜𝑑</m:t>
+                    </m:r>
+                    <m:r>
+                      <a:rPr lang="en-US" sz="2000" i="1" dirty="0">
+                        <a:latin typeface="Cambria Math" panose="02040503050406030204" pitchFamily="18" charset="0"/>
+                        <a:cs typeface="Calibri" panose="020F0502020204030204" pitchFamily="34" charset="0"/>
+                      </a:rPr>
+                      <m:t> 228)</m:t>
+                    </m:r>
+                  </m:oMath>
+                </a14:m>
+                <a:endParaRPr lang="en-US" sz="2000" dirty="0">
+                  <a:latin typeface="Calibri" panose="020F0502020204030204" pitchFamily="34" charset="0"/>
+                  <a:cs typeface="Calibri" panose="020F0502020204030204" pitchFamily="34" charset="0"/>
+                </a:endParaRPr>
               </a:p>
               <a:p>
                 <a:pPr marL="914400" lvl="1" indent="-457200">
@@ -21757,27 +22401,56 @@
                     <a:spcPts val="200"/>
                   </a:spcBef>
                 </a:pPr>
-                <a:r>
-                  <a:rPr lang="en-US" sz="2000" dirty="0">
-                    <a:latin typeface="Calibri" panose="020F0502020204030204" pitchFamily="34" charset="0"/>
-                    <a:cs typeface="Calibri" panose="020F0502020204030204" pitchFamily="34" charset="0"/>
-                  </a:rPr>
-                  <a:t>L</a:t>
-                </a:r>
-                <a:r>
-                  <a:rPr lang="en-US" sz="2000" baseline="-25000" dirty="0">
-                    <a:latin typeface="Calibri" panose="020F0502020204030204" pitchFamily="34" charset="0"/>
-                    <a:cs typeface="Calibri" panose="020F0502020204030204" pitchFamily="34" charset="0"/>
-                  </a:rPr>
-                  <a:t>a</a:t>
-                </a:r>
-                <a:r>
-                  <a:rPr lang="en-US" sz="2000" dirty="0">
-                    <a:latin typeface="Calibri" panose="020F0502020204030204" pitchFamily="34" charset="0"/>
-                    <a:cs typeface="Calibri" panose="020F0502020204030204" pitchFamily="34" charset="0"/>
-                  </a:rPr>
-                  <a:t>(5) = 98 (mod 228)</a:t>
-                </a:r>
+                <a14:m>
+                  <m:oMath xmlns:m="http://schemas.openxmlformats.org/officeDocument/2006/math">
+                    <m:r>
+                      <a:rPr lang="en-US" sz="2000" i="1" dirty="0" smtClean="0">
+                        <a:latin typeface="Cambria Math" panose="02040503050406030204" pitchFamily="18" charset="0"/>
+                        <a:cs typeface="Calibri" panose="020F0502020204030204" pitchFamily="34" charset="0"/>
+                      </a:rPr>
+                      <m:t>𝐿</m:t>
+                    </m:r>
+                    <m:r>
+                      <a:rPr lang="en-US" sz="2000" i="1" baseline="-25000" dirty="0">
+                        <a:latin typeface="Cambria Math" panose="02040503050406030204" pitchFamily="18" charset="0"/>
+                        <a:cs typeface="Calibri" panose="020F0502020204030204" pitchFamily="34" charset="0"/>
+                      </a:rPr>
+                      <m:t>6</m:t>
+                    </m:r>
+                    <m:r>
+                      <a:rPr lang="en-US" sz="2000" i="1" dirty="0" smtClean="0">
+                        <a:latin typeface="Cambria Math" panose="02040503050406030204" pitchFamily="18" charset="0"/>
+                        <a:cs typeface="Calibri" panose="020F0502020204030204" pitchFamily="34" charset="0"/>
+                      </a:rPr>
+                      <m:t>(5</m:t>
+                    </m:r>
+                    <m:r>
+                      <a:rPr lang="en-US" sz="2000" i="1" dirty="0">
+                        <a:latin typeface="Cambria Math" panose="02040503050406030204" pitchFamily="18" charset="0"/>
+                        <a:cs typeface="Calibri" panose="020F0502020204030204" pitchFamily="34" charset="0"/>
+                      </a:rPr>
+                      <m:t>) = 98 (</m:t>
+                    </m:r>
+                    <m:r>
+                      <a:rPr lang="en-US" sz="2000" i="1" dirty="0">
+                        <a:latin typeface="Cambria Math" panose="02040503050406030204" pitchFamily="18" charset="0"/>
+                        <a:cs typeface="Calibri" panose="020F0502020204030204" pitchFamily="34" charset="0"/>
+                      </a:rPr>
+                      <m:t>𝑚𝑜𝑑</m:t>
+                    </m:r>
+                    <m:r>
+                      <a:rPr lang="en-US" sz="2000" i="1" dirty="0">
+                        <a:latin typeface="Cambria Math" panose="02040503050406030204" pitchFamily="18" charset="0"/>
+                        <a:cs typeface="Calibri" panose="020F0502020204030204" pitchFamily="34" charset="0"/>
+                      </a:rPr>
+                      <m:t> 228)</m:t>
+                    </m:r>
+                  </m:oMath>
+                </a14:m>
+                <a:endParaRPr lang="en-US" sz="2000" dirty="0">
+                  <a:latin typeface="Calibri" panose="020F0502020204030204" pitchFamily="34" charset="0"/>
+                  <a:cs typeface="Calibri" panose="020F0502020204030204" pitchFamily="34" charset="0"/>
+                </a:endParaRPr>
               </a:p>
               <a:p>
                 <a:pPr marL="914400" lvl="1" indent="-457200">
@@ -21788,27 +22461,56 @@
                     <a:spcPts val="200"/>
                   </a:spcBef>
                 </a:pPr>
-                <a:r>
-                  <a:rPr lang="en-US" sz="2000" dirty="0">
-                    <a:latin typeface="Calibri" panose="020F0502020204030204" pitchFamily="34" charset="0"/>
-                    <a:cs typeface="Calibri" panose="020F0502020204030204" pitchFamily="34" charset="0"/>
-                  </a:rPr>
-                  <a:t>L</a:t>
-                </a:r>
-                <a:r>
-                  <a:rPr lang="en-US" sz="2000" baseline="-25000" dirty="0">
-                    <a:latin typeface="Calibri" panose="020F0502020204030204" pitchFamily="34" charset="0"/>
-                    <a:cs typeface="Calibri" panose="020F0502020204030204" pitchFamily="34" charset="0"/>
-                  </a:rPr>
-                  <a:t>a</a:t>
-                </a:r>
-                <a:r>
-                  <a:rPr lang="en-US" sz="2000" dirty="0">
-                    <a:latin typeface="Calibri" panose="020F0502020204030204" pitchFamily="34" charset="0"/>
-                    <a:cs typeface="Calibri" panose="020F0502020204030204" pitchFamily="34" charset="0"/>
-                  </a:rPr>
-                  <a:t>(7)= 107 (mod 228)</a:t>
-                </a:r>
+                <a14:m>
+                  <m:oMath xmlns:m="http://schemas.openxmlformats.org/officeDocument/2006/math">
+                    <m:r>
+                      <a:rPr lang="en-US" sz="2000" i="1" dirty="0" smtClean="0">
+                        <a:latin typeface="Cambria Math" panose="02040503050406030204" pitchFamily="18" charset="0"/>
+                        <a:cs typeface="Calibri" panose="020F0502020204030204" pitchFamily="34" charset="0"/>
+                      </a:rPr>
+                      <m:t>𝐿</m:t>
+                    </m:r>
+                    <m:r>
+                      <a:rPr lang="en-US" sz="2000" i="1" baseline="-25000" dirty="0">
+                        <a:latin typeface="Cambria Math" panose="02040503050406030204" pitchFamily="18" charset="0"/>
+                        <a:cs typeface="Calibri" panose="020F0502020204030204" pitchFamily="34" charset="0"/>
+                      </a:rPr>
+                      <m:t>6</m:t>
+                    </m:r>
+                    <m:r>
+                      <a:rPr lang="en-US" sz="2000" i="1" dirty="0" smtClean="0">
+                        <a:latin typeface="Cambria Math" panose="02040503050406030204" pitchFamily="18" charset="0"/>
+                        <a:cs typeface="Calibri" panose="020F0502020204030204" pitchFamily="34" charset="0"/>
+                      </a:rPr>
+                      <m:t>(7</m:t>
+                    </m:r>
+                    <m:r>
+                      <a:rPr lang="en-US" sz="2000" i="1" dirty="0">
+                        <a:latin typeface="Cambria Math" panose="02040503050406030204" pitchFamily="18" charset="0"/>
+                        <a:cs typeface="Calibri" panose="020F0502020204030204" pitchFamily="34" charset="0"/>
+                      </a:rPr>
+                      <m:t>)= 107 (</m:t>
+                    </m:r>
+                    <m:r>
+                      <a:rPr lang="en-US" sz="2000" i="1" dirty="0">
+                        <a:latin typeface="Cambria Math" panose="02040503050406030204" pitchFamily="18" charset="0"/>
+                        <a:cs typeface="Calibri" panose="020F0502020204030204" pitchFamily="34" charset="0"/>
+                      </a:rPr>
+                      <m:t>𝑚𝑜𝑑</m:t>
+                    </m:r>
+                    <m:r>
+                      <a:rPr lang="en-US" sz="2000" i="1" dirty="0">
+                        <a:latin typeface="Cambria Math" panose="02040503050406030204" pitchFamily="18" charset="0"/>
+                        <a:cs typeface="Calibri" panose="020F0502020204030204" pitchFamily="34" charset="0"/>
+                      </a:rPr>
+                      <m:t> 228)</m:t>
+                    </m:r>
+                  </m:oMath>
+                </a14:m>
+                <a:endParaRPr lang="en-US" sz="2000" dirty="0">
+                  <a:latin typeface="Calibri" panose="020F0502020204030204" pitchFamily="34" charset="0"/>
+                  <a:cs typeface="Calibri" panose="020F0502020204030204" pitchFamily="34" charset="0"/>
+                </a:endParaRPr>
               </a:p>
               <a:p>
                 <a:pPr marL="914400" lvl="1" indent="-457200">
@@ -21819,27 +22521,56 @@
                     <a:spcPts val="200"/>
                   </a:spcBef>
                 </a:pPr>
-                <a:r>
-                  <a:rPr lang="en-US" sz="2000" dirty="0">
-                    <a:latin typeface="Calibri" panose="020F0502020204030204" pitchFamily="34" charset="0"/>
-                    <a:cs typeface="Calibri" panose="020F0502020204030204" pitchFamily="34" charset="0"/>
-                  </a:rPr>
-                  <a:t>L</a:t>
-                </a:r>
-                <a:r>
-                  <a:rPr lang="en-US" sz="2000" baseline="-25000" dirty="0">
-                    <a:latin typeface="Calibri" panose="020F0502020204030204" pitchFamily="34" charset="0"/>
-                    <a:cs typeface="Calibri" panose="020F0502020204030204" pitchFamily="34" charset="0"/>
-                  </a:rPr>
-                  <a:t>a</a:t>
-                </a:r>
-                <a:r>
-                  <a:rPr lang="en-US" sz="2000" dirty="0">
-                    <a:latin typeface="Calibri" panose="020F0502020204030204" pitchFamily="34" charset="0"/>
-                    <a:cs typeface="Calibri" panose="020F0502020204030204" pitchFamily="34" charset="0"/>
-                  </a:rPr>
-                  <a:t>(11)= 162 (mod 228)</a:t>
-                </a:r>
+                <a14:m>
+                  <m:oMath xmlns:m="http://schemas.openxmlformats.org/officeDocument/2006/math">
+                    <m:r>
+                      <a:rPr lang="en-US" sz="2000" i="1" dirty="0" smtClean="0">
+                        <a:latin typeface="Cambria Math" panose="02040503050406030204" pitchFamily="18" charset="0"/>
+                        <a:cs typeface="Calibri" panose="020F0502020204030204" pitchFamily="34" charset="0"/>
+                      </a:rPr>
+                      <m:t>𝐿</m:t>
+                    </m:r>
+                    <m:r>
+                      <a:rPr lang="en-US" sz="2000" i="1" baseline="-25000" dirty="0">
+                        <a:latin typeface="Cambria Math" panose="02040503050406030204" pitchFamily="18" charset="0"/>
+                        <a:cs typeface="Calibri" panose="020F0502020204030204" pitchFamily="34" charset="0"/>
+                      </a:rPr>
+                      <m:t>6</m:t>
+                    </m:r>
+                    <m:r>
+                      <a:rPr lang="en-US" sz="2000" i="1" dirty="0" smtClean="0">
+                        <a:latin typeface="Cambria Math" panose="02040503050406030204" pitchFamily="18" charset="0"/>
+                        <a:cs typeface="Calibri" panose="020F0502020204030204" pitchFamily="34" charset="0"/>
+                      </a:rPr>
+                      <m:t>(11</m:t>
+                    </m:r>
+                    <m:r>
+                      <a:rPr lang="en-US" sz="2000" i="1" dirty="0">
+                        <a:latin typeface="Cambria Math" panose="02040503050406030204" pitchFamily="18" charset="0"/>
+                        <a:cs typeface="Calibri" panose="020F0502020204030204" pitchFamily="34" charset="0"/>
+                      </a:rPr>
+                      <m:t>)= 162 (</m:t>
+                    </m:r>
+                    <m:r>
+                      <a:rPr lang="en-US" sz="2000" i="1" dirty="0">
+                        <a:latin typeface="Cambria Math" panose="02040503050406030204" pitchFamily="18" charset="0"/>
+                        <a:cs typeface="Calibri" panose="020F0502020204030204" pitchFamily="34" charset="0"/>
+                      </a:rPr>
+                      <m:t>𝑚𝑜𝑑</m:t>
+                    </m:r>
+                    <m:r>
+                      <a:rPr lang="en-US" sz="2000" i="1" dirty="0">
+                        <a:latin typeface="Cambria Math" panose="02040503050406030204" pitchFamily="18" charset="0"/>
+                        <a:cs typeface="Calibri" panose="020F0502020204030204" pitchFamily="34" charset="0"/>
+                      </a:rPr>
+                      <m:t> 228)</m:t>
+                    </m:r>
+                  </m:oMath>
+                </a14:m>
+                <a:endParaRPr lang="en-US" sz="2000" dirty="0">
+                  <a:latin typeface="Calibri" panose="020F0502020204030204" pitchFamily="34" charset="0"/>
+                  <a:cs typeface="Calibri" panose="020F0502020204030204" pitchFamily="34" charset="0"/>
+                </a:endParaRPr>
               </a:p>
               <a:p>
                 <a:pPr marL="57150" indent="0">
@@ -21888,18 +22619,8 @@
                     <a:latin typeface="Calibri" panose="020F0502020204030204" pitchFamily="34" charset="0"/>
                     <a:cs typeface="Calibri" panose="020F0502020204030204" pitchFamily="34" charset="0"/>
                   </a:rPr>
-                  <a:t>Recall b=13.  Pick k=77</a:t>
+                  <a:t>Recall </a:t>
                 </a:r>
-              </a:p>
-              <a:p>
-                <a:pPr marL="914400" lvl="1" indent="-457200">
-                  <a:lnSpc>
-                    <a:spcPct val="90000"/>
-                  </a:lnSpc>
-                  <a:spcBef>
-                    <a:spcPts val="200"/>
-                  </a:spcBef>
-                </a:pPr>
                 <a14:m>
                   <m:oMath xmlns:m="http://schemas.openxmlformats.org/officeDocument/2006/math">
                     <m:r>
@@ -21907,101 +22628,46 @@
                         <a:latin typeface="Cambria Math" panose="02040503050406030204" pitchFamily="18" charset="0"/>
                         <a:cs typeface="Calibri" panose="020F0502020204030204" pitchFamily="34" charset="0"/>
                       </a:rPr>
-                      <m:t>13</m:t>
+                      <m:t>𝑏</m:t>
+                    </m:r>
+                    <m:r>
+                      <a:rPr lang="en-US" sz="2000" i="1" dirty="0" smtClean="0">
+                        <a:latin typeface="Cambria Math" panose="02040503050406030204" pitchFamily="18" charset="0"/>
+                        <a:cs typeface="Calibri" panose="020F0502020204030204" pitchFamily="34" charset="0"/>
+                      </a:rPr>
+                      <m:t>=13</m:t>
                     </m:r>
                   </m:oMath>
                 </a14:m>
                 <a:r>
-                  <a:rPr lang="en-US" sz="2000" i="0" dirty="0">
-                    <a:latin typeface="+mj-lt"/>
+                  <a:rPr lang="en-US" sz="2000" dirty="0">
+                    <a:latin typeface="Calibri" panose="020F0502020204030204" pitchFamily="34" charset="0"/>
                     <a:cs typeface="Calibri" panose="020F0502020204030204" pitchFamily="34" charset="0"/>
                   </a:rPr>
-                  <a:t> </a:t>
+                  <a:t>.  Pick</a:t>
                 </a:r>
                 <a14:m>
                   <m:oMath xmlns:m="http://schemas.openxmlformats.org/officeDocument/2006/math">
                     <m:r>
                       <a:rPr lang="en-US" sz="2000" i="1" dirty="0" smtClean="0">
                         <a:latin typeface="Cambria Math" panose="02040503050406030204" pitchFamily="18" charset="0"/>
-                        <a:ea typeface="Cambria Math" panose="02040503050406030204" pitchFamily="18" charset="0"/>
-                        <a:cs typeface="Calibri" panose="020F0502020204030204" pitchFamily="34" charset="0"/>
-                      </a:rPr>
-                      <m:t>∙</m:t>
-                    </m:r>
-                  </m:oMath>
-                </a14:m>
-                <a:r>
-                  <a:rPr lang="en-US" sz="2000" i="0" dirty="0">
-                    <a:latin typeface="+mj-lt"/>
-                    <a:cs typeface="Calibri" panose="020F0502020204030204" pitchFamily="34" charset="0"/>
-                  </a:rPr>
-                  <a:t> </a:t>
-                </a:r>
-                <a14:m>
-                  <m:oMath xmlns:m="http://schemas.openxmlformats.org/officeDocument/2006/math">
+                        <a:cs typeface="Calibri" panose="020F0502020204030204" pitchFamily="34" charset="0"/>
+                      </a:rPr>
+                      <m:t> </m:t>
+                    </m:r>
                     <m:r>
                       <a:rPr lang="en-US" sz="2000" i="1" dirty="0" smtClean="0">
                         <a:latin typeface="Cambria Math" panose="02040503050406030204" pitchFamily="18" charset="0"/>
                         <a:cs typeface="Calibri" panose="020F0502020204030204" pitchFamily="34" charset="0"/>
                       </a:rPr>
-                      <m:t>6</m:t>
-                    </m:r>
-                    <m:r>
-                      <a:rPr lang="en-US" sz="2000" i="1" baseline="30000" dirty="0">
-                        <a:latin typeface="Cambria Math" panose="02040503050406030204" pitchFamily="18" charset="0"/>
-                        <a:cs typeface="Calibri" panose="020F0502020204030204" pitchFamily="34" charset="0"/>
-                      </a:rPr>
-                      <m:t>77</m:t>
-                    </m:r>
-                    <m:r>
-                      <a:rPr lang="en-US" sz="2000" i="1" dirty="0">
-                        <a:latin typeface="Cambria Math" panose="02040503050406030204" pitchFamily="18" charset="0"/>
-                        <a:cs typeface="Calibri" panose="020F0502020204030204" pitchFamily="34" charset="0"/>
-                      </a:rPr>
-                      <m:t>= 147 = 3 </m:t>
+                      <m:t>𝑘</m:t>
                     </m:r>
                     <m:r>
                       <a:rPr lang="en-US" sz="2000" i="1" dirty="0" smtClean="0">
                         <a:latin typeface="Cambria Math" panose="02040503050406030204" pitchFamily="18" charset="0"/>
-                        <a:ea typeface="Cambria Math" panose="02040503050406030204" pitchFamily="18" charset="0"/>
-                        <a:cs typeface="Calibri" panose="020F0502020204030204" pitchFamily="34" charset="0"/>
-                      </a:rPr>
-                      <m:t>∙</m:t>
-                    </m:r>
-                    <m:r>
-                      <a:rPr lang="en-US" sz="2000" i="1" dirty="0">
-                        <a:latin typeface="Cambria Math" panose="02040503050406030204" pitchFamily="18" charset="0"/>
-                        <a:cs typeface="Calibri" panose="020F0502020204030204" pitchFamily="34" charset="0"/>
-                      </a:rPr>
-                      <m:t> 7</m:t>
-                    </m:r>
-                    <m:r>
-                      <a:rPr lang="en-US" sz="2000" i="1" baseline="30000" dirty="0">
-                        <a:latin typeface="Cambria Math" panose="02040503050406030204" pitchFamily="18" charset="0"/>
-                        <a:cs typeface="Calibri" panose="020F0502020204030204" pitchFamily="34" charset="0"/>
-                      </a:rPr>
-                      <m:t>2</m:t>
-                    </m:r>
-                    <m:r>
-                      <a:rPr lang="en-US" sz="2000" i="1" dirty="0">
-                        <a:latin typeface="Cambria Math" panose="02040503050406030204" pitchFamily="18" charset="0"/>
-                        <a:cs typeface="Calibri" panose="020F0502020204030204" pitchFamily="34" charset="0"/>
-                      </a:rPr>
-                      <m:t> (</m:t>
-                    </m:r>
-                    <m:r>
-                      <a:rPr lang="en-US" sz="2000" i="1" dirty="0">
-                        <a:latin typeface="Cambria Math" panose="02040503050406030204" pitchFamily="18" charset="0"/>
-                        <a:cs typeface="Calibri" panose="020F0502020204030204" pitchFamily="34" charset="0"/>
-                      </a:rPr>
-                      <m:t>𝑚𝑜𝑑</m:t>
-                    </m:r>
-                    <m:r>
-                      <a:rPr lang="en-US" sz="2000" i="1" dirty="0">
-                        <a:latin typeface="Cambria Math" panose="02040503050406030204" pitchFamily="18" charset="0"/>
-                        <a:cs typeface="Calibri" panose="020F0502020204030204" pitchFamily="34" charset="0"/>
-                      </a:rPr>
-                      <m:t> 229)</m:t>
+                        <a:cs typeface="Calibri" panose="020F0502020204030204" pitchFamily="34" charset="0"/>
+                      </a:rPr>
+                      <m:t>=77</m:t>
                     </m:r>
                   </m:oMath>
                 </a14:m>
@@ -22026,73 +22692,170 @@
                         <a:latin typeface="Cambria Math" panose="02040503050406030204" pitchFamily="18" charset="0"/>
                         <a:cs typeface="Calibri" panose="020F0502020204030204" pitchFamily="34" charset="0"/>
                       </a:rPr>
+                      <m:t>13 </m:t>
+                    </m:r>
+                    <m:r>
+                      <a:rPr lang="en-US" sz="2000" i="1" dirty="0" smtClean="0">
+                        <a:latin typeface="Cambria Math" panose="02040503050406030204" pitchFamily="18" charset="0"/>
+                        <a:ea typeface="Cambria Math" panose="02040503050406030204" pitchFamily="18" charset="0"/>
+                        <a:cs typeface="Calibri" panose="020F0502020204030204" pitchFamily="34" charset="0"/>
+                      </a:rPr>
+                      <m:t>∙</m:t>
+                    </m:r>
+                    <m:r>
+                      <a:rPr lang="en-US" sz="2000" i="1" dirty="0" smtClean="0">
+                        <a:latin typeface="Cambria Math" panose="02040503050406030204" pitchFamily="18" charset="0"/>
+                        <a:cs typeface="Calibri" panose="020F0502020204030204" pitchFamily="34" charset="0"/>
+                      </a:rPr>
+                      <m:t> 6</m:t>
+                    </m:r>
+                    <m:r>
+                      <a:rPr lang="en-US" sz="2000" i="1" baseline="30000" dirty="0" smtClean="0">
+                        <a:latin typeface="Cambria Math" panose="02040503050406030204" pitchFamily="18" charset="0"/>
+                        <a:cs typeface="Calibri" panose="020F0502020204030204" pitchFamily="34" charset="0"/>
+                      </a:rPr>
+                      <m:t>77</m:t>
+                    </m:r>
+                    <m:r>
+                      <a:rPr lang="en-US" sz="2000" i="1" dirty="0" smtClean="0">
+                        <a:latin typeface="Cambria Math" panose="02040503050406030204" pitchFamily="18" charset="0"/>
+                        <a:cs typeface="Calibri" panose="020F0502020204030204" pitchFamily="34" charset="0"/>
+                      </a:rPr>
+                      <m:t>= 147 = 3 </m:t>
+                    </m:r>
+                    <m:r>
+                      <a:rPr lang="en-US" sz="2000" i="1" dirty="0" smtClean="0">
+                        <a:latin typeface="Cambria Math" panose="02040503050406030204" pitchFamily="18" charset="0"/>
+                        <a:ea typeface="Cambria Math" panose="02040503050406030204" pitchFamily="18" charset="0"/>
+                        <a:cs typeface="Calibri" panose="020F0502020204030204" pitchFamily="34" charset="0"/>
+                      </a:rPr>
+                      <m:t>∙</m:t>
+                    </m:r>
+                    <m:r>
+                      <a:rPr lang="en-US" sz="2000" i="1" dirty="0" smtClean="0">
+                        <a:latin typeface="Cambria Math" panose="02040503050406030204" pitchFamily="18" charset="0"/>
+                        <a:cs typeface="Calibri" panose="020F0502020204030204" pitchFamily="34" charset="0"/>
+                      </a:rPr>
+                      <m:t> 7</m:t>
+                    </m:r>
+                    <m:r>
+                      <a:rPr lang="en-US" sz="2000" i="1" baseline="30000" dirty="0" smtClean="0">
+                        <a:latin typeface="Cambria Math" panose="02040503050406030204" pitchFamily="18" charset="0"/>
+                        <a:cs typeface="Calibri" panose="020F0502020204030204" pitchFamily="34" charset="0"/>
+                      </a:rPr>
+                      <m:t>2</m:t>
+                    </m:r>
+                    <m:r>
+                      <a:rPr lang="en-US" sz="2000" i="1" dirty="0" smtClean="0">
+                        <a:latin typeface="Cambria Math" panose="02040503050406030204" pitchFamily="18" charset="0"/>
+                        <a:cs typeface="Calibri" panose="020F0502020204030204" pitchFamily="34" charset="0"/>
+                      </a:rPr>
+                      <m:t> (</m:t>
+                    </m:r>
+                    <m:r>
+                      <a:rPr lang="en-US" sz="2000" i="1" dirty="0" smtClean="0">
+                        <a:latin typeface="Cambria Math" panose="02040503050406030204" pitchFamily="18" charset="0"/>
+                        <a:cs typeface="Calibri" panose="020F0502020204030204" pitchFamily="34" charset="0"/>
+                      </a:rPr>
+                      <m:t>𝑚𝑜𝑑</m:t>
+                    </m:r>
+                    <m:r>
+                      <a:rPr lang="en-US" sz="2000" i="1" dirty="0" smtClean="0">
+                        <a:latin typeface="Cambria Math" panose="02040503050406030204" pitchFamily="18" charset="0"/>
+                        <a:cs typeface="Calibri" panose="020F0502020204030204" pitchFamily="34" charset="0"/>
+                      </a:rPr>
+                      <m:t> 229)</m:t>
+                    </m:r>
+                  </m:oMath>
+                </a14:m>
+                <a:endParaRPr lang="en-US" sz="2000" dirty="0">
+                  <a:latin typeface="Calibri" panose="020F0502020204030204" pitchFamily="34" charset="0"/>
+                  <a:cs typeface="Calibri" panose="020F0502020204030204" pitchFamily="34" charset="0"/>
+                </a:endParaRPr>
+              </a:p>
+              <a:p>
+                <a:pPr marL="914400" lvl="1" indent="-457200">
+                  <a:lnSpc>
+                    <a:spcPct val="90000"/>
+                  </a:lnSpc>
+                  <a:spcBef>
+                    <a:spcPts val="200"/>
+                  </a:spcBef>
+                </a:pPr>
+                <a14:m>
+                  <m:oMath xmlns:m="http://schemas.openxmlformats.org/officeDocument/2006/math">
+                    <m:r>
+                      <a:rPr lang="en-US" sz="2000" i="1" dirty="0" smtClean="0">
+                        <a:latin typeface="Cambria Math" panose="02040503050406030204" pitchFamily="18" charset="0"/>
+                        <a:cs typeface="Calibri" panose="020F0502020204030204" pitchFamily="34" charset="0"/>
+                      </a:rPr>
                       <m:t>𝐿</m:t>
                     </m:r>
                     <m:r>
-                      <a:rPr lang="en-US" sz="2000" i="1" baseline="-25000" dirty="0">
+                      <a:rPr lang="en-US" sz="2000" i="1" baseline="-25000" dirty="0" smtClean="0">
                         <a:latin typeface="Cambria Math" panose="02040503050406030204" pitchFamily="18" charset="0"/>
                         <a:cs typeface="Calibri" panose="020F0502020204030204" pitchFamily="34" charset="0"/>
                       </a:rPr>
                       <m:t>6</m:t>
                     </m:r>
                     <m:r>
-                      <a:rPr lang="en-US" sz="2000" i="1" dirty="0">
+                      <a:rPr lang="en-US" sz="2000" i="1" dirty="0" smtClean="0">
                         <a:latin typeface="Cambria Math" panose="02040503050406030204" pitchFamily="18" charset="0"/>
                         <a:cs typeface="Calibri" panose="020F0502020204030204" pitchFamily="34" charset="0"/>
                       </a:rPr>
                       <m:t>(13)=  (</m:t>
                     </m:r>
                     <m:r>
-                      <a:rPr lang="en-US" sz="2000" i="1" dirty="0">
+                      <a:rPr lang="en-US" sz="2000" i="1" dirty="0" smtClean="0">
                         <a:latin typeface="Cambria Math" panose="02040503050406030204" pitchFamily="18" charset="0"/>
                         <a:cs typeface="Calibri" panose="020F0502020204030204" pitchFamily="34" charset="0"/>
                       </a:rPr>
                       <m:t>𝐿</m:t>
                     </m:r>
                     <m:r>
-                      <a:rPr lang="en-US" sz="2000" i="1" baseline="-25000" dirty="0">
+                      <a:rPr lang="en-US" sz="2000" i="1" baseline="-25000" dirty="0" smtClean="0">
                         <a:latin typeface="Cambria Math" panose="02040503050406030204" pitchFamily="18" charset="0"/>
                         <a:cs typeface="Calibri" panose="020F0502020204030204" pitchFamily="34" charset="0"/>
                       </a:rPr>
                       <m:t>6</m:t>
                     </m:r>
                     <m:r>
-                      <a:rPr lang="en-US" sz="2000" i="1" dirty="0">
+                      <a:rPr lang="en-US" sz="2000" i="1" dirty="0" smtClean="0">
                         <a:latin typeface="Cambria Math" panose="02040503050406030204" pitchFamily="18" charset="0"/>
                         <a:cs typeface="Calibri" panose="020F0502020204030204" pitchFamily="34" charset="0"/>
                       </a:rPr>
                       <m:t>(3)+2</m:t>
                     </m:r>
                     <m:r>
-                      <a:rPr lang="en-US" sz="2000" i="1" dirty="0">
+                      <a:rPr lang="en-US" sz="2000" i="1" dirty="0" smtClean="0">
                         <a:latin typeface="Cambria Math" panose="02040503050406030204" pitchFamily="18" charset="0"/>
                         <a:cs typeface="Calibri" panose="020F0502020204030204" pitchFamily="34" charset="0"/>
                       </a:rPr>
                       <m:t>𝐿</m:t>
                     </m:r>
                     <m:r>
-                      <a:rPr lang="en-US" sz="2000" i="1" baseline="-25000" dirty="0">
+                      <a:rPr lang="en-US" sz="2000" i="1" baseline="-25000" dirty="0" smtClean="0">
                         <a:latin typeface="Cambria Math" panose="02040503050406030204" pitchFamily="18" charset="0"/>
                         <a:cs typeface="Calibri" panose="020F0502020204030204" pitchFamily="34" charset="0"/>
                       </a:rPr>
                       <m:t>6</m:t>
                     </m:r>
                     <m:r>
-                      <a:rPr lang="en-US" sz="2000" i="1" dirty="0">
+                      <a:rPr lang="en-US" sz="2000" i="1" dirty="0" smtClean="0">
                         <a:latin typeface="Cambria Math" panose="02040503050406030204" pitchFamily="18" charset="0"/>
                         <a:cs typeface="Calibri" panose="020F0502020204030204" pitchFamily="34" charset="0"/>
                       </a:rPr>
                       <m:t>(7)−77)= 117 (</m:t>
                     </m:r>
                     <m:r>
-                      <a:rPr lang="en-US" sz="2000" i="1" dirty="0">
+                      <a:rPr lang="en-US" sz="2000" i="1" dirty="0" smtClean="0">
                         <a:latin typeface="Cambria Math" panose="02040503050406030204" pitchFamily="18" charset="0"/>
                         <a:cs typeface="Calibri" panose="020F0502020204030204" pitchFamily="34" charset="0"/>
                       </a:rPr>
                       <m:t>𝑚𝑜𝑑</m:t>
                     </m:r>
                     <m:r>
-                      <a:rPr lang="en-US" sz="2000" i="1" dirty="0">
+                      <a:rPr lang="en-US" sz="2000" i="1" dirty="0" smtClean="0">
                         <a:latin typeface="Cambria Math" panose="02040503050406030204" pitchFamily="18" charset="0"/>
                         <a:cs typeface="Calibri" panose="020F0502020204030204" pitchFamily="34" charset="0"/>
                       </a:rPr>
@@ -22125,7 +22888,7 @@
             </p:txBody>
           </p:sp>
         </mc:Choice>
-        <mc:Fallback xmlns="">
+        <mc:Fallback>
           <p:sp>
             <p:nvSpPr>
               <p:cNvPr id="84997" name="Rectangle 3"/>
@@ -33032,8 +33795,8 @@
           </a:p>
         </p:txBody>
       </p:sp>
-      <mc:AlternateContent xmlns:mc="http://schemas.openxmlformats.org/markup-compatibility/2006">
-        <mc:Choice xmlns:a14="http://schemas.microsoft.com/office/drawing/2010/main" Requires="a14">
+      <mc:AlternateContent xmlns:mc="http://schemas.openxmlformats.org/markup-compatibility/2006" xmlns:a14="http://schemas.microsoft.com/office/drawing/2010/main">
+        <mc:Choice Requires="a14">
           <p:sp>
             <p:nvSpPr>
               <p:cNvPr id="1030" name="Rectangle 3"/>
@@ -34106,7 +34869,7 @@
             </p:txBody>
           </p:sp>
         </mc:Choice>
-        <mc:Fallback>
+        <mc:Fallback xmlns="">
           <p:sp>
             <p:nvSpPr>
               <p:cNvPr id="1030" name="Rectangle 3"/>
@@ -35772,8 +36535,8 @@
           </a:p>
         </p:txBody>
       </p:sp>
-      <mc:AlternateContent xmlns:mc="http://schemas.openxmlformats.org/markup-compatibility/2006">
-        <mc:Choice xmlns:a14="http://schemas.microsoft.com/office/drawing/2010/main" Requires="a14">
+      <mc:AlternateContent xmlns:mc="http://schemas.openxmlformats.org/markup-compatibility/2006" xmlns:a14="http://schemas.microsoft.com/office/drawing/2010/main">
+        <mc:Choice Requires="a14">
           <p:sp>
             <p:nvSpPr>
               <p:cNvPr id="91141" name="Rectangle 3"/>
@@ -37102,7 +37865,7 @@
             </p:txBody>
           </p:sp>
         </mc:Choice>
-        <mc:Fallback>
+        <mc:Fallback xmlns="">
           <p:sp>
             <p:nvSpPr>
               <p:cNvPr id="91141" name="Rectangle 3"/>
@@ -37219,8 +37982,8 @@
           </a:p>
         </p:txBody>
       </p:sp>
-      <mc:AlternateContent xmlns:mc="http://schemas.openxmlformats.org/markup-compatibility/2006">
-        <mc:Choice xmlns:a14="http://schemas.microsoft.com/office/drawing/2010/main" Requires="a14">
+      <mc:AlternateContent xmlns:mc="http://schemas.openxmlformats.org/markup-compatibility/2006" xmlns:a14="http://schemas.microsoft.com/office/drawing/2010/main">
+        <mc:Choice Requires="a14">
           <p:sp>
             <p:nvSpPr>
               <p:cNvPr id="89093" name="Rectangle 3"/>
@@ -37597,7 +38360,7 @@
             </p:txBody>
           </p:sp>
         </mc:Choice>
-        <mc:Fallback>
+        <mc:Fallback xmlns="">
           <p:sp>
             <p:nvSpPr>
               <p:cNvPr id="89093" name="Rectangle 3"/>
@@ -37714,8 +38477,8 @@
           </a:p>
         </p:txBody>
       </p:sp>
-      <mc:AlternateContent xmlns:mc="http://schemas.openxmlformats.org/markup-compatibility/2006">
-        <mc:Choice xmlns:a14="http://schemas.microsoft.com/office/drawing/2010/main" Requires="a14">
+      <mc:AlternateContent xmlns:mc="http://schemas.openxmlformats.org/markup-compatibility/2006" xmlns:a14="http://schemas.microsoft.com/office/drawing/2010/main">
+        <mc:Choice Requires="a14">
           <p:sp>
             <p:nvSpPr>
               <p:cNvPr id="1030" name="Rectangle 3"/>
@@ -38514,7 +39277,7 @@
             </p:txBody>
           </p:sp>
         </mc:Choice>
-        <mc:Fallback>
+        <mc:Fallback xmlns="">
           <p:sp>
             <p:nvSpPr>
               <p:cNvPr id="1030" name="Rectangle 3"/>
